--- a/组会汇报.pptx
+++ b/组会汇报.pptx
@@ -5,10 +5,10 @@
     <p:sldMasterId id="2147483648" r:id="rId1"/>
     <p:sldMasterId id="2147483651" r:id="rId2"/>
     <p:sldMasterId id="2147483655" r:id="rId3"/>
-    <p:sldMasterId id="2147483661" r:id="rId4"/>
+    <p:sldMasterId id="2147483662" r:id="rId4"/>
   </p:sldMasterIdLst>
   <p:notesMasterIdLst>
-    <p:notesMasterId r:id="rId18"/>
+    <p:notesMasterId r:id="rId22"/>
   </p:notesMasterIdLst>
   <p:sldIdLst>
     <p:sldId id="393" r:id="rId5"/>
@@ -20,15 +20,19 @@
     <p:sldId id="399" r:id="rId11"/>
     <p:sldId id="389" r:id="rId12"/>
     <p:sldId id="403" r:id="rId13"/>
-    <p:sldId id="404" r:id="rId14"/>
-    <p:sldId id="408" r:id="rId15"/>
-    <p:sldId id="409" r:id="rId16"/>
-    <p:sldId id="407" r:id="rId17"/>
+    <p:sldId id="411" r:id="rId14"/>
+    <p:sldId id="405" r:id="rId15"/>
+    <p:sldId id="406" r:id="rId16"/>
+    <p:sldId id="408" r:id="rId17"/>
+    <p:sldId id="409" r:id="rId18"/>
+    <p:sldId id="412" r:id="rId19"/>
+    <p:sldId id="413" r:id="rId20"/>
+    <p:sldId id="414" r:id="rId21"/>
   </p:sldIdLst>
   <p:sldSz cx="12192000" cy="6858000"/>
   <p:notesSz cx="6858000" cy="9144000"/>
   <p:custDataLst>
-    <p:tags r:id="rId19"/>
+    <p:tags r:id="rId23"/>
   </p:custDataLst>
   <p:defaultTextStyle>
     <a:defPPr>
@@ -223,7 +227,7 @@
           <a:p>
             <a:fld id="{A007E71C-5B10-4544-81CA-B2E7B1A2FCCD}" type="datetimeFigureOut">
               <a:rPr lang="zh-CN" altLang="en-US" smtClean="0"/>
-              <a:t>2024/11/16</a:t>
+              <a:t>2024/11/18</a:t>
             </a:fld>
             <a:endParaRPr lang="zh-CN" altLang="en-US"/>
           </a:p>
@@ -557,7 +561,7 @@
               <a:rPr lang="en-US" smtClean="0"/>
               <a:t>1</a:t>
             </a:fld>
-            <a:endParaRPr lang="en-US"/>
+            <a:endParaRPr lang="en-US" dirty="0"/>
           </a:p>
         </p:txBody>
       </p:sp>
@@ -980,7 +984,7 @@
               <a:t>explained_variance：解释方差，越接近</a:t>
             </a:r>
             <a:r>
-              <a:rPr lang="en-US" altLang="zh-CN"/>
+              <a:rPr lang="en-US" altLang="zh-CN" dirty="0"/>
               <a:t>1</a:t>
             </a:r>
             <a:r>
@@ -1333,7 +1337,7 @@
         <p:cNvPr id="1" name="">
           <a:extLst>
             <a:ext uri="{FF2B5EF4-FFF2-40B4-BE49-F238E27FC236}">
-              <a16:creationId xmlns:a16="http://schemas.microsoft.com/office/drawing/2014/main" id="{B3D65A2E-CA51-303F-DF76-0A1127DFF38A}"/>
+              <a16:creationId xmlns:a16="http://schemas.microsoft.com/office/drawing/2014/main" id="{F9512EBA-4414-5892-2C0A-0608F97342DE}"/>
             </a:ext>
           </a:extLst>
         </p:cNvPr>
@@ -1353,7 +1357,7 @@
           <p:cNvPr id="2" name="幻灯片图像占位符 1">
             <a:extLst>
               <a:ext uri="{FF2B5EF4-FFF2-40B4-BE49-F238E27FC236}">
-                <a16:creationId xmlns:a16="http://schemas.microsoft.com/office/drawing/2014/main" id="{10342FCE-322F-5E5E-7ADB-8D511A2AF1B7}"/>
+                <a16:creationId xmlns:a16="http://schemas.microsoft.com/office/drawing/2014/main" id="{CEFE2E73-935B-2E80-FB65-7A4133E581B2}"/>
               </a:ext>
             </a:extLst>
           </p:cNvPr>
@@ -1376,7 +1380,7 @@
           <p:cNvPr id="3" name="备注占位符 2">
             <a:extLst>
               <a:ext uri="{FF2B5EF4-FFF2-40B4-BE49-F238E27FC236}">
-                <a16:creationId xmlns:a16="http://schemas.microsoft.com/office/drawing/2014/main" id="{96129AC1-7681-2444-876A-721A7504A353}"/>
+                <a16:creationId xmlns:a16="http://schemas.microsoft.com/office/drawing/2014/main" id="{5354DDB2-B7F2-42A2-B6A1-B6FA72630891}"/>
               </a:ext>
             </a:extLst>
           </p:cNvPr>
@@ -1401,7 +1405,7 @@
           <p:cNvPr id="4" name="灯片编号占位符 3">
             <a:extLst>
               <a:ext uri="{FF2B5EF4-FFF2-40B4-BE49-F238E27FC236}">
-                <a16:creationId xmlns:a16="http://schemas.microsoft.com/office/drawing/2014/main" id="{C41CAA0C-31D4-018B-FA2A-B84C67478E8F}"/>
+                <a16:creationId xmlns:a16="http://schemas.microsoft.com/office/drawing/2014/main" id="{CE3AE062-668D-0A91-376D-18D3CB1EDD96}"/>
               </a:ext>
             </a:extLst>
           </p:cNvPr>
@@ -1421,14 +1425,14 @@
               <a:rPr lang="en-US" smtClean="0"/>
               <a:t>10</a:t>
             </a:fld>
-            <a:endParaRPr lang="en-US"/>
+            <a:endParaRPr lang="en-US" dirty="0"/>
           </a:p>
         </p:txBody>
       </p:sp>
     </p:spTree>
     <p:extLst>
       <p:ext uri="{BB962C8B-B14F-4D97-AF65-F5344CB8AC3E}">
-        <p14:creationId xmlns:p14="http://schemas.microsoft.com/office/powerpoint/2010/main" val="3010784103"/>
+        <p14:creationId xmlns:p14="http://schemas.microsoft.com/office/powerpoint/2010/main" val="836816396"/>
       </p:ext>
     </p:extLst>
   </p:cSld>
@@ -1446,7 +1450,7 @@
         <p:cNvPr id="1" name="">
           <a:extLst>
             <a:ext uri="{FF2B5EF4-FFF2-40B4-BE49-F238E27FC236}">
-              <a16:creationId xmlns:a16="http://schemas.microsoft.com/office/drawing/2014/main" id="{4810D54D-1BEC-E4FF-7F67-419AB9FABA30}"/>
+              <a16:creationId xmlns:a16="http://schemas.microsoft.com/office/drawing/2014/main" id="{9F33275C-ED05-3686-4019-89CF6EEEC366}"/>
             </a:ext>
           </a:extLst>
         </p:cNvPr>
@@ -1466,7 +1470,7 @@
           <p:cNvPr id="2" name="幻灯片图像占位符 1">
             <a:extLst>
               <a:ext uri="{FF2B5EF4-FFF2-40B4-BE49-F238E27FC236}">
-                <a16:creationId xmlns:a16="http://schemas.microsoft.com/office/drawing/2014/main" id="{31BC87B3-D7D1-3527-9A37-146D5054F37C}"/>
+                <a16:creationId xmlns:a16="http://schemas.microsoft.com/office/drawing/2014/main" id="{53C16DD0-A26D-5CA7-4B75-BB7ED97F7258}"/>
               </a:ext>
             </a:extLst>
           </p:cNvPr>
@@ -1477,14 +1481,19 @@
             <p:ph type="sldImg"/>
           </p:nvPr>
         </p:nvSpPr>
-        <p:spPr/>
+        <p:spPr>
+          <a:xfrm>
+            <a:off x="420688" y="1241425"/>
+            <a:ext cx="5956300" cy="3349625"/>
+          </a:xfrm>
+        </p:spPr>
       </p:sp>
       <p:sp>
         <p:nvSpPr>
           <p:cNvPr id="3" name="备注占位符 2">
             <a:extLst>
               <a:ext uri="{FF2B5EF4-FFF2-40B4-BE49-F238E27FC236}">
-                <a16:creationId xmlns:a16="http://schemas.microsoft.com/office/drawing/2014/main" id="{7D26ADBD-DAE9-D68F-4D00-DCEE7827DD02}"/>
+                <a16:creationId xmlns:a16="http://schemas.microsoft.com/office/drawing/2014/main" id="{ABFEDAA8-4AE4-7C0F-49B3-584D4E46EA70}"/>
               </a:ext>
             </a:extLst>
           </p:cNvPr>
@@ -1506,10 +1515,10 @@
       </p:sp>
       <p:sp>
         <p:nvSpPr>
-          <p:cNvPr id="4" name="页脚占位符 3">
+          <p:cNvPr id="4" name="灯片编号占位符 3">
             <a:extLst>
               <a:ext uri="{FF2B5EF4-FFF2-40B4-BE49-F238E27FC236}">
-                <a16:creationId xmlns:a16="http://schemas.microsoft.com/office/drawing/2014/main" id="{F4A6C2AA-B7F1-D6B1-A109-59194F9F3DB4}"/>
+                <a16:creationId xmlns:a16="http://schemas.microsoft.com/office/drawing/2014/main" id="{5E1FA087-A0B1-9058-BA71-9D0D3FC14A21}"/>
               </a:ext>
             </a:extLst>
           </p:cNvPr>
@@ -1517,7 +1526,7 @@
             <a:spLocks noGrp="1"/>
           </p:cNvSpPr>
           <p:nvPr>
-            <p:ph type="ftr" sz="quarter" idx="4"/>
+            <p:ph type="sldNum" sz="quarter" idx="10"/>
           </p:nvPr>
         </p:nvSpPr>
         <p:spPr/>
@@ -1525,522 +1534,18 @@
           <a:bodyPr/>
           <a:lstStyle/>
           <a:p>
-            <a:pPr marL="0" marR="0" lvl="0" indent="0" algn="l" defTabSz="914400" rtl="0" eaLnBrk="1" fontAlgn="auto" latinLnBrk="0" hangingPunct="1">
-              <a:lnSpc>
-                <a:spcPct val="100000"/>
-              </a:lnSpc>
-              <a:spcBef>
-                <a:spcPts val="0"/>
-              </a:spcBef>
-              <a:spcAft>
-                <a:spcPts val="0"/>
-              </a:spcAft>
-              <a:buClrTx/>
-              <a:buSzTx/>
-              <a:buFontTx/>
-              <a:buNone/>
-              <a:defRPr/>
-            </a:pPr>
-            <a:endParaRPr kumimoji="0" lang="de-DE" sz="1200" b="0" i="0" u="none" strike="noStrike" kern="1200" cap="none" spc="0" normalizeH="0" baseline="0" noProof="0">
-              <a:ln>
-                <a:noFill/>
-              </a:ln>
-              <a:solidFill>
-                <a:prstClr val="black"/>
-              </a:solidFill>
-              <a:effectLst/>
-              <a:uLnTx/>
-              <a:uFillTx/>
-              <a:latin typeface="BMW Group"/>
-              <a:ea typeface="+mn-ea"/>
-              <a:cs typeface="+mn-cs"/>
-            </a:endParaRPr>
-          </a:p>
-        </p:txBody>
-      </p:sp>
-      <p:sp>
-        <p:nvSpPr>
-          <p:cNvPr id="5" name="灯片编号占位符 4">
-            <a:extLst>
-              <a:ext uri="{FF2B5EF4-FFF2-40B4-BE49-F238E27FC236}">
-                <a16:creationId xmlns:a16="http://schemas.microsoft.com/office/drawing/2014/main" id="{162B0CA7-0187-4883-6958-B44A145B0659}"/>
-              </a:ext>
-            </a:extLst>
-          </p:cNvPr>
-          <p:cNvSpPr>
-            <a:spLocks noGrp="1"/>
-          </p:cNvSpPr>
-          <p:nvPr>
-            <p:ph type="sldNum" sz="quarter" idx="5"/>
-          </p:nvPr>
-        </p:nvSpPr>
-        <p:spPr/>
-        <p:txBody>
-          <a:bodyPr/>
-          <a:lstStyle/>
-          <a:p>
-            <a:pPr marL="0" marR="0" lvl="0" indent="0" algn="r" defTabSz="914400" rtl="0" eaLnBrk="1" fontAlgn="auto" latinLnBrk="0" hangingPunct="1">
-              <a:lnSpc>
-                <a:spcPct val="100000"/>
-              </a:lnSpc>
-              <a:spcBef>
-                <a:spcPts val="0"/>
-              </a:spcBef>
-              <a:spcAft>
-                <a:spcPts val="0"/>
-              </a:spcAft>
-              <a:buClrTx/>
-              <a:buSzTx/>
-              <a:buFontTx/>
-              <a:buNone/>
-              <a:defRPr/>
-            </a:pPr>
-            <a:fld id="{F67A725A-9256-4EC5-8CDB-4CC5D97770DD}" type="slidenum">
-              <a:rPr kumimoji="0" lang="de-DE" sz="1200" b="0" i="0" u="none" strike="noStrike" kern="1200" cap="none" spc="0" normalizeH="0" baseline="0" noProof="0" smtClean="0">
-                <a:ln>
-                  <a:noFill/>
-                </a:ln>
-                <a:solidFill>
-                  <a:prstClr val="black"/>
-                </a:solidFill>
-                <a:effectLst/>
-                <a:uLnTx/>
-                <a:uFillTx/>
-                <a:latin typeface="BMW Group"/>
-                <a:ea typeface="+mn-ea"/>
-                <a:cs typeface="+mn-cs"/>
-              </a:rPr>
-              <a:t>11</a:t>
+            <a:fld id="{DDB02DA9-F637-CB4D-BC72-92066AEB9C9A}" type="slidenum">
+              <a:rPr lang="en-US" smtClean="0"/>
+              <a:t>15</a:t>
             </a:fld>
-            <a:endParaRPr kumimoji="0" lang="de-DE" sz="1200" b="0" i="0" u="none" strike="noStrike" kern="1200" cap="none" spc="0" normalizeH="0" baseline="0" noProof="0">
-              <a:ln>
-                <a:noFill/>
-              </a:ln>
-              <a:solidFill>
-                <a:prstClr val="black"/>
-              </a:solidFill>
-              <a:effectLst/>
-              <a:uLnTx/>
-              <a:uFillTx/>
-              <a:latin typeface="BMW Group"/>
-              <a:ea typeface="+mn-ea"/>
-              <a:cs typeface="+mn-cs"/>
-            </a:endParaRPr>
+            <a:endParaRPr lang="en-US" dirty="0"/>
           </a:p>
         </p:txBody>
       </p:sp>
     </p:spTree>
     <p:extLst>
       <p:ext uri="{BB962C8B-B14F-4D97-AF65-F5344CB8AC3E}">
-        <p14:creationId xmlns:p14="http://schemas.microsoft.com/office/powerpoint/2010/main" val="317030547"/>
-      </p:ext>
-    </p:extLst>
-  </p:cSld>
-  <p:clrMapOvr>
-    <a:masterClrMapping/>
-  </p:clrMapOvr>
-</p:notes>
-</file>
-
-<file path=ppt/notesSlides/notesSlide8.xml><?xml version="1.0" encoding="utf-8"?>
-<p:notes xmlns:a="http://schemas.openxmlformats.org/drawingml/2006/main" xmlns:r="http://schemas.openxmlformats.org/officeDocument/2006/relationships" xmlns:p="http://schemas.openxmlformats.org/presentationml/2006/main">
-  <p:cSld>
-    <p:spTree>
-      <p:nvGrpSpPr>
-        <p:cNvPr id="1" name="">
-          <a:extLst>
-            <a:ext uri="{FF2B5EF4-FFF2-40B4-BE49-F238E27FC236}">
-              <a16:creationId xmlns:a16="http://schemas.microsoft.com/office/drawing/2014/main" id="{A30F2850-DB34-F419-40F7-85D2813455E0}"/>
-            </a:ext>
-          </a:extLst>
-        </p:cNvPr>
-        <p:cNvGrpSpPr/>
-        <p:nvPr/>
-      </p:nvGrpSpPr>
-      <p:grpSpPr>
-        <a:xfrm>
-          <a:off x="0" y="0"/>
-          <a:ext cx="0" cy="0"/>
-          <a:chOff x="0" y="0"/>
-          <a:chExt cx="0" cy="0"/>
-        </a:xfrm>
-      </p:grpSpPr>
-      <p:sp>
-        <p:nvSpPr>
-          <p:cNvPr id="2" name="幻灯片图像占位符 1">
-            <a:extLst>
-              <a:ext uri="{FF2B5EF4-FFF2-40B4-BE49-F238E27FC236}">
-                <a16:creationId xmlns:a16="http://schemas.microsoft.com/office/drawing/2014/main" id="{CD5CACC1-BE97-69B8-9D0F-960C288EFBDC}"/>
-              </a:ext>
-            </a:extLst>
-          </p:cNvPr>
-          <p:cNvSpPr>
-            <a:spLocks noGrp="1" noRot="1" noChangeAspect="1"/>
-          </p:cNvSpPr>
-          <p:nvPr>
-            <p:ph type="sldImg"/>
-          </p:nvPr>
-        </p:nvSpPr>
-        <p:spPr/>
-      </p:sp>
-      <p:sp>
-        <p:nvSpPr>
-          <p:cNvPr id="3" name="备注占位符 2">
-            <a:extLst>
-              <a:ext uri="{FF2B5EF4-FFF2-40B4-BE49-F238E27FC236}">
-                <a16:creationId xmlns:a16="http://schemas.microsoft.com/office/drawing/2014/main" id="{27424CC6-78C3-6532-0320-7DD2C02248D5}"/>
-              </a:ext>
-            </a:extLst>
-          </p:cNvPr>
-          <p:cNvSpPr>
-            <a:spLocks noGrp="1"/>
-          </p:cNvSpPr>
-          <p:nvPr>
-            <p:ph type="body" idx="1"/>
-          </p:nvPr>
-        </p:nvSpPr>
-        <p:spPr/>
-        <p:txBody>
-          <a:bodyPr/>
-          <a:lstStyle/>
-          <a:p>
-            <a:endParaRPr lang="zh-CN" altLang="en-US" dirty="0"/>
-          </a:p>
-        </p:txBody>
-      </p:sp>
-      <p:sp>
-        <p:nvSpPr>
-          <p:cNvPr id="4" name="页脚占位符 3">
-            <a:extLst>
-              <a:ext uri="{FF2B5EF4-FFF2-40B4-BE49-F238E27FC236}">
-                <a16:creationId xmlns:a16="http://schemas.microsoft.com/office/drawing/2014/main" id="{DC4F575C-38D4-CDF1-9434-416F36B0EE35}"/>
-              </a:ext>
-            </a:extLst>
-          </p:cNvPr>
-          <p:cNvSpPr>
-            <a:spLocks noGrp="1"/>
-          </p:cNvSpPr>
-          <p:nvPr>
-            <p:ph type="ftr" sz="quarter" idx="4"/>
-          </p:nvPr>
-        </p:nvSpPr>
-        <p:spPr/>
-        <p:txBody>
-          <a:bodyPr/>
-          <a:lstStyle/>
-          <a:p>
-            <a:pPr marL="0" marR="0" lvl="0" indent="0" algn="l" defTabSz="914400" rtl="0" eaLnBrk="1" fontAlgn="auto" latinLnBrk="0" hangingPunct="1">
-              <a:lnSpc>
-                <a:spcPct val="100000"/>
-              </a:lnSpc>
-              <a:spcBef>
-                <a:spcPts val="0"/>
-              </a:spcBef>
-              <a:spcAft>
-                <a:spcPts val="0"/>
-              </a:spcAft>
-              <a:buClrTx/>
-              <a:buSzTx/>
-              <a:buFontTx/>
-              <a:buNone/>
-              <a:defRPr/>
-            </a:pPr>
-            <a:endParaRPr kumimoji="0" lang="de-DE" sz="1200" b="0" i="0" u="none" strike="noStrike" kern="1200" cap="none" spc="0" normalizeH="0" baseline="0" noProof="0">
-              <a:ln>
-                <a:noFill/>
-              </a:ln>
-              <a:solidFill>
-                <a:prstClr val="black"/>
-              </a:solidFill>
-              <a:effectLst/>
-              <a:uLnTx/>
-              <a:uFillTx/>
-              <a:latin typeface="BMW Group"/>
-              <a:ea typeface="+mn-ea"/>
-              <a:cs typeface="+mn-cs"/>
-            </a:endParaRPr>
-          </a:p>
-        </p:txBody>
-      </p:sp>
-      <p:sp>
-        <p:nvSpPr>
-          <p:cNvPr id="5" name="灯片编号占位符 4">
-            <a:extLst>
-              <a:ext uri="{FF2B5EF4-FFF2-40B4-BE49-F238E27FC236}">
-                <a16:creationId xmlns:a16="http://schemas.microsoft.com/office/drawing/2014/main" id="{2FEBCFFD-0E26-C962-27F2-6A5700E438AA}"/>
-              </a:ext>
-            </a:extLst>
-          </p:cNvPr>
-          <p:cNvSpPr>
-            <a:spLocks noGrp="1"/>
-          </p:cNvSpPr>
-          <p:nvPr>
-            <p:ph type="sldNum" sz="quarter" idx="5"/>
-          </p:nvPr>
-        </p:nvSpPr>
-        <p:spPr/>
-        <p:txBody>
-          <a:bodyPr/>
-          <a:lstStyle/>
-          <a:p>
-            <a:pPr marL="0" marR="0" lvl="0" indent="0" algn="r" defTabSz="914400" rtl="0" eaLnBrk="1" fontAlgn="auto" latinLnBrk="0" hangingPunct="1">
-              <a:lnSpc>
-                <a:spcPct val="100000"/>
-              </a:lnSpc>
-              <a:spcBef>
-                <a:spcPts val="0"/>
-              </a:spcBef>
-              <a:spcAft>
-                <a:spcPts val="0"/>
-              </a:spcAft>
-              <a:buClrTx/>
-              <a:buSzTx/>
-              <a:buFontTx/>
-              <a:buNone/>
-              <a:defRPr/>
-            </a:pPr>
-            <a:fld id="{F67A725A-9256-4EC5-8CDB-4CC5D97770DD}" type="slidenum">
-              <a:rPr kumimoji="0" lang="de-DE" sz="1200" b="0" i="0" u="none" strike="noStrike" kern="1200" cap="none" spc="0" normalizeH="0" baseline="0" noProof="0" smtClean="0">
-                <a:ln>
-                  <a:noFill/>
-                </a:ln>
-                <a:solidFill>
-                  <a:prstClr val="black"/>
-                </a:solidFill>
-                <a:effectLst/>
-                <a:uLnTx/>
-                <a:uFillTx/>
-                <a:latin typeface="BMW Group"/>
-                <a:ea typeface="+mn-ea"/>
-                <a:cs typeface="+mn-cs"/>
-              </a:rPr>
-              <a:t>12</a:t>
-            </a:fld>
-            <a:endParaRPr kumimoji="0" lang="de-DE" sz="1200" b="0" i="0" u="none" strike="noStrike" kern="1200" cap="none" spc="0" normalizeH="0" baseline="0" noProof="0">
-              <a:ln>
-                <a:noFill/>
-              </a:ln>
-              <a:solidFill>
-                <a:prstClr val="black"/>
-              </a:solidFill>
-              <a:effectLst/>
-              <a:uLnTx/>
-              <a:uFillTx/>
-              <a:latin typeface="BMW Group"/>
-              <a:ea typeface="+mn-ea"/>
-              <a:cs typeface="+mn-cs"/>
-            </a:endParaRPr>
-          </a:p>
-        </p:txBody>
-      </p:sp>
-    </p:spTree>
-    <p:extLst>
-      <p:ext uri="{BB962C8B-B14F-4D97-AF65-F5344CB8AC3E}">
-        <p14:creationId xmlns:p14="http://schemas.microsoft.com/office/powerpoint/2010/main" val="2178043719"/>
-      </p:ext>
-    </p:extLst>
-  </p:cSld>
-  <p:clrMapOvr>
-    <a:masterClrMapping/>
-  </p:clrMapOvr>
-</p:notes>
-</file>
-
-<file path=ppt/notesSlides/notesSlide9.xml><?xml version="1.0" encoding="utf-8"?>
-<p:notes xmlns:a="http://schemas.openxmlformats.org/drawingml/2006/main" xmlns:r="http://schemas.openxmlformats.org/officeDocument/2006/relationships" xmlns:p="http://schemas.openxmlformats.org/presentationml/2006/main">
-  <p:cSld>
-    <p:spTree>
-      <p:nvGrpSpPr>
-        <p:cNvPr id="1" name="">
-          <a:extLst>
-            <a:ext uri="{FF2B5EF4-FFF2-40B4-BE49-F238E27FC236}">
-              <a16:creationId xmlns:a16="http://schemas.microsoft.com/office/drawing/2014/main" id="{CB652155-E2F0-4322-02B4-E7160CCF0659}"/>
-            </a:ext>
-          </a:extLst>
-        </p:cNvPr>
-        <p:cNvGrpSpPr/>
-        <p:nvPr/>
-      </p:nvGrpSpPr>
-      <p:grpSpPr>
-        <a:xfrm>
-          <a:off x="0" y="0"/>
-          <a:ext cx="0" cy="0"/>
-          <a:chOff x="0" y="0"/>
-          <a:chExt cx="0" cy="0"/>
-        </a:xfrm>
-      </p:grpSpPr>
-      <p:sp>
-        <p:nvSpPr>
-          <p:cNvPr id="2" name="幻灯片图像占位符 1">
-            <a:extLst>
-              <a:ext uri="{FF2B5EF4-FFF2-40B4-BE49-F238E27FC236}">
-                <a16:creationId xmlns:a16="http://schemas.microsoft.com/office/drawing/2014/main" id="{3A83A1F3-AB3B-D1EA-8086-F2DF491A33E7}"/>
-              </a:ext>
-            </a:extLst>
-          </p:cNvPr>
-          <p:cNvSpPr>
-            <a:spLocks noGrp="1" noRot="1" noChangeAspect="1"/>
-          </p:cNvSpPr>
-          <p:nvPr>
-            <p:ph type="sldImg"/>
-          </p:nvPr>
-        </p:nvSpPr>
-        <p:spPr/>
-      </p:sp>
-      <p:sp>
-        <p:nvSpPr>
-          <p:cNvPr id="3" name="备注占位符 2">
-            <a:extLst>
-              <a:ext uri="{FF2B5EF4-FFF2-40B4-BE49-F238E27FC236}">
-                <a16:creationId xmlns:a16="http://schemas.microsoft.com/office/drawing/2014/main" id="{01DCF725-7A9D-D3AB-240D-1B29B8624CB8}"/>
-              </a:ext>
-            </a:extLst>
-          </p:cNvPr>
-          <p:cNvSpPr>
-            <a:spLocks noGrp="1"/>
-          </p:cNvSpPr>
-          <p:nvPr>
-            <p:ph type="body" idx="1"/>
-          </p:nvPr>
-        </p:nvSpPr>
-        <p:spPr/>
-        <p:txBody>
-          <a:bodyPr/>
-          <a:lstStyle/>
-          <a:p>
-            <a:endParaRPr lang="zh-CN" altLang="en-US" dirty="0"/>
-          </a:p>
-        </p:txBody>
-      </p:sp>
-      <p:sp>
-        <p:nvSpPr>
-          <p:cNvPr id="4" name="页脚占位符 3">
-            <a:extLst>
-              <a:ext uri="{FF2B5EF4-FFF2-40B4-BE49-F238E27FC236}">
-                <a16:creationId xmlns:a16="http://schemas.microsoft.com/office/drawing/2014/main" id="{38940E99-756E-26E8-AAC9-11AA9924E92A}"/>
-              </a:ext>
-            </a:extLst>
-          </p:cNvPr>
-          <p:cNvSpPr>
-            <a:spLocks noGrp="1"/>
-          </p:cNvSpPr>
-          <p:nvPr>
-            <p:ph type="ftr" sz="quarter" idx="4"/>
-          </p:nvPr>
-        </p:nvSpPr>
-        <p:spPr/>
-        <p:txBody>
-          <a:bodyPr/>
-          <a:lstStyle/>
-          <a:p>
-            <a:pPr marL="0" marR="0" lvl="0" indent="0" algn="l" defTabSz="914400" rtl="0" eaLnBrk="1" fontAlgn="auto" latinLnBrk="0" hangingPunct="1">
-              <a:lnSpc>
-                <a:spcPct val="100000"/>
-              </a:lnSpc>
-              <a:spcBef>
-                <a:spcPts val="0"/>
-              </a:spcBef>
-              <a:spcAft>
-                <a:spcPts val="0"/>
-              </a:spcAft>
-              <a:buClrTx/>
-              <a:buSzTx/>
-              <a:buFontTx/>
-              <a:buNone/>
-              <a:defRPr/>
-            </a:pPr>
-            <a:endParaRPr kumimoji="0" lang="de-DE" sz="1200" b="0" i="0" u="none" strike="noStrike" kern="1200" cap="none" spc="0" normalizeH="0" baseline="0" noProof="0">
-              <a:ln>
-                <a:noFill/>
-              </a:ln>
-              <a:solidFill>
-                <a:prstClr val="black"/>
-              </a:solidFill>
-              <a:effectLst/>
-              <a:uLnTx/>
-              <a:uFillTx/>
-              <a:latin typeface="BMW Group"/>
-              <a:ea typeface="+mn-ea"/>
-              <a:cs typeface="+mn-cs"/>
-            </a:endParaRPr>
-          </a:p>
-        </p:txBody>
-      </p:sp>
-      <p:sp>
-        <p:nvSpPr>
-          <p:cNvPr id="5" name="灯片编号占位符 4">
-            <a:extLst>
-              <a:ext uri="{FF2B5EF4-FFF2-40B4-BE49-F238E27FC236}">
-                <a16:creationId xmlns:a16="http://schemas.microsoft.com/office/drawing/2014/main" id="{5E01E84F-2FC1-9906-0AC2-400BBA7183DA}"/>
-              </a:ext>
-            </a:extLst>
-          </p:cNvPr>
-          <p:cNvSpPr>
-            <a:spLocks noGrp="1"/>
-          </p:cNvSpPr>
-          <p:nvPr>
-            <p:ph type="sldNum" sz="quarter" idx="5"/>
-          </p:nvPr>
-        </p:nvSpPr>
-        <p:spPr/>
-        <p:txBody>
-          <a:bodyPr/>
-          <a:lstStyle/>
-          <a:p>
-            <a:pPr marL="0" marR="0" lvl="0" indent="0" algn="r" defTabSz="914400" rtl="0" eaLnBrk="1" fontAlgn="auto" latinLnBrk="0" hangingPunct="1">
-              <a:lnSpc>
-                <a:spcPct val="100000"/>
-              </a:lnSpc>
-              <a:spcBef>
-                <a:spcPts val="0"/>
-              </a:spcBef>
-              <a:spcAft>
-                <a:spcPts val="0"/>
-              </a:spcAft>
-              <a:buClrTx/>
-              <a:buSzTx/>
-              <a:buFontTx/>
-              <a:buNone/>
-              <a:defRPr/>
-            </a:pPr>
-            <a:fld id="{F67A725A-9256-4EC5-8CDB-4CC5D97770DD}" type="slidenum">
-              <a:rPr kumimoji="0" lang="de-DE" sz="1200" b="0" i="0" u="none" strike="noStrike" kern="1200" cap="none" spc="0" normalizeH="0" baseline="0" noProof="0" smtClean="0">
-                <a:ln>
-                  <a:noFill/>
-                </a:ln>
-                <a:solidFill>
-                  <a:prstClr val="black"/>
-                </a:solidFill>
-                <a:effectLst/>
-                <a:uLnTx/>
-                <a:uFillTx/>
-                <a:latin typeface="BMW Group"/>
-                <a:ea typeface="+mn-ea"/>
-                <a:cs typeface="+mn-cs"/>
-              </a:rPr>
-              <a:t>13</a:t>
-            </a:fld>
-            <a:endParaRPr kumimoji="0" lang="de-DE" sz="1200" b="0" i="0" u="none" strike="noStrike" kern="1200" cap="none" spc="0" normalizeH="0" baseline="0" noProof="0">
-              <a:ln>
-                <a:noFill/>
-              </a:ln>
-              <a:solidFill>
-                <a:prstClr val="black"/>
-              </a:solidFill>
-              <a:effectLst/>
-              <a:uLnTx/>
-              <a:uFillTx/>
-              <a:latin typeface="BMW Group"/>
-              <a:ea typeface="+mn-ea"/>
-              <a:cs typeface="+mn-cs"/>
-            </a:endParaRPr>
-          </a:p>
-        </p:txBody>
-      </p:sp>
-    </p:spTree>
-    <p:extLst>
-      <p:ext uri="{BB962C8B-B14F-4D97-AF65-F5344CB8AC3E}">
-        <p14:creationId xmlns:p14="http://schemas.microsoft.com/office/powerpoint/2010/main" val="2075278293"/>
+        <p14:creationId xmlns:p14="http://schemas.microsoft.com/office/powerpoint/2010/main" val="950161421"/>
       </p:ext>
     </p:extLst>
   </p:cSld>
@@ -2719,6 +2224,106 @@
 </file>
 
 <file path=ppt/slideLayouts/slideLayout11.xml><?xml version="1.0" encoding="utf-8"?>
+<p:sldLayout xmlns:a="http://schemas.openxmlformats.org/drawingml/2006/main" xmlns:r="http://schemas.openxmlformats.org/officeDocument/2006/relationships" xmlns:p="http://schemas.openxmlformats.org/presentationml/2006/main" type="blank" preserve="1">
+  <p:cSld name="空白">
+    <p:spTree>
+      <p:nvGrpSpPr>
+        <p:cNvPr id="1" name=""/>
+        <p:cNvGrpSpPr/>
+        <p:nvPr/>
+      </p:nvGrpSpPr>
+      <p:grpSpPr>
+        <a:xfrm>
+          <a:off x="0" y="0"/>
+          <a:ext cx="0" cy="0"/>
+          <a:chOff x="0" y="0"/>
+          <a:chExt cx="0" cy="0"/>
+        </a:xfrm>
+      </p:grpSpPr>
+      <p:sp>
+        <p:nvSpPr>
+          <p:cNvPr id="2" name="日期占位符 1"/>
+          <p:cNvSpPr>
+            <a:spLocks noGrp="1"/>
+          </p:cNvSpPr>
+          <p:nvPr>
+            <p:ph type="dt" sz="half" idx="10"/>
+          </p:nvPr>
+        </p:nvSpPr>
+        <p:spPr>
+          <a:xfrm>
+            <a:off x="838200" y="6356350"/>
+            <a:ext cx="2743200" cy="365125"/>
+          </a:xfrm>
+        </p:spPr>
+        <p:txBody>
+          <a:bodyPr/>
+          <a:lstStyle/>
+          <a:p>
+            <a:fld id="{82F288E0-7875-42C4-84C8-98DBBD3BF4D2}" type="datetimeFigureOut">
+              <a:rPr lang="zh-CN" altLang="en-US" smtClean="0"/>
+              <a:t>2024/11/18</a:t>
+            </a:fld>
+            <a:endParaRPr lang="zh-CN" altLang="en-US"/>
+          </a:p>
+        </p:txBody>
+      </p:sp>
+      <p:sp>
+        <p:nvSpPr>
+          <p:cNvPr id="3" name="页脚占位符 2"/>
+          <p:cNvSpPr>
+            <a:spLocks noGrp="1"/>
+          </p:cNvSpPr>
+          <p:nvPr>
+            <p:ph type="ftr" sz="quarter" idx="11"/>
+          </p:nvPr>
+        </p:nvSpPr>
+        <p:spPr>
+          <a:xfrm>
+            <a:off x="4038600" y="6356350"/>
+            <a:ext cx="4114800" cy="365125"/>
+          </a:xfrm>
+        </p:spPr>
+        <p:txBody>
+          <a:bodyPr/>
+          <a:lstStyle/>
+          <a:p>
+            <a:endParaRPr lang="zh-CN" altLang="en-US"/>
+          </a:p>
+        </p:txBody>
+      </p:sp>
+      <p:sp>
+        <p:nvSpPr>
+          <p:cNvPr id="4" name="灯片编号占位符 3"/>
+          <p:cNvSpPr>
+            <a:spLocks noGrp="1"/>
+          </p:cNvSpPr>
+          <p:nvPr>
+            <p:ph type="sldNum" sz="quarter" idx="12"/>
+          </p:nvPr>
+        </p:nvSpPr>
+        <p:spPr/>
+        <p:txBody>
+          <a:bodyPr/>
+          <a:lstStyle/>
+          <a:p>
+            <a:fld id="{CE0EC710-139A-4CA2-AAD7-77B43670B718}" type="slidenum">
+              <a:rPr lang="zh-CN" altLang="en-US" smtClean="0"/>
+              <a:t>‹#›</a:t>
+            </a:fld>
+            <a:endParaRPr lang="zh-CN" altLang="en-US" dirty="0"/>
+          </a:p>
+        </p:txBody>
+      </p:sp>
+    </p:spTree>
+  </p:cSld>
+  <p:clrMapOvr>
+    <a:masterClrMapping/>
+  </p:clrMapOvr>
+</p:sldLayout>
+</file>
+
+<file path=ppt/slideLayouts/slideLayout12.xml><?xml version="1.0" encoding="utf-8"?>
 <p:sldLayout xmlns:a="http://schemas.openxmlformats.org/drawingml/2006/main" xmlns:r="http://schemas.openxmlformats.org/officeDocument/2006/relationships" xmlns:p="http://schemas.openxmlformats.org/presentationml/2006/main" preserve="1" userDrawn="1">
   <p:cSld name="标题幻灯片">
     <p:spTree>
@@ -2813,7 +2418,7 @@
           </a:lstStyle>
           <a:p>
             <a:r>
-              <a:rPr lang="en-US" altLang="zh-CN"/>
+              <a:rPr lang="en-US" altLang="zh-CN" dirty="0"/>
               <a:t>Drag picture to placeholder or click icon to add</a:t>
             </a:r>
             <a:endParaRPr lang="zh-CN" altLang="en-US" dirty="0"/>
@@ -3099,7 +2704,7 @@
                   </a:schemeClr>
                 </a:solidFill>
               </a:rPr>
-              <a:t>2024/11/16</a:t>
+              <a:t>2024/11/18</a:t>
             </a:fld>
             <a:endParaRPr lang="zh-CN" altLang="en-US" sz="1400" dirty="0">
               <a:solidFill>
@@ -3286,7 +2891,7 @@
 </p:sldLayout>
 </file>
 
-<file path=ppt/slideLayouts/slideLayout12.xml><?xml version="1.0" encoding="utf-8"?>
+<file path=ppt/slideLayouts/slideLayout13.xml><?xml version="1.0" encoding="utf-8"?>
 <p:sldLayout xmlns:a="http://schemas.openxmlformats.org/drawingml/2006/main" xmlns:r="http://schemas.openxmlformats.org/officeDocument/2006/relationships" xmlns:p="http://schemas.openxmlformats.org/presentationml/2006/main" preserve="1" userDrawn="1">
   <p:cSld name="1_标题幻灯片">
     <p:spTree>
@@ -3407,7 +3012,7 @@
           </a:lstStyle>
           <a:p>
             <a:r>
-              <a:rPr lang="en-US" altLang="zh-CN"/>
+              <a:rPr lang="en-US" altLang="zh-CN" dirty="0"/>
               <a:t>Drag picture to placeholder or click icon to add</a:t>
             </a:r>
             <a:endParaRPr lang="zh-CN" altLang="en-US" dirty="0"/>
@@ -3447,7 +3052,7 @@
             </a:pPr>
             <a:fld id="{8FC7DBC8-975C-4207-936C-01FC1A90A004}" type="datetime1">
               <a:rPr lang="zh-CN" altLang="en-US" sz="1400" smtClean="0"/>
-              <a:t>2024/11/16</a:t>
+              <a:t>2024/11/18</a:t>
             </a:fld>
             <a:endParaRPr lang="zh-CN" altLang="en-US" sz="1400" dirty="0"/>
           </a:p>
@@ -3670,7 +3275,7 @@
 </p:sldLayout>
 </file>
 
-<file path=ppt/slideLayouts/slideLayout13.xml><?xml version="1.0" encoding="utf-8"?>
+<file path=ppt/slideLayouts/slideLayout14.xml><?xml version="1.0" encoding="utf-8"?>
 <p:sldLayout xmlns:a="http://schemas.openxmlformats.org/drawingml/2006/main" xmlns:r="http://schemas.openxmlformats.org/officeDocument/2006/relationships" xmlns:p="http://schemas.openxmlformats.org/presentationml/2006/main" preserve="1" userDrawn="1">
   <p:cSld name="2_标题幻灯片">
     <p:spTree>
@@ -3791,7 +3396,7 @@
           </a:lstStyle>
           <a:p>
             <a:r>
-              <a:rPr lang="en-US" altLang="zh-CN"/>
+              <a:rPr lang="en-US" altLang="zh-CN" dirty="0"/>
               <a:t>Drag picture to placeholder or click icon to add</a:t>
             </a:r>
             <a:endParaRPr lang="zh-CN" altLang="en-US" dirty="0"/>
@@ -3876,7 +3481,7 @@
                   </a:schemeClr>
                 </a:solidFill>
               </a:rPr>
-              <a:t>2024/11/16</a:t>
+              <a:t>2024/11/18</a:t>
             </a:fld>
             <a:endParaRPr lang="zh-CN" altLang="en-US" dirty="0">
               <a:solidFill>
@@ -4063,7 +3668,7 @@
 </p:sldLayout>
 </file>
 
-<file path=ppt/slideLayouts/slideLayout14.xml><?xml version="1.0" encoding="utf-8"?>
+<file path=ppt/slideLayouts/slideLayout15.xml><?xml version="1.0" encoding="utf-8"?>
 <p:sldLayout xmlns:a="http://schemas.openxmlformats.org/drawingml/2006/main" xmlns:r="http://schemas.openxmlformats.org/officeDocument/2006/relationships" xmlns:p="http://schemas.openxmlformats.org/presentationml/2006/main" preserve="1" userDrawn="1">
   <p:cSld name="3_标题幻灯片">
     <p:spTree>
@@ -4314,7 +3919,7 @@
                   </a:schemeClr>
                 </a:solidFill>
               </a:rPr>
-              <a:t>2024/11/16</a:t>
+              <a:t>2024/11/18</a:t>
             </a:fld>
             <a:endParaRPr lang="zh-CN" altLang="en-US" dirty="0">
               <a:solidFill>
@@ -4497,7 +4102,7 @@
 </p:sldLayout>
 </file>
 
-<file path=ppt/slideLayouts/slideLayout15.xml><?xml version="1.0" encoding="utf-8"?>
+<file path=ppt/slideLayouts/slideLayout16.xml><?xml version="1.0" encoding="utf-8"?>
 <p:sldLayout xmlns:a="http://schemas.openxmlformats.org/drawingml/2006/main" xmlns:r="http://schemas.openxmlformats.org/officeDocument/2006/relationships" xmlns:p="http://schemas.openxmlformats.org/presentationml/2006/main" preserve="1" userDrawn="1">
   <p:cSld name="标题和内容">
     <p:spTree>
@@ -4650,7 +4255,7 @@
           </a:lstStyle>
           <a:p>
             <a:r>
-              <a:rPr lang="en-US" altLang="zh-CN"/>
+              <a:rPr lang="en-US" altLang="zh-CN" dirty="0"/>
               <a:t>Drag picture to placeholder or click icon to add</a:t>
             </a:r>
             <a:endParaRPr lang="zh-CN" altLang="en-US" dirty="0"/>
@@ -4770,7 +4375,7 @@
             </a:pPr>
             <a:fld id="{8FC7DBC8-975C-4207-936C-01FC1A90A004}" type="datetime1">
               <a:rPr lang="zh-CN" altLang="en-US" smtClean="0"/>
-              <a:t>2024/11/16</a:t>
+              <a:t>2024/11/18</a:t>
             </a:fld>
             <a:endParaRPr lang="zh-CN" altLang="en-US" dirty="0"/>
           </a:p>
@@ -5168,7 +4773,7 @@
 </p:sldLayout>
 </file>
 
-<file path=ppt/slideLayouts/slideLayout16.xml><?xml version="1.0" encoding="utf-8"?>
+<file path=ppt/slideLayouts/slideLayout17.xml><?xml version="1.0" encoding="utf-8"?>
 <p:sldLayout xmlns:a="http://schemas.openxmlformats.org/drawingml/2006/main" xmlns:r="http://schemas.openxmlformats.org/officeDocument/2006/relationships" xmlns:p="http://schemas.openxmlformats.org/presentationml/2006/main" preserve="1" userDrawn="1">
   <p:cSld name="1_标题和内容">
     <p:spTree>
@@ -5478,7 +5083,7 @@
             </a:pPr>
             <a:fld id="{8FC7DBC8-975C-4207-936C-01FC1A90A004}" type="datetime1">
               <a:rPr lang="zh-CN" altLang="en-US" smtClean="0"/>
-              <a:t>2024/11/16</a:t>
+              <a:t>2024/11/18</a:t>
             </a:fld>
             <a:endParaRPr lang="zh-CN" altLang="en-US" dirty="0"/>
           </a:p>
@@ -6492,7 +6097,7 @@
 </p:sldLayout>
 </file>
 
-<file path=ppt/slideLayouts/slideLayout17.xml><?xml version="1.0" encoding="utf-8"?>
+<file path=ppt/slideLayouts/slideLayout18.xml><?xml version="1.0" encoding="utf-8"?>
 <p:sldLayout xmlns:a="http://schemas.openxmlformats.org/drawingml/2006/main" xmlns:r="http://schemas.openxmlformats.org/officeDocument/2006/relationships" xmlns:p="http://schemas.openxmlformats.org/presentationml/2006/main" preserve="1" userDrawn="1">
   <p:cSld name="2_标题和内容">
     <p:spTree>
@@ -6916,7 +6521,7 @@
             </a:pPr>
             <a:fld id="{8FC7DBC8-975C-4207-936C-01FC1A90A004}" type="datetime1">
               <a:rPr lang="zh-CN" altLang="en-US" smtClean="0"/>
-              <a:t>2024/11/16</a:t>
+              <a:t>2024/11/18</a:t>
             </a:fld>
             <a:endParaRPr lang="zh-CN" altLang="en-US" dirty="0"/>
           </a:p>
@@ -8223,7 +7828,7 @@
 </p:sldLayout>
 </file>
 
-<file path=ppt/slideLayouts/slideLayout18.xml><?xml version="1.0" encoding="utf-8"?>
+<file path=ppt/slideLayouts/slideLayout19.xml><?xml version="1.0" encoding="utf-8"?>
 <p:sldLayout xmlns:a="http://schemas.openxmlformats.org/drawingml/2006/main" xmlns:r="http://schemas.openxmlformats.org/officeDocument/2006/relationships" xmlns:p="http://schemas.openxmlformats.org/presentationml/2006/main" preserve="1" userDrawn="1">
   <p:cSld name="3_标题和内容">
     <p:spTree>
@@ -8328,7 +7933,7 @@
             </a:pPr>
             <a:fld id="{8FC7DBC8-975C-4207-936C-01FC1A90A004}" type="datetime1">
               <a:rPr lang="zh-CN" altLang="en-US" smtClean="0"/>
-              <a:t>2024/11/16</a:t>
+              <a:t>2024/11/18</a:t>
             </a:fld>
             <a:endParaRPr lang="zh-CN" altLang="en-US" dirty="0"/>
           </a:p>
@@ -8412,7 +8017,7 @@
           </a:lstStyle>
           <a:p>
             <a:r>
-              <a:rPr lang="en-US" altLang="zh-CN"/>
+              <a:rPr lang="en-US" altLang="zh-CN" dirty="0"/>
               <a:t>Drag picture to placeholder or click icon to add</a:t>
             </a:r>
             <a:endParaRPr lang="zh-CN" altLang="en-US" dirty="0"/>
@@ -8506,338 +8111,6 @@
           </a:p>
         </p:txBody>
       </p:sp>
-    </p:spTree>
-  </p:cSld>
-  <p:clrMapOvr>
-    <a:masterClrMapping/>
-  </p:clrMapOvr>
-</p:sldLayout>
-</file>
-
-<file path=ppt/slideLayouts/slideLayout19.xml><?xml version="1.0" encoding="utf-8"?>
-<p:sldLayout xmlns:a="http://schemas.openxmlformats.org/drawingml/2006/main" xmlns:r="http://schemas.openxmlformats.org/officeDocument/2006/relationships" xmlns:p="http://schemas.openxmlformats.org/presentationml/2006/main" preserve="1" userDrawn="1">
-  <p:cSld name="4_标题和内容">
-    <p:spTree>
-      <p:nvGrpSpPr>
-        <p:cNvPr id="1" name=""/>
-        <p:cNvGrpSpPr/>
-        <p:nvPr/>
-      </p:nvGrpSpPr>
-      <p:grpSpPr>
-        <a:xfrm>
-          <a:off x="0" y="0"/>
-          <a:ext cx="0" cy="0"/>
-          <a:chOff x="0" y="0"/>
-          <a:chExt cx="0" cy="0"/>
-        </a:xfrm>
-      </p:grpSpPr>
-      <p:pic>
-        <p:nvPicPr>
-          <p:cNvPr id="2053" name="Picture 5" descr="C:\Users\Administrator\Desktop\交通运输\零件\交通运输ppt 零件-08.png"/>
-          <p:cNvPicPr>
-            <a:picLocks noChangeAspect="1" noChangeArrowheads="1"/>
-          </p:cNvPicPr>
-          <p:nvPr userDrawn="1"/>
-        </p:nvPicPr>
-        <p:blipFill>
-          <a:blip r:embed="rId2" cstate="print"/>
-          <a:srcRect/>
-          <a:stretch>
-            <a:fillRect/>
-          </a:stretch>
-        </p:blipFill>
-        <p:spPr bwMode="auto">
-          <a:xfrm>
-            <a:off x="11523176" y="6038850"/>
-            <a:ext cx="764117" cy="819150"/>
-          </a:xfrm>
-          <a:prstGeom prst="rect">
-            <a:avLst/>
-          </a:prstGeom>
-          <a:noFill/>
-        </p:spPr>
-      </p:pic>
-      <p:sp>
-        <p:nvSpPr>
-          <p:cNvPr id="17" name="日期占位符 7"/>
-          <p:cNvSpPr>
-            <a:spLocks noGrp="1"/>
-          </p:cNvSpPr>
-          <p:nvPr userDrawn="1">
-            <p:ph type="dt" sz="quarter" idx="11"/>
-          </p:nvPr>
-        </p:nvSpPr>
-        <p:spPr>
-          <a:xfrm>
-            <a:off x="9918747" y="342878"/>
-            <a:ext cx="1511291" cy="342902"/>
-          </a:xfrm>
-        </p:spPr>
-        <p:txBody>
-          <a:bodyPr/>
-          <a:lstStyle>
-            <a:lvl1pPr>
-              <a:defRPr sz="1440">
-                <a:solidFill>
-                  <a:schemeClr val="tx1">
-                    <a:lumMod val="50000"/>
-                    <a:lumOff val="50000"/>
-                  </a:schemeClr>
-                </a:solidFill>
-              </a:defRPr>
-            </a:lvl1pPr>
-          </a:lstStyle>
-          <a:p>
-            <a:pPr>
-              <a:defRPr/>
-            </a:pPr>
-            <a:fld id="{8FC7DBC8-975C-4207-936C-01FC1A90A004}" type="datetime1">
-              <a:rPr lang="zh-CN" altLang="en-US" smtClean="0"/>
-              <a:t>2024/11/16</a:t>
-            </a:fld>
-            <a:endParaRPr lang="zh-CN" altLang="en-US" dirty="0"/>
-          </a:p>
-        </p:txBody>
-      </p:sp>
-      <p:sp>
-        <p:nvSpPr>
-          <p:cNvPr id="32" name="标题 1"/>
-          <p:cNvSpPr>
-            <a:spLocks noGrp="1"/>
-          </p:cNvSpPr>
-          <p:nvPr>
-            <p:ph type="title" hasCustomPrompt="1"/>
-          </p:nvPr>
-        </p:nvSpPr>
-        <p:spPr>
-          <a:xfrm>
-            <a:off x="6000749" y="2143116"/>
-            <a:ext cx="5048285" cy="3146206"/>
-          </a:xfrm>
-        </p:spPr>
-        <p:txBody>
-          <a:bodyPr anchor="t">
-            <a:normAutofit/>
-          </a:bodyPr>
-          <a:lstStyle>
-            <a:lvl1pPr algn="l">
-              <a:lnSpc>
-                <a:spcPts val="3800"/>
-              </a:lnSpc>
-              <a:buFont typeface="Wingdings" panose="05000000000000000000" pitchFamily="2" charset="2"/>
-              <a:buNone/>
-              <a:defRPr sz="2640" b="1" cap="all">
-                <a:solidFill>
-                  <a:schemeClr val="tx1">
-                    <a:lumMod val="85000"/>
-                    <a:lumOff val="15000"/>
-                  </a:schemeClr>
-                </a:solidFill>
-                <a:latin typeface="微软雅黑" panose="020B0503020204020204" pitchFamily="34" charset="-122"/>
-                <a:ea typeface="微软雅黑" panose="020B0503020204020204" pitchFamily="34" charset="-122"/>
-              </a:defRPr>
-            </a:lvl1pPr>
-          </a:lstStyle>
-          <a:p>
-            <a:r>
-              <a:rPr lang="zh-CN" altLang="en-US" dirty="0"/>
-              <a:t>第一节  单击编辑章节标题</a:t>
-            </a:r>
-            <a:br>
-              <a:rPr lang="en-US" altLang="zh-CN" dirty="0"/>
-            </a:br>
-            <a:r>
-              <a:rPr lang="zh-CN" altLang="en-US" dirty="0"/>
-              <a:t>第二节  单击编辑章节标题</a:t>
-            </a:r>
-            <a:br>
-              <a:rPr lang="en-US" altLang="zh-CN" dirty="0"/>
-            </a:br>
-            <a:r>
-              <a:rPr lang="zh-CN" altLang="en-US" dirty="0"/>
-              <a:t>第三节  单击编辑章节标题</a:t>
-            </a:r>
-            <a:br>
-              <a:rPr lang="en-US" altLang="zh-CN" dirty="0"/>
-            </a:br>
-            <a:r>
-              <a:rPr lang="zh-CN" altLang="en-US" dirty="0"/>
-              <a:t>第四节  单击编辑章节标题</a:t>
-            </a:r>
-            <a:br>
-              <a:rPr lang="en-US" altLang="zh-CN" dirty="0"/>
-            </a:br>
-            <a:r>
-              <a:rPr lang="zh-CN" altLang="en-US" dirty="0"/>
-              <a:t>第五节  单击编辑章节标题</a:t>
-            </a:r>
-            <a:br>
-              <a:rPr lang="en-US" altLang="zh-CN" dirty="0"/>
-            </a:br>
-            <a:endParaRPr lang="zh-CN" altLang="en-US" dirty="0"/>
-          </a:p>
-        </p:txBody>
-      </p:sp>
-      <p:pic>
-        <p:nvPicPr>
-          <p:cNvPr id="9219" name="Picture 3" descr="C:\Users\Administrator\Desktop\交通运输\零件\交通运输ppt 零件-12.png"/>
-          <p:cNvPicPr>
-            <a:picLocks noChangeAspect="1" noChangeArrowheads="1"/>
-          </p:cNvPicPr>
-          <p:nvPr userDrawn="1"/>
-        </p:nvPicPr>
-        <p:blipFill>
-          <a:blip r:embed="rId3" cstate="print"/>
-          <a:srcRect/>
-          <a:stretch>
-            <a:fillRect/>
-          </a:stretch>
-        </p:blipFill>
-        <p:spPr bwMode="auto">
-          <a:xfrm>
-            <a:off x="0" y="1510660"/>
-            <a:ext cx="5469467" cy="1232536"/>
-          </a:xfrm>
-          <a:prstGeom prst="rect">
-            <a:avLst/>
-          </a:prstGeom>
-          <a:noFill/>
-        </p:spPr>
-      </p:pic>
-      <p:pic>
-        <p:nvPicPr>
-          <p:cNvPr id="9220" name="Picture 4" descr="C:\Users\Administrator\Desktop\交通运输\零件\交通运输ppt 零件-13.png"/>
-          <p:cNvPicPr>
-            <a:picLocks noChangeAspect="1" noChangeArrowheads="1"/>
-          </p:cNvPicPr>
-          <p:nvPr userDrawn="1"/>
-        </p:nvPicPr>
-        <p:blipFill>
-          <a:blip r:embed="rId4" cstate="print"/>
-          <a:srcRect/>
-          <a:stretch>
-            <a:fillRect/>
-          </a:stretch>
-        </p:blipFill>
-        <p:spPr bwMode="auto">
-          <a:xfrm>
-            <a:off x="0" y="2400293"/>
-            <a:ext cx="5469468" cy="882014"/>
-          </a:xfrm>
-          <a:prstGeom prst="rect">
-            <a:avLst/>
-          </a:prstGeom>
-          <a:noFill/>
-        </p:spPr>
-      </p:pic>
-      <p:pic>
-        <p:nvPicPr>
-          <p:cNvPr id="9221" name="Picture 5" descr="C:\Users\Administrator\Desktop\交通运输\零件\交通运输ppt 零件-14.png"/>
-          <p:cNvPicPr>
-            <a:picLocks noChangeAspect="1" noChangeArrowheads="1"/>
-          </p:cNvPicPr>
-          <p:nvPr userDrawn="1"/>
-        </p:nvPicPr>
-        <p:blipFill>
-          <a:blip r:embed="rId5" cstate="print"/>
-          <a:srcRect/>
-          <a:stretch>
-            <a:fillRect/>
-          </a:stretch>
-        </p:blipFill>
-        <p:spPr bwMode="auto">
-          <a:xfrm>
-            <a:off x="0" y="3257549"/>
-            <a:ext cx="5469467" cy="767716"/>
-          </a:xfrm>
-          <a:prstGeom prst="rect">
-            <a:avLst/>
-          </a:prstGeom>
-          <a:noFill/>
-        </p:spPr>
-      </p:pic>
-      <p:pic>
-        <p:nvPicPr>
-          <p:cNvPr id="9222" name="Picture 6" descr="C:\Users\Administrator\Desktop\交通运输\零件\交通运输ppt 零件-15.png"/>
-          <p:cNvPicPr>
-            <a:picLocks noChangeAspect="1" noChangeArrowheads="1"/>
-          </p:cNvPicPr>
-          <p:nvPr userDrawn="1"/>
-        </p:nvPicPr>
-        <p:blipFill>
-          <a:blip r:embed="rId6" cstate="print"/>
-          <a:srcRect/>
-          <a:stretch>
-            <a:fillRect/>
-          </a:stretch>
-        </p:blipFill>
-        <p:spPr bwMode="auto">
-          <a:xfrm>
-            <a:off x="0" y="4029079"/>
-            <a:ext cx="5469467" cy="882016"/>
-          </a:xfrm>
-          <a:prstGeom prst="rect">
-            <a:avLst/>
-          </a:prstGeom>
-          <a:noFill/>
-        </p:spPr>
-      </p:pic>
-      <p:pic>
-        <p:nvPicPr>
-          <p:cNvPr id="9223" name="Picture 7" descr="C:\Users\Administrator\Desktop\交通运输\零件\交通运输ppt 零件-16.png"/>
-          <p:cNvPicPr>
-            <a:picLocks noChangeAspect="1" noChangeArrowheads="1"/>
-          </p:cNvPicPr>
-          <p:nvPr userDrawn="1"/>
-        </p:nvPicPr>
-        <p:blipFill>
-          <a:blip r:embed="rId7" cstate="print"/>
-          <a:srcRect/>
-          <a:stretch>
-            <a:fillRect/>
-          </a:stretch>
-        </p:blipFill>
-        <p:spPr bwMode="auto">
-          <a:xfrm>
-            <a:off x="0" y="4543433"/>
-            <a:ext cx="5469467" cy="1255394"/>
-          </a:xfrm>
-          <a:prstGeom prst="rect">
-            <a:avLst/>
-          </a:prstGeom>
-          <a:noFill/>
-        </p:spPr>
-      </p:pic>
-      <p:pic>
-        <p:nvPicPr>
-          <p:cNvPr id="12" name="图片 11" descr="交通运输ppt 零件-07.png"/>
-          <p:cNvPicPr>
-            <a:picLocks noChangeAspect="1"/>
-          </p:cNvPicPr>
-          <p:nvPr userDrawn="1"/>
-        </p:nvPicPr>
-        <p:blipFill>
-          <a:blip r:embed="rId8" cstate="print">
-            <a:extLst>
-              <a:ext uri="{28A0092B-C50C-407E-A947-70E740481C1C}">
-                <a14:useLocalDpi xmlns:a14="http://schemas.microsoft.com/office/drawing/2010/main" val="0"/>
-              </a:ext>
-            </a:extLst>
-          </a:blip>
-          <a:stretch>
-            <a:fillRect/>
-          </a:stretch>
-        </p:blipFill>
-        <p:spPr>
-          <a:xfrm>
-            <a:off x="0" y="6479"/>
-            <a:ext cx="11430038" cy="1031443"/>
-          </a:xfrm>
-          <a:prstGeom prst="rect">
-            <a:avLst/>
-          </a:prstGeom>
-        </p:spPr>
-      </p:pic>
     </p:spTree>
   </p:cSld>
   <p:clrMapOvr>
@@ -8966,6 +8239,338 @@
 
 <file path=ppt/slideLayouts/slideLayout20.xml><?xml version="1.0" encoding="utf-8"?>
 <p:sldLayout xmlns:a="http://schemas.openxmlformats.org/drawingml/2006/main" xmlns:r="http://schemas.openxmlformats.org/officeDocument/2006/relationships" xmlns:p="http://schemas.openxmlformats.org/presentationml/2006/main" preserve="1" userDrawn="1">
+  <p:cSld name="4_标题和内容">
+    <p:spTree>
+      <p:nvGrpSpPr>
+        <p:cNvPr id="1" name=""/>
+        <p:cNvGrpSpPr/>
+        <p:nvPr/>
+      </p:nvGrpSpPr>
+      <p:grpSpPr>
+        <a:xfrm>
+          <a:off x="0" y="0"/>
+          <a:ext cx="0" cy="0"/>
+          <a:chOff x="0" y="0"/>
+          <a:chExt cx="0" cy="0"/>
+        </a:xfrm>
+      </p:grpSpPr>
+      <p:pic>
+        <p:nvPicPr>
+          <p:cNvPr id="2053" name="Picture 5" descr="C:\Users\Administrator\Desktop\交通运输\零件\交通运输ppt 零件-08.png"/>
+          <p:cNvPicPr>
+            <a:picLocks noChangeAspect="1" noChangeArrowheads="1"/>
+          </p:cNvPicPr>
+          <p:nvPr userDrawn="1"/>
+        </p:nvPicPr>
+        <p:blipFill>
+          <a:blip r:embed="rId2" cstate="print"/>
+          <a:srcRect/>
+          <a:stretch>
+            <a:fillRect/>
+          </a:stretch>
+        </p:blipFill>
+        <p:spPr bwMode="auto">
+          <a:xfrm>
+            <a:off x="11523176" y="6038850"/>
+            <a:ext cx="764117" cy="819150"/>
+          </a:xfrm>
+          <a:prstGeom prst="rect">
+            <a:avLst/>
+          </a:prstGeom>
+          <a:noFill/>
+        </p:spPr>
+      </p:pic>
+      <p:sp>
+        <p:nvSpPr>
+          <p:cNvPr id="17" name="日期占位符 7"/>
+          <p:cNvSpPr>
+            <a:spLocks noGrp="1"/>
+          </p:cNvSpPr>
+          <p:nvPr userDrawn="1">
+            <p:ph type="dt" sz="quarter" idx="11"/>
+          </p:nvPr>
+        </p:nvSpPr>
+        <p:spPr>
+          <a:xfrm>
+            <a:off x="9918747" y="342878"/>
+            <a:ext cx="1511291" cy="342902"/>
+          </a:xfrm>
+        </p:spPr>
+        <p:txBody>
+          <a:bodyPr/>
+          <a:lstStyle>
+            <a:lvl1pPr>
+              <a:defRPr sz="1440">
+                <a:solidFill>
+                  <a:schemeClr val="tx1">
+                    <a:lumMod val="50000"/>
+                    <a:lumOff val="50000"/>
+                  </a:schemeClr>
+                </a:solidFill>
+              </a:defRPr>
+            </a:lvl1pPr>
+          </a:lstStyle>
+          <a:p>
+            <a:pPr>
+              <a:defRPr/>
+            </a:pPr>
+            <a:fld id="{8FC7DBC8-975C-4207-936C-01FC1A90A004}" type="datetime1">
+              <a:rPr lang="zh-CN" altLang="en-US" smtClean="0"/>
+              <a:t>2024/11/18</a:t>
+            </a:fld>
+            <a:endParaRPr lang="zh-CN" altLang="en-US" dirty="0"/>
+          </a:p>
+        </p:txBody>
+      </p:sp>
+      <p:sp>
+        <p:nvSpPr>
+          <p:cNvPr id="32" name="标题 1"/>
+          <p:cNvSpPr>
+            <a:spLocks noGrp="1"/>
+          </p:cNvSpPr>
+          <p:nvPr>
+            <p:ph type="title" hasCustomPrompt="1"/>
+          </p:nvPr>
+        </p:nvSpPr>
+        <p:spPr>
+          <a:xfrm>
+            <a:off x="6000749" y="2143116"/>
+            <a:ext cx="5048285" cy="3146206"/>
+          </a:xfrm>
+        </p:spPr>
+        <p:txBody>
+          <a:bodyPr anchor="t">
+            <a:normAutofit/>
+          </a:bodyPr>
+          <a:lstStyle>
+            <a:lvl1pPr algn="l">
+              <a:lnSpc>
+                <a:spcPts val="3800"/>
+              </a:lnSpc>
+              <a:buFont typeface="Wingdings" panose="05000000000000000000" pitchFamily="2" charset="2"/>
+              <a:buNone/>
+              <a:defRPr sz="2640" b="1" cap="all">
+                <a:solidFill>
+                  <a:schemeClr val="tx1">
+                    <a:lumMod val="85000"/>
+                    <a:lumOff val="15000"/>
+                  </a:schemeClr>
+                </a:solidFill>
+                <a:latin typeface="微软雅黑" panose="020B0503020204020204" pitchFamily="34" charset="-122"/>
+                <a:ea typeface="微软雅黑" panose="020B0503020204020204" pitchFamily="34" charset="-122"/>
+              </a:defRPr>
+            </a:lvl1pPr>
+          </a:lstStyle>
+          <a:p>
+            <a:r>
+              <a:rPr lang="zh-CN" altLang="en-US" dirty="0"/>
+              <a:t>第一节  单击编辑章节标题</a:t>
+            </a:r>
+            <a:br>
+              <a:rPr lang="en-US" altLang="zh-CN" dirty="0"/>
+            </a:br>
+            <a:r>
+              <a:rPr lang="zh-CN" altLang="en-US" dirty="0"/>
+              <a:t>第二节  单击编辑章节标题</a:t>
+            </a:r>
+            <a:br>
+              <a:rPr lang="en-US" altLang="zh-CN" dirty="0"/>
+            </a:br>
+            <a:r>
+              <a:rPr lang="zh-CN" altLang="en-US" dirty="0"/>
+              <a:t>第三节  单击编辑章节标题</a:t>
+            </a:r>
+            <a:br>
+              <a:rPr lang="en-US" altLang="zh-CN" dirty="0"/>
+            </a:br>
+            <a:r>
+              <a:rPr lang="zh-CN" altLang="en-US" dirty="0"/>
+              <a:t>第四节  单击编辑章节标题</a:t>
+            </a:r>
+            <a:br>
+              <a:rPr lang="en-US" altLang="zh-CN" dirty="0"/>
+            </a:br>
+            <a:r>
+              <a:rPr lang="zh-CN" altLang="en-US" dirty="0"/>
+              <a:t>第五节  单击编辑章节标题</a:t>
+            </a:r>
+            <a:br>
+              <a:rPr lang="en-US" altLang="zh-CN" dirty="0"/>
+            </a:br>
+            <a:endParaRPr lang="zh-CN" altLang="en-US" dirty="0"/>
+          </a:p>
+        </p:txBody>
+      </p:sp>
+      <p:pic>
+        <p:nvPicPr>
+          <p:cNvPr id="9219" name="Picture 3" descr="C:\Users\Administrator\Desktop\交通运输\零件\交通运输ppt 零件-12.png"/>
+          <p:cNvPicPr>
+            <a:picLocks noChangeAspect="1" noChangeArrowheads="1"/>
+          </p:cNvPicPr>
+          <p:nvPr userDrawn="1"/>
+        </p:nvPicPr>
+        <p:blipFill>
+          <a:blip r:embed="rId3" cstate="print"/>
+          <a:srcRect/>
+          <a:stretch>
+            <a:fillRect/>
+          </a:stretch>
+        </p:blipFill>
+        <p:spPr bwMode="auto">
+          <a:xfrm>
+            <a:off x="0" y="1510660"/>
+            <a:ext cx="5469467" cy="1232536"/>
+          </a:xfrm>
+          <a:prstGeom prst="rect">
+            <a:avLst/>
+          </a:prstGeom>
+          <a:noFill/>
+        </p:spPr>
+      </p:pic>
+      <p:pic>
+        <p:nvPicPr>
+          <p:cNvPr id="9220" name="Picture 4" descr="C:\Users\Administrator\Desktop\交通运输\零件\交通运输ppt 零件-13.png"/>
+          <p:cNvPicPr>
+            <a:picLocks noChangeAspect="1" noChangeArrowheads="1"/>
+          </p:cNvPicPr>
+          <p:nvPr userDrawn="1"/>
+        </p:nvPicPr>
+        <p:blipFill>
+          <a:blip r:embed="rId4" cstate="print"/>
+          <a:srcRect/>
+          <a:stretch>
+            <a:fillRect/>
+          </a:stretch>
+        </p:blipFill>
+        <p:spPr bwMode="auto">
+          <a:xfrm>
+            <a:off x="0" y="2400293"/>
+            <a:ext cx="5469468" cy="882014"/>
+          </a:xfrm>
+          <a:prstGeom prst="rect">
+            <a:avLst/>
+          </a:prstGeom>
+          <a:noFill/>
+        </p:spPr>
+      </p:pic>
+      <p:pic>
+        <p:nvPicPr>
+          <p:cNvPr id="9221" name="Picture 5" descr="C:\Users\Administrator\Desktop\交通运输\零件\交通运输ppt 零件-14.png"/>
+          <p:cNvPicPr>
+            <a:picLocks noChangeAspect="1" noChangeArrowheads="1"/>
+          </p:cNvPicPr>
+          <p:nvPr userDrawn="1"/>
+        </p:nvPicPr>
+        <p:blipFill>
+          <a:blip r:embed="rId5" cstate="print"/>
+          <a:srcRect/>
+          <a:stretch>
+            <a:fillRect/>
+          </a:stretch>
+        </p:blipFill>
+        <p:spPr bwMode="auto">
+          <a:xfrm>
+            <a:off x="0" y="3257549"/>
+            <a:ext cx="5469467" cy="767716"/>
+          </a:xfrm>
+          <a:prstGeom prst="rect">
+            <a:avLst/>
+          </a:prstGeom>
+          <a:noFill/>
+        </p:spPr>
+      </p:pic>
+      <p:pic>
+        <p:nvPicPr>
+          <p:cNvPr id="9222" name="Picture 6" descr="C:\Users\Administrator\Desktop\交通运输\零件\交通运输ppt 零件-15.png"/>
+          <p:cNvPicPr>
+            <a:picLocks noChangeAspect="1" noChangeArrowheads="1"/>
+          </p:cNvPicPr>
+          <p:nvPr userDrawn="1"/>
+        </p:nvPicPr>
+        <p:blipFill>
+          <a:blip r:embed="rId6" cstate="print"/>
+          <a:srcRect/>
+          <a:stretch>
+            <a:fillRect/>
+          </a:stretch>
+        </p:blipFill>
+        <p:spPr bwMode="auto">
+          <a:xfrm>
+            <a:off x="0" y="4029079"/>
+            <a:ext cx="5469467" cy="882016"/>
+          </a:xfrm>
+          <a:prstGeom prst="rect">
+            <a:avLst/>
+          </a:prstGeom>
+          <a:noFill/>
+        </p:spPr>
+      </p:pic>
+      <p:pic>
+        <p:nvPicPr>
+          <p:cNvPr id="9223" name="Picture 7" descr="C:\Users\Administrator\Desktop\交通运输\零件\交通运输ppt 零件-16.png"/>
+          <p:cNvPicPr>
+            <a:picLocks noChangeAspect="1" noChangeArrowheads="1"/>
+          </p:cNvPicPr>
+          <p:nvPr userDrawn="1"/>
+        </p:nvPicPr>
+        <p:blipFill>
+          <a:blip r:embed="rId7" cstate="print"/>
+          <a:srcRect/>
+          <a:stretch>
+            <a:fillRect/>
+          </a:stretch>
+        </p:blipFill>
+        <p:spPr bwMode="auto">
+          <a:xfrm>
+            <a:off x="0" y="4543433"/>
+            <a:ext cx="5469467" cy="1255394"/>
+          </a:xfrm>
+          <a:prstGeom prst="rect">
+            <a:avLst/>
+          </a:prstGeom>
+          <a:noFill/>
+        </p:spPr>
+      </p:pic>
+      <p:pic>
+        <p:nvPicPr>
+          <p:cNvPr id="12" name="图片 11" descr="交通运输ppt 零件-07.png"/>
+          <p:cNvPicPr>
+            <a:picLocks noChangeAspect="1"/>
+          </p:cNvPicPr>
+          <p:nvPr userDrawn="1"/>
+        </p:nvPicPr>
+        <p:blipFill>
+          <a:blip r:embed="rId8" cstate="print">
+            <a:extLst>
+              <a:ext uri="{28A0092B-C50C-407E-A947-70E740481C1C}">
+                <a14:useLocalDpi xmlns:a14="http://schemas.microsoft.com/office/drawing/2010/main" val="0"/>
+              </a:ext>
+            </a:extLst>
+          </a:blip>
+          <a:stretch>
+            <a:fillRect/>
+          </a:stretch>
+        </p:blipFill>
+        <p:spPr>
+          <a:xfrm>
+            <a:off x="0" y="6479"/>
+            <a:ext cx="11430038" cy="1031443"/>
+          </a:xfrm>
+          <a:prstGeom prst="rect">
+            <a:avLst/>
+          </a:prstGeom>
+        </p:spPr>
+      </p:pic>
+    </p:spTree>
+  </p:cSld>
+  <p:clrMapOvr>
+    <a:masterClrMapping/>
+  </p:clrMapOvr>
+</p:sldLayout>
+</file>
+
+<file path=ppt/slideLayouts/slideLayout21.xml><?xml version="1.0" encoding="utf-8"?>
+<p:sldLayout xmlns:a="http://schemas.openxmlformats.org/drawingml/2006/main" xmlns:r="http://schemas.openxmlformats.org/officeDocument/2006/relationships" xmlns:p="http://schemas.openxmlformats.org/presentationml/2006/main" preserve="1" userDrawn="1">
   <p:cSld name="5_标题和内容">
     <p:spTree>
       <p:nvGrpSpPr>
@@ -9059,7 +8664,7 @@
           </a:lstStyle>
           <a:p>
             <a:r>
-              <a:rPr lang="en-US" altLang="zh-CN"/>
+              <a:rPr lang="en-US" altLang="zh-CN" dirty="0"/>
               <a:t>Drag picture to placeholder or click icon to add</a:t>
             </a:r>
             <a:endParaRPr lang="zh-CN" altLang="en-US" dirty="0"/>
@@ -9128,7 +8733,7 @@
             </a:pPr>
             <a:fld id="{8FC7DBC8-975C-4207-936C-01FC1A90A004}" type="datetime1">
               <a:rPr lang="zh-CN" altLang="en-US" smtClean="0"/>
-              <a:t>2024/11/16</a:t>
+              <a:t>2024/11/18</a:t>
             </a:fld>
             <a:endParaRPr lang="zh-CN" altLang="en-US" dirty="0"/>
           </a:p>
@@ -9374,7 +8979,7 @@
 </p:sldLayout>
 </file>
 
-<file path=ppt/slideLayouts/slideLayout21.xml><?xml version="1.0" encoding="utf-8"?>
+<file path=ppt/slideLayouts/slideLayout22.xml><?xml version="1.0" encoding="utf-8"?>
 <p:sldLayout xmlns:a="http://schemas.openxmlformats.org/drawingml/2006/main" xmlns:r="http://schemas.openxmlformats.org/officeDocument/2006/relationships" xmlns:p="http://schemas.openxmlformats.org/presentationml/2006/main" preserve="1" userDrawn="1">
   <p:cSld name="6_标题和内容">
     <p:spTree>
@@ -9479,7 +9084,7 @@
             </a:pPr>
             <a:fld id="{8FC7DBC8-975C-4207-936C-01FC1A90A004}" type="datetime1">
               <a:rPr lang="zh-CN" altLang="en-US" smtClean="0"/>
-              <a:t>2024/11/16</a:t>
+              <a:t>2024/11/18</a:t>
             </a:fld>
             <a:endParaRPr lang="zh-CN" altLang="en-US" dirty="0"/>
           </a:p>
@@ -9571,7 +9176,7 @@
 </p:sldLayout>
 </file>
 
-<file path=ppt/slideLayouts/slideLayout22.xml><?xml version="1.0" encoding="utf-8"?>
+<file path=ppt/slideLayouts/slideLayout23.xml><?xml version="1.0" encoding="utf-8"?>
 <p:sldLayout xmlns:a="http://schemas.openxmlformats.org/drawingml/2006/main" xmlns:r="http://schemas.openxmlformats.org/officeDocument/2006/relationships" xmlns:p="http://schemas.openxmlformats.org/presentationml/2006/main" preserve="1" userDrawn="1">
   <p:cSld name="7_标题和内容">
     <p:spTree>
@@ -9692,7 +9297,7 @@
             </a:pPr>
             <a:fld id="{8FC7DBC8-975C-4207-936C-01FC1A90A004}" type="datetime1">
               <a:rPr lang="zh-CN" altLang="en-US" smtClean="0"/>
-              <a:t>2024/11/16</a:t>
+              <a:t>2024/11/18</a:t>
             </a:fld>
             <a:endParaRPr lang="zh-CN" altLang="en-US" dirty="0"/>
           </a:p>
@@ -10149,7 +9754,7 @@
 </p:sldLayout>
 </file>
 
-<file path=ppt/slideLayouts/slideLayout23.xml><?xml version="1.0" encoding="utf-8"?>
+<file path=ppt/slideLayouts/slideLayout24.xml><?xml version="1.0" encoding="utf-8"?>
 <p:sldLayout xmlns:a="http://schemas.openxmlformats.org/drawingml/2006/main" xmlns:r="http://schemas.openxmlformats.org/officeDocument/2006/relationships" xmlns:p="http://schemas.openxmlformats.org/presentationml/2006/main" preserve="1" userDrawn="1">
   <p:cSld name="8_标题和内容">
     <p:spTree>
@@ -10270,7 +9875,7 @@
             </a:pPr>
             <a:fld id="{8FC7DBC8-975C-4207-936C-01FC1A90A004}" type="datetime1">
               <a:rPr lang="zh-CN" altLang="en-US" smtClean="0"/>
-              <a:t>2024/11/16</a:t>
+              <a:t>2024/11/18</a:t>
             </a:fld>
             <a:endParaRPr lang="zh-CN" altLang="en-US" dirty="0"/>
           </a:p>
@@ -10961,7 +10566,7 @@
 </p:sldLayout>
 </file>
 
-<file path=ppt/slideLayouts/slideLayout24.xml><?xml version="1.0" encoding="utf-8"?>
+<file path=ppt/slideLayouts/slideLayout25.xml><?xml version="1.0" encoding="utf-8"?>
 <p:sldLayout xmlns:a="http://schemas.openxmlformats.org/drawingml/2006/main" xmlns:r="http://schemas.openxmlformats.org/officeDocument/2006/relationships" xmlns:p="http://schemas.openxmlformats.org/presentationml/2006/main" preserve="1" userDrawn="1">
   <p:cSld name="10_标题和内容">
     <p:spTree>
@@ -11082,7 +10687,7 @@
             </a:pPr>
             <a:fld id="{8FC7DBC8-975C-4207-936C-01FC1A90A004}" type="datetime1">
               <a:rPr lang="zh-CN" altLang="en-US" smtClean="0"/>
-              <a:t>2024/11/16</a:t>
+              <a:t>2024/11/18</a:t>
             </a:fld>
             <a:endParaRPr lang="zh-CN" altLang="en-US" dirty="0"/>
           </a:p>
@@ -11917,7 +11522,7 @@
 </p:sldLayout>
 </file>
 
-<file path=ppt/slideLayouts/slideLayout25.xml><?xml version="1.0" encoding="utf-8"?>
+<file path=ppt/slideLayouts/slideLayout26.xml><?xml version="1.0" encoding="utf-8"?>
 <p:sldLayout xmlns:a="http://schemas.openxmlformats.org/drawingml/2006/main" xmlns:r="http://schemas.openxmlformats.org/officeDocument/2006/relationships" xmlns:p="http://schemas.openxmlformats.org/presentationml/2006/main" preserve="1" userDrawn="1">
   <p:cSld name="9_标题和内容">
     <p:spTree>
@@ -12038,7 +11643,7 @@
             </a:pPr>
             <a:fld id="{8FC7DBC8-975C-4207-936C-01FC1A90A004}" type="datetime1">
               <a:rPr lang="zh-CN" altLang="en-US" smtClean="0"/>
-              <a:t>2024/11/16</a:t>
+              <a:t>2024/11/18</a:t>
             </a:fld>
             <a:endParaRPr lang="zh-CN" altLang="en-US" dirty="0"/>
           </a:p>
@@ -12792,7 +12397,7 @@
 </p:sldLayout>
 </file>
 
-<file path=ppt/slideLayouts/slideLayout26.xml><?xml version="1.0" encoding="utf-8"?>
+<file path=ppt/slideLayouts/slideLayout27.xml><?xml version="1.0" encoding="utf-8"?>
 <p:sldLayout xmlns:a="http://schemas.openxmlformats.org/drawingml/2006/main" xmlns:r="http://schemas.openxmlformats.org/officeDocument/2006/relationships" xmlns:p="http://schemas.openxmlformats.org/presentationml/2006/main" preserve="1" userDrawn="1">
   <p:cSld name="11_标题和内容">
     <p:spTree>
@@ -12871,7 +12476,7 @@
             </a:pPr>
             <a:fld id="{8FC7DBC8-975C-4207-936C-01FC1A90A004}" type="datetime1">
               <a:rPr lang="zh-CN" altLang="en-US" smtClean="0"/>
-              <a:t>2024/11/16</a:t>
+              <a:t>2024/11/18</a:t>
             </a:fld>
             <a:endParaRPr lang="zh-CN" altLang="en-US" dirty="0"/>
           </a:p>
@@ -13942,7 +13547,7 @@
 </p:sldLayout>
 </file>
 
-<file path=ppt/slideLayouts/slideLayout27.xml><?xml version="1.0" encoding="utf-8"?>
+<file path=ppt/slideLayouts/slideLayout28.xml><?xml version="1.0" encoding="utf-8"?>
 <p:sldLayout xmlns:a="http://schemas.openxmlformats.org/drawingml/2006/main" xmlns:r="http://schemas.openxmlformats.org/officeDocument/2006/relationships" xmlns:p="http://schemas.openxmlformats.org/presentationml/2006/main" preserve="1" userDrawn="1">
   <p:cSld name="12_标题和内容">
     <p:spTree>
@@ -14211,7 +13816,7 @@
 </p:sldLayout>
 </file>
 
-<file path=ppt/slideLayouts/slideLayout28.xml><?xml version="1.0" encoding="utf-8"?>
+<file path=ppt/slideLayouts/slideLayout29.xml><?xml version="1.0" encoding="utf-8"?>
 <p:sldLayout xmlns:a="http://schemas.openxmlformats.org/drawingml/2006/main" xmlns:r="http://schemas.openxmlformats.org/officeDocument/2006/relationships" xmlns:p="http://schemas.openxmlformats.org/presentationml/2006/main" preserve="1" userDrawn="1">
   <p:cSld name="13_标题和内容">
     <p:spTree>
@@ -14358,7 +13963,7 @@
             </a:pPr>
             <a:fld id="{8FC7DBC8-975C-4207-936C-01FC1A90A004}" type="datetime1">
               <a:rPr lang="zh-CN" altLang="en-US" smtClean="0"/>
-              <a:t>2024/11/16</a:t>
+              <a:t>2024/11/18</a:t>
             </a:fld>
             <a:endParaRPr lang="zh-CN" altLang="en-US" dirty="0"/>
           </a:p>
@@ -15701,7 +15306,32 @@
 </p:sldLayout>
 </file>
 
-<file path=ppt/slideLayouts/slideLayout29.xml><?xml version="1.0" encoding="utf-8"?>
+<file path=ppt/slideLayouts/slideLayout3.xml><?xml version="1.0" encoding="utf-8"?>
+<p:sldLayout xmlns:a="http://schemas.openxmlformats.org/drawingml/2006/main" xmlns:r="http://schemas.openxmlformats.org/officeDocument/2006/relationships" xmlns:p="http://schemas.openxmlformats.org/presentationml/2006/main" preserve="1" userDrawn="1">
+  <p:cSld name="自定义版式">
+    <p:spTree>
+      <p:nvGrpSpPr>
+        <p:cNvPr id="1" name=""/>
+        <p:cNvGrpSpPr/>
+        <p:nvPr/>
+      </p:nvGrpSpPr>
+      <p:grpSpPr>
+        <a:xfrm>
+          <a:off x="0" y="0"/>
+          <a:ext cx="0" cy="0"/>
+          <a:chOff x="0" y="0"/>
+          <a:chExt cx="0" cy="0"/>
+        </a:xfrm>
+      </p:grpSpPr>
+    </p:spTree>
+  </p:cSld>
+  <p:clrMapOvr>
+    <a:masterClrMapping/>
+  </p:clrMapOvr>
+</p:sldLayout>
+</file>
+
+<file path=ppt/slideLayouts/slideLayout30.xml><?xml version="1.0" encoding="utf-8"?>
 <p:sldLayout xmlns:a="http://schemas.openxmlformats.org/drawingml/2006/main" xmlns:r="http://schemas.openxmlformats.org/officeDocument/2006/relationships" xmlns:p="http://schemas.openxmlformats.org/presentationml/2006/main" preserve="1" userDrawn="1">
   <p:cSld name="14_标题和内容">
     <p:spTree>
@@ -15780,7 +15410,7 @@
             </a:pPr>
             <a:fld id="{8FC7DBC8-975C-4207-936C-01FC1A90A004}" type="datetime1">
               <a:rPr lang="zh-CN" altLang="en-US" smtClean="0"/>
-              <a:t>2024/11/16</a:t>
+              <a:t>2024/11/18</a:t>
             </a:fld>
             <a:endParaRPr lang="zh-CN" altLang="en-US" dirty="0"/>
           </a:p>
@@ -16374,32 +16004,7 @@
 </p:sldLayout>
 </file>
 
-<file path=ppt/slideLayouts/slideLayout3.xml><?xml version="1.0" encoding="utf-8"?>
-<p:sldLayout xmlns:a="http://schemas.openxmlformats.org/drawingml/2006/main" xmlns:r="http://schemas.openxmlformats.org/officeDocument/2006/relationships" xmlns:p="http://schemas.openxmlformats.org/presentationml/2006/main" preserve="1" userDrawn="1">
-  <p:cSld name="自定义版式">
-    <p:spTree>
-      <p:nvGrpSpPr>
-        <p:cNvPr id="1" name=""/>
-        <p:cNvGrpSpPr/>
-        <p:nvPr/>
-      </p:nvGrpSpPr>
-      <p:grpSpPr>
-        <a:xfrm>
-          <a:off x="0" y="0"/>
-          <a:ext cx="0" cy="0"/>
-          <a:chOff x="0" y="0"/>
-          <a:chExt cx="0" cy="0"/>
-        </a:xfrm>
-      </p:grpSpPr>
-    </p:spTree>
-  </p:cSld>
-  <p:clrMapOvr>
-    <a:masterClrMapping/>
-  </p:clrMapOvr>
-</p:sldLayout>
-</file>
-
-<file path=ppt/slideLayouts/slideLayout30.xml><?xml version="1.0" encoding="utf-8"?>
+<file path=ppt/slideLayouts/slideLayout31.xml><?xml version="1.0" encoding="utf-8"?>
 <p:sldLayout xmlns:a="http://schemas.openxmlformats.org/drawingml/2006/main" xmlns:r="http://schemas.openxmlformats.org/officeDocument/2006/relationships" xmlns:p="http://schemas.openxmlformats.org/presentationml/2006/main" preserve="1" userDrawn="1">
   <p:cSld name="15_标题和内容">
     <p:spTree>
@@ -16585,7 +16190,7 @@
             </a:pPr>
             <a:fld id="{8FC7DBC8-975C-4207-936C-01FC1A90A004}" type="datetime1">
               <a:rPr lang="zh-CN" altLang="en-US" smtClean="0"/>
-              <a:t>2024/11/16</a:t>
+              <a:t>2024/11/18</a:t>
             </a:fld>
             <a:endParaRPr lang="zh-CN" altLang="en-US" dirty="0"/>
           </a:p>
@@ -18082,7 +17687,7 @@
 </p:sldLayout>
 </file>
 
-<file path=ppt/slideLayouts/slideLayout31.xml><?xml version="1.0" encoding="utf-8"?>
+<file path=ppt/slideLayouts/slideLayout32.xml><?xml version="1.0" encoding="utf-8"?>
 <p:sldLayout xmlns:a="http://schemas.openxmlformats.org/drawingml/2006/main" xmlns:r="http://schemas.openxmlformats.org/officeDocument/2006/relationships" xmlns:p="http://schemas.openxmlformats.org/presentationml/2006/main" preserve="1" userDrawn="1">
   <p:cSld name="16_标题和内容">
     <p:spTree>
@@ -18216,7 +17821,7 @@
             </a:pPr>
             <a:fld id="{8FC7DBC8-975C-4207-936C-01FC1A90A004}" type="datetime1">
               <a:rPr lang="zh-CN" altLang="en-US" smtClean="0"/>
-              <a:t>2024/11/16</a:t>
+              <a:t>2024/11/18</a:t>
             </a:fld>
             <a:endParaRPr lang="zh-CN" altLang="en-US" dirty="0"/>
           </a:p>
@@ -18991,7 +18596,7 @@
 </p:sldLayout>
 </file>
 
-<file path=ppt/slideLayouts/slideLayout32.xml><?xml version="1.0" encoding="utf-8"?>
+<file path=ppt/slideLayouts/slideLayout33.xml><?xml version="1.0" encoding="utf-8"?>
 <p:sldLayout xmlns:a="http://schemas.openxmlformats.org/drawingml/2006/main" xmlns:r="http://schemas.openxmlformats.org/officeDocument/2006/relationships" xmlns:p="http://schemas.openxmlformats.org/presentationml/2006/main" preserve="1" userDrawn="1">
   <p:cSld name="17_标题和内容">
     <p:spTree>
@@ -19125,7 +18730,7 @@
             </a:pPr>
             <a:fld id="{8FC7DBC8-975C-4207-936C-01FC1A90A004}" type="datetime1">
               <a:rPr lang="zh-CN" altLang="en-US" smtClean="0"/>
-              <a:t>2024/11/16</a:t>
+              <a:t>2024/11/18</a:t>
             </a:fld>
             <a:endParaRPr lang="zh-CN" altLang="en-US" dirty="0"/>
           </a:p>
@@ -20410,7 +20015,7 @@
 </p:sldLayout>
 </file>
 
-<file path=ppt/slideLayouts/slideLayout33.xml><?xml version="1.0" encoding="utf-8"?>
+<file path=ppt/slideLayouts/slideLayout34.xml><?xml version="1.0" encoding="utf-8"?>
 <p:sldLayout xmlns:a="http://schemas.openxmlformats.org/drawingml/2006/main" xmlns:r="http://schemas.openxmlformats.org/officeDocument/2006/relationships" xmlns:p="http://schemas.openxmlformats.org/presentationml/2006/main" preserve="1" userDrawn="1">
   <p:cSld name="18_标题和内容">
     <p:spTree>
@@ -20544,7 +20149,7 @@
             </a:pPr>
             <a:fld id="{8FC7DBC8-975C-4207-936C-01FC1A90A004}" type="datetime1">
               <a:rPr lang="zh-CN" altLang="en-US" smtClean="0"/>
-              <a:t>2024/11/16</a:t>
+              <a:t>2024/11/18</a:t>
             </a:fld>
             <a:endParaRPr lang="zh-CN" altLang="en-US" dirty="0"/>
           </a:p>
@@ -21122,7 +20727,7 @@
 </p:sldLayout>
 </file>
 
-<file path=ppt/slideLayouts/slideLayout34.xml><?xml version="1.0" encoding="utf-8"?>
+<file path=ppt/slideLayouts/slideLayout35.xml><?xml version="1.0" encoding="utf-8"?>
 <p:sldLayout xmlns:a="http://schemas.openxmlformats.org/drawingml/2006/main" xmlns:r="http://schemas.openxmlformats.org/officeDocument/2006/relationships" xmlns:p="http://schemas.openxmlformats.org/presentationml/2006/main" preserve="1" userDrawn="1">
   <p:cSld name="4_标题幻灯片">
     <p:spTree>
@@ -21519,7 +21124,7 @@
 </p:sldLayout>
 </file>
 
-<file path=ppt/slideLayouts/slideLayout35.xml><?xml version="1.0" encoding="utf-8"?>
+<file path=ppt/slideLayouts/slideLayout36.xml><?xml version="1.0" encoding="utf-8"?>
 <p:sldLayout xmlns:a="http://schemas.openxmlformats.org/drawingml/2006/main" xmlns:r="http://schemas.openxmlformats.org/officeDocument/2006/relationships" xmlns:p="http://schemas.openxmlformats.org/presentationml/2006/main" preserve="1" userDrawn="1">
   <p:cSld name="5_标题幻灯片">
     <p:spTree>
@@ -21614,7 +21219,7 @@
           </a:lstStyle>
           <a:p>
             <a:r>
-              <a:rPr lang="en-US" altLang="zh-CN"/>
+              <a:rPr lang="en-US" altLang="zh-CN" dirty="0"/>
               <a:t>Drag picture to placeholder or click icon to add</a:t>
             </a:r>
             <a:endParaRPr lang="zh-CN" altLang="en-US" dirty="0"/>
@@ -21937,7 +21542,7 @@
                   </a:schemeClr>
                 </a:solidFill>
               </a:rPr>
-              <a:t>2024/11/16</a:t>
+              <a:t>2024/11/18</a:t>
             </a:fld>
             <a:endParaRPr lang="zh-CN" altLang="en-US" sz="1400" dirty="0">
               <a:solidFill>
@@ -21958,7 +21563,7 @@
 </p:sldLayout>
 </file>
 
-<file path=ppt/slideLayouts/slideLayout36.xml><?xml version="1.0" encoding="utf-8"?>
+<file path=ppt/slideLayouts/slideLayout37.xml><?xml version="1.0" encoding="utf-8"?>
 <p:sldLayout xmlns:a="http://schemas.openxmlformats.org/drawingml/2006/main" xmlns:r="http://schemas.openxmlformats.org/officeDocument/2006/relationships" xmlns:p="http://schemas.openxmlformats.org/presentationml/2006/main" type="blank" preserve="1">
   <p:cSld name="空白">
     <p:spTree>
@@ -21992,7 +21597,7 @@
           <a:p>
             <a:fld id="{7BEF5A3D-07BE-48FF-8AF4-F046F630E329}" type="datetimeFigureOut">
               <a:rPr lang="zh-CN" altLang="en-US" smtClean="0"/>
-              <a:t>2024/11/16</a:t>
+              <a:t>2024/11/18</a:t>
             </a:fld>
             <a:endParaRPr lang="zh-CN" altLang="en-US"/>
           </a:p>
@@ -26061,12 +25666,12 @@
           <p:nvPr userDrawn="1"/>
         </p:nvPicPr>
         <p:blipFill rotWithShape="1">
-          <a:blip r:embed="rId8">
+          <a:blip r:embed="rId9">
             <a:alphaModFix amt="85000"/>
             <a:extLst>
               <a:ext uri="{BEBA8EAE-BF5A-486C-A8C5-ECC9F3942E4B}">
                 <a14:imgProps xmlns:a14="http://schemas.microsoft.com/office/drawing/2010/main">
-                  <a14:imgLayer r:embed="rId9">
+                  <a14:imgLayer r:embed="rId10">
                     <a14:imgEffect>
                       <a14:brightnessContrast bright="6000"/>
                     </a14:imgEffect>
@@ -26145,7 +25750,7 @@
           <p:cNvSpPr/>
           <p:nvPr userDrawn="1">
             <p:custDataLst>
-              <p:tags r:id="rId7"/>
+              <p:tags r:id="rId8"/>
             </p:custDataLst>
           </p:nvPr>
         </p:nvSpPr>
@@ -26325,6 +25930,7 @@
     <p:sldLayoutId id="2147483658" r:id="rId3"/>
     <p:sldLayoutId id="2147483659" r:id="rId4"/>
     <p:sldLayoutId id="2147483660" r:id="rId5"/>
+    <p:sldLayoutId id="2147483661" r:id="rId6"/>
   </p:sldLayoutIdLst>
   <p:hf hdr="0" ftr="0" dt="0"/>
   <p:txStyles>
@@ -26748,7 +26354,7 @@
           <a:p>
             <a:fld id="{7BEF5A3D-07BE-48FF-8AF4-F046F630E329}" type="datetimeFigureOut">
               <a:rPr lang="zh-CN" altLang="en-US" smtClean="0"/>
-              <a:t>2024/11/16</a:t>
+              <a:t>2024/11/18</a:t>
             </a:fld>
             <a:endParaRPr lang="zh-CN" altLang="en-US"/>
           </a:p>
@@ -26836,32 +26442,32 @@
   </p:cSld>
   <p:clrMap bg1="lt1" tx1="dk1" bg2="lt2" tx2="dk2" accent1="accent1" accent2="accent2" accent3="accent3" accent4="accent4" accent5="accent5" accent6="accent6" hlink="hlink" folHlink="folHlink"/>
   <p:sldLayoutIdLst>
-    <p:sldLayoutId id="2147483662" r:id="rId1"/>
-    <p:sldLayoutId id="2147483663" r:id="rId2"/>
-    <p:sldLayoutId id="2147483664" r:id="rId3"/>
-    <p:sldLayoutId id="2147483665" r:id="rId4"/>
-    <p:sldLayoutId id="2147483666" r:id="rId5"/>
-    <p:sldLayoutId id="2147483667" r:id="rId6"/>
-    <p:sldLayoutId id="2147483668" r:id="rId7"/>
-    <p:sldLayoutId id="2147483669" r:id="rId8"/>
-    <p:sldLayoutId id="2147483670" r:id="rId9"/>
-    <p:sldLayoutId id="2147483671" r:id="rId10"/>
-    <p:sldLayoutId id="2147483672" r:id="rId11"/>
-    <p:sldLayoutId id="2147483673" r:id="rId12"/>
-    <p:sldLayoutId id="2147483674" r:id="rId13"/>
-    <p:sldLayoutId id="2147483675" r:id="rId14"/>
-    <p:sldLayoutId id="2147483676" r:id="rId15"/>
-    <p:sldLayoutId id="2147483677" r:id="rId16"/>
-    <p:sldLayoutId id="2147483678" r:id="rId17"/>
-    <p:sldLayoutId id="2147483679" r:id="rId18"/>
-    <p:sldLayoutId id="2147483680" r:id="rId19"/>
-    <p:sldLayoutId id="2147483681" r:id="rId20"/>
-    <p:sldLayoutId id="2147483682" r:id="rId21"/>
-    <p:sldLayoutId id="2147483683" r:id="rId22"/>
-    <p:sldLayoutId id="2147483684" r:id="rId23"/>
-    <p:sldLayoutId id="2147483685" r:id="rId24"/>
-    <p:sldLayoutId id="2147483686" r:id="rId25"/>
-    <p:sldLayoutId id="2147483687" r:id="rId26"/>
+    <p:sldLayoutId id="2147483663" r:id="rId1"/>
+    <p:sldLayoutId id="2147483664" r:id="rId2"/>
+    <p:sldLayoutId id="2147483665" r:id="rId3"/>
+    <p:sldLayoutId id="2147483666" r:id="rId4"/>
+    <p:sldLayoutId id="2147483667" r:id="rId5"/>
+    <p:sldLayoutId id="2147483668" r:id="rId6"/>
+    <p:sldLayoutId id="2147483669" r:id="rId7"/>
+    <p:sldLayoutId id="2147483670" r:id="rId8"/>
+    <p:sldLayoutId id="2147483671" r:id="rId9"/>
+    <p:sldLayoutId id="2147483672" r:id="rId10"/>
+    <p:sldLayoutId id="2147483673" r:id="rId11"/>
+    <p:sldLayoutId id="2147483674" r:id="rId12"/>
+    <p:sldLayoutId id="2147483675" r:id="rId13"/>
+    <p:sldLayoutId id="2147483676" r:id="rId14"/>
+    <p:sldLayoutId id="2147483677" r:id="rId15"/>
+    <p:sldLayoutId id="2147483678" r:id="rId16"/>
+    <p:sldLayoutId id="2147483679" r:id="rId17"/>
+    <p:sldLayoutId id="2147483680" r:id="rId18"/>
+    <p:sldLayoutId id="2147483681" r:id="rId19"/>
+    <p:sldLayoutId id="2147483682" r:id="rId20"/>
+    <p:sldLayoutId id="2147483683" r:id="rId21"/>
+    <p:sldLayoutId id="2147483684" r:id="rId22"/>
+    <p:sldLayoutId id="2147483685" r:id="rId23"/>
+    <p:sldLayoutId id="2147483686" r:id="rId24"/>
+    <p:sldLayoutId id="2147483687" r:id="rId25"/>
+    <p:sldLayoutId id="2147483688" r:id="rId26"/>
   </p:sldLayoutIdLst>
   <p:txStyles>
     <p:titleStyle>
@@ -27188,8 +26794,8 @@
               <a:t>11.1-11.7</a:t>
             </a:r>
             <a:r>
-              <a:rPr lang="zh-CN" altLang="en-US" dirty="0"/>
-              <a:t>组会报告</a:t>
+              <a:rPr lang="zh-CN" altLang="en-US"/>
+              <a:t>组会</a:t>
             </a:r>
           </a:p>
         </p:txBody>
@@ -27218,7 +26824,7 @@
         <p:cNvPr id="1" name="">
           <a:extLst>
             <a:ext uri="{FF2B5EF4-FFF2-40B4-BE49-F238E27FC236}">
-              <a16:creationId xmlns:a16="http://schemas.microsoft.com/office/drawing/2014/main" id="{91D53181-1CF6-CABD-383F-DB6EBC179749}"/>
+              <a16:creationId xmlns:a16="http://schemas.microsoft.com/office/drawing/2014/main" id="{123FD8DF-48BD-78C0-8AA5-66EF4A5EA6E9}"/>
             </a:ext>
           </a:extLst>
         </p:cNvPr>
@@ -27238,7 +26844,7 @@
           <p:cNvPr id="4" name="文本框 3">
             <a:extLst>
               <a:ext uri="{FF2B5EF4-FFF2-40B4-BE49-F238E27FC236}">
-                <a16:creationId xmlns:a16="http://schemas.microsoft.com/office/drawing/2014/main" id="{832A7655-9512-76BA-942E-CB26099458E7}"/>
+                <a16:creationId xmlns:a16="http://schemas.microsoft.com/office/drawing/2014/main" id="{50B3CD44-6056-2B89-3154-53DAC2451F28}"/>
               </a:ext>
             </a:extLst>
           </p:cNvPr>
@@ -27274,7 +26880,7 @@
           <p:cNvPr id="3" name="标题 2">
             <a:extLst>
               <a:ext uri="{FF2B5EF4-FFF2-40B4-BE49-F238E27FC236}">
-                <a16:creationId xmlns:a16="http://schemas.microsoft.com/office/drawing/2014/main" id="{93E6B91E-A20A-6254-50B6-BBB4D0B97AB1}"/>
+                <a16:creationId xmlns:a16="http://schemas.microsoft.com/office/drawing/2014/main" id="{2982025A-3F79-BB80-4A7D-5509FB0E3825}"/>
               </a:ext>
             </a:extLst>
           </p:cNvPr>
@@ -27297,11 +26903,11 @@
           <a:p>
             <a:r>
               <a:rPr lang="en-US" altLang="zh-CN" dirty="0"/>
-              <a:t>11.14-11.20</a:t>
+              <a:t>11.8-11.14</a:t>
             </a:r>
             <a:r>
               <a:rPr lang="zh-CN" altLang="en-US" dirty="0"/>
-              <a:t>组会报告</a:t>
+              <a:t>组会</a:t>
             </a:r>
           </a:p>
         </p:txBody>
@@ -27309,7 +26915,7 @@
     </p:spTree>
     <p:extLst>
       <p:ext uri="{BB962C8B-B14F-4D97-AF65-F5344CB8AC3E}">
-        <p14:creationId xmlns:p14="http://schemas.microsoft.com/office/powerpoint/2010/main" val="2220227970"/>
+        <p14:creationId xmlns:p14="http://schemas.microsoft.com/office/powerpoint/2010/main" val="690343723"/>
       </p:ext>
     </p:extLst>
   </p:cSld>
@@ -27332,10 +26938,2094 @@
   <p:cSld>
     <p:spTree>
       <p:nvGrpSpPr>
+        <p:cNvPr id="1" name=""/>
+        <p:cNvGrpSpPr/>
+        <p:nvPr/>
+      </p:nvGrpSpPr>
+      <p:grpSpPr>
+        <a:xfrm>
+          <a:off x="0" y="0"/>
+          <a:ext cx="0" cy="0"/>
+          <a:chOff x="0" y="0"/>
+          <a:chExt cx="0" cy="0"/>
+        </a:xfrm>
+      </p:grpSpPr>
+      <p:sp>
+        <p:nvSpPr>
+          <p:cNvPr id="2" name="标题 1"/>
+          <p:cNvSpPr>
+            <a:spLocks noGrp="1"/>
+          </p:cNvSpPr>
+          <p:nvPr>
+            <p:ph type="title"/>
+          </p:nvPr>
+        </p:nvSpPr>
+        <p:spPr/>
+        <p:txBody>
+          <a:bodyPr/>
+          <a:lstStyle/>
+          <a:p>
+            <a:r>
+              <a:rPr lang="zh-CN" altLang="en-US"/>
+              <a:t>一、本周任务（</a:t>
+            </a:r>
+            <a:r>
+              <a:rPr lang="en-US" altLang="zh-CN" dirty="0"/>
+              <a:t>11.8-11.14</a:t>
+            </a:r>
+            <a:r>
+              <a:rPr lang="zh-CN" altLang="en-US">
+                <a:ea typeface="宋体" panose="02010600030101010101" pitchFamily="2" charset="-122"/>
+              </a:rPr>
+              <a:t>）</a:t>
+            </a:r>
+          </a:p>
+        </p:txBody>
+      </p:sp>
+      <p:sp>
+        <p:nvSpPr>
+          <p:cNvPr id="3" name="内容占位符 2"/>
+          <p:cNvSpPr>
+            <a:spLocks noGrp="1"/>
+          </p:cNvSpPr>
+          <p:nvPr>
+            <p:ph sz="quarter" idx="11"/>
+          </p:nvPr>
+        </p:nvSpPr>
+        <p:spPr/>
+        <p:txBody>
+          <a:bodyPr/>
+          <a:lstStyle/>
+          <a:p>
+            <a:r>
+              <a:rPr lang="zh-CN" altLang="en-US" sz="2800" b="1">
+                <a:sym typeface="+mn-ea"/>
+              </a:rPr>
+              <a:t>单智能体强化学习代码进一步修改，调整多个参数，使模型效果更好</a:t>
+            </a:r>
+            <a:endParaRPr lang="zh-CN" altLang="en-US" sz="2800" b="1"/>
+          </a:p>
+          <a:p>
+            <a:pPr marL="0" indent="0">
+              <a:buNone/>
+            </a:pPr>
+            <a:endParaRPr lang="zh-CN" altLang="en-US" sz="2800" b="1"/>
+          </a:p>
+        </p:txBody>
+      </p:sp>
+      <p:sp>
+        <p:nvSpPr>
+          <p:cNvPr id="4" name="文本占位符 3"/>
+          <p:cNvSpPr>
+            <a:spLocks noGrp="1"/>
+          </p:cNvSpPr>
+          <p:nvPr>
+            <p:ph type="body" sz="quarter" idx="12"/>
+          </p:nvPr>
+        </p:nvSpPr>
+        <p:spPr/>
+        <p:txBody>
+          <a:bodyPr/>
+          <a:lstStyle/>
+          <a:p>
+            <a:endParaRPr lang="zh-CN" altLang="en-US"/>
+          </a:p>
+        </p:txBody>
+      </p:sp>
+      <p:sp>
+        <p:nvSpPr>
+          <p:cNvPr id="5" name="文本占位符 4"/>
+          <p:cNvSpPr>
+            <a:spLocks noGrp="1"/>
+          </p:cNvSpPr>
+          <p:nvPr>
+            <p:ph type="body" sz="quarter" idx="13"/>
+          </p:nvPr>
+        </p:nvSpPr>
+        <p:spPr/>
+        <p:txBody>
+          <a:bodyPr/>
+          <a:lstStyle/>
+          <a:p>
+            <a:endParaRPr lang="zh-CN" altLang="en-US"/>
+          </a:p>
+        </p:txBody>
+      </p:sp>
+      <p:sp>
+        <p:nvSpPr>
+          <p:cNvPr id="6" name="灯片编号占位符 5"/>
+          <p:cNvSpPr>
+            <a:spLocks noGrp="1"/>
+          </p:cNvSpPr>
+          <p:nvPr>
+            <p:ph type="sldNum" sz="quarter" idx="14"/>
+          </p:nvPr>
+        </p:nvSpPr>
+        <p:spPr/>
+        <p:txBody>
+          <a:bodyPr/>
+          <a:lstStyle/>
+          <a:p>
+            <a:fld id="{AA807A42-CF27-4B84-8583-18EBE418342E}" type="slidenum">
+              <a:rPr lang="de-DE" smtClean="0"/>
+              <a:t>11</a:t>
+            </a:fld>
+            <a:endParaRPr lang="de-DE" dirty="0"/>
+          </a:p>
+        </p:txBody>
+      </p:sp>
+    </p:spTree>
+  </p:cSld>
+  <p:clrMapOvr>
+    <a:masterClrMapping/>
+  </p:clrMapOvr>
+</p:sld>
+</file>
+
+<file path=ppt/slides/slide12.xml><?xml version="1.0" encoding="utf-8"?>
+<p:sld xmlns:a="http://schemas.openxmlformats.org/drawingml/2006/main" xmlns:r="http://schemas.openxmlformats.org/officeDocument/2006/relationships" xmlns:p="http://schemas.openxmlformats.org/presentationml/2006/main">
+  <p:cSld>
+    <p:spTree>
+      <p:nvGrpSpPr>
+        <p:cNvPr id="1" name=""/>
+        <p:cNvGrpSpPr/>
+        <p:nvPr/>
+      </p:nvGrpSpPr>
+      <p:grpSpPr>
+        <a:xfrm>
+          <a:off x="0" y="0"/>
+          <a:ext cx="0" cy="0"/>
+          <a:chOff x="0" y="0"/>
+          <a:chExt cx="0" cy="0"/>
+        </a:xfrm>
+      </p:grpSpPr>
+      <p:sp>
+        <p:nvSpPr>
+          <p:cNvPr id="2" name="标题 1"/>
+          <p:cNvSpPr>
+            <a:spLocks noGrp="1"/>
+          </p:cNvSpPr>
+          <p:nvPr>
+            <p:ph type="title"/>
+          </p:nvPr>
+        </p:nvSpPr>
+        <p:spPr/>
+        <p:txBody>
+          <a:bodyPr/>
+          <a:lstStyle/>
+          <a:p>
+            <a:r>
+              <a:rPr lang="zh-CN" altLang="en-US"/>
+              <a:t>二、完成情况</a:t>
+            </a:r>
+          </a:p>
+        </p:txBody>
+      </p:sp>
+      <p:sp>
+        <p:nvSpPr>
+          <p:cNvPr id="3" name="内容占位符 2"/>
+          <p:cNvSpPr>
+            <a:spLocks noGrp="1"/>
+          </p:cNvSpPr>
+          <p:nvPr>
+            <p:ph sz="quarter" idx="11"/>
+          </p:nvPr>
+        </p:nvSpPr>
+        <p:spPr/>
+        <p:txBody>
+          <a:bodyPr/>
+          <a:lstStyle/>
+          <a:p>
+            <a:r>
+              <a:rPr lang="zh-CN" altLang="en-US"/>
+              <a:t>1、修改奖励函数，包括调整参数、设计更合理的奖励函数等等</a:t>
+            </a:r>
+          </a:p>
+          <a:p>
+            <a:endParaRPr lang="zh-CN" altLang="en-US"/>
+          </a:p>
+          <a:p>
+            <a:r>
+              <a:rPr lang="zh-CN" altLang="en-US"/>
+              <a:t>2、优化PPO算法本身，例如将MLP替换为Transformer、CNN等等</a:t>
+            </a:r>
+          </a:p>
+          <a:p>
+            <a:endParaRPr lang="zh-CN" altLang="en-US"/>
+          </a:p>
+          <a:p>
+            <a:r>
+              <a:rPr lang="zh-CN" altLang="en-US" sz="2400" b="1"/>
+              <a:t>3、先将环境固定下来，生成固定的场景进行训练</a:t>
+            </a:r>
+          </a:p>
+        </p:txBody>
+      </p:sp>
+      <p:sp>
+        <p:nvSpPr>
+          <p:cNvPr id="4" name="文本占位符 3"/>
+          <p:cNvSpPr>
+            <a:spLocks noGrp="1"/>
+          </p:cNvSpPr>
+          <p:nvPr>
+            <p:ph type="body" sz="quarter" idx="12"/>
+          </p:nvPr>
+        </p:nvSpPr>
+        <p:spPr/>
+        <p:txBody>
+          <a:bodyPr/>
+          <a:lstStyle/>
+          <a:p>
+            <a:r>
+              <a:rPr lang="zh-CN" altLang="en-US"/>
+              <a:t>实现思路</a:t>
+            </a:r>
+          </a:p>
+        </p:txBody>
+      </p:sp>
+      <p:sp>
+        <p:nvSpPr>
+          <p:cNvPr id="5" name="文本占位符 4"/>
+          <p:cNvSpPr>
+            <a:spLocks noGrp="1"/>
+          </p:cNvSpPr>
+          <p:nvPr>
+            <p:ph type="body" sz="quarter" idx="13"/>
+          </p:nvPr>
+        </p:nvSpPr>
+        <p:spPr/>
+        <p:txBody>
+          <a:bodyPr/>
+          <a:lstStyle/>
+          <a:p>
+            <a:endParaRPr lang="zh-CN" altLang="en-US"/>
+          </a:p>
+        </p:txBody>
+      </p:sp>
+      <p:sp>
+        <p:nvSpPr>
+          <p:cNvPr id="6" name="灯片编号占位符 5"/>
+          <p:cNvSpPr>
+            <a:spLocks noGrp="1"/>
+          </p:cNvSpPr>
+          <p:nvPr>
+            <p:ph type="sldNum" sz="quarter" idx="14"/>
+          </p:nvPr>
+        </p:nvSpPr>
+        <p:spPr/>
+        <p:txBody>
+          <a:bodyPr/>
+          <a:lstStyle/>
+          <a:p>
+            <a:fld id="{AA807A42-CF27-4B84-8583-18EBE418342E}" type="slidenum">
+              <a:rPr lang="de-DE" smtClean="0"/>
+              <a:t>12</a:t>
+            </a:fld>
+            <a:endParaRPr lang="de-DE" dirty="0"/>
+          </a:p>
+        </p:txBody>
+      </p:sp>
+      <p:sp>
+        <p:nvSpPr>
+          <p:cNvPr id="7" name="文本框 6"/>
+          <p:cNvSpPr txBox="1"/>
+          <p:nvPr/>
+        </p:nvSpPr>
+        <p:spPr>
+          <a:xfrm>
+            <a:off x="465455" y="4222750"/>
+            <a:ext cx="7795895" cy="1198880"/>
+          </a:xfrm>
+          <a:prstGeom prst="rect">
+            <a:avLst/>
+          </a:prstGeom>
+          <a:noFill/>
+        </p:spPr>
+        <p:txBody>
+          <a:bodyPr vert="horz" wrap="square" rtlCol="0">
+            <a:spAutoFit/>
+          </a:bodyPr>
+          <a:lstStyle/>
+          <a:p>
+            <a:pPr algn="l" rtl="0" eaLnBrk="1" fontAlgn="auto" hangingPunct="1">
+              <a:lnSpc>
+                <a:spcPct val="100000"/>
+              </a:lnSpc>
+              <a:spcBef>
+                <a:spcPts val="0"/>
+              </a:spcBef>
+              <a:spcAft>
+                <a:spcPts val="0"/>
+              </a:spcAft>
+            </a:pPr>
+            <a:r>
+              <a:rPr lang="en-US" altLang="zh-CN" sz="1800" b="0" i="0" u="none" baseline="0" dirty="0">
+                <a:solidFill>
+                  <a:srgbClr val="000000"/>
+                </a:solidFill>
+                <a:latin typeface="BMW Group Condensed" panose="020B0606020202020204" pitchFamily="34" charset="0"/>
+              </a:rPr>
+              <a:t>1</a:t>
+            </a:r>
+            <a:r>
+              <a:rPr lang="zh-CN" altLang="en-US" sz="1800" b="0" i="0" u="none" baseline="0" dirty="0">
+                <a:solidFill>
+                  <a:srgbClr val="000000"/>
+                </a:solidFill>
+                <a:latin typeface="BMW Group Condensed" panose="020B0606020202020204" pitchFamily="34" charset="0"/>
+                <a:ea typeface="宋体" panose="02010600030101010101" pitchFamily="2" charset="-122"/>
+              </a:rPr>
+              <a:t>比较耗时间，需要探索比较好的参数组合</a:t>
+            </a:r>
+          </a:p>
+          <a:p>
+            <a:pPr algn="l" rtl="0" eaLnBrk="1" fontAlgn="auto" hangingPunct="1">
+              <a:lnSpc>
+                <a:spcPct val="100000"/>
+              </a:lnSpc>
+              <a:spcBef>
+                <a:spcPts val="0"/>
+              </a:spcBef>
+              <a:spcAft>
+                <a:spcPts val="0"/>
+              </a:spcAft>
+            </a:pPr>
+            <a:r>
+              <a:rPr lang="en-US" altLang="zh-CN" sz="1800" b="0" i="0" u="none" baseline="0" dirty="0">
+                <a:solidFill>
+                  <a:srgbClr val="000000"/>
+                </a:solidFill>
+                <a:latin typeface="BMW Group Condensed" panose="020B0606020202020204" pitchFamily="34" charset="0"/>
+                <a:ea typeface="宋体" panose="02010600030101010101" pitchFamily="2" charset="-122"/>
+              </a:rPr>
+              <a:t>2</a:t>
+            </a:r>
+            <a:r>
+              <a:rPr lang="zh-CN" altLang="en-US" sz="1800" b="0" i="0" u="none" baseline="0" dirty="0">
+                <a:solidFill>
+                  <a:srgbClr val="000000"/>
+                </a:solidFill>
+                <a:latin typeface="BMW Group Condensed" panose="020B0606020202020204" pitchFamily="34" charset="0"/>
+                <a:ea typeface="宋体" panose="02010600030101010101" pitchFamily="2" charset="-122"/>
+              </a:rPr>
+              <a:t>对模型改动较大</a:t>
+            </a:r>
+          </a:p>
+          <a:p>
+            <a:pPr algn="l" rtl="0" eaLnBrk="1" fontAlgn="auto" hangingPunct="1">
+              <a:lnSpc>
+                <a:spcPct val="100000"/>
+              </a:lnSpc>
+              <a:spcBef>
+                <a:spcPts val="0"/>
+              </a:spcBef>
+              <a:spcAft>
+                <a:spcPts val="0"/>
+              </a:spcAft>
+            </a:pPr>
+            <a:r>
+              <a:rPr lang="zh-CN" altLang="en-US" sz="1800" b="0" i="0" u="none" baseline="0" dirty="0">
+                <a:solidFill>
+                  <a:srgbClr val="000000"/>
+                </a:solidFill>
+                <a:latin typeface="BMW Group Condensed" panose="020B0606020202020204" pitchFamily="34" charset="0"/>
+                <a:ea typeface="宋体" panose="02010600030101010101" pitchFamily="2" charset="-122"/>
+              </a:rPr>
+              <a:t>先选择思路</a:t>
+            </a:r>
+            <a:r>
+              <a:rPr lang="en-US" altLang="zh-CN" sz="1800" b="0" i="0" u="none" baseline="0" dirty="0">
+                <a:solidFill>
+                  <a:srgbClr val="000000"/>
+                </a:solidFill>
+                <a:latin typeface="BMW Group Condensed" panose="020B0606020202020204" pitchFamily="34" charset="0"/>
+                <a:ea typeface="宋体" panose="02010600030101010101" pitchFamily="2" charset="-122"/>
+              </a:rPr>
+              <a:t>3</a:t>
+            </a:r>
+            <a:r>
+              <a:rPr lang="zh-CN" altLang="en-US" sz="1800" b="0" i="0" u="none" baseline="0" dirty="0">
+                <a:solidFill>
+                  <a:srgbClr val="000000"/>
+                </a:solidFill>
+                <a:latin typeface="BMW Group Condensed" panose="020B0606020202020204" pitchFamily="34" charset="0"/>
+                <a:ea typeface="宋体" panose="02010600030101010101" pitchFamily="2" charset="-122"/>
+              </a:rPr>
+              <a:t>，固定一个特定环境，对模型环境进行简化</a:t>
+            </a:r>
+          </a:p>
+          <a:p>
+            <a:pPr algn="l" rtl="0" eaLnBrk="1" fontAlgn="auto" hangingPunct="1">
+              <a:lnSpc>
+                <a:spcPct val="100000"/>
+              </a:lnSpc>
+              <a:spcBef>
+                <a:spcPts val="0"/>
+              </a:spcBef>
+              <a:spcAft>
+                <a:spcPts val="0"/>
+              </a:spcAft>
+            </a:pPr>
+            <a:r>
+              <a:rPr lang="zh-CN" altLang="en-US" sz="1800" b="0" i="0" u="none" baseline="0" dirty="0">
+                <a:solidFill>
+                  <a:srgbClr val="000000"/>
+                </a:solidFill>
+                <a:latin typeface="BMW Group Condensed" panose="020B0606020202020204" pitchFamily="34" charset="0"/>
+                <a:ea typeface="宋体" panose="02010600030101010101" pitchFamily="2" charset="-122"/>
+              </a:rPr>
+              <a:t>包括固定车辆初始速度、初始位置、环境中车辆数以及车辆的运行轨迹</a:t>
+            </a:r>
+          </a:p>
+        </p:txBody>
+      </p:sp>
+    </p:spTree>
+  </p:cSld>
+  <p:clrMapOvr>
+    <a:masterClrMapping/>
+  </p:clrMapOvr>
+</p:sld>
+</file>
+
+<file path=ppt/slides/slide13.xml><?xml version="1.0" encoding="utf-8"?>
+<p:sld xmlns:a="http://schemas.openxmlformats.org/drawingml/2006/main" xmlns:r="http://schemas.openxmlformats.org/officeDocument/2006/relationships" xmlns:p="http://schemas.openxmlformats.org/presentationml/2006/main">
+  <p:cSld>
+    <p:spTree>
+      <p:nvGrpSpPr>
+        <p:cNvPr id="1" name=""/>
+        <p:cNvGrpSpPr/>
+        <p:nvPr/>
+      </p:nvGrpSpPr>
+      <p:grpSpPr>
+        <a:xfrm>
+          <a:off x="0" y="0"/>
+          <a:ext cx="0" cy="0"/>
+          <a:chOff x="0" y="0"/>
+          <a:chExt cx="0" cy="0"/>
+        </a:xfrm>
+      </p:grpSpPr>
+      <p:sp>
+        <p:nvSpPr>
+          <p:cNvPr id="3" name="标题 2"/>
+          <p:cNvSpPr>
+            <a:spLocks noGrp="1"/>
+          </p:cNvSpPr>
+          <p:nvPr>
+            <p:ph type="title"/>
+          </p:nvPr>
+        </p:nvSpPr>
+        <p:spPr/>
+        <p:txBody>
+          <a:bodyPr/>
+          <a:lstStyle/>
+          <a:p>
+            <a:r>
+              <a:rPr lang="zh-CN" altLang="en-US"/>
+              <a:t>二、完成情况</a:t>
+            </a:r>
+          </a:p>
+        </p:txBody>
+      </p:sp>
+      <p:sp>
+        <p:nvSpPr>
+          <p:cNvPr id="5" name="文本占位符 4"/>
+          <p:cNvSpPr>
+            <a:spLocks noGrp="1"/>
+          </p:cNvSpPr>
+          <p:nvPr>
+            <p:ph type="body" sz="quarter" idx="12"/>
+          </p:nvPr>
+        </p:nvSpPr>
+        <p:spPr/>
+        <p:txBody>
+          <a:bodyPr/>
+          <a:lstStyle/>
+          <a:p>
+            <a:endParaRPr lang="zh-CN" altLang="en-US"/>
+          </a:p>
+        </p:txBody>
+      </p:sp>
+      <p:sp>
+        <p:nvSpPr>
+          <p:cNvPr id="2" name="灯片编号占位符 1"/>
+          <p:cNvSpPr>
+            <a:spLocks noGrp="1"/>
+          </p:cNvSpPr>
+          <p:nvPr>
+            <p:ph type="sldNum" sz="quarter" idx="13"/>
+          </p:nvPr>
+        </p:nvSpPr>
+        <p:spPr/>
+        <p:txBody>
+          <a:bodyPr/>
+          <a:lstStyle/>
+          <a:p>
+            <a:fld id="{CE0EC710-139A-4CA2-AAD7-77B43670B718}" type="slidenum">
+              <a:rPr lang="zh-CN" altLang="en-US" smtClean="0"/>
+              <a:t>13</a:t>
+            </a:fld>
+            <a:endParaRPr lang="zh-CN" altLang="en-US" dirty="0"/>
+          </a:p>
+        </p:txBody>
+      </p:sp>
+      <p:pic>
+        <p:nvPicPr>
+          <p:cNvPr id="10" name="内容占位符 9"/>
+          <p:cNvPicPr>
+            <a:picLocks noGrp="1" noChangeAspect="1"/>
+          </p:cNvPicPr>
+          <p:nvPr>
+            <p:ph sz="quarter" idx="11"/>
+          </p:nvPr>
+        </p:nvPicPr>
+        <p:blipFill>
+          <a:blip r:embed="rId2"/>
+          <a:stretch>
+            <a:fillRect/>
+          </a:stretch>
+        </p:blipFill>
+        <p:spPr>
+          <a:xfrm>
+            <a:off x="394970" y="2160270"/>
+            <a:ext cx="5608320" cy="2773680"/>
+          </a:xfrm>
+          <a:prstGeom prst="rect">
+            <a:avLst/>
+          </a:prstGeom>
+        </p:spPr>
+      </p:pic>
+      <p:sp>
+        <p:nvSpPr>
+          <p:cNvPr id="11" name="文本框 10"/>
+          <p:cNvSpPr txBox="1"/>
+          <p:nvPr/>
+        </p:nvSpPr>
+        <p:spPr>
+          <a:xfrm>
+            <a:off x="6425565" y="2537460"/>
+            <a:ext cx="5496560" cy="645160"/>
+          </a:xfrm>
+          <a:prstGeom prst="rect">
+            <a:avLst/>
+          </a:prstGeom>
+          <a:noFill/>
+        </p:spPr>
+        <p:txBody>
+          <a:bodyPr vert="horz" wrap="square" rtlCol="0">
+            <a:spAutoFit/>
+          </a:bodyPr>
+          <a:lstStyle/>
+          <a:p>
+            <a:pPr algn="l" rtl="0" eaLnBrk="1" fontAlgn="auto" hangingPunct="1">
+              <a:lnSpc>
+                <a:spcPct val="100000"/>
+              </a:lnSpc>
+              <a:spcBef>
+                <a:spcPts val="0"/>
+              </a:spcBef>
+              <a:spcAft>
+                <a:spcPts val="0"/>
+              </a:spcAft>
+            </a:pPr>
+            <a:r>
+              <a:rPr lang="zh-CN" altLang="en-US" sz="1800" b="0" i="0" u="none" baseline="0" dirty="0">
+                <a:solidFill>
+                  <a:srgbClr val="000000"/>
+                </a:solidFill>
+                <a:latin typeface="BMW Group Condensed" panose="020B0606020202020204" pitchFamily="34" charset="0"/>
+              </a:rPr>
+              <a:t>初始位置、速度波动设为</a:t>
+            </a:r>
+            <a:r>
+              <a:rPr lang="en-US" altLang="zh-CN" sz="1800" b="0" i="0" u="none" baseline="0" dirty="0">
+                <a:solidFill>
+                  <a:srgbClr val="000000"/>
+                </a:solidFill>
+                <a:latin typeface="BMW Group Condensed" panose="020B0606020202020204" pitchFamily="34" charset="0"/>
+              </a:rPr>
+              <a:t>0</a:t>
+            </a:r>
+          </a:p>
+          <a:p>
+            <a:pPr algn="l" rtl="0" eaLnBrk="1" fontAlgn="auto" hangingPunct="1">
+              <a:lnSpc>
+                <a:spcPct val="100000"/>
+              </a:lnSpc>
+              <a:spcBef>
+                <a:spcPts val="0"/>
+              </a:spcBef>
+              <a:spcAft>
+                <a:spcPts val="0"/>
+              </a:spcAft>
+            </a:pPr>
+            <a:r>
+              <a:rPr lang="zh-CN" altLang="en-US" sz="1800" b="0" i="0" u="none" baseline="0" dirty="0">
+                <a:solidFill>
+                  <a:srgbClr val="000000"/>
+                </a:solidFill>
+                <a:latin typeface="BMW Group Condensed" panose="020B0606020202020204" pitchFamily="34" charset="0"/>
+                <a:ea typeface="宋体" panose="02010600030101010101" pitchFamily="2" charset="-122"/>
+              </a:rPr>
+              <a:t>所有生成车辆都会出现在环境中，即固定车数</a:t>
+            </a:r>
+          </a:p>
+        </p:txBody>
+      </p:sp>
+      <p:sp>
+        <p:nvSpPr>
+          <p:cNvPr id="12" name="文本框 11"/>
+          <p:cNvSpPr txBox="1"/>
+          <p:nvPr/>
+        </p:nvSpPr>
+        <p:spPr>
+          <a:xfrm>
+            <a:off x="6536055" y="4596765"/>
+            <a:ext cx="4064000" cy="922020"/>
+          </a:xfrm>
+          <a:prstGeom prst="rect">
+            <a:avLst/>
+          </a:prstGeom>
+          <a:noFill/>
+        </p:spPr>
+        <p:txBody>
+          <a:bodyPr vert="horz" wrap="square" rtlCol="0">
+            <a:spAutoFit/>
+          </a:bodyPr>
+          <a:lstStyle/>
+          <a:p>
+            <a:pPr algn="l" rtl="0" eaLnBrk="1" fontAlgn="auto" hangingPunct="1">
+              <a:lnSpc>
+                <a:spcPct val="100000"/>
+              </a:lnSpc>
+              <a:spcBef>
+                <a:spcPts val="0"/>
+              </a:spcBef>
+              <a:spcAft>
+                <a:spcPts val="0"/>
+              </a:spcAft>
+            </a:pPr>
+            <a:r>
+              <a:rPr lang="zh-CN" altLang="en-US" sz="1800" b="0" i="0" u="none" baseline="0" dirty="0">
+                <a:solidFill>
+                  <a:srgbClr val="000000"/>
+                </a:solidFill>
+                <a:latin typeface="BMW Group Condensed" panose="020B0606020202020204" pitchFamily="34" charset="0"/>
+              </a:rPr>
+              <a:t>固定路线（环境中所有车辆直行，智能体左转）</a:t>
+            </a:r>
+          </a:p>
+          <a:p>
+            <a:pPr algn="l" rtl="0" eaLnBrk="1" fontAlgn="auto" hangingPunct="1">
+              <a:lnSpc>
+                <a:spcPct val="100000"/>
+              </a:lnSpc>
+              <a:spcBef>
+                <a:spcPts val="0"/>
+              </a:spcBef>
+              <a:spcAft>
+                <a:spcPts val="0"/>
+              </a:spcAft>
+            </a:pPr>
+            <a:r>
+              <a:rPr lang="zh-CN" altLang="en-US" sz="1800" b="0" i="0" u="none" baseline="0" dirty="0">
+                <a:solidFill>
+                  <a:srgbClr val="000000"/>
+                </a:solidFill>
+                <a:latin typeface="BMW Group Condensed" panose="020B0606020202020204" pitchFamily="34" charset="0"/>
+              </a:rPr>
+              <a:t>在交叉口出现路权冲突</a:t>
+            </a:r>
+          </a:p>
+        </p:txBody>
+      </p:sp>
+    </p:spTree>
+  </p:cSld>
+  <p:clrMapOvr>
+    <a:masterClrMapping/>
+  </p:clrMapOvr>
+</p:sld>
+</file>
+
+<file path=ppt/slides/slide14.xml><?xml version="1.0" encoding="utf-8"?>
+<p:sld xmlns:a="http://schemas.openxmlformats.org/drawingml/2006/main" xmlns:r="http://schemas.openxmlformats.org/officeDocument/2006/relationships" xmlns:p="http://schemas.openxmlformats.org/presentationml/2006/main">
+  <p:cSld>
+    <p:spTree>
+      <p:nvGrpSpPr>
+        <p:cNvPr id="1" name=""/>
+        <p:cNvGrpSpPr/>
+        <p:nvPr/>
+      </p:nvGrpSpPr>
+      <p:grpSpPr>
+        <a:xfrm>
+          <a:off x="0" y="0"/>
+          <a:ext cx="0" cy="0"/>
+          <a:chOff x="0" y="0"/>
+          <a:chExt cx="0" cy="0"/>
+        </a:xfrm>
+      </p:grpSpPr>
+      <p:sp>
+        <p:nvSpPr>
+          <p:cNvPr id="2" name="标题 1"/>
+          <p:cNvSpPr>
+            <a:spLocks noGrp="1"/>
+          </p:cNvSpPr>
+          <p:nvPr>
+            <p:ph type="title"/>
+          </p:nvPr>
+        </p:nvSpPr>
+        <p:spPr/>
+        <p:txBody>
+          <a:bodyPr/>
+          <a:lstStyle/>
+          <a:p>
+            <a:r>
+              <a:rPr lang="zh-CN" altLang="en-US"/>
+              <a:t>三、存在问题</a:t>
+            </a:r>
+          </a:p>
+        </p:txBody>
+      </p:sp>
+      <p:sp>
+        <p:nvSpPr>
+          <p:cNvPr id="4" name="文本占位符 3"/>
+          <p:cNvSpPr>
+            <a:spLocks noGrp="1"/>
+          </p:cNvSpPr>
+          <p:nvPr>
+            <p:ph type="body" sz="quarter" idx="12"/>
+          </p:nvPr>
+        </p:nvSpPr>
+        <p:spPr/>
+        <p:txBody>
+          <a:bodyPr/>
+          <a:lstStyle/>
+          <a:p>
+            <a:endParaRPr lang="zh-CN" altLang="en-US"/>
+          </a:p>
+        </p:txBody>
+      </p:sp>
+      <p:sp>
+        <p:nvSpPr>
+          <p:cNvPr id="5" name="灯片编号占位符 4"/>
+          <p:cNvSpPr>
+            <a:spLocks noGrp="1"/>
+          </p:cNvSpPr>
+          <p:nvPr>
+            <p:ph type="sldNum" sz="quarter" idx="13"/>
+          </p:nvPr>
+        </p:nvSpPr>
+        <p:spPr/>
+        <p:txBody>
+          <a:bodyPr/>
+          <a:lstStyle/>
+          <a:p>
+            <a:fld id="{AA807A42-CF27-4B84-8583-18EBE418342E}" type="slidenum">
+              <a:rPr lang="de-DE" smtClean="0"/>
+              <a:t>14</a:t>
+            </a:fld>
+            <a:endParaRPr lang="de-DE" dirty="0"/>
+          </a:p>
+        </p:txBody>
+      </p:sp>
+      <p:pic>
+        <p:nvPicPr>
+          <p:cNvPr id="8" name="内容占位符 7"/>
+          <p:cNvPicPr>
+            <a:picLocks noGrp="1" noChangeAspect="1"/>
+          </p:cNvPicPr>
+          <p:nvPr>
+            <p:ph sz="quarter" idx="11"/>
+          </p:nvPr>
+        </p:nvPicPr>
+        <p:blipFill>
+          <a:blip r:embed="rId2"/>
+          <a:stretch>
+            <a:fillRect/>
+          </a:stretch>
+        </p:blipFill>
+        <p:spPr>
+          <a:xfrm>
+            <a:off x="619125" y="1557020"/>
+            <a:ext cx="2324100" cy="4000500"/>
+          </a:xfrm>
+          <a:prstGeom prst="rect">
+            <a:avLst/>
+          </a:prstGeom>
+        </p:spPr>
+      </p:pic>
+      <p:sp>
+        <p:nvSpPr>
+          <p:cNvPr id="9" name="文本框 8"/>
+          <p:cNvSpPr txBox="1"/>
+          <p:nvPr/>
+        </p:nvSpPr>
+        <p:spPr>
+          <a:xfrm>
+            <a:off x="3796665" y="2699385"/>
+            <a:ext cx="4064000" cy="1322070"/>
+          </a:xfrm>
+          <a:prstGeom prst="rect">
+            <a:avLst/>
+          </a:prstGeom>
+          <a:noFill/>
+        </p:spPr>
+        <p:txBody>
+          <a:bodyPr vert="horz" wrap="square" rtlCol="0">
+            <a:spAutoFit/>
+          </a:bodyPr>
+          <a:lstStyle/>
+          <a:p>
+            <a:pPr algn="l" rtl="0" eaLnBrk="1" fontAlgn="auto" hangingPunct="1">
+              <a:lnSpc>
+                <a:spcPct val="100000"/>
+              </a:lnSpc>
+              <a:spcBef>
+                <a:spcPts val="0"/>
+              </a:spcBef>
+              <a:spcAft>
+                <a:spcPts val="0"/>
+              </a:spcAft>
+            </a:pPr>
+            <a:r>
+              <a:rPr lang="zh-CN" altLang="en-US" sz="2000" b="0" i="0" u="none" baseline="0" dirty="0">
+                <a:solidFill>
+                  <a:srgbClr val="000000"/>
+                </a:solidFill>
+                <a:latin typeface="微软雅黑" panose="020B0503020204020204" pitchFamily="34" charset="-122"/>
+                <a:ea typeface="微软雅黑" panose="020B0503020204020204" pitchFamily="34" charset="-122"/>
+              </a:rPr>
+              <a:t>还是模型训练没有效果</a:t>
+            </a:r>
+          </a:p>
+          <a:p>
+            <a:pPr algn="l" rtl="0" eaLnBrk="1" fontAlgn="auto" hangingPunct="1">
+              <a:lnSpc>
+                <a:spcPct val="100000"/>
+              </a:lnSpc>
+              <a:spcBef>
+                <a:spcPts val="0"/>
+              </a:spcBef>
+              <a:spcAft>
+                <a:spcPts val="0"/>
+              </a:spcAft>
+            </a:pPr>
+            <a:r>
+              <a:rPr lang="zh-CN" altLang="en-US" sz="2000" b="0" i="0" u="none" baseline="0" dirty="0">
+                <a:solidFill>
+                  <a:srgbClr val="000000"/>
+                </a:solidFill>
+                <a:latin typeface="微软雅黑" panose="020B0503020204020204" pitchFamily="34" charset="-122"/>
+                <a:ea typeface="微软雅黑" panose="020B0503020204020204" pitchFamily="34" charset="-122"/>
+              </a:rPr>
+              <a:t>发现智能体不会自动加减速来避让</a:t>
+            </a:r>
+          </a:p>
+          <a:p>
+            <a:pPr algn="l" rtl="0" eaLnBrk="1" fontAlgn="auto" hangingPunct="1">
+              <a:lnSpc>
+                <a:spcPct val="100000"/>
+              </a:lnSpc>
+              <a:spcBef>
+                <a:spcPts val="0"/>
+              </a:spcBef>
+              <a:spcAft>
+                <a:spcPts val="0"/>
+              </a:spcAft>
+            </a:pPr>
+            <a:r>
+              <a:rPr lang="zh-CN" altLang="en-US" sz="2000" b="0" i="0" u="none" baseline="0" dirty="0">
+                <a:solidFill>
+                  <a:srgbClr val="000000"/>
+                </a:solidFill>
+                <a:latin typeface="微软雅黑" panose="020B0503020204020204" pitchFamily="34" charset="-122"/>
+                <a:ea typeface="微软雅黑" panose="020B0503020204020204" pitchFamily="34" charset="-122"/>
+              </a:rPr>
+              <a:t>撞车</a:t>
+            </a:r>
+            <a:r>
+              <a:rPr lang="en-US" altLang="zh-CN" sz="2000" b="0" i="0" u="none" baseline="0" dirty="0">
+                <a:solidFill>
+                  <a:srgbClr val="000000"/>
+                </a:solidFill>
+                <a:latin typeface="微软雅黑" panose="020B0503020204020204" pitchFamily="34" charset="-122"/>
+                <a:ea typeface="微软雅黑" panose="020B0503020204020204" pitchFamily="34" charset="-122"/>
+              </a:rPr>
+              <a:t>or</a:t>
+            </a:r>
+            <a:r>
+              <a:rPr lang="zh-CN" altLang="en-US" sz="2000" b="0" i="0" u="none" baseline="0" dirty="0">
+                <a:solidFill>
+                  <a:srgbClr val="000000"/>
+                </a:solidFill>
+                <a:latin typeface="微软雅黑" panose="020B0503020204020204" pitchFamily="34" charset="-122"/>
+                <a:ea typeface="微软雅黑" panose="020B0503020204020204" pitchFamily="34" charset="-122"/>
+              </a:rPr>
+              <a:t>匀速通过</a:t>
+            </a:r>
+          </a:p>
+          <a:p>
+            <a:pPr algn="l" rtl="0" eaLnBrk="1" fontAlgn="auto" hangingPunct="1">
+              <a:lnSpc>
+                <a:spcPct val="100000"/>
+              </a:lnSpc>
+              <a:spcBef>
+                <a:spcPts val="0"/>
+              </a:spcBef>
+              <a:spcAft>
+                <a:spcPts val="0"/>
+              </a:spcAft>
+            </a:pPr>
+            <a:endParaRPr lang="zh-CN" altLang="en-US" sz="2000" b="0" i="0" u="none" baseline="0" dirty="0">
+              <a:solidFill>
+                <a:srgbClr val="000000"/>
+              </a:solidFill>
+              <a:latin typeface="微软雅黑" panose="020B0503020204020204" pitchFamily="34" charset="-122"/>
+              <a:ea typeface="微软雅黑" panose="020B0503020204020204" pitchFamily="34" charset="-122"/>
+            </a:endParaRPr>
+          </a:p>
+        </p:txBody>
+      </p:sp>
+    </p:spTree>
+  </p:cSld>
+  <p:clrMapOvr>
+    <a:masterClrMapping/>
+  </p:clrMapOvr>
+</p:sld>
+</file>
+
+<file path=ppt/slides/slide15.xml><?xml version="1.0" encoding="utf-8"?>
+<p:sld xmlns:a="http://schemas.openxmlformats.org/drawingml/2006/main" xmlns:r="http://schemas.openxmlformats.org/officeDocument/2006/relationships" xmlns:p="http://schemas.openxmlformats.org/presentationml/2006/main">
+  <p:cSld>
+    <p:spTree>
+      <p:nvGrpSpPr>
         <p:cNvPr id="1" name="">
           <a:extLst>
             <a:ext uri="{FF2B5EF4-FFF2-40B4-BE49-F238E27FC236}">
-              <a16:creationId xmlns:a16="http://schemas.microsoft.com/office/drawing/2014/main" id="{8482C0CF-5A8A-8B5E-613B-A4B5F4B5F87E}"/>
+              <a16:creationId xmlns:a16="http://schemas.microsoft.com/office/drawing/2014/main" id="{B45ECF87-DCAB-33EE-09E9-9602DFB3BFE6}"/>
+            </a:ext>
+          </a:extLst>
+        </p:cNvPr>
+        <p:cNvGrpSpPr/>
+        <p:nvPr/>
+      </p:nvGrpSpPr>
+      <p:grpSpPr>
+        <a:xfrm>
+          <a:off x="0" y="0"/>
+          <a:ext cx="0" cy="0"/>
+          <a:chOff x="0" y="0"/>
+          <a:chExt cx="0" cy="0"/>
+        </a:xfrm>
+      </p:grpSpPr>
+      <p:sp>
+        <p:nvSpPr>
+          <p:cNvPr id="4" name="文本框 3">
+            <a:extLst>
+              <a:ext uri="{FF2B5EF4-FFF2-40B4-BE49-F238E27FC236}">
+                <a16:creationId xmlns:a16="http://schemas.microsoft.com/office/drawing/2014/main" id="{F9FAEAE4-9A6B-01FF-3C3A-FD8AC699B9E1}"/>
+              </a:ext>
+            </a:extLst>
+          </p:cNvPr>
+          <p:cNvSpPr txBox="1"/>
+          <p:nvPr/>
+        </p:nvSpPr>
+        <p:spPr>
+          <a:xfrm>
+            <a:off x="11661140" y="6454775"/>
+            <a:ext cx="736600" cy="501650"/>
+          </a:xfrm>
+          <a:prstGeom prst="rect">
+            <a:avLst/>
+          </a:prstGeom>
+          <a:noFill/>
+        </p:spPr>
+        <p:txBody>
+          <a:bodyPr wrap="square" rtlCol="0">
+            <a:spAutoFit/>
+          </a:bodyPr>
+          <a:lstStyle/>
+          <a:p>
+            <a:pPr algn="ctr"/>
+            <a:r>
+              <a:rPr lang="en-US" altLang="zh-CN" sz="2665" dirty="0"/>
+              <a:t>01</a:t>
+            </a:r>
+          </a:p>
+        </p:txBody>
+      </p:sp>
+      <p:sp>
+        <p:nvSpPr>
+          <p:cNvPr id="3" name="标题 2">
+            <a:extLst>
+              <a:ext uri="{FF2B5EF4-FFF2-40B4-BE49-F238E27FC236}">
+                <a16:creationId xmlns:a16="http://schemas.microsoft.com/office/drawing/2014/main" id="{84A4F27D-F47F-200C-55F6-CE9F846A61CB}"/>
+              </a:ext>
+            </a:extLst>
+          </p:cNvPr>
+          <p:cNvSpPr>
+            <a:spLocks noGrp="1"/>
+          </p:cNvSpPr>
+          <p:nvPr>
+            <p:ph type="title"/>
+          </p:nvPr>
+        </p:nvSpPr>
+        <p:spPr>
+          <a:xfrm>
+            <a:off x="590550" y="2743200"/>
+            <a:ext cx="8106410" cy="942975"/>
+          </a:xfrm>
+        </p:spPr>
+        <p:txBody>
+          <a:bodyPr/>
+          <a:lstStyle/>
+          <a:p>
+            <a:r>
+              <a:rPr lang="en-US" altLang="zh-CN" dirty="0"/>
+              <a:t>11.15-11.21</a:t>
+            </a:r>
+            <a:r>
+              <a:rPr lang="zh-CN" altLang="en-US" dirty="0"/>
+              <a:t>组会</a:t>
+            </a:r>
+          </a:p>
+        </p:txBody>
+      </p:sp>
+    </p:spTree>
+    <p:extLst>
+      <p:ext uri="{BB962C8B-B14F-4D97-AF65-F5344CB8AC3E}">
+        <p14:creationId xmlns:p14="http://schemas.microsoft.com/office/powerpoint/2010/main" val="153670467"/>
+      </p:ext>
+    </p:extLst>
+  </p:cSld>
+  <p:clrMapOvr>
+    <a:masterClrMapping/>
+  </p:clrMapOvr>
+  <mc:AlternateContent xmlns:mc="http://schemas.openxmlformats.org/markup-compatibility/2006" xmlns:p14="http://schemas.microsoft.com/office/powerpoint/2010/main">
+    <mc:Choice Requires="p14">
+      <p:transition spd="slow" p14:dur="2000" advTm="8329"/>
+    </mc:Choice>
+    <mc:Fallback xmlns="">
+      <p:transition spd="slow" advTm="8329"/>
+    </mc:Fallback>
+  </mc:AlternateContent>
+</p:sld>
+</file>
+
+<file path=ppt/slides/slide16.xml><?xml version="1.0" encoding="utf-8"?>
+<p:sld xmlns:a="http://schemas.openxmlformats.org/drawingml/2006/main" xmlns:r="http://schemas.openxmlformats.org/officeDocument/2006/relationships" xmlns:p="http://schemas.openxmlformats.org/presentationml/2006/main">
+  <p:cSld>
+    <p:spTree>
+      <p:nvGrpSpPr>
+        <p:cNvPr id="1" name="">
+          <a:extLst>
+            <a:ext uri="{FF2B5EF4-FFF2-40B4-BE49-F238E27FC236}">
+              <a16:creationId xmlns:a16="http://schemas.microsoft.com/office/drawing/2014/main" id="{DD635DF5-5249-7B20-00DB-1228754BEC44}"/>
+            </a:ext>
+          </a:extLst>
+        </p:cNvPr>
+        <p:cNvGrpSpPr/>
+        <p:nvPr/>
+      </p:nvGrpSpPr>
+      <p:grpSpPr>
+        <a:xfrm>
+          <a:off x="0" y="0"/>
+          <a:ext cx="0" cy="0"/>
+          <a:chOff x="0" y="0"/>
+          <a:chExt cx="0" cy="0"/>
+        </a:xfrm>
+      </p:grpSpPr>
+      <p:pic>
+        <p:nvPicPr>
+          <p:cNvPr id="23" name="图片 22">
+            <a:extLst>
+              <a:ext uri="{FF2B5EF4-FFF2-40B4-BE49-F238E27FC236}">
+                <a16:creationId xmlns:a16="http://schemas.microsoft.com/office/drawing/2014/main" id="{DBD7686F-7361-70C8-7E5B-393834FEB6FD}"/>
+              </a:ext>
+            </a:extLst>
+          </p:cNvPr>
+          <p:cNvPicPr>
+            <a:picLocks noChangeAspect="1"/>
+          </p:cNvPicPr>
+          <p:nvPr/>
+        </p:nvPicPr>
+        <p:blipFill>
+          <a:blip r:embed="rId2"/>
+          <a:stretch>
+            <a:fillRect/>
+          </a:stretch>
+        </p:blipFill>
+        <p:spPr>
+          <a:xfrm>
+            <a:off x="666476" y="2851845"/>
+            <a:ext cx="5778791" cy="3080204"/>
+          </a:xfrm>
+          <a:prstGeom prst="rect">
+            <a:avLst/>
+          </a:prstGeom>
+        </p:spPr>
+      </p:pic>
+      <p:sp>
+        <p:nvSpPr>
+          <p:cNvPr id="2" name="标题 1">
+            <a:extLst>
+              <a:ext uri="{FF2B5EF4-FFF2-40B4-BE49-F238E27FC236}">
+                <a16:creationId xmlns:a16="http://schemas.microsoft.com/office/drawing/2014/main" id="{638D8CC9-A4B3-D38C-85FF-CA8BAF24ABCF}"/>
+              </a:ext>
+            </a:extLst>
+          </p:cNvPr>
+          <p:cNvSpPr>
+            <a:spLocks noGrp="1"/>
+          </p:cNvSpPr>
+          <p:nvPr>
+            <p:ph type="title"/>
+          </p:nvPr>
+        </p:nvSpPr>
+        <p:spPr/>
+        <p:txBody>
+          <a:bodyPr/>
+          <a:lstStyle/>
+          <a:p>
+            <a:r>
+              <a:rPr lang="zh-CN" altLang="en-US"/>
+              <a:t>二、完成情况</a:t>
+            </a:r>
+          </a:p>
+        </p:txBody>
+      </p:sp>
+      <p:sp>
+        <p:nvSpPr>
+          <p:cNvPr id="5" name="文本占位符 4">
+            <a:extLst>
+              <a:ext uri="{FF2B5EF4-FFF2-40B4-BE49-F238E27FC236}">
+                <a16:creationId xmlns:a16="http://schemas.microsoft.com/office/drawing/2014/main" id="{1758CE15-BF10-F958-930C-29F3DE10386D}"/>
+              </a:ext>
+            </a:extLst>
+          </p:cNvPr>
+          <p:cNvSpPr>
+            <a:spLocks noGrp="1"/>
+          </p:cNvSpPr>
+          <p:nvPr>
+            <p:ph type="body" sz="quarter" idx="13"/>
+          </p:nvPr>
+        </p:nvSpPr>
+        <p:spPr/>
+        <p:txBody>
+          <a:bodyPr/>
+          <a:lstStyle/>
+          <a:p>
+            <a:endParaRPr lang="zh-CN" altLang="en-US"/>
+          </a:p>
+        </p:txBody>
+      </p:sp>
+      <p:sp>
+        <p:nvSpPr>
+          <p:cNvPr id="6" name="灯片编号占位符 5">
+            <a:extLst>
+              <a:ext uri="{FF2B5EF4-FFF2-40B4-BE49-F238E27FC236}">
+                <a16:creationId xmlns:a16="http://schemas.microsoft.com/office/drawing/2014/main" id="{0ADF92F6-19A0-2EAA-A381-32A3695A28DF}"/>
+              </a:ext>
+            </a:extLst>
+          </p:cNvPr>
+          <p:cNvSpPr>
+            <a:spLocks noGrp="1"/>
+          </p:cNvSpPr>
+          <p:nvPr>
+            <p:ph type="sldNum" sz="quarter" idx="14"/>
+          </p:nvPr>
+        </p:nvSpPr>
+        <p:spPr/>
+        <p:txBody>
+          <a:bodyPr/>
+          <a:lstStyle/>
+          <a:p>
+            <a:fld id="{AA807A42-CF27-4B84-8583-18EBE418342E}" type="slidenum">
+              <a:rPr lang="de-DE" smtClean="0"/>
+              <a:t>16</a:t>
+            </a:fld>
+            <a:endParaRPr lang="de-DE" dirty="0"/>
+          </a:p>
+        </p:txBody>
+      </p:sp>
+      <p:sp>
+        <p:nvSpPr>
+          <p:cNvPr id="12" name="矩形 11">
+            <a:extLst>
+              <a:ext uri="{FF2B5EF4-FFF2-40B4-BE49-F238E27FC236}">
+                <a16:creationId xmlns:a16="http://schemas.microsoft.com/office/drawing/2014/main" id="{5C209C02-54E6-5A6A-E1A5-9BDEF57D4873}"/>
+              </a:ext>
+            </a:extLst>
+          </p:cNvPr>
+          <p:cNvSpPr/>
+          <p:nvPr/>
+        </p:nvSpPr>
+        <p:spPr>
+          <a:xfrm>
+            <a:off x="222736" y="767799"/>
+            <a:ext cx="5787067" cy="460375"/>
+          </a:xfrm>
+          <a:prstGeom prst="rect">
+            <a:avLst/>
+          </a:prstGeom>
+        </p:spPr>
+        <p:txBody>
+          <a:bodyPr wrap="square">
+            <a:spAutoFit/>
+          </a:bodyPr>
+          <a:lstStyle>
+            <a:defPPr>
+              <a:defRPr lang="en-US"/>
+            </a:defPPr>
+            <a:lvl1pPr marL="0" algn="l" defTabSz="457200" rtl="0" eaLnBrk="1" latinLnBrk="0" hangingPunct="1">
+              <a:defRPr sz="1800" kern="1200">
+                <a:solidFill>
+                  <a:schemeClr val="tx1"/>
+                </a:solidFill>
+                <a:latin typeface="+mn-lt"/>
+                <a:ea typeface="+mn-ea"/>
+                <a:cs typeface="+mn-cs"/>
+              </a:defRPr>
+            </a:lvl1pPr>
+            <a:lvl2pPr marL="457200" algn="l" defTabSz="457200" rtl="0" eaLnBrk="1" latinLnBrk="0" hangingPunct="1">
+              <a:defRPr sz="1800" kern="1200">
+                <a:solidFill>
+                  <a:schemeClr val="tx1"/>
+                </a:solidFill>
+                <a:latin typeface="+mn-lt"/>
+                <a:ea typeface="+mn-ea"/>
+                <a:cs typeface="+mn-cs"/>
+              </a:defRPr>
+            </a:lvl2pPr>
+            <a:lvl3pPr marL="914400" algn="l" defTabSz="457200" rtl="0" eaLnBrk="1" latinLnBrk="0" hangingPunct="1">
+              <a:defRPr sz="1800" kern="1200">
+                <a:solidFill>
+                  <a:schemeClr val="tx1"/>
+                </a:solidFill>
+                <a:latin typeface="+mn-lt"/>
+                <a:ea typeface="+mn-ea"/>
+                <a:cs typeface="+mn-cs"/>
+              </a:defRPr>
+            </a:lvl3pPr>
+            <a:lvl4pPr marL="1371600" algn="l" defTabSz="457200" rtl="0" eaLnBrk="1" latinLnBrk="0" hangingPunct="1">
+              <a:defRPr sz="1800" kern="1200">
+                <a:solidFill>
+                  <a:schemeClr val="tx1"/>
+                </a:solidFill>
+                <a:latin typeface="+mn-lt"/>
+                <a:ea typeface="+mn-ea"/>
+                <a:cs typeface="+mn-cs"/>
+              </a:defRPr>
+            </a:lvl4pPr>
+            <a:lvl5pPr marL="1828800" algn="l" defTabSz="457200" rtl="0" eaLnBrk="1" latinLnBrk="0" hangingPunct="1">
+              <a:defRPr sz="1800" kern="1200">
+                <a:solidFill>
+                  <a:schemeClr val="tx1"/>
+                </a:solidFill>
+                <a:latin typeface="+mn-lt"/>
+                <a:ea typeface="+mn-ea"/>
+                <a:cs typeface="+mn-cs"/>
+              </a:defRPr>
+            </a:lvl5pPr>
+            <a:lvl6pPr marL="2286000" algn="l" defTabSz="457200" rtl="0" eaLnBrk="1" latinLnBrk="0" hangingPunct="1">
+              <a:defRPr sz="1800" kern="1200">
+                <a:solidFill>
+                  <a:schemeClr val="tx1"/>
+                </a:solidFill>
+                <a:latin typeface="+mn-lt"/>
+                <a:ea typeface="+mn-ea"/>
+                <a:cs typeface="+mn-cs"/>
+              </a:defRPr>
+            </a:lvl6pPr>
+            <a:lvl7pPr marL="2743200" algn="l" defTabSz="457200" rtl="0" eaLnBrk="1" latinLnBrk="0" hangingPunct="1">
+              <a:defRPr sz="1800" kern="1200">
+                <a:solidFill>
+                  <a:schemeClr val="tx1"/>
+                </a:solidFill>
+                <a:latin typeface="+mn-lt"/>
+                <a:ea typeface="+mn-ea"/>
+                <a:cs typeface="+mn-cs"/>
+              </a:defRPr>
+            </a:lvl7pPr>
+            <a:lvl8pPr marL="3200400" algn="l" defTabSz="457200" rtl="0" eaLnBrk="1" latinLnBrk="0" hangingPunct="1">
+              <a:defRPr sz="1800" kern="1200">
+                <a:solidFill>
+                  <a:schemeClr val="tx1"/>
+                </a:solidFill>
+                <a:latin typeface="+mn-lt"/>
+                <a:ea typeface="+mn-ea"/>
+                <a:cs typeface="+mn-cs"/>
+              </a:defRPr>
+            </a:lvl8pPr>
+            <a:lvl9pPr marL="3657600" algn="l" defTabSz="457200" rtl="0" eaLnBrk="1" latinLnBrk="0" hangingPunct="1">
+              <a:defRPr sz="1800" kern="1200">
+                <a:solidFill>
+                  <a:schemeClr val="tx1"/>
+                </a:solidFill>
+                <a:latin typeface="+mn-lt"/>
+                <a:ea typeface="+mn-ea"/>
+                <a:cs typeface="+mn-cs"/>
+              </a:defRPr>
+            </a:lvl9pPr>
+          </a:lstStyle>
+          <a:p>
+            <a:pPr>
+              <a:defRPr/>
+            </a:pPr>
+            <a:r>
+              <a:rPr kumimoji="0" lang="en-US" altLang="zh-CN" sz="2400" b="1" i="0" u="none" strike="noStrike" kern="1200" cap="none" spc="0" normalizeH="0" baseline="0" noProof="0" dirty="0">
+                <a:ln>
+                  <a:noFill/>
+                </a:ln>
+                <a:solidFill>
+                  <a:srgbClr val="002060"/>
+                </a:solidFill>
+                <a:effectLst/>
+                <a:uLnTx/>
+                <a:uFillTx/>
+                <a:latin typeface="Times New Roman" panose="02020603050405020304" pitchFamily="18" charset="0"/>
+                <a:ea typeface="微软雅黑" panose="020B0503020204020204" pitchFamily="34" charset="-122"/>
+                <a:cs typeface="Times New Roman" panose="02020603050405020304" pitchFamily="18" charset="0"/>
+              </a:rPr>
+              <a:t>2.1 </a:t>
+            </a:r>
+            <a:r>
+              <a:rPr lang="en-US" altLang="zh-CN" sz="2400" b="1" dirty="0">
+                <a:effectLst/>
+                <a:latin typeface="Times New Roman" panose="02020603050405020304" pitchFamily="18" charset="0"/>
+                <a:cs typeface="Times New Roman" panose="02020603050405020304" pitchFamily="18" charset="0"/>
+              </a:rPr>
+              <a:t>Intersection PPO</a:t>
+            </a:r>
+            <a:r>
+              <a:rPr kumimoji="0" lang="en-US" altLang="zh-CN" sz="2400" b="1" i="0" u="none" strike="noStrike" kern="1200" cap="none" spc="0" normalizeH="0" baseline="0" noProof="0" dirty="0">
+                <a:ln>
+                  <a:noFill/>
+                </a:ln>
+                <a:effectLst/>
+                <a:uLnTx/>
+                <a:uFillTx/>
+                <a:latin typeface="微软雅黑" panose="020B0503020204020204" pitchFamily="34" charset="-122"/>
+                <a:ea typeface="微软雅黑" panose="020B0503020204020204" pitchFamily="34" charset="-122"/>
+                <a:cs typeface="+mn-cs"/>
+              </a:rPr>
+              <a:t> </a:t>
+            </a:r>
+            <a:r>
+              <a:rPr kumimoji="0" lang="en-US" altLang="zh-CN" sz="2400" b="1" i="0" u="none" strike="noStrike" kern="1200" cap="none" spc="0" normalizeH="0" baseline="0" noProof="0" dirty="0">
+                <a:ln>
+                  <a:noFill/>
+                </a:ln>
+                <a:solidFill>
+                  <a:srgbClr val="002060"/>
+                </a:solidFill>
+                <a:effectLst/>
+                <a:uLnTx/>
+                <a:uFillTx/>
+                <a:latin typeface="微软雅黑" panose="020B0503020204020204" pitchFamily="34" charset="-122"/>
+                <a:ea typeface="微软雅黑" panose="020B0503020204020204" pitchFamily="34" charset="-122"/>
+                <a:cs typeface="+mn-cs"/>
+              </a:rPr>
+              <a:t> </a:t>
+            </a:r>
+            <a:endParaRPr kumimoji="0" lang="zh-CN" altLang="en-US" sz="2400" b="1" i="0" u="none" strike="noStrike" kern="1200" cap="none" spc="0" normalizeH="0" baseline="0" noProof="0" dirty="0">
+              <a:ln>
+                <a:noFill/>
+              </a:ln>
+              <a:solidFill>
+                <a:srgbClr val="002060"/>
+              </a:solidFill>
+              <a:effectLst/>
+              <a:uLnTx/>
+              <a:uFillTx/>
+              <a:latin typeface="微软雅黑" panose="020B0503020204020204" pitchFamily="34" charset="-122"/>
+              <a:ea typeface="微软雅黑" panose="020B0503020204020204" pitchFamily="34" charset="-122"/>
+              <a:cs typeface="+mn-cs"/>
+            </a:endParaRPr>
+          </a:p>
+        </p:txBody>
+      </p:sp>
+      <p:pic>
+        <p:nvPicPr>
+          <p:cNvPr id="4" name="图片 3">
+            <a:extLst>
+              <a:ext uri="{FF2B5EF4-FFF2-40B4-BE49-F238E27FC236}">
+                <a16:creationId xmlns:a16="http://schemas.microsoft.com/office/drawing/2014/main" id="{A9B27F98-6EFA-9854-9415-39E614014F8B}"/>
+              </a:ext>
+            </a:extLst>
+          </p:cNvPr>
+          <p:cNvPicPr>
+            <a:picLocks noChangeAspect="1"/>
+          </p:cNvPicPr>
+          <p:nvPr/>
+        </p:nvPicPr>
+        <p:blipFill>
+          <a:blip r:embed="rId3"/>
+          <a:stretch>
+            <a:fillRect/>
+          </a:stretch>
+        </p:blipFill>
+        <p:spPr>
+          <a:xfrm>
+            <a:off x="666477" y="1296849"/>
+            <a:ext cx="5787067" cy="1324033"/>
+          </a:xfrm>
+          <a:prstGeom prst="rect">
+            <a:avLst/>
+          </a:prstGeom>
+        </p:spPr>
+      </p:pic>
+      <p:sp>
+        <p:nvSpPr>
+          <p:cNvPr id="11" name="矩形 10">
+            <a:extLst>
+              <a:ext uri="{FF2B5EF4-FFF2-40B4-BE49-F238E27FC236}">
+                <a16:creationId xmlns:a16="http://schemas.microsoft.com/office/drawing/2014/main" id="{5525FF38-E6E3-7467-9D19-160BF339207A}"/>
+              </a:ext>
+            </a:extLst>
+          </p:cNvPr>
+          <p:cNvSpPr/>
+          <p:nvPr/>
+        </p:nvSpPr>
+        <p:spPr>
+          <a:xfrm>
+            <a:off x="985962" y="4699222"/>
+            <a:ext cx="4937760" cy="415861"/>
+          </a:xfrm>
+          <a:prstGeom prst="rect">
+            <a:avLst/>
+          </a:prstGeom>
+          <a:noFill/>
+          <a:ln>
+            <a:solidFill>
+              <a:srgbClr val="FF0000"/>
+            </a:solidFill>
+          </a:ln>
+        </p:spPr>
+        <p:style>
+          <a:lnRef idx="2">
+            <a:schemeClr val="accent1">
+              <a:shade val="50000"/>
+            </a:schemeClr>
+          </a:lnRef>
+          <a:fillRef idx="1">
+            <a:schemeClr val="accent1"/>
+          </a:fillRef>
+          <a:effectRef idx="0">
+            <a:schemeClr val="accent1"/>
+          </a:effectRef>
+          <a:fontRef idx="minor">
+            <a:schemeClr val="lt1"/>
+          </a:fontRef>
+        </p:style>
+        <p:txBody>
+          <a:bodyPr rtlCol="0" anchor="t"/>
+          <a:lstStyle/>
+          <a:p>
+            <a:pPr algn="l" rtl="0" eaLnBrk="1" fontAlgn="auto" hangingPunct="1">
+              <a:lnSpc>
+                <a:spcPct val="100000"/>
+              </a:lnSpc>
+              <a:spcBef>
+                <a:spcPts val="0"/>
+              </a:spcBef>
+              <a:spcAft>
+                <a:spcPts val="0"/>
+              </a:spcAft>
+            </a:pPr>
+            <a:endParaRPr lang="zh-CN" altLang="en-US" sz="1800" b="0" i="0" u="none" baseline="0" dirty="0" err="1">
+              <a:solidFill>
+                <a:srgbClr val="666666"/>
+              </a:solidFill>
+              <a:latin typeface="BMW Group Condensed" panose="020B0606020202020204" pitchFamily="34" charset="0"/>
+            </a:endParaRPr>
+          </a:p>
+        </p:txBody>
+      </p:sp>
+      <p:sp>
+        <p:nvSpPr>
+          <p:cNvPr id="13" name="矩形 12">
+            <a:extLst>
+              <a:ext uri="{FF2B5EF4-FFF2-40B4-BE49-F238E27FC236}">
+                <a16:creationId xmlns:a16="http://schemas.microsoft.com/office/drawing/2014/main" id="{B472E092-1C6C-6529-12AA-45A581C40345}"/>
+              </a:ext>
+            </a:extLst>
+          </p:cNvPr>
+          <p:cNvSpPr/>
+          <p:nvPr/>
+        </p:nvSpPr>
+        <p:spPr>
+          <a:xfrm>
+            <a:off x="985962" y="5314469"/>
+            <a:ext cx="4937760" cy="367114"/>
+          </a:xfrm>
+          <a:prstGeom prst="rect">
+            <a:avLst/>
+          </a:prstGeom>
+          <a:noFill/>
+          <a:ln>
+            <a:solidFill>
+              <a:srgbClr val="FF0000"/>
+            </a:solidFill>
+          </a:ln>
+        </p:spPr>
+        <p:style>
+          <a:lnRef idx="2">
+            <a:schemeClr val="accent1">
+              <a:shade val="50000"/>
+            </a:schemeClr>
+          </a:lnRef>
+          <a:fillRef idx="1">
+            <a:schemeClr val="accent1"/>
+          </a:fillRef>
+          <a:effectRef idx="0">
+            <a:schemeClr val="accent1"/>
+          </a:effectRef>
+          <a:fontRef idx="minor">
+            <a:schemeClr val="lt1"/>
+          </a:fontRef>
+        </p:style>
+        <p:txBody>
+          <a:bodyPr rtlCol="0" anchor="t"/>
+          <a:lstStyle/>
+          <a:p>
+            <a:pPr algn="l" rtl="0" eaLnBrk="1" fontAlgn="auto" hangingPunct="1">
+              <a:lnSpc>
+                <a:spcPct val="100000"/>
+              </a:lnSpc>
+              <a:spcBef>
+                <a:spcPts val="0"/>
+              </a:spcBef>
+              <a:spcAft>
+                <a:spcPts val="0"/>
+              </a:spcAft>
+            </a:pPr>
+            <a:endParaRPr lang="zh-CN" altLang="en-US" sz="1800" b="0" i="0" u="none" baseline="0" dirty="0" err="1">
+              <a:solidFill>
+                <a:srgbClr val="666666"/>
+              </a:solidFill>
+              <a:latin typeface="BMW Group Condensed" panose="020B0606020202020204" pitchFamily="34" charset="0"/>
+            </a:endParaRPr>
+          </a:p>
+        </p:txBody>
+      </p:sp>
+      <p:cxnSp>
+        <p:nvCxnSpPr>
+          <p:cNvPr id="16" name="直接箭头连接符 15">
+            <a:extLst>
+              <a:ext uri="{FF2B5EF4-FFF2-40B4-BE49-F238E27FC236}">
+                <a16:creationId xmlns:a16="http://schemas.microsoft.com/office/drawing/2014/main" id="{31AB7FC3-AA55-A7FE-4D50-155F38721401}"/>
+              </a:ext>
+            </a:extLst>
+          </p:cNvPr>
+          <p:cNvCxnSpPr>
+            <a:cxnSpLocks/>
+            <a:stCxn id="11" idx="3"/>
+          </p:cNvCxnSpPr>
+          <p:nvPr/>
+        </p:nvCxnSpPr>
+        <p:spPr>
+          <a:xfrm flipV="1">
+            <a:off x="5923722" y="2093251"/>
+            <a:ext cx="1383527" cy="2813902"/>
+          </a:xfrm>
+          <a:prstGeom prst="straightConnector1">
+            <a:avLst/>
+          </a:prstGeom>
+          <a:ln w="12700">
+            <a:solidFill>
+              <a:srgbClr val="FF0000"/>
+            </a:solidFill>
+            <a:tailEnd type="triangle"/>
+          </a:ln>
+        </p:spPr>
+        <p:style>
+          <a:lnRef idx="1">
+            <a:schemeClr val="accent1"/>
+          </a:lnRef>
+          <a:fillRef idx="0">
+            <a:schemeClr val="accent1"/>
+          </a:fillRef>
+          <a:effectRef idx="0">
+            <a:schemeClr val="accent1"/>
+          </a:effectRef>
+          <a:fontRef idx="minor">
+            <a:schemeClr val="tx1"/>
+          </a:fontRef>
+        </p:style>
+      </p:cxnSp>
+      <p:cxnSp>
+        <p:nvCxnSpPr>
+          <p:cNvPr id="18" name="直接箭头连接符 17">
+            <a:extLst>
+              <a:ext uri="{FF2B5EF4-FFF2-40B4-BE49-F238E27FC236}">
+                <a16:creationId xmlns:a16="http://schemas.microsoft.com/office/drawing/2014/main" id="{4855AC90-471A-95AE-13C2-5AD10E6DD66B}"/>
+              </a:ext>
+            </a:extLst>
+          </p:cNvPr>
+          <p:cNvCxnSpPr>
+            <a:cxnSpLocks/>
+          </p:cNvCxnSpPr>
+          <p:nvPr/>
+        </p:nvCxnSpPr>
+        <p:spPr>
+          <a:xfrm flipV="1">
+            <a:off x="5923721" y="5317021"/>
+            <a:ext cx="1494846" cy="159184"/>
+          </a:xfrm>
+          <a:prstGeom prst="straightConnector1">
+            <a:avLst/>
+          </a:prstGeom>
+          <a:ln w="12700">
+            <a:solidFill>
+              <a:srgbClr val="FF0000"/>
+            </a:solidFill>
+            <a:tailEnd type="triangle"/>
+          </a:ln>
+        </p:spPr>
+        <p:style>
+          <a:lnRef idx="1">
+            <a:schemeClr val="accent1"/>
+          </a:lnRef>
+          <a:fillRef idx="0">
+            <a:schemeClr val="accent1"/>
+          </a:fillRef>
+          <a:effectRef idx="0">
+            <a:schemeClr val="accent1"/>
+          </a:effectRef>
+          <a:fontRef idx="minor">
+            <a:schemeClr val="tx1"/>
+          </a:fontRef>
+        </p:style>
+      </p:cxnSp>
+      <p:sp>
+        <p:nvSpPr>
+          <p:cNvPr id="21" name="矩形 20">
+            <a:extLst>
+              <a:ext uri="{FF2B5EF4-FFF2-40B4-BE49-F238E27FC236}">
+                <a16:creationId xmlns:a16="http://schemas.microsoft.com/office/drawing/2014/main" id="{7A374ADC-F6C2-CE6D-2E85-C181CD9D7D45}"/>
+              </a:ext>
+            </a:extLst>
+          </p:cNvPr>
+          <p:cNvSpPr/>
+          <p:nvPr/>
+        </p:nvSpPr>
+        <p:spPr>
+          <a:xfrm>
+            <a:off x="857310" y="3056732"/>
+            <a:ext cx="5066411" cy="1353570"/>
+          </a:xfrm>
+          <a:prstGeom prst="rect">
+            <a:avLst/>
+          </a:prstGeom>
+          <a:noFill/>
+          <a:ln>
+            <a:solidFill>
+              <a:srgbClr val="FF0000"/>
+            </a:solidFill>
+          </a:ln>
+        </p:spPr>
+        <p:style>
+          <a:lnRef idx="2">
+            <a:schemeClr val="accent1">
+              <a:shade val="50000"/>
+            </a:schemeClr>
+          </a:lnRef>
+          <a:fillRef idx="1">
+            <a:schemeClr val="accent1"/>
+          </a:fillRef>
+          <a:effectRef idx="0">
+            <a:schemeClr val="accent1"/>
+          </a:effectRef>
+          <a:fontRef idx="minor">
+            <a:schemeClr val="lt1"/>
+          </a:fontRef>
+        </p:style>
+        <p:txBody>
+          <a:bodyPr rtlCol="0" anchor="t"/>
+          <a:lstStyle/>
+          <a:p>
+            <a:pPr algn="l" rtl="0" eaLnBrk="1" fontAlgn="auto" hangingPunct="1">
+              <a:lnSpc>
+                <a:spcPct val="100000"/>
+              </a:lnSpc>
+              <a:spcBef>
+                <a:spcPts val="0"/>
+              </a:spcBef>
+              <a:spcAft>
+                <a:spcPts val="0"/>
+              </a:spcAft>
+            </a:pPr>
+            <a:endParaRPr lang="zh-CN" altLang="en-US" sz="1800" b="0" i="0" u="none" baseline="0" dirty="0" err="1">
+              <a:solidFill>
+                <a:srgbClr val="666666"/>
+              </a:solidFill>
+              <a:latin typeface="BMW Group Condensed" panose="020B0606020202020204" pitchFamily="34" charset="0"/>
+            </a:endParaRPr>
+          </a:p>
+        </p:txBody>
+      </p:sp>
+      <p:cxnSp>
+        <p:nvCxnSpPr>
+          <p:cNvPr id="25" name="直接箭头连接符 24">
+            <a:extLst>
+              <a:ext uri="{FF2B5EF4-FFF2-40B4-BE49-F238E27FC236}">
+                <a16:creationId xmlns:a16="http://schemas.microsoft.com/office/drawing/2014/main" id="{1859DB66-8BCA-C93A-B137-027BBE98E213}"/>
+              </a:ext>
+            </a:extLst>
+          </p:cNvPr>
+          <p:cNvCxnSpPr>
+            <a:cxnSpLocks/>
+          </p:cNvCxnSpPr>
+          <p:nvPr/>
+        </p:nvCxnSpPr>
+        <p:spPr>
+          <a:xfrm flipV="1">
+            <a:off x="5923721" y="2053452"/>
+            <a:ext cx="1383528" cy="1636709"/>
+          </a:xfrm>
+          <a:prstGeom prst="straightConnector1">
+            <a:avLst/>
+          </a:prstGeom>
+          <a:ln w="12700">
+            <a:solidFill>
+              <a:srgbClr val="FF0000"/>
+            </a:solidFill>
+            <a:tailEnd type="triangle"/>
+          </a:ln>
+        </p:spPr>
+        <p:style>
+          <a:lnRef idx="1">
+            <a:schemeClr val="accent1"/>
+          </a:lnRef>
+          <a:fillRef idx="0">
+            <a:schemeClr val="accent1"/>
+          </a:fillRef>
+          <a:effectRef idx="0">
+            <a:schemeClr val="accent1"/>
+          </a:effectRef>
+          <a:fontRef idx="minor">
+            <a:schemeClr val="tx1"/>
+          </a:fontRef>
+        </p:style>
+      </p:cxnSp>
+      <p:sp>
+        <p:nvSpPr>
+          <p:cNvPr id="28" name="文本框 27">
+            <a:extLst>
+              <a:ext uri="{FF2B5EF4-FFF2-40B4-BE49-F238E27FC236}">
+                <a16:creationId xmlns:a16="http://schemas.microsoft.com/office/drawing/2014/main" id="{713D0902-856C-6024-00AC-47F23E36315D}"/>
+              </a:ext>
+            </a:extLst>
+          </p:cNvPr>
+          <p:cNvSpPr txBox="1"/>
+          <p:nvPr/>
+        </p:nvSpPr>
+        <p:spPr>
+          <a:xfrm>
+            <a:off x="7307248" y="1433667"/>
+            <a:ext cx="4884751" cy="1405193"/>
+          </a:xfrm>
+          <a:prstGeom prst="rect">
+            <a:avLst/>
+          </a:prstGeom>
+          <a:noFill/>
+        </p:spPr>
+        <p:txBody>
+          <a:bodyPr vert="horz" wrap="square" rtlCol="0">
+            <a:spAutoFit/>
+          </a:bodyPr>
+          <a:lstStyle/>
+          <a:p>
+            <a:pPr rtl="0" eaLnBrk="1" fontAlgn="auto" hangingPunct="1">
+              <a:lnSpc>
+                <a:spcPct val="150000"/>
+              </a:lnSpc>
+              <a:spcBef>
+                <a:spcPts val="0"/>
+              </a:spcBef>
+              <a:spcAft>
+                <a:spcPts val="0"/>
+              </a:spcAft>
+            </a:pPr>
+            <a:r>
+              <a:rPr lang="zh-CN" altLang="en-US" sz="2000" dirty="0">
+                <a:solidFill>
+                  <a:srgbClr val="000000"/>
+                </a:solidFill>
+                <a:latin typeface="Times New Roman" panose="02020603050405020304" pitchFamily="18" charset="0"/>
+                <a:ea typeface="宋体" panose="02010600030101010101" pitchFamily="2" charset="-122"/>
+                <a:cs typeface="Times New Roman" panose="02020603050405020304" pitchFamily="18" charset="0"/>
+              </a:rPr>
+              <a:t>旧：将车速线性映射到</a:t>
+            </a:r>
+            <a:r>
+              <a:rPr lang="en-US" altLang="zh-CN" sz="2000" dirty="0">
+                <a:solidFill>
+                  <a:srgbClr val="000000"/>
+                </a:solidFill>
+                <a:latin typeface="Times New Roman" panose="02020603050405020304" pitchFamily="18" charset="0"/>
+                <a:ea typeface="宋体" panose="02010600030101010101" pitchFamily="2" charset="-122"/>
+                <a:cs typeface="Times New Roman" panose="02020603050405020304" pitchFamily="18" charset="0"/>
+              </a:rPr>
+              <a:t>[0, 1]</a:t>
+            </a:r>
+          </a:p>
+          <a:p>
+            <a:pPr>
+              <a:lnSpc>
+                <a:spcPct val="150000"/>
+              </a:lnSpc>
+            </a:pPr>
+            <a:r>
+              <a:rPr lang="zh-CN" altLang="en-US" sz="2000" b="0" i="0" u="none" baseline="0" dirty="0">
+                <a:solidFill>
+                  <a:srgbClr val="000000"/>
+                </a:solidFill>
+                <a:latin typeface="宋体" panose="02010600030101010101" pitchFamily="2" charset="-122"/>
+                <a:ea typeface="宋体" panose="02010600030101010101" pitchFamily="2" charset="-122"/>
+                <a:cs typeface="Times New Roman" panose="02020603050405020304" pitchFamily="18" charset="0"/>
+              </a:rPr>
+              <a:t>新：</a:t>
+            </a:r>
+            <a:r>
+              <a:rPr lang="zh-CN" altLang="en-US" sz="2000" dirty="0">
+                <a:solidFill>
+                  <a:srgbClr val="000000"/>
+                </a:solidFill>
+                <a:latin typeface="Times New Roman" panose="02020603050405020304" pitchFamily="18" charset="0"/>
+                <a:ea typeface="宋体" panose="02010600030101010101" pitchFamily="2" charset="-122"/>
+                <a:cs typeface="Times New Roman" panose="02020603050405020304" pitchFamily="18" charset="0"/>
+              </a:rPr>
+              <a:t>将车速线性映射到</a:t>
+            </a:r>
+            <a:r>
+              <a:rPr lang="en-US" altLang="zh-CN" sz="2000" dirty="0">
+                <a:solidFill>
+                  <a:srgbClr val="000000"/>
+                </a:solidFill>
+                <a:latin typeface="Times New Roman" panose="02020603050405020304" pitchFamily="18" charset="0"/>
+                <a:ea typeface="宋体" panose="02010600030101010101" pitchFamily="2" charset="-122"/>
+                <a:cs typeface="Times New Roman" panose="02020603050405020304" pitchFamily="18" charset="0"/>
+              </a:rPr>
+              <a:t>[-1, 1]</a:t>
+            </a:r>
+          </a:p>
+          <a:p>
+            <a:pPr rtl="0" eaLnBrk="1" fontAlgn="auto" hangingPunct="1">
+              <a:lnSpc>
+                <a:spcPct val="150000"/>
+              </a:lnSpc>
+              <a:spcBef>
+                <a:spcPts val="0"/>
+              </a:spcBef>
+              <a:spcAft>
+                <a:spcPts val="0"/>
+              </a:spcAft>
+            </a:pPr>
+            <a:r>
+              <a:rPr lang="zh-CN" altLang="en-US" sz="2000" dirty="0">
+                <a:solidFill>
+                  <a:srgbClr val="000000"/>
+                </a:solidFill>
+                <a:latin typeface="宋体" panose="02010600030101010101" pitchFamily="2" charset="-122"/>
+                <a:ea typeface="宋体" panose="02010600030101010101" pitchFamily="2" charset="-122"/>
+                <a:cs typeface="Times New Roman" panose="02020603050405020304" pitchFamily="18" charset="0"/>
+              </a:rPr>
+              <a:t>较低的车速会得到负奖励，尽量避免低速。</a:t>
+            </a:r>
+            <a:endParaRPr lang="zh-CN" altLang="en-US" sz="2000" b="0" i="0" u="none" baseline="0" dirty="0">
+              <a:solidFill>
+                <a:srgbClr val="000000"/>
+              </a:solidFill>
+              <a:latin typeface="宋体" panose="02010600030101010101" pitchFamily="2" charset="-122"/>
+              <a:ea typeface="宋体" panose="02010600030101010101" pitchFamily="2" charset="-122"/>
+              <a:cs typeface="Times New Roman" panose="02020603050405020304" pitchFamily="18" charset="0"/>
+            </a:endParaRPr>
+          </a:p>
+        </p:txBody>
+      </p:sp>
+      <p:sp>
+        <p:nvSpPr>
+          <p:cNvPr id="29" name="文本框 28">
+            <a:extLst>
+              <a:ext uri="{FF2B5EF4-FFF2-40B4-BE49-F238E27FC236}">
+                <a16:creationId xmlns:a16="http://schemas.microsoft.com/office/drawing/2014/main" id="{F8D08361-522D-7883-F25C-7CD0F4401086}"/>
+              </a:ext>
+            </a:extLst>
+          </p:cNvPr>
+          <p:cNvSpPr txBox="1"/>
+          <p:nvPr/>
+        </p:nvSpPr>
+        <p:spPr>
+          <a:xfrm>
+            <a:off x="7418567" y="4625725"/>
+            <a:ext cx="4178300" cy="957250"/>
+          </a:xfrm>
+          <a:prstGeom prst="rect">
+            <a:avLst/>
+          </a:prstGeom>
+          <a:noFill/>
+        </p:spPr>
+        <p:txBody>
+          <a:bodyPr vert="horz" wrap="square" rtlCol="0">
+            <a:spAutoFit/>
+          </a:bodyPr>
+          <a:lstStyle/>
+          <a:p>
+            <a:pPr rtl="0" eaLnBrk="1" fontAlgn="auto" hangingPunct="1">
+              <a:lnSpc>
+                <a:spcPct val="150000"/>
+              </a:lnSpc>
+              <a:spcBef>
+                <a:spcPts val="0"/>
+              </a:spcBef>
+              <a:spcAft>
+                <a:spcPts val="0"/>
+              </a:spcAft>
+            </a:pPr>
+            <a:r>
+              <a:rPr lang="zh-CN" altLang="en-US" sz="2000" dirty="0">
+                <a:solidFill>
+                  <a:srgbClr val="000000"/>
+                </a:solidFill>
+                <a:latin typeface="宋体" panose="02010600030101010101" pitchFamily="2" charset="-122"/>
+                <a:ea typeface="宋体" panose="02010600030101010101" pitchFamily="2" charset="-122"/>
+                <a:cs typeface="Times New Roman" panose="02020603050405020304" pitchFamily="18" charset="0"/>
+              </a:rPr>
+              <a:t>去掉 </a:t>
+            </a:r>
+            <a:r>
+              <a:rPr lang="en-US" altLang="zh-CN" sz="2000" dirty="0">
+                <a:solidFill>
+                  <a:srgbClr val="000000"/>
+                </a:solidFill>
+                <a:latin typeface="Times New Roman" panose="02020603050405020304" pitchFamily="18" charset="0"/>
+                <a:ea typeface="宋体" panose="02010600030101010101" pitchFamily="2" charset="-122"/>
+                <a:cs typeface="Times New Roman" panose="02020603050405020304" pitchFamily="18" charset="0"/>
+              </a:rPr>
+              <a:t>on</a:t>
+            </a:r>
+            <a:r>
+              <a:rPr lang="en-US" altLang="zh-CN" sz="2000" b="0" i="0" u="none" baseline="0" dirty="0">
+                <a:solidFill>
+                  <a:srgbClr val="000000"/>
+                </a:solidFill>
+                <a:latin typeface="Times New Roman" panose="02020603050405020304" pitchFamily="18" charset="0"/>
+                <a:ea typeface="微软雅黑" panose="020B0503020204020204" pitchFamily="34" charset="-122"/>
+                <a:cs typeface="Times New Roman" panose="02020603050405020304" pitchFamily="18" charset="0"/>
+              </a:rPr>
+              <a:t>_</a:t>
+            </a:r>
+            <a:r>
+              <a:rPr lang="en-US" altLang="zh-CN" sz="2000" dirty="0">
+                <a:solidFill>
+                  <a:srgbClr val="000000"/>
+                </a:solidFill>
+                <a:latin typeface="Times New Roman" panose="02020603050405020304" pitchFamily="18" charset="0"/>
+                <a:ea typeface="宋体" panose="02010600030101010101" pitchFamily="2" charset="-122"/>
+                <a:cs typeface="Times New Roman" panose="02020603050405020304" pitchFamily="18" charset="0"/>
+              </a:rPr>
+              <a:t>road</a:t>
+            </a:r>
+            <a:r>
+              <a:rPr lang="en-US" altLang="zh-CN" sz="2000" b="0" i="0" u="none" baseline="0" dirty="0">
+                <a:solidFill>
+                  <a:srgbClr val="000000"/>
+                </a:solidFill>
+                <a:latin typeface="Times New Roman" panose="02020603050405020304" pitchFamily="18" charset="0"/>
+                <a:ea typeface="微软雅黑" panose="020B0503020204020204" pitchFamily="34" charset="-122"/>
+                <a:cs typeface="Times New Roman" panose="02020603050405020304" pitchFamily="18" charset="0"/>
+              </a:rPr>
+              <a:t> </a:t>
+            </a:r>
+            <a:r>
+              <a:rPr lang="zh-CN" altLang="en-US" sz="2000" dirty="0">
+                <a:solidFill>
+                  <a:srgbClr val="000000"/>
+                </a:solidFill>
+                <a:latin typeface="宋体" panose="02010600030101010101" pitchFamily="2" charset="-122"/>
+                <a:ea typeface="宋体" panose="02010600030101010101" pitchFamily="2" charset="-122"/>
+                <a:cs typeface="Times New Roman" panose="02020603050405020304" pitchFamily="18" charset="0"/>
+              </a:rPr>
+              <a:t>奖励</a:t>
+            </a:r>
+            <a:endParaRPr lang="en-US" altLang="zh-CN" sz="2000" dirty="0">
+              <a:solidFill>
+                <a:srgbClr val="000000"/>
+              </a:solidFill>
+              <a:latin typeface="宋体" panose="02010600030101010101" pitchFamily="2" charset="-122"/>
+              <a:ea typeface="宋体" panose="02010600030101010101" pitchFamily="2" charset="-122"/>
+              <a:cs typeface="Times New Roman" panose="02020603050405020304" pitchFamily="18" charset="0"/>
+            </a:endParaRPr>
+          </a:p>
+          <a:p>
+            <a:pPr rtl="0" eaLnBrk="1" fontAlgn="auto" hangingPunct="1">
+              <a:lnSpc>
+                <a:spcPct val="150000"/>
+              </a:lnSpc>
+              <a:spcBef>
+                <a:spcPts val="0"/>
+              </a:spcBef>
+              <a:spcAft>
+                <a:spcPts val="0"/>
+              </a:spcAft>
+            </a:pPr>
+            <a:r>
+              <a:rPr lang="zh-CN" altLang="en-US" sz="2000" b="0" i="0" u="none" baseline="0" dirty="0">
+                <a:solidFill>
+                  <a:srgbClr val="000000"/>
+                </a:solidFill>
+                <a:latin typeface="宋体" panose="02010600030101010101" pitchFamily="2" charset="-122"/>
+                <a:ea typeface="宋体" panose="02010600030101010101" pitchFamily="2" charset="-122"/>
+                <a:cs typeface="Times New Roman" panose="02020603050405020304" pitchFamily="18" charset="0"/>
+              </a:rPr>
+              <a:t>换成 </a:t>
+            </a:r>
+            <a:r>
+              <a:rPr lang="en-US" altLang="zh-CN" sz="2000" b="0" i="0" u="none" baseline="0" dirty="0">
+                <a:solidFill>
+                  <a:srgbClr val="000000"/>
+                </a:solidFill>
+                <a:latin typeface="Times New Roman" panose="02020603050405020304" pitchFamily="18" charset="0"/>
+                <a:ea typeface="宋体" panose="02010600030101010101" pitchFamily="2" charset="-122"/>
+                <a:cs typeface="Times New Roman" panose="02020603050405020304" pitchFamily="18" charset="0"/>
+              </a:rPr>
+              <a:t>speed==0 </a:t>
+            </a:r>
+            <a:r>
+              <a:rPr lang="zh-CN" altLang="en-US" sz="2000" b="0" i="0" u="none" baseline="0" dirty="0">
+                <a:solidFill>
+                  <a:srgbClr val="000000"/>
+                </a:solidFill>
+                <a:latin typeface="Times New Roman" panose="02020603050405020304" pitchFamily="18" charset="0"/>
+                <a:ea typeface="宋体" panose="02010600030101010101" pitchFamily="2" charset="-122"/>
+                <a:cs typeface="Times New Roman" panose="02020603050405020304" pitchFamily="18" charset="0"/>
+              </a:rPr>
+              <a:t>，停车时会给予惩罚。</a:t>
+            </a:r>
+          </a:p>
+        </p:txBody>
+      </p:sp>
+    </p:spTree>
+    <p:extLst>
+      <p:ext uri="{BB962C8B-B14F-4D97-AF65-F5344CB8AC3E}">
+        <p14:creationId xmlns:p14="http://schemas.microsoft.com/office/powerpoint/2010/main" val="2940116186"/>
+      </p:ext>
+    </p:extLst>
+  </p:cSld>
+  <p:clrMapOvr>
+    <a:masterClrMapping/>
+  </p:clrMapOvr>
+</p:sld>
+</file>
+
+<file path=ppt/slides/slide17.xml><?xml version="1.0" encoding="utf-8"?>
+<p:sld xmlns:a="http://schemas.openxmlformats.org/drawingml/2006/main" xmlns:r="http://schemas.openxmlformats.org/officeDocument/2006/relationships" xmlns:p="http://schemas.openxmlformats.org/presentationml/2006/main">
+  <p:cSld>
+    <p:spTree>
+      <p:nvGrpSpPr>
+        <p:cNvPr id="1" name="">
+          <a:extLst>
+            <a:ext uri="{FF2B5EF4-FFF2-40B4-BE49-F238E27FC236}">
+              <a16:creationId xmlns:a16="http://schemas.microsoft.com/office/drawing/2014/main" id="{37B13967-74AD-2B7D-D9B0-5794D9C8DAC0}"/>
             </a:ext>
           </a:extLst>
         </p:cNvPr>
@@ -27355,7 +29045,7 @@
           <p:cNvPr id="2" name="标题 1">
             <a:extLst>
               <a:ext uri="{FF2B5EF4-FFF2-40B4-BE49-F238E27FC236}">
-                <a16:creationId xmlns:a16="http://schemas.microsoft.com/office/drawing/2014/main" id="{6DE5B0C0-AF89-9BB8-DFD9-D01A859D5C72}"/>
+                <a16:creationId xmlns:a16="http://schemas.microsoft.com/office/drawing/2014/main" id="{E5FF5F21-8889-0AAE-8EA0-4A0C15C06DD4}"/>
               </a:ext>
             </a:extLst>
           </p:cNvPr>
@@ -27372,8 +29062,8 @@
           <a:lstStyle/>
           <a:p>
             <a:r>
-              <a:rPr lang="zh-CN" altLang="en-US" dirty="0"/>
-              <a:t>二、本周任务完成情况</a:t>
+              <a:rPr lang="zh-CN" altLang="en-US"/>
+              <a:t>二、完成情况</a:t>
             </a:r>
           </a:p>
         </p:txBody>
@@ -27383,7 +29073,7 @@
           <p:cNvPr id="5" name="文本占位符 4">
             <a:extLst>
               <a:ext uri="{FF2B5EF4-FFF2-40B4-BE49-F238E27FC236}">
-                <a16:creationId xmlns:a16="http://schemas.microsoft.com/office/drawing/2014/main" id="{5CDA983D-4725-6FCC-D35D-675B3E385226}"/>
+                <a16:creationId xmlns:a16="http://schemas.microsoft.com/office/drawing/2014/main" id="{E6728529-8AE9-899E-6D0A-C814D32FE1E1}"/>
               </a:ext>
             </a:extLst>
           </p:cNvPr>
@@ -27399,11 +29089,7 @@
           <a:bodyPr/>
           <a:lstStyle/>
           <a:p>
-            <a:endParaRPr lang="zh-CN" altLang="en-US" dirty="0">
-              <a:solidFill>
-                <a:srgbClr val="FFFFFF"/>
-              </a:solidFill>
-            </a:endParaRPr>
+            <a:endParaRPr lang="zh-CN" altLang="en-US"/>
           </a:p>
         </p:txBody>
       </p:sp>
@@ -27412,7 +29098,7 @@
           <p:cNvPr id="6" name="灯片编号占位符 5">
             <a:extLst>
               <a:ext uri="{FF2B5EF4-FFF2-40B4-BE49-F238E27FC236}">
-                <a16:creationId xmlns:a16="http://schemas.microsoft.com/office/drawing/2014/main" id="{BC45DE18-9FBD-15AE-A6DF-4C7A8CE97AB7}"/>
+                <a16:creationId xmlns:a16="http://schemas.microsoft.com/office/drawing/2014/main" id="{19B01AEB-C68F-2CE3-19A6-6471B7B10B73}"/>
               </a:ext>
             </a:extLst>
           </p:cNvPr>
@@ -27428,48 +29114,20 @@
           <a:bodyPr/>
           <a:lstStyle/>
           <a:p>
-            <a:pPr marL="0" marR="0" lvl="0" indent="0" algn="r" defTabSz="914400" rtl="0" eaLnBrk="1" fontAlgn="auto" latinLnBrk="0" hangingPunct="1">
-              <a:lnSpc>
-                <a:spcPct val="100000"/>
-              </a:lnSpc>
-              <a:spcBef>
-                <a:spcPts val="0"/>
-              </a:spcBef>
-              <a:spcAft>
-                <a:spcPts val="0"/>
-              </a:spcAft>
-              <a:buClrTx/>
-              <a:buSzTx/>
-              <a:buFontTx/>
-              <a:buNone/>
-              <a:defRPr/>
-            </a:pPr>
-            <a:r>
-              <a:rPr kumimoji="0" lang="de-DE" sz="1600" b="0" i="0" u="none" strike="noStrike" kern="1200" cap="none" spc="0" normalizeH="0" baseline="0" noProof="0" dirty="0">
-                <a:ln>
-                  <a:noFill/>
-                </a:ln>
-                <a:solidFill>
-                  <a:prstClr val="white"/>
-                </a:solidFill>
-                <a:effectLst/>
-                <a:uLnTx/>
-                <a:uFillTx/>
-                <a:latin typeface="BMW Group Condensed"/>
-                <a:ea typeface="+mn-ea"/>
-                <a:cs typeface="+mn-cs"/>
-              </a:rPr>
-              <a:t>3</a:t>
-            </a:r>
+            <a:fld id="{AA807A42-CF27-4B84-8583-18EBE418342E}" type="slidenum">
+              <a:rPr lang="de-DE" smtClean="0"/>
+              <a:t>17</a:t>
+            </a:fld>
+            <a:endParaRPr lang="de-DE" dirty="0"/>
           </a:p>
         </p:txBody>
       </p:sp>
       <p:sp>
         <p:nvSpPr>
-          <p:cNvPr id="29" name="矩形 28">
+          <p:cNvPr id="12" name="矩形 11">
             <a:extLst>
               <a:ext uri="{FF2B5EF4-FFF2-40B4-BE49-F238E27FC236}">
-                <a16:creationId xmlns:a16="http://schemas.microsoft.com/office/drawing/2014/main" id="{57EB0D2C-8794-D2C9-5B41-A6D65F504060}"/>
+                <a16:creationId xmlns:a16="http://schemas.microsoft.com/office/drawing/2014/main" id="{D2099EC5-BB22-72BA-BDB8-B8E381931D26}"/>
               </a:ext>
             </a:extLst>
           </p:cNvPr>
@@ -27661,359 +29319,12 @@
           </a:p>
         </p:txBody>
       </p:sp>
-    </p:spTree>
-    <p:extLst>
-      <p:ext uri="{BB962C8B-B14F-4D97-AF65-F5344CB8AC3E}">
-        <p14:creationId xmlns:p14="http://schemas.microsoft.com/office/powerpoint/2010/main" val="1268885711"/>
-      </p:ext>
-    </p:extLst>
-  </p:cSld>
-  <p:clrMapOvr>
-    <a:masterClrMapping/>
-  </p:clrMapOvr>
-</p:sld>
-</file>
-
-<file path=ppt/slides/slide12.xml><?xml version="1.0" encoding="utf-8"?>
-<p:sld xmlns:a="http://schemas.openxmlformats.org/drawingml/2006/main" xmlns:r="http://schemas.openxmlformats.org/officeDocument/2006/relationships" xmlns:p="http://schemas.openxmlformats.org/presentationml/2006/main">
-  <p:cSld>
-    <p:spTree>
-      <p:nvGrpSpPr>
-        <p:cNvPr id="1" name="">
-          <a:extLst>
-            <a:ext uri="{FF2B5EF4-FFF2-40B4-BE49-F238E27FC236}">
-              <a16:creationId xmlns:a16="http://schemas.microsoft.com/office/drawing/2014/main" id="{635AA10D-C996-E49E-19CA-11E2A96F3039}"/>
-            </a:ext>
-          </a:extLst>
-        </p:cNvPr>
-        <p:cNvGrpSpPr/>
-        <p:nvPr/>
-      </p:nvGrpSpPr>
-      <p:grpSpPr>
-        <a:xfrm>
-          <a:off x="0" y="0"/>
-          <a:ext cx="0" cy="0"/>
-          <a:chOff x="0" y="0"/>
-          <a:chExt cx="0" cy="0"/>
-        </a:xfrm>
-      </p:grpSpPr>
-      <p:sp>
-        <p:nvSpPr>
-          <p:cNvPr id="2" name="标题 1">
+      <p:pic>
+        <p:nvPicPr>
+          <p:cNvPr id="13" name="图片 12">
             <a:extLst>
               <a:ext uri="{FF2B5EF4-FFF2-40B4-BE49-F238E27FC236}">
-                <a16:creationId xmlns:a16="http://schemas.microsoft.com/office/drawing/2014/main" id="{E83667C9-C2F5-F4F2-2ABA-6541993EB701}"/>
-              </a:ext>
-            </a:extLst>
-          </p:cNvPr>
-          <p:cNvSpPr>
-            <a:spLocks noGrp="1"/>
-          </p:cNvSpPr>
-          <p:nvPr>
-            <p:ph type="title"/>
-          </p:nvPr>
-        </p:nvSpPr>
-        <p:spPr/>
-        <p:txBody>
-          <a:bodyPr/>
-          <a:lstStyle/>
-          <a:p>
-            <a:r>
-              <a:rPr lang="zh-CN" altLang="en-US" dirty="0"/>
-              <a:t>二、本周任务完成情况</a:t>
-            </a:r>
-          </a:p>
-        </p:txBody>
-      </p:sp>
-      <p:sp>
-        <p:nvSpPr>
-          <p:cNvPr id="5" name="文本占位符 4">
-            <a:extLst>
-              <a:ext uri="{FF2B5EF4-FFF2-40B4-BE49-F238E27FC236}">
-                <a16:creationId xmlns:a16="http://schemas.microsoft.com/office/drawing/2014/main" id="{06D77368-338F-ED9D-6CB6-1C2764E28D4A}"/>
-              </a:ext>
-            </a:extLst>
-          </p:cNvPr>
-          <p:cNvSpPr>
-            <a:spLocks noGrp="1"/>
-          </p:cNvSpPr>
-          <p:nvPr>
-            <p:ph type="body" sz="quarter" idx="13"/>
-          </p:nvPr>
-        </p:nvSpPr>
-        <p:spPr/>
-        <p:txBody>
-          <a:bodyPr/>
-          <a:lstStyle/>
-          <a:p>
-            <a:endParaRPr lang="zh-CN" altLang="en-US" dirty="0">
-              <a:solidFill>
-                <a:srgbClr val="FFFFFF"/>
-              </a:solidFill>
-            </a:endParaRPr>
-          </a:p>
-        </p:txBody>
-      </p:sp>
-      <p:sp>
-        <p:nvSpPr>
-          <p:cNvPr id="6" name="灯片编号占位符 5">
-            <a:extLst>
-              <a:ext uri="{FF2B5EF4-FFF2-40B4-BE49-F238E27FC236}">
-                <a16:creationId xmlns:a16="http://schemas.microsoft.com/office/drawing/2014/main" id="{4715BA63-23E8-00F4-B2EE-9942020D46E5}"/>
-              </a:ext>
-            </a:extLst>
-          </p:cNvPr>
-          <p:cNvSpPr>
-            <a:spLocks noGrp="1"/>
-          </p:cNvSpPr>
-          <p:nvPr>
-            <p:ph type="sldNum" sz="quarter" idx="14"/>
-          </p:nvPr>
-        </p:nvSpPr>
-        <p:spPr/>
-        <p:txBody>
-          <a:bodyPr/>
-          <a:lstStyle/>
-          <a:p>
-            <a:pPr marL="0" marR="0" lvl="0" indent="0" algn="r" defTabSz="914400" rtl="0" eaLnBrk="1" fontAlgn="auto" latinLnBrk="0" hangingPunct="1">
-              <a:lnSpc>
-                <a:spcPct val="100000"/>
-              </a:lnSpc>
-              <a:spcBef>
-                <a:spcPts val="0"/>
-              </a:spcBef>
-              <a:spcAft>
-                <a:spcPts val="0"/>
-              </a:spcAft>
-              <a:buClrTx/>
-              <a:buSzTx/>
-              <a:buFontTx/>
-              <a:buNone/>
-              <a:defRPr/>
-            </a:pPr>
-            <a:r>
-              <a:rPr kumimoji="0" lang="de-DE" sz="1600" b="0" i="0" u="none" strike="noStrike" kern="1200" cap="none" spc="0" normalizeH="0" baseline="0" noProof="0" dirty="0">
-                <a:ln>
-                  <a:noFill/>
-                </a:ln>
-                <a:solidFill>
-                  <a:prstClr val="white"/>
-                </a:solidFill>
-                <a:effectLst/>
-                <a:uLnTx/>
-                <a:uFillTx/>
-                <a:latin typeface="BMW Group Condensed"/>
-                <a:ea typeface="+mn-ea"/>
-                <a:cs typeface="+mn-cs"/>
-              </a:rPr>
-              <a:t>3</a:t>
-            </a:r>
-          </a:p>
-        </p:txBody>
-      </p:sp>
-      <p:sp>
-        <p:nvSpPr>
-          <p:cNvPr id="29" name="矩形 28">
-            <a:extLst>
-              <a:ext uri="{FF2B5EF4-FFF2-40B4-BE49-F238E27FC236}">
-                <a16:creationId xmlns:a16="http://schemas.microsoft.com/office/drawing/2014/main" id="{BD85598D-1D6F-ED71-513B-2231969020F6}"/>
-              </a:ext>
-            </a:extLst>
-          </p:cNvPr>
-          <p:cNvSpPr/>
-          <p:nvPr/>
-        </p:nvSpPr>
-        <p:spPr>
-          <a:xfrm>
-            <a:off x="222736" y="767799"/>
-            <a:ext cx="5787067" cy="460375"/>
-          </a:xfrm>
-          <a:prstGeom prst="rect">
-            <a:avLst/>
-          </a:prstGeom>
-        </p:spPr>
-        <p:txBody>
-          <a:bodyPr wrap="square">
-            <a:spAutoFit/>
-          </a:bodyPr>
-          <a:lstStyle>
-            <a:defPPr>
-              <a:defRPr lang="en-US"/>
-            </a:defPPr>
-            <a:lvl1pPr marL="0" algn="l" defTabSz="457200" rtl="0" eaLnBrk="1" latinLnBrk="0" hangingPunct="1">
-              <a:defRPr sz="1800" kern="1200">
-                <a:solidFill>
-                  <a:schemeClr val="tx1"/>
-                </a:solidFill>
-                <a:latin typeface="+mn-lt"/>
-                <a:ea typeface="+mn-ea"/>
-                <a:cs typeface="+mn-cs"/>
-              </a:defRPr>
-            </a:lvl1pPr>
-            <a:lvl2pPr marL="457200" algn="l" defTabSz="457200" rtl="0" eaLnBrk="1" latinLnBrk="0" hangingPunct="1">
-              <a:defRPr sz="1800" kern="1200">
-                <a:solidFill>
-                  <a:schemeClr val="tx1"/>
-                </a:solidFill>
-                <a:latin typeface="+mn-lt"/>
-                <a:ea typeface="+mn-ea"/>
-                <a:cs typeface="+mn-cs"/>
-              </a:defRPr>
-            </a:lvl2pPr>
-            <a:lvl3pPr marL="914400" algn="l" defTabSz="457200" rtl="0" eaLnBrk="1" latinLnBrk="0" hangingPunct="1">
-              <a:defRPr sz="1800" kern="1200">
-                <a:solidFill>
-                  <a:schemeClr val="tx1"/>
-                </a:solidFill>
-                <a:latin typeface="+mn-lt"/>
-                <a:ea typeface="+mn-ea"/>
-                <a:cs typeface="+mn-cs"/>
-              </a:defRPr>
-            </a:lvl3pPr>
-            <a:lvl4pPr marL="1371600" algn="l" defTabSz="457200" rtl="0" eaLnBrk="1" latinLnBrk="0" hangingPunct="1">
-              <a:defRPr sz="1800" kern="1200">
-                <a:solidFill>
-                  <a:schemeClr val="tx1"/>
-                </a:solidFill>
-                <a:latin typeface="+mn-lt"/>
-                <a:ea typeface="+mn-ea"/>
-                <a:cs typeface="+mn-cs"/>
-              </a:defRPr>
-            </a:lvl4pPr>
-            <a:lvl5pPr marL="1828800" algn="l" defTabSz="457200" rtl="0" eaLnBrk="1" latinLnBrk="0" hangingPunct="1">
-              <a:defRPr sz="1800" kern="1200">
-                <a:solidFill>
-                  <a:schemeClr val="tx1"/>
-                </a:solidFill>
-                <a:latin typeface="+mn-lt"/>
-                <a:ea typeface="+mn-ea"/>
-                <a:cs typeface="+mn-cs"/>
-              </a:defRPr>
-            </a:lvl5pPr>
-            <a:lvl6pPr marL="2286000" algn="l" defTabSz="457200" rtl="0" eaLnBrk="1" latinLnBrk="0" hangingPunct="1">
-              <a:defRPr sz="1800" kern="1200">
-                <a:solidFill>
-                  <a:schemeClr val="tx1"/>
-                </a:solidFill>
-                <a:latin typeface="+mn-lt"/>
-                <a:ea typeface="+mn-ea"/>
-                <a:cs typeface="+mn-cs"/>
-              </a:defRPr>
-            </a:lvl6pPr>
-            <a:lvl7pPr marL="2743200" algn="l" defTabSz="457200" rtl="0" eaLnBrk="1" latinLnBrk="0" hangingPunct="1">
-              <a:defRPr sz="1800" kern="1200">
-                <a:solidFill>
-                  <a:schemeClr val="tx1"/>
-                </a:solidFill>
-                <a:latin typeface="+mn-lt"/>
-                <a:ea typeface="+mn-ea"/>
-                <a:cs typeface="+mn-cs"/>
-              </a:defRPr>
-            </a:lvl7pPr>
-            <a:lvl8pPr marL="3200400" algn="l" defTabSz="457200" rtl="0" eaLnBrk="1" latinLnBrk="0" hangingPunct="1">
-              <a:defRPr sz="1800" kern="1200">
-                <a:solidFill>
-                  <a:schemeClr val="tx1"/>
-                </a:solidFill>
-                <a:latin typeface="+mn-lt"/>
-                <a:ea typeface="+mn-ea"/>
-                <a:cs typeface="+mn-cs"/>
-              </a:defRPr>
-            </a:lvl8pPr>
-            <a:lvl9pPr marL="3657600" algn="l" defTabSz="457200" rtl="0" eaLnBrk="1" latinLnBrk="0" hangingPunct="1">
-              <a:defRPr sz="1800" kern="1200">
-                <a:solidFill>
-                  <a:schemeClr val="tx1"/>
-                </a:solidFill>
-                <a:latin typeface="+mn-lt"/>
-                <a:ea typeface="+mn-ea"/>
-                <a:cs typeface="+mn-cs"/>
-              </a:defRPr>
-            </a:lvl9pPr>
-          </a:lstStyle>
-          <a:p>
-            <a:pPr>
-              <a:defRPr/>
-            </a:pPr>
-            <a:r>
-              <a:rPr kumimoji="0" lang="en-US" altLang="zh-CN" sz="2400" b="1" i="0" u="none" strike="noStrike" kern="1200" cap="none" spc="0" normalizeH="0" baseline="0" noProof="0" dirty="0">
-                <a:ln>
-                  <a:noFill/>
-                </a:ln>
-                <a:solidFill>
-                  <a:srgbClr val="002060"/>
-                </a:solidFill>
-                <a:effectLst/>
-                <a:uLnTx/>
-                <a:uFillTx/>
-                <a:latin typeface="Times New Roman" panose="02020603050405020304" pitchFamily="18" charset="0"/>
-                <a:ea typeface="微软雅黑" panose="020B0503020204020204" pitchFamily="34" charset="-122"/>
-                <a:cs typeface="Times New Roman" panose="02020603050405020304" pitchFamily="18" charset="0"/>
-              </a:rPr>
-              <a:t>2.1 </a:t>
-            </a:r>
-            <a:r>
-              <a:rPr lang="en-US" altLang="zh-CN" sz="2400" b="1" dirty="0">
-                <a:effectLst/>
-                <a:latin typeface="Times New Roman" panose="02020603050405020304" pitchFamily="18" charset="0"/>
-                <a:cs typeface="Times New Roman" panose="02020603050405020304" pitchFamily="18" charset="0"/>
-              </a:rPr>
-              <a:t>Intersection PPO</a:t>
-            </a:r>
-            <a:r>
-              <a:rPr kumimoji="0" lang="en-US" altLang="zh-CN" sz="2400" b="1" i="0" u="none" strike="noStrike" kern="1200" cap="none" spc="0" normalizeH="0" baseline="0" noProof="0" dirty="0">
-                <a:ln>
-                  <a:noFill/>
-                </a:ln>
-                <a:effectLst/>
-                <a:uLnTx/>
-                <a:uFillTx/>
-                <a:latin typeface="微软雅黑" panose="020B0503020204020204" pitchFamily="34" charset="-122"/>
-                <a:ea typeface="微软雅黑" panose="020B0503020204020204" pitchFamily="34" charset="-122"/>
-                <a:cs typeface="+mn-cs"/>
-              </a:rPr>
-              <a:t> </a:t>
-            </a:r>
-            <a:r>
-              <a:rPr kumimoji="0" lang="en-US" altLang="zh-CN" sz="2400" b="1" i="0" u="none" strike="noStrike" kern="1200" cap="none" spc="0" normalizeH="0" baseline="0" noProof="0" dirty="0">
-                <a:ln>
-                  <a:noFill/>
-                </a:ln>
-                <a:solidFill>
-                  <a:srgbClr val="002060"/>
-                </a:solidFill>
-                <a:effectLst/>
-                <a:uLnTx/>
-                <a:uFillTx/>
-                <a:latin typeface="微软雅黑" panose="020B0503020204020204" pitchFamily="34" charset="-122"/>
-                <a:ea typeface="微软雅黑" panose="020B0503020204020204" pitchFamily="34" charset="-122"/>
-                <a:cs typeface="+mn-cs"/>
-              </a:rPr>
-              <a:t> </a:t>
-            </a:r>
-            <a:endParaRPr kumimoji="0" lang="zh-CN" altLang="en-US" sz="2400" b="1" i="0" u="none" strike="noStrike" kern="1200" cap="none" spc="0" normalizeH="0" baseline="0" noProof="0" dirty="0">
-              <a:ln>
-                <a:noFill/>
-              </a:ln>
-              <a:solidFill>
-                <a:srgbClr val="002060"/>
-              </a:solidFill>
-              <a:effectLst/>
-              <a:uLnTx/>
-              <a:uFillTx/>
-              <a:latin typeface="微软雅黑" panose="020B0503020204020204" pitchFamily="34" charset="-122"/>
-              <a:ea typeface="微软雅黑" panose="020B0503020204020204" pitchFamily="34" charset="-122"/>
-              <a:cs typeface="+mn-cs"/>
-            </a:endParaRPr>
-          </a:p>
-        </p:txBody>
-      </p:sp>
-      <p:pic>
-        <p:nvPicPr>
-          <p:cNvPr id="4" name="图片 3">
-            <a:extLst>
-              <a:ext uri="{FF2B5EF4-FFF2-40B4-BE49-F238E27FC236}">
-                <a16:creationId xmlns:a16="http://schemas.microsoft.com/office/drawing/2014/main" id="{9C3845EA-AA34-6C97-EB23-86D523C71CFB}"/>
+                <a16:creationId xmlns:a16="http://schemas.microsoft.com/office/drawing/2014/main" id="{F50D0398-655D-3B31-82CE-801189BBAFDE}"/>
               </a:ext>
             </a:extLst>
           </p:cNvPr>
@@ -28023,7 +29334,7 @@
           <p:nvPr/>
         </p:nvPicPr>
         <p:blipFill>
-          <a:blip r:embed="rId5"/>
+          <a:blip r:embed="rId4"/>
           <a:stretch>
             <a:fillRect/>
           </a:stretch>
@@ -28040,11 +29351,11 @@
       </p:pic>
       <p:pic>
         <p:nvPicPr>
-          <p:cNvPr id="7" name="7e84bb5af1f11d5d817f0e3e3d6569dd">
+          <p:cNvPr id="14" name="7e84bb5af1f11d5d817f0e3e3d6569dd">
             <a:hlinkClick r:id="" action="ppaction://media"/>
             <a:extLst>
               <a:ext uri="{FF2B5EF4-FFF2-40B4-BE49-F238E27FC236}">
-                <a16:creationId xmlns:a16="http://schemas.microsoft.com/office/drawing/2014/main" id="{317575F9-CB7C-D55E-D819-9D451CD550C7}"/>
+                <a16:creationId xmlns:a16="http://schemas.microsoft.com/office/drawing/2014/main" id="{3CB717DD-FE1A-2C16-27CE-5DCB1E03549D}"/>
               </a:ext>
             </a:extLst>
           </p:cNvPr>
@@ -28061,7 +29372,7 @@
           </p:nvPr>
         </p:nvPicPr>
         <p:blipFill>
-          <a:blip r:embed="rId6"/>
+          <a:blip r:embed="rId5"/>
           <a:stretch>
             <a:fillRect/>
           </a:stretch>
@@ -28078,10 +29389,10 @@
       </p:pic>
       <p:sp>
         <p:nvSpPr>
-          <p:cNvPr id="8" name="文本框 7">
+          <p:cNvPr id="15" name="文本框 14">
             <a:extLst>
               <a:ext uri="{FF2B5EF4-FFF2-40B4-BE49-F238E27FC236}">
-                <a16:creationId xmlns:a16="http://schemas.microsoft.com/office/drawing/2014/main" id="{5E22CD4A-58CD-FD2F-8722-6178034A6CA8}"/>
+                <a16:creationId xmlns:a16="http://schemas.microsoft.com/office/drawing/2014/main" id="{40FEB3E6-E0CE-8E1F-CD0E-0EB6FE48C43D}"/>
               </a:ext>
             </a:extLst>
           </p:cNvPr>
@@ -28156,7 +29467,7 @@
     </p:spTree>
     <p:extLst>
       <p:ext uri="{BB962C8B-B14F-4D97-AF65-F5344CB8AC3E}">
-        <p14:creationId xmlns:p14="http://schemas.microsoft.com/office/powerpoint/2010/main" val="1960688789"/>
+        <p14:creationId xmlns:p14="http://schemas.microsoft.com/office/powerpoint/2010/main" val="2025879353"/>
       </p:ext>
     </p:extLst>
   </p:cSld>
@@ -28193,7 +29504,7 @@
                                       <p:cBhvr>
                                         <p:cTn id="6" dur="15419" fill="hold"/>
                                         <p:tgtEl>
-                                          <p:spTgt spid="7"/>
+                                          <p:spTgt spid="14"/>
                                         </p:tgtEl>
                                       </p:cBhvr>
                                     </p:cmd>
@@ -28228,7 +29539,7 @@
                 <p:stCondLst>
                   <p:cond evt="onClick" delay="0">
                     <p:tgtEl>
-                      <p:spTgt spid="7"/>
+                      <p:spTgt spid="14"/>
                     </p:tgtEl>
                   </p:cond>
                 </p:stCondLst>
@@ -28258,7 +29569,7 @@
                                       <p:cBhvr>
                                         <p:cTn id="11" dur="1" fill="hold"/>
                                         <p:tgtEl>
-                                          <p:spTgt spid="7"/>
+                                          <p:spTgt spid="14"/>
                                         </p:tgtEl>
                                       </p:cBhvr>
                                     </p:cmd>
@@ -28276,7 +29587,7 @@
               <p:nextCondLst>
                 <p:cond evt="onClick" delay="0">
                   <p:tgtEl>
-                    <p:spTgt spid="7"/>
+                    <p:spTgt spid="14"/>
                   </p:tgtEl>
                 </p:cond>
               </p:nextCondLst>
@@ -28289,7 +29600,7 @@
                   </p:stCondLst>
                 </p:cTn>
                 <p:tgtEl>
-                  <p:spTgt spid="7"/>
+                  <p:spTgt spid="14"/>
                 </p:tgtEl>
               </p:cMediaNode>
             </p:video>
@@ -28298,99 +29609,6 @@
       </p:par>
     </p:tnLst>
   </p:timing>
-</p:sld>
-</file>
-
-<file path=ppt/slides/slide13.xml><?xml version="1.0" encoding="utf-8"?>
-<p:sld xmlns:a="http://schemas.openxmlformats.org/drawingml/2006/main" xmlns:r="http://schemas.openxmlformats.org/officeDocument/2006/relationships" xmlns:p="http://schemas.openxmlformats.org/presentationml/2006/main">
-  <p:cSld>
-    <p:spTree>
-      <p:nvGrpSpPr>
-        <p:cNvPr id="1" name="">
-          <a:extLst>
-            <a:ext uri="{FF2B5EF4-FFF2-40B4-BE49-F238E27FC236}">
-              <a16:creationId xmlns:a16="http://schemas.microsoft.com/office/drawing/2014/main" id="{CB774AB0-E135-F0D3-C550-470262BB164E}"/>
-            </a:ext>
-          </a:extLst>
-        </p:cNvPr>
-        <p:cNvGrpSpPr/>
-        <p:nvPr/>
-      </p:nvGrpSpPr>
-      <p:grpSpPr>
-        <a:xfrm>
-          <a:off x="0" y="0"/>
-          <a:ext cx="0" cy="0"/>
-          <a:chOff x="0" y="0"/>
-          <a:chExt cx="0" cy="0"/>
-        </a:xfrm>
-      </p:grpSpPr>
-      <p:sp>
-        <p:nvSpPr>
-          <p:cNvPr id="6" name="灯片编号占位符 5">
-            <a:extLst>
-              <a:ext uri="{FF2B5EF4-FFF2-40B4-BE49-F238E27FC236}">
-                <a16:creationId xmlns:a16="http://schemas.microsoft.com/office/drawing/2014/main" id="{86205B61-016E-B135-5F1E-A928F494BEB2}"/>
-              </a:ext>
-            </a:extLst>
-          </p:cNvPr>
-          <p:cNvSpPr>
-            <a:spLocks noGrp="1"/>
-          </p:cNvSpPr>
-          <p:nvPr>
-            <p:ph type="sldNum" sz="quarter" idx="14"/>
-          </p:nvPr>
-        </p:nvSpPr>
-        <p:spPr/>
-        <p:txBody>
-          <a:bodyPr/>
-          <a:lstStyle/>
-          <a:p>
-            <a:pPr marL="0" marR="0" lvl="0" indent="0" algn="r" defTabSz="914400" rtl="0" eaLnBrk="1" fontAlgn="auto" latinLnBrk="0" hangingPunct="1">
-              <a:lnSpc>
-                <a:spcPct val="100000"/>
-              </a:lnSpc>
-              <a:spcBef>
-                <a:spcPts val="0"/>
-              </a:spcBef>
-              <a:spcAft>
-                <a:spcPts val="0"/>
-              </a:spcAft>
-              <a:buClrTx/>
-              <a:buSzTx/>
-              <a:buFontTx/>
-              <a:buNone/>
-              <a:defRPr/>
-            </a:pPr>
-            <a:r>
-              <a:rPr kumimoji="0" lang="de-DE" sz="1600" b="0" i="0" u="none" strike="noStrike" kern="1200" cap="none" spc="0" normalizeH="0" baseline="0" noProof="0" dirty="0">
-                <a:ln>
-                  <a:noFill/>
-                </a:ln>
-                <a:solidFill>
-                  <a:prstClr val="white"/>
-                </a:solidFill>
-                <a:effectLst/>
-                <a:uLnTx/>
-                <a:uFillTx/>
-                <a:latin typeface="BMW Group Condensed"/>
-                <a:ea typeface="+mn-ea"/>
-                <a:cs typeface="+mn-cs"/>
-              </a:rPr>
-              <a:t>3</a:t>
-            </a:r>
-          </a:p>
-        </p:txBody>
-      </p:sp>
-    </p:spTree>
-    <p:extLst>
-      <p:ext uri="{BB962C8B-B14F-4D97-AF65-F5344CB8AC3E}">
-        <p14:creationId xmlns:p14="http://schemas.microsoft.com/office/powerpoint/2010/main" val="2039221392"/>
-      </p:ext>
-    </p:extLst>
-  </p:cSld>
-  <p:clrMapOvr>
-    <a:masterClrMapping/>
-  </p:clrMapOvr>
 </p:sld>
 </file>
 
@@ -28427,7 +29645,7 @@
           <a:lstStyle/>
           <a:p>
             <a:r>
-              <a:rPr lang="en-US" altLang="zh-CN"/>
+              <a:rPr lang="en-US" altLang="zh-CN" dirty="0"/>
               <a:t>content</a:t>
             </a:r>
             <a:r>
@@ -29889,7 +31107,7 @@
               </a:lnSpc>
             </a:pPr>
             <a:r>
-              <a:rPr lang="en-US" altLang="zh-CN" b="1" dirty="0" err="1">
+              <a:rPr lang="en-US" altLang="zh-CN" b="1" dirty="0">
                 <a:solidFill>
                   <a:srgbClr val="000000"/>
                 </a:solidFill>
@@ -29897,18 +31115,7 @@
                 <a:ea typeface="微软雅黑" panose="020B0503020204020204" pitchFamily="34" charset="-122"/>
                 <a:cs typeface="微软雅黑" panose="020B0503020204020204" pitchFamily="34" charset="-122"/>
               </a:rPr>
-              <a:t>collision_reward</a:t>
-            </a:r>
-            <a:r>
-              <a:rPr lang="en-US" altLang="zh-CN" b="1" dirty="0">
-                <a:solidFill>
-                  <a:srgbClr val="000000"/>
-                </a:solidFill>
-                <a:latin typeface="微软雅黑" panose="020B0503020204020204" pitchFamily="34" charset="-122"/>
-                <a:ea typeface="微软雅黑" panose="020B0503020204020204" pitchFamily="34" charset="-122"/>
-                <a:cs typeface="微软雅黑" panose="020B0503020204020204" pitchFamily="34" charset="-122"/>
-              </a:rPr>
-              <a:t>: </a:t>
+              <a:t>collision_reward: </a:t>
             </a:r>
             <a:r>
               <a:rPr lang="zh-CN" altLang="en-US" b="1" dirty="0">
@@ -29937,7 +31144,7 @@
               </a:lnSpc>
             </a:pPr>
             <a:r>
-              <a:rPr lang="en-US" altLang="zh-CN" b="1" dirty="0" err="1">
+              <a:rPr lang="en-US" altLang="zh-CN" b="1" dirty="0">
                 <a:solidFill>
                   <a:srgbClr val="000000"/>
                 </a:solidFill>
@@ -29945,18 +31152,7 @@
                 <a:ea typeface="微软雅黑" panose="020B0503020204020204" pitchFamily="34" charset="-122"/>
                 <a:cs typeface="微软雅黑" panose="020B0503020204020204" pitchFamily="34" charset="-122"/>
               </a:rPr>
-              <a:t>high_speed_reward</a:t>
-            </a:r>
-            <a:r>
-              <a:rPr lang="en-US" altLang="zh-CN" b="1" dirty="0">
-                <a:solidFill>
-                  <a:srgbClr val="000000"/>
-                </a:solidFill>
-                <a:latin typeface="微软雅黑" panose="020B0503020204020204" pitchFamily="34" charset="-122"/>
-                <a:ea typeface="微软雅黑" panose="020B0503020204020204" pitchFamily="34" charset="-122"/>
-                <a:cs typeface="微软雅黑" panose="020B0503020204020204" pitchFamily="34" charset="-122"/>
-              </a:rPr>
-              <a:t>: </a:t>
+              <a:t>high_speed_reward: </a:t>
             </a:r>
             <a:r>
               <a:rPr lang="zh-CN" altLang="en-US" b="1" dirty="0">
@@ -29985,7 +31181,7 @@
               </a:lnSpc>
             </a:pPr>
             <a:r>
-              <a:rPr lang="en-US" altLang="zh-CN" b="1" dirty="0" err="1">
+              <a:rPr lang="en-US" altLang="zh-CN" b="1" dirty="0">
                 <a:solidFill>
                   <a:srgbClr val="000000"/>
                 </a:solidFill>
@@ -29993,18 +31189,7 @@
                 <a:ea typeface="微软雅黑" panose="020B0503020204020204" pitchFamily="34" charset="-122"/>
                 <a:cs typeface="微软雅黑" panose="020B0503020204020204" pitchFamily="34" charset="-122"/>
               </a:rPr>
-              <a:t>arrived_reward</a:t>
-            </a:r>
-            <a:r>
-              <a:rPr lang="en-US" altLang="zh-CN" b="1" dirty="0">
-                <a:solidFill>
-                  <a:srgbClr val="000000"/>
-                </a:solidFill>
-                <a:latin typeface="微软雅黑" panose="020B0503020204020204" pitchFamily="34" charset="-122"/>
-                <a:ea typeface="微软雅黑" panose="020B0503020204020204" pitchFamily="34" charset="-122"/>
-                <a:cs typeface="微软雅黑" panose="020B0503020204020204" pitchFamily="34" charset="-122"/>
-              </a:rPr>
-              <a:t>: </a:t>
+              <a:t>arrived_reward: </a:t>
             </a:r>
             <a:r>
               <a:rPr lang="zh-CN" altLang="en-US" b="1" dirty="0">
@@ -30033,7 +31218,7 @@
               </a:lnSpc>
             </a:pPr>
             <a:r>
-              <a:rPr lang="en-US" altLang="zh-CN" b="1" dirty="0" err="1">
+              <a:rPr lang="en-US" altLang="zh-CN" b="1" dirty="0">
                 <a:solidFill>
                   <a:srgbClr val="000000"/>
                 </a:solidFill>
@@ -30041,18 +31226,7 @@
                 <a:ea typeface="微软雅黑" panose="020B0503020204020204" pitchFamily="34" charset="-122"/>
                 <a:cs typeface="微软雅黑" panose="020B0503020204020204" pitchFamily="34" charset="-122"/>
               </a:rPr>
-              <a:t>on_road_reward</a:t>
-            </a:r>
-            <a:r>
-              <a:rPr lang="en-US" altLang="zh-CN" b="1" dirty="0">
-                <a:solidFill>
-                  <a:srgbClr val="000000"/>
-                </a:solidFill>
-                <a:latin typeface="微软雅黑" panose="020B0503020204020204" pitchFamily="34" charset="-122"/>
-                <a:ea typeface="微软雅黑" panose="020B0503020204020204" pitchFamily="34" charset="-122"/>
-                <a:cs typeface="微软雅黑" panose="020B0503020204020204" pitchFamily="34" charset="-122"/>
-              </a:rPr>
-              <a:t>: </a:t>
+              <a:t>on_road_reward: </a:t>
             </a:r>
             <a:r>
               <a:rPr lang="zh-CN" altLang="en-US" b="1" dirty="0">
@@ -30501,7 +31675,7 @@
             </a:endParaRPr>
           </a:p>
           <a:p>
-            <a:endParaRPr lang="zh-CN" altLang="en-US" dirty="0"/>
+            <a:endParaRPr lang="zh-CN" altLang="en-US"/>
           </a:p>
         </p:txBody>
       </p:sp>

--- a/组会汇报.pptx
+++ b/组会汇报.pptx
@@ -8,7 +8,7 @@
     <p:sldMasterId id="2147483662" r:id="rId4"/>
   </p:sldMasterIdLst>
   <p:notesMasterIdLst>
-    <p:notesMasterId r:id="rId22"/>
+    <p:notesMasterId r:id="rId23"/>
   </p:notesMasterIdLst>
   <p:sldIdLst>
     <p:sldId id="393" r:id="rId5"/>
@@ -26,13 +26,14 @@
     <p:sldId id="408" r:id="rId17"/>
     <p:sldId id="409" r:id="rId18"/>
     <p:sldId id="412" r:id="rId19"/>
-    <p:sldId id="413" r:id="rId20"/>
-    <p:sldId id="414" r:id="rId21"/>
+    <p:sldId id="415" r:id="rId20"/>
+    <p:sldId id="413" r:id="rId21"/>
+    <p:sldId id="414" r:id="rId22"/>
   </p:sldIdLst>
   <p:sldSz cx="12192000" cy="6858000"/>
   <p:notesSz cx="6858000" cy="9144000"/>
   <p:custDataLst>
-    <p:tags r:id="rId23"/>
+    <p:tags r:id="rId24"/>
   </p:custDataLst>
   <p:defaultTextStyle>
     <a:defPPr>
@@ -1546,6 +1547,90 @@
     <p:extLst>
       <p:ext uri="{BB962C8B-B14F-4D97-AF65-F5344CB8AC3E}">
         <p14:creationId xmlns:p14="http://schemas.microsoft.com/office/powerpoint/2010/main" val="950161421"/>
+      </p:ext>
+    </p:extLst>
+  </p:cSld>
+  <p:clrMapOvr>
+    <a:masterClrMapping/>
+  </p:clrMapOvr>
+</p:notes>
+</file>
+
+<file path=ppt/notesSlides/notesSlide8.xml><?xml version="1.0" encoding="utf-8"?>
+<p:notes xmlns:a="http://schemas.openxmlformats.org/drawingml/2006/main" xmlns:r="http://schemas.openxmlformats.org/officeDocument/2006/relationships" xmlns:p="http://schemas.openxmlformats.org/presentationml/2006/main">
+  <p:cSld>
+    <p:spTree>
+      <p:nvGrpSpPr>
+        <p:cNvPr id="1" name=""/>
+        <p:cNvGrpSpPr/>
+        <p:nvPr/>
+      </p:nvGrpSpPr>
+      <p:grpSpPr>
+        <a:xfrm>
+          <a:off x="0" y="0"/>
+          <a:ext cx="0" cy="0"/>
+          <a:chOff x="0" y="0"/>
+          <a:chExt cx="0" cy="0"/>
+        </a:xfrm>
+      </p:grpSpPr>
+      <p:sp>
+        <p:nvSpPr>
+          <p:cNvPr id="2" name="幻灯片图像占位符 1"/>
+          <p:cNvSpPr>
+            <a:spLocks noGrp="1" noRot="1" noChangeAspect="1"/>
+          </p:cNvSpPr>
+          <p:nvPr>
+            <p:ph type="sldImg"/>
+          </p:nvPr>
+        </p:nvSpPr>
+        <p:spPr/>
+      </p:sp>
+      <p:sp>
+        <p:nvSpPr>
+          <p:cNvPr id="3" name="备注占位符 2"/>
+          <p:cNvSpPr>
+            <a:spLocks noGrp="1"/>
+          </p:cNvSpPr>
+          <p:nvPr>
+            <p:ph type="body" idx="1"/>
+          </p:nvPr>
+        </p:nvSpPr>
+        <p:spPr/>
+        <p:txBody>
+          <a:bodyPr/>
+          <a:lstStyle/>
+          <a:p>
+            <a:endParaRPr lang="zh-CN" altLang="en-US"/>
+          </a:p>
+        </p:txBody>
+      </p:sp>
+      <p:sp>
+        <p:nvSpPr>
+          <p:cNvPr id="4" name="灯片编号占位符 3"/>
+          <p:cNvSpPr>
+            <a:spLocks noGrp="1"/>
+          </p:cNvSpPr>
+          <p:nvPr>
+            <p:ph type="sldNum" sz="quarter" idx="5"/>
+          </p:nvPr>
+        </p:nvSpPr>
+        <p:spPr/>
+        <p:txBody>
+          <a:bodyPr/>
+          <a:lstStyle/>
+          <a:p>
+            <a:fld id="{D5270CF7-D3A8-4DC3-8782-22D6DC24CC25}" type="slidenum">
+              <a:rPr lang="zh-CN" altLang="en-US" smtClean="0"/>
+              <a:t>16</a:t>
+            </a:fld>
+            <a:endParaRPr lang="zh-CN" altLang="en-US"/>
+          </a:p>
+        </p:txBody>
+      </p:sp>
+    </p:spTree>
+    <p:extLst>
+      <p:ext uri="{BB962C8B-B14F-4D97-AF65-F5344CB8AC3E}">
+        <p14:creationId xmlns:p14="http://schemas.microsoft.com/office/powerpoint/2010/main" val="34262201"/>
       </p:ext>
     </p:extLst>
   </p:cSld>
@@ -28018,6 +28103,215 @@
         <p:cNvPr id="1" name="">
           <a:extLst>
             <a:ext uri="{FF2B5EF4-FFF2-40B4-BE49-F238E27FC236}">
+              <a16:creationId xmlns:a16="http://schemas.microsoft.com/office/drawing/2014/main" id="{2D3E11E3-32B3-C8C6-152A-4A45F259AB0B}"/>
+            </a:ext>
+          </a:extLst>
+        </p:cNvPr>
+        <p:cNvGrpSpPr/>
+        <p:nvPr/>
+      </p:nvGrpSpPr>
+      <p:grpSpPr>
+        <a:xfrm>
+          <a:off x="0" y="0"/>
+          <a:ext cx="0" cy="0"/>
+          <a:chOff x="0" y="0"/>
+          <a:chExt cx="0" cy="0"/>
+        </a:xfrm>
+      </p:grpSpPr>
+      <p:sp>
+        <p:nvSpPr>
+          <p:cNvPr id="2" name="标题 1">
+            <a:extLst>
+              <a:ext uri="{FF2B5EF4-FFF2-40B4-BE49-F238E27FC236}">
+                <a16:creationId xmlns:a16="http://schemas.microsoft.com/office/drawing/2014/main" id="{F65B8201-9717-7E94-BD3A-0DD2A9138D71}"/>
+              </a:ext>
+            </a:extLst>
+          </p:cNvPr>
+          <p:cNvSpPr>
+            <a:spLocks noGrp="1"/>
+          </p:cNvSpPr>
+          <p:nvPr>
+            <p:ph type="title"/>
+          </p:nvPr>
+        </p:nvSpPr>
+        <p:spPr/>
+        <p:txBody>
+          <a:bodyPr/>
+          <a:lstStyle/>
+          <a:p>
+            <a:r>
+              <a:rPr lang="zh-CN" altLang="en-US" dirty="0"/>
+              <a:t>一、本周任务（</a:t>
+            </a:r>
+            <a:r>
+              <a:rPr lang="en-US" altLang="zh-CN" dirty="0"/>
+              <a:t>11.15-11.21</a:t>
+            </a:r>
+            <a:r>
+              <a:rPr lang="zh-CN" altLang="en-US" dirty="0">
+                <a:ea typeface="宋体" panose="02010600030101010101" pitchFamily="2" charset="-122"/>
+              </a:rPr>
+              <a:t>）</a:t>
+            </a:r>
+          </a:p>
+        </p:txBody>
+      </p:sp>
+      <p:sp>
+        <p:nvSpPr>
+          <p:cNvPr id="3" name="内容占位符 2">
+            <a:extLst>
+              <a:ext uri="{FF2B5EF4-FFF2-40B4-BE49-F238E27FC236}">
+                <a16:creationId xmlns:a16="http://schemas.microsoft.com/office/drawing/2014/main" id="{252221BB-F922-79FF-5BC4-853644B52A02}"/>
+              </a:ext>
+            </a:extLst>
+          </p:cNvPr>
+          <p:cNvSpPr>
+            <a:spLocks noGrp="1"/>
+          </p:cNvSpPr>
+          <p:nvPr>
+            <p:ph sz="quarter" idx="11"/>
+          </p:nvPr>
+        </p:nvSpPr>
+        <p:spPr>
+          <a:xfrm>
+            <a:off x="222736" y="2261569"/>
+            <a:ext cx="11335808" cy="865539"/>
+          </a:xfrm>
+        </p:spPr>
+        <p:txBody>
+          <a:bodyPr/>
+          <a:lstStyle/>
+          <a:p>
+            <a:pPr marL="0" defTabSz="914400"/>
+            <a:r>
+              <a:rPr lang="zh-CN" altLang="en-US" sz="2000" dirty="0">
+                <a:solidFill>
+                  <a:srgbClr val="000000"/>
+                </a:solidFill>
+                <a:latin typeface="Times New Roman" panose="02020603050405020304" pitchFamily="18" charset="0"/>
+                <a:ea typeface="宋体" panose="02010600030101010101" pitchFamily="2" charset="-122"/>
+                <a:cs typeface="Times New Roman" panose="02020603050405020304" pitchFamily="18" charset="0"/>
+                <a:sym typeface="+mn-ea"/>
+              </a:rPr>
+              <a:t>单智能体强化学习代码进一步修改，训练模型</a:t>
+            </a:r>
+            <a:endParaRPr lang="zh-CN" altLang="en-US" sz="2000" dirty="0">
+              <a:solidFill>
+                <a:srgbClr val="000000"/>
+              </a:solidFill>
+              <a:latin typeface="Times New Roman" panose="02020603050405020304" pitchFamily="18" charset="0"/>
+              <a:ea typeface="宋体" panose="02010600030101010101" pitchFamily="2" charset="-122"/>
+              <a:cs typeface="Times New Roman" panose="02020603050405020304" pitchFamily="18" charset="0"/>
+            </a:endParaRPr>
+          </a:p>
+          <a:p>
+            <a:pPr marL="0" indent="0">
+              <a:buNone/>
+            </a:pPr>
+            <a:endParaRPr lang="zh-CN" altLang="en-US" sz="2800" b="1" dirty="0"/>
+          </a:p>
+        </p:txBody>
+      </p:sp>
+      <p:sp>
+        <p:nvSpPr>
+          <p:cNvPr id="4" name="文本占位符 3">
+            <a:extLst>
+              <a:ext uri="{FF2B5EF4-FFF2-40B4-BE49-F238E27FC236}">
+                <a16:creationId xmlns:a16="http://schemas.microsoft.com/office/drawing/2014/main" id="{5AAA3033-5F8C-6CB7-6ED8-9B3251E95A40}"/>
+              </a:ext>
+            </a:extLst>
+          </p:cNvPr>
+          <p:cNvSpPr>
+            <a:spLocks noGrp="1"/>
+          </p:cNvSpPr>
+          <p:nvPr>
+            <p:ph type="body" sz="quarter" idx="12"/>
+          </p:nvPr>
+        </p:nvSpPr>
+        <p:spPr/>
+        <p:txBody>
+          <a:bodyPr/>
+          <a:lstStyle/>
+          <a:p>
+            <a:endParaRPr lang="zh-CN" altLang="en-US"/>
+          </a:p>
+        </p:txBody>
+      </p:sp>
+      <p:sp>
+        <p:nvSpPr>
+          <p:cNvPr id="5" name="文本占位符 4">
+            <a:extLst>
+              <a:ext uri="{FF2B5EF4-FFF2-40B4-BE49-F238E27FC236}">
+                <a16:creationId xmlns:a16="http://schemas.microsoft.com/office/drawing/2014/main" id="{381DB451-9D24-B5DD-AD38-2A5265E3199E}"/>
+              </a:ext>
+            </a:extLst>
+          </p:cNvPr>
+          <p:cNvSpPr>
+            <a:spLocks noGrp="1"/>
+          </p:cNvSpPr>
+          <p:nvPr>
+            <p:ph type="body" sz="quarter" idx="13"/>
+          </p:nvPr>
+        </p:nvSpPr>
+        <p:spPr/>
+        <p:txBody>
+          <a:bodyPr/>
+          <a:lstStyle/>
+          <a:p>
+            <a:endParaRPr lang="zh-CN" altLang="en-US"/>
+          </a:p>
+        </p:txBody>
+      </p:sp>
+      <p:sp>
+        <p:nvSpPr>
+          <p:cNvPr id="6" name="灯片编号占位符 5">
+            <a:extLst>
+              <a:ext uri="{FF2B5EF4-FFF2-40B4-BE49-F238E27FC236}">
+                <a16:creationId xmlns:a16="http://schemas.microsoft.com/office/drawing/2014/main" id="{43472530-B7E5-45E2-EE54-C84FA0C7DBF9}"/>
+              </a:ext>
+            </a:extLst>
+          </p:cNvPr>
+          <p:cNvSpPr>
+            <a:spLocks noGrp="1"/>
+          </p:cNvSpPr>
+          <p:nvPr>
+            <p:ph type="sldNum" sz="quarter" idx="14"/>
+          </p:nvPr>
+        </p:nvSpPr>
+        <p:spPr/>
+        <p:txBody>
+          <a:bodyPr/>
+          <a:lstStyle/>
+          <a:p>
+            <a:fld id="{AA807A42-CF27-4B84-8583-18EBE418342E}" type="slidenum">
+              <a:rPr lang="de-DE" smtClean="0"/>
+              <a:t>16</a:t>
+            </a:fld>
+            <a:endParaRPr lang="de-DE" dirty="0"/>
+          </a:p>
+        </p:txBody>
+      </p:sp>
+    </p:spTree>
+    <p:extLst>
+      <p:ext uri="{BB962C8B-B14F-4D97-AF65-F5344CB8AC3E}">
+        <p14:creationId xmlns:p14="http://schemas.microsoft.com/office/powerpoint/2010/main" val="2048607165"/>
+      </p:ext>
+    </p:extLst>
+  </p:cSld>
+  <p:clrMapOvr>
+    <a:masterClrMapping/>
+  </p:clrMapOvr>
+</p:sld>
+</file>
+
+<file path=ppt/slides/slide17.xml><?xml version="1.0" encoding="utf-8"?>
+<p:sld xmlns:a="http://schemas.openxmlformats.org/drawingml/2006/main" xmlns:r="http://schemas.openxmlformats.org/officeDocument/2006/relationships" xmlns:p="http://schemas.openxmlformats.org/presentationml/2006/main">
+  <p:cSld>
+    <p:spTree>
+      <p:nvGrpSpPr>
+        <p:cNvPr id="1" name="">
+          <a:extLst>
+            <a:ext uri="{FF2B5EF4-FFF2-40B4-BE49-F238E27FC236}">
               <a16:creationId xmlns:a16="http://schemas.microsoft.com/office/drawing/2014/main" id="{DD635DF5-5249-7B20-00DB-1228754BEC44}"/>
             </a:ext>
           </a:extLst>
@@ -28139,7 +28433,7 @@
           <a:p>
             <a:fld id="{AA807A42-CF27-4B84-8583-18EBE418342E}" type="slidenum">
               <a:rPr lang="de-DE" smtClean="0"/>
-              <a:t>16</a:t>
+              <a:t>17</a:t>
             </a:fld>
             <a:endParaRPr lang="de-DE" dirty="0"/>
           </a:p>
@@ -29017,7 +29311,7 @@
 </p:sld>
 </file>
 
-<file path=ppt/slides/slide17.xml><?xml version="1.0" encoding="utf-8"?>
+<file path=ppt/slides/slide18.xml><?xml version="1.0" encoding="utf-8"?>
 <p:sld xmlns:a="http://schemas.openxmlformats.org/drawingml/2006/main" xmlns:r="http://schemas.openxmlformats.org/officeDocument/2006/relationships" xmlns:p="http://schemas.openxmlformats.org/presentationml/2006/main">
   <p:cSld>
     <p:spTree>
@@ -29116,7 +29410,7 @@
           <a:p>
             <a:fld id="{AA807A42-CF27-4B84-8583-18EBE418342E}" type="slidenum">
               <a:rPr lang="de-DE" smtClean="0"/>
-              <a:t>17</a:t>
+              <a:t>18</a:t>
             </a:fld>
             <a:endParaRPr lang="de-DE" dirty="0"/>
           </a:p>

--- a/组会汇报.pptx
+++ b/组会汇报.pptx
@@ -3,37 +3,37 @@
 <p:presentation xmlns:a="http://schemas.openxmlformats.org/drawingml/2006/main" xmlns:r="http://schemas.openxmlformats.org/officeDocument/2006/relationships" xmlns:p="http://schemas.openxmlformats.org/presentationml/2006/main">
   <p:sldMasterIdLst>
     <p:sldMasterId id="2147483648" r:id="rId1"/>
-    <p:sldMasterId id="2147483651" r:id="rId2"/>
-    <p:sldMasterId id="2147483655" r:id="rId3"/>
-    <p:sldMasterId id="2147483662" r:id="rId4"/>
+    <p:sldMasterId id="2147483651" r:id="rId3"/>
+    <p:sldMasterId id="2147483655" r:id="rId4"/>
+    <p:sldMasterId id="2147483662" r:id="rId5"/>
   </p:sldMasterIdLst>
   <p:notesMasterIdLst>
-    <p:notesMasterId r:id="rId23"/>
+    <p:notesMasterId r:id="rId7"/>
   </p:notesMasterIdLst>
   <p:sldIdLst>
-    <p:sldId id="393" r:id="rId5"/>
-    <p:sldId id="394" r:id="rId6"/>
-    <p:sldId id="396" r:id="rId7"/>
-    <p:sldId id="384" r:id="rId8"/>
-    <p:sldId id="390" r:id="rId9"/>
-    <p:sldId id="397" r:id="rId10"/>
-    <p:sldId id="399" r:id="rId11"/>
-    <p:sldId id="389" r:id="rId12"/>
-    <p:sldId id="403" r:id="rId13"/>
-    <p:sldId id="411" r:id="rId14"/>
-    <p:sldId id="405" r:id="rId15"/>
-    <p:sldId id="406" r:id="rId16"/>
-    <p:sldId id="408" r:id="rId17"/>
-    <p:sldId id="409" r:id="rId18"/>
-    <p:sldId id="412" r:id="rId19"/>
-    <p:sldId id="415" r:id="rId20"/>
-    <p:sldId id="413" r:id="rId21"/>
-    <p:sldId id="414" r:id="rId22"/>
+    <p:sldId id="393" r:id="rId6"/>
+    <p:sldId id="394" r:id="rId8"/>
+    <p:sldId id="396" r:id="rId9"/>
+    <p:sldId id="384" r:id="rId10"/>
+    <p:sldId id="390" r:id="rId11"/>
+    <p:sldId id="397" r:id="rId12"/>
+    <p:sldId id="399" r:id="rId13"/>
+    <p:sldId id="389" r:id="rId14"/>
+    <p:sldId id="403" r:id="rId15"/>
+    <p:sldId id="411" r:id="rId16"/>
+    <p:sldId id="405" r:id="rId17"/>
+    <p:sldId id="406" r:id="rId18"/>
+    <p:sldId id="408" r:id="rId19"/>
+    <p:sldId id="409" r:id="rId20"/>
+    <p:sldId id="412" r:id="rId21"/>
+    <p:sldId id="415" r:id="rId22"/>
+    <p:sldId id="413" r:id="rId23"/>
+    <p:sldId id="414" r:id="rId24"/>
   </p:sldIdLst>
   <p:sldSz cx="12192000" cy="6858000"/>
   <p:notesSz cx="6858000" cy="9144000"/>
   <p:custDataLst>
-    <p:tags r:id="rId24"/>
+    <p:tags r:id="rId29"/>
   </p:custDataLst>
   <p:defaultTextStyle>
     <a:defPPr>
@@ -130,11 +130,6 @@
       </a:defRPr>
     </a:lvl9pPr>
   </p:defaultTextStyle>
-  <p:extLst>
-    <p:ext uri="{EFAFB233-063F-42B5-8137-9DF3F51BA10A}">
-      <p15:sldGuideLst xmlns:p15="http://schemas.microsoft.com/office/powerpoint/2012/main"/>
-    </p:ext>
-  </p:extLst>
 </p:presentation>
 </file>
 
@@ -228,7 +223,6 @@
           <a:p>
             <a:fld id="{A007E71C-5B10-4544-81CA-B2E7B1A2FCCD}" type="datetimeFigureOut">
               <a:rPr lang="zh-CN" altLang="en-US" smtClean="0"/>
-              <a:t>2024/11/18</a:t>
             </a:fld>
             <a:endParaRPr lang="zh-CN" altLang="en-US"/>
           </a:p>
@@ -295,6 +289,7 @@
               <a:rPr lang="zh-CN" altLang="en-US"/>
               <a:t>单击此处编辑母版文本样式</a:t>
             </a:r>
+            <a:endParaRPr lang="zh-CN" altLang="en-US"/>
           </a:p>
           <a:p>
             <a:pPr lvl="1"/>
@@ -302,6 +297,7 @@
               <a:rPr lang="zh-CN" altLang="en-US"/>
               <a:t>二级</a:t>
             </a:r>
+            <a:endParaRPr lang="zh-CN" altLang="en-US"/>
           </a:p>
           <a:p>
             <a:pPr lvl="2"/>
@@ -309,6 +305,7 @@
               <a:rPr lang="zh-CN" altLang="en-US"/>
               <a:t>三级</a:t>
             </a:r>
+            <a:endParaRPr lang="zh-CN" altLang="en-US"/>
           </a:p>
           <a:p>
             <a:pPr lvl="3"/>
@@ -316,6 +313,7 @@
               <a:rPr lang="zh-CN" altLang="en-US"/>
               <a:t>四级</a:t>
             </a:r>
+            <a:endParaRPr lang="zh-CN" altLang="en-US"/>
           </a:p>
           <a:p>
             <a:pPr lvl="4"/>
@@ -323,6 +321,7 @@
               <a:rPr lang="zh-CN" altLang="en-US"/>
               <a:t>五级</a:t>
             </a:r>
+            <a:endParaRPr lang="zh-CN" altLang="en-US"/>
           </a:p>
         </p:txBody>
       </p:sp>
@@ -386,7 +385,6 @@
           <a:p>
             <a:fld id="{D5270CF7-D3A8-4DC3-8782-22D6DC24CC25}" type="slidenum">
               <a:rPr lang="zh-CN" altLang="en-US" smtClean="0"/>
-              <a:t>‹#›</a:t>
             </a:fld>
             <a:endParaRPr lang="zh-CN" altLang="en-US"/>
           </a:p>
@@ -560,7 +558,6 @@
           <a:p>
             <a:fld id="{DDB02DA9-F637-CB4D-BC72-92066AEB9C9A}" type="slidenum">
               <a:rPr lang="en-US" smtClean="0"/>
-              <a:t>1</a:t>
             </a:fld>
             <a:endParaRPr lang="en-US" dirty="0"/>
           </a:p>
@@ -716,7 +713,6 @@
                 <a:ea typeface="+mn-ea"/>
                 <a:cs typeface="+mn-cs"/>
               </a:rPr>
-              <a:t>4</a:t>
             </a:fld>
             <a:endParaRPr kumimoji="0" lang="de-DE" sz="1200" b="0" i="0" u="none" strike="noStrike" kern="1200" cap="none" spc="0" normalizeH="0" baseline="0" noProof="0">
               <a:ln>
@@ -885,7 +881,6 @@
                 <a:ea typeface="+mn-ea"/>
                 <a:cs typeface="+mn-cs"/>
               </a:rPr>
-              <a:t>5</a:t>
             </a:fld>
             <a:endParaRPr kumimoji="0" lang="de-DE" sz="1200" b="0" i="0" u="none" strike="noStrike" kern="1200" cap="none" spc="0" normalizeH="0" baseline="0" noProof="0">
               <a:ln>
@@ -960,24 +955,28 @@
               <a:rPr lang="zh-CN" altLang="en-US"/>
               <a:t>approx_kl ：近似的 KL 散度，用于衡量新旧策略分布的差异，防止策略更新太快不稳定。</a:t>
             </a:r>
+            <a:endParaRPr lang="zh-CN" altLang="en-US"/>
           </a:p>
           <a:p>
             <a:r>
               <a:rPr lang="zh-CN" altLang="en-US"/>
               <a:t>clip_fraction ：被截断的梯度比例，限制策略变化变化。</a:t>
             </a:r>
+            <a:endParaRPr lang="zh-CN" altLang="en-US"/>
           </a:p>
           <a:p>
             <a:r>
               <a:rPr lang="zh-CN" altLang="en-US"/>
               <a:t>clip_range ：允许的策略更新范围，超参数</a:t>
             </a:r>
+            <a:endParaRPr lang="zh-CN" altLang="en-US"/>
           </a:p>
           <a:p>
             <a:r>
               <a:rPr lang="zh-CN" altLang="en-US"/>
               <a:t>entropy_loss ：熵损失，熵越高策略随机性越大，逐渐确定最佳策略，理应逐渐下降。</a:t>
             </a:r>
+            <a:endParaRPr lang="zh-CN" altLang="en-US"/>
           </a:p>
           <a:p>
             <a:r>
@@ -992,30 +991,35 @@
               <a:rPr lang="zh-CN" altLang="en-US"/>
               <a:t>越优，说明价值函数对实际奖励的拟合越好。</a:t>
             </a:r>
+            <a:endParaRPr lang="zh-CN" altLang="en-US"/>
           </a:p>
           <a:p>
             <a:r>
               <a:rPr lang="zh-CN" altLang="en-US"/>
               <a:t>learning_rate：学习率，用于控制梯度更新的步长，超参数。</a:t>
             </a:r>
+            <a:endParaRPr lang="zh-CN" altLang="en-US"/>
           </a:p>
           <a:p>
             <a:r>
               <a:rPr lang="zh-CN" altLang="en-US"/>
               <a:t>总体损失函数值</a:t>
             </a:r>
+            <a:endParaRPr lang="zh-CN" altLang="en-US"/>
           </a:p>
           <a:p>
             <a:r>
               <a:rPr lang="zh-CN" altLang="en-US"/>
               <a:t>策略梯度损失</a:t>
             </a:r>
+            <a:endParaRPr lang="zh-CN" altLang="en-US"/>
           </a:p>
           <a:p>
             <a:r>
               <a:rPr lang="zh-CN" altLang="en-US"/>
               <a:t>价值损失</a:t>
             </a:r>
+            <a:endParaRPr lang="zh-CN" altLang="en-US"/>
           </a:p>
           <a:p>
             <a:endParaRPr lang="zh-CN" altLang="en-US"/>
@@ -1203,6 +1207,12 @@
               </a:rPr>
               <a:t>是车停在原地不动。</a:t>
             </a:r>
+            <a:endParaRPr lang="zh-CN" altLang="en-US" b="1" dirty="0">
+              <a:solidFill>
+                <a:srgbClr val="000000"/>
+              </a:solidFill>
+              <a:latin typeface="BMW Group Condensed"/>
+            </a:endParaRPr>
           </a:p>
           <a:p>
             <a:endParaRPr lang="zh-CN" altLang="en-US" dirty="0"/>
@@ -1303,7 +1313,6 @@
                 <a:ea typeface="+mn-ea"/>
                 <a:cs typeface="+mn-cs"/>
               </a:rPr>
-              <a:t>8</a:t>
             </a:fld>
             <a:endParaRPr kumimoji="0" lang="de-DE" sz="1200" b="0" i="0" u="none" strike="noStrike" kern="1200" cap="none" spc="0" normalizeH="0" baseline="0" noProof="0">
               <a:ln>
@@ -1335,13 +1344,7 @@
   <p:cSld>
     <p:spTree>
       <p:nvGrpSpPr>
-        <p:cNvPr id="1" name="">
-          <a:extLst>
-            <a:ext uri="{FF2B5EF4-FFF2-40B4-BE49-F238E27FC236}">
-              <a16:creationId xmlns:a16="http://schemas.microsoft.com/office/drawing/2014/main" id="{F9512EBA-4414-5892-2C0A-0608F97342DE}"/>
-            </a:ext>
-          </a:extLst>
-        </p:cNvPr>
+        <p:cNvPr id="1" name=""/>
         <p:cNvGrpSpPr/>
         <p:nvPr/>
       </p:nvGrpSpPr>
@@ -1355,13 +1358,7 @@
       </p:grpSpPr>
       <p:sp>
         <p:nvSpPr>
-          <p:cNvPr id="2" name="幻灯片图像占位符 1">
-            <a:extLst>
-              <a:ext uri="{FF2B5EF4-FFF2-40B4-BE49-F238E27FC236}">
-                <a16:creationId xmlns:a16="http://schemas.microsoft.com/office/drawing/2014/main" id="{CEFE2E73-935B-2E80-FB65-7A4133E581B2}"/>
-              </a:ext>
-            </a:extLst>
-          </p:cNvPr>
+          <p:cNvPr id="2" name="幻灯片图像占位符 1"/>
           <p:cNvSpPr>
             <a:spLocks noGrp="1" noRot="1" noChangeAspect="1"/>
           </p:cNvSpPr>
@@ -1378,13 +1375,7 @@
       </p:sp>
       <p:sp>
         <p:nvSpPr>
-          <p:cNvPr id="3" name="备注占位符 2">
-            <a:extLst>
-              <a:ext uri="{FF2B5EF4-FFF2-40B4-BE49-F238E27FC236}">
-                <a16:creationId xmlns:a16="http://schemas.microsoft.com/office/drawing/2014/main" id="{5354DDB2-B7F2-42A2-B6A1-B6FA72630891}"/>
-              </a:ext>
-            </a:extLst>
-          </p:cNvPr>
+          <p:cNvPr id="3" name="备注占位符 2"/>
           <p:cNvSpPr>
             <a:spLocks noGrp="1"/>
           </p:cNvSpPr>
@@ -1403,13 +1394,7 @@
       </p:sp>
       <p:sp>
         <p:nvSpPr>
-          <p:cNvPr id="4" name="灯片编号占位符 3">
-            <a:extLst>
-              <a:ext uri="{FF2B5EF4-FFF2-40B4-BE49-F238E27FC236}">
-                <a16:creationId xmlns:a16="http://schemas.microsoft.com/office/drawing/2014/main" id="{CE3AE062-668D-0A91-376D-18D3CB1EDD96}"/>
-              </a:ext>
-            </a:extLst>
-          </p:cNvPr>
+          <p:cNvPr id="4" name="灯片编号占位符 3"/>
           <p:cNvSpPr>
             <a:spLocks noGrp="1"/>
           </p:cNvSpPr>
@@ -1424,18 +1409,12 @@
           <a:p>
             <a:fld id="{DDB02DA9-F637-CB4D-BC72-92066AEB9C9A}" type="slidenum">
               <a:rPr lang="en-US" smtClean="0"/>
-              <a:t>10</a:t>
             </a:fld>
             <a:endParaRPr lang="en-US" dirty="0"/>
           </a:p>
         </p:txBody>
       </p:sp>
     </p:spTree>
-    <p:extLst>
-      <p:ext uri="{BB962C8B-B14F-4D97-AF65-F5344CB8AC3E}">
-        <p14:creationId xmlns:p14="http://schemas.microsoft.com/office/powerpoint/2010/main" val="836816396"/>
-      </p:ext>
-    </p:extLst>
   </p:cSld>
   <p:clrMapOvr>
     <a:masterClrMapping/>
@@ -1448,13 +1427,7 @@
   <p:cSld>
     <p:spTree>
       <p:nvGrpSpPr>
-        <p:cNvPr id="1" name="">
-          <a:extLst>
-            <a:ext uri="{FF2B5EF4-FFF2-40B4-BE49-F238E27FC236}">
-              <a16:creationId xmlns:a16="http://schemas.microsoft.com/office/drawing/2014/main" id="{9F33275C-ED05-3686-4019-89CF6EEEC366}"/>
-            </a:ext>
-          </a:extLst>
-        </p:cNvPr>
+        <p:cNvPr id="1" name=""/>
         <p:cNvGrpSpPr/>
         <p:nvPr/>
       </p:nvGrpSpPr>
@@ -1468,13 +1441,7 @@
       </p:grpSpPr>
       <p:sp>
         <p:nvSpPr>
-          <p:cNvPr id="2" name="幻灯片图像占位符 1">
-            <a:extLst>
-              <a:ext uri="{FF2B5EF4-FFF2-40B4-BE49-F238E27FC236}">
-                <a16:creationId xmlns:a16="http://schemas.microsoft.com/office/drawing/2014/main" id="{53C16DD0-A26D-5CA7-4B75-BB7ED97F7258}"/>
-              </a:ext>
-            </a:extLst>
-          </p:cNvPr>
+          <p:cNvPr id="2" name="幻灯片图像占位符 1"/>
           <p:cNvSpPr>
             <a:spLocks noGrp="1" noRot="1" noChangeAspect="1"/>
           </p:cNvSpPr>
@@ -1491,13 +1458,7 @@
       </p:sp>
       <p:sp>
         <p:nvSpPr>
-          <p:cNvPr id="3" name="备注占位符 2">
-            <a:extLst>
-              <a:ext uri="{FF2B5EF4-FFF2-40B4-BE49-F238E27FC236}">
-                <a16:creationId xmlns:a16="http://schemas.microsoft.com/office/drawing/2014/main" id="{ABFEDAA8-4AE4-7C0F-49B3-584D4E46EA70}"/>
-              </a:ext>
-            </a:extLst>
-          </p:cNvPr>
+          <p:cNvPr id="3" name="备注占位符 2"/>
           <p:cNvSpPr>
             <a:spLocks noGrp="1"/>
           </p:cNvSpPr>
@@ -1516,13 +1477,7 @@
       </p:sp>
       <p:sp>
         <p:nvSpPr>
-          <p:cNvPr id="4" name="灯片编号占位符 3">
-            <a:extLst>
-              <a:ext uri="{FF2B5EF4-FFF2-40B4-BE49-F238E27FC236}">
-                <a16:creationId xmlns:a16="http://schemas.microsoft.com/office/drawing/2014/main" id="{5E1FA087-A0B1-9058-BA71-9D0D3FC14A21}"/>
-              </a:ext>
-            </a:extLst>
-          </p:cNvPr>
+          <p:cNvPr id="4" name="灯片编号占位符 3"/>
           <p:cNvSpPr>
             <a:spLocks noGrp="1"/>
           </p:cNvSpPr>
@@ -1537,18 +1492,12 @@
           <a:p>
             <a:fld id="{DDB02DA9-F637-CB4D-BC72-92066AEB9C9A}" type="slidenum">
               <a:rPr lang="en-US" smtClean="0"/>
-              <a:t>15</a:t>
             </a:fld>
             <a:endParaRPr lang="en-US" dirty="0"/>
           </a:p>
         </p:txBody>
       </p:sp>
     </p:spTree>
-    <p:extLst>
-      <p:ext uri="{BB962C8B-B14F-4D97-AF65-F5344CB8AC3E}">
-        <p14:creationId xmlns:p14="http://schemas.microsoft.com/office/powerpoint/2010/main" val="950161421"/>
-      </p:ext>
-    </p:extLst>
   </p:cSld>
   <p:clrMapOvr>
     <a:masterClrMapping/>
@@ -1621,18 +1570,12 @@
           <a:p>
             <a:fld id="{D5270CF7-D3A8-4DC3-8782-22D6DC24CC25}" type="slidenum">
               <a:rPr lang="zh-CN" altLang="en-US" smtClean="0"/>
-              <a:t>16</a:t>
             </a:fld>
             <a:endParaRPr lang="zh-CN" altLang="en-US"/>
           </a:p>
         </p:txBody>
       </p:sp>
     </p:spTree>
-    <p:extLst>
-      <p:ext uri="{BB962C8B-B14F-4D97-AF65-F5344CB8AC3E}">
-        <p14:creationId xmlns:p14="http://schemas.microsoft.com/office/powerpoint/2010/main" val="34262201"/>
-      </p:ext>
-    </p:extLst>
   </p:cSld>
   <p:clrMapOvr>
     <a:masterClrMapping/>
@@ -1874,6 +1817,18 @@
               </a:rPr>
               <a:t>XX</a:t>
             </a:r>
+            <a:endParaRPr lang="en-US" altLang="zh-CN" sz="4800" dirty="0">
+              <a:solidFill>
+                <a:schemeClr val="bg1"/>
+              </a:solidFill>
+              <a:effectLst>
+                <a:outerShdw blurRad="38100" dist="38100" dir="2700000" algn="tl">
+                  <a:srgbClr val="000000">
+                    <a:alpha val="43137"/>
+                  </a:srgbClr>
+                </a:outerShdw>
+              </a:effectLst>
+            </a:endParaRPr>
           </a:p>
         </p:txBody>
       </p:sp>
@@ -2154,6 +2109,15 @@
               </a:rPr>
               <a:t>汇报时间：</a:t>
             </a:r>
+            <a:endParaRPr lang="zh-CN" altLang="en-US" sz="2400" dirty="0">
+              <a:solidFill>
+                <a:schemeClr val="tx2">
+                  <a:lumMod val="75000"/>
+                </a:schemeClr>
+              </a:solidFill>
+              <a:latin typeface="Times New Roman" panose="02020603050405020304" pitchFamily="18" charset="0"/>
+              <a:cs typeface="Times New Roman" panose="02020603050405020304" pitchFamily="18" charset="0"/>
+            </a:endParaRPr>
           </a:p>
         </p:txBody>
       </p:sp>
@@ -2232,6 +2196,7 @@
               <a:rPr lang="de-DE" dirty="0"/>
               <a:t>Textmasterformat bearbeiten</a:t>
             </a:r>
+            <a:endParaRPr lang="de-DE" dirty="0"/>
           </a:p>
           <a:p>
             <a:pPr lvl="1"/>
@@ -2239,6 +2204,7 @@
               <a:rPr lang="de-DE" dirty="0"/>
               <a:t>Zweite Ebene</a:t>
             </a:r>
+            <a:endParaRPr lang="de-DE" dirty="0"/>
           </a:p>
           <a:p>
             <a:pPr lvl="2"/>
@@ -2246,6 +2212,7 @@
               <a:rPr lang="de-DE" dirty="0"/>
               <a:t>Dritte Ebene</a:t>
             </a:r>
+            <a:endParaRPr lang="de-DE" dirty="0"/>
           </a:p>
           <a:p>
             <a:pPr lvl="3"/>
@@ -2253,6 +2220,7 @@
               <a:rPr lang="de-DE" dirty="0"/>
               <a:t>Vierte Ebene</a:t>
             </a:r>
+            <a:endParaRPr lang="de-DE" dirty="0"/>
           </a:p>
           <a:p>
             <a:pPr lvl="4"/>
@@ -2260,6 +2228,7 @@
               <a:rPr lang="de-DE" dirty="0"/>
               <a:t>Fünfte Ebene</a:t>
             </a:r>
+            <a:endParaRPr lang="de-DE" dirty="0"/>
           </a:p>
         </p:txBody>
       </p:sp>
@@ -2347,7 +2316,6 @@
           <a:p>
             <a:fld id="{82F288E0-7875-42C4-84C8-98DBBD3BF4D2}" type="datetimeFigureOut">
               <a:rPr lang="zh-CN" altLang="en-US" smtClean="0"/>
-              <a:t>2024/11/18</a:t>
             </a:fld>
             <a:endParaRPr lang="zh-CN" altLang="en-US"/>
           </a:p>
@@ -2394,7 +2362,6 @@
           <a:p>
             <a:fld id="{CE0EC710-139A-4CA2-AAD7-77B43670B718}" type="slidenum">
               <a:rPr lang="zh-CN" altLang="en-US" smtClean="0"/>
-              <a:t>‹#›</a:t>
             </a:fld>
             <a:endParaRPr lang="zh-CN" altLang="en-US" dirty="0"/>
           </a:p>
@@ -2754,6 +2721,7 @@
               <a:rPr lang="zh-CN" altLang="en-US" dirty="0"/>
               <a:t>单击此处编辑主标题文字</a:t>
             </a:r>
+            <a:endParaRPr lang="zh-CN" altLang="en-US" dirty="0"/>
           </a:p>
         </p:txBody>
       </p:sp>
@@ -2789,7 +2757,6 @@
                   </a:schemeClr>
                 </a:solidFill>
               </a:rPr>
-              <a:t>2024/11/18</a:t>
             </a:fld>
             <a:endParaRPr lang="zh-CN" altLang="en-US" sz="1400" dirty="0">
               <a:solidFill>
@@ -2935,6 +2902,7 @@
               <a:rPr lang="zh-CN" altLang="en-US" dirty="0"/>
               <a:t>演讲者名字</a:t>
             </a:r>
+            <a:endParaRPr lang="zh-CN" altLang="en-US" dirty="0"/>
           </a:p>
         </p:txBody>
       </p:sp>
@@ -3137,7 +3105,6 @@
             </a:pPr>
             <a:fld id="{8FC7DBC8-975C-4207-936C-01FC1A90A004}" type="datetime1">
               <a:rPr lang="zh-CN" altLang="en-US" sz="1400" smtClean="0"/>
-              <a:t>2024/11/18</a:t>
             </a:fld>
             <a:endParaRPr lang="zh-CN" altLang="en-US" sz="1400" dirty="0"/>
           </a:p>
@@ -3186,6 +3153,7 @@
               <a:rPr lang="zh-CN" altLang="en-US" dirty="0"/>
               <a:t>编辑主标题文字</a:t>
             </a:r>
+            <a:endParaRPr lang="zh-CN" altLang="en-US" dirty="0"/>
           </a:p>
         </p:txBody>
       </p:sp>
@@ -3319,6 +3287,7 @@
               <a:rPr lang="zh-CN" altLang="en-US" dirty="0"/>
               <a:t>演讲者</a:t>
             </a:r>
+            <a:endParaRPr lang="zh-CN" altLang="en-US" dirty="0"/>
           </a:p>
         </p:txBody>
       </p:sp>
@@ -3527,6 +3496,7 @@
               <a:rPr lang="zh-CN" altLang="en-US" dirty="0"/>
               <a:t>单击此处编辑主标题文字</a:t>
             </a:r>
+            <a:endParaRPr lang="zh-CN" altLang="en-US" dirty="0"/>
           </a:p>
         </p:txBody>
       </p:sp>
@@ -3566,7 +3536,6 @@
                   </a:schemeClr>
                 </a:solidFill>
               </a:rPr>
-              <a:t>2024/11/18</a:t>
             </a:fld>
             <a:endParaRPr lang="zh-CN" altLang="en-US" dirty="0">
               <a:solidFill>
@@ -3712,6 +3681,7 @@
               <a:rPr lang="zh-CN" altLang="en-US" dirty="0"/>
               <a:t>演讲者名字</a:t>
             </a:r>
+            <a:endParaRPr lang="zh-CN" altLang="en-US" dirty="0"/>
           </a:p>
         </p:txBody>
       </p:sp>
@@ -3832,6 +3802,7 @@
               <a:rPr lang="zh-CN" altLang="en-US" dirty="0"/>
               <a:t>单击此处编辑主标题</a:t>
             </a:r>
+            <a:endParaRPr lang="zh-CN" altLang="en-US" dirty="0"/>
           </a:p>
         </p:txBody>
       </p:sp>
@@ -3965,6 +3936,7 @@
               <a:rPr lang="zh-CN" altLang="en-US" dirty="0"/>
               <a:t>演讲者名字</a:t>
             </a:r>
+            <a:endParaRPr lang="zh-CN" altLang="en-US" dirty="0"/>
           </a:p>
         </p:txBody>
       </p:sp>
@@ -4004,7 +3976,6 @@
                   </a:schemeClr>
                 </a:solidFill>
               </a:rPr>
-              <a:t>2024/11/18</a:t>
             </a:fld>
             <a:endParaRPr lang="zh-CN" altLang="en-US" dirty="0">
               <a:solidFill>
@@ -4146,6 +4117,7 @@
               <a:rPr lang="zh-CN" altLang="en-US" dirty="0"/>
               <a:t>课程名称</a:t>
             </a:r>
+            <a:endParaRPr lang="zh-CN" altLang="en-US" dirty="0"/>
           </a:p>
         </p:txBody>
       </p:sp>
@@ -4421,6 +4393,7 @@
               <a:rPr lang="zh-CN" altLang="en-US" dirty="0"/>
               <a:t>演讲者名字</a:t>
             </a:r>
+            <a:endParaRPr lang="zh-CN" altLang="en-US" dirty="0"/>
           </a:p>
         </p:txBody>
       </p:sp>
@@ -4460,7 +4433,6 @@
             </a:pPr>
             <a:fld id="{8FC7DBC8-975C-4207-936C-01FC1A90A004}" type="datetime1">
               <a:rPr lang="zh-CN" altLang="en-US" smtClean="0"/>
-              <a:t>2024/11/18</a:t>
             </a:fld>
             <a:endParaRPr lang="zh-CN" altLang="en-US" dirty="0"/>
           </a:p>
@@ -4813,6 +4785,15 @@
               </a:rPr>
               <a:t>  </a:t>
             </a:r>
+            <a:endParaRPr lang="en-US" altLang="zh-CN" sz="1400" dirty="0">
+              <a:solidFill>
+                <a:schemeClr val="accent1">
+                  <a:lumMod val="75000"/>
+                </a:schemeClr>
+              </a:solidFill>
+              <a:latin typeface="微软雅黑" panose="020B0503020204020204" pitchFamily="34" charset="-122"/>
+              <a:ea typeface="微软雅黑" panose="020B0503020204020204" pitchFamily="34" charset="-122"/>
+            </a:endParaRPr>
           </a:p>
           <a:p>
             <a:pPr lvl="0"/>
@@ -4994,6 +4975,7 @@
               <a:rPr lang="zh-CN" altLang="en-US" dirty="0"/>
               <a:t>黑白（版本不同路径可能不同）</a:t>
             </a:r>
+            <a:endParaRPr lang="zh-CN" altLang="en-US" dirty="0"/>
           </a:p>
         </p:txBody>
       </p:sp>
@@ -5129,6 +5111,7 @@
               <a:rPr lang="zh-CN" altLang="en-US" dirty="0"/>
               <a:t>演讲者名字</a:t>
             </a:r>
+            <a:endParaRPr lang="zh-CN" altLang="en-US" dirty="0"/>
           </a:p>
         </p:txBody>
       </p:sp>
@@ -5168,7 +5151,6 @@
             </a:pPr>
             <a:fld id="{8FC7DBC8-975C-4207-936C-01FC1A90A004}" type="datetime1">
               <a:rPr lang="zh-CN" altLang="en-US" smtClean="0"/>
-              <a:t>2024/11/18</a:t>
             </a:fld>
             <a:endParaRPr lang="zh-CN" altLang="en-US" dirty="0"/>
           </a:p>
@@ -5521,6 +5503,15 @@
               </a:rPr>
               <a:t>  </a:t>
             </a:r>
+            <a:endParaRPr lang="en-US" altLang="zh-CN" sz="1400" dirty="0">
+              <a:solidFill>
+                <a:schemeClr val="accent1">
+                  <a:lumMod val="75000"/>
+                </a:schemeClr>
+              </a:solidFill>
+              <a:latin typeface="微软雅黑" panose="020B0503020204020204" pitchFamily="34" charset="-122"/>
+              <a:ea typeface="微软雅黑" panose="020B0503020204020204" pitchFamily="34" charset="-122"/>
+            </a:endParaRPr>
           </a:p>
           <a:p>
             <a:pPr lvl="0"/>
@@ -5647,6 +5638,7 @@
               <a:rPr lang="zh-CN" altLang="en-US" dirty="0"/>
               <a:t>黑白（版本不同路径可能不同）</a:t>
             </a:r>
+            <a:endParaRPr lang="zh-CN" altLang="en-US" dirty="0"/>
           </a:p>
         </p:txBody>
       </p:sp>
@@ -5787,6 +5779,23 @@
               </a:rPr>
               <a:t>演讲者名字</a:t>
             </a:r>
+            <a:endParaRPr kumimoji="0" lang="zh-CN" altLang="en-US" sz="2640" b="1" i="0" u="none" strike="noStrike" kern="1200" cap="all" spc="0" normalizeH="0" baseline="0" noProof="0" dirty="0">
+              <a:ln>
+                <a:noFill/>
+              </a:ln>
+              <a:solidFill>
+                <a:schemeClr val="tx1">
+                  <a:lumMod val="85000"/>
+                  <a:lumOff val="15000"/>
+                </a:schemeClr>
+              </a:solidFill>
+              <a:effectLst/>
+              <a:uLnTx/>
+              <a:uFillTx/>
+              <a:latin typeface="微软雅黑" panose="020B0503020204020204" pitchFamily="34" charset="-122"/>
+              <a:ea typeface="微软雅黑" panose="020B0503020204020204" pitchFamily="34" charset="-122"/>
+              <a:cs typeface="+mj-cs"/>
+            </a:endParaRPr>
           </a:p>
         </p:txBody>
       </p:sp>
@@ -6137,6 +6146,15 @@
               </a:rPr>
               <a:t>  </a:t>
             </a:r>
+            <a:endParaRPr lang="en-US" altLang="zh-CN" sz="1400" dirty="0">
+              <a:solidFill>
+                <a:schemeClr val="accent1">
+                  <a:lumMod val="75000"/>
+                </a:schemeClr>
+              </a:solidFill>
+              <a:latin typeface="微软雅黑" panose="020B0503020204020204" pitchFamily="34" charset="-122"/>
+              <a:ea typeface="微软雅黑" panose="020B0503020204020204" pitchFamily="34" charset="-122"/>
+            </a:endParaRPr>
           </a:p>
           <a:p>
             <a:pPr lvl="0"/>
@@ -6320,6 +6338,7 @@
               <a:rPr lang="zh-CN" altLang="en-US" dirty="0"/>
               <a:t>单击编辑正文内容</a:t>
             </a:r>
+            <a:endParaRPr lang="zh-CN" altLang="en-US" dirty="0"/>
           </a:p>
           <a:p>
             <a:pPr lvl="0"/>
@@ -6327,6 +6346,7 @@
               <a:rPr lang="zh-CN" altLang="en-US" dirty="0"/>
               <a:t>第一级内容</a:t>
             </a:r>
+            <a:endParaRPr lang="zh-CN" altLang="en-US" dirty="0"/>
           </a:p>
           <a:p>
             <a:pPr lvl="0"/>
@@ -6338,6 +6358,7 @@
               <a:rPr lang="zh-CN" altLang="en-US" dirty="0"/>
               <a:t>第二级内容</a:t>
             </a:r>
+            <a:endParaRPr lang="zh-CN" altLang="en-US" dirty="0"/>
           </a:p>
           <a:p>
             <a:pPr lvl="0"/>
@@ -6464,6 +6485,7 @@
               <a:rPr lang="zh-CN" altLang="en-US" dirty="0"/>
               <a:t>黑白（版本不同路径可能不同）</a:t>
             </a:r>
+            <a:endParaRPr lang="zh-CN" altLang="en-US" dirty="0"/>
           </a:p>
         </p:txBody>
       </p:sp>
@@ -6567,6 +6589,7 @@
               <a:rPr lang="zh-CN" altLang="en-US" dirty="0"/>
               <a:t>演讲者</a:t>
             </a:r>
+            <a:endParaRPr lang="zh-CN" altLang="en-US" dirty="0"/>
           </a:p>
         </p:txBody>
       </p:sp>
@@ -6606,7 +6629,6 @@
             </a:pPr>
             <a:fld id="{8FC7DBC8-975C-4207-936C-01FC1A90A004}" type="datetime1">
               <a:rPr lang="zh-CN" altLang="en-US" smtClean="0"/>
-              <a:t>2024/11/18</a:t>
             </a:fld>
             <a:endParaRPr lang="zh-CN" altLang="en-US" dirty="0"/>
           </a:p>
@@ -6754,6 +6776,7 @@
               <a:rPr lang="zh-CN" altLang="en-US" dirty="0"/>
               <a:t>第二级内容</a:t>
             </a:r>
+            <a:endParaRPr lang="zh-CN" altLang="en-US" dirty="0"/>
           </a:p>
         </p:txBody>
       </p:sp>
@@ -6876,6 +6899,7 @@
               <a:rPr lang="zh-CN" altLang="en-US" dirty="0"/>
               <a:t>黑白（版本不同路径可能不同）</a:t>
             </a:r>
+            <a:endParaRPr lang="zh-CN" altLang="en-US" dirty="0"/>
           </a:p>
         </p:txBody>
       </p:sp>
@@ -7036,6 +7060,7 @@
               <a:rPr lang="zh-CN" altLang="en-US" dirty="0"/>
               <a:t>黑白（版本不同路径可能不同）</a:t>
             </a:r>
+            <a:endParaRPr lang="zh-CN" altLang="en-US" dirty="0"/>
           </a:p>
         </p:txBody>
       </p:sp>
@@ -7193,6 +7218,7 @@
               <a:rPr lang="zh-CN" altLang="en-US" dirty="0"/>
               <a:t>黑白（版本不同路径可能不同）</a:t>
             </a:r>
+            <a:endParaRPr lang="zh-CN" altLang="en-US" dirty="0"/>
           </a:p>
         </p:txBody>
       </p:sp>
@@ -7304,6 +7330,23 @@
               </a:rPr>
               <a:t>演讲者</a:t>
             </a:r>
+            <a:endParaRPr kumimoji="0" lang="zh-CN" altLang="en-US" sz="2400" b="1" i="0" u="none" strike="noStrike" kern="1200" cap="all" spc="0" normalizeH="0" baseline="0" noProof="0" dirty="0">
+              <a:ln>
+                <a:noFill/>
+              </a:ln>
+              <a:solidFill>
+                <a:schemeClr val="tx1">
+                  <a:lumMod val="85000"/>
+                  <a:lumOff val="15000"/>
+                </a:schemeClr>
+              </a:solidFill>
+              <a:effectLst/>
+              <a:uLnTx/>
+              <a:uFillTx/>
+              <a:latin typeface="微软雅黑" panose="020B0503020204020204" pitchFamily="34" charset="-122"/>
+              <a:ea typeface="微软雅黑" panose="020B0503020204020204" pitchFamily="34" charset="-122"/>
+              <a:cs typeface="+mj-cs"/>
+            </a:endParaRPr>
           </a:p>
         </p:txBody>
       </p:sp>
@@ -7377,6 +7420,23 @@
               </a:rPr>
               <a:t>演讲者</a:t>
             </a:r>
+            <a:endParaRPr kumimoji="0" lang="zh-CN" altLang="en-US" sz="2400" b="1" i="0" u="none" strike="noStrike" kern="1200" cap="all" spc="0" normalizeH="0" baseline="0" noProof="0" dirty="0">
+              <a:ln>
+                <a:noFill/>
+              </a:ln>
+              <a:solidFill>
+                <a:schemeClr val="tx1">
+                  <a:lumMod val="85000"/>
+                  <a:lumOff val="15000"/>
+                </a:schemeClr>
+              </a:solidFill>
+              <a:effectLst/>
+              <a:uLnTx/>
+              <a:uFillTx/>
+              <a:latin typeface="微软雅黑" panose="020B0503020204020204" pitchFamily="34" charset="-122"/>
+              <a:ea typeface="微软雅黑" panose="020B0503020204020204" pitchFamily="34" charset="-122"/>
+              <a:cs typeface="+mj-cs"/>
+            </a:endParaRPr>
           </a:p>
         </p:txBody>
       </p:sp>
@@ -7501,6 +7561,7 @@
               <a:rPr lang="zh-CN" altLang="en-US" dirty="0"/>
               <a:t>单击编辑正文内容</a:t>
             </a:r>
+            <a:endParaRPr lang="zh-CN" altLang="en-US" dirty="0"/>
           </a:p>
           <a:p>
             <a:pPr lvl="0"/>
@@ -7508,6 +7569,7 @@
               <a:rPr lang="zh-CN" altLang="en-US" dirty="0"/>
               <a:t>第一级内容</a:t>
             </a:r>
+            <a:endParaRPr lang="zh-CN" altLang="en-US" dirty="0"/>
           </a:p>
           <a:p>
             <a:pPr lvl="0"/>
@@ -7519,6 +7581,7 @@
               <a:rPr lang="zh-CN" altLang="en-US" dirty="0"/>
               <a:t>第二级内容</a:t>
             </a:r>
+            <a:endParaRPr lang="zh-CN" altLang="en-US" dirty="0"/>
           </a:p>
           <a:p>
             <a:pPr lvl="0"/>
@@ -7596,6 +7659,23 @@
               </a:rPr>
               <a:t>演讲者</a:t>
             </a:r>
+            <a:endParaRPr kumimoji="0" lang="zh-CN" altLang="en-US" sz="2400" b="1" i="0" u="none" strike="noStrike" kern="1200" cap="all" spc="0" normalizeH="0" baseline="0" noProof="0" dirty="0">
+              <a:ln>
+                <a:noFill/>
+              </a:ln>
+              <a:solidFill>
+                <a:schemeClr val="tx1">
+                  <a:lumMod val="85000"/>
+                  <a:lumOff val="15000"/>
+                </a:schemeClr>
+              </a:solidFill>
+              <a:effectLst/>
+              <a:uLnTx/>
+              <a:uFillTx/>
+              <a:latin typeface="微软雅黑" panose="020B0503020204020204" pitchFamily="34" charset="-122"/>
+              <a:ea typeface="微软雅黑" panose="020B0503020204020204" pitchFamily="34" charset="-122"/>
+              <a:cs typeface="+mj-cs"/>
+            </a:endParaRPr>
           </a:p>
         </p:txBody>
       </p:sp>
@@ -7740,6 +7820,7 @@
               <a:rPr lang="zh-CN" altLang="en-US" dirty="0"/>
               <a:t>第二级内容</a:t>
             </a:r>
+            <a:endParaRPr lang="zh-CN" altLang="en-US" dirty="0"/>
           </a:p>
           <a:p>
             <a:pPr lvl="0"/>
@@ -8018,7 +8099,6 @@
             </a:pPr>
             <a:fld id="{8FC7DBC8-975C-4207-936C-01FC1A90A004}" type="datetime1">
               <a:rPr lang="zh-CN" altLang="en-US" smtClean="0"/>
-              <a:t>2024/11/18</a:t>
             </a:fld>
             <a:endParaRPr lang="zh-CN" altLang="en-US" dirty="0"/>
           </a:p>
@@ -8193,6 +8273,7 @@
               <a:rPr lang="zh-CN" altLang="en-US" dirty="0"/>
               <a:t>第三节  单击编辑章节标题</a:t>
             </a:r>
+            <a:endParaRPr lang="zh-CN" altLang="en-US" dirty="0"/>
           </a:p>
         </p:txBody>
       </p:sp>
@@ -8311,6 +8392,7 @@
               <a:rPr lang="zh-CN" altLang="en-US" dirty="0"/>
               <a:t>单击此处编辑母版标题样式</a:t>
             </a:r>
+            <a:endParaRPr lang="zh-CN" altLang="en-US" dirty="0"/>
           </a:p>
         </p:txBody>
       </p:sp>
@@ -8401,7 +8483,6 @@
             </a:pPr>
             <a:fld id="{8FC7DBC8-975C-4207-936C-01FC1A90A004}" type="datetime1">
               <a:rPr lang="zh-CN" altLang="en-US" smtClean="0"/>
-              <a:t>2024/11/18</a:t>
             </a:fld>
             <a:endParaRPr lang="zh-CN" altLang="en-US" dirty="0"/>
           </a:p>
@@ -8818,7 +8899,6 @@
             </a:pPr>
             <a:fld id="{8FC7DBC8-975C-4207-936C-01FC1A90A004}" type="datetime1">
               <a:rPr lang="zh-CN" altLang="en-US" smtClean="0"/>
-              <a:t>2024/11/18</a:t>
             </a:fld>
             <a:endParaRPr lang="zh-CN" altLang="en-US" dirty="0"/>
           </a:p>
@@ -9169,7 +9249,6 @@
             </a:pPr>
             <a:fld id="{8FC7DBC8-975C-4207-936C-01FC1A90A004}" type="datetime1">
               <a:rPr lang="zh-CN" altLang="en-US" smtClean="0"/>
-              <a:t>2024/11/18</a:t>
             </a:fld>
             <a:endParaRPr lang="zh-CN" altLang="en-US" dirty="0"/>
           </a:p>
@@ -9343,6 +9422,7 @@
               <a:rPr lang="zh-CN" altLang="en-US" dirty="0"/>
               <a:t>单击编辑文本标题</a:t>
             </a:r>
+            <a:endParaRPr lang="zh-CN" altLang="en-US" dirty="0"/>
           </a:p>
         </p:txBody>
       </p:sp>
@@ -9382,7 +9462,6 @@
             </a:pPr>
             <a:fld id="{8FC7DBC8-975C-4207-936C-01FC1A90A004}" type="datetime1">
               <a:rPr lang="zh-CN" altLang="en-US" smtClean="0"/>
-              <a:t>2024/11/18</a:t>
             </a:fld>
             <a:endParaRPr lang="zh-CN" altLang="en-US" dirty="0"/>
           </a:p>
@@ -9794,6 +9873,22 @@
               </a:rPr>
               <a:t>  </a:t>
             </a:r>
+            <a:endParaRPr kumimoji="0" lang="en-US" altLang="zh-CN" sz="1400" b="0" i="0" u="none" strike="noStrike" kern="1200" cap="none" spc="0" normalizeH="0" baseline="0" noProof="0" dirty="0">
+              <a:ln>
+                <a:noFill/>
+              </a:ln>
+              <a:solidFill>
+                <a:srgbClr val="4F81BD">
+                  <a:lumMod val="75000"/>
+                </a:srgbClr>
+              </a:solidFill>
+              <a:effectLst/>
+              <a:uLnTx/>
+              <a:uFillTx/>
+              <a:latin typeface="微软雅黑" panose="020B0503020204020204" pitchFamily="34" charset="-122"/>
+              <a:ea typeface="微软雅黑" panose="020B0503020204020204" pitchFamily="34" charset="-122"/>
+              <a:cs typeface="+mn-cs"/>
+            </a:endParaRPr>
           </a:p>
           <a:p>
             <a:pPr lvl="0"/>
@@ -9921,6 +10016,7 @@
               <a:rPr lang="zh-CN" altLang="en-US" dirty="0"/>
               <a:t>单击编辑文本标题</a:t>
             </a:r>
+            <a:endParaRPr lang="zh-CN" altLang="en-US" dirty="0"/>
           </a:p>
         </p:txBody>
       </p:sp>
@@ -9960,7 +10056,6 @@
             </a:pPr>
             <a:fld id="{8FC7DBC8-975C-4207-936C-01FC1A90A004}" type="datetime1">
               <a:rPr lang="zh-CN" altLang="en-US" smtClean="0"/>
-              <a:t>2024/11/18</a:t>
             </a:fld>
             <a:endParaRPr lang="zh-CN" altLang="en-US" dirty="0"/>
           </a:p>
@@ -10372,6 +10467,22 @@
               </a:rPr>
               <a:t>  </a:t>
             </a:r>
+            <a:endParaRPr kumimoji="0" lang="en-US" altLang="zh-CN" sz="1400" b="0" i="0" u="none" strike="noStrike" kern="1200" cap="none" spc="0" normalizeH="0" baseline="0" noProof="0" dirty="0">
+              <a:ln>
+                <a:noFill/>
+              </a:ln>
+              <a:solidFill>
+                <a:srgbClr val="4F81BD">
+                  <a:lumMod val="75000"/>
+                </a:srgbClr>
+              </a:solidFill>
+              <a:effectLst/>
+              <a:uLnTx/>
+              <a:uFillTx/>
+              <a:latin typeface="微软雅黑" panose="020B0503020204020204" pitchFamily="34" charset="-122"/>
+              <a:ea typeface="微软雅黑" panose="020B0503020204020204" pitchFamily="34" charset="-122"/>
+              <a:cs typeface="+mn-cs"/>
+            </a:endParaRPr>
           </a:p>
           <a:p>
             <a:pPr lvl="0"/>
@@ -10733,6 +10844,7 @@
               <a:rPr lang="zh-CN" altLang="en-US" dirty="0"/>
               <a:t>单击编辑文本标题</a:t>
             </a:r>
+            <a:endParaRPr lang="zh-CN" altLang="en-US" dirty="0"/>
           </a:p>
         </p:txBody>
       </p:sp>
@@ -10772,7 +10884,6 @@
             </a:pPr>
             <a:fld id="{8FC7DBC8-975C-4207-936C-01FC1A90A004}" type="datetime1">
               <a:rPr lang="zh-CN" altLang="en-US" smtClean="0"/>
-              <a:t>2024/11/18</a:t>
             </a:fld>
             <a:endParaRPr lang="zh-CN" altLang="en-US" dirty="0"/>
           </a:p>
@@ -11184,6 +11295,22 @@
               </a:rPr>
               <a:t>  </a:t>
             </a:r>
+            <a:endParaRPr kumimoji="0" lang="en-US" altLang="zh-CN" sz="1400" b="0" i="0" u="none" strike="noStrike" kern="1200" cap="none" spc="0" normalizeH="0" baseline="0" noProof="0" dirty="0">
+              <a:ln>
+                <a:noFill/>
+              </a:ln>
+              <a:solidFill>
+                <a:srgbClr val="4F81BD">
+                  <a:lumMod val="75000"/>
+                </a:srgbClr>
+              </a:solidFill>
+              <a:effectLst/>
+              <a:uLnTx/>
+              <a:uFillTx/>
+              <a:latin typeface="微软雅黑" panose="020B0503020204020204" pitchFamily="34" charset="-122"/>
+              <a:ea typeface="微软雅黑" panose="020B0503020204020204" pitchFamily="34" charset="-122"/>
+              <a:cs typeface="+mn-cs"/>
+            </a:endParaRPr>
           </a:p>
           <a:p>
             <a:pPr lvl="0"/>
@@ -11566,6 +11693,7 @@
               <a:rPr lang="zh-CN" altLang="en-US" dirty="0"/>
               <a:t>右图 介绍信息</a:t>
             </a:r>
+            <a:endParaRPr lang="zh-CN" altLang="en-US" dirty="0"/>
           </a:p>
         </p:txBody>
       </p:sp>
@@ -11689,6 +11817,7 @@
               <a:rPr lang="zh-CN" altLang="en-US" dirty="0"/>
               <a:t>单击编辑文本标题</a:t>
             </a:r>
+            <a:endParaRPr lang="zh-CN" altLang="en-US" dirty="0"/>
           </a:p>
         </p:txBody>
       </p:sp>
@@ -11728,7 +11857,6 @@
             </a:pPr>
             <a:fld id="{8FC7DBC8-975C-4207-936C-01FC1A90A004}" type="datetime1">
               <a:rPr lang="zh-CN" altLang="en-US" smtClean="0"/>
-              <a:t>2024/11/18</a:t>
             </a:fld>
             <a:endParaRPr lang="zh-CN" altLang="en-US" dirty="0"/>
           </a:p>
@@ -12140,6 +12268,22 @@
               </a:rPr>
               <a:t>  </a:t>
             </a:r>
+            <a:endParaRPr kumimoji="0" lang="en-US" altLang="zh-CN" sz="1400" b="0" i="0" u="none" strike="noStrike" kern="1200" cap="none" spc="0" normalizeH="0" baseline="0" noProof="0" dirty="0">
+              <a:ln>
+                <a:noFill/>
+              </a:ln>
+              <a:solidFill>
+                <a:srgbClr val="4F81BD">
+                  <a:lumMod val="75000"/>
+                </a:srgbClr>
+              </a:solidFill>
+              <a:effectLst/>
+              <a:uLnTx/>
+              <a:uFillTx/>
+              <a:latin typeface="微软雅黑" panose="020B0503020204020204" pitchFamily="34" charset="-122"/>
+              <a:ea typeface="微软雅黑" panose="020B0503020204020204" pitchFamily="34" charset="-122"/>
+              <a:cs typeface="+mn-cs"/>
+            </a:endParaRPr>
           </a:p>
           <a:p>
             <a:pPr lvl="0"/>
@@ -12561,7 +12705,6 @@
             </a:pPr>
             <a:fld id="{8FC7DBC8-975C-4207-936C-01FC1A90A004}" type="datetime1">
               <a:rPr lang="zh-CN" altLang="en-US" smtClean="0"/>
-              <a:t>2024/11/18</a:t>
             </a:fld>
             <a:endParaRPr lang="zh-CN" altLang="en-US" dirty="0"/>
           </a:p>
@@ -12973,6 +13116,22 @@
               </a:rPr>
               <a:t>  </a:t>
             </a:r>
+            <a:endParaRPr kumimoji="0" lang="en-US" altLang="zh-CN" sz="1400" b="0" i="0" u="none" strike="noStrike" kern="1200" cap="none" spc="0" normalizeH="0" baseline="0" noProof="0" dirty="0">
+              <a:ln>
+                <a:noFill/>
+              </a:ln>
+              <a:solidFill>
+                <a:srgbClr val="4F81BD">
+                  <a:lumMod val="75000"/>
+                </a:srgbClr>
+              </a:solidFill>
+              <a:effectLst/>
+              <a:uLnTx/>
+              <a:uFillTx/>
+              <a:latin typeface="微软雅黑" panose="020B0503020204020204" pitchFamily="34" charset="-122"/>
+              <a:ea typeface="微软雅黑" panose="020B0503020204020204" pitchFamily="34" charset="-122"/>
+              <a:cs typeface="+mn-cs"/>
+            </a:endParaRPr>
           </a:p>
           <a:p>
             <a:pPr lvl="0"/>
@@ -13890,6 +14049,7 @@
               <a:rPr lang="zh-CN" altLang="en-US" dirty="0"/>
               <a:t>图片信息</a:t>
             </a:r>
+            <a:endParaRPr lang="zh-CN" altLang="en-US" dirty="0"/>
           </a:p>
         </p:txBody>
       </p:sp>
@@ -14009,6 +14169,7 @@
               <a:rPr lang="zh-CN" altLang="en-US" dirty="0"/>
               <a:t>单击编辑文本标题</a:t>
             </a:r>
+            <a:endParaRPr lang="zh-CN" altLang="en-US" dirty="0"/>
           </a:p>
         </p:txBody>
       </p:sp>
@@ -14048,7 +14209,6 @@
             </a:pPr>
             <a:fld id="{8FC7DBC8-975C-4207-936C-01FC1A90A004}" type="datetime1">
               <a:rPr lang="zh-CN" altLang="en-US" smtClean="0"/>
-              <a:t>2024/11/18</a:t>
             </a:fld>
             <a:endParaRPr lang="zh-CN" altLang="en-US" dirty="0"/>
           </a:p>
@@ -14446,6 +14606,7 @@
               <a:rPr lang="zh-CN" altLang="en-US" dirty="0"/>
               <a:t>单击编辑标题</a:t>
             </a:r>
+            <a:endParaRPr lang="zh-CN" altLang="en-US" dirty="0"/>
           </a:p>
         </p:txBody>
       </p:sp>
@@ -14514,6 +14675,7 @@
               <a:rPr lang="zh-CN" altLang="en-US" dirty="0"/>
               <a:t>文本内容或对象</a:t>
             </a:r>
+            <a:endParaRPr lang="zh-CN" altLang="en-US" dirty="0"/>
           </a:p>
         </p:txBody>
       </p:sp>
@@ -14711,6 +14873,7 @@
               <a:rPr lang="zh-CN" altLang="en-US" dirty="0"/>
               <a:t>单击编辑标题</a:t>
             </a:r>
+            <a:endParaRPr lang="zh-CN" altLang="en-US" dirty="0"/>
           </a:p>
         </p:txBody>
       </p:sp>
@@ -14779,6 +14942,7 @@
               <a:rPr lang="zh-CN" altLang="en-US" dirty="0"/>
               <a:t>文本内容或对象</a:t>
             </a:r>
+            <a:endParaRPr lang="zh-CN" altLang="en-US" dirty="0"/>
           </a:p>
         </p:txBody>
       </p:sp>
@@ -14979,6 +15143,7 @@
               <a:rPr lang="zh-CN" altLang="en-US" dirty="0"/>
               <a:t>单击编辑标题</a:t>
             </a:r>
+            <a:endParaRPr lang="zh-CN" altLang="en-US" dirty="0"/>
           </a:p>
         </p:txBody>
       </p:sp>
@@ -15047,6 +15212,7 @@
               <a:rPr lang="zh-CN" altLang="en-US" dirty="0"/>
               <a:t>文本内容或对象</a:t>
             </a:r>
+            <a:endParaRPr lang="zh-CN" altLang="en-US" dirty="0"/>
           </a:p>
         </p:txBody>
       </p:sp>
@@ -15244,6 +15410,7 @@
               <a:rPr lang="zh-CN" altLang="en-US" dirty="0"/>
               <a:t>单击编辑标题</a:t>
             </a:r>
+            <a:endParaRPr lang="zh-CN" altLang="en-US" dirty="0"/>
           </a:p>
         </p:txBody>
       </p:sp>
@@ -15312,6 +15479,7 @@
               <a:rPr lang="zh-CN" altLang="en-US" dirty="0"/>
               <a:t>文本内容或对象</a:t>
             </a:r>
+            <a:endParaRPr lang="zh-CN" altLang="en-US" dirty="0"/>
           </a:p>
         </p:txBody>
       </p:sp>
@@ -15495,7 +15663,6 @@
             </a:pPr>
             <a:fld id="{8FC7DBC8-975C-4207-936C-01FC1A90A004}" type="datetime1">
               <a:rPr lang="zh-CN" altLang="en-US" smtClean="0"/>
-              <a:t>2024/11/18</a:t>
             </a:fld>
             <a:endParaRPr lang="zh-CN" altLang="en-US" dirty="0"/>
           </a:p>
@@ -15777,6 +15944,23 @@
               </a:rPr>
               <a:t>单击编辑文本标题（数据图）</a:t>
             </a:r>
+            <a:endParaRPr kumimoji="0" lang="zh-CN" altLang="en-US" sz="3120" b="1" i="0" u="none" strike="noStrike" kern="1200" cap="all" spc="0" normalizeH="0" baseline="0" noProof="0" dirty="0">
+              <a:ln>
+                <a:noFill/>
+              </a:ln>
+              <a:solidFill>
+                <a:schemeClr val="tx1">
+                  <a:lumMod val="85000"/>
+                  <a:lumOff val="15000"/>
+                </a:schemeClr>
+              </a:solidFill>
+              <a:effectLst/>
+              <a:uLnTx/>
+              <a:uFillTx/>
+              <a:latin typeface="微软雅黑" panose="020B0503020204020204" pitchFamily="34" charset="-122"/>
+              <a:ea typeface="微软雅黑" panose="020B0503020204020204" pitchFamily="34" charset="-122"/>
+              <a:cs typeface="+mj-cs"/>
+            </a:endParaRPr>
           </a:p>
         </p:txBody>
       </p:sp>
@@ -16236,6 +16420,7 @@
               <a:rPr lang="zh-CN" altLang="en-US" dirty="0"/>
               <a:t>单击编辑文本标题（数据图）</a:t>
             </a:r>
+            <a:endParaRPr lang="zh-CN" altLang="en-US" dirty="0"/>
           </a:p>
         </p:txBody>
       </p:sp>
@@ -16275,7 +16460,6 @@
             </a:pPr>
             <a:fld id="{8FC7DBC8-975C-4207-936C-01FC1A90A004}" type="datetime1">
               <a:rPr lang="zh-CN" altLang="en-US" smtClean="0"/>
-              <a:t>2024/11/18</a:t>
             </a:fld>
             <a:endParaRPr lang="zh-CN" altLang="en-US" dirty="0"/>
           </a:p>
@@ -16687,6 +16871,22 @@
               </a:rPr>
               <a:t>  </a:t>
             </a:r>
+            <a:endParaRPr kumimoji="0" lang="en-US" altLang="zh-CN" sz="1400" b="0" i="0" u="none" strike="noStrike" kern="1200" cap="none" spc="0" normalizeH="0" baseline="0" noProof="0" dirty="0">
+              <a:ln>
+                <a:noFill/>
+              </a:ln>
+              <a:solidFill>
+                <a:srgbClr val="4F81BD">
+                  <a:lumMod val="75000"/>
+                </a:srgbClr>
+              </a:solidFill>
+              <a:effectLst/>
+              <a:uLnTx/>
+              <a:uFillTx/>
+              <a:latin typeface="微软雅黑" panose="020B0503020204020204" pitchFamily="34" charset="-122"/>
+              <a:ea typeface="微软雅黑" panose="020B0503020204020204" pitchFamily="34" charset="-122"/>
+              <a:cs typeface="+mn-cs"/>
+            </a:endParaRPr>
           </a:p>
           <a:p>
             <a:pPr lvl="0"/>
@@ -17255,6 +17455,7 @@
               <a:rPr lang="zh-CN" altLang="en-US" dirty="0"/>
               <a:t>单击编辑标题</a:t>
             </a:r>
+            <a:endParaRPr lang="zh-CN" altLang="en-US" dirty="0"/>
           </a:p>
         </p:txBody>
       </p:sp>
@@ -17323,6 +17524,7 @@
               <a:rPr lang="zh-CN" altLang="en-US" dirty="0"/>
               <a:t>文本内容或对象</a:t>
             </a:r>
+            <a:endParaRPr lang="zh-CN" altLang="en-US" dirty="0"/>
           </a:p>
         </p:txBody>
       </p:sp>
@@ -17459,6 +17661,7 @@
               <a:rPr lang="zh-CN" altLang="en-US" dirty="0"/>
               <a:t>单击编辑标题</a:t>
             </a:r>
+            <a:endParaRPr lang="zh-CN" altLang="en-US" dirty="0"/>
           </a:p>
         </p:txBody>
       </p:sp>
@@ -17527,6 +17730,7 @@
               <a:rPr lang="zh-CN" altLang="en-US" dirty="0"/>
               <a:t>文本内容或对象</a:t>
             </a:r>
+            <a:endParaRPr lang="zh-CN" altLang="en-US" dirty="0"/>
           </a:p>
         </p:txBody>
       </p:sp>
@@ -17663,6 +17867,7 @@
               <a:rPr lang="zh-CN" altLang="en-US" dirty="0"/>
               <a:t>单击编辑标题</a:t>
             </a:r>
+            <a:endParaRPr lang="zh-CN" altLang="en-US" dirty="0"/>
           </a:p>
         </p:txBody>
       </p:sp>
@@ -17731,6 +17936,7 @@
               <a:rPr lang="zh-CN" altLang="en-US" dirty="0"/>
               <a:t>文本内容或对象</a:t>
             </a:r>
+            <a:endParaRPr lang="zh-CN" altLang="en-US" dirty="0"/>
           </a:p>
         </p:txBody>
       </p:sp>
@@ -17867,6 +18073,7 @@
               <a:rPr lang="zh-CN" altLang="en-US" dirty="0"/>
               <a:t>单击编辑文本标题</a:t>
             </a:r>
+            <a:endParaRPr lang="zh-CN" altLang="en-US" dirty="0"/>
           </a:p>
         </p:txBody>
       </p:sp>
@@ -17906,7 +18113,6 @@
             </a:pPr>
             <a:fld id="{8FC7DBC8-975C-4207-936C-01FC1A90A004}" type="datetime1">
               <a:rPr lang="zh-CN" altLang="en-US" smtClean="0"/>
-              <a:t>2024/11/18</a:t>
             </a:fld>
             <a:endParaRPr lang="zh-CN" altLang="en-US" dirty="0"/>
           </a:p>
@@ -18368,6 +18574,7 @@
               <a:rPr lang="zh-CN" altLang="en-US" dirty="0"/>
               <a:t>单击编辑标题</a:t>
             </a:r>
+            <a:endParaRPr lang="zh-CN" altLang="en-US" dirty="0"/>
           </a:p>
         </p:txBody>
       </p:sp>
@@ -18436,6 +18643,7 @@
               <a:rPr lang="zh-CN" altLang="en-US" dirty="0"/>
               <a:t>文本内容或对象</a:t>
             </a:r>
+            <a:endParaRPr lang="zh-CN" altLang="en-US" dirty="0"/>
           </a:p>
         </p:txBody>
       </p:sp>
@@ -18572,6 +18780,7 @@
               <a:rPr lang="zh-CN" altLang="en-US" dirty="0"/>
               <a:t>单击编辑标题</a:t>
             </a:r>
+            <a:endParaRPr lang="zh-CN" altLang="en-US" dirty="0"/>
           </a:p>
         </p:txBody>
       </p:sp>
@@ -18640,6 +18849,7 @@
               <a:rPr lang="zh-CN" altLang="en-US" dirty="0"/>
               <a:t>文本内容或对象</a:t>
             </a:r>
+            <a:endParaRPr lang="zh-CN" altLang="en-US" dirty="0"/>
           </a:p>
         </p:txBody>
       </p:sp>
@@ -18776,6 +18986,7 @@
               <a:rPr lang="zh-CN" altLang="en-US" dirty="0"/>
               <a:t>单击编辑文本标题</a:t>
             </a:r>
+            <a:endParaRPr lang="zh-CN" altLang="en-US" dirty="0"/>
           </a:p>
         </p:txBody>
       </p:sp>
@@ -18815,7 +19026,6 @@
             </a:pPr>
             <a:fld id="{8FC7DBC8-975C-4207-936C-01FC1A90A004}" type="datetime1">
               <a:rPr lang="zh-CN" altLang="en-US" smtClean="0"/>
-              <a:t>2024/11/18</a:t>
             </a:fld>
             <a:endParaRPr lang="zh-CN" altLang="en-US" dirty="0"/>
           </a:p>
@@ -19381,6 +19591,7 @@
               <a:rPr lang="zh-CN" altLang="en-US" dirty="0"/>
               <a:t>单击编辑标题</a:t>
             </a:r>
+            <a:endParaRPr lang="zh-CN" altLang="en-US" dirty="0"/>
           </a:p>
         </p:txBody>
       </p:sp>
@@ -19516,6 +19727,7 @@
               <a:rPr lang="zh-CN" altLang="en-US" dirty="0"/>
               <a:t>单击编辑标题</a:t>
             </a:r>
+            <a:endParaRPr lang="zh-CN" altLang="en-US" dirty="0"/>
           </a:p>
         </p:txBody>
       </p:sp>
@@ -19651,6 +19863,7 @@
               <a:rPr lang="zh-CN" altLang="en-US" dirty="0"/>
               <a:t>单击编辑标题</a:t>
             </a:r>
+            <a:endParaRPr lang="zh-CN" altLang="en-US" dirty="0"/>
           </a:p>
         </p:txBody>
       </p:sp>
@@ -19787,6 +20000,7 @@
               <a:rPr lang="zh-CN" altLang="en-US" dirty="0"/>
               <a:t>单击编辑正文内容</a:t>
             </a:r>
+            <a:endParaRPr lang="zh-CN" altLang="en-US" dirty="0"/>
           </a:p>
         </p:txBody>
       </p:sp>
@@ -19923,6 +20137,7 @@
               <a:rPr lang="zh-CN" altLang="en-US" dirty="0"/>
               <a:t>单击编辑正文内容</a:t>
             </a:r>
+            <a:endParaRPr lang="zh-CN" altLang="en-US" dirty="0"/>
           </a:p>
         </p:txBody>
       </p:sp>
@@ -20059,6 +20274,7 @@
               <a:rPr lang="zh-CN" altLang="en-US" dirty="0"/>
               <a:t>单击编辑正文内容</a:t>
             </a:r>
+            <a:endParaRPr lang="zh-CN" altLang="en-US" dirty="0"/>
           </a:p>
         </p:txBody>
       </p:sp>
@@ -20195,6 +20411,7 @@
               <a:rPr lang="zh-CN" altLang="en-US" dirty="0"/>
               <a:t>单击编辑文本标题</a:t>
             </a:r>
+            <a:endParaRPr lang="zh-CN" altLang="en-US" dirty="0"/>
           </a:p>
         </p:txBody>
       </p:sp>
@@ -20234,7 +20451,6 @@
             </a:pPr>
             <a:fld id="{8FC7DBC8-975C-4207-936C-01FC1A90A004}" type="datetime1">
               <a:rPr lang="zh-CN" altLang="en-US" smtClean="0"/>
-              <a:t>2024/11/18</a:t>
             </a:fld>
             <a:endParaRPr lang="zh-CN" altLang="en-US" dirty="0"/>
           </a:p>
@@ -20607,6 +20823,13 @@
               </a:rPr>
               <a:t>单击编辑</a:t>
             </a:r>
+            <a:endParaRPr lang="zh-CN" altLang="en-US" sz="2400" b="1" dirty="0">
+              <a:solidFill>
+                <a:schemeClr val="bg1"/>
+              </a:solidFill>
+              <a:latin typeface="微软雅黑" panose="020B0503020204020204" pitchFamily="34" charset="-122"/>
+              <a:ea typeface="微软雅黑" panose="020B0503020204020204" pitchFamily="34" charset="-122"/>
+            </a:endParaRPr>
           </a:p>
         </p:txBody>
       </p:sp>
@@ -20648,6 +20871,13 @@
               </a:rPr>
               <a:t>单击编辑</a:t>
             </a:r>
+            <a:endParaRPr lang="zh-CN" altLang="en-US" sz="2400" b="1" dirty="0">
+              <a:solidFill>
+                <a:schemeClr val="bg1"/>
+              </a:solidFill>
+              <a:latin typeface="微软雅黑" panose="020B0503020204020204" pitchFamily="34" charset="-122"/>
+              <a:ea typeface="微软雅黑" panose="020B0503020204020204" pitchFamily="34" charset="-122"/>
+            </a:endParaRPr>
           </a:p>
         </p:txBody>
       </p:sp>
@@ -20689,6 +20919,13 @@
               </a:rPr>
               <a:t>单击编辑</a:t>
             </a:r>
+            <a:endParaRPr lang="zh-CN" altLang="en-US" sz="2400" b="1" dirty="0">
+              <a:solidFill>
+                <a:schemeClr val="bg1"/>
+              </a:solidFill>
+              <a:latin typeface="微软雅黑" panose="020B0503020204020204" pitchFamily="34" charset="-122"/>
+              <a:ea typeface="微软雅黑" panose="020B0503020204020204" pitchFamily="34" charset="-122"/>
+            </a:endParaRPr>
           </a:p>
         </p:txBody>
       </p:sp>
@@ -20730,6 +20967,13 @@
               </a:rPr>
               <a:t>单击编辑</a:t>
             </a:r>
+            <a:endParaRPr lang="zh-CN" altLang="en-US" sz="2400" b="1" dirty="0">
+              <a:solidFill>
+                <a:schemeClr val="bg1"/>
+              </a:solidFill>
+              <a:latin typeface="微软雅黑" panose="020B0503020204020204" pitchFamily="34" charset="-122"/>
+              <a:ea typeface="微软雅黑" panose="020B0503020204020204" pitchFamily="34" charset="-122"/>
+            </a:endParaRPr>
           </a:p>
         </p:txBody>
       </p:sp>
@@ -20771,6 +21015,13 @@
               </a:rPr>
               <a:t>单击编辑</a:t>
             </a:r>
+            <a:endParaRPr lang="zh-CN" altLang="en-US" sz="2400" b="1" dirty="0">
+              <a:solidFill>
+                <a:schemeClr val="bg1"/>
+              </a:solidFill>
+              <a:latin typeface="微软雅黑" panose="020B0503020204020204" pitchFamily="34" charset="-122"/>
+              <a:ea typeface="微软雅黑" panose="020B0503020204020204" pitchFamily="34" charset="-122"/>
+            </a:endParaRPr>
           </a:p>
         </p:txBody>
       </p:sp>
@@ -20891,6 +21142,7 @@
               <a:rPr lang="zh-CN" altLang="en-US" dirty="0"/>
               <a:t>结束语</a:t>
             </a:r>
+            <a:endParaRPr lang="zh-CN" altLang="en-US" dirty="0"/>
           </a:p>
         </p:txBody>
       </p:sp>
@@ -21016,6 +21268,7 @@
               <a:rPr lang="zh-CN" altLang="en-US" dirty="0"/>
               <a:t>单击此处编辑副标题文字</a:t>
             </a:r>
+            <a:endParaRPr lang="zh-CN" altLang="en-US" dirty="0"/>
           </a:p>
         </p:txBody>
       </p:sp>
@@ -21168,6 +21421,7 @@
               <a:rPr lang="zh-CN" altLang="en-US" dirty="0"/>
               <a:t>联系方式等</a:t>
             </a:r>
+            <a:endParaRPr lang="zh-CN" altLang="en-US" dirty="0"/>
           </a:p>
         </p:txBody>
       </p:sp>
@@ -21393,6 +21647,7 @@
               <a:rPr lang="zh-CN" altLang="en-US" dirty="0"/>
               <a:t>谢谢</a:t>
             </a:r>
+            <a:endParaRPr lang="zh-CN" altLang="en-US" dirty="0"/>
           </a:p>
         </p:txBody>
       </p:sp>
@@ -21525,6 +21780,7 @@
               <a:rPr lang="zh-CN" altLang="en-US" dirty="0"/>
               <a:t>联系方式</a:t>
             </a:r>
+            <a:endParaRPr lang="zh-CN" altLang="en-US" dirty="0"/>
           </a:p>
         </p:txBody>
       </p:sp>
@@ -21627,7 +21883,6 @@
                   </a:schemeClr>
                 </a:solidFill>
               </a:rPr>
-              <a:t>2024/11/18</a:t>
             </a:fld>
             <a:endParaRPr lang="zh-CN" altLang="en-US" sz="1400" dirty="0">
               <a:solidFill>
@@ -21682,7 +21937,6 @@
           <a:p>
             <a:fld id="{7BEF5A3D-07BE-48FF-8AF4-F046F630E329}" type="datetimeFigureOut">
               <a:rPr lang="zh-CN" altLang="en-US" smtClean="0"/>
-              <a:t>2024/11/18</a:t>
             </a:fld>
             <a:endParaRPr lang="zh-CN" altLang="en-US"/>
           </a:p>
@@ -21724,7 +21978,6 @@
           <a:p>
             <a:fld id="{8BE6E5F0-A76E-4C17-8C81-56BBF4B01B99}" type="slidenum">
               <a:rPr lang="zh-CN" altLang="en-US" smtClean="0"/>
-              <a:t>‹#›</a:t>
             </a:fld>
             <a:endParaRPr lang="zh-CN" altLang="en-US"/>
           </a:p>
@@ -21782,6 +22035,7 @@
               <a:rPr lang="zh-CN" altLang="en-US" dirty="0"/>
               <a:t>单击此处编辑母版标题样式</a:t>
             </a:r>
+            <a:endParaRPr lang="zh-CN" altLang="en-US" dirty="0"/>
           </a:p>
         </p:txBody>
       </p:sp>
@@ -21883,7 +22137,6 @@
           <a:p>
             <a:fld id="{00F41A80-2106-4B14-A8A7-2BC35A9723BE}" type="slidenum">
               <a:rPr lang="zh-SG" altLang="en-US" smtClean="0"/>
-              <a:t>‹#›</a:t>
             </a:fld>
             <a:endParaRPr lang="zh-SG" altLang="en-US"/>
           </a:p>
@@ -21926,6 +22179,7 @@
               <a:rPr lang="en-US" altLang="zh-SG" dirty="0"/>
               <a:t>Edit Master text styles</a:t>
             </a:r>
+            <a:endParaRPr lang="en-US" altLang="zh-SG" dirty="0"/>
           </a:p>
         </p:txBody>
       </p:sp>
@@ -22008,6 +22262,7 @@
               <a:rPr lang="en-US" altLang="zh-SG" dirty="0"/>
               <a:t>Edit Master text styles</a:t>
             </a:r>
+            <a:endParaRPr lang="en-US" altLang="zh-SG" dirty="0"/>
           </a:p>
           <a:p>
             <a:pPr lvl="1"/>
@@ -22015,6 +22270,7 @@
               <a:rPr lang="en-US" altLang="zh-SG" dirty="0"/>
               <a:t>Second level</a:t>
             </a:r>
+            <a:endParaRPr lang="en-US" altLang="zh-SG" dirty="0"/>
           </a:p>
           <a:p>
             <a:pPr lvl="2"/>
@@ -22022,6 +22278,7 @@
               <a:rPr lang="en-US" altLang="zh-SG" dirty="0"/>
               <a:t>Third level</a:t>
             </a:r>
+            <a:endParaRPr lang="en-US" altLang="zh-SG" dirty="0"/>
           </a:p>
         </p:txBody>
       </p:sp>
@@ -22260,6 +22517,22 @@
               </a:rPr>
               <a:t>目录</a:t>
             </a:r>
+            <a:endParaRPr kumimoji="0" lang="zh-CN" altLang="en-US" sz="3600" b="1" i="0" u="none" strike="noStrike" kern="1200" cap="all" spc="0" normalizeH="0" baseline="0" noProof="0" dirty="0">
+              <a:ln>
+                <a:noFill/>
+              </a:ln>
+              <a:solidFill>
+                <a:srgbClr val="92A2BD">
+                  <a:lumMod val="50000"/>
+                </a:srgbClr>
+              </a:solidFill>
+              <a:effectLst/>
+              <a:uLnTx/>
+              <a:uFillTx/>
+              <a:latin typeface="微软雅黑" panose="020B0503020204020204" pitchFamily="34" charset="-122"/>
+              <a:ea typeface="微软雅黑" panose="020B0503020204020204" pitchFamily="34" charset="-122"/>
+              <a:cs typeface="+mn-cs"/>
+            </a:endParaRPr>
           </a:p>
         </p:txBody>
       </p:sp>
@@ -22993,6 +23266,7 @@
               <a:rPr lang="zh-CN" altLang="en-US" dirty="0"/>
               <a:t>单击此处编辑母版标题样式</a:t>
             </a:r>
+            <a:endParaRPr lang="zh-CN" altLang="en-US" dirty="0"/>
           </a:p>
         </p:txBody>
       </p:sp>
@@ -23080,6 +23354,7 @@
               <a:rPr lang="zh-CN" altLang="en-US" dirty="0"/>
               <a:t>编辑母版文本样式</a:t>
             </a:r>
+            <a:endParaRPr lang="zh-CN" altLang="en-US" dirty="0"/>
           </a:p>
           <a:p>
             <a:pPr lvl="1"/>
@@ -23087,6 +23362,7 @@
               <a:rPr lang="zh-CN" altLang="en-US" dirty="0"/>
               <a:t>第二级</a:t>
             </a:r>
+            <a:endParaRPr lang="zh-CN" altLang="en-US" dirty="0"/>
           </a:p>
           <a:p>
             <a:pPr lvl="2"/>
@@ -23094,6 +23370,7 @@
               <a:rPr lang="zh-CN" altLang="en-US" dirty="0"/>
               <a:t>第三级</a:t>
             </a:r>
+            <a:endParaRPr lang="zh-CN" altLang="en-US" dirty="0"/>
           </a:p>
           <a:p>
             <a:pPr lvl="3"/>
@@ -23101,6 +23378,7 @@
               <a:rPr lang="zh-CN" altLang="en-US" dirty="0"/>
               <a:t>第四级</a:t>
             </a:r>
+            <a:endParaRPr lang="zh-CN" altLang="en-US" dirty="0"/>
           </a:p>
           <a:p>
             <a:pPr lvl="4"/>
@@ -23108,6 +23386,7 @@
               <a:rPr lang="zh-CN" altLang="en-US" dirty="0"/>
               <a:t>第五级</a:t>
             </a:r>
+            <a:endParaRPr lang="zh-CN" altLang="en-US" dirty="0"/>
           </a:p>
         </p:txBody>
       </p:sp>
@@ -23148,6 +23427,7 @@
               <a:rPr lang="zh-CN" altLang="en-US" dirty="0"/>
               <a:t>小标题</a:t>
             </a:r>
+            <a:endParaRPr lang="zh-CN" altLang="en-US" dirty="0"/>
           </a:p>
         </p:txBody>
       </p:sp>
@@ -23184,7 +23464,6 @@
           <a:p>
             <a:fld id="{AA807A42-CF27-4B84-8583-18EBE418342E}" type="slidenum">
               <a:rPr lang="de-DE" smtClean="0"/>
-              <a:t>‹#›</a:t>
             </a:fld>
             <a:endParaRPr lang="de-DE" dirty="0"/>
           </a:p>
@@ -23342,6 +23621,7 @@
               <a:rPr lang="zh-CN" altLang="en-US" dirty="0"/>
               <a:t>单击此处编辑母版标题样式</a:t>
             </a:r>
+            <a:endParaRPr lang="zh-CN" altLang="en-US" dirty="0"/>
           </a:p>
         </p:txBody>
       </p:sp>
@@ -23429,6 +23709,7 @@
               <a:rPr lang="zh-CN" altLang="en-US" dirty="0"/>
               <a:t>编辑母版文本样式</a:t>
             </a:r>
+            <a:endParaRPr lang="zh-CN" altLang="en-US" dirty="0"/>
           </a:p>
           <a:p>
             <a:pPr lvl="1"/>
@@ -23436,6 +23717,7 @@
               <a:rPr lang="zh-CN" altLang="en-US" dirty="0"/>
               <a:t>第二级</a:t>
             </a:r>
+            <a:endParaRPr lang="zh-CN" altLang="en-US" dirty="0"/>
           </a:p>
           <a:p>
             <a:pPr lvl="2"/>
@@ -23443,6 +23725,7 @@
               <a:rPr lang="zh-CN" altLang="en-US" dirty="0"/>
               <a:t>第三级</a:t>
             </a:r>
+            <a:endParaRPr lang="zh-CN" altLang="en-US" dirty="0"/>
           </a:p>
           <a:p>
             <a:pPr lvl="3"/>
@@ -23450,6 +23733,7 @@
               <a:rPr lang="zh-CN" altLang="en-US" dirty="0"/>
               <a:t>第四级</a:t>
             </a:r>
+            <a:endParaRPr lang="zh-CN" altLang="en-US" dirty="0"/>
           </a:p>
           <a:p>
             <a:pPr lvl="4"/>
@@ -23457,6 +23741,7 @@
               <a:rPr lang="zh-CN" altLang="en-US" dirty="0"/>
               <a:t>第五级</a:t>
             </a:r>
+            <a:endParaRPr lang="zh-CN" altLang="en-US" dirty="0"/>
           </a:p>
         </p:txBody>
       </p:sp>
@@ -23497,6 +23782,7 @@
               <a:rPr lang="zh-CN" altLang="en-US" dirty="0"/>
               <a:t>小标题</a:t>
             </a:r>
+            <a:endParaRPr lang="zh-CN" altLang="en-US" dirty="0"/>
           </a:p>
         </p:txBody>
       </p:sp>
@@ -23539,6 +23825,7 @@
               <a:rPr lang="zh-CN" altLang="en-US" dirty="0"/>
               <a:t>结论</a:t>
             </a:r>
+            <a:endParaRPr lang="zh-CN" altLang="en-US" dirty="0"/>
           </a:p>
         </p:txBody>
       </p:sp>
@@ -23575,7 +23862,6 @@
           <a:p>
             <a:fld id="{AA807A42-CF27-4B84-8583-18EBE418342E}" type="slidenum">
               <a:rPr lang="de-DE" smtClean="0"/>
-              <a:t>‹#›</a:t>
             </a:fld>
             <a:endParaRPr lang="de-DE" dirty="0"/>
           </a:p>
@@ -23685,12 +23971,12 @@
           <p:nvPr userDrawn="1"/>
         </p:nvPicPr>
         <p:blipFill rotWithShape="1">
-          <a:blip r:embed="rId5">
+          <a:blip r:embed="rId3">
             <a:alphaModFix amt="85000"/>
             <a:extLst>
               <a:ext uri="{BEBA8EAE-BF5A-486C-A8C5-ECC9F3942E4B}">
                 <a14:imgProps xmlns:a14="http://schemas.microsoft.com/office/drawing/2010/main">
-                  <a14:imgLayer r:embed="rId6">
+                  <a14:imgLayer r:embed="rId4">
                     <a14:imgEffect>
                       <a14:brightnessContrast bright="6000"/>
                     </a14:imgEffect>
@@ -23769,7 +24055,7 @@
           <p:cNvSpPr/>
           <p:nvPr userDrawn="1">
             <p:custDataLst>
-              <p:tags r:id="rId4"/>
+              <p:tags r:id="rId5"/>
             </p:custDataLst>
           </p:nvPr>
         </p:nvSpPr>
@@ -24014,12 +24300,12 @@
           <p:nvPr userDrawn="1"/>
         </p:nvPicPr>
         <p:blipFill>
-          <a:blip r:embed="rId7">
+          <a:blip r:embed="rId6">
             <a:alphaModFix amt="47000"/>
             <a:extLst>
               <a:ext uri="{BEBA8EAE-BF5A-486C-A8C5-ECC9F3942E4B}">
                 <a14:imgProps xmlns:a14="http://schemas.microsoft.com/office/drawing/2010/main">
-                  <a14:imgLayer r:embed="rId8">
+                  <a14:imgLayer r:embed="rId7">
                     <a14:imgEffect>
                       <a14:brightnessContrast contrast="1000"/>
                     </a14:imgEffect>
@@ -24060,7 +24346,7 @@
           <p:nvPr userDrawn="1"/>
         </p:nvPicPr>
         <p:blipFill rotWithShape="1">
-          <a:blip r:embed="rId9" cstate="print">
+          <a:blip r:embed="rId8" cstate="print">
             <a:clrChange>
               <a:clrFrom>
                 <a:srgbClr val="FFFFFF"/>
@@ -24730,6 +25016,22 @@
               </a:rPr>
               <a:t>目录</a:t>
             </a:r>
+            <a:endParaRPr kumimoji="0" lang="zh-CN" altLang="en-US" sz="3600" b="1" i="0" u="none" strike="noStrike" kern="1200" cap="all" spc="0" normalizeH="0" baseline="0" noProof="0" dirty="0">
+              <a:ln>
+                <a:noFill/>
+              </a:ln>
+              <a:solidFill>
+                <a:srgbClr val="92A2BD">
+                  <a:lumMod val="50000"/>
+                </a:srgbClr>
+              </a:solidFill>
+              <a:effectLst/>
+              <a:uLnTx/>
+              <a:uFillTx/>
+              <a:latin typeface="微软雅黑" panose="020B0503020204020204" pitchFamily="34" charset="-122"/>
+              <a:ea typeface="微软雅黑" panose="020B0503020204020204" pitchFamily="34" charset="-122"/>
+              <a:cs typeface="+mn-cs"/>
+            </a:endParaRPr>
           </a:p>
         </p:txBody>
       </p:sp>
@@ -25751,12 +26053,12 @@
           <p:nvPr userDrawn="1"/>
         </p:nvPicPr>
         <p:blipFill rotWithShape="1">
-          <a:blip r:embed="rId9">
+          <a:blip r:embed="rId7">
             <a:alphaModFix amt="85000"/>
             <a:extLst>
               <a:ext uri="{BEBA8EAE-BF5A-486C-A8C5-ECC9F3942E4B}">
                 <a14:imgProps xmlns:a14="http://schemas.microsoft.com/office/drawing/2010/main">
-                  <a14:imgLayer r:embed="rId10">
+                  <a14:imgLayer r:embed="rId8">
                     <a14:imgEffect>
                       <a14:brightnessContrast bright="6000"/>
                     </a14:imgEffect>
@@ -25835,7 +26137,7 @@
           <p:cNvSpPr/>
           <p:nvPr userDrawn="1">
             <p:custDataLst>
-              <p:tags r:id="rId8"/>
+              <p:tags r:id="rId9"/>
             </p:custDataLst>
           </p:nvPr>
         </p:nvSpPr>
@@ -26000,7 +26302,6 @@
           <a:p>
             <a:fld id="{CE0EC710-139A-4CA2-AAD7-77B43670B718}" type="slidenum">
               <a:rPr lang="zh-CN" altLang="en-US" smtClean="0"/>
-              <a:t>‹#›</a:t>
             </a:fld>
             <a:endParaRPr lang="zh-CN" altLang="en-US" dirty="0"/>
           </a:p>
@@ -26340,6 +26641,7 @@
               <a:rPr lang="zh-CN" altLang="en-US"/>
               <a:t>单击此处编辑母版标题样式</a:t>
             </a:r>
+            <a:endParaRPr lang="zh-CN" altLang="en-US"/>
           </a:p>
         </p:txBody>
       </p:sp>
@@ -26373,6 +26675,7 @@
               <a:rPr lang="zh-CN" altLang="en-US"/>
               <a:t>单击此处编辑母版文本样式</a:t>
             </a:r>
+            <a:endParaRPr lang="zh-CN" altLang="en-US"/>
           </a:p>
           <a:p>
             <a:pPr lvl="1"/>
@@ -26380,6 +26683,7 @@
               <a:rPr lang="zh-CN" altLang="en-US"/>
               <a:t>第二级</a:t>
             </a:r>
+            <a:endParaRPr lang="zh-CN" altLang="en-US"/>
           </a:p>
           <a:p>
             <a:pPr lvl="2"/>
@@ -26387,6 +26691,7 @@
               <a:rPr lang="zh-CN" altLang="en-US"/>
               <a:t>第三级</a:t>
             </a:r>
+            <a:endParaRPr lang="zh-CN" altLang="en-US"/>
           </a:p>
           <a:p>
             <a:pPr lvl="3"/>
@@ -26394,6 +26699,7 @@
               <a:rPr lang="zh-CN" altLang="en-US"/>
               <a:t>第四级</a:t>
             </a:r>
+            <a:endParaRPr lang="zh-CN" altLang="en-US"/>
           </a:p>
           <a:p>
             <a:pPr lvl="4"/>
@@ -26401,6 +26707,7 @@
               <a:rPr lang="zh-CN" altLang="en-US"/>
               <a:t>第五级</a:t>
             </a:r>
+            <a:endParaRPr lang="zh-CN" altLang="en-US"/>
           </a:p>
         </p:txBody>
       </p:sp>
@@ -26439,7 +26746,6 @@
           <a:p>
             <a:fld id="{7BEF5A3D-07BE-48FF-8AF4-F046F630E329}" type="datetimeFigureOut">
               <a:rPr lang="zh-CN" altLang="en-US" smtClean="0"/>
-              <a:t>2024/11/18</a:t>
             </a:fld>
             <a:endParaRPr lang="zh-CN" altLang="en-US"/>
           </a:p>
@@ -26517,7 +26823,6 @@
           <a:p>
             <a:fld id="{8BE6E5F0-A76E-4C17-8C81-56BBF4B01B99}" type="slidenum">
               <a:rPr lang="zh-CN" altLang="en-US" smtClean="0"/>
-              <a:t>‹#›</a:t>
             </a:fld>
             <a:endParaRPr lang="zh-CN" altLang="en-US"/>
           </a:p>
@@ -26851,6 +27156,7 @@
               <a:rPr lang="en-US" altLang="zh-CN" sz="2665" dirty="0"/>
               <a:t>01</a:t>
             </a:r>
+            <a:endParaRPr lang="en-US" altLang="zh-CN" sz="2665" dirty="0"/>
           </a:p>
         </p:txBody>
       </p:sp>
@@ -26882,6 +27188,7 @@
               <a:rPr lang="zh-CN" altLang="en-US"/>
               <a:t>组会</a:t>
             </a:r>
+            <a:endParaRPr lang="zh-CN" altLang="en-US"/>
           </a:p>
         </p:txBody>
       </p:sp>
@@ -26890,11 +27197,11 @@
   <p:clrMapOvr>
     <a:masterClrMapping/>
   </p:clrMapOvr>
-  <mc:AlternateContent xmlns:mc="http://schemas.openxmlformats.org/markup-compatibility/2006" xmlns:p14="http://schemas.microsoft.com/office/powerpoint/2010/main">
-    <mc:Choice Requires="p14">
+  <mc:AlternateContent xmlns:mc="http://schemas.openxmlformats.org/markup-compatibility/2006">
+    <mc:Choice xmlns:p14="http://schemas.microsoft.com/office/powerpoint/2010/main" Requires="p14">
       <p:transition spd="slow" p14:dur="2000" advTm="8329"/>
     </mc:Choice>
-    <mc:Fallback xmlns="">
+    <mc:Fallback>
       <p:transition spd="slow" advTm="8329"/>
     </mc:Fallback>
   </mc:AlternateContent>
@@ -26906,13 +27213,7 @@
   <p:cSld>
     <p:spTree>
       <p:nvGrpSpPr>
-        <p:cNvPr id="1" name="">
-          <a:extLst>
-            <a:ext uri="{FF2B5EF4-FFF2-40B4-BE49-F238E27FC236}">
-              <a16:creationId xmlns:a16="http://schemas.microsoft.com/office/drawing/2014/main" id="{123FD8DF-48BD-78C0-8AA5-66EF4A5EA6E9}"/>
-            </a:ext>
-          </a:extLst>
-        </p:cNvPr>
+        <p:cNvPr id="1" name=""/>
         <p:cNvGrpSpPr/>
         <p:nvPr/>
       </p:nvGrpSpPr>
@@ -26926,13 +27227,7 @@
       </p:grpSpPr>
       <p:sp>
         <p:nvSpPr>
-          <p:cNvPr id="4" name="文本框 3">
-            <a:extLst>
-              <a:ext uri="{FF2B5EF4-FFF2-40B4-BE49-F238E27FC236}">
-                <a16:creationId xmlns:a16="http://schemas.microsoft.com/office/drawing/2014/main" id="{50B3CD44-6056-2B89-3154-53DAC2451F28}"/>
-              </a:ext>
-            </a:extLst>
-          </p:cNvPr>
+          <p:cNvPr id="4" name="文本框 3"/>
           <p:cNvSpPr txBox="1"/>
           <p:nvPr/>
         </p:nvSpPr>
@@ -26957,18 +27252,13 @@
               <a:rPr lang="en-US" altLang="zh-CN" sz="2665" dirty="0"/>
               <a:t>01</a:t>
             </a:r>
+            <a:endParaRPr lang="en-US" altLang="zh-CN" sz="2665" dirty="0"/>
           </a:p>
         </p:txBody>
       </p:sp>
       <p:sp>
         <p:nvSpPr>
-          <p:cNvPr id="3" name="标题 2">
-            <a:extLst>
-              <a:ext uri="{FF2B5EF4-FFF2-40B4-BE49-F238E27FC236}">
-                <a16:creationId xmlns:a16="http://schemas.microsoft.com/office/drawing/2014/main" id="{2982025A-3F79-BB80-4A7D-5509FB0E3825}"/>
-              </a:ext>
-            </a:extLst>
-          </p:cNvPr>
+          <p:cNvPr id="3" name="标题 2"/>
           <p:cNvSpPr>
             <a:spLocks noGrp="1"/>
           </p:cNvSpPr>
@@ -26994,24 +27284,20 @@
               <a:rPr lang="zh-CN" altLang="en-US" dirty="0"/>
               <a:t>组会</a:t>
             </a:r>
+            <a:endParaRPr lang="zh-CN" altLang="en-US" dirty="0"/>
           </a:p>
         </p:txBody>
       </p:sp>
     </p:spTree>
-    <p:extLst>
-      <p:ext uri="{BB962C8B-B14F-4D97-AF65-F5344CB8AC3E}">
-        <p14:creationId xmlns:p14="http://schemas.microsoft.com/office/powerpoint/2010/main" val="690343723"/>
-      </p:ext>
-    </p:extLst>
   </p:cSld>
   <p:clrMapOvr>
     <a:masterClrMapping/>
   </p:clrMapOvr>
-  <mc:AlternateContent xmlns:mc="http://schemas.openxmlformats.org/markup-compatibility/2006" xmlns:p14="http://schemas.microsoft.com/office/powerpoint/2010/main">
-    <mc:Choice Requires="p14">
+  <mc:AlternateContent xmlns:mc="http://schemas.openxmlformats.org/markup-compatibility/2006">
+    <mc:Choice xmlns:p14="http://schemas.microsoft.com/office/powerpoint/2010/main" Requires="p14">
       <p:transition spd="slow" p14:dur="2000" advTm="8329"/>
     </mc:Choice>
-    <mc:Fallback xmlns="">
+    <mc:Fallback>
       <p:transition spd="slow" advTm="8329"/>
     </mc:Fallback>
   </mc:AlternateContent>
@@ -27064,6 +27350,9 @@
               </a:rPr>
               <a:t>）</a:t>
             </a:r>
+            <a:endParaRPr lang="zh-CN" altLang="en-US">
+              <a:ea typeface="宋体" panose="02010600030101010101" pitchFamily="2" charset="-122"/>
+            </a:endParaRPr>
           </a:p>
         </p:txBody>
       </p:sp>
@@ -27153,7 +27442,6 @@
           <a:p>
             <a:fld id="{AA807A42-CF27-4B84-8583-18EBE418342E}" type="slidenum">
               <a:rPr lang="de-DE" smtClean="0"/>
-              <a:t>11</a:t>
             </a:fld>
             <a:endParaRPr lang="de-DE" dirty="0"/>
           </a:p>
@@ -27203,6 +27491,7 @@
               <a:rPr lang="zh-CN" altLang="en-US"/>
               <a:t>二、完成情况</a:t>
             </a:r>
+            <a:endParaRPr lang="zh-CN" altLang="en-US"/>
           </a:p>
         </p:txBody>
       </p:sp>
@@ -27225,6 +27514,7 @@
               <a:rPr lang="zh-CN" altLang="en-US"/>
               <a:t>1、修改奖励函数，包括调整参数、设计更合理的奖励函数等等</a:t>
             </a:r>
+            <a:endParaRPr lang="zh-CN" altLang="en-US"/>
           </a:p>
           <a:p>
             <a:endParaRPr lang="zh-CN" altLang="en-US"/>
@@ -27234,6 +27524,7 @@
               <a:rPr lang="zh-CN" altLang="en-US"/>
               <a:t>2、优化PPO算法本身，例如将MLP替换为Transformer、CNN等等</a:t>
             </a:r>
+            <a:endParaRPr lang="zh-CN" altLang="en-US"/>
           </a:p>
           <a:p>
             <a:endParaRPr lang="zh-CN" altLang="en-US"/>
@@ -27243,6 +27534,7 @@
               <a:rPr lang="zh-CN" altLang="en-US" sz="2400" b="1"/>
               <a:t>3、先将环境固定下来，生成固定的场景进行训练</a:t>
             </a:r>
+            <a:endParaRPr lang="zh-CN" altLang="en-US" sz="2400" b="1"/>
           </a:p>
         </p:txBody>
       </p:sp>
@@ -27265,6 +27557,7 @@
               <a:rPr lang="zh-CN" altLang="en-US"/>
               <a:t>实现思路</a:t>
             </a:r>
+            <a:endParaRPr lang="zh-CN" altLang="en-US"/>
           </a:p>
         </p:txBody>
       </p:sp>
@@ -27304,7 +27597,6 @@
           <a:p>
             <a:fld id="{AA807A42-CF27-4B84-8583-18EBE418342E}" type="slidenum">
               <a:rPr lang="de-DE" smtClean="0"/>
-              <a:t>12</a:t>
             </a:fld>
             <a:endParaRPr lang="de-DE" dirty="0"/>
           </a:p>
@@ -27362,6 +27654,13 @@
               </a:rPr>
               <a:t>比较耗时间，需要探索比较好的参数组合</a:t>
             </a:r>
+            <a:endParaRPr lang="zh-CN" altLang="en-US" sz="1800" b="0" i="0" u="none" baseline="0" dirty="0">
+              <a:solidFill>
+                <a:srgbClr val="000000"/>
+              </a:solidFill>
+              <a:latin typeface="BMW Group Condensed" panose="020B0606020202020204" pitchFamily="34" charset="0"/>
+              <a:ea typeface="宋体" panose="02010600030101010101" pitchFamily="2" charset="-122"/>
+            </a:endParaRPr>
           </a:p>
           <a:p>
             <a:pPr algn="l" rtl="0" eaLnBrk="1" fontAlgn="auto" hangingPunct="1">
@@ -27395,6 +27694,13 @@
               </a:rPr>
               <a:t>对模型改动较大</a:t>
             </a:r>
+            <a:endParaRPr lang="zh-CN" altLang="en-US" sz="1800" b="0" i="0" u="none" baseline="0" dirty="0">
+              <a:solidFill>
+                <a:srgbClr val="000000"/>
+              </a:solidFill>
+              <a:latin typeface="BMW Group Condensed" panose="020B0606020202020204" pitchFamily="34" charset="0"/>
+              <a:ea typeface="宋体" panose="02010600030101010101" pitchFamily="2" charset="-122"/>
+            </a:endParaRPr>
           </a:p>
           <a:p>
             <a:pPr algn="l" rtl="0" eaLnBrk="1" fontAlgn="auto" hangingPunct="1">
@@ -27438,6 +27744,13 @@
               </a:rPr>
               <a:t>，固定一个特定环境，对模型环境进行简化</a:t>
             </a:r>
+            <a:endParaRPr lang="zh-CN" altLang="en-US" sz="1800" b="0" i="0" u="none" baseline="0" dirty="0">
+              <a:solidFill>
+                <a:srgbClr val="000000"/>
+              </a:solidFill>
+              <a:latin typeface="BMW Group Condensed" panose="020B0606020202020204" pitchFamily="34" charset="0"/>
+              <a:ea typeface="宋体" panose="02010600030101010101" pitchFamily="2" charset="-122"/>
+            </a:endParaRPr>
           </a:p>
           <a:p>
             <a:pPr algn="l" rtl="0" eaLnBrk="1" fontAlgn="auto" hangingPunct="1">
@@ -27461,6 +27774,13 @@
               </a:rPr>
               <a:t>包括固定车辆初始速度、初始位置、环境中车辆数以及车辆的运行轨迹</a:t>
             </a:r>
+            <a:endParaRPr lang="zh-CN" altLang="en-US" sz="1800" b="0" i="0" u="none" baseline="0" dirty="0">
+              <a:solidFill>
+                <a:srgbClr val="000000"/>
+              </a:solidFill>
+              <a:latin typeface="BMW Group Condensed" panose="020B0606020202020204" pitchFamily="34" charset="0"/>
+              <a:ea typeface="宋体" panose="02010600030101010101" pitchFamily="2" charset="-122"/>
+            </a:endParaRPr>
           </a:p>
         </p:txBody>
       </p:sp>
@@ -27508,6 +27828,7 @@
               <a:rPr lang="zh-CN" altLang="en-US"/>
               <a:t>二、完成情况</a:t>
             </a:r>
+            <a:endParaRPr lang="zh-CN" altLang="en-US"/>
           </a:p>
         </p:txBody>
       </p:sp>
@@ -27547,7 +27868,6 @@
           <a:p>
             <a:fld id="{CE0EC710-139A-4CA2-AAD7-77B43670B718}" type="slidenum">
               <a:rPr lang="zh-CN" altLang="en-US" smtClean="0"/>
-              <a:t>13</a:t>
             </a:fld>
             <a:endParaRPr lang="zh-CN" altLang="en-US" dirty="0"/>
           </a:p>
@@ -27564,7 +27884,7 @@
           </p:nvPr>
         </p:nvPicPr>
         <p:blipFill>
-          <a:blip r:embed="rId2"/>
+          <a:blip r:embed="rId1"/>
           <a:stretch>
             <a:fillRect/>
           </a:stretch>
@@ -27630,6 +27950,12 @@
               </a:rPr>
               <a:t>0</a:t>
             </a:r>
+            <a:endParaRPr lang="en-US" altLang="zh-CN" sz="1800" b="0" i="0" u="none" baseline="0" dirty="0">
+              <a:solidFill>
+                <a:srgbClr val="000000"/>
+              </a:solidFill>
+              <a:latin typeface="BMW Group Condensed" panose="020B0606020202020204" pitchFamily="34" charset="0"/>
+            </a:endParaRPr>
           </a:p>
           <a:p>
             <a:pPr algn="l" rtl="0" eaLnBrk="1" fontAlgn="auto" hangingPunct="1">
@@ -27653,6 +27979,13 @@
               </a:rPr>
               <a:t>所有生成车辆都会出现在环境中，即固定车数</a:t>
             </a:r>
+            <a:endParaRPr lang="zh-CN" altLang="en-US" sz="1800" b="0" i="0" u="none" baseline="0" dirty="0">
+              <a:solidFill>
+                <a:srgbClr val="000000"/>
+              </a:solidFill>
+              <a:latin typeface="BMW Group Condensed" panose="020B0606020202020204" pitchFamily="34" charset="0"/>
+              <a:ea typeface="宋体" panose="02010600030101010101" pitchFamily="2" charset="-122"/>
+            </a:endParaRPr>
           </a:p>
         </p:txBody>
       </p:sp>
@@ -27698,6 +28031,12 @@
               </a:rPr>
               <a:t>固定路线（环境中所有车辆直行，智能体左转）</a:t>
             </a:r>
+            <a:endParaRPr lang="zh-CN" altLang="en-US" sz="1800" b="0" i="0" u="none" baseline="0" dirty="0">
+              <a:solidFill>
+                <a:srgbClr val="000000"/>
+              </a:solidFill>
+              <a:latin typeface="BMW Group Condensed" panose="020B0606020202020204" pitchFamily="34" charset="0"/>
+            </a:endParaRPr>
           </a:p>
           <a:p>
             <a:pPr algn="l" rtl="0" eaLnBrk="1" fontAlgn="auto" hangingPunct="1">
@@ -27720,6 +28059,12 @@
               </a:rPr>
               <a:t>在交叉口出现路权冲突</a:t>
             </a:r>
+            <a:endParaRPr lang="zh-CN" altLang="en-US" sz="1800" b="0" i="0" u="none" baseline="0" dirty="0">
+              <a:solidFill>
+                <a:srgbClr val="000000"/>
+              </a:solidFill>
+              <a:latin typeface="BMW Group Condensed" panose="020B0606020202020204" pitchFamily="34" charset="0"/>
+            </a:endParaRPr>
           </a:p>
         </p:txBody>
       </p:sp>
@@ -27767,6 +28112,7 @@
               <a:rPr lang="zh-CN" altLang="en-US"/>
               <a:t>三、存在问题</a:t>
             </a:r>
+            <a:endParaRPr lang="zh-CN" altLang="en-US"/>
           </a:p>
         </p:txBody>
       </p:sp>
@@ -27806,7 +28152,6 @@
           <a:p>
             <a:fld id="{AA807A42-CF27-4B84-8583-18EBE418342E}" type="slidenum">
               <a:rPr lang="de-DE" smtClean="0"/>
-              <a:t>14</a:t>
             </a:fld>
             <a:endParaRPr lang="de-DE" dirty="0"/>
           </a:p>
@@ -27823,7 +28168,7 @@
           </p:nvPr>
         </p:nvPicPr>
         <p:blipFill>
-          <a:blip r:embed="rId2"/>
+          <a:blip r:embed="rId1"/>
           <a:stretch>
             <a:fillRect/>
           </a:stretch>
@@ -27881,6 +28226,13 @@
               </a:rPr>
               <a:t>还是模型训练没有效果</a:t>
             </a:r>
+            <a:endParaRPr lang="zh-CN" altLang="en-US" sz="2000" b="0" i="0" u="none" baseline="0" dirty="0">
+              <a:solidFill>
+                <a:srgbClr val="000000"/>
+              </a:solidFill>
+              <a:latin typeface="微软雅黑" panose="020B0503020204020204" pitchFamily="34" charset="-122"/>
+              <a:ea typeface="微软雅黑" panose="020B0503020204020204" pitchFamily="34" charset="-122"/>
+            </a:endParaRPr>
           </a:p>
           <a:p>
             <a:pPr algn="l" rtl="0" eaLnBrk="1" fontAlgn="auto" hangingPunct="1">
@@ -27904,6 +28256,13 @@
               </a:rPr>
               <a:t>发现智能体不会自动加减速来避让</a:t>
             </a:r>
+            <a:endParaRPr lang="zh-CN" altLang="en-US" sz="2000" b="0" i="0" u="none" baseline="0" dirty="0">
+              <a:solidFill>
+                <a:srgbClr val="000000"/>
+              </a:solidFill>
+              <a:latin typeface="微软雅黑" panose="020B0503020204020204" pitchFamily="34" charset="-122"/>
+              <a:ea typeface="微软雅黑" panose="020B0503020204020204" pitchFamily="34" charset="-122"/>
+            </a:endParaRPr>
           </a:p>
           <a:p>
             <a:pPr algn="l" rtl="0" eaLnBrk="1" fontAlgn="auto" hangingPunct="1">
@@ -27947,6 +28306,13 @@
               </a:rPr>
               <a:t>匀速通过</a:t>
             </a:r>
+            <a:endParaRPr lang="zh-CN" altLang="en-US" sz="2000" b="0" i="0" u="none" baseline="0" dirty="0">
+              <a:solidFill>
+                <a:srgbClr val="000000"/>
+              </a:solidFill>
+              <a:latin typeface="微软雅黑" panose="020B0503020204020204" pitchFamily="34" charset="-122"/>
+              <a:ea typeface="微软雅黑" panose="020B0503020204020204" pitchFamily="34" charset="-122"/>
+            </a:endParaRPr>
           </a:p>
           <a:p>
             <a:pPr algn="l" rtl="0" eaLnBrk="1" fontAlgn="auto" hangingPunct="1">
@@ -27983,13 +28349,7 @@
   <p:cSld>
     <p:spTree>
       <p:nvGrpSpPr>
-        <p:cNvPr id="1" name="">
-          <a:extLst>
-            <a:ext uri="{FF2B5EF4-FFF2-40B4-BE49-F238E27FC236}">
-              <a16:creationId xmlns:a16="http://schemas.microsoft.com/office/drawing/2014/main" id="{B45ECF87-DCAB-33EE-09E9-9602DFB3BFE6}"/>
-            </a:ext>
-          </a:extLst>
-        </p:cNvPr>
+        <p:cNvPr id="1" name=""/>
         <p:cNvGrpSpPr/>
         <p:nvPr/>
       </p:nvGrpSpPr>
@@ -28003,13 +28363,7 @@
       </p:grpSpPr>
       <p:sp>
         <p:nvSpPr>
-          <p:cNvPr id="4" name="文本框 3">
-            <a:extLst>
-              <a:ext uri="{FF2B5EF4-FFF2-40B4-BE49-F238E27FC236}">
-                <a16:creationId xmlns:a16="http://schemas.microsoft.com/office/drawing/2014/main" id="{F9FAEAE4-9A6B-01FF-3C3A-FD8AC699B9E1}"/>
-              </a:ext>
-            </a:extLst>
-          </p:cNvPr>
+          <p:cNvPr id="4" name="文本框 3"/>
           <p:cNvSpPr txBox="1"/>
           <p:nvPr/>
         </p:nvSpPr>
@@ -28034,18 +28388,13 @@
               <a:rPr lang="en-US" altLang="zh-CN" sz="2665" dirty="0"/>
               <a:t>01</a:t>
             </a:r>
+            <a:endParaRPr lang="en-US" altLang="zh-CN" sz="2665" dirty="0"/>
           </a:p>
         </p:txBody>
       </p:sp>
       <p:sp>
         <p:nvSpPr>
-          <p:cNvPr id="3" name="标题 2">
-            <a:extLst>
-              <a:ext uri="{FF2B5EF4-FFF2-40B4-BE49-F238E27FC236}">
-                <a16:creationId xmlns:a16="http://schemas.microsoft.com/office/drawing/2014/main" id="{84A4F27D-F47F-200C-55F6-CE9F846A61CB}"/>
-              </a:ext>
-            </a:extLst>
-          </p:cNvPr>
+          <p:cNvPr id="3" name="标题 2"/>
           <p:cNvSpPr>
             <a:spLocks noGrp="1"/>
           </p:cNvSpPr>
@@ -28071,24 +28420,20 @@
               <a:rPr lang="zh-CN" altLang="en-US" dirty="0"/>
               <a:t>组会</a:t>
             </a:r>
+            <a:endParaRPr lang="zh-CN" altLang="en-US" dirty="0"/>
           </a:p>
         </p:txBody>
       </p:sp>
     </p:spTree>
-    <p:extLst>
-      <p:ext uri="{BB962C8B-B14F-4D97-AF65-F5344CB8AC3E}">
-        <p14:creationId xmlns:p14="http://schemas.microsoft.com/office/powerpoint/2010/main" val="153670467"/>
-      </p:ext>
-    </p:extLst>
   </p:cSld>
   <p:clrMapOvr>
     <a:masterClrMapping/>
   </p:clrMapOvr>
-  <mc:AlternateContent xmlns:mc="http://schemas.openxmlformats.org/markup-compatibility/2006" xmlns:p14="http://schemas.microsoft.com/office/powerpoint/2010/main">
-    <mc:Choice Requires="p14">
+  <mc:AlternateContent xmlns:mc="http://schemas.openxmlformats.org/markup-compatibility/2006">
+    <mc:Choice xmlns:p14="http://schemas.microsoft.com/office/powerpoint/2010/main" Requires="p14">
       <p:transition spd="slow" p14:dur="2000" advTm="8329"/>
     </mc:Choice>
-    <mc:Fallback xmlns="">
+    <mc:Fallback>
       <p:transition spd="slow" advTm="8329"/>
     </mc:Fallback>
   </mc:AlternateContent>
@@ -28100,13 +28445,7 @@
   <p:cSld>
     <p:spTree>
       <p:nvGrpSpPr>
-        <p:cNvPr id="1" name="">
-          <a:extLst>
-            <a:ext uri="{FF2B5EF4-FFF2-40B4-BE49-F238E27FC236}">
-              <a16:creationId xmlns:a16="http://schemas.microsoft.com/office/drawing/2014/main" id="{2D3E11E3-32B3-C8C6-152A-4A45F259AB0B}"/>
-            </a:ext>
-          </a:extLst>
-        </p:cNvPr>
+        <p:cNvPr id="1" name=""/>
         <p:cNvGrpSpPr/>
         <p:nvPr/>
       </p:nvGrpSpPr>
@@ -28120,13 +28459,7 @@
       </p:grpSpPr>
       <p:sp>
         <p:nvSpPr>
-          <p:cNvPr id="2" name="标题 1">
-            <a:extLst>
-              <a:ext uri="{FF2B5EF4-FFF2-40B4-BE49-F238E27FC236}">
-                <a16:creationId xmlns:a16="http://schemas.microsoft.com/office/drawing/2014/main" id="{F65B8201-9717-7E94-BD3A-0DD2A9138D71}"/>
-              </a:ext>
-            </a:extLst>
-          </p:cNvPr>
+          <p:cNvPr id="2" name="标题 1"/>
           <p:cNvSpPr>
             <a:spLocks noGrp="1"/>
           </p:cNvSpPr>
@@ -28153,18 +28486,15 @@
               </a:rPr>
               <a:t>）</a:t>
             </a:r>
+            <a:endParaRPr lang="zh-CN" altLang="en-US" dirty="0">
+              <a:ea typeface="宋体" panose="02010600030101010101" pitchFamily="2" charset="-122"/>
+            </a:endParaRPr>
           </a:p>
         </p:txBody>
       </p:sp>
       <p:sp>
         <p:nvSpPr>
-          <p:cNvPr id="3" name="内容占位符 2">
-            <a:extLst>
-              <a:ext uri="{FF2B5EF4-FFF2-40B4-BE49-F238E27FC236}">
-                <a16:creationId xmlns:a16="http://schemas.microsoft.com/office/drawing/2014/main" id="{252221BB-F922-79FF-5BC4-853644B52A02}"/>
-              </a:ext>
-            </a:extLst>
-          </p:cNvPr>
+          <p:cNvPr id="3" name="内容占位符 2"/>
           <p:cNvSpPr>
             <a:spLocks noGrp="1"/>
           </p:cNvSpPr>
@@ -28193,7 +28523,7 @@
                 <a:cs typeface="Times New Roman" panose="02020603050405020304" pitchFamily="18" charset="0"/>
                 <a:sym typeface="+mn-ea"/>
               </a:rPr>
-              <a:t>单智能体强化学习代码进一步修改，训练模型</a:t>
+              <a:t>单智能体强化学习代码进一步修改，训练模型。</a:t>
             </a:r>
             <a:endParaRPr lang="zh-CN" altLang="en-US" sz="2000" dirty="0">
               <a:solidFill>
@@ -28214,13 +28544,7 @@
       </p:sp>
       <p:sp>
         <p:nvSpPr>
-          <p:cNvPr id="4" name="文本占位符 3">
-            <a:extLst>
-              <a:ext uri="{FF2B5EF4-FFF2-40B4-BE49-F238E27FC236}">
-                <a16:creationId xmlns:a16="http://schemas.microsoft.com/office/drawing/2014/main" id="{5AAA3033-5F8C-6CB7-6ED8-9B3251E95A40}"/>
-              </a:ext>
-            </a:extLst>
-          </p:cNvPr>
+          <p:cNvPr id="4" name="文本占位符 3"/>
           <p:cNvSpPr>
             <a:spLocks noGrp="1"/>
           </p:cNvSpPr>
@@ -28239,13 +28563,7 @@
       </p:sp>
       <p:sp>
         <p:nvSpPr>
-          <p:cNvPr id="5" name="文本占位符 4">
-            <a:extLst>
-              <a:ext uri="{FF2B5EF4-FFF2-40B4-BE49-F238E27FC236}">
-                <a16:creationId xmlns:a16="http://schemas.microsoft.com/office/drawing/2014/main" id="{381DB451-9D24-B5DD-AD38-2A5265E3199E}"/>
-              </a:ext>
-            </a:extLst>
-          </p:cNvPr>
+          <p:cNvPr id="5" name="文本占位符 4"/>
           <p:cNvSpPr>
             <a:spLocks noGrp="1"/>
           </p:cNvSpPr>
@@ -28264,13 +28582,7 @@
       </p:sp>
       <p:sp>
         <p:nvSpPr>
-          <p:cNvPr id="6" name="灯片编号占位符 5">
-            <a:extLst>
-              <a:ext uri="{FF2B5EF4-FFF2-40B4-BE49-F238E27FC236}">
-                <a16:creationId xmlns:a16="http://schemas.microsoft.com/office/drawing/2014/main" id="{43472530-B7E5-45E2-EE54-C84FA0C7DBF9}"/>
-              </a:ext>
-            </a:extLst>
-          </p:cNvPr>
+          <p:cNvPr id="6" name="灯片编号占位符 5"/>
           <p:cNvSpPr>
             <a:spLocks noGrp="1"/>
           </p:cNvSpPr>
@@ -28285,18 +28597,12 @@
           <a:p>
             <a:fld id="{AA807A42-CF27-4B84-8583-18EBE418342E}" type="slidenum">
               <a:rPr lang="de-DE" smtClean="0"/>
-              <a:t>16</a:t>
             </a:fld>
             <a:endParaRPr lang="de-DE" dirty="0"/>
           </a:p>
         </p:txBody>
       </p:sp>
     </p:spTree>
-    <p:extLst>
-      <p:ext uri="{BB962C8B-B14F-4D97-AF65-F5344CB8AC3E}">
-        <p14:creationId xmlns:p14="http://schemas.microsoft.com/office/powerpoint/2010/main" val="2048607165"/>
-      </p:ext>
-    </p:extLst>
   </p:cSld>
   <p:clrMapOvr>
     <a:masterClrMapping/>
@@ -28309,13 +28615,7 @@
   <p:cSld>
     <p:spTree>
       <p:nvGrpSpPr>
-        <p:cNvPr id="1" name="">
-          <a:extLst>
-            <a:ext uri="{FF2B5EF4-FFF2-40B4-BE49-F238E27FC236}">
-              <a16:creationId xmlns:a16="http://schemas.microsoft.com/office/drawing/2014/main" id="{DD635DF5-5249-7B20-00DB-1228754BEC44}"/>
-            </a:ext>
-          </a:extLst>
-        </p:cNvPr>
+        <p:cNvPr id="1" name=""/>
         <p:cNvGrpSpPr/>
         <p:nvPr/>
       </p:nvGrpSpPr>
@@ -28329,20 +28629,14 @@
       </p:grpSpPr>
       <p:pic>
         <p:nvPicPr>
-          <p:cNvPr id="23" name="图片 22">
-            <a:extLst>
-              <a:ext uri="{FF2B5EF4-FFF2-40B4-BE49-F238E27FC236}">
-                <a16:creationId xmlns:a16="http://schemas.microsoft.com/office/drawing/2014/main" id="{DBD7686F-7361-70C8-7E5B-393834FEB6FD}"/>
-              </a:ext>
-            </a:extLst>
-          </p:cNvPr>
+          <p:cNvPr id="23" name="图片 22"/>
           <p:cNvPicPr>
             <a:picLocks noChangeAspect="1"/>
           </p:cNvPicPr>
           <p:nvPr/>
         </p:nvPicPr>
         <p:blipFill>
-          <a:blip r:embed="rId2"/>
+          <a:blip r:embed="rId1"/>
           <a:stretch>
             <a:fillRect/>
           </a:stretch>
@@ -28359,13 +28653,7 @@
       </p:pic>
       <p:sp>
         <p:nvSpPr>
-          <p:cNvPr id="2" name="标题 1">
-            <a:extLst>
-              <a:ext uri="{FF2B5EF4-FFF2-40B4-BE49-F238E27FC236}">
-                <a16:creationId xmlns:a16="http://schemas.microsoft.com/office/drawing/2014/main" id="{638D8CC9-A4B3-D38C-85FF-CA8BAF24ABCF}"/>
-              </a:ext>
-            </a:extLst>
-          </p:cNvPr>
+          <p:cNvPr id="2" name="标题 1"/>
           <p:cNvSpPr>
             <a:spLocks noGrp="1"/>
           </p:cNvSpPr>
@@ -28382,18 +28670,13 @@
               <a:rPr lang="zh-CN" altLang="en-US"/>
               <a:t>二、完成情况</a:t>
             </a:r>
+            <a:endParaRPr lang="zh-CN" altLang="en-US"/>
           </a:p>
         </p:txBody>
       </p:sp>
       <p:sp>
         <p:nvSpPr>
-          <p:cNvPr id="5" name="文本占位符 4">
-            <a:extLst>
-              <a:ext uri="{FF2B5EF4-FFF2-40B4-BE49-F238E27FC236}">
-                <a16:creationId xmlns:a16="http://schemas.microsoft.com/office/drawing/2014/main" id="{1758CE15-BF10-F958-930C-29F3DE10386D}"/>
-              </a:ext>
-            </a:extLst>
-          </p:cNvPr>
+          <p:cNvPr id="5" name="文本占位符 4"/>
           <p:cNvSpPr>
             <a:spLocks noGrp="1"/>
           </p:cNvSpPr>
@@ -28412,13 +28695,7 @@
       </p:sp>
       <p:sp>
         <p:nvSpPr>
-          <p:cNvPr id="6" name="灯片编号占位符 5">
-            <a:extLst>
-              <a:ext uri="{FF2B5EF4-FFF2-40B4-BE49-F238E27FC236}">
-                <a16:creationId xmlns:a16="http://schemas.microsoft.com/office/drawing/2014/main" id="{0ADF92F6-19A0-2EAA-A381-32A3695A28DF}"/>
-              </a:ext>
-            </a:extLst>
-          </p:cNvPr>
+          <p:cNvPr id="6" name="灯片编号占位符 5"/>
           <p:cNvSpPr>
             <a:spLocks noGrp="1"/>
           </p:cNvSpPr>
@@ -28433,7 +28710,6 @@
           <a:p>
             <a:fld id="{AA807A42-CF27-4B84-8583-18EBE418342E}" type="slidenum">
               <a:rPr lang="de-DE" smtClean="0"/>
-              <a:t>17</a:t>
             </a:fld>
             <a:endParaRPr lang="de-DE" dirty="0"/>
           </a:p>
@@ -28441,13 +28717,7 @@
       </p:sp>
       <p:sp>
         <p:nvSpPr>
-          <p:cNvPr id="12" name="矩形 11">
-            <a:extLst>
-              <a:ext uri="{FF2B5EF4-FFF2-40B4-BE49-F238E27FC236}">
-                <a16:creationId xmlns:a16="http://schemas.microsoft.com/office/drawing/2014/main" id="{5C209C02-54E6-5A6A-E1A5-9BDEF57D4873}"/>
-              </a:ext>
-            </a:extLst>
-          </p:cNvPr>
+          <p:cNvPr id="12" name="矩形 11"/>
           <p:cNvSpPr/>
           <p:nvPr/>
         </p:nvSpPr>
@@ -28638,20 +28908,14 @@
       </p:sp>
       <p:pic>
         <p:nvPicPr>
-          <p:cNvPr id="4" name="图片 3">
-            <a:extLst>
-              <a:ext uri="{FF2B5EF4-FFF2-40B4-BE49-F238E27FC236}">
-                <a16:creationId xmlns:a16="http://schemas.microsoft.com/office/drawing/2014/main" id="{A9B27F98-6EFA-9854-9415-39E614014F8B}"/>
-              </a:ext>
-            </a:extLst>
-          </p:cNvPr>
+          <p:cNvPr id="4" name="图片 3"/>
           <p:cNvPicPr>
             <a:picLocks noChangeAspect="1"/>
           </p:cNvPicPr>
           <p:nvPr/>
         </p:nvPicPr>
         <p:blipFill>
-          <a:blip r:embed="rId3"/>
+          <a:blip r:embed="rId2"/>
           <a:stretch>
             <a:fillRect/>
           </a:stretch>
@@ -28668,13 +28932,7 @@
       </p:pic>
       <p:sp>
         <p:nvSpPr>
-          <p:cNvPr id="11" name="矩形 10">
-            <a:extLst>
-              <a:ext uri="{FF2B5EF4-FFF2-40B4-BE49-F238E27FC236}">
-                <a16:creationId xmlns:a16="http://schemas.microsoft.com/office/drawing/2014/main" id="{5525FF38-E6E3-7467-9D19-160BF339207A}"/>
-              </a:ext>
-            </a:extLst>
-          </p:cNvPr>
+          <p:cNvPr id="11" name="矩形 10"/>
           <p:cNvSpPr/>
           <p:nvPr/>
         </p:nvSpPr>
@@ -28735,13 +28993,7 @@
       </p:sp>
       <p:sp>
         <p:nvSpPr>
-          <p:cNvPr id="13" name="矩形 12">
-            <a:extLst>
-              <a:ext uri="{FF2B5EF4-FFF2-40B4-BE49-F238E27FC236}">
-                <a16:creationId xmlns:a16="http://schemas.microsoft.com/office/drawing/2014/main" id="{B472E092-1C6C-6529-12AA-45A581C40345}"/>
-              </a:ext>
-            </a:extLst>
-          </p:cNvPr>
+          <p:cNvPr id="13" name="矩形 12"/>
           <p:cNvSpPr/>
           <p:nvPr/>
         </p:nvSpPr>
@@ -28802,15 +29054,8 @@
       </p:sp>
       <p:cxnSp>
         <p:nvCxnSpPr>
-          <p:cNvPr id="16" name="直接箭头连接符 15">
-            <a:extLst>
-              <a:ext uri="{FF2B5EF4-FFF2-40B4-BE49-F238E27FC236}">
-                <a16:creationId xmlns:a16="http://schemas.microsoft.com/office/drawing/2014/main" id="{31AB7FC3-AA55-A7FE-4D50-155F38721401}"/>
-              </a:ext>
-            </a:extLst>
-          </p:cNvPr>
+          <p:cNvPr id="16" name="直接箭头连接符 15"/>
           <p:cNvCxnSpPr>
-            <a:cxnSpLocks/>
             <a:stCxn id="11" idx="3"/>
           </p:cNvCxnSpPr>
           <p:nvPr/>
@@ -28847,16 +29092,8 @@
       </p:cxnSp>
       <p:cxnSp>
         <p:nvCxnSpPr>
-          <p:cNvPr id="18" name="直接箭头连接符 17">
-            <a:extLst>
-              <a:ext uri="{FF2B5EF4-FFF2-40B4-BE49-F238E27FC236}">
-                <a16:creationId xmlns:a16="http://schemas.microsoft.com/office/drawing/2014/main" id="{4855AC90-471A-95AE-13C2-5AD10E6DD66B}"/>
-              </a:ext>
-            </a:extLst>
-          </p:cNvPr>
-          <p:cNvCxnSpPr>
-            <a:cxnSpLocks/>
-          </p:cNvCxnSpPr>
+          <p:cNvPr id="18" name="直接箭头连接符 17"/>
+          <p:cNvCxnSpPr/>
           <p:nvPr/>
         </p:nvCxnSpPr>
         <p:spPr>
@@ -28891,13 +29128,7 @@
       </p:cxnSp>
       <p:sp>
         <p:nvSpPr>
-          <p:cNvPr id="21" name="矩形 20">
-            <a:extLst>
-              <a:ext uri="{FF2B5EF4-FFF2-40B4-BE49-F238E27FC236}">
-                <a16:creationId xmlns:a16="http://schemas.microsoft.com/office/drawing/2014/main" id="{7A374ADC-F6C2-CE6D-2E85-C181CD9D7D45}"/>
-              </a:ext>
-            </a:extLst>
-          </p:cNvPr>
+          <p:cNvPr id="21" name="矩形 20"/>
           <p:cNvSpPr/>
           <p:nvPr/>
         </p:nvSpPr>
@@ -28958,16 +29189,8 @@
       </p:sp>
       <p:cxnSp>
         <p:nvCxnSpPr>
-          <p:cNvPr id="25" name="直接箭头连接符 24">
-            <a:extLst>
-              <a:ext uri="{FF2B5EF4-FFF2-40B4-BE49-F238E27FC236}">
-                <a16:creationId xmlns:a16="http://schemas.microsoft.com/office/drawing/2014/main" id="{1859DB66-8BCA-C93A-B137-027BBE98E213}"/>
-              </a:ext>
-            </a:extLst>
-          </p:cNvPr>
-          <p:cNvCxnSpPr>
-            <a:cxnSpLocks/>
-          </p:cNvCxnSpPr>
+          <p:cNvPr id="25" name="直接箭头连接符 24"/>
+          <p:cNvCxnSpPr/>
           <p:nvPr/>
         </p:nvCxnSpPr>
         <p:spPr>
@@ -29002,13 +29225,7 @@
       </p:cxnSp>
       <p:sp>
         <p:nvSpPr>
-          <p:cNvPr id="28" name="文本框 27">
-            <a:extLst>
-              <a:ext uri="{FF2B5EF4-FFF2-40B4-BE49-F238E27FC236}">
-                <a16:creationId xmlns:a16="http://schemas.microsoft.com/office/drawing/2014/main" id="{713D0902-856C-6024-00AC-47F23E36315D}"/>
-              </a:ext>
-            </a:extLst>
-          </p:cNvPr>
+          <p:cNvPr id="28" name="文本框 27"/>
           <p:cNvSpPr txBox="1"/>
           <p:nvPr/>
         </p:nvSpPr>
@@ -29061,6 +29278,14 @@
               </a:rPr>
               <a:t>[0, 1]</a:t>
             </a:r>
+            <a:endParaRPr lang="en-US" altLang="zh-CN" sz="2000" dirty="0">
+              <a:solidFill>
+                <a:srgbClr val="000000"/>
+              </a:solidFill>
+              <a:latin typeface="Times New Roman" panose="02020603050405020304" pitchFamily="18" charset="0"/>
+              <a:ea typeface="宋体" panose="02010600030101010101" pitchFamily="2" charset="-122"/>
+              <a:cs typeface="Times New Roman" panose="02020603050405020304" pitchFamily="18" charset="0"/>
+            </a:endParaRPr>
           </a:p>
           <a:p>
             <a:pPr>
@@ -29101,6 +29326,14 @@
               </a:rPr>
               <a:t>[-1, 1]</a:t>
             </a:r>
+            <a:endParaRPr lang="en-US" altLang="zh-CN" sz="2000" dirty="0">
+              <a:solidFill>
+                <a:srgbClr val="000000"/>
+              </a:solidFill>
+              <a:latin typeface="Times New Roman" panose="02020603050405020304" pitchFamily="18" charset="0"/>
+              <a:ea typeface="宋体" panose="02010600030101010101" pitchFamily="2" charset="-122"/>
+              <a:cs typeface="Times New Roman" panose="02020603050405020304" pitchFamily="18" charset="0"/>
+            </a:endParaRPr>
           </a:p>
           <a:p>
             <a:pPr rtl="0" eaLnBrk="1" fontAlgn="auto" hangingPunct="1">
@@ -29138,13 +29371,7 @@
       </p:sp>
       <p:sp>
         <p:nvSpPr>
-          <p:cNvPr id="29" name="文本框 28">
-            <a:extLst>
-              <a:ext uri="{FF2B5EF4-FFF2-40B4-BE49-F238E27FC236}">
-                <a16:creationId xmlns:a16="http://schemas.microsoft.com/office/drawing/2014/main" id="{F8D08361-522D-7883-F25C-7CD0F4401086}"/>
-              </a:ext>
-            </a:extLst>
-          </p:cNvPr>
+          <p:cNvPr id="29" name="文本框 28"/>
           <p:cNvSpPr txBox="1"/>
           <p:nvPr/>
         </p:nvSpPr>
@@ -29295,15 +29522,18 @@
               </a:rPr>
               <a:t>，停车时会给予惩罚。</a:t>
             </a:r>
+            <a:endParaRPr lang="zh-CN" altLang="en-US" sz="2000" b="0" i="0" u="none" baseline="0" dirty="0">
+              <a:solidFill>
+                <a:srgbClr val="000000"/>
+              </a:solidFill>
+              <a:latin typeface="Times New Roman" panose="02020603050405020304" pitchFamily="18" charset="0"/>
+              <a:ea typeface="宋体" panose="02010600030101010101" pitchFamily="2" charset="-122"/>
+              <a:cs typeface="Times New Roman" panose="02020603050405020304" pitchFamily="18" charset="0"/>
+            </a:endParaRPr>
           </a:p>
         </p:txBody>
       </p:sp>
     </p:spTree>
-    <p:extLst>
-      <p:ext uri="{BB962C8B-B14F-4D97-AF65-F5344CB8AC3E}">
-        <p14:creationId xmlns:p14="http://schemas.microsoft.com/office/powerpoint/2010/main" val="2940116186"/>
-      </p:ext>
-    </p:extLst>
   </p:cSld>
   <p:clrMapOvr>
     <a:masterClrMapping/>
@@ -29316,13 +29546,7 @@
   <p:cSld>
     <p:spTree>
       <p:nvGrpSpPr>
-        <p:cNvPr id="1" name="">
-          <a:extLst>
-            <a:ext uri="{FF2B5EF4-FFF2-40B4-BE49-F238E27FC236}">
-              <a16:creationId xmlns:a16="http://schemas.microsoft.com/office/drawing/2014/main" id="{37B13967-74AD-2B7D-D9B0-5794D9C8DAC0}"/>
-            </a:ext>
-          </a:extLst>
-        </p:cNvPr>
+        <p:cNvPr id="1" name=""/>
         <p:cNvGrpSpPr/>
         <p:nvPr/>
       </p:nvGrpSpPr>
@@ -29336,13 +29560,7 @@
       </p:grpSpPr>
       <p:sp>
         <p:nvSpPr>
-          <p:cNvPr id="2" name="标题 1">
-            <a:extLst>
-              <a:ext uri="{FF2B5EF4-FFF2-40B4-BE49-F238E27FC236}">
-                <a16:creationId xmlns:a16="http://schemas.microsoft.com/office/drawing/2014/main" id="{E5FF5F21-8889-0AAE-8EA0-4A0C15C06DD4}"/>
-              </a:ext>
-            </a:extLst>
-          </p:cNvPr>
+          <p:cNvPr id="2" name="标题 1"/>
           <p:cNvSpPr>
             <a:spLocks noGrp="1"/>
           </p:cNvSpPr>
@@ -29359,18 +29577,13 @@
               <a:rPr lang="zh-CN" altLang="en-US"/>
               <a:t>二、完成情况</a:t>
             </a:r>
+            <a:endParaRPr lang="zh-CN" altLang="en-US"/>
           </a:p>
         </p:txBody>
       </p:sp>
       <p:sp>
         <p:nvSpPr>
-          <p:cNvPr id="5" name="文本占位符 4">
-            <a:extLst>
-              <a:ext uri="{FF2B5EF4-FFF2-40B4-BE49-F238E27FC236}">
-                <a16:creationId xmlns:a16="http://schemas.microsoft.com/office/drawing/2014/main" id="{E6728529-8AE9-899E-6D0A-C814D32FE1E1}"/>
-              </a:ext>
-            </a:extLst>
-          </p:cNvPr>
+          <p:cNvPr id="5" name="文本占位符 4"/>
           <p:cNvSpPr>
             <a:spLocks noGrp="1"/>
           </p:cNvSpPr>
@@ -29389,13 +29602,7 @@
       </p:sp>
       <p:sp>
         <p:nvSpPr>
-          <p:cNvPr id="6" name="灯片编号占位符 5">
-            <a:extLst>
-              <a:ext uri="{FF2B5EF4-FFF2-40B4-BE49-F238E27FC236}">
-                <a16:creationId xmlns:a16="http://schemas.microsoft.com/office/drawing/2014/main" id="{19B01AEB-C68F-2CE3-19A6-6471B7B10B73}"/>
-              </a:ext>
-            </a:extLst>
-          </p:cNvPr>
+          <p:cNvPr id="6" name="灯片编号占位符 5"/>
           <p:cNvSpPr>
             <a:spLocks noGrp="1"/>
           </p:cNvSpPr>
@@ -29410,7 +29617,6 @@
           <a:p>
             <a:fld id="{AA807A42-CF27-4B84-8583-18EBE418342E}" type="slidenum">
               <a:rPr lang="de-DE" smtClean="0"/>
-              <a:t>18</a:t>
             </a:fld>
             <a:endParaRPr lang="de-DE" dirty="0"/>
           </a:p>
@@ -29418,13 +29624,7 @@
       </p:sp>
       <p:sp>
         <p:nvSpPr>
-          <p:cNvPr id="12" name="矩形 11">
-            <a:extLst>
-              <a:ext uri="{FF2B5EF4-FFF2-40B4-BE49-F238E27FC236}">
-                <a16:creationId xmlns:a16="http://schemas.microsoft.com/office/drawing/2014/main" id="{D2099EC5-BB22-72BA-BDB8-B8E381931D26}"/>
-              </a:ext>
-            </a:extLst>
-          </p:cNvPr>
+          <p:cNvPr id="12" name="矩形 11"/>
           <p:cNvSpPr/>
           <p:nvPr/>
         </p:nvSpPr>
@@ -29615,17 +29815,44 @@
       </p:sp>
       <p:pic>
         <p:nvPicPr>
-          <p:cNvPr id="13" name="图片 12">
-            <a:extLst>
-              <a:ext uri="{FF2B5EF4-FFF2-40B4-BE49-F238E27FC236}">
-                <a16:creationId xmlns:a16="http://schemas.microsoft.com/office/drawing/2014/main" id="{F50D0398-655D-3B31-82CE-801189BBAFDE}"/>
-              </a:ext>
-            </a:extLst>
+          <p:cNvPr id="13" name="图片 12"/>
+          <p:cNvPicPr>
+            <a:picLocks noChangeAspect="1"/>
+          </p:cNvPicPr>
+          <p:nvPr/>
+        </p:nvPicPr>
+        <p:blipFill>
+          <a:blip r:embed="rId1"/>
+          <a:stretch>
+            <a:fillRect/>
+          </a:stretch>
+        </p:blipFill>
+        <p:spPr>
+          <a:xfrm>
+            <a:off x="222736" y="2766797"/>
+            <a:ext cx="6634329" cy="2823915"/>
+          </a:xfrm>
+          <a:prstGeom prst="rect">
+            <a:avLst/>
+          </a:prstGeom>
+        </p:spPr>
+      </p:pic>
+      <p:pic>
+        <p:nvPicPr>
+          <p:cNvPr id="14" name="7e84bb5af1f11d5d817f0e3e3d6569dd">
+            <a:hlinkClick r:id="" action="ppaction://media"/>
           </p:cNvPr>
           <p:cNvPicPr>
             <a:picLocks noChangeAspect="1"/>
           </p:cNvPicPr>
-          <p:nvPr/>
+          <p:nvPr>
+            <a:videoFile r:link="rId2"/>
+            <p:extLst>
+              <p:ext uri="{DAA4B4D4-6D71-4841-9C94-3DE7FCFB9230}">
+                <p14:media xmlns:p14="http://schemas.microsoft.com/office/powerpoint/2010/main" r:embed="rId3"/>
+              </p:ext>
+            </p:extLst>
+          </p:nvPr>
         </p:nvPicPr>
         <p:blipFill>
           <a:blip r:embed="rId4"/>
@@ -29635,61 +29862,17 @@
         </p:blipFill>
         <p:spPr>
           <a:xfrm>
-            <a:off x="222736" y="2766797"/>
-            <a:ext cx="6634329" cy="2823915"/>
+            <a:off x="7519702" y="1767365"/>
+            <a:ext cx="4572000" cy="4572000"/>
           </a:xfrm>
           <a:prstGeom prst="rect">
             <a:avLst/>
           </a:prstGeom>
         </p:spPr>
       </p:pic>
-      <p:pic>
-        <p:nvPicPr>
-          <p:cNvPr id="14" name="7e84bb5af1f11d5d817f0e3e3d6569dd">
-            <a:hlinkClick r:id="" action="ppaction://media"/>
-            <a:extLst>
-              <a:ext uri="{FF2B5EF4-FFF2-40B4-BE49-F238E27FC236}">
-                <a16:creationId xmlns:a16="http://schemas.microsoft.com/office/drawing/2014/main" id="{3CB717DD-FE1A-2C16-27CE-5DCB1E03549D}"/>
-              </a:ext>
-            </a:extLst>
-          </p:cNvPr>
-          <p:cNvPicPr>
-            <a:picLocks noChangeAspect="1"/>
-          </p:cNvPicPr>
-          <p:nvPr>
-            <a:videoFile r:link="rId2"/>
-            <p:extLst>
-              <p:ext uri="{DAA4B4D4-6D71-4841-9C94-3DE7FCFB9230}">
-                <p14:media xmlns:p14="http://schemas.microsoft.com/office/powerpoint/2010/main" r:embed="rId1"/>
-              </p:ext>
-            </p:extLst>
-          </p:nvPr>
-        </p:nvPicPr>
-        <p:blipFill>
-          <a:blip r:embed="rId5"/>
-          <a:stretch>
-            <a:fillRect/>
-          </a:stretch>
-        </p:blipFill>
-        <p:spPr>
-          <a:xfrm>
-            <a:off x="7519702" y="1767365"/>
-            <a:ext cx="4572000" cy="4572000"/>
-          </a:xfrm>
-          <a:prstGeom prst="rect">
-            <a:avLst/>
-          </a:prstGeom>
-        </p:spPr>
-      </p:pic>
       <p:sp>
         <p:nvSpPr>
-          <p:cNvPr id="15" name="文本框 14">
-            <a:extLst>
-              <a:ext uri="{FF2B5EF4-FFF2-40B4-BE49-F238E27FC236}">
-                <a16:creationId xmlns:a16="http://schemas.microsoft.com/office/drawing/2014/main" id="{40FEB3E6-E0CE-8E1F-CD0E-0EB6FE48C43D}"/>
-              </a:ext>
-            </a:extLst>
-          </p:cNvPr>
+          <p:cNvPr id="15" name="文本框 14"/>
           <p:cNvSpPr txBox="1"/>
           <p:nvPr/>
         </p:nvSpPr>
@@ -29731,6 +29914,14 @@
               </a:rPr>
               <a:t>episode reward mean</a:t>
             </a:r>
+            <a:endParaRPr lang="en-US" altLang="zh-CN" sz="2400" b="0" i="0" u="none" baseline="0" dirty="0">
+              <a:solidFill>
+                <a:srgbClr val="000000"/>
+              </a:solidFill>
+              <a:latin typeface="Times New Roman" panose="02020603050405020304" pitchFamily="18" charset="0"/>
+              <a:ea typeface="微软雅黑" panose="020B0503020204020204" pitchFamily="34" charset="-122"/>
+              <a:cs typeface="Times New Roman" panose="02020603050405020304" pitchFamily="18" charset="0"/>
+            </a:endParaRPr>
           </a:p>
           <a:p>
             <a:pPr algn="ctr" rtl="0" eaLnBrk="1" fontAlgn="auto" hangingPunct="1">
@@ -29755,15 +29946,18 @@
               </a:rPr>
               <a:t>每个训练周期内奖励的平均值</a:t>
             </a:r>
+            <a:endParaRPr lang="zh-CN" altLang="en-US" sz="2400" b="0" i="0" u="none" baseline="0" dirty="0">
+              <a:solidFill>
+                <a:srgbClr val="000000"/>
+              </a:solidFill>
+              <a:latin typeface="宋体" panose="02010600030101010101" pitchFamily="2" charset="-122"/>
+              <a:ea typeface="宋体" panose="02010600030101010101" pitchFamily="2" charset="-122"/>
+              <a:cs typeface="Times New Roman" panose="02020603050405020304" pitchFamily="18" charset="0"/>
+            </a:endParaRPr>
           </a:p>
         </p:txBody>
       </p:sp>
     </p:spTree>
-    <p:extLst>
-      <p:ext uri="{BB962C8B-B14F-4D97-AF65-F5344CB8AC3E}">
-        <p14:creationId xmlns:p14="http://schemas.microsoft.com/office/powerpoint/2010/main" val="2025879353"/>
-      </p:ext>
-    </p:extLst>
   </p:cSld>
   <p:clrMapOvr>
     <a:masterClrMapping/>
@@ -29948,6 +30142,9 @@
               </a:rPr>
               <a:t>目录</a:t>
             </a:r>
+            <a:endParaRPr lang="zh-CN" altLang="en-US">
+              <a:ea typeface="宋体" panose="02010600030101010101" pitchFamily="2" charset="-122"/>
+            </a:endParaRPr>
           </a:p>
         </p:txBody>
       </p:sp>
@@ -30079,6 +30276,9 @@
               </a:rPr>
               <a:t>下周任务</a:t>
             </a:r>
+            <a:endParaRPr lang="zh-CN" altLang="en-US" sz="3200" b="1" dirty="0">
+              <a:sym typeface="+mn-ea"/>
+            </a:endParaRPr>
           </a:p>
         </p:txBody>
       </p:sp>
@@ -30137,7 +30337,6 @@
           <a:p>
             <a:fld id="{AA807A42-CF27-4B84-8583-18EBE418342E}" type="slidenum">
               <a:rPr lang="de-DE" smtClean="0"/>
-              <a:t>2</a:t>
             </a:fld>
             <a:endParaRPr lang="de-DE" dirty="0"/>
           </a:p>
@@ -30187,6 +30386,7 @@
               <a:rPr lang="zh-CN" altLang="en-US"/>
               <a:t>一、本周任务</a:t>
             </a:r>
+            <a:endParaRPr lang="zh-CN" altLang="en-US"/>
           </a:p>
         </p:txBody>
       </p:sp>
@@ -30222,6 +30422,7 @@
               <a:rPr lang="zh-CN" altLang="en-US" sz="3200" b="1"/>
               <a:t>单智能体强化学习代码</a:t>
             </a:r>
+            <a:endParaRPr lang="zh-CN" altLang="en-US" sz="3200" b="1"/>
           </a:p>
           <a:p>
             <a:pPr marL="0" indent="0" algn="ctr">
@@ -30235,6 +30436,7 @@
               <a:rPr lang="zh-CN" altLang="en-US" sz="3200" b="1"/>
               <a:t>交叉口环境的代码复现</a:t>
             </a:r>
+            <a:endParaRPr lang="zh-CN" altLang="en-US" sz="3200" b="1"/>
           </a:p>
         </p:txBody>
       </p:sp>
@@ -30293,7 +30495,6 @@
           <a:p>
             <a:fld id="{AA807A42-CF27-4B84-8583-18EBE418342E}" type="slidenum">
               <a:rPr lang="de-DE" smtClean="0"/>
-              <a:t>3</a:t>
             </a:fld>
             <a:endParaRPr lang="de-DE" dirty="0"/>
           </a:p>
@@ -30343,6 +30544,7 @@
               <a:rPr lang="zh-CN" altLang="en-US" dirty="0"/>
               <a:t>二、本周任务完成情况</a:t>
             </a:r>
+            <a:endParaRPr lang="zh-CN" altLang="en-US" dirty="0"/>
           </a:p>
         </p:txBody>
       </p:sp>
@@ -30417,6 +30619,20 @@
               </a:rPr>
               <a:t>3</a:t>
             </a:r>
+            <a:endParaRPr kumimoji="0" lang="de-DE" sz="1600" b="0" i="0" u="none" strike="noStrike" kern="1200" cap="none" spc="0" normalizeH="0" baseline="0" noProof="0" dirty="0">
+              <a:ln>
+                <a:noFill/>
+              </a:ln>
+              <a:solidFill>
+                <a:prstClr val="white"/>
+              </a:solidFill>
+              <a:effectLst/>
+              <a:uLnTx/>
+              <a:uFillTx/>
+              <a:latin typeface="BMW Group Condensed"/>
+              <a:ea typeface="+mn-ea"/>
+              <a:cs typeface="+mn-cs"/>
+            </a:endParaRPr>
           </a:p>
         </p:txBody>
       </p:sp>
@@ -30941,7 +31157,7 @@
           <p:nvPr/>
         </p:nvPicPr>
         <p:blipFill>
-          <a:blip r:embed="rId3"/>
+          <a:blip r:embed="rId1"/>
           <a:stretch>
             <a:fillRect/>
           </a:stretch>
@@ -30965,7 +31181,7 @@
           <p:nvPr/>
         </p:nvPicPr>
         <p:blipFill>
-          <a:blip r:embed="rId4"/>
+          <a:blip r:embed="rId2"/>
           <a:stretch>
             <a:fillRect/>
           </a:stretch>
@@ -31024,6 +31240,7 @@
               <a:rPr lang="zh-CN" altLang="en-US" dirty="0"/>
               <a:t>二、本周任务完成情况</a:t>
             </a:r>
+            <a:endParaRPr lang="zh-CN" altLang="en-US" dirty="0"/>
           </a:p>
         </p:txBody>
       </p:sp>
@@ -31098,6 +31315,20 @@
               </a:rPr>
               <a:t>3</a:t>
             </a:r>
+            <a:endParaRPr kumimoji="0" lang="de-DE" sz="1600" b="0" i="0" u="none" strike="noStrike" kern="1200" cap="none" spc="0" normalizeH="0" baseline="0" noProof="0" dirty="0">
+              <a:ln>
+                <a:noFill/>
+              </a:ln>
+              <a:solidFill>
+                <a:prstClr val="white"/>
+              </a:solidFill>
+              <a:effectLst/>
+              <a:uLnTx/>
+              <a:uFillTx/>
+              <a:latin typeface="BMW Group Condensed"/>
+              <a:ea typeface="+mn-ea"/>
+              <a:cs typeface="+mn-cs"/>
+            </a:endParaRPr>
           </a:p>
         </p:txBody>
       </p:sp>
@@ -31358,7 +31589,7 @@
           <p:nvPr/>
         </p:nvPicPr>
         <p:blipFill>
-          <a:blip r:embed="rId3"/>
+          <a:blip r:embed="rId1"/>
           <a:stretch>
             <a:fillRect/>
           </a:stretch>
@@ -31533,6 +31764,14 @@
               </a:rPr>
               <a:t>路上行驶奖励，鼓励车辆保持在道路上，通常为正值。</a:t>
             </a:r>
+            <a:endParaRPr lang="zh-CN" altLang="en-US" b="1" dirty="0">
+              <a:solidFill>
+                <a:srgbClr val="000000"/>
+              </a:solidFill>
+              <a:latin typeface="微软雅黑" panose="020B0503020204020204" pitchFamily="34" charset="-122"/>
+              <a:ea typeface="微软雅黑" panose="020B0503020204020204" pitchFamily="34" charset="-122"/>
+              <a:cs typeface="微软雅黑" panose="020B0503020204020204" pitchFamily="34" charset="-122"/>
+            </a:endParaRPr>
           </a:p>
         </p:txBody>
       </p:sp>
@@ -31580,6 +31819,7 @@
               <a:rPr lang="zh-CN" altLang="en-US"/>
               <a:t>二、本周任务完成情况</a:t>
             </a:r>
+            <a:endParaRPr lang="zh-CN" altLang="en-US"/>
           </a:p>
         </p:txBody>
       </p:sp>
@@ -31594,7 +31834,7 @@
           </p:nvPr>
         </p:nvPicPr>
         <p:blipFill>
-          <a:blip r:embed="rId2"/>
+          <a:blip r:embed="rId1"/>
           <a:stretch>
             <a:fillRect/>
           </a:stretch>
@@ -31640,6 +31880,19 @@
               </a:rPr>
               <a:t>2.2 Intersection环境代码复现</a:t>
             </a:r>
+            <a:endParaRPr lang="en-US" altLang="zh-CN" sz="2400" noProof="0" dirty="0">
+              <a:ln>
+                <a:noFill/>
+              </a:ln>
+              <a:solidFill>
+                <a:schemeClr val="tx1"/>
+              </a:solidFill>
+              <a:effectLst/>
+              <a:uLnTx/>
+              <a:uFillTx/>
+              <a:latin typeface="微软雅黑" panose="020B0503020204020204" pitchFamily="34" charset="-122"/>
+              <a:ea typeface="微软雅黑" panose="020B0503020204020204" pitchFamily="34" charset="-122"/>
+            </a:endParaRPr>
           </a:p>
         </p:txBody>
       </p:sp>
@@ -31679,7 +31932,6 @@
           <a:p>
             <a:fld id="{AA807A42-CF27-4B84-8583-18EBE418342E}" type="slidenum">
               <a:rPr lang="de-DE" smtClean="0"/>
-              <a:t>6</a:t>
             </a:fld>
             <a:endParaRPr lang="de-DE" dirty="0"/>
           </a:p>
@@ -31728,6 +31980,13 @@
               </a:rPr>
               <a:t>交叉口环境设置</a:t>
             </a:r>
+            <a:endParaRPr lang="zh-CN" altLang="en-US" sz="2000" i="0" u="none" baseline="0" dirty="0">
+              <a:solidFill>
+                <a:srgbClr val="000000"/>
+              </a:solidFill>
+              <a:latin typeface="黑体" panose="02010609060101010101" charset="-122"/>
+              <a:ea typeface="黑体" panose="02010609060101010101" charset="-122"/>
+            </a:endParaRPr>
           </a:p>
         </p:txBody>
       </p:sp>
@@ -31774,6 +32033,13 @@
               </a:rPr>
               <a:t>模型训练</a:t>
             </a:r>
+            <a:endParaRPr lang="zh-CN" altLang="en-US" sz="1800" b="0" i="0" u="none" baseline="0" dirty="0">
+              <a:solidFill>
+                <a:srgbClr val="000000"/>
+              </a:solidFill>
+              <a:latin typeface="微软雅黑" panose="020B0503020204020204" pitchFamily="34" charset="-122"/>
+              <a:ea typeface="微软雅黑" panose="020B0503020204020204" pitchFamily="34" charset="-122"/>
+            </a:endParaRPr>
           </a:p>
         </p:txBody>
       </p:sp>
@@ -31786,7 +32052,7 @@
           <p:nvPr/>
         </p:nvPicPr>
         <p:blipFill>
-          <a:blip r:embed="rId3"/>
+          <a:blip r:embed="rId2"/>
           <a:srcRect b="5514"/>
           <a:stretch>
             <a:fillRect/>
@@ -31845,6 +32111,13 @@
               </a:rPr>
               <a:t>模型评估</a:t>
             </a:r>
+            <a:endParaRPr lang="zh-CN" altLang="en-US" sz="1800" b="0" i="0" u="none" baseline="0" dirty="0">
+              <a:solidFill>
+                <a:srgbClr val="000000"/>
+              </a:solidFill>
+              <a:latin typeface="微软雅黑" panose="020B0503020204020204" pitchFamily="34" charset="-122"/>
+              <a:ea typeface="微软雅黑" panose="020B0503020204020204" pitchFamily="34" charset="-122"/>
+            </a:endParaRPr>
           </a:p>
         </p:txBody>
       </p:sp>
@@ -31857,7 +32130,7 @@
           <p:nvPr/>
         </p:nvPicPr>
         <p:blipFill>
-          <a:blip r:embed="rId4"/>
+          <a:blip r:embed="rId3"/>
           <a:stretch>
             <a:fillRect/>
           </a:stretch>
@@ -32009,7 +32282,6 @@
           <a:p>
             <a:fld id="{AA807A42-CF27-4B84-8583-18EBE418342E}" type="slidenum">
               <a:rPr lang="de-DE" smtClean="0"/>
-              <a:t>7</a:t>
             </a:fld>
             <a:endParaRPr lang="de-DE" dirty="0"/>
           </a:p>
@@ -32026,7 +32298,7 @@
           </p:nvPr>
         </p:nvPicPr>
         <p:blipFill>
-          <a:blip r:embed="rId3"/>
+          <a:blip r:embed="rId1"/>
           <a:srcRect l="4521" t="11899"/>
           <a:stretch>
             <a:fillRect/>
@@ -32085,12 +32357,63 @@
               </a:rPr>
               <a:t>可视化</a:t>
             </a:r>
+            <a:endParaRPr lang="zh-CN" altLang="en-US" sz="2000" b="0" i="0" u="none" baseline="0" dirty="0">
+              <a:solidFill>
+                <a:srgbClr val="000000"/>
+              </a:solidFill>
+              <a:latin typeface="微软雅黑" panose="020B0503020204020204" pitchFamily="34" charset="-122"/>
+              <a:ea typeface="微软雅黑" panose="020B0503020204020204" pitchFamily="34" charset="-122"/>
+            </a:endParaRPr>
           </a:p>
         </p:txBody>
       </p:sp>
       <p:pic>
         <p:nvPicPr>
           <p:cNvPr id="11" name="图片 10"/>
+          <p:cNvPicPr/>
+          <p:nvPr/>
+        </p:nvPicPr>
+        <p:blipFill>
+          <a:blip r:embed="rId2"/>
+          <a:stretch>
+            <a:fillRect/>
+          </a:stretch>
+        </p:blipFill>
+        <p:spPr>
+          <a:xfrm>
+            <a:off x="5563870" y="1166495"/>
+            <a:ext cx="5400000" cy="1440000"/>
+          </a:xfrm>
+          <a:prstGeom prst="rect">
+            <a:avLst/>
+          </a:prstGeom>
+        </p:spPr>
+      </p:pic>
+      <p:pic>
+        <p:nvPicPr>
+          <p:cNvPr id="12" name="图片 11"/>
+          <p:cNvPicPr/>
+          <p:nvPr/>
+        </p:nvPicPr>
+        <p:blipFill>
+          <a:blip r:embed="rId3"/>
+          <a:stretch>
+            <a:fillRect/>
+          </a:stretch>
+        </p:blipFill>
+        <p:spPr>
+          <a:xfrm>
+            <a:off x="5563870" y="2799080"/>
+            <a:ext cx="5400000" cy="1440000"/>
+          </a:xfrm>
+          <a:prstGeom prst="rect">
+            <a:avLst/>
+          </a:prstGeom>
+        </p:spPr>
+      </p:pic>
+      <p:pic>
+        <p:nvPicPr>
+          <p:cNvPr id="13" name="图片 12"/>
           <p:cNvPicPr/>
           <p:nvPr/>
         </p:nvPicPr>
@@ -32102,50 +32425,6 @@
         </p:blipFill>
         <p:spPr>
           <a:xfrm>
-            <a:off x="5563870" y="1166495"/>
-            <a:ext cx="5400000" cy="1440000"/>
-          </a:xfrm>
-          <a:prstGeom prst="rect">
-            <a:avLst/>
-          </a:prstGeom>
-        </p:spPr>
-      </p:pic>
-      <p:pic>
-        <p:nvPicPr>
-          <p:cNvPr id="12" name="图片 11"/>
-          <p:cNvPicPr/>
-          <p:nvPr/>
-        </p:nvPicPr>
-        <p:blipFill>
-          <a:blip r:embed="rId5"/>
-          <a:stretch>
-            <a:fillRect/>
-          </a:stretch>
-        </p:blipFill>
-        <p:spPr>
-          <a:xfrm>
-            <a:off x="5563870" y="2799080"/>
-            <a:ext cx="5400000" cy="1440000"/>
-          </a:xfrm>
-          <a:prstGeom prst="rect">
-            <a:avLst/>
-          </a:prstGeom>
-        </p:spPr>
-      </p:pic>
-      <p:pic>
-        <p:nvPicPr>
-          <p:cNvPr id="13" name="图片 12"/>
-          <p:cNvPicPr/>
-          <p:nvPr/>
-        </p:nvPicPr>
-        <p:blipFill>
-          <a:blip r:embed="rId6"/>
-          <a:stretch>
-            <a:fillRect/>
-          </a:stretch>
-        </p:blipFill>
-        <p:spPr>
-          <a:xfrm>
             <a:off x="5563870" y="4431665"/>
             <a:ext cx="5400000" cy="1440000"/>
           </a:xfrm>
@@ -32197,6 +32476,13 @@
               </a:rPr>
               <a:t>指标</a:t>
             </a:r>
+            <a:endParaRPr lang="zh-CN" altLang="en-US" sz="2000" b="0" i="0" u="none" baseline="0" dirty="0">
+              <a:solidFill>
+                <a:srgbClr val="000000"/>
+              </a:solidFill>
+              <a:latin typeface="微软雅黑" panose="020B0503020204020204" pitchFamily="34" charset="-122"/>
+              <a:ea typeface="微软雅黑" panose="020B0503020204020204" pitchFamily="34" charset="-122"/>
+            </a:endParaRPr>
           </a:p>
         </p:txBody>
       </p:sp>
@@ -32244,6 +32530,7 @@
               <a:rPr lang="zh-CN" altLang="en-US" dirty="0"/>
               <a:t>三、存在问题</a:t>
             </a:r>
+            <a:endParaRPr lang="zh-CN" altLang="en-US" dirty="0"/>
           </a:p>
         </p:txBody>
       </p:sp>
@@ -32318,6 +32605,20 @@
               </a:rPr>
               <a:t>3</a:t>
             </a:r>
+            <a:endParaRPr kumimoji="0" lang="de-DE" sz="1600" b="0" i="0" u="none" strike="noStrike" kern="1200" cap="none" spc="0" normalizeH="0" baseline="0" noProof="0" dirty="0">
+              <a:ln>
+                <a:noFill/>
+              </a:ln>
+              <a:solidFill>
+                <a:prstClr val="white"/>
+              </a:solidFill>
+              <a:effectLst/>
+              <a:uLnTx/>
+              <a:uFillTx/>
+              <a:latin typeface="BMW Group Condensed"/>
+              <a:ea typeface="+mn-ea"/>
+              <a:cs typeface="+mn-cs"/>
+            </a:endParaRPr>
           </a:p>
         </p:txBody>
       </p:sp>
@@ -32370,6 +32671,14 @@
               </a:rPr>
               <a:t>波动不收敛</a:t>
             </a:r>
+            <a:endParaRPr lang="zh-CN" altLang="en-US" sz="2400" b="1" dirty="0">
+              <a:solidFill>
+                <a:srgbClr val="000000"/>
+              </a:solidFill>
+              <a:latin typeface="微软雅黑" panose="020B0503020204020204" pitchFamily="34" charset="-122"/>
+              <a:ea typeface="微软雅黑" panose="020B0503020204020204" pitchFamily="34" charset="-122"/>
+              <a:cs typeface="微软雅黑" panose="020B0503020204020204" pitchFamily="34" charset="-122"/>
+            </a:endParaRPr>
           </a:p>
         </p:txBody>
       </p:sp>
@@ -32382,7 +32691,7 @@
           <p:nvPr/>
         </p:nvPicPr>
         <p:blipFill>
-          <a:blip r:embed="rId3"/>
+          <a:blip r:embed="rId1"/>
           <a:stretch>
             <a:fillRect/>
           </a:stretch>
@@ -32440,6 +32749,13 @@
               </a:rPr>
               <a:t>总体损失</a:t>
             </a:r>
+            <a:endParaRPr lang="zh-CN" altLang="en-US" sz="2000" b="0" i="0" u="none" baseline="0" dirty="0">
+              <a:solidFill>
+                <a:srgbClr val="000000"/>
+              </a:solidFill>
+              <a:latin typeface="黑体" panose="02010609060101010101" charset="-122"/>
+              <a:ea typeface="黑体" panose="02010609060101010101" charset="-122"/>
+            </a:endParaRPr>
           </a:p>
         </p:txBody>
       </p:sp>
@@ -32486,6 +32802,13 @@
               </a:rPr>
               <a:t>策略梯度损失</a:t>
             </a:r>
+            <a:endParaRPr lang="zh-CN" altLang="en-US" sz="2000" b="0" i="0" u="none" baseline="0" dirty="0">
+              <a:solidFill>
+                <a:srgbClr val="000000"/>
+              </a:solidFill>
+              <a:latin typeface="黑体" panose="02010609060101010101" charset="-122"/>
+              <a:ea typeface="黑体" panose="02010609060101010101" charset="-122"/>
+            </a:endParaRPr>
           </a:p>
         </p:txBody>
       </p:sp>
@@ -32532,6 +32855,13 @@
               </a:rPr>
               <a:t>价值损失</a:t>
             </a:r>
+            <a:endParaRPr lang="zh-CN" altLang="en-US" sz="2000" b="0" i="0" u="none" baseline="0" dirty="0">
+              <a:solidFill>
+                <a:srgbClr val="000000"/>
+              </a:solidFill>
+              <a:latin typeface="黑体" panose="02010609060101010101" charset="-122"/>
+              <a:ea typeface="黑体" panose="02010609060101010101" charset="-122"/>
+            </a:endParaRPr>
           </a:p>
         </p:txBody>
       </p:sp>
@@ -32578,6 +32908,13 @@
               </a:rPr>
               <a:t>稳定性差</a:t>
             </a:r>
+            <a:endParaRPr lang="zh-CN" altLang="en-US" sz="2800" b="1" i="0" u="none" baseline="0" dirty="0">
+              <a:solidFill>
+                <a:srgbClr val="000000"/>
+              </a:solidFill>
+              <a:latin typeface="微软雅黑" panose="020B0503020204020204" pitchFamily="34" charset="-122"/>
+              <a:ea typeface="微软雅黑" panose="020B0503020204020204" pitchFamily="34" charset="-122"/>
+            </a:endParaRPr>
           </a:p>
         </p:txBody>
       </p:sp>
@@ -32625,6 +32962,7 @@
               <a:rPr lang="zh-CN" altLang="en-US"/>
               <a:t>三、存在问题</a:t>
             </a:r>
+            <a:endParaRPr lang="zh-CN" altLang="en-US"/>
           </a:p>
         </p:txBody>
       </p:sp>
@@ -32664,6 +33002,14 @@
               </a:rPr>
               <a:t>模型效果不理想</a:t>
             </a:r>
+            <a:endParaRPr lang="zh-CN" altLang="en-US" sz="2400" b="1" dirty="0">
+              <a:solidFill>
+                <a:srgbClr val="000000"/>
+              </a:solidFill>
+              <a:latin typeface="微软雅黑" panose="020B0503020204020204" pitchFamily="34" charset="-122"/>
+              <a:ea typeface="微软雅黑" panose="020B0503020204020204" pitchFamily="34" charset="-122"/>
+              <a:cs typeface="微软雅黑" panose="020B0503020204020204" pitchFamily="34" charset="-122"/>
+            </a:endParaRPr>
           </a:p>
           <a:p>
             <a:endParaRPr lang="zh-CN" altLang="en-US"/>
@@ -32706,7 +33052,6 @@
           <a:p>
             <a:fld id="{AA807A42-CF27-4B84-8583-18EBE418342E}" type="slidenum">
               <a:rPr lang="de-DE" smtClean="0"/>
-              <a:t>9</a:t>
             </a:fld>
             <a:endParaRPr lang="de-DE" dirty="0"/>
           </a:p>
@@ -32755,6 +33100,13 @@
               </a:rPr>
               <a:t>成功率低</a:t>
             </a:r>
+            <a:endParaRPr lang="zh-CN" altLang="en-US" sz="2800" b="1" i="0" u="none" baseline="0" dirty="0">
+              <a:solidFill>
+                <a:srgbClr val="000000"/>
+              </a:solidFill>
+              <a:latin typeface="微软雅黑" panose="020B0503020204020204" pitchFamily="34" charset="-122"/>
+              <a:ea typeface="微软雅黑" panose="020B0503020204020204" pitchFamily="34" charset="-122"/>
+            </a:endParaRPr>
           </a:p>
         </p:txBody>
       </p:sp>
@@ -32801,6 +33153,13 @@
               </a:rPr>
               <a:t>代码结果可视化：撞车严重</a:t>
             </a:r>
+            <a:endParaRPr lang="zh-CN" altLang="en-US" sz="2800" b="0" i="0" u="none" baseline="0" dirty="0">
+              <a:solidFill>
+                <a:srgbClr val="000000"/>
+              </a:solidFill>
+              <a:latin typeface="微软雅黑" panose="020B0503020204020204" pitchFamily="34" charset="-122"/>
+              <a:ea typeface="微软雅黑" panose="020B0503020204020204" pitchFamily="34" charset="-122"/>
+            </a:endParaRPr>
           </a:p>
         </p:txBody>
       </p:sp>
@@ -32847,6 +33206,13 @@
               </a:rPr>
               <a:t>超参数的值怎么修改？</a:t>
             </a:r>
+            <a:endParaRPr lang="zh-CN" altLang="en-US" sz="2800" b="0" i="0" u="none" baseline="0" dirty="0">
+              <a:solidFill>
+                <a:srgbClr val="000000"/>
+              </a:solidFill>
+              <a:latin typeface="微软雅黑" panose="020B0503020204020204" pitchFamily="34" charset="-122"/>
+              <a:ea typeface="微软雅黑" panose="020B0503020204020204" pitchFamily="34" charset="-122"/>
+            </a:endParaRPr>
           </a:p>
         </p:txBody>
       </p:sp>
@@ -32859,13 +33225,39 @@
 </file>
 
 <file path=ppt/tags/tag1.xml><?xml version="1.0" encoding="utf-8"?>
-<p:tagLst xmlns:a="http://schemas.openxmlformats.org/drawingml/2006/main" xmlns:r="http://schemas.openxmlformats.org/officeDocument/2006/relationships" xmlns:p="http://schemas.openxmlformats.org/presentationml/2006/main">
-  <p:tag name="COMMONDATA" val="eyJoZGlkIjoiMzcyODMxYTE0ZTc0ZGU3Y2QwODc3MzYzN2Q1YmNiM2EifQ=="/>
+<p:tagLst xmlns:p="http://schemas.openxmlformats.org/presentationml/2006/main">
+  <p:tag name="MIO_PRESI_FIRST_SLIDENUMBER" val="1"/>
+  <p:tag name="MIO_FALLBACK_LAYOUT" val="14"/>
+  <p:tag name="MIO_SHOW_DATE" val="False"/>
+  <p:tag name="MIO_SHOW_FOOTER" val="True"/>
+  <p:tag name="MIO_SHOW_PAGENUMBER" val="True"/>
+  <p:tag name="MIO_AVOID_BLANK_LAYOUT" val="True"/>
+  <p:tag name="MIO_NUMBER_OF_VALID_LAYOUTS" val="15"/>
+  <p:tag name="MIO_MST_COLOR_1" val="0,0,0,Dunkel 1"/>
+  <p:tag name="MIO_MST_COLOR_2" val="255,255,255,Hell 1"/>
+  <p:tag name="MIO_MST_COLOR_3" val="64,64,64,Dunkel 2"/>
+  <p:tag name="MIO_MST_COLOR_4" val="146,162,189,Hell 2"/>
+  <p:tag name="MIO_MST_COLOR_5" val="102,113,132,Akzent 1"/>
+  <p:tag name="MIO_MST_COLOR_6" val="146,162,189,Akzent 2"/>
+  <p:tag name="MIO_MST_COLOR_7" val="173,185,206,Akzent 3"/>
+  <p:tag name="MIO_MST_COLOR_8" val="201,209,222,Akzent 4"/>
+  <p:tag name="MIO_MST_COLOR_9" val="228,232,238,Akzent 5"/>
+  <p:tag name="MIO_MST_COLOR_10" val="221,218,210,Akzent 6"/>
+  <p:tag name="MIO_MST_COLOR_11" val="0,0,0,"/>
+  <p:tag name="MIO_MST_COLOR_12" val="0,0,0,"/>
+  <p:tag name="MIO_HDS" val="True"/>
+  <p:tag name="MIO_EK" val="1989"/>
+  <p:tag name="MIO_UPDATE" val="True"/>
+  <p:tag name="MIO_VERSION" val="23.10.2015 16:52:00"/>
+  <p:tag name="MIO_DBID" val="917DD09C-76C3-4640-8E0D-382111CB3B69"/>
+  <p:tag name="MIO_LASTDOWNLOADED" val="30.10.2015 14:18:05"/>
+  <p:tag name="MIO_OBJECTNAME" val="BMW Group 4:3"/>
+  <p:tag name="MIO_LASTEDITORNAME" val="empower enterprise"/>
 </p:tagLst>
 </file>
 
 <file path=ppt/tags/tag2.xml><?xml version="1.0" encoding="utf-8"?>
-<p:tagLst xmlns:a="http://schemas.openxmlformats.org/drawingml/2006/main" xmlns:r="http://schemas.openxmlformats.org/officeDocument/2006/relationships" xmlns:p="http://schemas.openxmlformats.org/presentationml/2006/main">
+<p:tagLst xmlns:p="http://schemas.openxmlformats.org/presentationml/2006/main">
   <p:tag name="MIO_PRESI_FIRST_SLIDENUMBER" val="1"/>
   <p:tag name="MIO_FALLBACK_LAYOUT" val="14"/>
   <p:tag name="MIO_SHOW_DATE" val="False"/>
@@ -32897,34 +33289,8 @@
 </file>
 
 <file path=ppt/tags/tag3.xml><?xml version="1.0" encoding="utf-8"?>
-<p:tagLst xmlns:a="http://schemas.openxmlformats.org/drawingml/2006/main" xmlns:r="http://schemas.openxmlformats.org/officeDocument/2006/relationships" xmlns:p="http://schemas.openxmlformats.org/presentationml/2006/main">
-  <p:tag name="MIO_PRESI_FIRST_SLIDENUMBER" val="1"/>
-  <p:tag name="MIO_FALLBACK_LAYOUT" val="14"/>
-  <p:tag name="MIO_SHOW_DATE" val="False"/>
-  <p:tag name="MIO_SHOW_FOOTER" val="True"/>
-  <p:tag name="MIO_SHOW_PAGENUMBER" val="True"/>
-  <p:tag name="MIO_AVOID_BLANK_LAYOUT" val="True"/>
-  <p:tag name="MIO_NUMBER_OF_VALID_LAYOUTS" val="15"/>
-  <p:tag name="MIO_MST_COLOR_1" val="0,0,0,Dunkel 1"/>
-  <p:tag name="MIO_MST_COLOR_2" val="255,255,255,Hell 1"/>
-  <p:tag name="MIO_MST_COLOR_3" val="64,64,64,Dunkel 2"/>
-  <p:tag name="MIO_MST_COLOR_4" val="146,162,189,Hell 2"/>
-  <p:tag name="MIO_MST_COLOR_5" val="102,113,132,Akzent 1"/>
-  <p:tag name="MIO_MST_COLOR_6" val="146,162,189,Akzent 2"/>
-  <p:tag name="MIO_MST_COLOR_7" val="173,185,206,Akzent 3"/>
-  <p:tag name="MIO_MST_COLOR_8" val="201,209,222,Akzent 4"/>
-  <p:tag name="MIO_MST_COLOR_9" val="228,232,238,Akzent 5"/>
-  <p:tag name="MIO_MST_COLOR_10" val="221,218,210,Akzent 6"/>
-  <p:tag name="MIO_MST_COLOR_11" val="0,0,0,"/>
-  <p:tag name="MIO_MST_COLOR_12" val="0,0,0,"/>
-  <p:tag name="MIO_HDS" val="True"/>
-  <p:tag name="MIO_EK" val="1989"/>
-  <p:tag name="MIO_UPDATE" val="True"/>
-  <p:tag name="MIO_VERSION" val="23.10.2015 16:52:00"/>
-  <p:tag name="MIO_DBID" val="917DD09C-76C3-4640-8E0D-382111CB3B69"/>
-  <p:tag name="MIO_LASTDOWNLOADED" val="30.10.2015 14:18:05"/>
-  <p:tag name="MIO_OBJECTNAME" val="BMW Group 4:3"/>
-  <p:tag name="MIO_LASTEDITORNAME" val="empower enterprise"/>
+<p:tagLst xmlns:p="http://schemas.openxmlformats.org/presentationml/2006/main">
+  <p:tag name="COMMONDATA" val="eyJoZGlkIjoiMzcyODMxYTE0ZTc0ZGU3Y2QwODc3MzYzN2Q1YmNiM2EifQ=="/>
 </p:tagLst>
 </file>
 
@@ -33251,7 +33617,6 @@
       </a:lstStyle>
     </a:txDef>
   </a:objectDefaults>
-  <a:extraClrSchemeLst/>
   <a:custClrLst>
     <a:custClr name="Grundfarbe Schwarz">
       <a:srgbClr val="000000"/>
@@ -33663,8 +34028,6 @@
       </a:bgFillStyleLst>
     </a:fmtScheme>
   </a:themeElements>
-  <a:objectDefaults/>
-  <a:extraClrSchemeLst/>
   <a:extLst>
     <a:ext uri="{05A4C25C-085E-4340-85A3-A5531E510DB2}">
       <thm15:themeFamily xmlns:thm15="http://schemas.microsoft.com/office/thememl/2012/main" name="Office Theme" id="{62F939B6-93AF-4DB8-9C6B-D6C7DFDC589F}" vid="{4A3C46E8-61CC-4603-A589-7422A47A8E4A}"/>
@@ -33996,7 +34359,6 @@
       </a:lstStyle>
     </a:txDef>
   </a:objectDefaults>
-  <a:extraClrSchemeLst/>
   <a:custClrLst>
     <a:custClr name="Grundfarbe Schwarz">
       <a:srgbClr val="000000"/>
@@ -34435,8 +34797,6 @@
       </a:bgFillStyleLst>
     </a:fmtScheme>
   </a:themeElements>
-  <a:objectDefaults/>
-  <a:extraClrSchemeLst/>
   <a:extLst>
     <a:ext uri="{05A4C25C-085E-4340-85A3-A5531E510DB2}">
       <thm15:themeFamily xmlns:thm15="http://schemas.microsoft.com/office/thememl/2012/main" name="Office Theme" id="{62F939B6-93AF-4DB8-9C6B-D6C7DFDC589F}" vid="{4A3C46E8-61CC-4603-A589-7422A47A8E4A}"/>
@@ -34696,8 +35056,6 @@
       </a:bgFillStyleLst>
     </a:fmtScheme>
   </a:themeElements>
-  <a:objectDefaults/>
-  <a:extraClrSchemeLst/>
   <a:extLst>
     <a:ext uri="{05A4C25C-085E-4340-85A3-A5531E510DB2}">
       <thm15:themeFamily xmlns:thm15="http://schemas.microsoft.com/office/thememl/2012/main" name="Office Theme" id="{62F939B6-93AF-4DB8-9C6B-D6C7DFDC589F}" vid="{4A3C46E8-61CC-4603-A589-7422A47A8E4A}"/>

--- a/组会汇报.pptx
+++ b/组会汇报.pptx
@@ -3,37 +3,37 @@
 <p:presentation xmlns:a="http://schemas.openxmlformats.org/drawingml/2006/main" xmlns:r="http://schemas.openxmlformats.org/officeDocument/2006/relationships" xmlns:p="http://schemas.openxmlformats.org/presentationml/2006/main">
   <p:sldMasterIdLst>
     <p:sldMasterId id="2147483648" r:id="rId1"/>
-    <p:sldMasterId id="2147483651" r:id="rId3"/>
-    <p:sldMasterId id="2147483655" r:id="rId4"/>
-    <p:sldMasterId id="2147483662" r:id="rId5"/>
+    <p:sldMasterId id="2147483651" r:id="rId2"/>
+    <p:sldMasterId id="2147483655" r:id="rId3"/>
+    <p:sldMasterId id="2147483662" r:id="rId4"/>
   </p:sldMasterIdLst>
   <p:notesMasterIdLst>
-    <p:notesMasterId r:id="rId7"/>
+    <p:notesMasterId r:id="rId23"/>
   </p:notesMasterIdLst>
   <p:sldIdLst>
-    <p:sldId id="393" r:id="rId6"/>
-    <p:sldId id="394" r:id="rId8"/>
-    <p:sldId id="396" r:id="rId9"/>
-    <p:sldId id="384" r:id="rId10"/>
-    <p:sldId id="390" r:id="rId11"/>
-    <p:sldId id="397" r:id="rId12"/>
-    <p:sldId id="399" r:id="rId13"/>
-    <p:sldId id="389" r:id="rId14"/>
-    <p:sldId id="403" r:id="rId15"/>
-    <p:sldId id="411" r:id="rId16"/>
-    <p:sldId id="405" r:id="rId17"/>
-    <p:sldId id="406" r:id="rId18"/>
-    <p:sldId id="408" r:id="rId19"/>
-    <p:sldId id="409" r:id="rId20"/>
-    <p:sldId id="412" r:id="rId21"/>
-    <p:sldId id="415" r:id="rId22"/>
-    <p:sldId id="413" r:id="rId23"/>
-    <p:sldId id="414" r:id="rId24"/>
+    <p:sldId id="393" r:id="rId5"/>
+    <p:sldId id="394" r:id="rId6"/>
+    <p:sldId id="396" r:id="rId7"/>
+    <p:sldId id="384" r:id="rId8"/>
+    <p:sldId id="390" r:id="rId9"/>
+    <p:sldId id="397" r:id="rId10"/>
+    <p:sldId id="399" r:id="rId11"/>
+    <p:sldId id="389" r:id="rId12"/>
+    <p:sldId id="403" r:id="rId13"/>
+    <p:sldId id="411" r:id="rId14"/>
+    <p:sldId id="405" r:id="rId15"/>
+    <p:sldId id="406" r:id="rId16"/>
+    <p:sldId id="408" r:id="rId17"/>
+    <p:sldId id="409" r:id="rId18"/>
+    <p:sldId id="412" r:id="rId19"/>
+    <p:sldId id="415" r:id="rId20"/>
+    <p:sldId id="413" r:id="rId21"/>
+    <p:sldId id="414" r:id="rId22"/>
   </p:sldIdLst>
   <p:sldSz cx="12192000" cy="6858000"/>
   <p:notesSz cx="6858000" cy="9144000"/>
   <p:custDataLst>
-    <p:tags r:id="rId29"/>
+    <p:tags r:id="rId24"/>
   </p:custDataLst>
   <p:defaultTextStyle>
     <a:defPPr>
@@ -130,6 +130,11 @@
       </a:defRPr>
     </a:lvl9pPr>
   </p:defaultTextStyle>
+  <p:extLst>
+    <p:ext uri="{EFAFB233-063F-42B5-8137-9DF3F51BA10A}">
+      <p15:sldGuideLst xmlns:p15="http://schemas.microsoft.com/office/powerpoint/2012/main"/>
+    </p:ext>
+  </p:extLst>
 </p:presentation>
 </file>
 
@@ -223,6 +228,7 @@
           <a:p>
             <a:fld id="{A007E71C-5B10-4544-81CA-B2E7B1A2FCCD}" type="datetimeFigureOut">
               <a:rPr lang="zh-CN" altLang="en-US" smtClean="0"/>
+              <a:t>2024/11/19</a:t>
             </a:fld>
             <a:endParaRPr lang="zh-CN" altLang="en-US"/>
           </a:p>
@@ -289,7 +295,6 @@
               <a:rPr lang="zh-CN" altLang="en-US"/>
               <a:t>单击此处编辑母版文本样式</a:t>
             </a:r>
-            <a:endParaRPr lang="zh-CN" altLang="en-US"/>
           </a:p>
           <a:p>
             <a:pPr lvl="1"/>
@@ -297,7 +302,6 @@
               <a:rPr lang="zh-CN" altLang="en-US"/>
               <a:t>二级</a:t>
             </a:r>
-            <a:endParaRPr lang="zh-CN" altLang="en-US"/>
           </a:p>
           <a:p>
             <a:pPr lvl="2"/>
@@ -305,7 +309,6 @@
               <a:rPr lang="zh-CN" altLang="en-US"/>
               <a:t>三级</a:t>
             </a:r>
-            <a:endParaRPr lang="zh-CN" altLang="en-US"/>
           </a:p>
           <a:p>
             <a:pPr lvl="3"/>
@@ -313,7 +316,6 @@
               <a:rPr lang="zh-CN" altLang="en-US"/>
               <a:t>四级</a:t>
             </a:r>
-            <a:endParaRPr lang="zh-CN" altLang="en-US"/>
           </a:p>
           <a:p>
             <a:pPr lvl="4"/>
@@ -321,7 +323,6 @@
               <a:rPr lang="zh-CN" altLang="en-US"/>
               <a:t>五级</a:t>
             </a:r>
-            <a:endParaRPr lang="zh-CN" altLang="en-US"/>
           </a:p>
         </p:txBody>
       </p:sp>
@@ -385,6 +386,7 @@
           <a:p>
             <a:fld id="{D5270CF7-D3A8-4DC3-8782-22D6DC24CC25}" type="slidenum">
               <a:rPr lang="zh-CN" altLang="en-US" smtClean="0"/>
+              <a:t>‹#›</a:t>
             </a:fld>
             <a:endParaRPr lang="zh-CN" altLang="en-US"/>
           </a:p>
@@ -558,6 +560,7 @@
           <a:p>
             <a:fld id="{DDB02DA9-F637-CB4D-BC72-92066AEB9C9A}" type="slidenum">
               <a:rPr lang="en-US" smtClean="0"/>
+              <a:t>1</a:t>
             </a:fld>
             <a:endParaRPr lang="en-US" dirty="0"/>
           </a:p>
@@ -713,6 +716,7 @@
                 <a:ea typeface="+mn-ea"/>
                 <a:cs typeface="+mn-cs"/>
               </a:rPr>
+              <a:t>4</a:t>
             </a:fld>
             <a:endParaRPr kumimoji="0" lang="de-DE" sz="1200" b="0" i="0" u="none" strike="noStrike" kern="1200" cap="none" spc="0" normalizeH="0" baseline="0" noProof="0">
               <a:ln>
@@ -881,6 +885,7 @@
                 <a:ea typeface="+mn-ea"/>
                 <a:cs typeface="+mn-cs"/>
               </a:rPr>
+              <a:t>5</a:t>
             </a:fld>
             <a:endParaRPr kumimoji="0" lang="de-DE" sz="1200" b="0" i="0" u="none" strike="noStrike" kern="1200" cap="none" spc="0" normalizeH="0" baseline="0" noProof="0">
               <a:ln>
@@ -955,28 +960,24 @@
               <a:rPr lang="zh-CN" altLang="en-US"/>
               <a:t>approx_kl ：近似的 KL 散度，用于衡量新旧策略分布的差异，防止策略更新太快不稳定。</a:t>
             </a:r>
-            <a:endParaRPr lang="zh-CN" altLang="en-US"/>
           </a:p>
           <a:p>
             <a:r>
               <a:rPr lang="zh-CN" altLang="en-US"/>
               <a:t>clip_fraction ：被截断的梯度比例，限制策略变化变化。</a:t>
             </a:r>
-            <a:endParaRPr lang="zh-CN" altLang="en-US"/>
           </a:p>
           <a:p>
             <a:r>
               <a:rPr lang="zh-CN" altLang="en-US"/>
               <a:t>clip_range ：允许的策略更新范围，超参数</a:t>
             </a:r>
-            <a:endParaRPr lang="zh-CN" altLang="en-US"/>
           </a:p>
           <a:p>
             <a:r>
               <a:rPr lang="zh-CN" altLang="en-US"/>
               <a:t>entropy_loss ：熵损失，熵越高策略随机性越大，逐渐确定最佳策略，理应逐渐下降。</a:t>
             </a:r>
-            <a:endParaRPr lang="zh-CN" altLang="en-US"/>
           </a:p>
           <a:p>
             <a:r>
@@ -991,35 +992,30 @@
               <a:rPr lang="zh-CN" altLang="en-US"/>
               <a:t>越优，说明价值函数对实际奖励的拟合越好。</a:t>
             </a:r>
-            <a:endParaRPr lang="zh-CN" altLang="en-US"/>
           </a:p>
           <a:p>
             <a:r>
               <a:rPr lang="zh-CN" altLang="en-US"/>
               <a:t>learning_rate：学习率，用于控制梯度更新的步长，超参数。</a:t>
             </a:r>
-            <a:endParaRPr lang="zh-CN" altLang="en-US"/>
           </a:p>
           <a:p>
             <a:r>
               <a:rPr lang="zh-CN" altLang="en-US"/>
               <a:t>总体损失函数值</a:t>
             </a:r>
-            <a:endParaRPr lang="zh-CN" altLang="en-US"/>
           </a:p>
           <a:p>
             <a:r>
               <a:rPr lang="zh-CN" altLang="en-US"/>
               <a:t>策略梯度损失</a:t>
             </a:r>
-            <a:endParaRPr lang="zh-CN" altLang="en-US"/>
           </a:p>
           <a:p>
             <a:r>
               <a:rPr lang="zh-CN" altLang="en-US"/>
               <a:t>价值损失</a:t>
             </a:r>
-            <a:endParaRPr lang="zh-CN" altLang="en-US"/>
           </a:p>
           <a:p>
             <a:endParaRPr lang="zh-CN" altLang="en-US"/>
@@ -1207,12 +1203,6 @@
               </a:rPr>
               <a:t>是车停在原地不动。</a:t>
             </a:r>
-            <a:endParaRPr lang="zh-CN" altLang="en-US" b="1" dirty="0">
-              <a:solidFill>
-                <a:srgbClr val="000000"/>
-              </a:solidFill>
-              <a:latin typeface="BMW Group Condensed"/>
-            </a:endParaRPr>
           </a:p>
           <a:p>
             <a:endParaRPr lang="zh-CN" altLang="en-US" dirty="0"/>
@@ -1313,6 +1303,7 @@
                 <a:ea typeface="+mn-ea"/>
                 <a:cs typeface="+mn-cs"/>
               </a:rPr>
+              <a:t>8</a:t>
             </a:fld>
             <a:endParaRPr kumimoji="0" lang="de-DE" sz="1200" b="0" i="0" u="none" strike="noStrike" kern="1200" cap="none" spc="0" normalizeH="0" baseline="0" noProof="0">
               <a:ln>
@@ -1409,6 +1400,7 @@
           <a:p>
             <a:fld id="{DDB02DA9-F637-CB4D-BC72-92066AEB9C9A}" type="slidenum">
               <a:rPr lang="en-US" smtClean="0"/>
+              <a:t>10</a:t>
             </a:fld>
             <a:endParaRPr lang="en-US" dirty="0"/>
           </a:p>
@@ -1492,6 +1484,7 @@
           <a:p>
             <a:fld id="{DDB02DA9-F637-CB4D-BC72-92066AEB9C9A}" type="slidenum">
               <a:rPr lang="en-US" smtClean="0"/>
+              <a:t>15</a:t>
             </a:fld>
             <a:endParaRPr lang="en-US" dirty="0"/>
           </a:p>
@@ -1570,6 +1563,7 @@
           <a:p>
             <a:fld id="{D5270CF7-D3A8-4DC3-8782-22D6DC24CC25}" type="slidenum">
               <a:rPr lang="zh-CN" altLang="en-US" smtClean="0"/>
+              <a:t>16</a:t>
             </a:fld>
             <a:endParaRPr lang="zh-CN" altLang="en-US"/>
           </a:p>
@@ -1817,18 +1811,6 @@
               </a:rPr>
               <a:t>XX</a:t>
             </a:r>
-            <a:endParaRPr lang="en-US" altLang="zh-CN" sz="4800" dirty="0">
-              <a:solidFill>
-                <a:schemeClr val="bg1"/>
-              </a:solidFill>
-              <a:effectLst>
-                <a:outerShdw blurRad="38100" dist="38100" dir="2700000" algn="tl">
-                  <a:srgbClr val="000000">
-                    <a:alpha val="43137"/>
-                  </a:srgbClr>
-                </a:outerShdw>
-              </a:effectLst>
-            </a:endParaRPr>
           </a:p>
         </p:txBody>
       </p:sp>
@@ -2109,15 +2091,6 @@
               </a:rPr>
               <a:t>汇报时间：</a:t>
             </a:r>
-            <a:endParaRPr lang="zh-CN" altLang="en-US" sz="2400" dirty="0">
-              <a:solidFill>
-                <a:schemeClr val="tx2">
-                  <a:lumMod val="75000"/>
-                </a:schemeClr>
-              </a:solidFill>
-              <a:latin typeface="Times New Roman" panose="02020603050405020304" pitchFamily="18" charset="0"/>
-              <a:cs typeface="Times New Roman" panose="02020603050405020304" pitchFamily="18" charset="0"/>
-            </a:endParaRPr>
           </a:p>
         </p:txBody>
       </p:sp>
@@ -2196,7 +2169,6 @@
               <a:rPr lang="de-DE" dirty="0"/>
               <a:t>Textmasterformat bearbeiten</a:t>
             </a:r>
-            <a:endParaRPr lang="de-DE" dirty="0"/>
           </a:p>
           <a:p>
             <a:pPr lvl="1"/>
@@ -2204,7 +2176,6 @@
               <a:rPr lang="de-DE" dirty="0"/>
               <a:t>Zweite Ebene</a:t>
             </a:r>
-            <a:endParaRPr lang="de-DE" dirty="0"/>
           </a:p>
           <a:p>
             <a:pPr lvl="2"/>
@@ -2212,7 +2183,6 @@
               <a:rPr lang="de-DE" dirty="0"/>
               <a:t>Dritte Ebene</a:t>
             </a:r>
-            <a:endParaRPr lang="de-DE" dirty="0"/>
           </a:p>
           <a:p>
             <a:pPr lvl="3"/>
@@ -2220,7 +2190,6 @@
               <a:rPr lang="de-DE" dirty="0"/>
               <a:t>Vierte Ebene</a:t>
             </a:r>
-            <a:endParaRPr lang="de-DE" dirty="0"/>
           </a:p>
           <a:p>
             <a:pPr lvl="4"/>
@@ -2228,7 +2197,6 @@
               <a:rPr lang="de-DE" dirty="0"/>
               <a:t>Fünfte Ebene</a:t>
             </a:r>
-            <a:endParaRPr lang="de-DE" dirty="0"/>
           </a:p>
         </p:txBody>
       </p:sp>
@@ -2316,6 +2284,7 @@
           <a:p>
             <a:fld id="{82F288E0-7875-42C4-84C8-98DBBD3BF4D2}" type="datetimeFigureOut">
               <a:rPr lang="zh-CN" altLang="en-US" smtClean="0"/>
+              <a:t>2024/11/19</a:t>
             </a:fld>
             <a:endParaRPr lang="zh-CN" altLang="en-US"/>
           </a:p>
@@ -2362,6 +2331,7 @@
           <a:p>
             <a:fld id="{CE0EC710-139A-4CA2-AAD7-77B43670B718}" type="slidenum">
               <a:rPr lang="zh-CN" altLang="en-US" smtClean="0"/>
+              <a:t>‹#›</a:t>
             </a:fld>
             <a:endParaRPr lang="zh-CN" altLang="en-US" dirty="0"/>
           </a:p>
@@ -2721,7 +2691,6 @@
               <a:rPr lang="zh-CN" altLang="en-US" dirty="0"/>
               <a:t>单击此处编辑主标题文字</a:t>
             </a:r>
-            <a:endParaRPr lang="zh-CN" altLang="en-US" dirty="0"/>
           </a:p>
         </p:txBody>
       </p:sp>
@@ -2757,6 +2726,7 @@
                   </a:schemeClr>
                 </a:solidFill>
               </a:rPr>
+              <a:t>2024/11/19</a:t>
             </a:fld>
             <a:endParaRPr lang="zh-CN" altLang="en-US" sz="1400" dirty="0">
               <a:solidFill>
@@ -2902,7 +2872,6 @@
               <a:rPr lang="zh-CN" altLang="en-US" dirty="0"/>
               <a:t>演讲者名字</a:t>
             </a:r>
-            <a:endParaRPr lang="zh-CN" altLang="en-US" dirty="0"/>
           </a:p>
         </p:txBody>
       </p:sp>
@@ -3105,6 +3074,7 @@
             </a:pPr>
             <a:fld id="{8FC7DBC8-975C-4207-936C-01FC1A90A004}" type="datetime1">
               <a:rPr lang="zh-CN" altLang="en-US" sz="1400" smtClean="0"/>
+              <a:t>2024/11/19</a:t>
             </a:fld>
             <a:endParaRPr lang="zh-CN" altLang="en-US" sz="1400" dirty="0"/>
           </a:p>
@@ -3153,7 +3123,6 @@
               <a:rPr lang="zh-CN" altLang="en-US" dirty="0"/>
               <a:t>编辑主标题文字</a:t>
             </a:r>
-            <a:endParaRPr lang="zh-CN" altLang="en-US" dirty="0"/>
           </a:p>
         </p:txBody>
       </p:sp>
@@ -3287,7 +3256,6 @@
               <a:rPr lang="zh-CN" altLang="en-US" dirty="0"/>
               <a:t>演讲者</a:t>
             </a:r>
-            <a:endParaRPr lang="zh-CN" altLang="en-US" dirty="0"/>
           </a:p>
         </p:txBody>
       </p:sp>
@@ -3496,7 +3464,6 @@
               <a:rPr lang="zh-CN" altLang="en-US" dirty="0"/>
               <a:t>单击此处编辑主标题文字</a:t>
             </a:r>
-            <a:endParaRPr lang="zh-CN" altLang="en-US" dirty="0"/>
           </a:p>
         </p:txBody>
       </p:sp>
@@ -3536,6 +3503,7 @@
                   </a:schemeClr>
                 </a:solidFill>
               </a:rPr>
+              <a:t>2024/11/19</a:t>
             </a:fld>
             <a:endParaRPr lang="zh-CN" altLang="en-US" dirty="0">
               <a:solidFill>
@@ -3681,7 +3649,6 @@
               <a:rPr lang="zh-CN" altLang="en-US" dirty="0"/>
               <a:t>演讲者名字</a:t>
             </a:r>
-            <a:endParaRPr lang="zh-CN" altLang="en-US" dirty="0"/>
           </a:p>
         </p:txBody>
       </p:sp>
@@ -3802,7 +3769,6 @@
               <a:rPr lang="zh-CN" altLang="en-US" dirty="0"/>
               <a:t>单击此处编辑主标题</a:t>
             </a:r>
-            <a:endParaRPr lang="zh-CN" altLang="en-US" dirty="0"/>
           </a:p>
         </p:txBody>
       </p:sp>
@@ -3936,7 +3902,6 @@
               <a:rPr lang="zh-CN" altLang="en-US" dirty="0"/>
               <a:t>演讲者名字</a:t>
             </a:r>
-            <a:endParaRPr lang="zh-CN" altLang="en-US" dirty="0"/>
           </a:p>
         </p:txBody>
       </p:sp>
@@ -3976,6 +3941,7 @@
                   </a:schemeClr>
                 </a:solidFill>
               </a:rPr>
+              <a:t>2024/11/19</a:t>
             </a:fld>
             <a:endParaRPr lang="zh-CN" altLang="en-US" dirty="0">
               <a:solidFill>
@@ -4117,7 +4083,6 @@
               <a:rPr lang="zh-CN" altLang="en-US" dirty="0"/>
               <a:t>课程名称</a:t>
             </a:r>
-            <a:endParaRPr lang="zh-CN" altLang="en-US" dirty="0"/>
           </a:p>
         </p:txBody>
       </p:sp>
@@ -4393,7 +4358,6 @@
               <a:rPr lang="zh-CN" altLang="en-US" dirty="0"/>
               <a:t>演讲者名字</a:t>
             </a:r>
-            <a:endParaRPr lang="zh-CN" altLang="en-US" dirty="0"/>
           </a:p>
         </p:txBody>
       </p:sp>
@@ -4433,6 +4397,7 @@
             </a:pPr>
             <a:fld id="{8FC7DBC8-975C-4207-936C-01FC1A90A004}" type="datetime1">
               <a:rPr lang="zh-CN" altLang="en-US" smtClean="0"/>
+              <a:t>2024/11/19</a:t>
             </a:fld>
             <a:endParaRPr lang="zh-CN" altLang="en-US" dirty="0"/>
           </a:p>
@@ -4785,15 +4750,6 @@
               </a:rPr>
               <a:t>  </a:t>
             </a:r>
-            <a:endParaRPr lang="en-US" altLang="zh-CN" sz="1400" dirty="0">
-              <a:solidFill>
-                <a:schemeClr val="accent1">
-                  <a:lumMod val="75000"/>
-                </a:schemeClr>
-              </a:solidFill>
-              <a:latin typeface="微软雅黑" panose="020B0503020204020204" pitchFamily="34" charset="-122"/>
-              <a:ea typeface="微软雅黑" panose="020B0503020204020204" pitchFamily="34" charset="-122"/>
-            </a:endParaRPr>
           </a:p>
           <a:p>
             <a:pPr lvl="0"/>
@@ -4975,7 +4931,6 @@
               <a:rPr lang="zh-CN" altLang="en-US" dirty="0"/>
               <a:t>黑白（版本不同路径可能不同）</a:t>
             </a:r>
-            <a:endParaRPr lang="zh-CN" altLang="en-US" dirty="0"/>
           </a:p>
         </p:txBody>
       </p:sp>
@@ -5111,7 +5066,6 @@
               <a:rPr lang="zh-CN" altLang="en-US" dirty="0"/>
               <a:t>演讲者名字</a:t>
             </a:r>
-            <a:endParaRPr lang="zh-CN" altLang="en-US" dirty="0"/>
           </a:p>
         </p:txBody>
       </p:sp>
@@ -5151,6 +5105,7 @@
             </a:pPr>
             <a:fld id="{8FC7DBC8-975C-4207-936C-01FC1A90A004}" type="datetime1">
               <a:rPr lang="zh-CN" altLang="en-US" smtClean="0"/>
+              <a:t>2024/11/19</a:t>
             </a:fld>
             <a:endParaRPr lang="zh-CN" altLang="en-US" dirty="0"/>
           </a:p>
@@ -5503,15 +5458,6 @@
               </a:rPr>
               <a:t>  </a:t>
             </a:r>
-            <a:endParaRPr lang="en-US" altLang="zh-CN" sz="1400" dirty="0">
-              <a:solidFill>
-                <a:schemeClr val="accent1">
-                  <a:lumMod val="75000"/>
-                </a:schemeClr>
-              </a:solidFill>
-              <a:latin typeface="微软雅黑" panose="020B0503020204020204" pitchFamily="34" charset="-122"/>
-              <a:ea typeface="微软雅黑" panose="020B0503020204020204" pitchFamily="34" charset="-122"/>
-            </a:endParaRPr>
           </a:p>
           <a:p>
             <a:pPr lvl="0"/>
@@ -5638,7 +5584,6 @@
               <a:rPr lang="zh-CN" altLang="en-US" dirty="0"/>
               <a:t>黑白（版本不同路径可能不同）</a:t>
             </a:r>
-            <a:endParaRPr lang="zh-CN" altLang="en-US" dirty="0"/>
           </a:p>
         </p:txBody>
       </p:sp>
@@ -5779,23 +5724,6 @@
               </a:rPr>
               <a:t>演讲者名字</a:t>
             </a:r>
-            <a:endParaRPr kumimoji="0" lang="zh-CN" altLang="en-US" sz="2640" b="1" i="0" u="none" strike="noStrike" kern="1200" cap="all" spc="0" normalizeH="0" baseline="0" noProof="0" dirty="0">
-              <a:ln>
-                <a:noFill/>
-              </a:ln>
-              <a:solidFill>
-                <a:schemeClr val="tx1">
-                  <a:lumMod val="85000"/>
-                  <a:lumOff val="15000"/>
-                </a:schemeClr>
-              </a:solidFill>
-              <a:effectLst/>
-              <a:uLnTx/>
-              <a:uFillTx/>
-              <a:latin typeface="微软雅黑" panose="020B0503020204020204" pitchFamily="34" charset="-122"/>
-              <a:ea typeface="微软雅黑" panose="020B0503020204020204" pitchFamily="34" charset="-122"/>
-              <a:cs typeface="+mj-cs"/>
-            </a:endParaRPr>
           </a:p>
         </p:txBody>
       </p:sp>
@@ -6146,15 +6074,6 @@
               </a:rPr>
               <a:t>  </a:t>
             </a:r>
-            <a:endParaRPr lang="en-US" altLang="zh-CN" sz="1400" dirty="0">
-              <a:solidFill>
-                <a:schemeClr val="accent1">
-                  <a:lumMod val="75000"/>
-                </a:schemeClr>
-              </a:solidFill>
-              <a:latin typeface="微软雅黑" panose="020B0503020204020204" pitchFamily="34" charset="-122"/>
-              <a:ea typeface="微软雅黑" panose="020B0503020204020204" pitchFamily="34" charset="-122"/>
-            </a:endParaRPr>
           </a:p>
           <a:p>
             <a:pPr lvl="0"/>
@@ -6338,7 +6257,6 @@
               <a:rPr lang="zh-CN" altLang="en-US" dirty="0"/>
               <a:t>单击编辑正文内容</a:t>
             </a:r>
-            <a:endParaRPr lang="zh-CN" altLang="en-US" dirty="0"/>
           </a:p>
           <a:p>
             <a:pPr lvl="0"/>
@@ -6346,7 +6264,6 @@
               <a:rPr lang="zh-CN" altLang="en-US" dirty="0"/>
               <a:t>第一级内容</a:t>
             </a:r>
-            <a:endParaRPr lang="zh-CN" altLang="en-US" dirty="0"/>
           </a:p>
           <a:p>
             <a:pPr lvl="0"/>
@@ -6358,7 +6275,6 @@
               <a:rPr lang="zh-CN" altLang="en-US" dirty="0"/>
               <a:t>第二级内容</a:t>
             </a:r>
-            <a:endParaRPr lang="zh-CN" altLang="en-US" dirty="0"/>
           </a:p>
           <a:p>
             <a:pPr lvl="0"/>
@@ -6485,7 +6401,6 @@
               <a:rPr lang="zh-CN" altLang="en-US" dirty="0"/>
               <a:t>黑白（版本不同路径可能不同）</a:t>
             </a:r>
-            <a:endParaRPr lang="zh-CN" altLang="en-US" dirty="0"/>
           </a:p>
         </p:txBody>
       </p:sp>
@@ -6589,7 +6504,6 @@
               <a:rPr lang="zh-CN" altLang="en-US" dirty="0"/>
               <a:t>演讲者</a:t>
             </a:r>
-            <a:endParaRPr lang="zh-CN" altLang="en-US" dirty="0"/>
           </a:p>
         </p:txBody>
       </p:sp>
@@ -6629,6 +6543,7 @@
             </a:pPr>
             <a:fld id="{8FC7DBC8-975C-4207-936C-01FC1A90A004}" type="datetime1">
               <a:rPr lang="zh-CN" altLang="en-US" smtClean="0"/>
+              <a:t>2024/11/19</a:t>
             </a:fld>
             <a:endParaRPr lang="zh-CN" altLang="en-US" dirty="0"/>
           </a:p>
@@ -6776,7 +6691,6 @@
               <a:rPr lang="zh-CN" altLang="en-US" dirty="0"/>
               <a:t>第二级内容</a:t>
             </a:r>
-            <a:endParaRPr lang="zh-CN" altLang="en-US" dirty="0"/>
           </a:p>
         </p:txBody>
       </p:sp>
@@ -6899,7 +6813,6 @@
               <a:rPr lang="zh-CN" altLang="en-US" dirty="0"/>
               <a:t>黑白（版本不同路径可能不同）</a:t>
             </a:r>
-            <a:endParaRPr lang="zh-CN" altLang="en-US" dirty="0"/>
           </a:p>
         </p:txBody>
       </p:sp>
@@ -7060,7 +6973,6 @@
               <a:rPr lang="zh-CN" altLang="en-US" dirty="0"/>
               <a:t>黑白（版本不同路径可能不同）</a:t>
             </a:r>
-            <a:endParaRPr lang="zh-CN" altLang="en-US" dirty="0"/>
           </a:p>
         </p:txBody>
       </p:sp>
@@ -7218,7 +7130,6 @@
               <a:rPr lang="zh-CN" altLang="en-US" dirty="0"/>
               <a:t>黑白（版本不同路径可能不同）</a:t>
             </a:r>
-            <a:endParaRPr lang="zh-CN" altLang="en-US" dirty="0"/>
           </a:p>
         </p:txBody>
       </p:sp>
@@ -7330,23 +7241,6 @@
               </a:rPr>
               <a:t>演讲者</a:t>
             </a:r>
-            <a:endParaRPr kumimoji="0" lang="zh-CN" altLang="en-US" sz="2400" b="1" i="0" u="none" strike="noStrike" kern="1200" cap="all" spc="0" normalizeH="0" baseline="0" noProof="0" dirty="0">
-              <a:ln>
-                <a:noFill/>
-              </a:ln>
-              <a:solidFill>
-                <a:schemeClr val="tx1">
-                  <a:lumMod val="85000"/>
-                  <a:lumOff val="15000"/>
-                </a:schemeClr>
-              </a:solidFill>
-              <a:effectLst/>
-              <a:uLnTx/>
-              <a:uFillTx/>
-              <a:latin typeface="微软雅黑" panose="020B0503020204020204" pitchFamily="34" charset="-122"/>
-              <a:ea typeface="微软雅黑" panose="020B0503020204020204" pitchFamily="34" charset="-122"/>
-              <a:cs typeface="+mj-cs"/>
-            </a:endParaRPr>
           </a:p>
         </p:txBody>
       </p:sp>
@@ -7420,23 +7314,6 @@
               </a:rPr>
               <a:t>演讲者</a:t>
             </a:r>
-            <a:endParaRPr kumimoji="0" lang="zh-CN" altLang="en-US" sz="2400" b="1" i="0" u="none" strike="noStrike" kern="1200" cap="all" spc="0" normalizeH="0" baseline="0" noProof="0" dirty="0">
-              <a:ln>
-                <a:noFill/>
-              </a:ln>
-              <a:solidFill>
-                <a:schemeClr val="tx1">
-                  <a:lumMod val="85000"/>
-                  <a:lumOff val="15000"/>
-                </a:schemeClr>
-              </a:solidFill>
-              <a:effectLst/>
-              <a:uLnTx/>
-              <a:uFillTx/>
-              <a:latin typeface="微软雅黑" panose="020B0503020204020204" pitchFamily="34" charset="-122"/>
-              <a:ea typeface="微软雅黑" panose="020B0503020204020204" pitchFamily="34" charset="-122"/>
-              <a:cs typeface="+mj-cs"/>
-            </a:endParaRPr>
           </a:p>
         </p:txBody>
       </p:sp>
@@ -7561,7 +7438,6 @@
               <a:rPr lang="zh-CN" altLang="en-US" dirty="0"/>
               <a:t>单击编辑正文内容</a:t>
             </a:r>
-            <a:endParaRPr lang="zh-CN" altLang="en-US" dirty="0"/>
           </a:p>
           <a:p>
             <a:pPr lvl="0"/>
@@ -7569,7 +7445,6 @@
               <a:rPr lang="zh-CN" altLang="en-US" dirty="0"/>
               <a:t>第一级内容</a:t>
             </a:r>
-            <a:endParaRPr lang="zh-CN" altLang="en-US" dirty="0"/>
           </a:p>
           <a:p>
             <a:pPr lvl="0"/>
@@ -7581,7 +7456,6 @@
               <a:rPr lang="zh-CN" altLang="en-US" dirty="0"/>
               <a:t>第二级内容</a:t>
             </a:r>
-            <a:endParaRPr lang="zh-CN" altLang="en-US" dirty="0"/>
           </a:p>
           <a:p>
             <a:pPr lvl="0"/>
@@ -7659,23 +7533,6 @@
               </a:rPr>
               <a:t>演讲者</a:t>
             </a:r>
-            <a:endParaRPr kumimoji="0" lang="zh-CN" altLang="en-US" sz="2400" b="1" i="0" u="none" strike="noStrike" kern="1200" cap="all" spc="0" normalizeH="0" baseline="0" noProof="0" dirty="0">
-              <a:ln>
-                <a:noFill/>
-              </a:ln>
-              <a:solidFill>
-                <a:schemeClr val="tx1">
-                  <a:lumMod val="85000"/>
-                  <a:lumOff val="15000"/>
-                </a:schemeClr>
-              </a:solidFill>
-              <a:effectLst/>
-              <a:uLnTx/>
-              <a:uFillTx/>
-              <a:latin typeface="微软雅黑" panose="020B0503020204020204" pitchFamily="34" charset="-122"/>
-              <a:ea typeface="微软雅黑" panose="020B0503020204020204" pitchFamily="34" charset="-122"/>
-              <a:cs typeface="+mj-cs"/>
-            </a:endParaRPr>
           </a:p>
         </p:txBody>
       </p:sp>
@@ -7820,7 +7677,6 @@
               <a:rPr lang="zh-CN" altLang="en-US" dirty="0"/>
               <a:t>第二级内容</a:t>
             </a:r>
-            <a:endParaRPr lang="zh-CN" altLang="en-US" dirty="0"/>
           </a:p>
           <a:p>
             <a:pPr lvl="0"/>
@@ -8099,6 +7955,7 @@
             </a:pPr>
             <a:fld id="{8FC7DBC8-975C-4207-936C-01FC1A90A004}" type="datetime1">
               <a:rPr lang="zh-CN" altLang="en-US" smtClean="0"/>
+              <a:t>2024/11/19</a:t>
             </a:fld>
             <a:endParaRPr lang="zh-CN" altLang="en-US" dirty="0"/>
           </a:p>
@@ -8273,7 +8130,6 @@
               <a:rPr lang="zh-CN" altLang="en-US" dirty="0"/>
               <a:t>第三节  单击编辑章节标题</a:t>
             </a:r>
-            <a:endParaRPr lang="zh-CN" altLang="en-US" dirty="0"/>
           </a:p>
         </p:txBody>
       </p:sp>
@@ -8392,7 +8248,6 @@
               <a:rPr lang="zh-CN" altLang="en-US" dirty="0"/>
               <a:t>单击此处编辑母版标题样式</a:t>
             </a:r>
-            <a:endParaRPr lang="zh-CN" altLang="en-US" dirty="0"/>
           </a:p>
         </p:txBody>
       </p:sp>
@@ -8483,6 +8338,7 @@
             </a:pPr>
             <a:fld id="{8FC7DBC8-975C-4207-936C-01FC1A90A004}" type="datetime1">
               <a:rPr lang="zh-CN" altLang="en-US" smtClean="0"/>
+              <a:t>2024/11/19</a:t>
             </a:fld>
             <a:endParaRPr lang="zh-CN" altLang="en-US" dirty="0"/>
           </a:p>
@@ -8899,6 +8755,7 @@
             </a:pPr>
             <a:fld id="{8FC7DBC8-975C-4207-936C-01FC1A90A004}" type="datetime1">
               <a:rPr lang="zh-CN" altLang="en-US" smtClean="0"/>
+              <a:t>2024/11/19</a:t>
             </a:fld>
             <a:endParaRPr lang="zh-CN" altLang="en-US" dirty="0"/>
           </a:p>
@@ -9249,6 +9106,7 @@
             </a:pPr>
             <a:fld id="{8FC7DBC8-975C-4207-936C-01FC1A90A004}" type="datetime1">
               <a:rPr lang="zh-CN" altLang="en-US" smtClean="0"/>
+              <a:t>2024/11/19</a:t>
             </a:fld>
             <a:endParaRPr lang="zh-CN" altLang="en-US" dirty="0"/>
           </a:p>
@@ -9422,7 +9280,6 @@
               <a:rPr lang="zh-CN" altLang="en-US" dirty="0"/>
               <a:t>单击编辑文本标题</a:t>
             </a:r>
-            <a:endParaRPr lang="zh-CN" altLang="en-US" dirty="0"/>
           </a:p>
         </p:txBody>
       </p:sp>
@@ -9462,6 +9319,7 @@
             </a:pPr>
             <a:fld id="{8FC7DBC8-975C-4207-936C-01FC1A90A004}" type="datetime1">
               <a:rPr lang="zh-CN" altLang="en-US" smtClean="0"/>
+              <a:t>2024/11/19</a:t>
             </a:fld>
             <a:endParaRPr lang="zh-CN" altLang="en-US" dirty="0"/>
           </a:p>
@@ -9873,22 +9731,6 @@
               </a:rPr>
               <a:t>  </a:t>
             </a:r>
-            <a:endParaRPr kumimoji="0" lang="en-US" altLang="zh-CN" sz="1400" b="0" i="0" u="none" strike="noStrike" kern="1200" cap="none" spc="0" normalizeH="0" baseline="0" noProof="0" dirty="0">
-              <a:ln>
-                <a:noFill/>
-              </a:ln>
-              <a:solidFill>
-                <a:srgbClr val="4F81BD">
-                  <a:lumMod val="75000"/>
-                </a:srgbClr>
-              </a:solidFill>
-              <a:effectLst/>
-              <a:uLnTx/>
-              <a:uFillTx/>
-              <a:latin typeface="微软雅黑" panose="020B0503020204020204" pitchFamily="34" charset="-122"/>
-              <a:ea typeface="微软雅黑" panose="020B0503020204020204" pitchFamily="34" charset="-122"/>
-              <a:cs typeface="+mn-cs"/>
-            </a:endParaRPr>
           </a:p>
           <a:p>
             <a:pPr lvl="0"/>
@@ -10016,7 +9858,6 @@
               <a:rPr lang="zh-CN" altLang="en-US" dirty="0"/>
               <a:t>单击编辑文本标题</a:t>
             </a:r>
-            <a:endParaRPr lang="zh-CN" altLang="en-US" dirty="0"/>
           </a:p>
         </p:txBody>
       </p:sp>
@@ -10056,6 +9897,7 @@
             </a:pPr>
             <a:fld id="{8FC7DBC8-975C-4207-936C-01FC1A90A004}" type="datetime1">
               <a:rPr lang="zh-CN" altLang="en-US" smtClean="0"/>
+              <a:t>2024/11/19</a:t>
             </a:fld>
             <a:endParaRPr lang="zh-CN" altLang="en-US" dirty="0"/>
           </a:p>
@@ -10467,22 +10309,6 @@
               </a:rPr>
               <a:t>  </a:t>
             </a:r>
-            <a:endParaRPr kumimoji="0" lang="en-US" altLang="zh-CN" sz="1400" b="0" i="0" u="none" strike="noStrike" kern="1200" cap="none" spc="0" normalizeH="0" baseline="0" noProof="0" dirty="0">
-              <a:ln>
-                <a:noFill/>
-              </a:ln>
-              <a:solidFill>
-                <a:srgbClr val="4F81BD">
-                  <a:lumMod val="75000"/>
-                </a:srgbClr>
-              </a:solidFill>
-              <a:effectLst/>
-              <a:uLnTx/>
-              <a:uFillTx/>
-              <a:latin typeface="微软雅黑" panose="020B0503020204020204" pitchFamily="34" charset="-122"/>
-              <a:ea typeface="微软雅黑" panose="020B0503020204020204" pitchFamily="34" charset="-122"/>
-              <a:cs typeface="+mn-cs"/>
-            </a:endParaRPr>
           </a:p>
           <a:p>
             <a:pPr lvl="0"/>
@@ -10844,7 +10670,6 @@
               <a:rPr lang="zh-CN" altLang="en-US" dirty="0"/>
               <a:t>单击编辑文本标题</a:t>
             </a:r>
-            <a:endParaRPr lang="zh-CN" altLang="en-US" dirty="0"/>
           </a:p>
         </p:txBody>
       </p:sp>
@@ -10884,6 +10709,7 @@
             </a:pPr>
             <a:fld id="{8FC7DBC8-975C-4207-936C-01FC1A90A004}" type="datetime1">
               <a:rPr lang="zh-CN" altLang="en-US" smtClean="0"/>
+              <a:t>2024/11/19</a:t>
             </a:fld>
             <a:endParaRPr lang="zh-CN" altLang="en-US" dirty="0"/>
           </a:p>
@@ -11295,22 +11121,6 @@
               </a:rPr>
               <a:t>  </a:t>
             </a:r>
-            <a:endParaRPr kumimoji="0" lang="en-US" altLang="zh-CN" sz="1400" b="0" i="0" u="none" strike="noStrike" kern="1200" cap="none" spc="0" normalizeH="0" baseline="0" noProof="0" dirty="0">
-              <a:ln>
-                <a:noFill/>
-              </a:ln>
-              <a:solidFill>
-                <a:srgbClr val="4F81BD">
-                  <a:lumMod val="75000"/>
-                </a:srgbClr>
-              </a:solidFill>
-              <a:effectLst/>
-              <a:uLnTx/>
-              <a:uFillTx/>
-              <a:latin typeface="微软雅黑" panose="020B0503020204020204" pitchFamily="34" charset="-122"/>
-              <a:ea typeface="微软雅黑" panose="020B0503020204020204" pitchFamily="34" charset="-122"/>
-              <a:cs typeface="+mn-cs"/>
-            </a:endParaRPr>
           </a:p>
           <a:p>
             <a:pPr lvl="0"/>
@@ -11693,7 +11503,6 @@
               <a:rPr lang="zh-CN" altLang="en-US" dirty="0"/>
               <a:t>右图 介绍信息</a:t>
             </a:r>
-            <a:endParaRPr lang="zh-CN" altLang="en-US" dirty="0"/>
           </a:p>
         </p:txBody>
       </p:sp>
@@ -11817,7 +11626,6 @@
               <a:rPr lang="zh-CN" altLang="en-US" dirty="0"/>
               <a:t>单击编辑文本标题</a:t>
             </a:r>
-            <a:endParaRPr lang="zh-CN" altLang="en-US" dirty="0"/>
           </a:p>
         </p:txBody>
       </p:sp>
@@ -11857,6 +11665,7 @@
             </a:pPr>
             <a:fld id="{8FC7DBC8-975C-4207-936C-01FC1A90A004}" type="datetime1">
               <a:rPr lang="zh-CN" altLang="en-US" smtClean="0"/>
+              <a:t>2024/11/19</a:t>
             </a:fld>
             <a:endParaRPr lang="zh-CN" altLang="en-US" dirty="0"/>
           </a:p>
@@ -12268,22 +12077,6 @@
               </a:rPr>
               <a:t>  </a:t>
             </a:r>
-            <a:endParaRPr kumimoji="0" lang="en-US" altLang="zh-CN" sz="1400" b="0" i="0" u="none" strike="noStrike" kern="1200" cap="none" spc="0" normalizeH="0" baseline="0" noProof="0" dirty="0">
-              <a:ln>
-                <a:noFill/>
-              </a:ln>
-              <a:solidFill>
-                <a:srgbClr val="4F81BD">
-                  <a:lumMod val="75000"/>
-                </a:srgbClr>
-              </a:solidFill>
-              <a:effectLst/>
-              <a:uLnTx/>
-              <a:uFillTx/>
-              <a:latin typeface="微软雅黑" panose="020B0503020204020204" pitchFamily="34" charset="-122"/>
-              <a:ea typeface="微软雅黑" panose="020B0503020204020204" pitchFamily="34" charset="-122"/>
-              <a:cs typeface="+mn-cs"/>
-            </a:endParaRPr>
           </a:p>
           <a:p>
             <a:pPr lvl="0"/>
@@ -12705,6 +12498,7 @@
             </a:pPr>
             <a:fld id="{8FC7DBC8-975C-4207-936C-01FC1A90A004}" type="datetime1">
               <a:rPr lang="zh-CN" altLang="en-US" smtClean="0"/>
+              <a:t>2024/11/19</a:t>
             </a:fld>
             <a:endParaRPr lang="zh-CN" altLang="en-US" dirty="0"/>
           </a:p>
@@ -13116,22 +12910,6 @@
               </a:rPr>
               <a:t>  </a:t>
             </a:r>
-            <a:endParaRPr kumimoji="0" lang="en-US" altLang="zh-CN" sz="1400" b="0" i="0" u="none" strike="noStrike" kern="1200" cap="none" spc="0" normalizeH="0" baseline="0" noProof="0" dirty="0">
-              <a:ln>
-                <a:noFill/>
-              </a:ln>
-              <a:solidFill>
-                <a:srgbClr val="4F81BD">
-                  <a:lumMod val="75000"/>
-                </a:srgbClr>
-              </a:solidFill>
-              <a:effectLst/>
-              <a:uLnTx/>
-              <a:uFillTx/>
-              <a:latin typeface="微软雅黑" panose="020B0503020204020204" pitchFamily="34" charset="-122"/>
-              <a:ea typeface="微软雅黑" panose="020B0503020204020204" pitchFamily="34" charset="-122"/>
-              <a:cs typeface="+mn-cs"/>
-            </a:endParaRPr>
           </a:p>
           <a:p>
             <a:pPr lvl="0"/>
@@ -14049,7 +13827,6 @@
               <a:rPr lang="zh-CN" altLang="en-US" dirty="0"/>
               <a:t>图片信息</a:t>
             </a:r>
-            <a:endParaRPr lang="zh-CN" altLang="en-US" dirty="0"/>
           </a:p>
         </p:txBody>
       </p:sp>
@@ -14169,7 +13946,6 @@
               <a:rPr lang="zh-CN" altLang="en-US" dirty="0"/>
               <a:t>单击编辑文本标题</a:t>
             </a:r>
-            <a:endParaRPr lang="zh-CN" altLang="en-US" dirty="0"/>
           </a:p>
         </p:txBody>
       </p:sp>
@@ -14209,6 +13985,7 @@
             </a:pPr>
             <a:fld id="{8FC7DBC8-975C-4207-936C-01FC1A90A004}" type="datetime1">
               <a:rPr lang="zh-CN" altLang="en-US" smtClean="0"/>
+              <a:t>2024/11/19</a:t>
             </a:fld>
             <a:endParaRPr lang="zh-CN" altLang="en-US" dirty="0"/>
           </a:p>
@@ -14606,7 +14383,6 @@
               <a:rPr lang="zh-CN" altLang="en-US" dirty="0"/>
               <a:t>单击编辑标题</a:t>
             </a:r>
-            <a:endParaRPr lang="zh-CN" altLang="en-US" dirty="0"/>
           </a:p>
         </p:txBody>
       </p:sp>
@@ -14675,7 +14451,6 @@
               <a:rPr lang="zh-CN" altLang="en-US" dirty="0"/>
               <a:t>文本内容或对象</a:t>
             </a:r>
-            <a:endParaRPr lang="zh-CN" altLang="en-US" dirty="0"/>
           </a:p>
         </p:txBody>
       </p:sp>
@@ -14873,7 +14648,6 @@
               <a:rPr lang="zh-CN" altLang="en-US" dirty="0"/>
               <a:t>单击编辑标题</a:t>
             </a:r>
-            <a:endParaRPr lang="zh-CN" altLang="en-US" dirty="0"/>
           </a:p>
         </p:txBody>
       </p:sp>
@@ -14942,7 +14716,6 @@
               <a:rPr lang="zh-CN" altLang="en-US" dirty="0"/>
               <a:t>文本内容或对象</a:t>
             </a:r>
-            <a:endParaRPr lang="zh-CN" altLang="en-US" dirty="0"/>
           </a:p>
         </p:txBody>
       </p:sp>
@@ -15143,7 +14916,6 @@
               <a:rPr lang="zh-CN" altLang="en-US" dirty="0"/>
               <a:t>单击编辑标题</a:t>
             </a:r>
-            <a:endParaRPr lang="zh-CN" altLang="en-US" dirty="0"/>
           </a:p>
         </p:txBody>
       </p:sp>
@@ -15212,7 +14984,6 @@
               <a:rPr lang="zh-CN" altLang="en-US" dirty="0"/>
               <a:t>文本内容或对象</a:t>
             </a:r>
-            <a:endParaRPr lang="zh-CN" altLang="en-US" dirty="0"/>
           </a:p>
         </p:txBody>
       </p:sp>
@@ -15410,7 +15181,6 @@
               <a:rPr lang="zh-CN" altLang="en-US" dirty="0"/>
               <a:t>单击编辑标题</a:t>
             </a:r>
-            <a:endParaRPr lang="zh-CN" altLang="en-US" dirty="0"/>
           </a:p>
         </p:txBody>
       </p:sp>
@@ -15479,7 +15249,6 @@
               <a:rPr lang="zh-CN" altLang="en-US" dirty="0"/>
               <a:t>文本内容或对象</a:t>
             </a:r>
-            <a:endParaRPr lang="zh-CN" altLang="en-US" dirty="0"/>
           </a:p>
         </p:txBody>
       </p:sp>
@@ -15663,6 +15432,7 @@
             </a:pPr>
             <a:fld id="{8FC7DBC8-975C-4207-936C-01FC1A90A004}" type="datetime1">
               <a:rPr lang="zh-CN" altLang="en-US" smtClean="0"/>
+              <a:t>2024/11/19</a:t>
             </a:fld>
             <a:endParaRPr lang="zh-CN" altLang="en-US" dirty="0"/>
           </a:p>
@@ -15944,23 +15714,6 @@
               </a:rPr>
               <a:t>单击编辑文本标题（数据图）</a:t>
             </a:r>
-            <a:endParaRPr kumimoji="0" lang="zh-CN" altLang="en-US" sz="3120" b="1" i="0" u="none" strike="noStrike" kern="1200" cap="all" spc="0" normalizeH="0" baseline="0" noProof="0" dirty="0">
-              <a:ln>
-                <a:noFill/>
-              </a:ln>
-              <a:solidFill>
-                <a:schemeClr val="tx1">
-                  <a:lumMod val="85000"/>
-                  <a:lumOff val="15000"/>
-                </a:schemeClr>
-              </a:solidFill>
-              <a:effectLst/>
-              <a:uLnTx/>
-              <a:uFillTx/>
-              <a:latin typeface="微软雅黑" panose="020B0503020204020204" pitchFamily="34" charset="-122"/>
-              <a:ea typeface="微软雅黑" panose="020B0503020204020204" pitchFamily="34" charset="-122"/>
-              <a:cs typeface="+mj-cs"/>
-            </a:endParaRPr>
           </a:p>
         </p:txBody>
       </p:sp>
@@ -16420,7 +16173,6 @@
               <a:rPr lang="zh-CN" altLang="en-US" dirty="0"/>
               <a:t>单击编辑文本标题（数据图）</a:t>
             </a:r>
-            <a:endParaRPr lang="zh-CN" altLang="en-US" dirty="0"/>
           </a:p>
         </p:txBody>
       </p:sp>
@@ -16460,6 +16212,7 @@
             </a:pPr>
             <a:fld id="{8FC7DBC8-975C-4207-936C-01FC1A90A004}" type="datetime1">
               <a:rPr lang="zh-CN" altLang="en-US" smtClean="0"/>
+              <a:t>2024/11/19</a:t>
             </a:fld>
             <a:endParaRPr lang="zh-CN" altLang="en-US" dirty="0"/>
           </a:p>
@@ -16871,22 +16624,6 @@
               </a:rPr>
               <a:t>  </a:t>
             </a:r>
-            <a:endParaRPr kumimoji="0" lang="en-US" altLang="zh-CN" sz="1400" b="0" i="0" u="none" strike="noStrike" kern="1200" cap="none" spc="0" normalizeH="0" baseline="0" noProof="0" dirty="0">
-              <a:ln>
-                <a:noFill/>
-              </a:ln>
-              <a:solidFill>
-                <a:srgbClr val="4F81BD">
-                  <a:lumMod val="75000"/>
-                </a:srgbClr>
-              </a:solidFill>
-              <a:effectLst/>
-              <a:uLnTx/>
-              <a:uFillTx/>
-              <a:latin typeface="微软雅黑" panose="020B0503020204020204" pitchFamily="34" charset="-122"/>
-              <a:ea typeface="微软雅黑" panose="020B0503020204020204" pitchFamily="34" charset="-122"/>
-              <a:cs typeface="+mn-cs"/>
-            </a:endParaRPr>
           </a:p>
           <a:p>
             <a:pPr lvl="0"/>
@@ -17455,7 +17192,6 @@
               <a:rPr lang="zh-CN" altLang="en-US" dirty="0"/>
               <a:t>单击编辑标题</a:t>
             </a:r>
-            <a:endParaRPr lang="zh-CN" altLang="en-US" dirty="0"/>
           </a:p>
         </p:txBody>
       </p:sp>
@@ -17524,7 +17260,6 @@
               <a:rPr lang="zh-CN" altLang="en-US" dirty="0"/>
               <a:t>文本内容或对象</a:t>
             </a:r>
-            <a:endParaRPr lang="zh-CN" altLang="en-US" dirty="0"/>
           </a:p>
         </p:txBody>
       </p:sp>
@@ -17661,7 +17396,6 @@
               <a:rPr lang="zh-CN" altLang="en-US" dirty="0"/>
               <a:t>单击编辑标题</a:t>
             </a:r>
-            <a:endParaRPr lang="zh-CN" altLang="en-US" dirty="0"/>
           </a:p>
         </p:txBody>
       </p:sp>
@@ -17730,7 +17464,6 @@
               <a:rPr lang="zh-CN" altLang="en-US" dirty="0"/>
               <a:t>文本内容或对象</a:t>
             </a:r>
-            <a:endParaRPr lang="zh-CN" altLang="en-US" dirty="0"/>
           </a:p>
         </p:txBody>
       </p:sp>
@@ -17867,7 +17600,6 @@
               <a:rPr lang="zh-CN" altLang="en-US" dirty="0"/>
               <a:t>单击编辑标题</a:t>
             </a:r>
-            <a:endParaRPr lang="zh-CN" altLang="en-US" dirty="0"/>
           </a:p>
         </p:txBody>
       </p:sp>
@@ -17936,7 +17668,6 @@
               <a:rPr lang="zh-CN" altLang="en-US" dirty="0"/>
               <a:t>文本内容或对象</a:t>
             </a:r>
-            <a:endParaRPr lang="zh-CN" altLang="en-US" dirty="0"/>
           </a:p>
         </p:txBody>
       </p:sp>
@@ -18073,7 +17804,6 @@
               <a:rPr lang="zh-CN" altLang="en-US" dirty="0"/>
               <a:t>单击编辑文本标题</a:t>
             </a:r>
-            <a:endParaRPr lang="zh-CN" altLang="en-US" dirty="0"/>
           </a:p>
         </p:txBody>
       </p:sp>
@@ -18113,6 +17843,7 @@
             </a:pPr>
             <a:fld id="{8FC7DBC8-975C-4207-936C-01FC1A90A004}" type="datetime1">
               <a:rPr lang="zh-CN" altLang="en-US" smtClean="0"/>
+              <a:t>2024/11/19</a:t>
             </a:fld>
             <a:endParaRPr lang="zh-CN" altLang="en-US" dirty="0"/>
           </a:p>
@@ -18574,7 +18305,6 @@
               <a:rPr lang="zh-CN" altLang="en-US" dirty="0"/>
               <a:t>单击编辑标题</a:t>
             </a:r>
-            <a:endParaRPr lang="zh-CN" altLang="en-US" dirty="0"/>
           </a:p>
         </p:txBody>
       </p:sp>
@@ -18643,7 +18373,6 @@
               <a:rPr lang="zh-CN" altLang="en-US" dirty="0"/>
               <a:t>文本内容或对象</a:t>
             </a:r>
-            <a:endParaRPr lang="zh-CN" altLang="en-US" dirty="0"/>
           </a:p>
         </p:txBody>
       </p:sp>
@@ -18780,7 +18509,6 @@
               <a:rPr lang="zh-CN" altLang="en-US" dirty="0"/>
               <a:t>单击编辑标题</a:t>
             </a:r>
-            <a:endParaRPr lang="zh-CN" altLang="en-US" dirty="0"/>
           </a:p>
         </p:txBody>
       </p:sp>
@@ -18849,7 +18577,6 @@
               <a:rPr lang="zh-CN" altLang="en-US" dirty="0"/>
               <a:t>文本内容或对象</a:t>
             </a:r>
-            <a:endParaRPr lang="zh-CN" altLang="en-US" dirty="0"/>
           </a:p>
         </p:txBody>
       </p:sp>
@@ -18986,7 +18713,6 @@
               <a:rPr lang="zh-CN" altLang="en-US" dirty="0"/>
               <a:t>单击编辑文本标题</a:t>
             </a:r>
-            <a:endParaRPr lang="zh-CN" altLang="en-US" dirty="0"/>
           </a:p>
         </p:txBody>
       </p:sp>
@@ -19026,6 +18752,7 @@
             </a:pPr>
             <a:fld id="{8FC7DBC8-975C-4207-936C-01FC1A90A004}" type="datetime1">
               <a:rPr lang="zh-CN" altLang="en-US" smtClean="0"/>
+              <a:t>2024/11/19</a:t>
             </a:fld>
             <a:endParaRPr lang="zh-CN" altLang="en-US" dirty="0"/>
           </a:p>
@@ -19591,7 +19318,6 @@
               <a:rPr lang="zh-CN" altLang="en-US" dirty="0"/>
               <a:t>单击编辑标题</a:t>
             </a:r>
-            <a:endParaRPr lang="zh-CN" altLang="en-US" dirty="0"/>
           </a:p>
         </p:txBody>
       </p:sp>
@@ -19727,7 +19453,6 @@
               <a:rPr lang="zh-CN" altLang="en-US" dirty="0"/>
               <a:t>单击编辑标题</a:t>
             </a:r>
-            <a:endParaRPr lang="zh-CN" altLang="en-US" dirty="0"/>
           </a:p>
         </p:txBody>
       </p:sp>
@@ -19863,7 +19588,6 @@
               <a:rPr lang="zh-CN" altLang="en-US" dirty="0"/>
               <a:t>单击编辑标题</a:t>
             </a:r>
-            <a:endParaRPr lang="zh-CN" altLang="en-US" dirty="0"/>
           </a:p>
         </p:txBody>
       </p:sp>
@@ -20000,7 +19724,6 @@
               <a:rPr lang="zh-CN" altLang="en-US" dirty="0"/>
               <a:t>单击编辑正文内容</a:t>
             </a:r>
-            <a:endParaRPr lang="zh-CN" altLang="en-US" dirty="0"/>
           </a:p>
         </p:txBody>
       </p:sp>
@@ -20137,7 +19860,6 @@
               <a:rPr lang="zh-CN" altLang="en-US" dirty="0"/>
               <a:t>单击编辑正文内容</a:t>
             </a:r>
-            <a:endParaRPr lang="zh-CN" altLang="en-US" dirty="0"/>
           </a:p>
         </p:txBody>
       </p:sp>
@@ -20274,7 +19996,6 @@
               <a:rPr lang="zh-CN" altLang="en-US" dirty="0"/>
               <a:t>单击编辑正文内容</a:t>
             </a:r>
-            <a:endParaRPr lang="zh-CN" altLang="en-US" dirty="0"/>
           </a:p>
         </p:txBody>
       </p:sp>
@@ -20411,7 +20132,6 @@
               <a:rPr lang="zh-CN" altLang="en-US" dirty="0"/>
               <a:t>单击编辑文本标题</a:t>
             </a:r>
-            <a:endParaRPr lang="zh-CN" altLang="en-US" dirty="0"/>
           </a:p>
         </p:txBody>
       </p:sp>
@@ -20451,6 +20171,7 @@
             </a:pPr>
             <a:fld id="{8FC7DBC8-975C-4207-936C-01FC1A90A004}" type="datetime1">
               <a:rPr lang="zh-CN" altLang="en-US" smtClean="0"/>
+              <a:t>2024/11/19</a:t>
             </a:fld>
             <a:endParaRPr lang="zh-CN" altLang="en-US" dirty="0"/>
           </a:p>
@@ -20823,13 +20544,6 @@
               </a:rPr>
               <a:t>单击编辑</a:t>
             </a:r>
-            <a:endParaRPr lang="zh-CN" altLang="en-US" sz="2400" b="1" dirty="0">
-              <a:solidFill>
-                <a:schemeClr val="bg1"/>
-              </a:solidFill>
-              <a:latin typeface="微软雅黑" panose="020B0503020204020204" pitchFamily="34" charset="-122"/>
-              <a:ea typeface="微软雅黑" panose="020B0503020204020204" pitchFamily="34" charset="-122"/>
-            </a:endParaRPr>
           </a:p>
         </p:txBody>
       </p:sp>
@@ -20871,13 +20585,6 @@
               </a:rPr>
               <a:t>单击编辑</a:t>
             </a:r>
-            <a:endParaRPr lang="zh-CN" altLang="en-US" sz="2400" b="1" dirty="0">
-              <a:solidFill>
-                <a:schemeClr val="bg1"/>
-              </a:solidFill>
-              <a:latin typeface="微软雅黑" panose="020B0503020204020204" pitchFamily="34" charset="-122"/>
-              <a:ea typeface="微软雅黑" panose="020B0503020204020204" pitchFamily="34" charset="-122"/>
-            </a:endParaRPr>
           </a:p>
         </p:txBody>
       </p:sp>
@@ -20919,13 +20626,6 @@
               </a:rPr>
               <a:t>单击编辑</a:t>
             </a:r>
-            <a:endParaRPr lang="zh-CN" altLang="en-US" sz="2400" b="1" dirty="0">
-              <a:solidFill>
-                <a:schemeClr val="bg1"/>
-              </a:solidFill>
-              <a:latin typeface="微软雅黑" panose="020B0503020204020204" pitchFamily="34" charset="-122"/>
-              <a:ea typeface="微软雅黑" panose="020B0503020204020204" pitchFamily="34" charset="-122"/>
-            </a:endParaRPr>
           </a:p>
         </p:txBody>
       </p:sp>
@@ -20967,13 +20667,6 @@
               </a:rPr>
               <a:t>单击编辑</a:t>
             </a:r>
-            <a:endParaRPr lang="zh-CN" altLang="en-US" sz="2400" b="1" dirty="0">
-              <a:solidFill>
-                <a:schemeClr val="bg1"/>
-              </a:solidFill>
-              <a:latin typeface="微软雅黑" panose="020B0503020204020204" pitchFamily="34" charset="-122"/>
-              <a:ea typeface="微软雅黑" panose="020B0503020204020204" pitchFamily="34" charset="-122"/>
-            </a:endParaRPr>
           </a:p>
         </p:txBody>
       </p:sp>
@@ -21015,13 +20708,6 @@
               </a:rPr>
               <a:t>单击编辑</a:t>
             </a:r>
-            <a:endParaRPr lang="zh-CN" altLang="en-US" sz="2400" b="1" dirty="0">
-              <a:solidFill>
-                <a:schemeClr val="bg1"/>
-              </a:solidFill>
-              <a:latin typeface="微软雅黑" panose="020B0503020204020204" pitchFamily="34" charset="-122"/>
-              <a:ea typeface="微软雅黑" panose="020B0503020204020204" pitchFamily="34" charset="-122"/>
-            </a:endParaRPr>
           </a:p>
         </p:txBody>
       </p:sp>
@@ -21142,7 +20828,6 @@
               <a:rPr lang="zh-CN" altLang="en-US" dirty="0"/>
               <a:t>结束语</a:t>
             </a:r>
-            <a:endParaRPr lang="zh-CN" altLang="en-US" dirty="0"/>
           </a:p>
         </p:txBody>
       </p:sp>
@@ -21268,7 +20953,6 @@
               <a:rPr lang="zh-CN" altLang="en-US" dirty="0"/>
               <a:t>单击此处编辑副标题文字</a:t>
             </a:r>
-            <a:endParaRPr lang="zh-CN" altLang="en-US" dirty="0"/>
           </a:p>
         </p:txBody>
       </p:sp>
@@ -21421,7 +21105,6 @@
               <a:rPr lang="zh-CN" altLang="en-US" dirty="0"/>
               <a:t>联系方式等</a:t>
             </a:r>
-            <a:endParaRPr lang="zh-CN" altLang="en-US" dirty="0"/>
           </a:p>
         </p:txBody>
       </p:sp>
@@ -21647,7 +21330,6 @@
               <a:rPr lang="zh-CN" altLang="en-US" dirty="0"/>
               <a:t>谢谢</a:t>
             </a:r>
-            <a:endParaRPr lang="zh-CN" altLang="en-US" dirty="0"/>
           </a:p>
         </p:txBody>
       </p:sp>
@@ -21780,7 +21462,6 @@
               <a:rPr lang="zh-CN" altLang="en-US" dirty="0"/>
               <a:t>联系方式</a:t>
             </a:r>
-            <a:endParaRPr lang="zh-CN" altLang="en-US" dirty="0"/>
           </a:p>
         </p:txBody>
       </p:sp>
@@ -21883,6 +21564,7 @@
                   </a:schemeClr>
                 </a:solidFill>
               </a:rPr>
+              <a:t>2024/11/19</a:t>
             </a:fld>
             <a:endParaRPr lang="zh-CN" altLang="en-US" sz="1400" dirty="0">
               <a:solidFill>
@@ -21937,6 +21619,7 @@
           <a:p>
             <a:fld id="{7BEF5A3D-07BE-48FF-8AF4-F046F630E329}" type="datetimeFigureOut">
               <a:rPr lang="zh-CN" altLang="en-US" smtClean="0"/>
+              <a:t>2024/11/19</a:t>
             </a:fld>
             <a:endParaRPr lang="zh-CN" altLang="en-US"/>
           </a:p>
@@ -21978,6 +21661,7 @@
           <a:p>
             <a:fld id="{8BE6E5F0-A76E-4C17-8C81-56BBF4B01B99}" type="slidenum">
               <a:rPr lang="zh-CN" altLang="en-US" smtClean="0"/>
+              <a:t>‹#›</a:t>
             </a:fld>
             <a:endParaRPr lang="zh-CN" altLang="en-US"/>
           </a:p>
@@ -22035,7 +21719,6 @@
               <a:rPr lang="zh-CN" altLang="en-US" dirty="0"/>
               <a:t>单击此处编辑母版标题样式</a:t>
             </a:r>
-            <a:endParaRPr lang="zh-CN" altLang="en-US" dirty="0"/>
           </a:p>
         </p:txBody>
       </p:sp>
@@ -22137,6 +21820,7 @@
           <a:p>
             <a:fld id="{00F41A80-2106-4B14-A8A7-2BC35A9723BE}" type="slidenum">
               <a:rPr lang="zh-SG" altLang="en-US" smtClean="0"/>
+              <a:t>‹#›</a:t>
             </a:fld>
             <a:endParaRPr lang="zh-SG" altLang="en-US"/>
           </a:p>
@@ -22179,7 +21863,6 @@
               <a:rPr lang="en-US" altLang="zh-SG" dirty="0"/>
               <a:t>Edit Master text styles</a:t>
             </a:r>
-            <a:endParaRPr lang="en-US" altLang="zh-SG" dirty="0"/>
           </a:p>
         </p:txBody>
       </p:sp>
@@ -22262,7 +21945,6 @@
               <a:rPr lang="en-US" altLang="zh-SG" dirty="0"/>
               <a:t>Edit Master text styles</a:t>
             </a:r>
-            <a:endParaRPr lang="en-US" altLang="zh-SG" dirty="0"/>
           </a:p>
           <a:p>
             <a:pPr lvl="1"/>
@@ -22270,7 +21952,6 @@
               <a:rPr lang="en-US" altLang="zh-SG" dirty="0"/>
               <a:t>Second level</a:t>
             </a:r>
-            <a:endParaRPr lang="en-US" altLang="zh-SG" dirty="0"/>
           </a:p>
           <a:p>
             <a:pPr lvl="2"/>
@@ -22278,7 +21959,6 @@
               <a:rPr lang="en-US" altLang="zh-SG" dirty="0"/>
               <a:t>Third level</a:t>
             </a:r>
-            <a:endParaRPr lang="en-US" altLang="zh-SG" dirty="0"/>
           </a:p>
         </p:txBody>
       </p:sp>
@@ -22517,22 +22197,6 @@
               </a:rPr>
               <a:t>目录</a:t>
             </a:r>
-            <a:endParaRPr kumimoji="0" lang="zh-CN" altLang="en-US" sz="3600" b="1" i="0" u="none" strike="noStrike" kern="1200" cap="all" spc="0" normalizeH="0" baseline="0" noProof="0" dirty="0">
-              <a:ln>
-                <a:noFill/>
-              </a:ln>
-              <a:solidFill>
-                <a:srgbClr val="92A2BD">
-                  <a:lumMod val="50000"/>
-                </a:srgbClr>
-              </a:solidFill>
-              <a:effectLst/>
-              <a:uLnTx/>
-              <a:uFillTx/>
-              <a:latin typeface="微软雅黑" panose="020B0503020204020204" pitchFamily="34" charset="-122"/>
-              <a:ea typeface="微软雅黑" panose="020B0503020204020204" pitchFamily="34" charset="-122"/>
-              <a:cs typeface="+mn-cs"/>
-            </a:endParaRPr>
           </a:p>
         </p:txBody>
       </p:sp>
@@ -23266,7 +22930,6 @@
               <a:rPr lang="zh-CN" altLang="en-US" dirty="0"/>
               <a:t>单击此处编辑母版标题样式</a:t>
             </a:r>
-            <a:endParaRPr lang="zh-CN" altLang="en-US" dirty="0"/>
           </a:p>
         </p:txBody>
       </p:sp>
@@ -23354,7 +23017,6 @@
               <a:rPr lang="zh-CN" altLang="en-US" dirty="0"/>
               <a:t>编辑母版文本样式</a:t>
             </a:r>
-            <a:endParaRPr lang="zh-CN" altLang="en-US" dirty="0"/>
           </a:p>
           <a:p>
             <a:pPr lvl="1"/>
@@ -23362,7 +23024,6 @@
               <a:rPr lang="zh-CN" altLang="en-US" dirty="0"/>
               <a:t>第二级</a:t>
             </a:r>
-            <a:endParaRPr lang="zh-CN" altLang="en-US" dirty="0"/>
           </a:p>
           <a:p>
             <a:pPr lvl="2"/>
@@ -23370,7 +23031,6 @@
               <a:rPr lang="zh-CN" altLang="en-US" dirty="0"/>
               <a:t>第三级</a:t>
             </a:r>
-            <a:endParaRPr lang="zh-CN" altLang="en-US" dirty="0"/>
           </a:p>
           <a:p>
             <a:pPr lvl="3"/>
@@ -23378,7 +23038,6 @@
               <a:rPr lang="zh-CN" altLang="en-US" dirty="0"/>
               <a:t>第四级</a:t>
             </a:r>
-            <a:endParaRPr lang="zh-CN" altLang="en-US" dirty="0"/>
           </a:p>
           <a:p>
             <a:pPr lvl="4"/>
@@ -23386,7 +23045,6 @@
               <a:rPr lang="zh-CN" altLang="en-US" dirty="0"/>
               <a:t>第五级</a:t>
             </a:r>
-            <a:endParaRPr lang="zh-CN" altLang="en-US" dirty="0"/>
           </a:p>
         </p:txBody>
       </p:sp>
@@ -23427,7 +23085,6 @@
               <a:rPr lang="zh-CN" altLang="en-US" dirty="0"/>
               <a:t>小标题</a:t>
             </a:r>
-            <a:endParaRPr lang="zh-CN" altLang="en-US" dirty="0"/>
           </a:p>
         </p:txBody>
       </p:sp>
@@ -23464,6 +23121,7 @@
           <a:p>
             <a:fld id="{AA807A42-CF27-4B84-8583-18EBE418342E}" type="slidenum">
               <a:rPr lang="de-DE" smtClean="0"/>
+              <a:t>‹#›</a:t>
             </a:fld>
             <a:endParaRPr lang="de-DE" dirty="0"/>
           </a:p>
@@ -23621,7 +23279,6 @@
               <a:rPr lang="zh-CN" altLang="en-US" dirty="0"/>
               <a:t>单击此处编辑母版标题样式</a:t>
             </a:r>
-            <a:endParaRPr lang="zh-CN" altLang="en-US" dirty="0"/>
           </a:p>
         </p:txBody>
       </p:sp>
@@ -23709,7 +23366,6 @@
               <a:rPr lang="zh-CN" altLang="en-US" dirty="0"/>
               <a:t>编辑母版文本样式</a:t>
             </a:r>
-            <a:endParaRPr lang="zh-CN" altLang="en-US" dirty="0"/>
           </a:p>
           <a:p>
             <a:pPr lvl="1"/>
@@ -23717,7 +23373,6 @@
               <a:rPr lang="zh-CN" altLang="en-US" dirty="0"/>
               <a:t>第二级</a:t>
             </a:r>
-            <a:endParaRPr lang="zh-CN" altLang="en-US" dirty="0"/>
           </a:p>
           <a:p>
             <a:pPr lvl="2"/>
@@ -23725,7 +23380,6 @@
               <a:rPr lang="zh-CN" altLang="en-US" dirty="0"/>
               <a:t>第三级</a:t>
             </a:r>
-            <a:endParaRPr lang="zh-CN" altLang="en-US" dirty="0"/>
           </a:p>
           <a:p>
             <a:pPr lvl="3"/>
@@ -23733,7 +23387,6 @@
               <a:rPr lang="zh-CN" altLang="en-US" dirty="0"/>
               <a:t>第四级</a:t>
             </a:r>
-            <a:endParaRPr lang="zh-CN" altLang="en-US" dirty="0"/>
           </a:p>
           <a:p>
             <a:pPr lvl="4"/>
@@ -23741,7 +23394,6 @@
               <a:rPr lang="zh-CN" altLang="en-US" dirty="0"/>
               <a:t>第五级</a:t>
             </a:r>
-            <a:endParaRPr lang="zh-CN" altLang="en-US" dirty="0"/>
           </a:p>
         </p:txBody>
       </p:sp>
@@ -23782,7 +23434,6 @@
               <a:rPr lang="zh-CN" altLang="en-US" dirty="0"/>
               <a:t>小标题</a:t>
             </a:r>
-            <a:endParaRPr lang="zh-CN" altLang="en-US" dirty="0"/>
           </a:p>
         </p:txBody>
       </p:sp>
@@ -23825,7 +23476,6 @@
               <a:rPr lang="zh-CN" altLang="en-US" dirty="0"/>
               <a:t>结论</a:t>
             </a:r>
-            <a:endParaRPr lang="zh-CN" altLang="en-US" dirty="0"/>
           </a:p>
         </p:txBody>
       </p:sp>
@@ -23862,6 +23512,7 @@
           <a:p>
             <a:fld id="{AA807A42-CF27-4B84-8583-18EBE418342E}" type="slidenum">
               <a:rPr lang="de-DE" smtClean="0"/>
+              <a:t>‹#›</a:t>
             </a:fld>
             <a:endParaRPr lang="de-DE" dirty="0"/>
           </a:p>
@@ -23971,12 +23622,12 @@
           <p:nvPr userDrawn="1"/>
         </p:nvPicPr>
         <p:blipFill rotWithShape="1">
-          <a:blip r:embed="rId3">
+          <a:blip r:embed="rId5">
             <a:alphaModFix amt="85000"/>
             <a:extLst>
               <a:ext uri="{BEBA8EAE-BF5A-486C-A8C5-ECC9F3942E4B}">
                 <a14:imgProps xmlns:a14="http://schemas.microsoft.com/office/drawing/2010/main">
-                  <a14:imgLayer r:embed="rId4">
+                  <a14:imgLayer r:embed="rId6">
                     <a14:imgEffect>
                       <a14:brightnessContrast bright="6000"/>
                     </a14:imgEffect>
@@ -24055,7 +23706,7 @@
           <p:cNvSpPr/>
           <p:nvPr userDrawn="1">
             <p:custDataLst>
-              <p:tags r:id="rId5"/>
+              <p:tags r:id="rId4"/>
             </p:custDataLst>
           </p:nvPr>
         </p:nvSpPr>
@@ -24300,12 +23951,12 @@
           <p:nvPr userDrawn="1"/>
         </p:nvPicPr>
         <p:blipFill>
-          <a:blip r:embed="rId6">
+          <a:blip r:embed="rId7">
             <a:alphaModFix amt="47000"/>
             <a:extLst>
               <a:ext uri="{BEBA8EAE-BF5A-486C-A8C5-ECC9F3942E4B}">
                 <a14:imgProps xmlns:a14="http://schemas.microsoft.com/office/drawing/2010/main">
-                  <a14:imgLayer r:embed="rId7">
+                  <a14:imgLayer r:embed="rId8">
                     <a14:imgEffect>
                       <a14:brightnessContrast contrast="1000"/>
                     </a14:imgEffect>
@@ -24346,7 +23997,7 @@
           <p:nvPr userDrawn="1"/>
         </p:nvPicPr>
         <p:blipFill rotWithShape="1">
-          <a:blip r:embed="rId8" cstate="print">
+          <a:blip r:embed="rId9" cstate="print">
             <a:clrChange>
               <a:clrFrom>
                 <a:srgbClr val="FFFFFF"/>
@@ -25016,22 +24667,6 @@
               </a:rPr>
               <a:t>目录</a:t>
             </a:r>
-            <a:endParaRPr kumimoji="0" lang="zh-CN" altLang="en-US" sz="3600" b="1" i="0" u="none" strike="noStrike" kern="1200" cap="all" spc="0" normalizeH="0" baseline="0" noProof="0" dirty="0">
-              <a:ln>
-                <a:noFill/>
-              </a:ln>
-              <a:solidFill>
-                <a:srgbClr val="92A2BD">
-                  <a:lumMod val="50000"/>
-                </a:srgbClr>
-              </a:solidFill>
-              <a:effectLst/>
-              <a:uLnTx/>
-              <a:uFillTx/>
-              <a:latin typeface="微软雅黑" panose="020B0503020204020204" pitchFamily="34" charset="-122"/>
-              <a:ea typeface="微软雅黑" panose="020B0503020204020204" pitchFamily="34" charset="-122"/>
-              <a:cs typeface="+mn-cs"/>
-            </a:endParaRPr>
           </a:p>
         </p:txBody>
       </p:sp>
@@ -26053,12 +25688,12 @@
           <p:nvPr userDrawn="1"/>
         </p:nvPicPr>
         <p:blipFill rotWithShape="1">
-          <a:blip r:embed="rId7">
+          <a:blip r:embed="rId9">
             <a:alphaModFix amt="85000"/>
             <a:extLst>
               <a:ext uri="{BEBA8EAE-BF5A-486C-A8C5-ECC9F3942E4B}">
                 <a14:imgProps xmlns:a14="http://schemas.microsoft.com/office/drawing/2010/main">
-                  <a14:imgLayer r:embed="rId8">
+                  <a14:imgLayer r:embed="rId10">
                     <a14:imgEffect>
                       <a14:brightnessContrast bright="6000"/>
                     </a14:imgEffect>
@@ -26137,7 +25772,7 @@
           <p:cNvSpPr/>
           <p:nvPr userDrawn="1">
             <p:custDataLst>
-              <p:tags r:id="rId9"/>
+              <p:tags r:id="rId8"/>
             </p:custDataLst>
           </p:nvPr>
         </p:nvSpPr>
@@ -26302,6 +25937,7 @@
           <a:p>
             <a:fld id="{CE0EC710-139A-4CA2-AAD7-77B43670B718}" type="slidenum">
               <a:rPr lang="zh-CN" altLang="en-US" smtClean="0"/>
+              <a:t>‹#›</a:t>
             </a:fld>
             <a:endParaRPr lang="zh-CN" altLang="en-US" dirty="0"/>
           </a:p>
@@ -26641,7 +26277,6 @@
               <a:rPr lang="zh-CN" altLang="en-US"/>
               <a:t>单击此处编辑母版标题样式</a:t>
             </a:r>
-            <a:endParaRPr lang="zh-CN" altLang="en-US"/>
           </a:p>
         </p:txBody>
       </p:sp>
@@ -26675,7 +26310,6 @@
               <a:rPr lang="zh-CN" altLang="en-US"/>
               <a:t>单击此处编辑母版文本样式</a:t>
             </a:r>
-            <a:endParaRPr lang="zh-CN" altLang="en-US"/>
           </a:p>
           <a:p>
             <a:pPr lvl="1"/>
@@ -26683,7 +26317,6 @@
               <a:rPr lang="zh-CN" altLang="en-US"/>
               <a:t>第二级</a:t>
             </a:r>
-            <a:endParaRPr lang="zh-CN" altLang="en-US"/>
           </a:p>
           <a:p>
             <a:pPr lvl="2"/>
@@ -26691,7 +26324,6 @@
               <a:rPr lang="zh-CN" altLang="en-US"/>
               <a:t>第三级</a:t>
             </a:r>
-            <a:endParaRPr lang="zh-CN" altLang="en-US"/>
           </a:p>
           <a:p>
             <a:pPr lvl="3"/>
@@ -26699,7 +26331,6 @@
               <a:rPr lang="zh-CN" altLang="en-US"/>
               <a:t>第四级</a:t>
             </a:r>
-            <a:endParaRPr lang="zh-CN" altLang="en-US"/>
           </a:p>
           <a:p>
             <a:pPr lvl="4"/>
@@ -26707,7 +26338,6 @@
               <a:rPr lang="zh-CN" altLang="en-US"/>
               <a:t>第五级</a:t>
             </a:r>
-            <a:endParaRPr lang="zh-CN" altLang="en-US"/>
           </a:p>
         </p:txBody>
       </p:sp>
@@ -26746,6 +26376,7 @@
           <a:p>
             <a:fld id="{7BEF5A3D-07BE-48FF-8AF4-F046F630E329}" type="datetimeFigureOut">
               <a:rPr lang="zh-CN" altLang="en-US" smtClean="0"/>
+              <a:t>2024/11/19</a:t>
             </a:fld>
             <a:endParaRPr lang="zh-CN" altLang="en-US"/>
           </a:p>
@@ -26823,6 +26454,7 @@
           <a:p>
             <a:fld id="{8BE6E5F0-A76E-4C17-8C81-56BBF4B01B99}" type="slidenum">
               <a:rPr lang="zh-CN" altLang="en-US" smtClean="0"/>
+              <a:t>‹#›</a:t>
             </a:fld>
             <a:endParaRPr lang="zh-CN" altLang="en-US"/>
           </a:p>
@@ -27156,7 +26788,6 @@
               <a:rPr lang="en-US" altLang="zh-CN" sz="2665" dirty="0"/>
               <a:t>01</a:t>
             </a:r>
-            <a:endParaRPr lang="en-US" altLang="zh-CN" sz="2665" dirty="0"/>
           </a:p>
         </p:txBody>
       </p:sp>
@@ -27172,7 +26803,7 @@
         </p:nvSpPr>
         <p:spPr>
           <a:xfrm>
-            <a:off x="590550" y="2743200"/>
+            <a:off x="548669" y="2722259"/>
             <a:ext cx="8106410" cy="942975"/>
           </a:xfrm>
         </p:spPr>
@@ -27185,10 +26816,9 @@
               <a:t>11.1-11.7</a:t>
             </a:r>
             <a:r>
-              <a:rPr lang="zh-CN" altLang="en-US"/>
+              <a:rPr lang="zh-CN" altLang="en-US" dirty="0"/>
               <a:t>组会</a:t>
             </a:r>
-            <a:endParaRPr lang="zh-CN" altLang="en-US"/>
           </a:p>
         </p:txBody>
       </p:sp>
@@ -27197,11 +26827,11 @@
   <p:clrMapOvr>
     <a:masterClrMapping/>
   </p:clrMapOvr>
-  <mc:AlternateContent xmlns:mc="http://schemas.openxmlformats.org/markup-compatibility/2006">
-    <mc:Choice xmlns:p14="http://schemas.microsoft.com/office/powerpoint/2010/main" Requires="p14">
+  <mc:AlternateContent xmlns:mc="http://schemas.openxmlformats.org/markup-compatibility/2006" xmlns:p14="http://schemas.microsoft.com/office/powerpoint/2010/main">
+    <mc:Choice Requires="p14">
       <p:transition spd="slow" p14:dur="2000" advTm="8329"/>
     </mc:Choice>
-    <mc:Fallback>
+    <mc:Fallback xmlns="">
       <p:transition spd="slow" advTm="8329"/>
     </mc:Fallback>
   </mc:AlternateContent>
@@ -27252,7 +26882,6 @@
               <a:rPr lang="en-US" altLang="zh-CN" sz="2665" dirty="0"/>
               <a:t>01</a:t>
             </a:r>
-            <a:endParaRPr lang="en-US" altLang="zh-CN" sz="2665" dirty="0"/>
           </a:p>
         </p:txBody>
       </p:sp>
@@ -27284,7 +26913,6 @@
               <a:rPr lang="zh-CN" altLang="en-US" dirty="0"/>
               <a:t>组会</a:t>
             </a:r>
-            <a:endParaRPr lang="zh-CN" altLang="en-US" dirty="0"/>
           </a:p>
         </p:txBody>
       </p:sp>
@@ -27293,11 +26921,11 @@
   <p:clrMapOvr>
     <a:masterClrMapping/>
   </p:clrMapOvr>
-  <mc:AlternateContent xmlns:mc="http://schemas.openxmlformats.org/markup-compatibility/2006">
-    <mc:Choice xmlns:p14="http://schemas.microsoft.com/office/powerpoint/2010/main" Requires="p14">
+  <mc:AlternateContent xmlns:mc="http://schemas.openxmlformats.org/markup-compatibility/2006" xmlns:p14="http://schemas.microsoft.com/office/powerpoint/2010/main">
+    <mc:Choice Requires="p14">
       <p:transition spd="slow" p14:dur="2000" advTm="8329"/>
     </mc:Choice>
-    <mc:Fallback>
+    <mc:Fallback xmlns="">
       <p:transition spd="slow" advTm="8329"/>
     </mc:Fallback>
   </mc:AlternateContent>
@@ -27350,9 +26978,6 @@
               </a:rPr>
               <a:t>）</a:t>
             </a:r>
-            <a:endParaRPr lang="zh-CN" altLang="en-US">
-              <a:ea typeface="宋体" panose="02010600030101010101" pitchFamily="2" charset="-122"/>
-            </a:endParaRPr>
           </a:p>
         </p:txBody>
       </p:sp>
@@ -27442,6 +27067,7 @@
           <a:p>
             <a:fld id="{AA807A42-CF27-4B84-8583-18EBE418342E}" type="slidenum">
               <a:rPr lang="de-DE" smtClean="0"/>
+              <a:t>11</a:t>
             </a:fld>
             <a:endParaRPr lang="de-DE" dirty="0"/>
           </a:p>
@@ -27491,7 +27117,6 @@
               <a:rPr lang="zh-CN" altLang="en-US"/>
               <a:t>二、完成情况</a:t>
             </a:r>
-            <a:endParaRPr lang="zh-CN" altLang="en-US"/>
           </a:p>
         </p:txBody>
       </p:sp>
@@ -27514,7 +27139,6 @@
               <a:rPr lang="zh-CN" altLang="en-US"/>
               <a:t>1、修改奖励函数，包括调整参数、设计更合理的奖励函数等等</a:t>
             </a:r>
-            <a:endParaRPr lang="zh-CN" altLang="en-US"/>
           </a:p>
           <a:p>
             <a:endParaRPr lang="zh-CN" altLang="en-US"/>
@@ -27524,7 +27148,6 @@
               <a:rPr lang="zh-CN" altLang="en-US"/>
               <a:t>2、优化PPO算法本身，例如将MLP替换为Transformer、CNN等等</a:t>
             </a:r>
-            <a:endParaRPr lang="zh-CN" altLang="en-US"/>
           </a:p>
           <a:p>
             <a:endParaRPr lang="zh-CN" altLang="en-US"/>
@@ -27534,7 +27157,6 @@
               <a:rPr lang="zh-CN" altLang="en-US" sz="2400" b="1"/>
               <a:t>3、先将环境固定下来，生成固定的场景进行训练</a:t>
             </a:r>
-            <a:endParaRPr lang="zh-CN" altLang="en-US" sz="2400" b="1"/>
           </a:p>
         </p:txBody>
       </p:sp>
@@ -27557,7 +27179,6 @@
               <a:rPr lang="zh-CN" altLang="en-US"/>
               <a:t>实现思路</a:t>
             </a:r>
-            <a:endParaRPr lang="zh-CN" altLang="en-US"/>
           </a:p>
         </p:txBody>
       </p:sp>
@@ -27597,6 +27218,7 @@
           <a:p>
             <a:fld id="{AA807A42-CF27-4B84-8583-18EBE418342E}" type="slidenum">
               <a:rPr lang="de-DE" smtClean="0"/>
+              <a:t>12</a:t>
             </a:fld>
             <a:endParaRPr lang="de-DE" dirty="0"/>
           </a:p>
@@ -27654,13 +27276,6 @@
               </a:rPr>
               <a:t>比较耗时间，需要探索比较好的参数组合</a:t>
             </a:r>
-            <a:endParaRPr lang="zh-CN" altLang="en-US" sz="1800" b="0" i="0" u="none" baseline="0" dirty="0">
-              <a:solidFill>
-                <a:srgbClr val="000000"/>
-              </a:solidFill>
-              <a:latin typeface="BMW Group Condensed" panose="020B0606020202020204" pitchFamily="34" charset="0"/>
-              <a:ea typeface="宋体" panose="02010600030101010101" pitchFamily="2" charset="-122"/>
-            </a:endParaRPr>
           </a:p>
           <a:p>
             <a:pPr algn="l" rtl="0" eaLnBrk="1" fontAlgn="auto" hangingPunct="1">
@@ -27694,13 +27309,6 @@
               </a:rPr>
               <a:t>对模型改动较大</a:t>
             </a:r>
-            <a:endParaRPr lang="zh-CN" altLang="en-US" sz="1800" b="0" i="0" u="none" baseline="0" dirty="0">
-              <a:solidFill>
-                <a:srgbClr val="000000"/>
-              </a:solidFill>
-              <a:latin typeface="BMW Group Condensed" panose="020B0606020202020204" pitchFamily="34" charset="0"/>
-              <a:ea typeface="宋体" panose="02010600030101010101" pitchFamily="2" charset="-122"/>
-            </a:endParaRPr>
           </a:p>
           <a:p>
             <a:pPr algn="l" rtl="0" eaLnBrk="1" fontAlgn="auto" hangingPunct="1">
@@ -27744,13 +27352,6 @@
               </a:rPr>
               <a:t>，固定一个特定环境，对模型环境进行简化</a:t>
             </a:r>
-            <a:endParaRPr lang="zh-CN" altLang="en-US" sz="1800" b="0" i="0" u="none" baseline="0" dirty="0">
-              <a:solidFill>
-                <a:srgbClr val="000000"/>
-              </a:solidFill>
-              <a:latin typeface="BMW Group Condensed" panose="020B0606020202020204" pitchFamily="34" charset="0"/>
-              <a:ea typeface="宋体" panose="02010600030101010101" pitchFamily="2" charset="-122"/>
-            </a:endParaRPr>
           </a:p>
           <a:p>
             <a:pPr algn="l" rtl="0" eaLnBrk="1" fontAlgn="auto" hangingPunct="1">
@@ -27774,13 +27375,6 @@
               </a:rPr>
               <a:t>包括固定车辆初始速度、初始位置、环境中车辆数以及车辆的运行轨迹</a:t>
             </a:r>
-            <a:endParaRPr lang="zh-CN" altLang="en-US" sz="1800" b="0" i="0" u="none" baseline="0" dirty="0">
-              <a:solidFill>
-                <a:srgbClr val="000000"/>
-              </a:solidFill>
-              <a:latin typeface="BMW Group Condensed" panose="020B0606020202020204" pitchFamily="34" charset="0"/>
-              <a:ea typeface="宋体" panose="02010600030101010101" pitchFamily="2" charset="-122"/>
-            </a:endParaRPr>
           </a:p>
         </p:txBody>
       </p:sp>
@@ -27828,7 +27422,6 @@
               <a:rPr lang="zh-CN" altLang="en-US"/>
               <a:t>二、完成情况</a:t>
             </a:r>
-            <a:endParaRPr lang="zh-CN" altLang="en-US"/>
           </a:p>
         </p:txBody>
       </p:sp>
@@ -27868,6 +27461,7 @@
           <a:p>
             <a:fld id="{CE0EC710-139A-4CA2-AAD7-77B43670B718}" type="slidenum">
               <a:rPr lang="zh-CN" altLang="en-US" smtClean="0"/>
+              <a:t>13</a:t>
             </a:fld>
             <a:endParaRPr lang="zh-CN" altLang="en-US" dirty="0"/>
           </a:p>
@@ -27884,7 +27478,7 @@
           </p:nvPr>
         </p:nvPicPr>
         <p:blipFill>
-          <a:blip r:embed="rId1"/>
+          <a:blip r:embed="rId2"/>
           <a:stretch>
             <a:fillRect/>
           </a:stretch>
@@ -27950,12 +27544,6 @@
               </a:rPr>
               <a:t>0</a:t>
             </a:r>
-            <a:endParaRPr lang="en-US" altLang="zh-CN" sz="1800" b="0" i="0" u="none" baseline="0" dirty="0">
-              <a:solidFill>
-                <a:srgbClr val="000000"/>
-              </a:solidFill>
-              <a:latin typeface="BMW Group Condensed" panose="020B0606020202020204" pitchFamily="34" charset="0"/>
-            </a:endParaRPr>
           </a:p>
           <a:p>
             <a:pPr algn="l" rtl="0" eaLnBrk="1" fontAlgn="auto" hangingPunct="1">
@@ -27979,13 +27567,6 @@
               </a:rPr>
               <a:t>所有生成车辆都会出现在环境中，即固定车数</a:t>
             </a:r>
-            <a:endParaRPr lang="zh-CN" altLang="en-US" sz="1800" b="0" i="0" u="none" baseline="0" dirty="0">
-              <a:solidFill>
-                <a:srgbClr val="000000"/>
-              </a:solidFill>
-              <a:latin typeface="BMW Group Condensed" panose="020B0606020202020204" pitchFamily="34" charset="0"/>
-              <a:ea typeface="宋体" panose="02010600030101010101" pitchFamily="2" charset="-122"/>
-            </a:endParaRPr>
           </a:p>
         </p:txBody>
       </p:sp>
@@ -28031,12 +27612,6 @@
               </a:rPr>
               <a:t>固定路线（环境中所有车辆直行，智能体左转）</a:t>
             </a:r>
-            <a:endParaRPr lang="zh-CN" altLang="en-US" sz="1800" b="0" i="0" u="none" baseline="0" dirty="0">
-              <a:solidFill>
-                <a:srgbClr val="000000"/>
-              </a:solidFill>
-              <a:latin typeface="BMW Group Condensed" panose="020B0606020202020204" pitchFamily="34" charset="0"/>
-            </a:endParaRPr>
           </a:p>
           <a:p>
             <a:pPr algn="l" rtl="0" eaLnBrk="1" fontAlgn="auto" hangingPunct="1">
@@ -28059,12 +27634,6 @@
               </a:rPr>
               <a:t>在交叉口出现路权冲突</a:t>
             </a:r>
-            <a:endParaRPr lang="zh-CN" altLang="en-US" sz="1800" b="0" i="0" u="none" baseline="0" dirty="0">
-              <a:solidFill>
-                <a:srgbClr val="000000"/>
-              </a:solidFill>
-              <a:latin typeface="BMW Group Condensed" panose="020B0606020202020204" pitchFamily="34" charset="0"/>
-            </a:endParaRPr>
           </a:p>
         </p:txBody>
       </p:sp>
@@ -28112,7 +27681,6 @@
               <a:rPr lang="zh-CN" altLang="en-US"/>
               <a:t>三、存在问题</a:t>
             </a:r>
-            <a:endParaRPr lang="zh-CN" altLang="en-US"/>
           </a:p>
         </p:txBody>
       </p:sp>
@@ -28152,6 +27720,7 @@
           <a:p>
             <a:fld id="{AA807A42-CF27-4B84-8583-18EBE418342E}" type="slidenum">
               <a:rPr lang="de-DE" smtClean="0"/>
+              <a:t>14</a:t>
             </a:fld>
             <a:endParaRPr lang="de-DE" dirty="0"/>
           </a:p>
@@ -28168,7 +27737,7 @@
           </p:nvPr>
         </p:nvPicPr>
         <p:blipFill>
-          <a:blip r:embed="rId1"/>
+          <a:blip r:embed="rId2"/>
           <a:stretch>
             <a:fillRect/>
           </a:stretch>
@@ -28226,13 +27795,6 @@
               </a:rPr>
               <a:t>还是模型训练没有效果</a:t>
             </a:r>
-            <a:endParaRPr lang="zh-CN" altLang="en-US" sz="2000" b="0" i="0" u="none" baseline="0" dirty="0">
-              <a:solidFill>
-                <a:srgbClr val="000000"/>
-              </a:solidFill>
-              <a:latin typeface="微软雅黑" panose="020B0503020204020204" pitchFamily="34" charset="-122"/>
-              <a:ea typeface="微软雅黑" panose="020B0503020204020204" pitchFamily="34" charset="-122"/>
-            </a:endParaRPr>
           </a:p>
           <a:p>
             <a:pPr algn="l" rtl="0" eaLnBrk="1" fontAlgn="auto" hangingPunct="1">
@@ -28256,13 +27818,6 @@
               </a:rPr>
               <a:t>发现智能体不会自动加减速来避让</a:t>
             </a:r>
-            <a:endParaRPr lang="zh-CN" altLang="en-US" sz="2000" b="0" i="0" u="none" baseline="0" dirty="0">
-              <a:solidFill>
-                <a:srgbClr val="000000"/>
-              </a:solidFill>
-              <a:latin typeface="微软雅黑" panose="020B0503020204020204" pitchFamily="34" charset="-122"/>
-              <a:ea typeface="微软雅黑" panose="020B0503020204020204" pitchFamily="34" charset="-122"/>
-            </a:endParaRPr>
           </a:p>
           <a:p>
             <a:pPr algn="l" rtl="0" eaLnBrk="1" fontAlgn="auto" hangingPunct="1">
@@ -28306,13 +27861,6 @@
               </a:rPr>
               <a:t>匀速通过</a:t>
             </a:r>
-            <a:endParaRPr lang="zh-CN" altLang="en-US" sz="2000" b="0" i="0" u="none" baseline="0" dirty="0">
-              <a:solidFill>
-                <a:srgbClr val="000000"/>
-              </a:solidFill>
-              <a:latin typeface="微软雅黑" panose="020B0503020204020204" pitchFamily="34" charset="-122"/>
-              <a:ea typeface="微软雅黑" panose="020B0503020204020204" pitchFamily="34" charset="-122"/>
-            </a:endParaRPr>
           </a:p>
           <a:p>
             <a:pPr algn="l" rtl="0" eaLnBrk="1" fontAlgn="auto" hangingPunct="1">
@@ -28388,7 +27936,6 @@
               <a:rPr lang="en-US" altLang="zh-CN" sz="2665" dirty="0"/>
               <a:t>01</a:t>
             </a:r>
-            <a:endParaRPr lang="en-US" altLang="zh-CN" sz="2665" dirty="0"/>
           </a:p>
         </p:txBody>
       </p:sp>
@@ -28420,7 +27967,6 @@
               <a:rPr lang="zh-CN" altLang="en-US" dirty="0"/>
               <a:t>组会</a:t>
             </a:r>
-            <a:endParaRPr lang="zh-CN" altLang="en-US" dirty="0"/>
           </a:p>
         </p:txBody>
       </p:sp>
@@ -28429,11 +27975,11 @@
   <p:clrMapOvr>
     <a:masterClrMapping/>
   </p:clrMapOvr>
-  <mc:AlternateContent xmlns:mc="http://schemas.openxmlformats.org/markup-compatibility/2006">
-    <mc:Choice xmlns:p14="http://schemas.microsoft.com/office/powerpoint/2010/main" Requires="p14">
+  <mc:AlternateContent xmlns:mc="http://schemas.openxmlformats.org/markup-compatibility/2006" xmlns:p14="http://schemas.microsoft.com/office/powerpoint/2010/main">
+    <mc:Choice Requires="p14">
       <p:transition spd="slow" p14:dur="2000" advTm="8329"/>
     </mc:Choice>
-    <mc:Fallback>
+    <mc:Fallback xmlns="">
       <p:transition spd="slow" advTm="8329"/>
     </mc:Fallback>
   </mc:AlternateContent>
@@ -28486,9 +28032,6 @@
               </a:rPr>
               <a:t>）</a:t>
             </a:r>
-            <a:endParaRPr lang="zh-CN" altLang="en-US" dirty="0">
-              <a:ea typeface="宋体" panose="02010600030101010101" pitchFamily="2" charset="-122"/>
-            </a:endParaRPr>
           </a:p>
         </p:txBody>
       </p:sp>
@@ -28597,6 +28140,7 @@
           <a:p>
             <a:fld id="{AA807A42-CF27-4B84-8583-18EBE418342E}" type="slidenum">
               <a:rPr lang="de-DE" smtClean="0"/>
+              <a:t>16</a:t>
             </a:fld>
             <a:endParaRPr lang="de-DE" dirty="0"/>
           </a:p>
@@ -28636,7 +28180,7 @@
           <p:nvPr/>
         </p:nvPicPr>
         <p:blipFill>
-          <a:blip r:embed="rId1"/>
+          <a:blip r:embed="rId2"/>
           <a:stretch>
             <a:fillRect/>
           </a:stretch>
@@ -28670,7 +28214,6 @@
               <a:rPr lang="zh-CN" altLang="en-US"/>
               <a:t>二、完成情况</a:t>
             </a:r>
-            <a:endParaRPr lang="zh-CN" altLang="en-US"/>
           </a:p>
         </p:txBody>
       </p:sp>
@@ -28710,6 +28253,7 @@
           <a:p>
             <a:fld id="{AA807A42-CF27-4B84-8583-18EBE418342E}" type="slidenum">
               <a:rPr lang="de-DE" smtClean="0"/>
+              <a:t>17</a:t>
             </a:fld>
             <a:endParaRPr lang="de-DE" dirty="0"/>
           </a:p>
@@ -28915,7 +28459,7 @@
           <p:nvPr/>
         </p:nvPicPr>
         <p:blipFill>
-          <a:blip r:embed="rId2"/>
+          <a:blip r:embed="rId3"/>
           <a:stretch>
             <a:fillRect/>
           </a:stretch>
@@ -29278,14 +28822,6 @@
               </a:rPr>
               <a:t>[0, 1]</a:t>
             </a:r>
-            <a:endParaRPr lang="en-US" altLang="zh-CN" sz="2000" dirty="0">
-              <a:solidFill>
-                <a:srgbClr val="000000"/>
-              </a:solidFill>
-              <a:latin typeface="Times New Roman" panose="02020603050405020304" pitchFamily="18" charset="0"/>
-              <a:ea typeface="宋体" panose="02010600030101010101" pitchFamily="2" charset="-122"/>
-              <a:cs typeface="Times New Roman" panose="02020603050405020304" pitchFamily="18" charset="0"/>
-            </a:endParaRPr>
           </a:p>
           <a:p>
             <a:pPr>
@@ -29326,14 +28862,6 @@
               </a:rPr>
               <a:t>[-1, 1]</a:t>
             </a:r>
-            <a:endParaRPr lang="en-US" altLang="zh-CN" sz="2000" dirty="0">
-              <a:solidFill>
-                <a:srgbClr val="000000"/>
-              </a:solidFill>
-              <a:latin typeface="Times New Roman" panose="02020603050405020304" pitchFamily="18" charset="0"/>
-              <a:ea typeface="宋体" panose="02010600030101010101" pitchFamily="2" charset="-122"/>
-              <a:cs typeface="Times New Roman" panose="02020603050405020304" pitchFamily="18" charset="0"/>
-            </a:endParaRPr>
           </a:p>
           <a:p>
             <a:pPr rtl="0" eaLnBrk="1" fontAlgn="auto" hangingPunct="1">
@@ -29522,14 +29050,6 @@
               </a:rPr>
               <a:t>，停车时会给予惩罚。</a:t>
             </a:r>
-            <a:endParaRPr lang="zh-CN" altLang="en-US" sz="2000" b="0" i="0" u="none" baseline="0" dirty="0">
-              <a:solidFill>
-                <a:srgbClr val="000000"/>
-              </a:solidFill>
-              <a:latin typeface="Times New Roman" panose="02020603050405020304" pitchFamily="18" charset="0"/>
-              <a:ea typeface="宋体" panose="02010600030101010101" pitchFamily="2" charset="-122"/>
-              <a:cs typeface="Times New Roman" panose="02020603050405020304" pitchFamily="18" charset="0"/>
-            </a:endParaRPr>
           </a:p>
         </p:txBody>
       </p:sp>
@@ -29577,7 +29097,6 @@
               <a:rPr lang="zh-CN" altLang="en-US"/>
               <a:t>二、完成情况</a:t>
             </a:r>
-            <a:endParaRPr lang="zh-CN" altLang="en-US"/>
           </a:p>
         </p:txBody>
       </p:sp>
@@ -29617,6 +29136,7 @@
           <a:p>
             <a:fld id="{AA807A42-CF27-4B84-8583-18EBE418342E}" type="slidenum">
               <a:rPr lang="de-DE" smtClean="0"/>
+              <a:t>18</a:t>
             </a:fld>
             <a:endParaRPr lang="de-DE" dirty="0"/>
           </a:p>
@@ -29822,7 +29342,7 @@
           <p:nvPr/>
         </p:nvPicPr>
         <p:blipFill>
-          <a:blip r:embed="rId1"/>
+          <a:blip r:embed="rId4"/>
           <a:stretch>
             <a:fillRect/>
           </a:stretch>
@@ -29849,13 +29369,13 @@
             <a:videoFile r:link="rId2"/>
             <p:extLst>
               <p:ext uri="{DAA4B4D4-6D71-4841-9C94-3DE7FCFB9230}">
-                <p14:media xmlns:p14="http://schemas.microsoft.com/office/powerpoint/2010/main" r:embed="rId3"/>
+                <p14:media xmlns:p14="http://schemas.microsoft.com/office/powerpoint/2010/main" r:embed="rId1"/>
               </p:ext>
             </p:extLst>
           </p:nvPr>
         </p:nvPicPr>
         <p:blipFill>
-          <a:blip r:embed="rId4"/>
+          <a:blip r:embed="rId5"/>
           <a:stretch>
             <a:fillRect/>
           </a:stretch>
@@ -29914,14 +29434,6 @@
               </a:rPr>
               <a:t>episode reward mean</a:t>
             </a:r>
-            <a:endParaRPr lang="en-US" altLang="zh-CN" sz="2400" b="0" i="0" u="none" baseline="0" dirty="0">
-              <a:solidFill>
-                <a:srgbClr val="000000"/>
-              </a:solidFill>
-              <a:latin typeface="Times New Roman" panose="02020603050405020304" pitchFamily="18" charset="0"/>
-              <a:ea typeface="微软雅黑" panose="020B0503020204020204" pitchFamily="34" charset="-122"/>
-              <a:cs typeface="Times New Roman" panose="02020603050405020304" pitchFamily="18" charset="0"/>
-            </a:endParaRPr>
           </a:p>
           <a:p>
             <a:pPr algn="ctr" rtl="0" eaLnBrk="1" fontAlgn="auto" hangingPunct="1">
@@ -29946,14 +29458,6 @@
               </a:rPr>
               <a:t>每个训练周期内奖励的平均值</a:t>
             </a:r>
-            <a:endParaRPr lang="zh-CN" altLang="en-US" sz="2400" b="0" i="0" u="none" baseline="0" dirty="0">
-              <a:solidFill>
-                <a:srgbClr val="000000"/>
-              </a:solidFill>
-              <a:latin typeface="宋体" panose="02010600030101010101" pitchFamily="2" charset="-122"/>
-              <a:ea typeface="宋体" panose="02010600030101010101" pitchFamily="2" charset="-122"/>
-              <a:cs typeface="Times New Roman" panose="02020603050405020304" pitchFamily="18" charset="0"/>
-            </a:endParaRPr>
           </a:p>
         </p:txBody>
       </p:sp>
@@ -30142,9 +29646,6 @@
               </a:rPr>
               <a:t>目录</a:t>
             </a:r>
-            <a:endParaRPr lang="zh-CN" altLang="en-US">
-              <a:ea typeface="宋体" panose="02010600030101010101" pitchFamily="2" charset="-122"/>
-            </a:endParaRPr>
           </a:p>
         </p:txBody>
       </p:sp>
@@ -30276,9 +29777,6 @@
               </a:rPr>
               <a:t>下周任务</a:t>
             </a:r>
-            <a:endParaRPr lang="zh-CN" altLang="en-US" sz="3200" b="1" dirty="0">
-              <a:sym typeface="+mn-ea"/>
-            </a:endParaRPr>
           </a:p>
         </p:txBody>
       </p:sp>
@@ -30337,6 +29835,7 @@
           <a:p>
             <a:fld id="{AA807A42-CF27-4B84-8583-18EBE418342E}" type="slidenum">
               <a:rPr lang="de-DE" smtClean="0"/>
+              <a:t>2</a:t>
             </a:fld>
             <a:endParaRPr lang="de-DE" dirty="0"/>
           </a:p>
@@ -30386,7 +29885,6 @@
               <a:rPr lang="zh-CN" altLang="en-US"/>
               <a:t>一、本周任务</a:t>
             </a:r>
-            <a:endParaRPr lang="zh-CN" altLang="en-US"/>
           </a:p>
         </p:txBody>
       </p:sp>
@@ -30422,7 +29920,6 @@
               <a:rPr lang="zh-CN" altLang="en-US" sz="3200" b="1"/>
               <a:t>单智能体强化学习代码</a:t>
             </a:r>
-            <a:endParaRPr lang="zh-CN" altLang="en-US" sz="3200" b="1"/>
           </a:p>
           <a:p>
             <a:pPr marL="0" indent="0" algn="ctr">
@@ -30436,7 +29933,6 @@
               <a:rPr lang="zh-CN" altLang="en-US" sz="3200" b="1"/>
               <a:t>交叉口环境的代码复现</a:t>
             </a:r>
-            <a:endParaRPr lang="zh-CN" altLang="en-US" sz="3200" b="1"/>
           </a:p>
         </p:txBody>
       </p:sp>
@@ -30495,6 +29991,7 @@
           <a:p>
             <a:fld id="{AA807A42-CF27-4B84-8583-18EBE418342E}" type="slidenum">
               <a:rPr lang="de-DE" smtClean="0"/>
+              <a:t>3</a:t>
             </a:fld>
             <a:endParaRPr lang="de-DE" dirty="0"/>
           </a:p>
@@ -30544,7 +30041,6 @@
               <a:rPr lang="zh-CN" altLang="en-US" dirty="0"/>
               <a:t>二、本周任务完成情况</a:t>
             </a:r>
-            <a:endParaRPr lang="zh-CN" altLang="en-US" dirty="0"/>
           </a:p>
         </p:txBody>
       </p:sp>
@@ -30619,20 +30115,6 @@
               </a:rPr>
               <a:t>3</a:t>
             </a:r>
-            <a:endParaRPr kumimoji="0" lang="de-DE" sz="1600" b="0" i="0" u="none" strike="noStrike" kern="1200" cap="none" spc="0" normalizeH="0" baseline="0" noProof="0" dirty="0">
-              <a:ln>
-                <a:noFill/>
-              </a:ln>
-              <a:solidFill>
-                <a:prstClr val="white"/>
-              </a:solidFill>
-              <a:effectLst/>
-              <a:uLnTx/>
-              <a:uFillTx/>
-              <a:latin typeface="BMW Group Condensed"/>
-              <a:ea typeface="+mn-ea"/>
-              <a:cs typeface="+mn-cs"/>
-            </a:endParaRPr>
           </a:p>
         </p:txBody>
       </p:sp>
@@ -31157,7 +30639,7 @@
           <p:nvPr/>
         </p:nvPicPr>
         <p:blipFill>
-          <a:blip r:embed="rId1"/>
+          <a:blip r:embed="rId3"/>
           <a:stretch>
             <a:fillRect/>
           </a:stretch>
@@ -31181,7 +30663,7 @@
           <p:nvPr/>
         </p:nvPicPr>
         <p:blipFill>
-          <a:blip r:embed="rId2"/>
+          <a:blip r:embed="rId4"/>
           <a:stretch>
             <a:fillRect/>
           </a:stretch>
@@ -31240,7 +30722,6 @@
               <a:rPr lang="zh-CN" altLang="en-US" dirty="0"/>
               <a:t>二、本周任务完成情况</a:t>
             </a:r>
-            <a:endParaRPr lang="zh-CN" altLang="en-US" dirty="0"/>
           </a:p>
         </p:txBody>
       </p:sp>
@@ -31315,20 +30796,6 @@
               </a:rPr>
               <a:t>3</a:t>
             </a:r>
-            <a:endParaRPr kumimoji="0" lang="de-DE" sz="1600" b="0" i="0" u="none" strike="noStrike" kern="1200" cap="none" spc="0" normalizeH="0" baseline="0" noProof="0" dirty="0">
-              <a:ln>
-                <a:noFill/>
-              </a:ln>
-              <a:solidFill>
-                <a:prstClr val="white"/>
-              </a:solidFill>
-              <a:effectLst/>
-              <a:uLnTx/>
-              <a:uFillTx/>
-              <a:latin typeface="BMW Group Condensed"/>
-              <a:ea typeface="+mn-ea"/>
-              <a:cs typeface="+mn-cs"/>
-            </a:endParaRPr>
           </a:p>
         </p:txBody>
       </p:sp>
@@ -31589,7 +31056,7 @@
           <p:nvPr/>
         </p:nvPicPr>
         <p:blipFill>
-          <a:blip r:embed="rId1"/>
+          <a:blip r:embed="rId3"/>
           <a:stretch>
             <a:fillRect/>
           </a:stretch>
@@ -31764,14 +31231,6 @@
               </a:rPr>
               <a:t>路上行驶奖励，鼓励车辆保持在道路上，通常为正值。</a:t>
             </a:r>
-            <a:endParaRPr lang="zh-CN" altLang="en-US" b="1" dirty="0">
-              <a:solidFill>
-                <a:srgbClr val="000000"/>
-              </a:solidFill>
-              <a:latin typeface="微软雅黑" panose="020B0503020204020204" pitchFamily="34" charset="-122"/>
-              <a:ea typeface="微软雅黑" panose="020B0503020204020204" pitchFamily="34" charset="-122"/>
-              <a:cs typeface="微软雅黑" panose="020B0503020204020204" pitchFamily="34" charset="-122"/>
-            </a:endParaRPr>
           </a:p>
         </p:txBody>
       </p:sp>
@@ -31819,7 +31278,6 @@
               <a:rPr lang="zh-CN" altLang="en-US"/>
               <a:t>二、本周任务完成情况</a:t>
             </a:r>
-            <a:endParaRPr lang="zh-CN" altLang="en-US"/>
           </a:p>
         </p:txBody>
       </p:sp>
@@ -31834,7 +31292,7 @@
           </p:nvPr>
         </p:nvPicPr>
         <p:blipFill>
-          <a:blip r:embed="rId1"/>
+          <a:blip r:embed="rId2"/>
           <a:stretch>
             <a:fillRect/>
           </a:stretch>
@@ -31880,19 +31338,6 @@
               </a:rPr>
               <a:t>2.2 Intersection环境代码复现</a:t>
             </a:r>
-            <a:endParaRPr lang="en-US" altLang="zh-CN" sz="2400" noProof="0" dirty="0">
-              <a:ln>
-                <a:noFill/>
-              </a:ln>
-              <a:solidFill>
-                <a:schemeClr val="tx1"/>
-              </a:solidFill>
-              <a:effectLst/>
-              <a:uLnTx/>
-              <a:uFillTx/>
-              <a:latin typeface="微软雅黑" panose="020B0503020204020204" pitchFamily="34" charset="-122"/>
-              <a:ea typeface="微软雅黑" panose="020B0503020204020204" pitchFamily="34" charset="-122"/>
-            </a:endParaRPr>
           </a:p>
         </p:txBody>
       </p:sp>
@@ -31932,6 +31377,7 @@
           <a:p>
             <a:fld id="{AA807A42-CF27-4B84-8583-18EBE418342E}" type="slidenum">
               <a:rPr lang="de-DE" smtClean="0"/>
+              <a:t>6</a:t>
             </a:fld>
             <a:endParaRPr lang="de-DE" dirty="0"/>
           </a:p>
@@ -31980,13 +31426,6 @@
               </a:rPr>
               <a:t>交叉口环境设置</a:t>
             </a:r>
-            <a:endParaRPr lang="zh-CN" altLang="en-US" sz="2000" i="0" u="none" baseline="0" dirty="0">
-              <a:solidFill>
-                <a:srgbClr val="000000"/>
-              </a:solidFill>
-              <a:latin typeface="黑体" panose="02010609060101010101" charset="-122"/>
-              <a:ea typeface="黑体" panose="02010609060101010101" charset="-122"/>
-            </a:endParaRPr>
           </a:p>
         </p:txBody>
       </p:sp>
@@ -32033,13 +31472,6 @@
               </a:rPr>
               <a:t>模型训练</a:t>
             </a:r>
-            <a:endParaRPr lang="zh-CN" altLang="en-US" sz="1800" b="0" i="0" u="none" baseline="0" dirty="0">
-              <a:solidFill>
-                <a:srgbClr val="000000"/>
-              </a:solidFill>
-              <a:latin typeface="微软雅黑" panose="020B0503020204020204" pitchFamily="34" charset="-122"/>
-              <a:ea typeface="微软雅黑" panose="020B0503020204020204" pitchFamily="34" charset="-122"/>
-            </a:endParaRPr>
           </a:p>
         </p:txBody>
       </p:sp>
@@ -32052,7 +31484,7 @@
           <p:nvPr/>
         </p:nvPicPr>
         <p:blipFill>
-          <a:blip r:embed="rId2"/>
+          <a:blip r:embed="rId3"/>
           <a:srcRect b="5514"/>
           <a:stretch>
             <a:fillRect/>
@@ -32111,13 +31543,6 @@
               </a:rPr>
               <a:t>模型评估</a:t>
             </a:r>
-            <a:endParaRPr lang="zh-CN" altLang="en-US" sz="1800" b="0" i="0" u="none" baseline="0" dirty="0">
-              <a:solidFill>
-                <a:srgbClr val="000000"/>
-              </a:solidFill>
-              <a:latin typeface="微软雅黑" panose="020B0503020204020204" pitchFamily="34" charset="-122"/>
-              <a:ea typeface="微软雅黑" panose="020B0503020204020204" pitchFamily="34" charset="-122"/>
-            </a:endParaRPr>
           </a:p>
         </p:txBody>
       </p:sp>
@@ -32130,7 +31555,7 @@
           <p:nvPr/>
         </p:nvPicPr>
         <p:blipFill>
-          <a:blip r:embed="rId3"/>
+          <a:blip r:embed="rId4"/>
           <a:stretch>
             <a:fillRect/>
           </a:stretch>
@@ -32282,6 +31707,7 @@
           <a:p>
             <a:fld id="{AA807A42-CF27-4B84-8583-18EBE418342E}" type="slidenum">
               <a:rPr lang="de-DE" smtClean="0"/>
+              <a:t>7</a:t>
             </a:fld>
             <a:endParaRPr lang="de-DE" dirty="0"/>
           </a:p>
@@ -32298,7 +31724,7 @@
           </p:nvPr>
         </p:nvPicPr>
         <p:blipFill>
-          <a:blip r:embed="rId1"/>
+          <a:blip r:embed="rId3"/>
           <a:srcRect l="4521" t="11899"/>
           <a:stretch>
             <a:fillRect/>
@@ -32357,63 +31783,12 @@
               </a:rPr>
               <a:t>可视化</a:t>
             </a:r>
-            <a:endParaRPr lang="zh-CN" altLang="en-US" sz="2000" b="0" i="0" u="none" baseline="0" dirty="0">
-              <a:solidFill>
-                <a:srgbClr val="000000"/>
-              </a:solidFill>
-              <a:latin typeface="微软雅黑" panose="020B0503020204020204" pitchFamily="34" charset="-122"/>
-              <a:ea typeface="微软雅黑" panose="020B0503020204020204" pitchFamily="34" charset="-122"/>
-            </a:endParaRPr>
           </a:p>
         </p:txBody>
       </p:sp>
       <p:pic>
         <p:nvPicPr>
           <p:cNvPr id="11" name="图片 10"/>
-          <p:cNvPicPr/>
-          <p:nvPr/>
-        </p:nvPicPr>
-        <p:blipFill>
-          <a:blip r:embed="rId2"/>
-          <a:stretch>
-            <a:fillRect/>
-          </a:stretch>
-        </p:blipFill>
-        <p:spPr>
-          <a:xfrm>
-            <a:off x="5563870" y="1166495"/>
-            <a:ext cx="5400000" cy="1440000"/>
-          </a:xfrm>
-          <a:prstGeom prst="rect">
-            <a:avLst/>
-          </a:prstGeom>
-        </p:spPr>
-      </p:pic>
-      <p:pic>
-        <p:nvPicPr>
-          <p:cNvPr id="12" name="图片 11"/>
-          <p:cNvPicPr/>
-          <p:nvPr/>
-        </p:nvPicPr>
-        <p:blipFill>
-          <a:blip r:embed="rId3"/>
-          <a:stretch>
-            <a:fillRect/>
-          </a:stretch>
-        </p:blipFill>
-        <p:spPr>
-          <a:xfrm>
-            <a:off x="5563870" y="2799080"/>
-            <a:ext cx="5400000" cy="1440000"/>
-          </a:xfrm>
-          <a:prstGeom prst="rect">
-            <a:avLst/>
-          </a:prstGeom>
-        </p:spPr>
-      </p:pic>
-      <p:pic>
-        <p:nvPicPr>
-          <p:cNvPr id="13" name="图片 12"/>
           <p:cNvPicPr/>
           <p:nvPr/>
         </p:nvPicPr>
@@ -32425,6 +31800,50 @@
         </p:blipFill>
         <p:spPr>
           <a:xfrm>
+            <a:off x="5563870" y="1166495"/>
+            <a:ext cx="5400000" cy="1440000"/>
+          </a:xfrm>
+          <a:prstGeom prst="rect">
+            <a:avLst/>
+          </a:prstGeom>
+        </p:spPr>
+      </p:pic>
+      <p:pic>
+        <p:nvPicPr>
+          <p:cNvPr id="12" name="图片 11"/>
+          <p:cNvPicPr/>
+          <p:nvPr/>
+        </p:nvPicPr>
+        <p:blipFill>
+          <a:blip r:embed="rId5"/>
+          <a:stretch>
+            <a:fillRect/>
+          </a:stretch>
+        </p:blipFill>
+        <p:spPr>
+          <a:xfrm>
+            <a:off x="5563870" y="2799080"/>
+            <a:ext cx="5400000" cy="1440000"/>
+          </a:xfrm>
+          <a:prstGeom prst="rect">
+            <a:avLst/>
+          </a:prstGeom>
+        </p:spPr>
+      </p:pic>
+      <p:pic>
+        <p:nvPicPr>
+          <p:cNvPr id="13" name="图片 12"/>
+          <p:cNvPicPr/>
+          <p:nvPr/>
+        </p:nvPicPr>
+        <p:blipFill>
+          <a:blip r:embed="rId6"/>
+          <a:stretch>
+            <a:fillRect/>
+          </a:stretch>
+        </p:blipFill>
+        <p:spPr>
+          <a:xfrm>
             <a:off x="5563870" y="4431665"/>
             <a:ext cx="5400000" cy="1440000"/>
           </a:xfrm>
@@ -32476,13 +31895,6 @@
               </a:rPr>
               <a:t>指标</a:t>
             </a:r>
-            <a:endParaRPr lang="zh-CN" altLang="en-US" sz="2000" b="0" i="0" u="none" baseline="0" dirty="0">
-              <a:solidFill>
-                <a:srgbClr val="000000"/>
-              </a:solidFill>
-              <a:latin typeface="微软雅黑" panose="020B0503020204020204" pitchFamily="34" charset="-122"/>
-              <a:ea typeface="微软雅黑" panose="020B0503020204020204" pitchFamily="34" charset="-122"/>
-            </a:endParaRPr>
           </a:p>
         </p:txBody>
       </p:sp>
@@ -32530,7 +31942,6 @@
               <a:rPr lang="zh-CN" altLang="en-US" dirty="0"/>
               <a:t>三、存在问题</a:t>
             </a:r>
-            <a:endParaRPr lang="zh-CN" altLang="en-US" dirty="0"/>
           </a:p>
         </p:txBody>
       </p:sp>
@@ -32605,20 +32016,6 @@
               </a:rPr>
               <a:t>3</a:t>
             </a:r>
-            <a:endParaRPr kumimoji="0" lang="de-DE" sz="1600" b="0" i="0" u="none" strike="noStrike" kern="1200" cap="none" spc="0" normalizeH="0" baseline="0" noProof="0" dirty="0">
-              <a:ln>
-                <a:noFill/>
-              </a:ln>
-              <a:solidFill>
-                <a:prstClr val="white"/>
-              </a:solidFill>
-              <a:effectLst/>
-              <a:uLnTx/>
-              <a:uFillTx/>
-              <a:latin typeface="BMW Group Condensed"/>
-              <a:ea typeface="+mn-ea"/>
-              <a:cs typeface="+mn-cs"/>
-            </a:endParaRPr>
           </a:p>
         </p:txBody>
       </p:sp>
@@ -32671,14 +32068,6 @@
               </a:rPr>
               <a:t>波动不收敛</a:t>
             </a:r>
-            <a:endParaRPr lang="zh-CN" altLang="en-US" sz="2400" b="1" dirty="0">
-              <a:solidFill>
-                <a:srgbClr val="000000"/>
-              </a:solidFill>
-              <a:latin typeface="微软雅黑" panose="020B0503020204020204" pitchFamily="34" charset="-122"/>
-              <a:ea typeface="微软雅黑" panose="020B0503020204020204" pitchFamily="34" charset="-122"/>
-              <a:cs typeface="微软雅黑" panose="020B0503020204020204" pitchFamily="34" charset="-122"/>
-            </a:endParaRPr>
           </a:p>
         </p:txBody>
       </p:sp>
@@ -32691,7 +32080,7 @@
           <p:nvPr/>
         </p:nvPicPr>
         <p:blipFill>
-          <a:blip r:embed="rId1"/>
+          <a:blip r:embed="rId3"/>
           <a:stretch>
             <a:fillRect/>
           </a:stretch>
@@ -32749,13 +32138,6 @@
               </a:rPr>
               <a:t>总体损失</a:t>
             </a:r>
-            <a:endParaRPr lang="zh-CN" altLang="en-US" sz="2000" b="0" i="0" u="none" baseline="0" dirty="0">
-              <a:solidFill>
-                <a:srgbClr val="000000"/>
-              </a:solidFill>
-              <a:latin typeface="黑体" panose="02010609060101010101" charset="-122"/>
-              <a:ea typeface="黑体" panose="02010609060101010101" charset="-122"/>
-            </a:endParaRPr>
           </a:p>
         </p:txBody>
       </p:sp>
@@ -32802,13 +32184,6 @@
               </a:rPr>
               <a:t>策略梯度损失</a:t>
             </a:r>
-            <a:endParaRPr lang="zh-CN" altLang="en-US" sz="2000" b="0" i="0" u="none" baseline="0" dirty="0">
-              <a:solidFill>
-                <a:srgbClr val="000000"/>
-              </a:solidFill>
-              <a:latin typeface="黑体" panose="02010609060101010101" charset="-122"/>
-              <a:ea typeface="黑体" panose="02010609060101010101" charset="-122"/>
-            </a:endParaRPr>
           </a:p>
         </p:txBody>
       </p:sp>
@@ -32855,13 +32230,6 @@
               </a:rPr>
               <a:t>价值损失</a:t>
             </a:r>
-            <a:endParaRPr lang="zh-CN" altLang="en-US" sz="2000" b="0" i="0" u="none" baseline="0" dirty="0">
-              <a:solidFill>
-                <a:srgbClr val="000000"/>
-              </a:solidFill>
-              <a:latin typeface="黑体" panose="02010609060101010101" charset="-122"/>
-              <a:ea typeface="黑体" panose="02010609060101010101" charset="-122"/>
-            </a:endParaRPr>
           </a:p>
         </p:txBody>
       </p:sp>
@@ -32908,13 +32276,6 @@
               </a:rPr>
               <a:t>稳定性差</a:t>
             </a:r>
-            <a:endParaRPr lang="zh-CN" altLang="en-US" sz="2800" b="1" i="0" u="none" baseline="0" dirty="0">
-              <a:solidFill>
-                <a:srgbClr val="000000"/>
-              </a:solidFill>
-              <a:latin typeface="微软雅黑" panose="020B0503020204020204" pitchFamily="34" charset="-122"/>
-              <a:ea typeface="微软雅黑" panose="020B0503020204020204" pitchFamily="34" charset="-122"/>
-            </a:endParaRPr>
           </a:p>
         </p:txBody>
       </p:sp>
@@ -32962,7 +32323,6 @@
               <a:rPr lang="zh-CN" altLang="en-US"/>
               <a:t>三、存在问题</a:t>
             </a:r>
-            <a:endParaRPr lang="zh-CN" altLang="en-US"/>
           </a:p>
         </p:txBody>
       </p:sp>
@@ -33002,14 +32362,6 @@
               </a:rPr>
               <a:t>模型效果不理想</a:t>
             </a:r>
-            <a:endParaRPr lang="zh-CN" altLang="en-US" sz="2400" b="1" dirty="0">
-              <a:solidFill>
-                <a:srgbClr val="000000"/>
-              </a:solidFill>
-              <a:latin typeface="微软雅黑" panose="020B0503020204020204" pitchFamily="34" charset="-122"/>
-              <a:ea typeface="微软雅黑" panose="020B0503020204020204" pitchFamily="34" charset="-122"/>
-              <a:cs typeface="微软雅黑" panose="020B0503020204020204" pitchFamily="34" charset="-122"/>
-            </a:endParaRPr>
           </a:p>
           <a:p>
             <a:endParaRPr lang="zh-CN" altLang="en-US"/>
@@ -33052,6 +32404,7 @@
           <a:p>
             <a:fld id="{AA807A42-CF27-4B84-8583-18EBE418342E}" type="slidenum">
               <a:rPr lang="de-DE" smtClean="0"/>
+              <a:t>9</a:t>
             </a:fld>
             <a:endParaRPr lang="de-DE" dirty="0"/>
           </a:p>
@@ -33100,13 +32453,6 @@
               </a:rPr>
               <a:t>成功率低</a:t>
             </a:r>
-            <a:endParaRPr lang="zh-CN" altLang="en-US" sz="2800" b="1" i="0" u="none" baseline="0" dirty="0">
-              <a:solidFill>
-                <a:srgbClr val="000000"/>
-              </a:solidFill>
-              <a:latin typeface="微软雅黑" panose="020B0503020204020204" pitchFamily="34" charset="-122"/>
-              <a:ea typeface="微软雅黑" panose="020B0503020204020204" pitchFamily="34" charset="-122"/>
-            </a:endParaRPr>
           </a:p>
         </p:txBody>
       </p:sp>
@@ -33153,13 +32499,6 @@
               </a:rPr>
               <a:t>代码结果可视化：撞车严重</a:t>
             </a:r>
-            <a:endParaRPr lang="zh-CN" altLang="en-US" sz="2800" b="0" i="0" u="none" baseline="0" dirty="0">
-              <a:solidFill>
-                <a:srgbClr val="000000"/>
-              </a:solidFill>
-              <a:latin typeface="微软雅黑" panose="020B0503020204020204" pitchFamily="34" charset="-122"/>
-              <a:ea typeface="微软雅黑" panose="020B0503020204020204" pitchFamily="34" charset="-122"/>
-            </a:endParaRPr>
           </a:p>
         </p:txBody>
       </p:sp>
@@ -33206,13 +32545,6 @@
               </a:rPr>
               <a:t>超参数的值怎么修改？</a:t>
             </a:r>
-            <a:endParaRPr lang="zh-CN" altLang="en-US" sz="2800" b="0" i="0" u="none" baseline="0" dirty="0">
-              <a:solidFill>
-                <a:srgbClr val="000000"/>
-              </a:solidFill>
-              <a:latin typeface="微软雅黑" panose="020B0503020204020204" pitchFamily="34" charset="-122"/>
-              <a:ea typeface="微软雅黑" panose="020B0503020204020204" pitchFamily="34" charset="-122"/>
-            </a:endParaRPr>
           </a:p>
         </p:txBody>
       </p:sp>
@@ -33225,39 +32557,13 @@
 </file>
 
 <file path=ppt/tags/tag1.xml><?xml version="1.0" encoding="utf-8"?>
-<p:tagLst xmlns:p="http://schemas.openxmlformats.org/presentationml/2006/main">
-  <p:tag name="MIO_PRESI_FIRST_SLIDENUMBER" val="1"/>
-  <p:tag name="MIO_FALLBACK_LAYOUT" val="14"/>
-  <p:tag name="MIO_SHOW_DATE" val="False"/>
-  <p:tag name="MIO_SHOW_FOOTER" val="True"/>
-  <p:tag name="MIO_SHOW_PAGENUMBER" val="True"/>
-  <p:tag name="MIO_AVOID_BLANK_LAYOUT" val="True"/>
-  <p:tag name="MIO_NUMBER_OF_VALID_LAYOUTS" val="15"/>
-  <p:tag name="MIO_MST_COLOR_1" val="0,0,0,Dunkel 1"/>
-  <p:tag name="MIO_MST_COLOR_2" val="255,255,255,Hell 1"/>
-  <p:tag name="MIO_MST_COLOR_3" val="64,64,64,Dunkel 2"/>
-  <p:tag name="MIO_MST_COLOR_4" val="146,162,189,Hell 2"/>
-  <p:tag name="MIO_MST_COLOR_5" val="102,113,132,Akzent 1"/>
-  <p:tag name="MIO_MST_COLOR_6" val="146,162,189,Akzent 2"/>
-  <p:tag name="MIO_MST_COLOR_7" val="173,185,206,Akzent 3"/>
-  <p:tag name="MIO_MST_COLOR_8" val="201,209,222,Akzent 4"/>
-  <p:tag name="MIO_MST_COLOR_9" val="228,232,238,Akzent 5"/>
-  <p:tag name="MIO_MST_COLOR_10" val="221,218,210,Akzent 6"/>
-  <p:tag name="MIO_MST_COLOR_11" val="0,0,0,"/>
-  <p:tag name="MIO_MST_COLOR_12" val="0,0,0,"/>
-  <p:tag name="MIO_HDS" val="True"/>
-  <p:tag name="MIO_EK" val="1989"/>
-  <p:tag name="MIO_UPDATE" val="True"/>
-  <p:tag name="MIO_VERSION" val="23.10.2015 16:52:00"/>
-  <p:tag name="MIO_DBID" val="917DD09C-76C3-4640-8E0D-382111CB3B69"/>
-  <p:tag name="MIO_LASTDOWNLOADED" val="30.10.2015 14:18:05"/>
-  <p:tag name="MIO_OBJECTNAME" val="BMW Group 4:3"/>
-  <p:tag name="MIO_LASTEDITORNAME" val="empower enterprise"/>
+<p:tagLst xmlns:a="http://schemas.openxmlformats.org/drawingml/2006/main" xmlns:r="http://schemas.openxmlformats.org/officeDocument/2006/relationships" xmlns:p="http://schemas.openxmlformats.org/presentationml/2006/main">
+  <p:tag name="COMMONDATA" val="eyJoZGlkIjoiMzcyODMxYTE0ZTc0ZGU3Y2QwODc3MzYzN2Q1YmNiM2EifQ=="/>
 </p:tagLst>
 </file>
 
 <file path=ppt/tags/tag2.xml><?xml version="1.0" encoding="utf-8"?>
-<p:tagLst xmlns:p="http://schemas.openxmlformats.org/presentationml/2006/main">
+<p:tagLst xmlns:a="http://schemas.openxmlformats.org/drawingml/2006/main" xmlns:r="http://schemas.openxmlformats.org/officeDocument/2006/relationships" xmlns:p="http://schemas.openxmlformats.org/presentationml/2006/main">
   <p:tag name="MIO_PRESI_FIRST_SLIDENUMBER" val="1"/>
   <p:tag name="MIO_FALLBACK_LAYOUT" val="14"/>
   <p:tag name="MIO_SHOW_DATE" val="False"/>
@@ -33289,8 +32595,34 @@
 </file>
 
 <file path=ppt/tags/tag3.xml><?xml version="1.0" encoding="utf-8"?>
-<p:tagLst xmlns:p="http://schemas.openxmlformats.org/presentationml/2006/main">
-  <p:tag name="COMMONDATA" val="eyJoZGlkIjoiMzcyODMxYTE0ZTc0ZGU3Y2QwODc3MzYzN2Q1YmNiM2EifQ=="/>
+<p:tagLst xmlns:a="http://schemas.openxmlformats.org/drawingml/2006/main" xmlns:r="http://schemas.openxmlformats.org/officeDocument/2006/relationships" xmlns:p="http://schemas.openxmlformats.org/presentationml/2006/main">
+  <p:tag name="MIO_PRESI_FIRST_SLIDENUMBER" val="1"/>
+  <p:tag name="MIO_FALLBACK_LAYOUT" val="14"/>
+  <p:tag name="MIO_SHOW_DATE" val="False"/>
+  <p:tag name="MIO_SHOW_FOOTER" val="True"/>
+  <p:tag name="MIO_SHOW_PAGENUMBER" val="True"/>
+  <p:tag name="MIO_AVOID_BLANK_LAYOUT" val="True"/>
+  <p:tag name="MIO_NUMBER_OF_VALID_LAYOUTS" val="15"/>
+  <p:tag name="MIO_MST_COLOR_1" val="0,0,0,Dunkel 1"/>
+  <p:tag name="MIO_MST_COLOR_2" val="255,255,255,Hell 1"/>
+  <p:tag name="MIO_MST_COLOR_3" val="64,64,64,Dunkel 2"/>
+  <p:tag name="MIO_MST_COLOR_4" val="146,162,189,Hell 2"/>
+  <p:tag name="MIO_MST_COLOR_5" val="102,113,132,Akzent 1"/>
+  <p:tag name="MIO_MST_COLOR_6" val="146,162,189,Akzent 2"/>
+  <p:tag name="MIO_MST_COLOR_7" val="173,185,206,Akzent 3"/>
+  <p:tag name="MIO_MST_COLOR_8" val="201,209,222,Akzent 4"/>
+  <p:tag name="MIO_MST_COLOR_9" val="228,232,238,Akzent 5"/>
+  <p:tag name="MIO_MST_COLOR_10" val="221,218,210,Akzent 6"/>
+  <p:tag name="MIO_MST_COLOR_11" val="0,0,0,"/>
+  <p:tag name="MIO_MST_COLOR_12" val="0,0,0,"/>
+  <p:tag name="MIO_HDS" val="True"/>
+  <p:tag name="MIO_EK" val="1989"/>
+  <p:tag name="MIO_UPDATE" val="True"/>
+  <p:tag name="MIO_VERSION" val="23.10.2015 16:52:00"/>
+  <p:tag name="MIO_DBID" val="917DD09C-76C3-4640-8E0D-382111CB3B69"/>
+  <p:tag name="MIO_LASTDOWNLOADED" val="30.10.2015 14:18:05"/>
+  <p:tag name="MIO_OBJECTNAME" val="BMW Group 4:3"/>
+  <p:tag name="MIO_LASTEDITORNAME" val="empower enterprise"/>
 </p:tagLst>
 </file>
 
@@ -33617,6 +32949,7 @@
       </a:lstStyle>
     </a:txDef>
   </a:objectDefaults>
+  <a:extraClrSchemeLst/>
   <a:custClrLst>
     <a:custClr name="Grundfarbe Schwarz">
       <a:srgbClr val="000000"/>
@@ -34028,6 +33361,8 @@
       </a:bgFillStyleLst>
     </a:fmtScheme>
   </a:themeElements>
+  <a:objectDefaults/>
+  <a:extraClrSchemeLst/>
   <a:extLst>
     <a:ext uri="{05A4C25C-085E-4340-85A3-A5531E510DB2}">
       <thm15:themeFamily xmlns:thm15="http://schemas.microsoft.com/office/thememl/2012/main" name="Office Theme" id="{62F939B6-93AF-4DB8-9C6B-D6C7DFDC589F}" vid="{4A3C46E8-61CC-4603-A589-7422A47A8E4A}"/>
@@ -34359,6 +33694,7 @@
       </a:lstStyle>
     </a:txDef>
   </a:objectDefaults>
+  <a:extraClrSchemeLst/>
   <a:custClrLst>
     <a:custClr name="Grundfarbe Schwarz">
       <a:srgbClr val="000000"/>
@@ -34797,6 +34133,8 @@
       </a:bgFillStyleLst>
     </a:fmtScheme>
   </a:themeElements>
+  <a:objectDefaults/>
+  <a:extraClrSchemeLst/>
   <a:extLst>
     <a:ext uri="{05A4C25C-085E-4340-85A3-A5531E510DB2}">
       <thm15:themeFamily xmlns:thm15="http://schemas.microsoft.com/office/thememl/2012/main" name="Office Theme" id="{62F939B6-93AF-4DB8-9C6B-D6C7DFDC589F}" vid="{4A3C46E8-61CC-4603-A589-7422A47A8E4A}"/>
@@ -35056,6 +34394,8 @@
       </a:bgFillStyleLst>
     </a:fmtScheme>
   </a:themeElements>
+  <a:objectDefaults/>
+  <a:extraClrSchemeLst/>
   <a:extLst>
     <a:ext uri="{05A4C25C-085E-4340-85A3-A5531E510DB2}">
       <thm15:themeFamily xmlns:thm15="http://schemas.microsoft.com/office/thememl/2012/main" name="Office Theme" id="{62F939B6-93AF-4DB8-9C6B-D6C7DFDC589F}" vid="{4A3C46E8-61CC-4603-A589-7422A47A8E4A}"/>

--- a/组会汇报.pptx
+++ b/组会汇报.pptx
@@ -3,37 +3,38 @@
 <p:presentation xmlns:a="http://schemas.openxmlformats.org/drawingml/2006/main" xmlns:r="http://schemas.openxmlformats.org/officeDocument/2006/relationships" xmlns:p="http://schemas.openxmlformats.org/presentationml/2006/main">
   <p:sldMasterIdLst>
     <p:sldMasterId id="2147483648" r:id="rId1"/>
-    <p:sldMasterId id="2147483651" r:id="rId2"/>
-    <p:sldMasterId id="2147483655" r:id="rId3"/>
-    <p:sldMasterId id="2147483662" r:id="rId4"/>
+    <p:sldMasterId id="2147483651" r:id="rId3"/>
+    <p:sldMasterId id="2147483655" r:id="rId4"/>
+    <p:sldMasterId id="2147483662" r:id="rId5"/>
   </p:sldMasterIdLst>
   <p:notesMasterIdLst>
-    <p:notesMasterId r:id="rId23"/>
+    <p:notesMasterId r:id="rId7"/>
   </p:notesMasterIdLst>
   <p:sldIdLst>
-    <p:sldId id="393" r:id="rId5"/>
-    <p:sldId id="394" r:id="rId6"/>
-    <p:sldId id="396" r:id="rId7"/>
-    <p:sldId id="384" r:id="rId8"/>
-    <p:sldId id="390" r:id="rId9"/>
-    <p:sldId id="397" r:id="rId10"/>
-    <p:sldId id="399" r:id="rId11"/>
-    <p:sldId id="389" r:id="rId12"/>
-    <p:sldId id="403" r:id="rId13"/>
-    <p:sldId id="411" r:id="rId14"/>
-    <p:sldId id="405" r:id="rId15"/>
-    <p:sldId id="406" r:id="rId16"/>
-    <p:sldId id="408" r:id="rId17"/>
-    <p:sldId id="409" r:id="rId18"/>
-    <p:sldId id="412" r:id="rId19"/>
-    <p:sldId id="415" r:id="rId20"/>
-    <p:sldId id="413" r:id="rId21"/>
-    <p:sldId id="414" r:id="rId22"/>
+    <p:sldId id="393" r:id="rId6"/>
+    <p:sldId id="394" r:id="rId8"/>
+    <p:sldId id="396" r:id="rId9"/>
+    <p:sldId id="384" r:id="rId10"/>
+    <p:sldId id="390" r:id="rId11"/>
+    <p:sldId id="397" r:id="rId12"/>
+    <p:sldId id="399" r:id="rId13"/>
+    <p:sldId id="389" r:id="rId14"/>
+    <p:sldId id="403" r:id="rId15"/>
+    <p:sldId id="411" r:id="rId16"/>
+    <p:sldId id="405" r:id="rId17"/>
+    <p:sldId id="406" r:id="rId18"/>
+    <p:sldId id="408" r:id="rId19"/>
+    <p:sldId id="409" r:id="rId20"/>
+    <p:sldId id="412" r:id="rId21"/>
+    <p:sldId id="415" r:id="rId22"/>
+    <p:sldId id="413" r:id="rId23"/>
+    <p:sldId id="414" r:id="rId24"/>
+    <p:sldId id="420" r:id="rId25"/>
   </p:sldIdLst>
   <p:sldSz cx="12192000" cy="6858000"/>
   <p:notesSz cx="6858000" cy="9144000"/>
   <p:custDataLst>
-    <p:tags r:id="rId24"/>
+    <p:tags r:id="rId30"/>
   </p:custDataLst>
   <p:defaultTextStyle>
     <a:defPPr>
@@ -130,11 +131,6 @@
       </a:defRPr>
     </a:lvl9pPr>
   </p:defaultTextStyle>
-  <p:extLst>
-    <p:ext uri="{EFAFB233-063F-42B5-8137-9DF3F51BA10A}">
-      <p15:sldGuideLst xmlns:p15="http://schemas.microsoft.com/office/powerpoint/2012/main"/>
-    </p:ext>
-  </p:extLst>
 </p:presentation>
 </file>
 
@@ -228,7 +224,6 @@
           <a:p>
             <a:fld id="{A007E71C-5B10-4544-81CA-B2E7B1A2FCCD}" type="datetimeFigureOut">
               <a:rPr lang="zh-CN" altLang="en-US" smtClean="0"/>
-              <a:t>2024/11/19</a:t>
             </a:fld>
             <a:endParaRPr lang="zh-CN" altLang="en-US"/>
           </a:p>
@@ -295,6 +290,7 @@
               <a:rPr lang="zh-CN" altLang="en-US"/>
               <a:t>单击此处编辑母版文本样式</a:t>
             </a:r>
+            <a:endParaRPr lang="zh-CN" altLang="en-US"/>
           </a:p>
           <a:p>
             <a:pPr lvl="1"/>
@@ -302,6 +298,7 @@
               <a:rPr lang="zh-CN" altLang="en-US"/>
               <a:t>二级</a:t>
             </a:r>
+            <a:endParaRPr lang="zh-CN" altLang="en-US"/>
           </a:p>
           <a:p>
             <a:pPr lvl="2"/>
@@ -309,6 +306,7 @@
               <a:rPr lang="zh-CN" altLang="en-US"/>
               <a:t>三级</a:t>
             </a:r>
+            <a:endParaRPr lang="zh-CN" altLang="en-US"/>
           </a:p>
           <a:p>
             <a:pPr lvl="3"/>
@@ -316,6 +314,7 @@
               <a:rPr lang="zh-CN" altLang="en-US"/>
               <a:t>四级</a:t>
             </a:r>
+            <a:endParaRPr lang="zh-CN" altLang="en-US"/>
           </a:p>
           <a:p>
             <a:pPr lvl="4"/>
@@ -323,6 +322,7 @@
               <a:rPr lang="zh-CN" altLang="en-US"/>
               <a:t>五级</a:t>
             </a:r>
+            <a:endParaRPr lang="zh-CN" altLang="en-US"/>
           </a:p>
         </p:txBody>
       </p:sp>
@@ -386,7 +386,6 @@
           <a:p>
             <a:fld id="{D5270CF7-D3A8-4DC3-8782-22D6DC24CC25}" type="slidenum">
               <a:rPr lang="zh-CN" altLang="en-US" smtClean="0"/>
-              <a:t>‹#›</a:t>
             </a:fld>
             <a:endParaRPr lang="zh-CN" altLang="en-US"/>
           </a:p>
@@ -560,7 +559,6 @@
           <a:p>
             <a:fld id="{DDB02DA9-F637-CB4D-BC72-92066AEB9C9A}" type="slidenum">
               <a:rPr lang="en-US" smtClean="0"/>
-              <a:t>1</a:t>
             </a:fld>
             <a:endParaRPr lang="en-US" dirty="0"/>
           </a:p>
@@ -716,7 +714,6 @@
                 <a:ea typeface="+mn-ea"/>
                 <a:cs typeface="+mn-cs"/>
               </a:rPr>
-              <a:t>4</a:t>
             </a:fld>
             <a:endParaRPr kumimoji="0" lang="de-DE" sz="1200" b="0" i="0" u="none" strike="noStrike" kern="1200" cap="none" spc="0" normalizeH="0" baseline="0" noProof="0">
               <a:ln>
@@ -885,7 +882,6 @@
                 <a:ea typeface="+mn-ea"/>
                 <a:cs typeface="+mn-cs"/>
               </a:rPr>
-              <a:t>5</a:t>
             </a:fld>
             <a:endParaRPr kumimoji="0" lang="de-DE" sz="1200" b="0" i="0" u="none" strike="noStrike" kern="1200" cap="none" spc="0" normalizeH="0" baseline="0" noProof="0">
               <a:ln>
@@ -960,24 +956,28 @@
               <a:rPr lang="zh-CN" altLang="en-US"/>
               <a:t>approx_kl ：近似的 KL 散度，用于衡量新旧策略分布的差异，防止策略更新太快不稳定。</a:t>
             </a:r>
+            <a:endParaRPr lang="zh-CN" altLang="en-US"/>
           </a:p>
           <a:p>
             <a:r>
               <a:rPr lang="zh-CN" altLang="en-US"/>
               <a:t>clip_fraction ：被截断的梯度比例，限制策略变化变化。</a:t>
             </a:r>
+            <a:endParaRPr lang="zh-CN" altLang="en-US"/>
           </a:p>
           <a:p>
             <a:r>
               <a:rPr lang="zh-CN" altLang="en-US"/>
               <a:t>clip_range ：允许的策略更新范围，超参数</a:t>
             </a:r>
+            <a:endParaRPr lang="zh-CN" altLang="en-US"/>
           </a:p>
           <a:p>
             <a:r>
               <a:rPr lang="zh-CN" altLang="en-US"/>
               <a:t>entropy_loss ：熵损失，熵越高策略随机性越大，逐渐确定最佳策略，理应逐渐下降。</a:t>
             </a:r>
+            <a:endParaRPr lang="zh-CN" altLang="en-US"/>
           </a:p>
           <a:p>
             <a:r>
@@ -992,30 +992,35 @@
               <a:rPr lang="zh-CN" altLang="en-US"/>
               <a:t>越优，说明价值函数对实际奖励的拟合越好。</a:t>
             </a:r>
+            <a:endParaRPr lang="zh-CN" altLang="en-US"/>
           </a:p>
           <a:p>
             <a:r>
               <a:rPr lang="zh-CN" altLang="en-US"/>
               <a:t>learning_rate：学习率，用于控制梯度更新的步长，超参数。</a:t>
             </a:r>
+            <a:endParaRPr lang="zh-CN" altLang="en-US"/>
           </a:p>
           <a:p>
             <a:r>
               <a:rPr lang="zh-CN" altLang="en-US"/>
               <a:t>总体损失函数值</a:t>
             </a:r>
+            <a:endParaRPr lang="zh-CN" altLang="en-US"/>
           </a:p>
           <a:p>
             <a:r>
               <a:rPr lang="zh-CN" altLang="en-US"/>
               <a:t>策略梯度损失</a:t>
             </a:r>
+            <a:endParaRPr lang="zh-CN" altLang="en-US"/>
           </a:p>
           <a:p>
             <a:r>
               <a:rPr lang="zh-CN" altLang="en-US"/>
               <a:t>价值损失</a:t>
             </a:r>
+            <a:endParaRPr lang="zh-CN" altLang="en-US"/>
           </a:p>
           <a:p>
             <a:endParaRPr lang="zh-CN" altLang="en-US"/>
@@ -1203,6 +1208,12 @@
               </a:rPr>
               <a:t>是车停在原地不动。</a:t>
             </a:r>
+            <a:endParaRPr lang="zh-CN" altLang="en-US" b="1" dirty="0">
+              <a:solidFill>
+                <a:srgbClr val="000000"/>
+              </a:solidFill>
+              <a:latin typeface="BMW Group Condensed"/>
+            </a:endParaRPr>
           </a:p>
           <a:p>
             <a:endParaRPr lang="zh-CN" altLang="en-US" dirty="0"/>
@@ -1303,7 +1314,6 @@
                 <a:ea typeface="+mn-ea"/>
                 <a:cs typeface="+mn-cs"/>
               </a:rPr>
-              <a:t>8</a:t>
             </a:fld>
             <a:endParaRPr kumimoji="0" lang="de-DE" sz="1200" b="0" i="0" u="none" strike="noStrike" kern="1200" cap="none" spc="0" normalizeH="0" baseline="0" noProof="0">
               <a:ln>
@@ -1400,7 +1410,6 @@
           <a:p>
             <a:fld id="{DDB02DA9-F637-CB4D-BC72-92066AEB9C9A}" type="slidenum">
               <a:rPr lang="en-US" smtClean="0"/>
-              <a:t>10</a:t>
             </a:fld>
             <a:endParaRPr lang="en-US" dirty="0"/>
           </a:p>
@@ -1484,7 +1493,6 @@
           <a:p>
             <a:fld id="{DDB02DA9-F637-CB4D-BC72-92066AEB9C9A}" type="slidenum">
               <a:rPr lang="en-US" smtClean="0"/>
-              <a:t>15</a:t>
             </a:fld>
             <a:endParaRPr lang="en-US" dirty="0"/>
           </a:p>
@@ -1563,7 +1571,6 @@
           <a:p>
             <a:fld id="{D5270CF7-D3A8-4DC3-8782-22D6DC24CC25}" type="slidenum">
               <a:rPr lang="zh-CN" altLang="en-US" smtClean="0"/>
-              <a:t>16</a:t>
             </a:fld>
             <a:endParaRPr lang="zh-CN" altLang="en-US"/>
           </a:p>
@@ -1811,6 +1818,18 @@
               </a:rPr>
               <a:t>XX</a:t>
             </a:r>
+            <a:endParaRPr lang="en-US" altLang="zh-CN" sz="4800" dirty="0">
+              <a:solidFill>
+                <a:schemeClr val="bg1"/>
+              </a:solidFill>
+              <a:effectLst>
+                <a:outerShdw blurRad="38100" dist="38100" dir="2700000" algn="tl">
+                  <a:srgbClr val="000000">
+                    <a:alpha val="43137"/>
+                  </a:srgbClr>
+                </a:outerShdw>
+              </a:effectLst>
+            </a:endParaRPr>
           </a:p>
         </p:txBody>
       </p:sp>
@@ -2091,6 +2110,15 @@
               </a:rPr>
               <a:t>汇报时间：</a:t>
             </a:r>
+            <a:endParaRPr lang="zh-CN" altLang="en-US" sz="2400" dirty="0">
+              <a:solidFill>
+                <a:schemeClr val="tx2">
+                  <a:lumMod val="75000"/>
+                </a:schemeClr>
+              </a:solidFill>
+              <a:latin typeface="Times New Roman" panose="02020603050405020304" pitchFamily="18" charset="0"/>
+              <a:cs typeface="Times New Roman" panose="02020603050405020304" pitchFamily="18" charset="0"/>
+            </a:endParaRPr>
           </a:p>
         </p:txBody>
       </p:sp>
@@ -2169,6 +2197,7 @@
               <a:rPr lang="de-DE" dirty="0"/>
               <a:t>Textmasterformat bearbeiten</a:t>
             </a:r>
+            <a:endParaRPr lang="de-DE" dirty="0"/>
           </a:p>
           <a:p>
             <a:pPr lvl="1"/>
@@ -2176,6 +2205,7 @@
               <a:rPr lang="de-DE" dirty="0"/>
               <a:t>Zweite Ebene</a:t>
             </a:r>
+            <a:endParaRPr lang="de-DE" dirty="0"/>
           </a:p>
           <a:p>
             <a:pPr lvl="2"/>
@@ -2183,6 +2213,7 @@
               <a:rPr lang="de-DE" dirty="0"/>
               <a:t>Dritte Ebene</a:t>
             </a:r>
+            <a:endParaRPr lang="de-DE" dirty="0"/>
           </a:p>
           <a:p>
             <a:pPr lvl="3"/>
@@ -2190,6 +2221,7 @@
               <a:rPr lang="de-DE" dirty="0"/>
               <a:t>Vierte Ebene</a:t>
             </a:r>
+            <a:endParaRPr lang="de-DE" dirty="0"/>
           </a:p>
           <a:p>
             <a:pPr lvl="4"/>
@@ -2197,6 +2229,7 @@
               <a:rPr lang="de-DE" dirty="0"/>
               <a:t>Fünfte Ebene</a:t>
             </a:r>
+            <a:endParaRPr lang="de-DE" dirty="0"/>
           </a:p>
         </p:txBody>
       </p:sp>
@@ -2284,7 +2317,6 @@
           <a:p>
             <a:fld id="{82F288E0-7875-42C4-84C8-98DBBD3BF4D2}" type="datetimeFigureOut">
               <a:rPr lang="zh-CN" altLang="en-US" smtClean="0"/>
-              <a:t>2024/11/19</a:t>
             </a:fld>
             <a:endParaRPr lang="zh-CN" altLang="en-US"/>
           </a:p>
@@ -2331,7 +2363,6 @@
           <a:p>
             <a:fld id="{CE0EC710-139A-4CA2-AAD7-77B43670B718}" type="slidenum">
               <a:rPr lang="zh-CN" altLang="en-US" smtClean="0"/>
-              <a:t>‹#›</a:t>
             </a:fld>
             <a:endParaRPr lang="zh-CN" altLang="en-US" dirty="0"/>
           </a:p>
@@ -2691,6 +2722,7 @@
               <a:rPr lang="zh-CN" altLang="en-US" dirty="0"/>
               <a:t>单击此处编辑主标题文字</a:t>
             </a:r>
+            <a:endParaRPr lang="zh-CN" altLang="en-US" dirty="0"/>
           </a:p>
         </p:txBody>
       </p:sp>
@@ -2726,7 +2758,6 @@
                   </a:schemeClr>
                 </a:solidFill>
               </a:rPr>
-              <a:t>2024/11/19</a:t>
             </a:fld>
             <a:endParaRPr lang="zh-CN" altLang="en-US" sz="1400" dirty="0">
               <a:solidFill>
@@ -2872,6 +2903,7 @@
               <a:rPr lang="zh-CN" altLang="en-US" dirty="0"/>
               <a:t>演讲者名字</a:t>
             </a:r>
+            <a:endParaRPr lang="zh-CN" altLang="en-US" dirty="0"/>
           </a:p>
         </p:txBody>
       </p:sp>
@@ -3074,7 +3106,6 @@
             </a:pPr>
             <a:fld id="{8FC7DBC8-975C-4207-936C-01FC1A90A004}" type="datetime1">
               <a:rPr lang="zh-CN" altLang="en-US" sz="1400" smtClean="0"/>
-              <a:t>2024/11/19</a:t>
             </a:fld>
             <a:endParaRPr lang="zh-CN" altLang="en-US" sz="1400" dirty="0"/>
           </a:p>
@@ -3123,6 +3154,7 @@
               <a:rPr lang="zh-CN" altLang="en-US" dirty="0"/>
               <a:t>编辑主标题文字</a:t>
             </a:r>
+            <a:endParaRPr lang="zh-CN" altLang="en-US" dirty="0"/>
           </a:p>
         </p:txBody>
       </p:sp>
@@ -3256,6 +3288,7 @@
               <a:rPr lang="zh-CN" altLang="en-US" dirty="0"/>
               <a:t>演讲者</a:t>
             </a:r>
+            <a:endParaRPr lang="zh-CN" altLang="en-US" dirty="0"/>
           </a:p>
         </p:txBody>
       </p:sp>
@@ -3464,6 +3497,7 @@
               <a:rPr lang="zh-CN" altLang="en-US" dirty="0"/>
               <a:t>单击此处编辑主标题文字</a:t>
             </a:r>
+            <a:endParaRPr lang="zh-CN" altLang="en-US" dirty="0"/>
           </a:p>
         </p:txBody>
       </p:sp>
@@ -3503,7 +3537,6 @@
                   </a:schemeClr>
                 </a:solidFill>
               </a:rPr>
-              <a:t>2024/11/19</a:t>
             </a:fld>
             <a:endParaRPr lang="zh-CN" altLang="en-US" dirty="0">
               <a:solidFill>
@@ -3649,6 +3682,7 @@
               <a:rPr lang="zh-CN" altLang="en-US" dirty="0"/>
               <a:t>演讲者名字</a:t>
             </a:r>
+            <a:endParaRPr lang="zh-CN" altLang="en-US" dirty="0"/>
           </a:p>
         </p:txBody>
       </p:sp>
@@ -3769,6 +3803,7 @@
               <a:rPr lang="zh-CN" altLang="en-US" dirty="0"/>
               <a:t>单击此处编辑主标题</a:t>
             </a:r>
+            <a:endParaRPr lang="zh-CN" altLang="en-US" dirty="0"/>
           </a:p>
         </p:txBody>
       </p:sp>
@@ -3902,6 +3937,7 @@
               <a:rPr lang="zh-CN" altLang="en-US" dirty="0"/>
               <a:t>演讲者名字</a:t>
             </a:r>
+            <a:endParaRPr lang="zh-CN" altLang="en-US" dirty="0"/>
           </a:p>
         </p:txBody>
       </p:sp>
@@ -3941,7 +3977,6 @@
                   </a:schemeClr>
                 </a:solidFill>
               </a:rPr>
-              <a:t>2024/11/19</a:t>
             </a:fld>
             <a:endParaRPr lang="zh-CN" altLang="en-US" dirty="0">
               <a:solidFill>
@@ -4083,6 +4118,7 @@
               <a:rPr lang="zh-CN" altLang="en-US" dirty="0"/>
               <a:t>课程名称</a:t>
             </a:r>
+            <a:endParaRPr lang="zh-CN" altLang="en-US" dirty="0"/>
           </a:p>
         </p:txBody>
       </p:sp>
@@ -4358,6 +4394,7 @@
               <a:rPr lang="zh-CN" altLang="en-US" dirty="0"/>
               <a:t>演讲者名字</a:t>
             </a:r>
+            <a:endParaRPr lang="zh-CN" altLang="en-US" dirty="0"/>
           </a:p>
         </p:txBody>
       </p:sp>
@@ -4397,7 +4434,6 @@
             </a:pPr>
             <a:fld id="{8FC7DBC8-975C-4207-936C-01FC1A90A004}" type="datetime1">
               <a:rPr lang="zh-CN" altLang="en-US" smtClean="0"/>
-              <a:t>2024/11/19</a:t>
             </a:fld>
             <a:endParaRPr lang="zh-CN" altLang="en-US" dirty="0"/>
           </a:p>
@@ -4750,6 +4786,15 @@
               </a:rPr>
               <a:t>  </a:t>
             </a:r>
+            <a:endParaRPr lang="en-US" altLang="zh-CN" sz="1400" dirty="0">
+              <a:solidFill>
+                <a:schemeClr val="accent1">
+                  <a:lumMod val="75000"/>
+                </a:schemeClr>
+              </a:solidFill>
+              <a:latin typeface="微软雅黑" panose="020B0503020204020204" pitchFamily="34" charset="-122"/>
+              <a:ea typeface="微软雅黑" panose="020B0503020204020204" pitchFamily="34" charset="-122"/>
+            </a:endParaRPr>
           </a:p>
           <a:p>
             <a:pPr lvl="0"/>
@@ -4931,6 +4976,7 @@
               <a:rPr lang="zh-CN" altLang="en-US" dirty="0"/>
               <a:t>黑白（版本不同路径可能不同）</a:t>
             </a:r>
+            <a:endParaRPr lang="zh-CN" altLang="en-US" dirty="0"/>
           </a:p>
         </p:txBody>
       </p:sp>
@@ -5066,6 +5112,7 @@
               <a:rPr lang="zh-CN" altLang="en-US" dirty="0"/>
               <a:t>演讲者名字</a:t>
             </a:r>
+            <a:endParaRPr lang="zh-CN" altLang="en-US" dirty="0"/>
           </a:p>
         </p:txBody>
       </p:sp>
@@ -5105,7 +5152,6 @@
             </a:pPr>
             <a:fld id="{8FC7DBC8-975C-4207-936C-01FC1A90A004}" type="datetime1">
               <a:rPr lang="zh-CN" altLang="en-US" smtClean="0"/>
-              <a:t>2024/11/19</a:t>
             </a:fld>
             <a:endParaRPr lang="zh-CN" altLang="en-US" dirty="0"/>
           </a:p>
@@ -5458,6 +5504,15 @@
               </a:rPr>
               <a:t>  </a:t>
             </a:r>
+            <a:endParaRPr lang="en-US" altLang="zh-CN" sz="1400" dirty="0">
+              <a:solidFill>
+                <a:schemeClr val="accent1">
+                  <a:lumMod val="75000"/>
+                </a:schemeClr>
+              </a:solidFill>
+              <a:latin typeface="微软雅黑" panose="020B0503020204020204" pitchFamily="34" charset="-122"/>
+              <a:ea typeface="微软雅黑" panose="020B0503020204020204" pitchFamily="34" charset="-122"/>
+            </a:endParaRPr>
           </a:p>
           <a:p>
             <a:pPr lvl="0"/>
@@ -5584,6 +5639,7 @@
               <a:rPr lang="zh-CN" altLang="en-US" dirty="0"/>
               <a:t>黑白（版本不同路径可能不同）</a:t>
             </a:r>
+            <a:endParaRPr lang="zh-CN" altLang="en-US" dirty="0"/>
           </a:p>
         </p:txBody>
       </p:sp>
@@ -5724,6 +5780,23 @@
               </a:rPr>
               <a:t>演讲者名字</a:t>
             </a:r>
+            <a:endParaRPr kumimoji="0" lang="zh-CN" altLang="en-US" sz="2640" b="1" i="0" u="none" strike="noStrike" kern="1200" cap="all" spc="0" normalizeH="0" baseline="0" noProof="0" dirty="0">
+              <a:ln>
+                <a:noFill/>
+              </a:ln>
+              <a:solidFill>
+                <a:schemeClr val="tx1">
+                  <a:lumMod val="85000"/>
+                  <a:lumOff val="15000"/>
+                </a:schemeClr>
+              </a:solidFill>
+              <a:effectLst/>
+              <a:uLnTx/>
+              <a:uFillTx/>
+              <a:latin typeface="微软雅黑" panose="020B0503020204020204" pitchFamily="34" charset="-122"/>
+              <a:ea typeface="微软雅黑" panose="020B0503020204020204" pitchFamily="34" charset="-122"/>
+              <a:cs typeface="+mj-cs"/>
+            </a:endParaRPr>
           </a:p>
         </p:txBody>
       </p:sp>
@@ -6074,6 +6147,15 @@
               </a:rPr>
               <a:t>  </a:t>
             </a:r>
+            <a:endParaRPr lang="en-US" altLang="zh-CN" sz="1400" dirty="0">
+              <a:solidFill>
+                <a:schemeClr val="accent1">
+                  <a:lumMod val="75000"/>
+                </a:schemeClr>
+              </a:solidFill>
+              <a:latin typeface="微软雅黑" panose="020B0503020204020204" pitchFamily="34" charset="-122"/>
+              <a:ea typeface="微软雅黑" panose="020B0503020204020204" pitchFamily="34" charset="-122"/>
+            </a:endParaRPr>
           </a:p>
           <a:p>
             <a:pPr lvl="0"/>
@@ -6257,6 +6339,7 @@
               <a:rPr lang="zh-CN" altLang="en-US" dirty="0"/>
               <a:t>单击编辑正文内容</a:t>
             </a:r>
+            <a:endParaRPr lang="zh-CN" altLang="en-US" dirty="0"/>
           </a:p>
           <a:p>
             <a:pPr lvl="0"/>
@@ -6264,6 +6347,7 @@
               <a:rPr lang="zh-CN" altLang="en-US" dirty="0"/>
               <a:t>第一级内容</a:t>
             </a:r>
+            <a:endParaRPr lang="zh-CN" altLang="en-US" dirty="0"/>
           </a:p>
           <a:p>
             <a:pPr lvl="0"/>
@@ -6275,6 +6359,7 @@
               <a:rPr lang="zh-CN" altLang="en-US" dirty="0"/>
               <a:t>第二级内容</a:t>
             </a:r>
+            <a:endParaRPr lang="zh-CN" altLang="en-US" dirty="0"/>
           </a:p>
           <a:p>
             <a:pPr lvl="0"/>
@@ -6401,6 +6486,7 @@
               <a:rPr lang="zh-CN" altLang="en-US" dirty="0"/>
               <a:t>黑白（版本不同路径可能不同）</a:t>
             </a:r>
+            <a:endParaRPr lang="zh-CN" altLang="en-US" dirty="0"/>
           </a:p>
         </p:txBody>
       </p:sp>
@@ -6504,6 +6590,7 @@
               <a:rPr lang="zh-CN" altLang="en-US" dirty="0"/>
               <a:t>演讲者</a:t>
             </a:r>
+            <a:endParaRPr lang="zh-CN" altLang="en-US" dirty="0"/>
           </a:p>
         </p:txBody>
       </p:sp>
@@ -6543,7 +6630,6 @@
             </a:pPr>
             <a:fld id="{8FC7DBC8-975C-4207-936C-01FC1A90A004}" type="datetime1">
               <a:rPr lang="zh-CN" altLang="en-US" smtClean="0"/>
-              <a:t>2024/11/19</a:t>
             </a:fld>
             <a:endParaRPr lang="zh-CN" altLang="en-US" dirty="0"/>
           </a:p>
@@ -6691,6 +6777,7 @@
               <a:rPr lang="zh-CN" altLang="en-US" dirty="0"/>
               <a:t>第二级内容</a:t>
             </a:r>
+            <a:endParaRPr lang="zh-CN" altLang="en-US" dirty="0"/>
           </a:p>
         </p:txBody>
       </p:sp>
@@ -6813,6 +6900,7 @@
               <a:rPr lang="zh-CN" altLang="en-US" dirty="0"/>
               <a:t>黑白（版本不同路径可能不同）</a:t>
             </a:r>
+            <a:endParaRPr lang="zh-CN" altLang="en-US" dirty="0"/>
           </a:p>
         </p:txBody>
       </p:sp>
@@ -6973,6 +7061,7 @@
               <a:rPr lang="zh-CN" altLang="en-US" dirty="0"/>
               <a:t>黑白（版本不同路径可能不同）</a:t>
             </a:r>
+            <a:endParaRPr lang="zh-CN" altLang="en-US" dirty="0"/>
           </a:p>
         </p:txBody>
       </p:sp>
@@ -7130,6 +7219,7 @@
               <a:rPr lang="zh-CN" altLang="en-US" dirty="0"/>
               <a:t>黑白（版本不同路径可能不同）</a:t>
             </a:r>
+            <a:endParaRPr lang="zh-CN" altLang="en-US" dirty="0"/>
           </a:p>
         </p:txBody>
       </p:sp>
@@ -7241,6 +7331,23 @@
               </a:rPr>
               <a:t>演讲者</a:t>
             </a:r>
+            <a:endParaRPr kumimoji="0" lang="zh-CN" altLang="en-US" sz="2400" b="1" i="0" u="none" strike="noStrike" kern="1200" cap="all" spc="0" normalizeH="0" baseline="0" noProof="0" dirty="0">
+              <a:ln>
+                <a:noFill/>
+              </a:ln>
+              <a:solidFill>
+                <a:schemeClr val="tx1">
+                  <a:lumMod val="85000"/>
+                  <a:lumOff val="15000"/>
+                </a:schemeClr>
+              </a:solidFill>
+              <a:effectLst/>
+              <a:uLnTx/>
+              <a:uFillTx/>
+              <a:latin typeface="微软雅黑" panose="020B0503020204020204" pitchFamily="34" charset="-122"/>
+              <a:ea typeface="微软雅黑" panose="020B0503020204020204" pitchFamily="34" charset="-122"/>
+              <a:cs typeface="+mj-cs"/>
+            </a:endParaRPr>
           </a:p>
         </p:txBody>
       </p:sp>
@@ -7314,6 +7421,23 @@
               </a:rPr>
               <a:t>演讲者</a:t>
             </a:r>
+            <a:endParaRPr kumimoji="0" lang="zh-CN" altLang="en-US" sz="2400" b="1" i="0" u="none" strike="noStrike" kern="1200" cap="all" spc="0" normalizeH="0" baseline="0" noProof="0" dirty="0">
+              <a:ln>
+                <a:noFill/>
+              </a:ln>
+              <a:solidFill>
+                <a:schemeClr val="tx1">
+                  <a:lumMod val="85000"/>
+                  <a:lumOff val="15000"/>
+                </a:schemeClr>
+              </a:solidFill>
+              <a:effectLst/>
+              <a:uLnTx/>
+              <a:uFillTx/>
+              <a:latin typeface="微软雅黑" panose="020B0503020204020204" pitchFamily="34" charset="-122"/>
+              <a:ea typeface="微软雅黑" panose="020B0503020204020204" pitchFamily="34" charset="-122"/>
+              <a:cs typeface="+mj-cs"/>
+            </a:endParaRPr>
           </a:p>
         </p:txBody>
       </p:sp>
@@ -7438,6 +7562,7 @@
               <a:rPr lang="zh-CN" altLang="en-US" dirty="0"/>
               <a:t>单击编辑正文内容</a:t>
             </a:r>
+            <a:endParaRPr lang="zh-CN" altLang="en-US" dirty="0"/>
           </a:p>
           <a:p>
             <a:pPr lvl="0"/>
@@ -7445,6 +7570,7 @@
               <a:rPr lang="zh-CN" altLang="en-US" dirty="0"/>
               <a:t>第一级内容</a:t>
             </a:r>
+            <a:endParaRPr lang="zh-CN" altLang="en-US" dirty="0"/>
           </a:p>
           <a:p>
             <a:pPr lvl="0"/>
@@ -7456,6 +7582,7 @@
               <a:rPr lang="zh-CN" altLang="en-US" dirty="0"/>
               <a:t>第二级内容</a:t>
             </a:r>
+            <a:endParaRPr lang="zh-CN" altLang="en-US" dirty="0"/>
           </a:p>
           <a:p>
             <a:pPr lvl="0"/>
@@ -7533,6 +7660,23 @@
               </a:rPr>
               <a:t>演讲者</a:t>
             </a:r>
+            <a:endParaRPr kumimoji="0" lang="zh-CN" altLang="en-US" sz="2400" b="1" i="0" u="none" strike="noStrike" kern="1200" cap="all" spc="0" normalizeH="0" baseline="0" noProof="0" dirty="0">
+              <a:ln>
+                <a:noFill/>
+              </a:ln>
+              <a:solidFill>
+                <a:schemeClr val="tx1">
+                  <a:lumMod val="85000"/>
+                  <a:lumOff val="15000"/>
+                </a:schemeClr>
+              </a:solidFill>
+              <a:effectLst/>
+              <a:uLnTx/>
+              <a:uFillTx/>
+              <a:latin typeface="微软雅黑" panose="020B0503020204020204" pitchFamily="34" charset="-122"/>
+              <a:ea typeface="微软雅黑" panose="020B0503020204020204" pitchFamily="34" charset="-122"/>
+              <a:cs typeface="+mj-cs"/>
+            </a:endParaRPr>
           </a:p>
         </p:txBody>
       </p:sp>
@@ -7677,6 +7821,7 @@
               <a:rPr lang="zh-CN" altLang="en-US" dirty="0"/>
               <a:t>第二级内容</a:t>
             </a:r>
+            <a:endParaRPr lang="zh-CN" altLang="en-US" dirty="0"/>
           </a:p>
           <a:p>
             <a:pPr lvl="0"/>
@@ -7955,7 +8100,6 @@
             </a:pPr>
             <a:fld id="{8FC7DBC8-975C-4207-936C-01FC1A90A004}" type="datetime1">
               <a:rPr lang="zh-CN" altLang="en-US" smtClean="0"/>
-              <a:t>2024/11/19</a:t>
             </a:fld>
             <a:endParaRPr lang="zh-CN" altLang="en-US" dirty="0"/>
           </a:p>
@@ -8130,6 +8274,7 @@
               <a:rPr lang="zh-CN" altLang="en-US" dirty="0"/>
               <a:t>第三节  单击编辑章节标题</a:t>
             </a:r>
+            <a:endParaRPr lang="zh-CN" altLang="en-US" dirty="0"/>
           </a:p>
         </p:txBody>
       </p:sp>
@@ -8248,6 +8393,7 @@
               <a:rPr lang="zh-CN" altLang="en-US" dirty="0"/>
               <a:t>单击此处编辑母版标题样式</a:t>
             </a:r>
+            <a:endParaRPr lang="zh-CN" altLang="en-US" dirty="0"/>
           </a:p>
         </p:txBody>
       </p:sp>
@@ -8338,7 +8484,6 @@
             </a:pPr>
             <a:fld id="{8FC7DBC8-975C-4207-936C-01FC1A90A004}" type="datetime1">
               <a:rPr lang="zh-CN" altLang="en-US" smtClean="0"/>
-              <a:t>2024/11/19</a:t>
             </a:fld>
             <a:endParaRPr lang="zh-CN" altLang="en-US" dirty="0"/>
           </a:p>
@@ -8755,7 +8900,6 @@
             </a:pPr>
             <a:fld id="{8FC7DBC8-975C-4207-936C-01FC1A90A004}" type="datetime1">
               <a:rPr lang="zh-CN" altLang="en-US" smtClean="0"/>
-              <a:t>2024/11/19</a:t>
             </a:fld>
             <a:endParaRPr lang="zh-CN" altLang="en-US" dirty="0"/>
           </a:p>
@@ -9106,7 +9250,6 @@
             </a:pPr>
             <a:fld id="{8FC7DBC8-975C-4207-936C-01FC1A90A004}" type="datetime1">
               <a:rPr lang="zh-CN" altLang="en-US" smtClean="0"/>
-              <a:t>2024/11/19</a:t>
             </a:fld>
             <a:endParaRPr lang="zh-CN" altLang="en-US" dirty="0"/>
           </a:p>
@@ -9280,6 +9423,7 @@
               <a:rPr lang="zh-CN" altLang="en-US" dirty="0"/>
               <a:t>单击编辑文本标题</a:t>
             </a:r>
+            <a:endParaRPr lang="zh-CN" altLang="en-US" dirty="0"/>
           </a:p>
         </p:txBody>
       </p:sp>
@@ -9319,7 +9463,6 @@
             </a:pPr>
             <a:fld id="{8FC7DBC8-975C-4207-936C-01FC1A90A004}" type="datetime1">
               <a:rPr lang="zh-CN" altLang="en-US" smtClean="0"/>
-              <a:t>2024/11/19</a:t>
             </a:fld>
             <a:endParaRPr lang="zh-CN" altLang="en-US" dirty="0"/>
           </a:p>
@@ -9731,6 +9874,22 @@
               </a:rPr>
               <a:t>  </a:t>
             </a:r>
+            <a:endParaRPr kumimoji="0" lang="en-US" altLang="zh-CN" sz="1400" b="0" i="0" u="none" strike="noStrike" kern="1200" cap="none" spc="0" normalizeH="0" baseline="0" noProof="0" dirty="0">
+              <a:ln>
+                <a:noFill/>
+              </a:ln>
+              <a:solidFill>
+                <a:srgbClr val="4F81BD">
+                  <a:lumMod val="75000"/>
+                </a:srgbClr>
+              </a:solidFill>
+              <a:effectLst/>
+              <a:uLnTx/>
+              <a:uFillTx/>
+              <a:latin typeface="微软雅黑" panose="020B0503020204020204" pitchFamily="34" charset="-122"/>
+              <a:ea typeface="微软雅黑" panose="020B0503020204020204" pitchFamily="34" charset="-122"/>
+              <a:cs typeface="+mn-cs"/>
+            </a:endParaRPr>
           </a:p>
           <a:p>
             <a:pPr lvl="0"/>
@@ -9858,6 +10017,7 @@
               <a:rPr lang="zh-CN" altLang="en-US" dirty="0"/>
               <a:t>单击编辑文本标题</a:t>
             </a:r>
+            <a:endParaRPr lang="zh-CN" altLang="en-US" dirty="0"/>
           </a:p>
         </p:txBody>
       </p:sp>
@@ -9897,7 +10057,6 @@
             </a:pPr>
             <a:fld id="{8FC7DBC8-975C-4207-936C-01FC1A90A004}" type="datetime1">
               <a:rPr lang="zh-CN" altLang="en-US" smtClean="0"/>
-              <a:t>2024/11/19</a:t>
             </a:fld>
             <a:endParaRPr lang="zh-CN" altLang="en-US" dirty="0"/>
           </a:p>
@@ -10309,6 +10468,22 @@
               </a:rPr>
               <a:t>  </a:t>
             </a:r>
+            <a:endParaRPr kumimoji="0" lang="en-US" altLang="zh-CN" sz="1400" b="0" i="0" u="none" strike="noStrike" kern="1200" cap="none" spc="0" normalizeH="0" baseline="0" noProof="0" dirty="0">
+              <a:ln>
+                <a:noFill/>
+              </a:ln>
+              <a:solidFill>
+                <a:srgbClr val="4F81BD">
+                  <a:lumMod val="75000"/>
+                </a:srgbClr>
+              </a:solidFill>
+              <a:effectLst/>
+              <a:uLnTx/>
+              <a:uFillTx/>
+              <a:latin typeface="微软雅黑" panose="020B0503020204020204" pitchFamily="34" charset="-122"/>
+              <a:ea typeface="微软雅黑" panose="020B0503020204020204" pitchFamily="34" charset="-122"/>
+              <a:cs typeface="+mn-cs"/>
+            </a:endParaRPr>
           </a:p>
           <a:p>
             <a:pPr lvl="0"/>
@@ -10670,6 +10845,7 @@
               <a:rPr lang="zh-CN" altLang="en-US" dirty="0"/>
               <a:t>单击编辑文本标题</a:t>
             </a:r>
+            <a:endParaRPr lang="zh-CN" altLang="en-US" dirty="0"/>
           </a:p>
         </p:txBody>
       </p:sp>
@@ -10709,7 +10885,6 @@
             </a:pPr>
             <a:fld id="{8FC7DBC8-975C-4207-936C-01FC1A90A004}" type="datetime1">
               <a:rPr lang="zh-CN" altLang="en-US" smtClean="0"/>
-              <a:t>2024/11/19</a:t>
             </a:fld>
             <a:endParaRPr lang="zh-CN" altLang="en-US" dirty="0"/>
           </a:p>
@@ -11121,6 +11296,22 @@
               </a:rPr>
               <a:t>  </a:t>
             </a:r>
+            <a:endParaRPr kumimoji="0" lang="en-US" altLang="zh-CN" sz="1400" b="0" i="0" u="none" strike="noStrike" kern="1200" cap="none" spc="0" normalizeH="0" baseline="0" noProof="0" dirty="0">
+              <a:ln>
+                <a:noFill/>
+              </a:ln>
+              <a:solidFill>
+                <a:srgbClr val="4F81BD">
+                  <a:lumMod val="75000"/>
+                </a:srgbClr>
+              </a:solidFill>
+              <a:effectLst/>
+              <a:uLnTx/>
+              <a:uFillTx/>
+              <a:latin typeface="微软雅黑" panose="020B0503020204020204" pitchFamily="34" charset="-122"/>
+              <a:ea typeface="微软雅黑" panose="020B0503020204020204" pitchFamily="34" charset="-122"/>
+              <a:cs typeface="+mn-cs"/>
+            </a:endParaRPr>
           </a:p>
           <a:p>
             <a:pPr lvl="0"/>
@@ -11503,6 +11694,7 @@
               <a:rPr lang="zh-CN" altLang="en-US" dirty="0"/>
               <a:t>右图 介绍信息</a:t>
             </a:r>
+            <a:endParaRPr lang="zh-CN" altLang="en-US" dirty="0"/>
           </a:p>
         </p:txBody>
       </p:sp>
@@ -11626,6 +11818,7 @@
               <a:rPr lang="zh-CN" altLang="en-US" dirty="0"/>
               <a:t>单击编辑文本标题</a:t>
             </a:r>
+            <a:endParaRPr lang="zh-CN" altLang="en-US" dirty="0"/>
           </a:p>
         </p:txBody>
       </p:sp>
@@ -11665,7 +11858,6 @@
             </a:pPr>
             <a:fld id="{8FC7DBC8-975C-4207-936C-01FC1A90A004}" type="datetime1">
               <a:rPr lang="zh-CN" altLang="en-US" smtClean="0"/>
-              <a:t>2024/11/19</a:t>
             </a:fld>
             <a:endParaRPr lang="zh-CN" altLang="en-US" dirty="0"/>
           </a:p>
@@ -12077,6 +12269,22 @@
               </a:rPr>
               <a:t>  </a:t>
             </a:r>
+            <a:endParaRPr kumimoji="0" lang="en-US" altLang="zh-CN" sz="1400" b="0" i="0" u="none" strike="noStrike" kern="1200" cap="none" spc="0" normalizeH="0" baseline="0" noProof="0" dirty="0">
+              <a:ln>
+                <a:noFill/>
+              </a:ln>
+              <a:solidFill>
+                <a:srgbClr val="4F81BD">
+                  <a:lumMod val="75000"/>
+                </a:srgbClr>
+              </a:solidFill>
+              <a:effectLst/>
+              <a:uLnTx/>
+              <a:uFillTx/>
+              <a:latin typeface="微软雅黑" panose="020B0503020204020204" pitchFamily="34" charset="-122"/>
+              <a:ea typeface="微软雅黑" panose="020B0503020204020204" pitchFamily="34" charset="-122"/>
+              <a:cs typeface="+mn-cs"/>
+            </a:endParaRPr>
           </a:p>
           <a:p>
             <a:pPr lvl="0"/>
@@ -12498,7 +12706,6 @@
             </a:pPr>
             <a:fld id="{8FC7DBC8-975C-4207-936C-01FC1A90A004}" type="datetime1">
               <a:rPr lang="zh-CN" altLang="en-US" smtClean="0"/>
-              <a:t>2024/11/19</a:t>
             </a:fld>
             <a:endParaRPr lang="zh-CN" altLang="en-US" dirty="0"/>
           </a:p>
@@ -12910,6 +13117,22 @@
               </a:rPr>
               <a:t>  </a:t>
             </a:r>
+            <a:endParaRPr kumimoji="0" lang="en-US" altLang="zh-CN" sz="1400" b="0" i="0" u="none" strike="noStrike" kern="1200" cap="none" spc="0" normalizeH="0" baseline="0" noProof="0" dirty="0">
+              <a:ln>
+                <a:noFill/>
+              </a:ln>
+              <a:solidFill>
+                <a:srgbClr val="4F81BD">
+                  <a:lumMod val="75000"/>
+                </a:srgbClr>
+              </a:solidFill>
+              <a:effectLst/>
+              <a:uLnTx/>
+              <a:uFillTx/>
+              <a:latin typeface="微软雅黑" panose="020B0503020204020204" pitchFamily="34" charset="-122"/>
+              <a:ea typeface="微软雅黑" panose="020B0503020204020204" pitchFamily="34" charset="-122"/>
+              <a:cs typeface="+mn-cs"/>
+            </a:endParaRPr>
           </a:p>
           <a:p>
             <a:pPr lvl="0"/>
@@ -13827,6 +14050,7 @@
               <a:rPr lang="zh-CN" altLang="en-US" dirty="0"/>
               <a:t>图片信息</a:t>
             </a:r>
+            <a:endParaRPr lang="zh-CN" altLang="en-US" dirty="0"/>
           </a:p>
         </p:txBody>
       </p:sp>
@@ -13946,6 +14170,7 @@
               <a:rPr lang="zh-CN" altLang="en-US" dirty="0"/>
               <a:t>单击编辑文本标题</a:t>
             </a:r>
+            <a:endParaRPr lang="zh-CN" altLang="en-US" dirty="0"/>
           </a:p>
         </p:txBody>
       </p:sp>
@@ -13985,7 +14210,6 @@
             </a:pPr>
             <a:fld id="{8FC7DBC8-975C-4207-936C-01FC1A90A004}" type="datetime1">
               <a:rPr lang="zh-CN" altLang="en-US" smtClean="0"/>
-              <a:t>2024/11/19</a:t>
             </a:fld>
             <a:endParaRPr lang="zh-CN" altLang="en-US" dirty="0"/>
           </a:p>
@@ -14383,6 +14607,7 @@
               <a:rPr lang="zh-CN" altLang="en-US" dirty="0"/>
               <a:t>单击编辑标题</a:t>
             </a:r>
+            <a:endParaRPr lang="zh-CN" altLang="en-US" dirty="0"/>
           </a:p>
         </p:txBody>
       </p:sp>
@@ -14451,6 +14676,7 @@
               <a:rPr lang="zh-CN" altLang="en-US" dirty="0"/>
               <a:t>文本内容或对象</a:t>
             </a:r>
+            <a:endParaRPr lang="zh-CN" altLang="en-US" dirty="0"/>
           </a:p>
         </p:txBody>
       </p:sp>
@@ -14648,6 +14874,7 @@
               <a:rPr lang="zh-CN" altLang="en-US" dirty="0"/>
               <a:t>单击编辑标题</a:t>
             </a:r>
+            <a:endParaRPr lang="zh-CN" altLang="en-US" dirty="0"/>
           </a:p>
         </p:txBody>
       </p:sp>
@@ -14716,6 +14943,7 @@
               <a:rPr lang="zh-CN" altLang="en-US" dirty="0"/>
               <a:t>文本内容或对象</a:t>
             </a:r>
+            <a:endParaRPr lang="zh-CN" altLang="en-US" dirty="0"/>
           </a:p>
         </p:txBody>
       </p:sp>
@@ -14916,6 +15144,7 @@
               <a:rPr lang="zh-CN" altLang="en-US" dirty="0"/>
               <a:t>单击编辑标题</a:t>
             </a:r>
+            <a:endParaRPr lang="zh-CN" altLang="en-US" dirty="0"/>
           </a:p>
         </p:txBody>
       </p:sp>
@@ -14984,6 +15213,7 @@
               <a:rPr lang="zh-CN" altLang="en-US" dirty="0"/>
               <a:t>文本内容或对象</a:t>
             </a:r>
+            <a:endParaRPr lang="zh-CN" altLang="en-US" dirty="0"/>
           </a:p>
         </p:txBody>
       </p:sp>
@@ -15181,6 +15411,7 @@
               <a:rPr lang="zh-CN" altLang="en-US" dirty="0"/>
               <a:t>单击编辑标题</a:t>
             </a:r>
+            <a:endParaRPr lang="zh-CN" altLang="en-US" dirty="0"/>
           </a:p>
         </p:txBody>
       </p:sp>
@@ -15249,6 +15480,7 @@
               <a:rPr lang="zh-CN" altLang="en-US" dirty="0"/>
               <a:t>文本内容或对象</a:t>
             </a:r>
+            <a:endParaRPr lang="zh-CN" altLang="en-US" dirty="0"/>
           </a:p>
         </p:txBody>
       </p:sp>
@@ -15432,7 +15664,6 @@
             </a:pPr>
             <a:fld id="{8FC7DBC8-975C-4207-936C-01FC1A90A004}" type="datetime1">
               <a:rPr lang="zh-CN" altLang="en-US" smtClean="0"/>
-              <a:t>2024/11/19</a:t>
             </a:fld>
             <a:endParaRPr lang="zh-CN" altLang="en-US" dirty="0"/>
           </a:p>
@@ -15714,6 +15945,23 @@
               </a:rPr>
               <a:t>单击编辑文本标题（数据图）</a:t>
             </a:r>
+            <a:endParaRPr kumimoji="0" lang="zh-CN" altLang="en-US" sz="3120" b="1" i="0" u="none" strike="noStrike" kern="1200" cap="all" spc="0" normalizeH="0" baseline="0" noProof="0" dirty="0">
+              <a:ln>
+                <a:noFill/>
+              </a:ln>
+              <a:solidFill>
+                <a:schemeClr val="tx1">
+                  <a:lumMod val="85000"/>
+                  <a:lumOff val="15000"/>
+                </a:schemeClr>
+              </a:solidFill>
+              <a:effectLst/>
+              <a:uLnTx/>
+              <a:uFillTx/>
+              <a:latin typeface="微软雅黑" panose="020B0503020204020204" pitchFamily="34" charset="-122"/>
+              <a:ea typeface="微软雅黑" panose="020B0503020204020204" pitchFamily="34" charset="-122"/>
+              <a:cs typeface="+mj-cs"/>
+            </a:endParaRPr>
           </a:p>
         </p:txBody>
       </p:sp>
@@ -16173,6 +16421,7 @@
               <a:rPr lang="zh-CN" altLang="en-US" dirty="0"/>
               <a:t>单击编辑文本标题（数据图）</a:t>
             </a:r>
+            <a:endParaRPr lang="zh-CN" altLang="en-US" dirty="0"/>
           </a:p>
         </p:txBody>
       </p:sp>
@@ -16212,7 +16461,6 @@
             </a:pPr>
             <a:fld id="{8FC7DBC8-975C-4207-936C-01FC1A90A004}" type="datetime1">
               <a:rPr lang="zh-CN" altLang="en-US" smtClean="0"/>
-              <a:t>2024/11/19</a:t>
             </a:fld>
             <a:endParaRPr lang="zh-CN" altLang="en-US" dirty="0"/>
           </a:p>
@@ -16624,6 +16872,22 @@
               </a:rPr>
               <a:t>  </a:t>
             </a:r>
+            <a:endParaRPr kumimoji="0" lang="en-US" altLang="zh-CN" sz="1400" b="0" i="0" u="none" strike="noStrike" kern="1200" cap="none" spc="0" normalizeH="0" baseline="0" noProof="0" dirty="0">
+              <a:ln>
+                <a:noFill/>
+              </a:ln>
+              <a:solidFill>
+                <a:srgbClr val="4F81BD">
+                  <a:lumMod val="75000"/>
+                </a:srgbClr>
+              </a:solidFill>
+              <a:effectLst/>
+              <a:uLnTx/>
+              <a:uFillTx/>
+              <a:latin typeface="微软雅黑" panose="020B0503020204020204" pitchFamily="34" charset="-122"/>
+              <a:ea typeface="微软雅黑" panose="020B0503020204020204" pitchFamily="34" charset="-122"/>
+              <a:cs typeface="+mn-cs"/>
+            </a:endParaRPr>
           </a:p>
           <a:p>
             <a:pPr lvl="0"/>
@@ -17192,6 +17456,7 @@
               <a:rPr lang="zh-CN" altLang="en-US" dirty="0"/>
               <a:t>单击编辑标题</a:t>
             </a:r>
+            <a:endParaRPr lang="zh-CN" altLang="en-US" dirty="0"/>
           </a:p>
         </p:txBody>
       </p:sp>
@@ -17260,6 +17525,7 @@
               <a:rPr lang="zh-CN" altLang="en-US" dirty="0"/>
               <a:t>文本内容或对象</a:t>
             </a:r>
+            <a:endParaRPr lang="zh-CN" altLang="en-US" dirty="0"/>
           </a:p>
         </p:txBody>
       </p:sp>
@@ -17396,6 +17662,7 @@
               <a:rPr lang="zh-CN" altLang="en-US" dirty="0"/>
               <a:t>单击编辑标题</a:t>
             </a:r>
+            <a:endParaRPr lang="zh-CN" altLang="en-US" dirty="0"/>
           </a:p>
         </p:txBody>
       </p:sp>
@@ -17464,6 +17731,7 @@
               <a:rPr lang="zh-CN" altLang="en-US" dirty="0"/>
               <a:t>文本内容或对象</a:t>
             </a:r>
+            <a:endParaRPr lang="zh-CN" altLang="en-US" dirty="0"/>
           </a:p>
         </p:txBody>
       </p:sp>
@@ -17600,6 +17868,7 @@
               <a:rPr lang="zh-CN" altLang="en-US" dirty="0"/>
               <a:t>单击编辑标题</a:t>
             </a:r>
+            <a:endParaRPr lang="zh-CN" altLang="en-US" dirty="0"/>
           </a:p>
         </p:txBody>
       </p:sp>
@@ -17668,6 +17937,7 @@
               <a:rPr lang="zh-CN" altLang="en-US" dirty="0"/>
               <a:t>文本内容或对象</a:t>
             </a:r>
+            <a:endParaRPr lang="zh-CN" altLang="en-US" dirty="0"/>
           </a:p>
         </p:txBody>
       </p:sp>
@@ -17804,6 +18074,7 @@
               <a:rPr lang="zh-CN" altLang="en-US" dirty="0"/>
               <a:t>单击编辑文本标题</a:t>
             </a:r>
+            <a:endParaRPr lang="zh-CN" altLang="en-US" dirty="0"/>
           </a:p>
         </p:txBody>
       </p:sp>
@@ -17843,7 +18114,6 @@
             </a:pPr>
             <a:fld id="{8FC7DBC8-975C-4207-936C-01FC1A90A004}" type="datetime1">
               <a:rPr lang="zh-CN" altLang="en-US" smtClean="0"/>
-              <a:t>2024/11/19</a:t>
             </a:fld>
             <a:endParaRPr lang="zh-CN" altLang="en-US" dirty="0"/>
           </a:p>
@@ -18305,6 +18575,7 @@
               <a:rPr lang="zh-CN" altLang="en-US" dirty="0"/>
               <a:t>单击编辑标题</a:t>
             </a:r>
+            <a:endParaRPr lang="zh-CN" altLang="en-US" dirty="0"/>
           </a:p>
         </p:txBody>
       </p:sp>
@@ -18373,6 +18644,7 @@
               <a:rPr lang="zh-CN" altLang="en-US" dirty="0"/>
               <a:t>文本内容或对象</a:t>
             </a:r>
+            <a:endParaRPr lang="zh-CN" altLang="en-US" dirty="0"/>
           </a:p>
         </p:txBody>
       </p:sp>
@@ -18509,6 +18781,7 @@
               <a:rPr lang="zh-CN" altLang="en-US" dirty="0"/>
               <a:t>单击编辑标题</a:t>
             </a:r>
+            <a:endParaRPr lang="zh-CN" altLang="en-US" dirty="0"/>
           </a:p>
         </p:txBody>
       </p:sp>
@@ -18577,6 +18850,7 @@
               <a:rPr lang="zh-CN" altLang="en-US" dirty="0"/>
               <a:t>文本内容或对象</a:t>
             </a:r>
+            <a:endParaRPr lang="zh-CN" altLang="en-US" dirty="0"/>
           </a:p>
         </p:txBody>
       </p:sp>
@@ -18713,6 +18987,7 @@
               <a:rPr lang="zh-CN" altLang="en-US" dirty="0"/>
               <a:t>单击编辑文本标题</a:t>
             </a:r>
+            <a:endParaRPr lang="zh-CN" altLang="en-US" dirty="0"/>
           </a:p>
         </p:txBody>
       </p:sp>
@@ -18752,7 +19027,6 @@
             </a:pPr>
             <a:fld id="{8FC7DBC8-975C-4207-936C-01FC1A90A004}" type="datetime1">
               <a:rPr lang="zh-CN" altLang="en-US" smtClean="0"/>
-              <a:t>2024/11/19</a:t>
             </a:fld>
             <a:endParaRPr lang="zh-CN" altLang="en-US" dirty="0"/>
           </a:p>
@@ -19318,6 +19592,7 @@
               <a:rPr lang="zh-CN" altLang="en-US" dirty="0"/>
               <a:t>单击编辑标题</a:t>
             </a:r>
+            <a:endParaRPr lang="zh-CN" altLang="en-US" dirty="0"/>
           </a:p>
         </p:txBody>
       </p:sp>
@@ -19453,6 +19728,7 @@
               <a:rPr lang="zh-CN" altLang="en-US" dirty="0"/>
               <a:t>单击编辑标题</a:t>
             </a:r>
+            <a:endParaRPr lang="zh-CN" altLang="en-US" dirty="0"/>
           </a:p>
         </p:txBody>
       </p:sp>
@@ -19588,6 +19864,7 @@
               <a:rPr lang="zh-CN" altLang="en-US" dirty="0"/>
               <a:t>单击编辑标题</a:t>
             </a:r>
+            <a:endParaRPr lang="zh-CN" altLang="en-US" dirty="0"/>
           </a:p>
         </p:txBody>
       </p:sp>
@@ -19724,6 +20001,7 @@
               <a:rPr lang="zh-CN" altLang="en-US" dirty="0"/>
               <a:t>单击编辑正文内容</a:t>
             </a:r>
+            <a:endParaRPr lang="zh-CN" altLang="en-US" dirty="0"/>
           </a:p>
         </p:txBody>
       </p:sp>
@@ -19860,6 +20138,7 @@
               <a:rPr lang="zh-CN" altLang="en-US" dirty="0"/>
               <a:t>单击编辑正文内容</a:t>
             </a:r>
+            <a:endParaRPr lang="zh-CN" altLang="en-US" dirty="0"/>
           </a:p>
         </p:txBody>
       </p:sp>
@@ -19996,6 +20275,7 @@
               <a:rPr lang="zh-CN" altLang="en-US" dirty="0"/>
               <a:t>单击编辑正文内容</a:t>
             </a:r>
+            <a:endParaRPr lang="zh-CN" altLang="en-US" dirty="0"/>
           </a:p>
         </p:txBody>
       </p:sp>
@@ -20132,6 +20412,7 @@
               <a:rPr lang="zh-CN" altLang="en-US" dirty="0"/>
               <a:t>单击编辑文本标题</a:t>
             </a:r>
+            <a:endParaRPr lang="zh-CN" altLang="en-US" dirty="0"/>
           </a:p>
         </p:txBody>
       </p:sp>
@@ -20171,7 +20452,6 @@
             </a:pPr>
             <a:fld id="{8FC7DBC8-975C-4207-936C-01FC1A90A004}" type="datetime1">
               <a:rPr lang="zh-CN" altLang="en-US" smtClean="0"/>
-              <a:t>2024/11/19</a:t>
             </a:fld>
             <a:endParaRPr lang="zh-CN" altLang="en-US" dirty="0"/>
           </a:p>
@@ -20544,6 +20824,13 @@
               </a:rPr>
               <a:t>单击编辑</a:t>
             </a:r>
+            <a:endParaRPr lang="zh-CN" altLang="en-US" sz="2400" b="1" dirty="0">
+              <a:solidFill>
+                <a:schemeClr val="bg1"/>
+              </a:solidFill>
+              <a:latin typeface="微软雅黑" panose="020B0503020204020204" pitchFamily="34" charset="-122"/>
+              <a:ea typeface="微软雅黑" panose="020B0503020204020204" pitchFamily="34" charset="-122"/>
+            </a:endParaRPr>
           </a:p>
         </p:txBody>
       </p:sp>
@@ -20585,6 +20872,13 @@
               </a:rPr>
               <a:t>单击编辑</a:t>
             </a:r>
+            <a:endParaRPr lang="zh-CN" altLang="en-US" sz="2400" b="1" dirty="0">
+              <a:solidFill>
+                <a:schemeClr val="bg1"/>
+              </a:solidFill>
+              <a:latin typeface="微软雅黑" panose="020B0503020204020204" pitchFamily="34" charset="-122"/>
+              <a:ea typeface="微软雅黑" panose="020B0503020204020204" pitchFamily="34" charset="-122"/>
+            </a:endParaRPr>
           </a:p>
         </p:txBody>
       </p:sp>
@@ -20626,6 +20920,13 @@
               </a:rPr>
               <a:t>单击编辑</a:t>
             </a:r>
+            <a:endParaRPr lang="zh-CN" altLang="en-US" sz="2400" b="1" dirty="0">
+              <a:solidFill>
+                <a:schemeClr val="bg1"/>
+              </a:solidFill>
+              <a:latin typeface="微软雅黑" panose="020B0503020204020204" pitchFamily="34" charset="-122"/>
+              <a:ea typeface="微软雅黑" panose="020B0503020204020204" pitchFamily="34" charset="-122"/>
+            </a:endParaRPr>
           </a:p>
         </p:txBody>
       </p:sp>
@@ -20667,6 +20968,13 @@
               </a:rPr>
               <a:t>单击编辑</a:t>
             </a:r>
+            <a:endParaRPr lang="zh-CN" altLang="en-US" sz="2400" b="1" dirty="0">
+              <a:solidFill>
+                <a:schemeClr val="bg1"/>
+              </a:solidFill>
+              <a:latin typeface="微软雅黑" panose="020B0503020204020204" pitchFamily="34" charset="-122"/>
+              <a:ea typeface="微软雅黑" panose="020B0503020204020204" pitchFamily="34" charset="-122"/>
+            </a:endParaRPr>
           </a:p>
         </p:txBody>
       </p:sp>
@@ -20708,6 +21016,13 @@
               </a:rPr>
               <a:t>单击编辑</a:t>
             </a:r>
+            <a:endParaRPr lang="zh-CN" altLang="en-US" sz="2400" b="1" dirty="0">
+              <a:solidFill>
+                <a:schemeClr val="bg1"/>
+              </a:solidFill>
+              <a:latin typeface="微软雅黑" panose="020B0503020204020204" pitchFamily="34" charset="-122"/>
+              <a:ea typeface="微软雅黑" panose="020B0503020204020204" pitchFamily="34" charset="-122"/>
+            </a:endParaRPr>
           </a:p>
         </p:txBody>
       </p:sp>
@@ -20828,6 +21143,7 @@
               <a:rPr lang="zh-CN" altLang="en-US" dirty="0"/>
               <a:t>结束语</a:t>
             </a:r>
+            <a:endParaRPr lang="zh-CN" altLang="en-US" dirty="0"/>
           </a:p>
         </p:txBody>
       </p:sp>
@@ -20953,6 +21269,7 @@
               <a:rPr lang="zh-CN" altLang="en-US" dirty="0"/>
               <a:t>单击此处编辑副标题文字</a:t>
             </a:r>
+            <a:endParaRPr lang="zh-CN" altLang="en-US" dirty="0"/>
           </a:p>
         </p:txBody>
       </p:sp>
@@ -21105,6 +21422,7 @@
               <a:rPr lang="zh-CN" altLang="en-US" dirty="0"/>
               <a:t>联系方式等</a:t>
             </a:r>
+            <a:endParaRPr lang="zh-CN" altLang="en-US" dirty="0"/>
           </a:p>
         </p:txBody>
       </p:sp>
@@ -21330,6 +21648,7 @@
               <a:rPr lang="zh-CN" altLang="en-US" dirty="0"/>
               <a:t>谢谢</a:t>
             </a:r>
+            <a:endParaRPr lang="zh-CN" altLang="en-US" dirty="0"/>
           </a:p>
         </p:txBody>
       </p:sp>
@@ -21462,6 +21781,7 @@
               <a:rPr lang="zh-CN" altLang="en-US" dirty="0"/>
               <a:t>联系方式</a:t>
             </a:r>
+            <a:endParaRPr lang="zh-CN" altLang="en-US" dirty="0"/>
           </a:p>
         </p:txBody>
       </p:sp>
@@ -21564,7 +21884,6 @@
                   </a:schemeClr>
                 </a:solidFill>
               </a:rPr>
-              <a:t>2024/11/19</a:t>
             </a:fld>
             <a:endParaRPr lang="zh-CN" altLang="en-US" sz="1400" dirty="0">
               <a:solidFill>
@@ -21619,7 +21938,6 @@
           <a:p>
             <a:fld id="{7BEF5A3D-07BE-48FF-8AF4-F046F630E329}" type="datetimeFigureOut">
               <a:rPr lang="zh-CN" altLang="en-US" smtClean="0"/>
-              <a:t>2024/11/19</a:t>
             </a:fld>
             <a:endParaRPr lang="zh-CN" altLang="en-US"/>
           </a:p>
@@ -21661,7 +21979,6 @@
           <a:p>
             <a:fld id="{8BE6E5F0-A76E-4C17-8C81-56BBF4B01B99}" type="slidenum">
               <a:rPr lang="zh-CN" altLang="en-US" smtClean="0"/>
-              <a:t>‹#›</a:t>
             </a:fld>
             <a:endParaRPr lang="zh-CN" altLang="en-US"/>
           </a:p>
@@ -21719,6 +22036,7 @@
               <a:rPr lang="zh-CN" altLang="en-US" dirty="0"/>
               <a:t>单击此处编辑母版标题样式</a:t>
             </a:r>
+            <a:endParaRPr lang="zh-CN" altLang="en-US" dirty="0"/>
           </a:p>
         </p:txBody>
       </p:sp>
@@ -21820,7 +22138,6 @@
           <a:p>
             <a:fld id="{00F41A80-2106-4B14-A8A7-2BC35A9723BE}" type="slidenum">
               <a:rPr lang="zh-SG" altLang="en-US" smtClean="0"/>
-              <a:t>‹#›</a:t>
             </a:fld>
             <a:endParaRPr lang="zh-SG" altLang="en-US"/>
           </a:p>
@@ -21863,6 +22180,7 @@
               <a:rPr lang="en-US" altLang="zh-SG" dirty="0"/>
               <a:t>Edit Master text styles</a:t>
             </a:r>
+            <a:endParaRPr lang="en-US" altLang="zh-SG" dirty="0"/>
           </a:p>
         </p:txBody>
       </p:sp>
@@ -21945,6 +22263,7 @@
               <a:rPr lang="en-US" altLang="zh-SG" dirty="0"/>
               <a:t>Edit Master text styles</a:t>
             </a:r>
+            <a:endParaRPr lang="en-US" altLang="zh-SG" dirty="0"/>
           </a:p>
           <a:p>
             <a:pPr lvl="1"/>
@@ -21952,6 +22271,7 @@
               <a:rPr lang="en-US" altLang="zh-SG" dirty="0"/>
               <a:t>Second level</a:t>
             </a:r>
+            <a:endParaRPr lang="en-US" altLang="zh-SG" dirty="0"/>
           </a:p>
           <a:p>
             <a:pPr lvl="2"/>
@@ -21959,6 +22279,7 @@
               <a:rPr lang="en-US" altLang="zh-SG" dirty="0"/>
               <a:t>Third level</a:t>
             </a:r>
+            <a:endParaRPr lang="en-US" altLang="zh-SG" dirty="0"/>
           </a:p>
         </p:txBody>
       </p:sp>
@@ -22197,6 +22518,22 @@
               </a:rPr>
               <a:t>目录</a:t>
             </a:r>
+            <a:endParaRPr kumimoji="0" lang="zh-CN" altLang="en-US" sz="3600" b="1" i="0" u="none" strike="noStrike" kern="1200" cap="all" spc="0" normalizeH="0" baseline="0" noProof="0" dirty="0">
+              <a:ln>
+                <a:noFill/>
+              </a:ln>
+              <a:solidFill>
+                <a:srgbClr val="92A2BD">
+                  <a:lumMod val="50000"/>
+                </a:srgbClr>
+              </a:solidFill>
+              <a:effectLst/>
+              <a:uLnTx/>
+              <a:uFillTx/>
+              <a:latin typeface="微软雅黑" panose="020B0503020204020204" pitchFamily="34" charset="-122"/>
+              <a:ea typeface="微软雅黑" panose="020B0503020204020204" pitchFamily="34" charset="-122"/>
+              <a:cs typeface="+mn-cs"/>
+            </a:endParaRPr>
           </a:p>
         </p:txBody>
       </p:sp>
@@ -22930,6 +23267,7 @@
               <a:rPr lang="zh-CN" altLang="en-US" dirty="0"/>
               <a:t>单击此处编辑母版标题样式</a:t>
             </a:r>
+            <a:endParaRPr lang="zh-CN" altLang="en-US" dirty="0"/>
           </a:p>
         </p:txBody>
       </p:sp>
@@ -23017,6 +23355,7 @@
               <a:rPr lang="zh-CN" altLang="en-US" dirty="0"/>
               <a:t>编辑母版文本样式</a:t>
             </a:r>
+            <a:endParaRPr lang="zh-CN" altLang="en-US" dirty="0"/>
           </a:p>
           <a:p>
             <a:pPr lvl="1"/>
@@ -23024,6 +23363,7 @@
               <a:rPr lang="zh-CN" altLang="en-US" dirty="0"/>
               <a:t>第二级</a:t>
             </a:r>
+            <a:endParaRPr lang="zh-CN" altLang="en-US" dirty="0"/>
           </a:p>
           <a:p>
             <a:pPr lvl="2"/>
@@ -23031,6 +23371,7 @@
               <a:rPr lang="zh-CN" altLang="en-US" dirty="0"/>
               <a:t>第三级</a:t>
             </a:r>
+            <a:endParaRPr lang="zh-CN" altLang="en-US" dirty="0"/>
           </a:p>
           <a:p>
             <a:pPr lvl="3"/>
@@ -23038,6 +23379,7 @@
               <a:rPr lang="zh-CN" altLang="en-US" dirty="0"/>
               <a:t>第四级</a:t>
             </a:r>
+            <a:endParaRPr lang="zh-CN" altLang="en-US" dirty="0"/>
           </a:p>
           <a:p>
             <a:pPr lvl="4"/>
@@ -23045,6 +23387,7 @@
               <a:rPr lang="zh-CN" altLang="en-US" dirty="0"/>
               <a:t>第五级</a:t>
             </a:r>
+            <a:endParaRPr lang="zh-CN" altLang="en-US" dirty="0"/>
           </a:p>
         </p:txBody>
       </p:sp>
@@ -23085,6 +23428,7 @@
               <a:rPr lang="zh-CN" altLang="en-US" dirty="0"/>
               <a:t>小标题</a:t>
             </a:r>
+            <a:endParaRPr lang="zh-CN" altLang="en-US" dirty="0"/>
           </a:p>
         </p:txBody>
       </p:sp>
@@ -23121,7 +23465,6 @@
           <a:p>
             <a:fld id="{AA807A42-CF27-4B84-8583-18EBE418342E}" type="slidenum">
               <a:rPr lang="de-DE" smtClean="0"/>
-              <a:t>‹#›</a:t>
             </a:fld>
             <a:endParaRPr lang="de-DE" dirty="0"/>
           </a:p>
@@ -23279,6 +23622,7 @@
               <a:rPr lang="zh-CN" altLang="en-US" dirty="0"/>
               <a:t>单击此处编辑母版标题样式</a:t>
             </a:r>
+            <a:endParaRPr lang="zh-CN" altLang="en-US" dirty="0"/>
           </a:p>
         </p:txBody>
       </p:sp>
@@ -23366,6 +23710,7 @@
               <a:rPr lang="zh-CN" altLang="en-US" dirty="0"/>
               <a:t>编辑母版文本样式</a:t>
             </a:r>
+            <a:endParaRPr lang="zh-CN" altLang="en-US" dirty="0"/>
           </a:p>
           <a:p>
             <a:pPr lvl="1"/>
@@ -23373,6 +23718,7 @@
               <a:rPr lang="zh-CN" altLang="en-US" dirty="0"/>
               <a:t>第二级</a:t>
             </a:r>
+            <a:endParaRPr lang="zh-CN" altLang="en-US" dirty="0"/>
           </a:p>
           <a:p>
             <a:pPr lvl="2"/>
@@ -23380,6 +23726,7 @@
               <a:rPr lang="zh-CN" altLang="en-US" dirty="0"/>
               <a:t>第三级</a:t>
             </a:r>
+            <a:endParaRPr lang="zh-CN" altLang="en-US" dirty="0"/>
           </a:p>
           <a:p>
             <a:pPr lvl="3"/>
@@ -23387,6 +23734,7 @@
               <a:rPr lang="zh-CN" altLang="en-US" dirty="0"/>
               <a:t>第四级</a:t>
             </a:r>
+            <a:endParaRPr lang="zh-CN" altLang="en-US" dirty="0"/>
           </a:p>
           <a:p>
             <a:pPr lvl="4"/>
@@ -23394,6 +23742,7 @@
               <a:rPr lang="zh-CN" altLang="en-US" dirty="0"/>
               <a:t>第五级</a:t>
             </a:r>
+            <a:endParaRPr lang="zh-CN" altLang="en-US" dirty="0"/>
           </a:p>
         </p:txBody>
       </p:sp>
@@ -23434,6 +23783,7 @@
               <a:rPr lang="zh-CN" altLang="en-US" dirty="0"/>
               <a:t>小标题</a:t>
             </a:r>
+            <a:endParaRPr lang="zh-CN" altLang="en-US" dirty="0"/>
           </a:p>
         </p:txBody>
       </p:sp>
@@ -23476,6 +23826,7 @@
               <a:rPr lang="zh-CN" altLang="en-US" dirty="0"/>
               <a:t>结论</a:t>
             </a:r>
+            <a:endParaRPr lang="zh-CN" altLang="en-US" dirty="0"/>
           </a:p>
         </p:txBody>
       </p:sp>
@@ -23512,7 +23863,6 @@
           <a:p>
             <a:fld id="{AA807A42-CF27-4B84-8583-18EBE418342E}" type="slidenum">
               <a:rPr lang="de-DE" smtClean="0"/>
-              <a:t>‹#›</a:t>
             </a:fld>
             <a:endParaRPr lang="de-DE" dirty="0"/>
           </a:p>
@@ -23622,12 +23972,12 @@
           <p:nvPr userDrawn="1"/>
         </p:nvPicPr>
         <p:blipFill rotWithShape="1">
-          <a:blip r:embed="rId5">
+          <a:blip r:embed="rId3">
             <a:alphaModFix amt="85000"/>
             <a:extLst>
               <a:ext uri="{BEBA8EAE-BF5A-486C-A8C5-ECC9F3942E4B}">
                 <a14:imgProps xmlns:a14="http://schemas.microsoft.com/office/drawing/2010/main">
-                  <a14:imgLayer r:embed="rId6">
+                  <a14:imgLayer r:embed="rId4">
                     <a14:imgEffect>
                       <a14:brightnessContrast bright="6000"/>
                     </a14:imgEffect>
@@ -23706,7 +24056,7 @@
           <p:cNvSpPr/>
           <p:nvPr userDrawn="1">
             <p:custDataLst>
-              <p:tags r:id="rId4"/>
+              <p:tags r:id="rId5"/>
             </p:custDataLst>
           </p:nvPr>
         </p:nvSpPr>
@@ -23951,12 +24301,12 @@
           <p:nvPr userDrawn="1"/>
         </p:nvPicPr>
         <p:blipFill>
-          <a:blip r:embed="rId7">
+          <a:blip r:embed="rId6">
             <a:alphaModFix amt="47000"/>
             <a:extLst>
               <a:ext uri="{BEBA8EAE-BF5A-486C-A8C5-ECC9F3942E4B}">
                 <a14:imgProps xmlns:a14="http://schemas.microsoft.com/office/drawing/2010/main">
-                  <a14:imgLayer r:embed="rId8">
+                  <a14:imgLayer r:embed="rId7">
                     <a14:imgEffect>
                       <a14:brightnessContrast contrast="1000"/>
                     </a14:imgEffect>
@@ -23997,7 +24347,7 @@
           <p:nvPr userDrawn="1"/>
         </p:nvPicPr>
         <p:blipFill rotWithShape="1">
-          <a:blip r:embed="rId9" cstate="print">
+          <a:blip r:embed="rId8" cstate="print">
             <a:clrChange>
               <a:clrFrom>
                 <a:srgbClr val="FFFFFF"/>
@@ -24667,6 +25017,22 @@
               </a:rPr>
               <a:t>目录</a:t>
             </a:r>
+            <a:endParaRPr kumimoji="0" lang="zh-CN" altLang="en-US" sz="3600" b="1" i="0" u="none" strike="noStrike" kern="1200" cap="all" spc="0" normalizeH="0" baseline="0" noProof="0" dirty="0">
+              <a:ln>
+                <a:noFill/>
+              </a:ln>
+              <a:solidFill>
+                <a:srgbClr val="92A2BD">
+                  <a:lumMod val="50000"/>
+                </a:srgbClr>
+              </a:solidFill>
+              <a:effectLst/>
+              <a:uLnTx/>
+              <a:uFillTx/>
+              <a:latin typeface="微软雅黑" panose="020B0503020204020204" pitchFamily="34" charset="-122"/>
+              <a:ea typeface="微软雅黑" panose="020B0503020204020204" pitchFamily="34" charset="-122"/>
+              <a:cs typeface="+mn-cs"/>
+            </a:endParaRPr>
           </a:p>
         </p:txBody>
       </p:sp>
@@ -25688,12 +26054,12 @@
           <p:nvPr userDrawn="1"/>
         </p:nvPicPr>
         <p:blipFill rotWithShape="1">
-          <a:blip r:embed="rId9">
+          <a:blip r:embed="rId7">
             <a:alphaModFix amt="85000"/>
             <a:extLst>
               <a:ext uri="{BEBA8EAE-BF5A-486C-A8C5-ECC9F3942E4B}">
                 <a14:imgProps xmlns:a14="http://schemas.microsoft.com/office/drawing/2010/main">
-                  <a14:imgLayer r:embed="rId10">
+                  <a14:imgLayer r:embed="rId8">
                     <a14:imgEffect>
                       <a14:brightnessContrast bright="6000"/>
                     </a14:imgEffect>
@@ -25772,7 +26138,7 @@
           <p:cNvSpPr/>
           <p:nvPr userDrawn="1">
             <p:custDataLst>
-              <p:tags r:id="rId8"/>
+              <p:tags r:id="rId9"/>
             </p:custDataLst>
           </p:nvPr>
         </p:nvSpPr>
@@ -25937,7 +26303,6 @@
           <a:p>
             <a:fld id="{CE0EC710-139A-4CA2-AAD7-77B43670B718}" type="slidenum">
               <a:rPr lang="zh-CN" altLang="en-US" smtClean="0"/>
-              <a:t>‹#›</a:t>
             </a:fld>
             <a:endParaRPr lang="zh-CN" altLang="en-US" dirty="0"/>
           </a:p>
@@ -26277,6 +26642,7 @@
               <a:rPr lang="zh-CN" altLang="en-US"/>
               <a:t>单击此处编辑母版标题样式</a:t>
             </a:r>
+            <a:endParaRPr lang="zh-CN" altLang="en-US"/>
           </a:p>
         </p:txBody>
       </p:sp>
@@ -26310,6 +26676,7 @@
               <a:rPr lang="zh-CN" altLang="en-US"/>
               <a:t>单击此处编辑母版文本样式</a:t>
             </a:r>
+            <a:endParaRPr lang="zh-CN" altLang="en-US"/>
           </a:p>
           <a:p>
             <a:pPr lvl="1"/>
@@ -26317,6 +26684,7 @@
               <a:rPr lang="zh-CN" altLang="en-US"/>
               <a:t>第二级</a:t>
             </a:r>
+            <a:endParaRPr lang="zh-CN" altLang="en-US"/>
           </a:p>
           <a:p>
             <a:pPr lvl="2"/>
@@ -26324,6 +26692,7 @@
               <a:rPr lang="zh-CN" altLang="en-US"/>
               <a:t>第三级</a:t>
             </a:r>
+            <a:endParaRPr lang="zh-CN" altLang="en-US"/>
           </a:p>
           <a:p>
             <a:pPr lvl="3"/>
@@ -26331,6 +26700,7 @@
               <a:rPr lang="zh-CN" altLang="en-US"/>
               <a:t>第四级</a:t>
             </a:r>
+            <a:endParaRPr lang="zh-CN" altLang="en-US"/>
           </a:p>
           <a:p>
             <a:pPr lvl="4"/>
@@ -26338,6 +26708,7 @@
               <a:rPr lang="zh-CN" altLang="en-US"/>
               <a:t>第五级</a:t>
             </a:r>
+            <a:endParaRPr lang="zh-CN" altLang="en-US"/>
           </a:p>
         </p:txBody>
       </p:sp>
@@ -26376,7 +26747,6 @@
           <a:p>
             <a:fld id="{7BEF5A3D-07BE-48FF-8AF4-F046F630E329}" type="datetimeFigureOut">
               <a:rPr lang="zh-CN" altLang="en-US" smtClean="0"/>
-              <a:t>2024/11/19</a:t>
             </a:fld>
             <a:endParaRPr lang="zh-CN" altLang="en-US"/>
           </a:p>
@@ -26454,7 +26824,6 @@
           <a:p>
             <a:fld id="{8BE6E5F0-A76E-4C17-8C81-56BBF4B01B99}" type="slidenum">
               <a:rPr lang="zh-CN" altLang="en-US" smtClean="0"/>
-              <a:t>‹#›</a:t>
             </a:fld>
             <a:endParaRPr lang="zh-CN" altLang="en-US"/>
           </a:p>
@@ -26788,6 +27157,7 @@
               <a:rPr lang="en-US" altLang="zh-CN" sz="2665" dirty="0"/>
               <a:t>01</a:t>
             </a:r>
+            <a:endParaRPr lang="en-US" altLang="zh-CN" sz="2665" dirty="0"/>
           </a:p>
         </p:txBody>
       </p:sp>
@@ -26819,6 +27189,7 @@
               <a:rPr lang="zh-CN" altLang="en-US" dirty="0"/>
               <a:t>组会</a:t>
             </a:r>
+            <a:endParaRPr lang="zh-CN" altLang="en-US" dirty="0"/>
           </a:p>
         </p:txBody>
       </p:sp>
@@ -26827,11 +27198,11 @@
   <p:clrMapOvr>
     <a:masterClrMapping/>
   </p:clrMapOvr>
-  <mc:AlternateContent xmlns:mc="http://schemas.openxmlformats.org/markup-compatibility/2006" xmlns:p14="http://schemas.microsoft.com/office/powerpoint/2010/main">
-    <mc:Choice Requires="p14">
+  <mc:AlternateContent xmlns:mc="http://schemas.openxmlformats.org/markup-compatibility/2006">
+    <mc:Choice xmlns:p14="http://schemas.microsoft.com/office/powerpoint/2010/main" Requires="p14">
       <p:transition spd="slow" p14:dur="2000" advTm="8329"/>
     </mc:Choice>
-    <mc:Fallback xmlns="">
+    <mc:Fallback>
       <p:transition spd="slow" advTm="8329"/>
     </mc:Fallback>
   </mc:AlternateContent>
@@ -26882,6 +27253,7 @@
               <a:rPr lang="en-US" altLang="zh-CN" sz="2665" dirty="0"/>
               <a:t>01</a:t>
             </a:r>
+            <a:endParaRPr lang="en-US" altLang="zh-CN" sz="2665" dirty="0"/>
           </a:p>
         </p:txBody>
       </p:sp>
@@ -26913,6 +27285,7 @@
               <a:rPr lang="zh-CN" altLang="en-US" dirty="0"/>
               <a:t>组会</a:t>
             </a:r>
+            <a:endParaRPr lang="zh-CN" altLang="en-US" dirty="0"/>
           </a:p>
         </p:txBody>
       </p:sp>
@@ -26921,11 +27294,11 @@
   <p:clrMapOvr>
     <a:masterClrMapping/>
   </p:clrMapOvr>
-  <mc:AlternateContent xmlns:mc="http://schemas.openxmlformats.org/markup-compatibility/2006" xmlns:p14="http://schemas.microsoft.com/office/powerpoint/2010/main">
-    <mc:Choice Requires="p14">
+  <mc:AlternateContent xmlns:mc="http://schemas.openxmlformats.org/markup-compatibility/2006">
+    <mc:Choice xmlns:p14="http://schemas.microsoft.com/office/powerpoint/2010/main" Requires="p14">
       <p:transition spd="slow" p14:dur="2000" advTm="8329"/>
     </mc:Choice>
-    <mc:Fallback xmlns="">
+    <mc:Fallback>
       <p:transition spd="slow" advTm="8329"/>
     </mc:Fallback>
   </mc:AlternateContent>
@@ -26978,6 +27351,9 @@
               </a:rPr>
               <a:t>）</a:t>
             </a:r>
+            <a:endParaRPr lang="zh-CN" altLang="en-US">
+              <a:ea typeface="宋体" panose="02010600030101010101" pitchFamily="2" charset="-122"/>
+            </a:endParaRPr>
           </a:p>
         </p:txBody>
       </p:sp>
@@ -27067,7 +27443,6 @@
           <a:p>
             <a:fld id="{AA807A42-CF27-4B84-8583-18EBE418342E}" type="slidenum">
               <a:rPr lang="de-DE" smtClean="0"/>
-              <a:t>11</a:t>
             </a:fld>
             <a:endParaRPr lang="de-DE" dirty="0"/>
           </a:p>
@@ -27117,6 +27492,7 @@
               <a:rPr lang="zh-CN" altLang="en-US"/>
               <a:t>二、完成情况</a:t>
             </a:r>
+            <a:endParaRPr lang="zh-CN" altLang="en-US"/>
           </a:p>
         </p:txBody>
       </p:sp>
@@ -27139,6 +27515,7 @@
               <a:rPr lang="zh-CN" altLang="en-US"/>
               <a:t>1、修改奖励函数，包括调整参数、设计更合理的奖励函数等等</a:t>
             </a:r>
+            <a:endParaRPr lang="zh-CN" altLang="en-US"/>
           </a:p>
           <a:p>
             <a:endParaRPr lang="zh-CN" altLang="en-US"/>
@@ -27148,6 +27525,7 @@
               <a:rPr lang="zh-CN" altLang="en-US"/>
               <a:t>2、优化PPO算法本身，例如将MLP替换为Transformer、CNN等等</a:t>
             </a:r>
+            <a:endParaRPr lang="zh-CN" altLang="en-US"/>
           </a:p>
           <a:p>
             <a:endParaRPr lang="zh-CN" altLang="en-US"/>
@@ -27157,6 +27535,7 @@
               <a:rPr lang="zh-CN" altLang="en-US" sz="2400" b="1"/>
               <a:t>3、先将环境固定下来，生成固定的场景进行训练</a:t>
             </a:r>
+            <a:endParaRPr lang="zh-CN" altLang="en-US" sz="2400" b="1"/>
           </a:p>
         </p:txBody>
       </p:sp>
@@ -27179,6 +27558,7 @@
               <a:rPr lang="zh-CN" altLang="en-US"/>
               <a:t>实现思路</a:t>
             </a:r>
+            <a:endParaRPr lang="zh-CN" altLang="en-US"/>
           </a:p>
         </p:txBody>
       </p:sp>
@@ -27218,7 +27598,6 @@
           <a:p>
             <a:fld id="{AA807A42-CF27-4B84-8583-18EBE418342E}" type="slidenum">
               <a:rPr lang="de-DE" smtClean="0"/>
-              <a:t>12</a:t>
             </a:fld>
             <a:endParaRPr lang="de-DE" dirty="0"/>
           </a:p>
@@ -27276,6 +27655,13 @@
               </a:rPr>
               <a:t>比较耗时间，需要探索比较好的参数组合</a:t>
             </a:r>
+            <a:endParaRPr lang="zh-CN" altLang="en-US" sz="1800" b="0" i="0" u="none" baseline="0" dirty="0">
+              <a:solidFill>
+                <a:srgbClr val="000000"/>
+              </a:solidFill>
+              <a:latin typeface="BMW Group Condensed" panose="020B0606020202020204" pitchFamily="34" charset="0"/>
+              <a:ea typeface="宋体" panose="02010600030101010101" pitchFamily="2" charset="-122"/>
+            </a:endParaRPr>
           </a:p>
           <a:p>
             <a:pPr algn="l" rtl="0" eaLnBrk="1" fontAlgn="auto" hangingPunct="1">
@@ -27309,6 +27695,13 @@
               </a:rPr>
               <a:t>对模型改动较大</a:t>
             </a:r>
+            <a:endParaRPr lang="zh-CN" altLang="en-US" sz="1800" b="0" i="0" u="none" baseline="0" dirty="0">
+              <a:solidFill>
+                <a:srgbClr val="000000"/>
+              </a:solidFill>
+              <a:latin typeface="BMW Group Condensed" panose="020B0606020202020204" pitchFamily="34" charset="0"/>
+              <a:ea typeface="宋体" panose="02010600030101010101" pitchFamily="2" charset="-122"/>
+            </a:endParaRPr>
           </a:p>
           <a:p>
             <a:pPr algn="l" rtl="0" eaLnBrk="1" fontAlgn="auto" hangingPunct="1">
@@ -27352,6 +27745,13 @@
               </a:rPr>
               <a:t>，固定一个特定环境，对模型环境进行简化</a:t>
             </a:r>
+            <a:endParaRPr lang="zh-CN" altLang="en-US" sz="1800" b="0" i="0" u="none" baseline="0" dirty="0">
+              <a:solidFill>
+                <a:srgbClr val="000000"/>
+              </a:solidFill>
+              <a:latin typeface="BMW Group Condensed" panose="020B0606020202020204" pitchFamily="34" charset="0"/>
+              <a:ea typeface="宋体" panose="02010600030101010101" pitchFamily="2" charset="-122"/>
+            </a:endParaRPr>
           </a:p>
           <a:p>
             <a:pPr algn="l" rtl="0" eaLnBrk="1" fontAlgn="auto" hangingPunct="1">
@@ -27375,6 +27775,13 @@
               </a:rPr>
               <a:t>包括固定车辆初始速度、初始位置、环境中车辆数以及车辆的运行轨迹</a:t>
             </a:r>
+            <a:endParaRPr lang="zh-CN" altLang="en-US" sz="1800" b="0" i="0" u="none" baseline="0" dirty="0">
+              <a:solidFill>
+                <a:srgbClr val="000000"/>
+              </a:solidFill>
+              <a:latin typeface="BMW Group Condensed" panose="020B0606020202020204" pitchFamily="34" charset="0"/>
+              <a:ea typeface="宋体" panose="02010600030101010101" pitchFamily="2" charset="-122"/>
+            </a:endParaRPr>
           </a:p>
         </p:txBody>
       </p:sp>
@@ -27422,6 +27829,7 @@
               <a:rPr lang="zh-CN" altLang="en-US"/>
               <a:t>二、完成情况</a:t>
             </a:r>
+            <a:endParaRPr lang="zh-CN" altLang="en-US"/>
           </a:p>
         </p:txBody>
       </p:sp>
@@ -27461,7 +27869,6 @@
           <a:p>
             <a:fld id="{CE0EC710-139A-4CA2-AAD7-77B43670B718}" type="slidenum">
               <a:rPr lang="zh-CN" altLang="en-US" smtClean="0"/>
-              <a:t>13</a:t>
             </a:fld>
             <a:endParaRPr lang="zh-CN" altLang="en-US" dirty="0"/>
           </a:p>
@@ -27478,7 +27885,7 @@
           </p:nvPr>
         </p:nvPicPr>
         <p:blipFill>
-          <a:blip r:embed="rId2"/>
+          <a:blip r:embed="rId1"/>
           <a:stretch>
             <a:fillRect/>
           </a:stretch>
@@ -27544,6 +27951,12 @@
               </a:rPr>
               <a:t>0</a:t>
             </a:r>
+            <a:endParaRPr lang="en-US" altLang="zh-CN" sz="1800" b="0" i="0" u="none" baseline="0" dirty="0">
+              <a:solidFill>
+                <a:srgbClr val="000000"/>
+              </a:solidFill>
+              <a:latin typeface="BMW Group Condensed" panose="020B0606020202020204" pitchFamily="34" charset="0"/>
+            </a:endParaRPr>
           </a:p>
           <a:p>
             <a:pPr algn="l" rtl="0" eaLnBrk="1" fontAlgn="auto" hangingPunct="1">
@@ -27567,6 +27980,13 @@
               </a:rPr>
               <a:t>所有生成车辆都会出现在环境中，即固定车数</a:t>
             </a:r>
+            <a:endParaRPr lang="zh-CN" altLang="en-US" sz="1800" b="0" i="0" u="none" baseline="0" dirty="0">
+              <a:solidFill>
+                <a:srgbClr val="000000"/>
+              </a:solidFill>
+              <a:latin typeface="BMW Group Condensed" panose="020B0606020202020204" pitchFamily="34" charset="0"/>
+              <a:ea typeface="宋体" panose="02010600030101010101" pitchFamily="2" charset="-122"/>
+            </a:endParaRPr>
           </a:p>
         </p:txBody>
       </p:sp>
@@ -27612,6 +28032,12 @@
               </a:rPr>
               <a:t>固定路线（环境中所有车辆直行，智能体左转）</a:t>
             </a:r>
+            <a:endParaRPr lang="zh-CN" altLang="en-US" sz="1800" b="0" i="0" u="none" baseline="0" dirty="0">
+              <a:solidFill>
+                <a:srgbClr val="000000"/>
+              </a:solidFill>
+              <a:latin typeface="BMW Group Condensed" panose="020B0606020202020204" pitchFamily="34" charset="0"/>
+            </a:endParaRPr>
           </a:p>
           <a:p>
             <a:pPr algn="l" rtl="0" eaLnBrk="1" fontAlgn="auto" hangingPunct="1">
@@ -27634,6 +28060,12 @@
               </a:rPr>
               <a:t>在交叉口出现路权冲突</a:t>
             </a:r>
+            <a:endParaRPr lang="zh-CN" altLang="en-US" sz="1800" b="0" i="0" u="none" baseline="0" dirty="0">
+              <a:solidFill>
+                <a:srgbClr val="000000"/>
+              </a:solidFill>
+              <a:latin typeface="BMW Group Condensed" panose="020B0606020202020204" pitchFamily="34" charset="0"/>
+            </a:endParaRPr>
           </a:p>
         </p:txBody>
       </p:sp>
@@ -27681,6 +28113,7 @@
               <a:rPr lang="zh-CN" altLang="en-US"/>
               <a:t>三、存在问题</a:t>
             </a:r>
+            <a:endParaRPr lang="zh-CN" altLang="en-US"/>
           </a:p>
         </p:txBody>
       </p:sp>
@@ -27720,7 +28153,6 @@
           <a:p>
             <a:fld id="{AA807A42-CF27-4B84-8583-18EBE418342E}" type="slidenum">
               <a:rPr lang="de-DE" smtClean="0"/>
-              <a:t>14</a:t>
             </a:fld>
             <a:endParaRPr lang="de-DE" dirty="0"/>
           </a:p>
@@ -27737,7 +28169,7 @@
           </p:nvPr>
         </p:nvPicPr>
         <p:blipFill>
-          <a:blip r:embed="rId2"/>
+          <a:blip r:embed="rId1"/>
           <a:stretch>
             <a:fillRect/>
           </a:stretch>
@@ -27795,6 +28227,13 @@
               </a:rPr>
               <a:t>还是模型训练没有效果</a:t>
             </a:r>
+            <a:endParaRPr lang="zh-CN" altLang="en-US" sz="2000" b="0" i="0" u="none" baseline="0" dirty="0">
+              <a:solidFill>
+                <a:srgbClr val="000000"/>
+              </a:solidFill>
+              <a:latin typeface="微软雅黑" panose="020B0503020204020204" pitchFamily="34" charset="-122"/>
+              <a:ea typeface="微软雅黑" panose="020B0503020204020204" pitchFamily="34" charset="-122"/>
+            </a:endParaRPr>
           </a:p>
           <a:p>
             <a:pPr algn="l" rtl="0" eaLnBrk="1" fontAlgn="auto" hangingPunct="1">
@@ -27818,6 +28257,13 @@
               </a:rPr>
               <a:t>发现智能体不会自动加减速来避让</a:t>
             </a:r>
+            <a:endParaRPr lang="zh-CN" altLang="en-US" sz="2000" b="0" i="0" u="none" baseline="0" dirty="0">
+              <a:solidFill>
+                <a:srgbClr val="000000"/>
+              </a:solidFill>
+              <a:latin typeface="微软雅黑" panose="020B0503020204020204" pitchFamily="34" charset="-122"/>
+              <a:ea typeface="微软雅黑" panose="020B0503020204020204" pitchFamily="34" charset="-122"/>
+            </a:endParaRPr>
           </a:p>
           <a:p>
             <a:pPr algn="l" rtl="0" eaLnBrk="1" fontAlgn="auto" hangingPunct="1">
@@ -27861,6 +28307,13 @@
               </a:rPr>
               <a:t>匀速通过</a:t>
             </a:r>
+            <a:endParaRPr lang="zh-CN" altLang="en-US" sz="2000" b="0" i="0" u="none" baseline="0" dirty="0">
+              <a:solidFill>
+                <a:srgbClr val="000000"/>
+              </a:solidFill>
+              <a:latin typeface="微软雅黑" panose="020B0503020204020204" pitchFamily="34" charset="-122"/>
+              <a:ea typeface="微软雅黑" panose="020B0503020204020204" pitchFamily="34" charset="-122"/>
+            </a:endParaRPr>
           </a:p>
           <a:p>
             <a:pPr algn="l" rtl="0" eaLnBrk="1" fontAlgn="auto" hangingPunct="1">
@@ -27936,6 +28389,7 @@
               <a:rPr lang="en-US" altLang="zh-CN" sz="2665" dirty="0"/>
               <a:t>01</a:t>
             </a:r>
+            <a:endParaRPr lang="en-US" altLang="zh-CN" sz="2665" dirty="0"/>
           </a:p>
         </p:txBody>
       </p:sp>
@@ -27967,6 +28421,7 @@
               <a:rPr lang="zh-CN" altLang="en-US" dirty="0"/>
               <a:t>组会</a:t>
             </a:r>
+            <a:endParaRPr lang="zh-CN" altLang="en-US" dirty="0"/>
           </a:p>
         </p:txBody>
       </p:sp>
@@ -27975,11 +28430,11 @@
   <p:clrMapOvr>
     <a:masterClrMapping/>
   </p:clrMapOvr>
-  <mc:AlternateContent xmlns:mc="http://schemas.openxmlformats.org/markup-compatibility/2006" xmlns:p14="http://schemas.microsoft.com/office/powerpoint/2010/main">
-    <mc:Choice Requires="p14">
+  <mc:AlternateContent xmlns:mc="http://schemas.openxmlformats.org/markup-compatibility/2006">
+    <mc:Choice xmlns:p14="http://schemas.microsoft.com/office/powerpoint/2010/main" Requires="p14">
       <p:transition spd="slow" p14:dur="2000" advTm="8329"/>
     </mc:Choice>
-    <mc:Fallback xmlns="">
+    <mc:Fallback>
       <p:transition spd="slow" advTm="8329"/>
     </mc:Fallback>
   </mc:AlternateContent>
@@ -28032,6 +28487,9 @@
               </a:rPr>
               <a:t>）</a:t>
             </a:r>
+            <a:endParaRPr lang="zh-CN" altLang="en-US" dirty="0">
+              <a:ea typeface="宋体" panose="02010600030101010101" pitchFamily="2" charset="-122"/>
+            </a:endParaRPr>
           </a:p>
         </p:txBody>
       </p:sp>
@@ -28057,7 +28515,7 @@
           <a:p>
             <a:pPr marL="0" defTabSz="914400"/>
             <a:r>
-              <a:rPr lang="zh-CN" altLang="en-US" sz="2000" dirty="0">
+              <a:rPr lang="zh-CN" altLang="en-US" sz="2400" dirty="0">
                 <a:solidFill>
                   <a:srgbClr val="000000"/>
                 </a:solidFill>
@@ -28068,6 +28526,20 @@
               </a:rPr>
               <a:t>单智能体强化学习代码进一步修改，训练模型。</a:t>
             </a:r>
+            <a:endParaRPr lang="zh-CN" altLang="en-US" sz="2400" dirty="0">
+              <a:solidFill>
+                <a:srgbClr val="000000"/>
+              </a:solidFill>
+              <a:latin typeface="Times New Roman" panose="02020603050405020304" pitchFamily="18" charset="0"/>
+              <a:ea typeface="宋体" panose="02010600030101010101" pitchFamily="2" charset="-122"/>
+              <a:cs typeface="Times New Roman" panose="02020603050405020304" pitchFamily="18" charset="0"/>
+              <a:sym typeface="+mn-ea"/>
+            </a:endParaRPr>
+          </a:p>
+          <a:p>
+            <a:pPr marL="0" indent="0" defTabSz="914400">
+              <a:buNone/>
+            </a:pPr>
             <a:endParaRPr lang="zh-CN" altLang="en-US" sz="2000" dirty="0">
               <a:solidFill>
                 <a:srgbClr val="000000"/>
@@ -28140,7 +28612,6 @@
           <a:p>
             <a:fld id="{AA807A42-CF27-4B84-8583-18EBE418342E}" type="slidenum">
               <a:rPr lang="de-DE" smtClean="0"/>
-              <a:t>16</a:t>
             </a:fld>
             <a:endParaRPr lang="de-DE" dirty="0"/>
           </a:p>
@@ -28180,7 +28651,7 @@
           <p:nvPr/>
         </p:nvPicPr>
         <p:blipFill>
-          <a:blip r:embed="rId2"/>
+          <a:blip r:embed="rId1"/>
           <a:stretch>
             <a:fillRect/>
           </a:stretch>
@@ -28214,6 +28685,7 @@
               <a:rPr lang="zh-CN" altLang="en-US"/>
               <a:t>二、完成情况</a:t>
             </a:r>
+            <a:endParaRPr lang="zh-CN" altLang="en-US"/>
           </a:p>
         </p:txBody>
       </p:sp>
@@ -28253,7 +28725,6 @@
           <a:p>
             <a:fld id="{AA807A42-CF27-4B84-8583-18EBE418342E}" type="slidenum">
               <a:rPr lang="de-DE" smtClean="0"/>
-              <a:t>17</a:t>
             </a:fld>
             <a:endParaRPr lang="de-DE" dirty="0"/>
           </a:p>
@@ -28459,7 +28930,7 @@
           <p:nvPr/>
         </p:nvPicPr>
         <p:blipFill>
-          <a:blip r:embed="rId3"/>
+          <a:blip r:embed="rId2"/>
           <a:stretch>
             <a:fillRect/>
           </a:stretch>
@@ -28776,7 +29247,7 @@
         <p:spPr>
           <a:xfrm>
             <a:off x="7307248" y="1433667"/>
-            <a:ext cx="4884751" cy="1405193"/>
+            <a:ext cx="4884751" cy="1476375"/>
           </a:xfrm>
           <a:prstGeom prst="rect">
             <a:avLst/>
@@ -28822,6 +29293,14 @@
               </a:rPr>
               <a:t>[0, 1]</a:t>
             </a:r>
+            <a:endParaRPr lang="en-US" altLang="zh-CN" sz="2000" dirty="0">
+              <a:solidFill>
+                <a:srgbClr val="000000"/>
+              </a:solidFill>
+              <a:latin typeface="Times New Roman" panose="02020603050405020304" pitchFamily="18" charset="0"/>
+              <a:ea typeface="宋体" panose="02010600030101010101" pitchFamily="2" charset="-122"/>
+              <a:cs typeface="Times New Roman" panose="02020603050405020304" pitchFamily="18" charset="0"/>
+            </a:endParaRPr>
           </a:p>
           <a:p>
             <a:pPr>
@@ -28862,6 +29341,14 @@
               </a:rPr>
               <a:t>[-1, 1]</a:t>
             </a:r>
+            <a:endParaRPr lang="en-US" altLang="zh-CN" sz="2000" dirty="0">
+              <a:solidFill>
+                <a:srgbClr val="000000"/>
+              </a:solidFill>
+              <a:latin typeface="Times New Roman" panose="02020603050405020304" pitchFamily="18" charset="0"/>
+              <a:ea typeface="宋体" panose="02010600030101010101" pitchFamily="2" charset="-122"/>
+              <a:cs typeface="Times New Roman" panose="02020603050405020304" pitchFamily="18" charset="0"/>
+            </a:endParaRPr>
           </a:p>
           <a:p>
             <a:pPr rtl="0" eaLnBrk="1" fontAlgn="auto" hangingPunct="1">
@@ -28875,17 +29362,6 @@
                 <a:spcPts val="0"/>
               </a:spcAft>
             </a:pPr>
-            <a:r>
-              <a:rPr lang="zh-CN" altLang="en-US" sz="2000" dirty="0">
-                <a:solidFill>
-                  <a:srgbClr val="000000"/>
-                </a:solidFill>
-                <a:latin typeface="宋体" panose="02010600030101010101" pitchFamily="2" charset="-122"/>
-                <a:ea typeface="宋体" panose="02010600030101010101" pitchFamily="2" charset="-122"/>
-                <a:cs typeface="Times New Roman" panose="02020603050405020304" pitchFamily="18" charset="0"/>
-              </a:rPr>
-              <a:t>较低的车速会得到负奖励，尽量避免低速。</a:t>
-            </a:r>
             <a:endParaRPr lang="zh-CN" altLang="en-US" sz="2000" b="0" i="0" u="none" baseline="0" dirty="0">
               <a:solidFill>
                 <a:srgbClr val="000000"/>
@@ -28905,8 +29381,8 @@
         </p:nvSpPr>
         <p:spPr>
           <a:xfrm>
-            <a:off x="7418567" y="4625725"/>
-            <a:ext cx="4178300" cy="957250"/>
+            <a:off x="7418567" y="4409825"/>
+            <a:ext cx="4178300" cy="1476375"/>
           </a:xfrm>
           <a:prstGeom prst="rect">
             <a:avLst/>
@@ -29026,8 +29502,62 @@
                 <a:ea typeface="宋体" panose="02010600030101010101" pitchFamily="2" charset="-122"/>
                 <a:cs typeface="Times New Roman" panose="02020603050405020304" pitchFamily="18" charset="0"/>
               </a:rPr>
-              <a:t>换成 </a:t>
-            </a:r>
+              <a:t>换成</a:t>
+            </a:r>
+            <a:r>
+              <a:rPr lang="en-US" altLang="zh-CN" sz="2000" b="0" i="0" u="none" baseline="0" dirty="0">
+                <a:solidFill>
+                  <a:srgbClr val="000000"/>
+                </a:solidFill>
+                <a:latin typeface="宋体" panose="02010600030101010101" pitchFamily="2" charset="-122"/>
+                <a:ea typeface="宋体" panose="02010600030101010101" pitchFamily="2" charset="-122"/>
+                <a:cs typeface="Times New Roman" panose="02020603050405020304" pitchFamily="18" charset="0"/>
+              </a:rPr>
+              <a:t> </a:t>
+            </a:r>
+            <a:r>
+              <a:rPr lang="en-US" altLang="zh-CN" sz="2000" b="0" i="0" u="none" baseline="0" dirty="0">
+                <a:solidFill>
+                  <a:srgbClr val="000000"/>
+                </a:solidFill>
+                <a:latin typeface="Times New Roman" panose="02020603050405020304" pitchFamily="18" charset="0"/>
+                <a:ea typeface="宋体" panose="02010600030101010101" pitchFamily="2" charset="-122"/>
+                <a:cs typeface="Times New Roman" panose="02020603050405020304" pitchFamily="18" charset="0"/>
+              </a:rPr>
+              <a:t>stop_reward</a:t>
+            </a:r>
+            <a:r>
+              <a:rPr lang="zh-CN" altLang="en-US" sz="2000" b="0" i="0" u="none" baseline="0" dirty="0">
+                <a:solidFill>
+                  <a:srgbClr val="000000"/>
+                </a:solidFill>
+                <a:latin typeface="Times New Roman" panose="02020603050405020304" pitchFamily="18" charset="0"/>
+                <a:ea typeface="宋体" panose="02010600030101010101" pitchFamily="2" charset="-122"/>
+                <a:cs typeface="Times New Roman" panose="02020603050405020304" pitchFamily="18" charset="0"/>
+              </a:rPr>
+              <a:t>负奖励</a:t>
+            </a:r>
+            <a:endParaRPr lang="zh-CN" altLang="en-US" sz="2000" b="0" i="0" u="none" baseline="0" dirty="0">
+              <a:solidFill>
+                <a:srgbClr val="000000"/>
+              </a:solidFill>
+              <a:latin typeface="宋体" panose="02010600030101010101" pitchFamily="2" charset="-122"/>
+              <a:ea typeface="宋体" panose="02010600030101010101" pitchFamily="2" charset="-122"/>
+              <a:cs typeface="Times New Roman" panose="02020603050405020304" pitchFamily="18" charset="0"/>
+            </a:endParaRPr>
+          </a:p>
+          <a:p>
+            <a:pPr rtl="0" eaLnBrk="1" fontAlgn="auto" hangingPunct="1">
+              <a:lnSpc>
+                <a:spcPct val="150000"/>
+              </a:lnSpc>
+              <a:spcBef>
+                <a:spcPts val="0"/>
+              </a:spcBef>
+              <a:spcAft>
+                <a:spcPts val="0"/>
+              </a:spcAft>
+            </a:pPr>
             <a:r>
               <a:rPr lang="en-US" altLang="zh-CN" sz="2000" b="0" i="0" u="none" baseline="0" dirty="0">
                 <a:solidFill>
@@ -29050,6 +29580,120 @@
               </a:rPr>
               <a:t>，停车时会给予惩罚。</a:t>
             </a:r>
+            <a:endParaRPr lang="zh-CN" altLang="en-US" sz="2000" b="0" i="0" u="none" baseline="0" dirty="0">
+              <a:solidFill>
+                <a:srgbClr val="000000"/>
+              </a:solidFill>
+              <a:latin typeface="Times New Roman" panose="02020603050405020304" pitchFamily="18" charset="0"/>
+              <a:ea typeface="宋体" panose="02010600030101010101" pitchFamily="2" charset="-122"/>
+              <a:cs typeface="Times New Roman" panose="02020603050405020304" pitchFamily="18" charset="0"/>
+            </a:endParaRPr>
+          </a:p>
+        </p:txBody>
+      </p:sp>
+      <p:sp>
+        <p:nvSpPr>
+          <p:cNvPr id="3" name="文本框 2"/>
+          <p:cNvSpPr txBox="1"/>
+          <p:nvPr/>
+        </p:nvSpPr>
+        <p:spPr>
+          <a:xfrm>
+            <a:off x="7418705" y="2620645"/>
+            <a:ext cx="4064000" cy="922020"/>
+          </a:xfrm>
+          <a:prstGeom prst="rect">
+            <a:avLst/>
+          </a:prstGeom>
+          <a:noFill/>
+        </p:spPr>
+        <p:txBody>
+          <a:bodyPr vert="horz" wrap="square" rtlCol="0">
+            <a:spAutoFit/>
+          </a:bodyPr>
+          <a:p>
+            <a:pPr algn="l" rtl="0" eaLnBrk="1" fontAlgn="auto" hangingPunct="1">
+              <a:lnSpc>
+                <a:spcPct val="100000"/>
+              </a:lnSpc>
+              <a:spcBef>
+                <a:spcPts val="0"/>
+              </a:spcBef>
+              <a:spcAft>
+                <a:spcPts val="0"/>
+              </a:spcAft>
+            </a:pPr>
+            <a:r>
+              <a:rPr lang="zh-CN" altLang="en-US" sz="1800" b="0" i="0" u="none" baseline="0" dirty="0" smtClean="0">
+                <a:solidFill>
+                  <a:srgbClr val="000000"/>
+                </a:solidFill>
+                <a:latin typeface="BMW Group Condensed" panose="020B0606020202020204" pitchFamily="34" charset="0"/>
+              </a:rPr>
+              <a:t>原来低速低奖励，高速高奖励</a:t>
+            </a:r>
+            <a:endParaRPr lang="zh-CN" altLang="en-US" sz="1800" b="0" i="0" u="none" baseline="0" dirty="0" smtClean="0">
+              <a:solidFill>
+                <a:srgbClr val="000000"/>
+              </a:solidFill>
+              <a:latin typeface="BMW Group Condensed" panose="020B0606020202020204" pitchFamily="34" charset="0"/>
+            </a:endParaRPr>
+          </a:p>
+          <a:p>
+            <a:pPr algn="l" rtl="0" eaLnBrk="1" fontAlgn="auto" hangingPunct="1">
+              <a:lnSpc>
+                <a:spcPct val="100000"/>
+              </a:lnSpc>
+              <a:spcBef>
+                <a:spcPts val="0"/>
+              </a:spcBef>
+              <a:spcAft>
+                <a:spcPts val="0"/>
+              </a:spcAft>
+            </a:pPr>
+            <a:r>
+              <a:rPr lang="zh-CN" altLang="en-US" sz="1800" b="0" i="0" u="none" baseline="0" dirty="0" smtClean="0">
+                <a:solidFill>
+                  <a:srgbClr val="000000"/>
+                </a:solidFill>
+                <a:latin typeface="BMW Group Condensed" panose="020B0606020202020204" pitchFamily="34" charset="0"/>
+              </a:rPr>
+              <a:t>现在低速负奖励，高速正奖励</a:t>
+            </a:r>
+            <a:endParaRPr lang="zh-CN" altLang="en-US" sz="1800" b="0" i="0" u="none" baseline="0" dirty="0" smtClean="0">
+              <a:solidFill>
+                <a:srgbClr val="000000"/>
+              </a:solidFill>
+              <a:latin typeface="BMW Group Condensed" panose="020B0606020202020204" pitchFamily="34" charset="0"/>
+            </a:endParaRPr>
+          </a:p>
+          <a:p>
+            <a:pPr algn="l" rtl="0" eaLnBrk="1" fontAlgn="auto" hangingPunct="1">
+              <a:lnSpc>
+                <a:spcPct val="100000"/>
+              </a:lnSpc>
+              <a:spcBef>
+                <a:spcPts val="0"/>
+              </a:spcBef>
+              <a:spcAft>
+                <a:spcPts val="0"/>
+              </a:spcAft>
+            </a:pPr>
+            <a:r>
+              <a:rPr lang="zh-CN" altLang="en-US" sz="1800" b="0" i="0" u="none" baseline="0" dirty="0" smtClean="0">
+                <a:solidFill>
+                  <a:srgbClr val="000000"/>
+                </a:solidFill>
+                <a:latin typeface="BMW Group Condensed" panose="020B0606020202020204" pitchFamily="34" charset="0"/>
+              </a:rPr>
+              <a:t>更有效避免车辆选择低速行驶</a:t>
+            </a:r>
+            <a:endParaRPr lang="zh-CN" altLang="en-US" sz="1800" b="0" i="0" u="none" baseline="0" dirty="0" smtClean="0">
+              <a:solidFill>
+                <a:srgbClr val="000000"/>
+              </a:solidFill>
+              <a:latin typeface="BMW Group Condensed" panose="020B0606020202020204" pitchFamily="34" charset="0"/>
+            </a:endParaRPr>
           </a:p>
         </p:txBody>
       </p:sp>
@@ -29097,6 +29741,7 @@
               <a:rPr lang="zh-CN" altLang="en-US"/>
               <a:t>二、完成情况</a:t>
             </a:r>
+            <a:endParaRPr lang="zh-CN" altLang="en-US"/>
           </a:p>
         </p:txBody>
       </p:sp>
@@ -29136,7 +29781,6 @@
           <a:p>
             <a:fld id="{AA807A42-CF27-4B84-8583-18EBE418342E}" type="slidenum">
               <a:rPr lang="de-DE" smtClean="0"/>
-              <a:t>18</a:t>
             </a:fld>
             <a:endParaRPr lang="de-DE" dirty="0"/>
           </a:p>
@@ -29342,15 +29986,15 @@
           <p:nvPr/>
         </p:nvPicPr>
         <p:blipFill>
-          <a:blip r:embed="rId4"/>
+          <a:blip r:embed="rId1"/>
           <a:stretch>
             <a:fillRect/>
           </a:stretch>
         </p:blipFill>
         <p:spPr>
           <a:xfrm>
-            <a:off x="222736" y="2766797"/>
-            <a:ext cx="6634329" cy="2823915"/>
+            <a:off x="146050" y="2766695"/>
+            <a:ext cx="6363970" cy="2708910"/>
           </a:xfrm>
           <a:prstGeom prst="rect">
             <a:avLst/>
@@ -29369,21 +30013,21 @@
             <a:videoFile r:link="rId2"/>
             <p:extLst>
               <p:ext uri="{DAA4B4D4-6D71-4841-9C94-3DE7FCFB9230}">
-                <p14:media xmlns:p14="http://schemas.microsoft.com/office/powerpoint/2010/main" r:embed="rId1"/>
+                <p14:media xmlns:p14="http://schemas.microsoft.com/office/powerpoint/2010/main" r:embed="rId3"/>
               </p:ext>
             </p:extLst>
           </p:nvPr>
         </p:nvPicPr>
         <p:blipFill>
-          <a:blip r:embed="rId5"/>
+          <a:blip r:embed="rId4"/>
           <a:stretch>
             <a:fillRect/>
           </a:stretch>
         </p:blipFill>
         <p:spPr>
           <a:xfrm>
-            <a:off x="7519702" y="1767365"/>
-            <a:ext cx="4572000" cy="4572000"/>
+            <a:off x="6781800" y="782955"/>
+            <a:ext cx="5309870" cy="5309870"/>
           </a:xfrm>
           <a:prstGeom prst="rect">
             <a:avLst/>
@@ -29398,7 +30042,7 @@
         </p:nvSpPr>
         <p:spPr>
           <a:xfrm>
-            <a:off x="1450750" y="1525207"/>
+            <a:off x="942750" y="1515682"/>
             <a:ext cx="4178300" cy="1113766"/>
           </a:xfrm>
           <a:prstGeom prst="rect">
@@ -29434,6 +30078,14 @@
               </a:rPr>
               <a:t>episode reward mean</a:t>
             </a:r>
+            <a:endParaRPr lang="en-US" altLang="zh-CN" sz="2400" b="0" i="0" u="none" baseline="0" dirty="0">
+              <a:solidFill>
+                <a:srgbClr val="000000"/>
+              </a:solidFill>
+              <a:latin typeface="Times New Roman" panose="02020603050405020304" pitchFamily="18" charset="0"/>
+              <a:ea typeface="微软雅黑" panose="020B0503020204020204" pitchFamily="34" charset="-122"/>
+              <a:cs typeface="Times New Roman" panose="02020603050405020304" pitchFamily="18" charset="0"/>
+            </a:endParaRPr>
           </a:p>
           <a:p>
             <a:pPr algn="ctr" rtl="0" eaLnBrk="1" fontAlgn="auto" hangingPunct="1">
@@ -29458,6 +30110,66 @@
               </a:rPr>
               <a:t>每个训练周期内奖励的平均值</a:t>
             </a:r>
+            <a:endParaRPr lang="zh-CN" altLang="en-US" sz="2400" b="0" i="0" u="none" baseline="0" dirty="0">
+              <a:solidFill>
+                <a:srgbClr val="000000"/>
+              </a:solidFill>
+              <a:latin typeface="宋体" panose="02010600030101010101" pitchFamily="2" charset="-122"/>
+              <a:ea typeface="宋体" panose="02010600030101010101" pitchFamily="2" charset="-122"/>
+              <a:cs typeface="Times New Roman" panose="02020603050405020304" pitchFamily="18" charset="0"/>
+            </a:endParaRPr>
+          </a:p>
+        </p:txBody>
+      </p:sp>
+      <p:sp>
+        <p:nvSpPr>
+          <p:cNvPr id="3" name="文本框 2"/>
+          <p:cNvSpPr txBox="1"/>
+          <p:nvPr/>
+        </p:nvSpPr>
+        <p:spPr>
+          <a:xfrm>
+            <a:off x="2218055" y="5659755"/>
+            <a:ext cx="4064000" cy="398780"/>
+          </a:xfrm>
+          <a:prstGeom prst="rect">
+            <a:avLst/>
+          </a:prstGeom>
+          <a:noFill/>
+        </p:spPr>
+        <p:txBody>
+          <a:bodyPr vert="horz" wrap="square" rtlCol="0">
+            <a:spAutoFit/>
+          </a:bodyPr>
+          <a:p>
+            <a:pPr algn="l" rtl="0" eaLnBrk="1" fontAlgn="auto" hangingPunct="1">
+              <a:lnSpc>
+                <a:spcPct val="100000"/>
+              </a:lnSpc>
+              <a:spcBef>
+                <a:spcPts val="0"/>
+              </a:spcBef>
+              <a:spcAft>
+                <a:spcPts val="0"/>
+              </a:spcAft>
+            </a:pPr>
+            <a:r>
+              <a:rPr lang="zh-CN" altLang="en-US" sz="2000" b="0" i="0" u="none" baseline="0" dirty="0" smtClean="0">
+                <a:solidFill>
+                  <a:srgbClr val="000000"/>
+                </a:solidFill>
+                <a:latin typeface="宋体" panose="02010600030101010101" pitchFamily="2" charset="-122"/>
+                <a:ea typeface="宋体" panose="02010600030101010101" pitchFamily="2" charset="-122"/>
+              </a:rPr>
+              <a:t>收敛较好</a:t>
+            </a:r>
+            <a:endParaRPr lang="zh-CN" altLang="en-US" sz="2000" b="0" i="0" u="none" baseline="0" dirty="0" smtClean="0">
+              <a:solidFill>
+                <a:srgbClr val="000000"/>
+              </a:solidFill>
+              <a:latin typeface="宋体" panose="02010600030101010101" pitchFamily="2" charset="-122"/>
+              <a:ea typeface="宋体" panose="02010600030101010101" pitchFamily="2" charset="-122"/>
+            </a:endParaRPr>
           </a:p>
         </p:txBody>
       </p:sp>
@@ -29604,6 +30316,103 @@
 </p:sld>
 </file>
 
+<file path=ppt/slides/slide19.xml><?xml version="1.0" encoding="utf-8"?>
+<p:sld xmlns:a="http://schemas.openxmlformats.org/drawingml/2006/main" xmlns:r="http://schemas.openxmlformats.org/officeDocument/2006/relationships" xmlns:p="http://schemas.openxmlformats.org/presentationml/2006/main">
+  <p:cSld>
+    <p:spTree>
+      <p:nvGrpSpPr>
+        <p:cNvPr id="1" name=""/>
+        <p:cNvGrpSpPr/>
+        <p:nvPr/>
+      </p:nvGrpSpPr>
+      <p:grpSpPr/>
+      <p:sp>
+        <p:nvSpPr>
+          <p:cNvPr id="3" name="标题 2"/>
+          <p:cNvSpPr>
+            <a:spLocks noGrp="1"/>
+          </p:cNvSpPr>
+          <p:nvPr>
+            <p:ph type="title"/>
+          </p:nvPr>
+        </p:nvSpPr>
+        <p:spPr/>
+        <p:txBody>
+          <a:bodyPr/>
+          <a:p>
+            <a:r>
+              <a:rPr lang="zh-CN" altLang="en-US"/>
+              <a:t>三、下周任务</a:t>
+            </a:r>
+            <a:endParaRPr lang="zh-CN" altLang="en-US"/>
+          </a:p>
+        </p:txBody>
+      </p:sp>
+      <p:sp>
+        <p:nvSpPr>
+          <p:cNvPr id="4" name="内容占位符 3"/>
+          <p:cNvSpPr>
+            <a:spLocks noGrp="1"/>
+          </p:cNvSpPr>
+          <p:nvPr>
+            <p:ph sz="quarter" idx="11"/>
+          </p:nvPr>
+        </p:nvSpPr>
+        <p:spPr/>
+        <p:txBody>
+          <a:bodyPr/>
+          <a:p>
+            <a:endParaRPr lang="zh-CN" altLang="en-US"/>
+          </a:p>
+        </p:txBody>
+      </p:sp>
+      <p:sp>
+        <p:nvSpPr>
+          <p:cNvPr id="5" name="文本占位符 4"/>
+          <p:cNvSpPr>
+            <a:spLocks noGrp="1"/>
+          </p:cNvSpPr>
+          <p:nvPr>
+            <p:ph type="body" sz="quarter" idx="12"/>
+          </p:nvPr>
+        </p:nvSpPr>
+        <p:spPr/>
+        <p:txBody>
+          <a:bodyPr/>
+          <a:p>
+            <a:endParaRPr lang="zh-CN" altLang="en-US"/>
+          </a:p>
+        </p:txBody>
+      </p:sp>
+      <p:sp>
+        <p:nvSpPr>
+          <p:cNvPr id="2" name="灯片编号占位符 1"/>
+          <p:cNvSpPr>
+            <a:spLocks noGrp="1"/>
+          </p:cNvSpPr>
+          <p:nvPr>
+            <p:ph type="sldNum" sz="quarter" idx="13"/>
+          </p:nvPr>
+        </p:nvSpPr>
+        <p:spPr/>
+        <p:txBody>
+          <a:bodyPr/>
+          <a:p>
+            <a:fld id="{CE0EC710-139A-4CA2-AAD7-77B43670B718}" type="slidenum">
+              <a:rPr lang="zh-CN" altLang="en-US" smtClean="0"/>
+            </a:fld>
+            <a:endParaRPr lang="zh-CN" altLang="en-US" dirty="0"/>
+          </a:p>
+        </p:txBody>
+      </p:sp>
+    </p:spTree>
+  </p:cSld>
+  <p:clrMapOvr>
+    <a:masterClrMapping/>
+  </p:clrMapOvr>
+</p:sld>
+</file>
+
 <file path=ppt/slides/slide2.xml><?xml version="1.0" encoding="utf-8"?>
 <p:sld xmlns:a="http://schemas.openxmlformats.org/drawingml/2006/main" xmlns:r="http://schemas.openxmlformats.org/officeDocument/2006/relationships" xmlns:p="http://schemas.openxmlformats.org/presentationml/2006/main">
   <p:cSld>
@@ -29646,6 +30455,9 @@
               </a:rPr>
               <a:t>目录</a:t>
             </a:r>
+            <a:endParaRPr lang="zh-CN" altLang="en-US">
+              <a:ea typeface="宋体" panose="02010600030101010101" pitchFamily="2" charset="-122"/>
+            </a:endParaRPr>
           </a:p>
         </p:txBody>
       </p:sp>
@@ -29777,6 +30589,9 @@
               </a:rPr>
               <a:t>下周任务</a:t>
             </a:r>
+            <a:endParaRPr lang="zh-CN" altLang="en-US" sz="3200" b="1" dirty="0">
+              <a:sym typeface="+mn-ea"/>
+            </a:endParaRPr>
           </a:p>
         </p:txBody>
       </p:sp>
@@ -29835,7 +30650,6 @@
           <a:p>
             <a:fld id="{AA807A42-CF27-4B84-8583-18EBE418342E}" type="slidenum">
               <a:rPr lang="de-DE" smtClean="0"/>
-              <a:t>2</a:t>
             </a:fld>
             <a:endParaRPr lang="de-DE" dirty="0"/>
           </a:p>
@@ -29885,6 +30699,7 @@
               <a:rPr lang="zh-CN" altLang="en-US"/>
               <a:t>一、本周任务</a:t>
             </a:r>
+            <a:endParaRPr lang="zh-CN" altLang="en-US"/>
           </a:p>
         </p:txBody>
       </p:sp>
@@ -29920,6 +30735,7 @@
               <a:rPr lang="zh-CN" altLang="en-US" sz="3200" b="1"/>
               <a:t>单智能体强化学习代码</a:t>
             </a:r>
+            <a:endParaRPr lang="zh-CN" altLang="en-US" sz="3200" b="1"/>
           </a:p>
           <a:p>
             <a:pPr marL="0" indent="0" algn="ctr">
@@ -29933,6 +30749,7 @@
               <a:rPr lang="zh-CN" altLang="en-US" sz="3200" b="1"/>
               <a:t>交叉口环境的代码复现</a:t>
             </a:r>
+            <a:endParaRPr lang="zh-CN" altLang="en-US" sz="3200" b="1"/>
           </a:p>
         </p:txBody>
       </p:sp>
@@ -29991,7 +30808,6 @@
           <a:p>
             <a:fld id="{AA807A42-CF27-4B84-8583-18EBE418342E}" type="slidenum">
               <a:rPr lang="de-DE" smtClean="0"/>
-              <a:t>3</a:t>
             </a:fld>
             <a:endParaRPr lang="de-DE" dirty="0"/>
           </a:p>
@@ -30041,6 +30857,7 @@
               <a:rPr lang="zh-CN" altLang="en-US" dirty="0"/>
               <a:t>二、本周任务完成情况</a:t>
             </a:r>
+            <a:endParaRPr lang="zh-CN" altLang="en-US" dirty="0"/>
           </a:p>
         </p:txBody>
       </p:sp>
@@ -30115,6 +30932,20 @@
               </a:rPr>
               <a:t>3</a:t>
             </a:r>
+            <a:endParaRPr kumimoji="0" lang="de-DE" sz="1600" b="0" i="0" u="none" strike="noStrike" kern="1200" cap="none" spc="0" normalizeH="0" baseline="0" noProof="0" dirty="0">
+              <a:ln>
+                <a:noFill/>
+              </a:ln>
+              <a:solidFill>
+                <a:prstClr val="white"/>
+              </a:solidFill>
+              <a:effectLst/>
+              <a:uLnTx/>
+              <a:uFillTx/>
+              <a:latin typeface="BMW Group Condensed"/>
+              <a:ea typeface="+mn-ea"/>
+              <a:cs typeface="+mn-cs"/>
+            </a:endParaRPr>
           </a:p>
         </p:txBody>
       </p:sp>
@@ -30639,7 +31470,7 @@
           <p:nvPr/>
         </p:nvPicPr>
         <p:blipFill>
-          <a:blip r:embed="rId3"/>
+          <a:blip r:embed="rId1"/>
           <a:stretch>
             <a:fillRect/>
           </a:stretch>
@@ -30663,7 +31494,7 @@
           <p:nvPr/>
         </p:nvPicPr>
         <p:blipFill>
-          <a:blip r:embed="rId4"/>
+          <a:blip r:embed="rId2"/>
           <a:stretch>
             <a:fillRect/>
           </a:stretch>
@@ -30722,6 +31553,7 @@
               <a:rPr lang="zh-CN" altLang="en-US" dirty="0"/>
               <a:t>二、本周任务完成情况</a:t>
             </a:r>
+            <a:endParaRPr lang="zh-CN" altLang="en-US" dirty="0"/>
           </a:p>
         </p:txBody>
       </p:sp>
@@ -30796,6 +31628,20 @@
               </a:rPr>
               <a:t>3</a:t>
             </a:r>
+            <a:endParaRPr kumimoji="0" lang="de-DE" sz="1600" b="0" i="0" u="none" strike="noStrike" kern="1200" cap="none" spc="0" normalizeH="0" baseline="0" noProof="0" dirty="0">
+              <a:ln>
+                <a:noFill/>
+              </a:ln>
+              <a:solidFill>
+                <a:prstClr val="white"/>
+              </a:solidFill>
+              <a:effectLst/>
+              <a:uLnTx/>
+              <a:uFillTx/>
+              <a:latin typeface="BMW Group Condensed"/>
+              <a:ea typeface="+mn-ea"/>
+              <a:cs typeface="+mn-cs"/>
+            </a:endParaRPr>
           </a:p>
         </p:txBody>
       </p:sp>
@@ -31056,7 +31902,7 @@
           <p:nvPr/>
         </p:nvPicPr>
         <p:blipFill>
-          <a:blip r:embed="rId3"/>
+          <a:blip r:embed="rId1"/>
           <a:stretch>
             <a:fillRect/>
           </a:stretch>
@@ -31231,6 +32077,14 @@
               </a:rPr>
               <a:t>路上行驶奖励，鼓励车辆保持在道路上，通常为正值。</a:t>
             </a:r>
+            <a:endParaRPr lang="zh-CN" altLang="en-US" b="1" dirty="0">
+              <a:solidFill>
+                <a:srgbClr val="000000"/>
+              </a:solidFill>
+              <a:latin typeface="微软雅黑" panose="020B0503020204020204" pitchFamily="34" charset="-122"/>
+              <a:ea typeface="微软雅黑" panose="020B0503020204020204" pitchFamily="34" charset="-122"/>
+              <a:cs typeface="微软雅黑" panose="020B0503020204020204" pitchFamily="34" charset="-122"/>
+            </a:endParaRPr>
           </a:p>
         </p:txBody>
       </p:sp>
@@ -31278,6 +32132,7 @@
               <a:rPr lang="zh-CN" altLang="en-US"/>
               <a:t>二、本周任务完成情况</a:t>
             </a:r>
+            <a:endParaRPr lang="zh-CN" altLang="en-US"/>
           </a:p>
         </p:txBody>
       </p:sp>
@@ -31292,7 +32147,7 @@
           </p:nvPr>
         </p:nvPicPr>
         <p:blipFill>
-          <a:blip r:embed="rId2"/>
+          <a:blip r:embed="rId1"/>
           <a:stretch>
             <a:fillRect/>
           </a:stretch>
@@ -31338,6 +32193,19 @@
               </a:rPr>
               <a:t>2.2 Intersection环境代码复现</a:t>
             </a:r>
+            <a:endParaRPr lang="en-US" altLang="zh-CN" sz="2400" noProof="0" dirty="0">
+              <a:ln>
+                <a:noFill/>
+              </a:ln>
+              <a:solidFill>
+                <a:schemeClr val="tx1"/>
+              </a:solidFill>
+              <a:effectLst/>
+              <a:uLnTx/>
+              <a:uFillTx/>
+              <a:latin typeface="微软雅黑" panose="020B0503020204020204" pitchFamily="34" charset="-122"/>
+              <a:ea typeface="微软雅黑" panose="020B0503020204020204" pitchFamily="34" charset="-122"/>
+            </a:endParaRPr>
           </a:p>
         </p:txBody>
       </p:sp>
@@ -31377,7 +32245,6 @@
           <a:p>
             <a:fld id="{AA807A42-CF27-4B84-8583-18EBE418342E}" type="slidenum">
               <a:rPr lang="de-DE" smtClean="0"/>
-              <a:t>6</a:t>
             </a:fld>
             <a:endParaRPr lang="de-DE" dirty="0"/>
           </a:p>
@@ -31426,6 +32293,13 @@
               </a:rPr>
               <a:t>交叉口环境设置</a:t>
             </a:r>
+            <a:endParaRPr lang="zh-CN" altLang="en-US" sz="2000" i="0" u="none" baseline="0" dirty="0">
+              <a:solidFill>
+                <a:srgbClr val="000000"/>
+              </a:solidFill>
+              <a:latin typeface="黑体" panose="02010609060101010101" charset="-122"/>
+              <a:ea typeface="黑体" panose="02010609060101010101" charset="-122"/>
+            </a:endParaRPr>
           </a:p>
         </p:txBody>
       </p:sp>
@@ -31472,6 +32346,13 @@
               </a:rPr>
               <a:t>模型训练</a:t>
             </a:r>
+            <a:endParaRPr lang="zh-CN" altLang="en-US" sz="1800" b="0" i="0" u="none" baseline="0" dirty="0">
+              <a:solidFill>
+                <a:srgbClr val="000000"/>
+              </a:solidFill>
+              <a:latin typeface="微软雅黑" panose="020B0503020204020204" pitchFamily="34" charset="-122"/>
+              <a:ea typeface="微软雅黑" panose="020B0503020204020204" pitchFamily="34" charset="-122"/>
+            </a:endParaRPr>
           </a:p>
         </p:txBody>
       </p:sp>
@@ -31484,7 +32365,7 @@
           <p:nvPr/>
         </p:nvPicPr>
         <p:blipFill>
-          <a:blip r:embed="rId3"/>
+          <a:blip r:embed="rId2"/>
           <a:srcRect b="5514"/>
           <a:stretch>
             <a:fillRect/>
@@ -31543,6 +32424,13 @@
               </a:rPr>
               <a:t>模型评估</a:t>
             </a:r>
+            <a:endParaRPr lang="zh-CN" altLang="en-US" sz="1800" b="0" i="0" u="none" baseline="0" dirty="0">
+              <a:solidFill>
+                <a:srgbClr val="000000"/>
+              </a:solidFill>
+              <a:latin typeface="微软雅黑" panose="020B0503020204020204" pitchFamily="34" charset="-122"/>
+              <a:ea typeface="微软雅黑" panose="020B0503020204020204" pitchFamily="34" charset="-122"/>
+            </a:endParaRPr>
           </a:p>
         </p:txBody>
       </p:sp>
@@ -31555,7 +32443,7 @@
           <p:nvPr/>
         </p:nvPicPr>
         <p:blipFill>
-          <a:blip r:embed="rId4"/>
+          <a:blip r:embed="rId3"/>
           <a:stretch>
             <a:fillRect/>
           </a:stretch>
@@ -31707,7 +32595,6 @@
           <a:p>
             <a:fld id="{AA807A42-CF27-4B84-8583-18EBE418342E}" type="slidenum">
               <a:rPr lang="de-DE" smtClean="0"/>
-              <a:t>7</a:t>
             </a:fld>
             <a:endParaRPr lang="de-DE" dirty="0"/>
           </a:p>
@@ -31724,7 +32611,7 @@
           </p:nvPr>
         </p:nvPicPr>
         <p:blipFill>
-          <a:blip r:embed="rId3"/>
+          <a:blip r:embed="rId1"/>
           <a:srcRect l="4521" t="11899"/>
           <a:stretch>
             <a:fillRect/>
@@ -31783,12 +32670,63 @@
               </a:rPr>
               <a:t>可视化</a:t>
             </a:r>
+            <a:endParaRPr lang="zh-CN" altLang="en-US" sz="2000" b="0" i="0" u="none" baseline="0" dirty="0">
+              <a:solidFill>
+                <a:srgbClr val="000000"/>
+              </a:solidFill>
+              <a:latin typeface="微软雅黑" panose="020B0503020204020204" pitchFamily="34" charset="-122"/>
+              <a:ea typeface="微软雅黑" panose="020B0503020204020204" pitchFamily="34" charset="-122"/>
+            </a:endParaRPr>
           </a:p>
         </p:txBody>
       </p:sp>
       <p:pic>
         <p:nvPicPr>
           <p:cNvPr id="11" name="图片 10"/>
+          <p:cNvPicPr/>
+          <p:nvPr/>
+        </p:nvPicPr>
+        <p:blipFill>
+          <a:blip r:embed="rId2"/>
+          <a:stretch>
+            <a:fillRect/>
+          </a:stretch>
+        </p:blipFill>
+        <p:spPr>
+          <a:xfrm>
+            <a:off x="5563870" y="1166495"/>
+            <a:ext cx="5400000" cy="1440000"/>
+          </a:xfrm>
+          <a:prstGeom prst="rect">
+            <a:avLst/>
+          </a:prstGeom>
+        </p:spPr>
+      </p:pic>
+      <p:pic>
+        <p:nvPicPr>
+          <p:cNvPr id="12" name="图片 11"/>
+          <p:cNvPicPr/>
+          <p:nvPr/>
+        </p:nvPicPr>
+        <p:blipFill>
+          <a:blip r:embed="rId3"/>
+          <a:stretch>
+            <a:fillRect/>
+          </a:stretch>
+        </p:blipFill>
+        <p:spPr>
+          <a:xfrm>
+            <a:off x="5563870" y="2799080"/>
+            <a:ext cx="5400000" cy="1440000"/>
+          </a:xfrm>
+          <a:prstGeom prst="rect">
+            <a:avLst/>
+          </a:prstGeom>
+        </p:spPr>
+      </p:pic>
+      <p:pic>
+        <p:nvPicPr>
+          <p:cNvPr id="13" name="图片 12"/>
           <p:cNvPicPr/>
           <p:nvPr/>
         </p:nvPicPr>
@@ -31800,50 +32738,6 @@
         </p:blipFill>
         <p:spPr>
           <a:xfrm>
-            <a:off x="5563870" y="1166495"/>
-            <a:ext cx="5400000" cy="1440000"/>
-          </a:xfrm>
-          <a:prstGeom prst="rect">
-            <a:avLst/>
-          </a:prstGeom>
-        </p:spPr>
-      </p:pic>
-      <p:pic>
-        <p:nvPicPr>
-          <p:cNvPr id="12" name="图片 11"/>
-          <p:cNvPicPr/>
-          <p:nvPr/>
-        </p:nvPicPr>
-        <p:blipFill>
-          <a:blip r:embed="rId5"/>
-          <a:stretch>
-            <a:fillRect/>
-          </a:stretch>
-        </p:blipFill>
-        <p:spPr>
-          <a:xfrm>
-            <a:off x="5563870" y="2799080"/>
-            <a:ext cx="5400000" cy="1440000"/>
-          </a:xfrm>
-          <a:prstGeom prst="rect">
-            <a:avLst/>
-          </a:prstGeom>
-        </p:spPr>
-      </p:pic>
-      <p:pic>
-        <p:nvPicPr>
-          <p:cNvPr id="13" name="图片 12"/>
-          <p:cNvPicPr/>
-          <p:nvPr/>
-        </p:nvPicPr>
-        <p:blipFill>
-          <a:blip r:embed="rId6"/>
-          <a:stretch>
-            <a:fillRect/>
-          </a:stretch>
-        </p:blipFill>
-        <p:spPr>
-          <a:xfrm>
             <a:off x="5563870" y="4431665"/>
             <a:ext cx="5400000" cy="1440000"/>
           </a:xfrm>
@@ -31895,6 +32789,13 @@
               </a:rPr>
               <a:t>指标</a:t>
             </a:r>
+            <a:endParaRPr lang="zh-CN" altLang="en-US" sz="2000" b="0" i="0" u="none" baseline="0" dirty="0">
+              <a:solidFill>
+                <a:srgbClr val="000000"/>
+              </a:solidFill>
+              <a:latin typeface="微软雅黑" panose="020B0503020204020204" pitchFamily="34" charset="-122"/>
+              <a:ea typeface="微软雅黑" panose="020B0503020204020204" pitchFamily="34" charset="-122"/>
+            </a:endParaRPr>
           </a:p>
         </p:txBody>
       </p:sp>
@@ -31942,6 +32843,7 @@
               <a:rPr lang="zh-CN" altLang="en-US" dirty="0"/>
               <a:t>三、存在问题</a:t>
             </a:r>
+            <a:endParaRPr lang="zh-CN" altLang="en-US" dirty="0"/>
           </a:p>
         </p:txBody>
       </p:sp>
@@ -32016,6 +32918,20 @@
               </a:rPr>
               <a:t>3</a:t>
             </a:r>
+            <a:endParaRPr kumimoji="0" lang="de-DE" sz="1600" b="0" i="0" u="none" strike="noStrike" kern="1200" cap="none" spc="0" normalizeH="0" baseline="0" noProof="0" dirty="0">
+              <a:ln>
+                <a:noFill/>
+              </a:ln>
+              <a:solidFill>
+                <a:prstClr val="white"/>
+              </a:solidFill>
+              <a:effectLst/>
+              <a:uLnTx/>
+              <a:uFillTx/>
+              <a:latin typeface="BMW Group Condensed"/>
+              <a:ea typeface="+mn-ea"/>
+              <a:cs typeface="+mn-cs"/>
+            </a:endParaRPr>
           </a:p>
         </p:txBody>
       </p:sp>
@@ -32068,6 +32984,14 @@
               </a:rPr>
               <a:t>波动不收敛</a:t>
             </a:r>
+            <a:endParaRPr lang="zh-CN" altLang="en-US" sz="2400" b="1" dirty="0">
+              <a:solidFill>
+                <a:srgbClr val="000000"/>
+              </a:solidFill>
+              <a:latin typeface="微软雅黑" panose="020B0503020204020204" pitchFamily="34" charset="-122"/>
+              <a:ea typeface="微软雅黑" panose="020B0503020204020204" pitchFamily="34" charset="-122"/>
+              <a:cs typeface="微软雅黑" panose="020B0503020204020204" pitchFamily="34" charset="-122"/>
+            </a:endParaRPr>
           </a:p>
         </p:txBody>
       </p:sp>
@@ -32080,7 +33004,7 @@
           <p:nvPr/>
         </p:nvPicPr>
         <p:blipFill>
-          <a:blip r:embed="rId3"/>
+          <a:blip r:embed="rId1"/>
           <a:stretch>
             <a:fillRect/>
           </a:stretch>
@@ -32138,6 +33062,13 @@
               </a:rPr>
               <a:t>总体损失</a:t>
             </a:r>
+            <a:endParaRPr lang="zh-CN" altLang="en-US" sz="2000" b="0" i="0" u="none" baseline="0" dirty="0">
+              <a:solidFill>
+                <a:srgbClr val="000000"/>
+              </a:solidFill>
+              <a:latin typeface="黑体" panose="02010609060101010101" charset="-122"/>
+              <a:ea typeface="黑体" panose="02010609060101010101" charset="-122"/>
+            </a:endParaRPr>
           </a:p>
         </p:txBody>
       </p:sp>
@@ -32184,6 +33115,13 @@
               </a:rPr>
               <a:t>策略梯度损失</a:t>
             </a:r>
+            <a:endParaRPr lang="zh-CN" altLang="en-US" sz="2000" b="0" i="0" u="none" baseline="0" dirty="0">
+              <a:solidFill>
+                <a:srgbClr val="000000"/>
+              </a:solidFill>
+              <a:latin typeface="黑体" panose="02010609060101010101" charset="-122"/>
+              <a:ea typeface="黑体" panose="02010609060101010101" charset="-122"/>
+            </a:endParaRPr>
           </a:p>
         </p:txBody>
       </p:sp>
@@ -32230,6 +33168,13 @@
               </a:rPr>
               <a:t>价值损失</a:t>
             </a:r>
+            <a:endParaRPr lang="zh-CN" altLang="en-US" sz="2000" b="0" i="0" u="none" baseline="0" dirty="0">
+              <a:solidFill>
+                <a:srgbClr val="000000"/>
+              </a:solidFill>
+              <a:latin typeface="黑体" panose="02010609060101010101" charset="-122"/>
+              <a:ea typeface="黑体" panose="02010609060101010101" charset="-122"/>
+            </a:endParaRPr>
           </a:p>
         </p:txBody>
       </p:sp>
@@ -32276,6 +33221,13 @@
               </a:rPr>
               <a:t>稳定性差</a:t>
             </a:r>
+            <a:endParaRPr lang="zh-CN" altLang="en-US" sz="2800" b="1" i="0" u="none" baseline="0" dirty="0">
+              <a:solidFill>
+                <a:srgbClr val="000000"/>
+              </a:solidFill>
+              <a:latin typeface="微软雅黑" panose="020B0503020204020204" pitchFamily="34" charset="-122"/>
+              <a:ea typeface="微软雅黑" panose="020B0503020204020204" pitchFamily="34" charset="-122"/>
+            </a:endParaRPr>
           </a:p>
         </p:txBody>
       </p:sp>
@@ -32323,6 +33275,7 @@
               <a:rPr lang="zh-CN" altLang="en-US"/>
               <a:t>三、存在问题</a:t>
             </a:r>
+            <a:endParaRPr lang="zh-CN" altLang="en-US"/>
           </a:p>
         </p:txBody>
       </p:sp>
@@ -32362,6 +33315,14 @@
               </a:rPr>
               <a:t>模型效果不理想</a:t>
             </a:r>
+            <a:endParaRPr lang="zh-CN" altLang="en-US" sz="2400" b="1" dirty="0">
+              <a:solidFill>
+                <a:srgbClr val="000000"/>
+              </a:solidFill>
+              <a:latin typeface="微软雅黑" panose="020B0503020204020204" pitchFamily="34" charset="-122"/>
+              <a:ea typeface="微软雅黑" panose="020B0503020204020204" pitchFamily="34" charset="-122"/>
+              <a:cs typeface="微软雅黑" panose="020B0503020204020204" pitchFamily="34" charset="-122"/>
+            </a:endParaRPr>
           </a:p>
           <a:p>
             <a:endParaRPr lang="zh-CN" altLang="en-US"/>
@@ -32404,7 +33365,6 @@
           <a:p>
             <a:fld id="{AA807A42-CF27-4B84-8583-18EBE418342E}" type="slidenum">
               <a:rPr lang="de-DE" smtClean="0"/>
-              <a:t>9</a:t>
             </a:fld>
             <a:endParaRPr lang="de-DE" dirty="0"/>
           </a:p>
@@ -32453,6 +33413,13 @@
               </a:rPr>
               <a:t>成功率低</a:t>
             </a:r>
+            <a:endParaRPr lang="zh-CN" altLang="en-US" sz="2800" b="1" i="0" u="none" baseline="0" dirty="0">
+              <a:solidFill>
+                <a:srgbClr val="000000"/>
+              </a:solidFill>
+              <a:latin typeface="微软雅黑" panose="020B0503020204020204" pitchFamily="34" charset="-122"/>
+              <a:ea typeface="微软雅黑" panose="020B0503020204020204" pitchFamily="34" charset="-122"/>
+            </a:endParaRPr>
           </a:p>
         </p:txBody>
       </p:sp>
@@ -32499,6 +33466,13 @@
               </a:rPr>
               <a:t>代码结果可视化：撞车严重</a:t>
             </a:r>
+            <a:endParaRPr lang="zh-CN" altLang="en-US" sz="2800" b="0" i="0" u="none" baseline="0" dirty="0">
+              <a:solidFill>
+                <a:srgbClr val="000000"/>
+              </a:solidFill>
+              <a:latin typeface="微软雅黑" panose="020B0503020204020204" pitchFamily="34" charset="-122"/>
+              <a:ea typeface="微软雅黑" panose="020B0503020204020204" pitchFamily="34" charset="-122"/>
+            </a:endParaRPr>
           </a:p>
         </p:txBody>
       </p:sp>
@@ -32545,6 +33519,13 @@
               </a:rPr>
               <a:t>超参数的值怎么修改？</a:t>
             </a:r>
+            <a:endParaRPr lang="zh-CN" altLang="en-US" sz="2800" b="0" i="0" u="none" baseline="0" dirty="0">
+              <a:solidFill>
+                <a:srgbClr val="000000"/>
+              </a:solidFill>
+              <a:latin typeface="微软雅黑" panose="020B0503020204020204" pitchFamily="34" charset="-122"/>
+              <a:ea typeface="微软雅黑" panose="020B0503020204020204" pitchFamily="34" charset="-122"/>
+            </a:endParaRPr>
           </a:p>
         </p:txBody>
       </p:sp>
@@ -32557,13 +33538,39 @@
 </file>
 
 <file path=ppt/tags/tag1.xml><?xml version="1.0" encoding="utf-8"?>
-<p:tagLst xmlns:a="http://schemas.openxmlformats.org/drawingml/2006/main" xmlns:r="http://schemas.openxmlformats.org/officeDocument/2006/relationships" xmlns:p="http://schemas.openxmlformats.org/presentationml/2006/main">
-  <p:tag name="COMMONDATA" val="eyJoZGlkIjoiMzcyODMxYTE0ZTc0ZGU3Y2QwODc3MzYzN2Q1YmNiM2EifQ=="/>
+<p:tagLst xmlns:p="http://schemas.openxmlformats.org/presentationml/2006/main">
+  <p:tag name="MIO_PRESI_FIRST_SLIDENUMBER" val="1"/>
+  <p:tag name="MIO_FALLBACK_LAYOUT" val="14"/>
+  <p:tag name="MIO_SHOW_DATE" val="False"/>
+  <p:tag name="MIO_SHOW_FOOTER" val="True"/>
+  <p:tag name="MIO_SHOW_PAGENUMBER" val="True"/>
+  <p:tag name="MIO_AVOID_BLANK_LAYOUT" val="True"/>
+  <p:tag name="MIO_NUMBER_OF_VALID_LAYOUTS" val="15"/>
+  <p:tag name="MIO_MST_COLOR_1" val="0,0,0,Dunkel 1"/>
+  <p:tag name="MIO_MST_COLOR_2" val="255,255,255,Hell 1"/>
+  <p:tag name="MIO_MST_COLOR_3" val="64,64,64,Dunkel 2"/>
+  <p:tag name="MIO_MST_COLOR_4" val="146,162,189,Hell 2"/>
+  <p:tag name="MIO_MST_COLOR_5" val="102,113,132,Akzent 1"/>
+  <p:tag name="MIO_MST_COLOR_6" val="146,162,189,Akzent 2"/>
+  <p:tag name="MIO_MST_COLOR_7" val="173,185,206,Akzent 3"/>
+  <p:tag name="MIO_MST_COLOR_8" val="201,209,222,Akzent 4"/>
+  <p:tag name="MIO_MST_COLOR_9" val="228,232,238,Akzent 5"/>
+  <p:tag name="MIO_MST_COLOR_10" val="221,218,210,Akzent 6"/>
+  <p:tag name="MIO_MST_COLOR_11" val="0,0,0,"/>
+  <p:tag name="MIO_MST_COLOR_12" val="0,0,0,"/>
+  <p:tag name="MIO_HDS" val="True"/>
+  <p:tag name="MIO_EK" val="1989"/>
+  <p:tag name="MIO_UPDATE" val="True"/>
+  <p:tag name="MIO_VERSION" val="23.10.2015 16:52:00"/>
+  <p:tag name="MIO_DBID" val="917DD09C-76C3-4640-8E0D-382111CB3B69"/>
+  <p:tag name="MIO_LASTDOWNLOADED" val="30.10.2015 14:18:05"/>
+  <p:tag name="MIO_OBJECTNAME" val="BMW Group 4:3"/>
+  <p:tag name="MIO_LASTEDITORNAME" val="empower enterprise"/>
 </p:tagLst>
 </file>
 
 <file path=ppt/tags/tag2.xml><?xml version="1.0" encoding="utf-8"?>
-<p:tagLst xmlns:a="http://schemas.openxmlformats.org/drawingml/2006/main" xmlns:r="http://schemas.openxmlformats.org/officeDocument/2006/relationships" xmlns:p="http://schemas.openxmlformats.org/presentationml/2006/main">
+<p:tagLst xmlns:p="http://schemas.openxmlformats.org/presentationml/2006/main">
   <p:tag name="MIO_PRESI_FIRST_SLIDENUMBER" val="1"/>
   <p:tag name="MIO_FALLBACK_LAYOUT" val="14"/>
   <p:tag name="MIO_SHOW_DATE" val="False"/>
@@ -32595,34 +33602,8 @@
 </file>
 
 <file path=ppt/tags/tag3.xml><?xml version="1.0" encoding="utf-8"?>
-<p:tagLst xmlns:a="http://schemas.openxmlformats.org/drawingml/2006/main" xmlns:r="http://schemas.openxmlformats.org/officeDocument/2006/relationships" xmlns:p="http://schemas.openxmlformats.org/presentationml/2006/main">
-  <p:tag name="MIO_PRESI_FIRST_SLIDENUMBER" val="1"/>
-  <p:tag name="MIO_FALLBACK_LAYOUT" val="14"/>
-  <p:tag name="MIO_SHOW_DATE" val="False"/>
-  <p:tag name="MIO_SHOW_FOOTER" val="True"/>
-  <p:tag name="MIO_SHOW_PAGENUMBER" val="True"/>
-  <p:tag name="MIO_AVOID_BLANK_LAYOUT" val="True"/>
-  <p:tag name="MIO_NUMBER_OF_VALID_LAYOUTS" val="15"/>
-  <p:tag name="MIO_MST_COLOR_1" val="0,0,0,Dunkel 1"/>
-  <p:tag name="MIO_MST_COLOR_2" val="255,255,255,Hell 1"/>
-  <p:tag name="MIO_MST_COLOR_3" val="64,64,64,Dunkel 2"/>
-  <p:tag name="MIO_MST_COLOR_4" val="146,162,189,Hell 2"/>
-  <p:tag name="MIO_MST_COLOR_5" val="102,113,132,Akzent 1"/>
-  <p:tag name="MIO_MST_COLOR_6" val="146,162,189,Akzent 2"/>
-  <p:tag name="MIO_MST_COLOR_7" val="173,185,206,Akzent 3"/>
-  <p:tag name="MIO_MST_COLOR_8" val="201,209,222,Akzent 4"/>
-  <p:tag name="MIO_MST_COLOR_9" val="228,232,238,Akzent 5"/>
-  <p:tag name="MIO_MST_COLOR_10" val="221,218,210,Akzent 6"/>
-  <p:tag name="MIO_MST_COLOR_11" val="0,0,0,"/>
-  <p:tag name="MIO_MST_COLOR_12" val="0,0,0,"/>
-  <p:tag name="MIO_HDS" val="True"/>
-  <p:tag name="MIO_EK" val="1989"/>
-  <p:tag name="MIO_UPDATE" val="True"/>
-  <p:tag name="MIO_VERSION" val="23.10.2015 16:52:00"/>
-  <p:tag name="MIO_DBID" val="917DD09C-76C3-4640-8E0D-382111CB3B69"/>
-  <p:tag name="MIO_LASTDOWNLOADED" val="30.10.2015 14:18:05"/>
-  <p:tag name="MIO_OBJECTNAME" val="BMW Group 4:3"/>
-  <p:tag name="MIO_LASTEDITORNAME" val="empower enterprise"/>
+<p:tagLst xmlns:p="http://schemas.openxmlformats.org/presentationml/2006/main">
+  <p:tag name="COMMONDATA" val="eyJoZGlkIjoiMzcyODMxYTE0ZTc0ZGU3Y2QwODc3MzYzN2Q1YmNiM2EifQ=="/>
 </p:tagLst>
 </file>
 
@@ -32949,7 +33930,6 @@
       </a:lstStyle>
     </a:txDef>
   </a:objectDefaults>
-  <a:extraClrSchemeLst/>
   <a:custClrLst>
     <a:custClr name="Grundfarbe Schwarz">
       <a:srgbClr val="000000"/>
@@ -33361,8 +34341,6 @@
       </a:bgFillStyleLst>
     </a:fmtScheme>
   </a:themeElements>
-  <a:objectDefaults/>
-  <a:extraClrSchemeLst/>
   <a:extLst>
     <a:ext uri="{05A4C25C-085E-4340-85A3-A5531E510DB2}">
       <thm15:themeFamily xmlns:thm15="http://schemas.microsoft.com/office/thememl/2012/main" name="Office Theme" id="{62F939B6-93AF-4DB8-9C6B-D6C7DFDC589F}" vid="{4A3C46E8-61CC-4603-A589-7422A47A8E4A}"/>
@@ -33694,7 +34672,6 @@
       </a:lstStyle>
     </a:txDef>
   </a:objectDefaults>
-  <a:extraClrSchemeLst/>
   <a:custClrLst>
     <a:custClr name="Grundfarbe Schwarz">
       <a:srgbClr val="000000"/>
@@ -34133,8 +35110,6 @@
       </a:bgFillStyleLst>
     </a:fmtScheme>
   </a:themeElements>
-  <a:objectDefaults/>
-  <a:extraClrSchemeLst/>
   <a:extLst>
     <a:ext uri="{05A4C25C-085E-4340-85A3-A5531E510DB2}">
       <thm15:themeFamily xmlns:thm15="http://schemas.microsoft.com/office/thememl/2012/main" name="Office Theme" id="{62F939B6-93AF-4DB8-9C6B-D6C7DFDC589F}" vid="{4A3C46E8-61CC-4603-A589-7422A47A8E4A}"/>
@@ -34394,8 +35369,6 @@
       </a:bgFillStyleLst>
     </a:fmtScheme>
   </a:themeElements>
-  <a:objectDefaults/>
-  <a:extraClrSchemeLst/>
   <a:extLst>
     <a:ext uri="{05A4C25C-085E-4340-85A3-A5531E510DB2}">
       <thm15:themeFamily xmlns:thm15="http://schemas.microsoft.com/office/thememl/2012/main" name="Office Theme" id="{62F939B6-93AF-4DB8-9C6B-D6C7DFDC589F}" vid="{4A3C46E8-61CC-4603-A589-7422A47A8E4A}"/>

--- a/组会汇报.pptx
+++ b/组会汇报.pptx
@@ -3,38 +3,38 @@
 <p:presentation xmlns:a="http://schemas.openxmlformats.org/drawingml/2006/main" xmlns:r="http://schemas.openxmlformats.org/officeDocument/2006/relationships" xmlns:p="http://schemas.openxmlformats.org/presentationml/2006/main">
   <p:sldMasterIdLst>
     <p:sldMasterId id="2147483648" r:id="rId1"/>
-    <p:sldMasterId id="2147483651" r:id="rId3"/>
-    <p:sldMasterId id="2147483655" r:id="rId4"/>
-    <p:sldMasterId id="2147483662" r:id="rId5"/>
+    <p:sldMasterId id="2147483651" r:id="rId2"/>
+    <p:sldMasterId id="2147483655" r:id="rId3"/>
+    <p:sldMasterId id="2147483662" r:id="rId4"/>
   </p:sldMasterIdLst>
   <p:notesMasterIdLst>
-    <p:notesMasterId r:id="rId7"/>
+    <p:notesMasterId r:id="rId24"/>
   </p:notesMasterIdLst>
   <p:sldIdLst>
-    <p:sldId id="393" r:id="rId6"/>
-    <p:sldId id="394" r:id="rId8"/>
-    <p:sldId id="396" r:id="rId9"/>
-    <p:sldId id="384" r:id="rId10"/>
-    <p:sldId id="390" r:id="rId11"/>
-    <p:sldId id="397" r:id="rId12"/>
-    <p:sldId id="399" r:id="rId13"/>
-    <p:sldId id="389" r:id="rId14"/>
-    <p:sldId id="403" r:id="rId15"/>
-    <p:sldId id="411" r:id="rId16"/>
-    <p:sldId id="405" r:id="rId17"/>
-    <p:sldId id="406" r:id="rId18"/>
-    <p:sldId id="408" r:id="rId19"/>
-    <p:sldId id="409" r:id="rId20"/>
-    <p:sldId id="412" r:id="rId21"/>
-    <p:sldId id="415" r:id="rId22"/>
-    <p:sldId id="413" r:id="rId23"/>
-    <p:sldId id="414" r:id="rId24"/>
-    <p:sldId id="420" r:id="rId25"/>
+    <p:sldId id="393" r:id="rId5"/>
+    <p:sldId id="394" r:id="rId6"/>
+    <p:sldId id="396" r:id="rId7"/>
+    <p:sldId id="384" r:id="rId8"/>
+    <p:sldId id="390" r:id="rId9"/>
+    <p:sldId id="397" r:id="rId10"/>
+    <p:sldId id="399" r:id="rId11"/>
+    <p:sldId id="389" r:id="rId12"/>
+    <p:sldId id="403" r:id="rId13"/>
+    <p:sldId id="411" r:id="rId14"/>
+    <p:sldId id="405" r:id="rId15"/>
+    <p:sldId id="406" r:id="rId16"/>
+    <p:sldId id="408" r:id="rId17"/>
+    <p:sldId id="409" r:id="rId18"/>
+    <p:sldId id="412" r:id="rId19"/>
+    <p:sldId id="415" r:id="rId20"/>
+    <p:sldId id="413" r:id="rId21"/>
+    <p:sldId id="414" r:id="rId22"/>
+    <p:sldId id="420" r:id="rId23"/>
   </p:sldIdLst>
   <p:sldSz cx="12192000" cy="6858000"/>
   <p:notesSz cx="6858000" cy="9144000"/>
   <p:custDataLst>
-    <p:tags r:id="rId30"/>
+    <p:tags r:id="rId25"/>
   </p:custDataLst>
   <p:defaultTextStyle>
     <a:defPPr>
@@ -131,6 +131,11 @@
       </a:defRPr>
     </a:lvl9pPr>
   </p:defaultTextStyle>
+  <p:extLst>
+    <p:ext uri="{EFAFB233-063F-42B5-8137-9DF3F51BA10A}">
+      <p15:sldGuideLst xmlns:p15="http://schemas.microsoft.com/office/powerpoint/2012/main"/>
+    </p:ext>
+  </p:extLst>
 </p:presentation>
 </file>
 
@@ -224,6 +229,7 @@
           <a:p>
             <a:fld id="{A007E71C-5B10-4544-81CA-B2E7B1A2FCCD}" type="datetimeFigureOut">
               <a:rPr lang="zh-CN" altLang="en-US" smtClean="0"/>
+              <a:t>2024/11/20</a:t>
             </a:fld>
             <a:endParaRPr lang="zh-CN" altLang="en-US"/>
           </a:p>
@@ -290,7 +296,6 @@
               <a:rPr lang="zh-CN" altLang="en-US"/>
               <a:t>单击此处编辑母版文本样式</a:t>
             </a:r>
-            <a:endParaRPr lang="zh-CN" altLang="en-US"/>
           </a:p>
           <a:p>
             <a:pPr lvl="1"/>
@@ -298,7 +303,6 @@
               <a:rPr lang="zh-CN" altLang="en-US"/>
               <a:t>二级</a:t>
             </a:r>
-            <a:endParaRPr lang="zh-CN" altLang="en-US"/>
           </a:p>
           <a:p>
             <a:pPr lvl="2"/>
@@ -306,7 +310,6 @@
               <a:rPr lang="zh-CN" altLang="en-US"/>
               <a:t>三级</a:t>
             </a:r>
-            <a:endParaRPr lang="zh-CN" altLang="en-US"/>
           </a:p>
           <a:p>
             <a:pPr lvl="3"/>
@@ -314,7 +317,6 @@
               <a:rPr lang="zh-CN" altLang="en-US"/>
               <a:t>四级</a:t>
             </a:r>
-            <a:endParaRPr lang="zh-CN" altLang="en-US"/>
           </a:p>
           <a:p>
             <a:pPr lvl="4"/>
@@ -322,7 +324,6 @@
               <a:rPr lang="zh-CN" altLang="en-US"/>
               <a:t>五级</a:t>
             </a:r>
-            <a:endParaRPr lang="zh-CN" altLang="en-US"/>
           </a:p>
         </p:txBody>
       </p:sp>
@@ -386,6 +387,7 @@
           <a:p>
             <a:fld id="{D5270CF7-D3A8-4DC3-8782-22D6DC24CC25}" type="slidenum">
               <a:rPr lang="zh-CN" altLang="en-US" smtClean="0"/>
+              <a:t>‹#›</a:t>
             </a:fld>
             <a:endParaRPr lang="zh-CN" altLang="en-US"/>
           </a:p>
@@ -559,6 +561,7 @@
           <a:p>
             <a:fld id="{DDB02DA9-F637-CB4D-BC72-92066AEB9C9A}" type="slidenum">
               <a:rPr lang="en-US" smtClean="0"/>
+              <a:t>1</a:t>
             </a:fld>
             <a:endParaRPr lang="en-US" dirty="0"/>
           </a:p>
@@ -714,6 +717,7 @@
                 <a:ea typeface="+mn-ea"/>
                 <a:cs typeface="+mn-cs"/>
               </a:rPr>
+              <a:t>4</a:t>
             </a:fld>
             <a:endParaRPr kumimoji="0" lang="de-DE" sz="1200" b="0" i="0" u="none" strike="noStrike" kern="1200" cap="none" spc="0" normalizeH="0" baseline="0" noProof="0">
               <a:ln>
@@ -882,6 +886,7 @@
                 <a:ea typeface="+mn-ea"/>
                 <a:cs typeface="+mn-cs"/>
               </a:rPr>
+              <a:t>5</a:t>
             </a:fld>
             <a:endParaRPr kumimoji="0" lang="de-DE" sz="1200" b="0" i="0" u="none" strike="noStrike" kern="1200" cap="none" spc="0" normalizeH="0" baseline="0" noProof="0">
               <a:ln>
@@ -956,28 +961,24 @@
               <a:rPr lang="zh-CN" altLang="en-US"/>
               <a:t>approx_kl ：近似的 KL 散度，用于衡量新旧策略分布的差异，防止策略更新太快不稳定。</a:t>
             </a:r>
-            <a:endParaRPr lang="zh-CN" altLang="en-US"/>
           </a:p>
           <a:p>
             <a:r>
               <a:rPr lang="zh-CN" altLang="en-US"/>
               <a:t>clip_fraction ：被截断的梯度比例，限制策略变化变化。</a:t>
             </a:r>
-            <a:endParaRPr lang="zh-CN" altLang="en-US"/>
           </a:p>
           <a:p>
             <a:r>
               <a:rPr lang="zh-CN" altLang="en-US"/>
               <a:t>clip_range ：允许的策略更新范围，超参数</a:t>
             </a:r>
-            <a:endParaRPr lang="zh-CN" altLang="en-US"/>
           </a:p>
           <a:p>
             <a:r>
               <a:rPr lang="zh-CN" altLang="en-US"/>
               <a:t>entropy_loss ：熵损失，熵越高策略随机性越大，逐渐确定最佳策略，理应逐渐下降。</a:t>
             </a:r>
-            <a:endParaRPr lang="zh-CN" altLang="en-US"/>
           </a:p>
           <a:p>
             <a:r>
@@ -992,35 +993,30 @@
               <a:rPr lang="zh-CN" altLang="en-US"/>
               <a:t>越优，说明价值函数对实际奖励的拟合越好。</a:t>
             </a:r>
-            <a:endParaRPr lang="zh-CN" altLang="en-US"/>
           </a:p>
           <a:p>
             <a:r>
               <a:rPr lang="zh-CN" altLang="en-US"/>
               <a:t>learning_rate：学习率，用于控制梯度更新的步长，超参数。</a:t>
             </a:r>
-            <a:endParaRPr lang="zh-CN" altLang="en-US"/>
           </a:p>
           <a:p>
             <a:r>
               <a:rPr lang="zh-CN" altLang="en-US"/>
               <a:t>总体损失函数值</a:t>
             </a:r>
-            <a:endParaRPr lang="zh-CN" altLang="en-US"/>
           </a:p>
           <a:p>
             <a:r>
               <a:rPr lang="zh-CN" altLang="en-US"/>
               <a:t>策略梯度损失</a:t>
             </a:r>
-            <a:endParaRPr lang="zh-CN" altLang="en-US"/>
           </a:p>
           <a:p>
             <a:r>
               <a:rPr lang="zh-CN" altLang="en-US"/>
               <a:t>价值损失</a:t>
             </a:r>
-            <a:endParaRPr lang="zh-CN" altLang="en-US"/>
           </a:p>
           <a:p>
             <a:endParaRPr lang="zh-CN" altLang="en-US"/>
@@ -1208,12 +1204,6 @@
               </a:rPr>
               <a:t>是车停在原地不动。</a:t>
             </a:r>
-            <a:endParaRPr lang="zh-CN" altLang="en-US" b="1" dirty="0">
-              <a:solidFill>
-                <a:srgbClr val="000000"/>
-              </a:solidFill>
-              <a:latin typeface="BMW Group Condensed"/>
-            </a:endParaRPr>
           </a:p>
           <a:p>
             <a:endParaRPr lang="zh-CN" altLang="en-US" dirty="0"/>
@@ -1314,6 +1304,7 @@
                 <a:ea typeface="+mn-ea"/>
                 <a:cs typeface="+mn-cs"/>
               </a:rPr>
+              <a:t>8</a:t>
             </a:fld>
             <a:endParaRPr kumimoji="0" lang="de-DE" sz="1200" b="0" i="0" u="none" strike="noStrike" kern="1200" cap="none" spc="0" normalizeH="0" baseline="0" noProof="0">
               <a:ln>
@@ -1410,6 +1401,7 @@
           <a:p>
             <a:fld id="{DDB02DA9-F637-CB4D-BC72-92066AEB9C9A}" type="slidenum">
               <a:rPr lang="en-US" smtClean="0"/>
+              <a:t>10</a:t>
             </a:fld>
             <a:endParaRPr lang="en-US" dirty="0"/>
           </a:p>
@@ -1493,6 +1485,7 @@
           <a:p>
             <a:fld id="{DDB02DA9-F637-CB4D-BC72-92066AEB9C9A}" type="slidenum">
               <a:rPr lang="en-US" smtClean="0"/>
+              <a:t>15</a:t>
             </a:fld>
             <a:endParaRPr lang="en-US" dirty="0"/>
           </a:p>
@@ -1571,12 +1564,97 @@
           <a:p>
             <a:fld id="{D5270CF7-D3A8-4DC3-8782-22D6DC24CC25}" type="slidenum">
               <a:rPr lang="zh-CN" altLang="en-US" smtClean="0"/>
+              <a:t>16</a:t>
             </a:fld>
             <a:endParaRPr lang="zh-CN" altLang="en-US"/>
           </a:p>
         </p:txBody>
       </p:sp>
     </p:spTree>
+  </p:cSld>
+  <p:clrMapOvr>
+    <a:masterClrMapping/>
+  </p:clrMapOvr>
+</p:notes>
+</file>
+
+<file path=ppt/notesSlides/notesSlide9.xml><?xml version="1.0" encoding="utf-8"?>
+<p:notes xmlns:a="http://schemas.openxmlformats.org/drawingml/2006/main" xmlns:r="http://schemas.openxmlformats.org/officeDocument/2006/relationships" xmlns:p="http://schemas.openxmlformats.org/presentationml/2006/main">
+  <p:cSld>
+    <p:spTree>
+      <p:nvGrpSpPr>
+        <p:cNvPr id="1" name=""/>
+        <p:cNvGrpSpPr/>
+        <p:nvPr/>
+      </p:nvGrpSpPr>
+      <p:grpSpPr>
+        <a:xfrm>
+          <a:off x="0" y="0"/>
+          <a:ext cx="0" cy="0"/>
+          <a:chOff x="0" y="0"/>
+          <a:chExt cx="0" cy="0"/>
+        </a:xfrm>
+      </p:grpSpPr>
+      <p:sp>
+        <p:nvSpPr>
+          <p:cNvPr id="2" name="幻灯片图像占位符 1"/>
+          <p:cNvSpPr>
+            <a:spLocks noGrp="1" noRot="1" noChangeAspect="1"/>
+          </p:cNvSpPr>
+          <p:nvPr>
+            <p:ph type="sldImg"/>
+          </p:nvPr>
+        </p:nvSpPr>
+        <p:spPr/>
+      </p:sp>
+      <p:sp>
+        <p:nvSpPr>
+          <p:cNvPr id="3" name="备注占位符 2"/>
+          <p:cNvSpPr>
+            <a:spLocks noGrp="1"/>
+          </p:cNvSpPr>
+          <p:nvPr>
+            <p:ph type="body" idx="1"/>
+          </p:nvPr>
+        </p:nvSpPr>
+        <p:spPr/>
+        <p:txBody>
+          <a:bodyPr/>
+          <a:lstStyle/>
+          <a:p>
+            <a:endParaRPr lang="zh-CN" altLang="en-US"/>
+          </a:p>
+        </p:txBody>
+      </p:sp>
+      <p:sp>
+        <p:nvSpPr>
+          <p:cNvPr id="4" name="灯片编号占位符 3"/>
+          <p:cNvSpPr>
+            <a:spLocks noGrp="1"/>
+          </p:cNvSpPr>
+          <p:nvPr>
+            <p:ph type="sldNum" sz="quarter" idx="5"/>
+          </p:nvPr>
+        </p:nvSpPr>
+        <p:spPr/>
+        <p:txBody>
+          <a:bodyPr/>
+          <a:lstStyle/>
+          <a:p>
+            <a:fld id="{D5270CF7-D3A8-4DC3-8782-22D6DC24CC25}" type="slidenum">
+              <a:rPr lang="zh-CN" altLang="en-US" smtClean="0"/>
+              <a:t>18</a:t>
+            </a:fld>
+            <a:endParaRPr lang="zh-CN" altLang="en-US"/>
+          </a:p>
+        </p:txBody>
+      </p:sp>
+    </p:spTree>
+    <p:extLst>
+      <p:ext uri="{BB962C8B-B14F-4D97-AF65-F5344CB8AC3E}">
+        <p14:creationId xmlns:p14="http://schemas.microsoft.com/office/powerpoint/2010/main" val="1506964148"/>
+      </p:ext>
+    </p:extLst>
   </p:cSld>
   <p:clrMapOvr>
     <a:masterClrMapping/>
@@ -1818,18 +1896,6 @@
               </a:rPr>
               <a:t>XX</a:t>
             </a:r>
-            <a:endParaRPr lang="en-US" altLang="zh-CN" sz="4800" dirty="0">
-              <a:solidFill>
-                <a:schemeClr val="bg1"/>
-              </a:solidFill>
-              <a:effectLst>
-                <a:outerShdw blurRad="38100" dist="38100" dir="2700000" algn="tl">
-                  <a:srgbClr val="000000">
-                    <a:alpha val="43137"/>
-                  </a:srgbClr>
-                </a:outerShdw>
-              </a:effectLst>
-            </a:endParaRPr>
           </a:p>
         </p:txBody>
       </p:sp>
@@ -2110,15 +2176,6 @@
               </a:rPr>
               <a:t>汇报时间：</a:t>
             </a:r>
-            <a:endParaRPr lang="zh-CN" altLang="en-US" sz="2400" dirty="0">
-              <a:solidFill>
-                <a:schemeClr val="tx2">
-                  <a:lumMod val="75000"/>
-                </a:schemeClr>
-              </a:solidFill>
-              <a:latin typeface="Times New Roman" panose="02020603050405020304" pitchFamily="18" charset="0"/>
-              <a:cs typeface="Times New Roman" panose="02020603050405020304" pitchFamily="18" charset="0"/>
-            </a:endParaRPr>
           </a:p>
         </p:txBody>
       </p:sp>
@@ -2197,7 +2254,6 @@
               <a:rPr lang="de-DE" dirty="0"/>
               <a:t>Textmasterformat bearbeiten</a:t>
             </a:r>
-            <a:endParaRPr lang="de-DE" dirty="0"/>
           </a:p>
           <a:p>
             <a:pPr lvl="1"/>
@@ -2205,7 +2261,6 @@
               <a:rPr lang="de-DE" dirty="0"/>
               <a:t>Zweite Ebene</a:t>
             </a:r>
-            <a:endParaRPr lang="de-DE" dirty="0"/>
           </a:p>
           <a:p>
             <a:pPr lvl="2"/>
@@ -2213,7 +2268,6 @@
               <a:rPr lang="de-DE" dirty="0"/>
               <a:t>Dritte Ebene</a:t>
             </a:r>
-            <a:endParaRPr lang="de-DE" dirty="0"/>
           </a:p>
           <a:p>
             <a:pPr lvl="3"/>
@@ -2221,7 +2275,6 @@
               <a:rPr lang="de-DE" dirty="0"/>
               <a:t>Vierte Ebene</a:t>
             </a:r>
-            <a:endParaRPr lang="de-DE" dirty="0"/>
           </a:p>
           <a:p>
             <a:pPr lvl="4"/>
@@ -2229,7 +2282,6 @@
               <a:rPr lang="de-DE" dirty="0"/>
               <a:t>Fünfte Ebene</a:t>
             </a:r>
-            <a:endParaRPr lang="de-DE" dirty="0"/>
           </a:p>
         </p:txBody>
       </p:sp>
@@ -2317,6 +2369,7 @@
           <a:p>
             <a:fld id="{82F288E0-7875-42C4-84C8-98DBBD3BF4D2}" type="datetimeFigureOut">
               <a:rPr lang="zh-CN" altLang="en-US" smtClean="0"/>
+              <a:t>2024/11/20</a:t>
             </a:fld>
             <a:endParaRPr lang="zh-CN" altLang="en-US"/>
           </a:p>
@@ -2363,6 +2416,7 @@
           <a:p>
             <a:fld id="{CE0EC710-139A-4CA2-AAD7-77B43670B718}" type="slidenum">
               <a:rPr lang="zh-CN" altLang="en-US" smtClean="0"/>
+              <a:t>‹#›</a:t>
             </a:fld>
             <a:endParaRPr lang="zh-CN" altLang="en-US" dirty="0"/>
           </a:p>
@@ -2722,7 +2776,6 @@
               <a:rPr lang="zh-CN" altLang="en-US" dirty="0"/>
               <a:t>单击此处编辑主标题文字</a:t>
             </a:r>
-            <a:endParaRPr lang="zh-CN" altLang="en-US" dirty="0"/>
           </a:p>
         </p:txBody>
       </p:sp>
@@ -2758,6 +2811,7 @@
                   </a:schemeClr>
                 </a:solidFill>
               </a:rPr>
+              <a:t>2024/11/20</a:t>
             </a:fld>
             <a:endParaRPr lang="zh-CN" altLang="en-US" sz="1400" dirty="0">
               <a:solidFill>
@@ -2903,7 +2957,6 @@
               <a:rPr lang="zh-CN" altLang="en-US" dirty="0"/>
               <a:t>演讲者名字</a:t>
             </a:r>
-            <a:endParaRPr lang="zh-CN" altLang="en-US" dirty="0"/>
           </a:p>
         </p:txBody>
       </p:sp>
@@ -3106,6 +3159,7 @@
             </a:pPr>
             <a:fld id="{8FC7DBC8-975C-4207-936C-01FC1A90A004}" type="datetime1">
               <a:rPr lang="zh-CN" altLang="en-US" sz="1400" smtClean="0"/>
+              <a:t>2024/11/20</a:t>
             </a:fld>
             <a:endParaRPr lang="zh-CN" altLang="en-US" sz="1400" dirty="0"/>
           </a:p>
@@ -3154,7 +3208,6 @@
               <a:rPr lang="zh-CN" altLang="en-US" dirty="0"/>
               <a:t>编辑主标题文字</a:t>
             </a:r>
-            <a:endParaRPr lang="zh-CN" altLang="en-US" dirty="0"/>
           </a:p>
         </p:txBody>
       </p:sp>
@@ -3288,7 +3341,6 @@
               <a:rPr lang="zh-CN" altLang="en-US" dirty="0"/>
               <a:t>演讲者</a:t>
             </a:r>
-            <a:endParaRPr lang="zh-CN" altLang="en-US" dirty="0"/>
           </a:p>
         </p:txBody>
       </p:sp>
@@ -3497,7 +3549,6 @@
               <a:rPr lang="zh-CN" altLang="en-US" dirty="0"/>
               <a:t>单击此处编辑主标题文字</a:t>
             </a:r>
-            <a:endParaRPr lang="zh-CN" altLang="en-US" dirty="0"/>
           </a:p>
         </p:txBody>
       </p:sp>
@@ -3537,6 +3588,7 @@
                   </a:schemeClr>
                 </a:solidFill>
               </a:rPr>
+              <a:t>2024/11/20</a:t>
             </a:fld>
             <a:endParaRPr lang="zh-CN" altLang="en-US" dirty="0">
               <a:solidFill>
@@ -3682,7 +3734,6 @@
               <a:rPr lang="zh-CN" altLang="en-US" dirty="0"/>
               <a:t>演讲者名字</a:t>
             </a:r>
-            <a:endParaRPr lang="zh-CN" altLang="en-US" dirty="0"/>
           </a:p>
         </p:txBody>
       </p:sp>
@@ -3803,7 +3854,6 @@
               <a:rPr lang="zh-CN" altLang="en-US" dirty="0"/>
               <a:t>单击此处编辑主标题</a:t>
             </a:r>
-            <a:endParaRPr lang="zh-CN" altLang="en-US" dirty="0"/>
           </a:p>
         </p:txBody>
       </p:sp>
@@ -3937,7 +3987,6 @@
               <a:rPr lang="zh-CN" altLang="en-US" dirty="0"/>
               <a:t>演讲者名字</a:t>
             </a:r>
-            <a:endParaRPr lang="zh-CN" altLang="en-US" dirty="0"/>
           </a:p>
         </p:txBody>
       </p:sp>
@@ -3977,6 +4026,7 @@
                   </a:schemeClr>
                 </a:solidFill>
               </a:rPr>
+              <a:t>2024/11/20</a:t>
             </a:fld>
             <a:endParaRPr lang="zh-CN" altLang="en-US" dirty="0">
               <a:solidFill>
@@ -4118,7 +4168,6 @@
               <a:rPr lang="zh-CN" altLang="en-US" dirty="0"/>
               <a:t>课程名称</a:t>
             </a:r>
-            <a:endParaRPr lang="zh-CN" altLang="en-US" dirty="0"/>
           </a:p>
         </p:txBody>
       </p:sp>
@@ -4394,7 +4443,6 @@
               <a:rPr lang="zh-CN" altLang="en-US" dirty="0"/>
               <a:t>演讲者名字</a:t>
             </a:r>
-            <a:endParaRPr lang="zh-CN" altLang="en-US" dirty="0"/>
           </a:p>
         </p:txBody>
       </p:sp>
@@ -4434,6 +4482,7 @@
             </a:pPr>
             <a:fld id="{8FC7DBC8-975C-4207-936C-01FC1A90A004}" type="datetime1">
               <a:rPr lang="zh-CN" altLang="en-US" smtClean="0"/>
+              <a:t>2024/11/20</a:t>
             </a:fld>
             <a:endParaRPr lang="zh-CN" altLang="en-US" dirty="0"/>
           </a:p>
@@ -4786,15 +4835,6 @@
               </a:rPr>
               <a:t>  </a:t>
             </a:r>
-            <a:endParaRPr lang="en-US" altLang="zh-CN" sz="1400" dirty="0">
-              <a:solidFill>
-                <a:schemeClr val="accent1">
-                  <a:lumMod val="75000"/>
-                </a:schemeClr>
-              </a:solidFill>
-              <a:latin typeface="微软雅黑" panose="020B0503020204020204" pitchFamily="34" charset="-122"/>
-              <a:ea typeface="微软雅黑" panose="020B0503020204020204" pitchFamily="34" charset="-122"/>
-            </a:endParaRPr>
           </a:p>
           <a:p>
             <a:pPr lvl="0"/>
@@ -4976,7 +5016,6 @@
               <a:rPr lang="zh-CN" altLang="en-US" dirty="0"/>
               <a:t>黑白（版本不同路径可能不同）</a:t>
             </a:r>
-            <a:endParaRPr lang="zh-CN" altLang="en-US" dirty="0"/>
           </a:p>
         </p:txBody>
       </p:sp>
@@ -5112,7 +5151,6 @@
               <a:rPr lang="zh-CN" altLang="en-US" dirty="0"/>
               <a:t>演讲者名字</a:t>
             </a:r>
-            <a:endParaRPr lang="zh-CN" altLang="en-US" dirty="0"/>
           </a:p>
         </p:txBody>
       </p:sp>
@@ -5152,6 +5190,7 @@
             </a:pPr>
             <a:fld id="{8FC7DBC8-975C-4207-936C-01FC1A90A004}" type="datetime1">
               <a:rPr lang="zh-CN" altLang="en-US" smtClean="0"/>
+              <a:t>2024/11/20</a:t>
             </a:fld>
             <a:endParaRPr lang="zh-CN" altLang="en-US" dirty="0"/>
           </a:p>
@@ -5504,15 +5543,6 @@
               </a:rPr>
               <a:t>  </a:t>
             </a:r>
-            <a:endParaRPr lang="en-US" altLang="zh-CN" sz="1400" dirty="0">
-              <a:solidFill>
-                <a:schemeClr val="accent1">
-                  <a:lumMod val="75000"/>
-                </a:schemeClr>
-              </a:solidFill>
-              <a:latin typeface="微软雅黑" panose="020B0503020204020204" pitchFamily="34" charset="-122"/>
-              <a:ea typeface="微软雅黑" panose="020B0503020204020204" pitchFamily="34" charset="-122"/>
-            </a:endParaRPr>
           </a:p>
           <a:p>
             <a:pPr lvl="0"/>
@@ -5639,7 +5669,6 @@
               <a:rPr lang="zh-CN" altLang="en-US" dirty="0"/>
               <a:t>黑白（版本不同路径可能不同）</a:t>
             </a:r>
-            <a:endParaRPr lang="zh-CN" altLang="en-US" dirty="0"/>
           </a:p>
         </p:txBody>
       </p:sp>
@@ -5780,23 +5809,6 @@
               </a:rPr>
               <a:t>演讲者名字</a:t>
             </a:r>
-            <a:endParaRPr kumimoji="0" lang="zh-CN" altLang="en-US" sz="2640" b="1" i="0" u="none" strike="noStrike" kern="1200" cap="all" spc="0" normalizeH="0" baseline="0" noProof="0" dirty="0">
-              <a:ln>
-                <a:noFill/>
-              </a:ln>
-              <a:solidFill>
-                <a:schemeClr val="tx1">
-                  <a:lumMod val="85000"/>
-                  <a:lumOff val="15000"/>
-                </a:schemeClr>
-              </a:solidFill>
-              <a:effectLst/>
-              <a:uLnTx/>
-              <a:uFillTx/>
-              <a:latin typeface="微软雅黑" panose="020B0503020204020204" pitchFamily="34" charset="-122"/>
-              <a:ea typeface="微软雅黑" panose="020B0503020204020204" pitchFamily="34" charset="-122"/>
-              <a:cs typeface="+mj-cs"/>
-            </a:endParaRPr>
           </a:p>
         </p:txBody>
       </p:sp>
@@ -6147,15 +6159,6 @@
               </a:rPr>
               <a:t>  </a:t>
             </a:r>
-            <a:endParaRPr lang="en-US" altLang="zh-CN" sz="1400" dirty="0">
-              <a:solidFill>
-                <a:schemeClr val="accent1">
-                  <a:lumMod val="75000"/>
-                </a:schemeClr>
-              </a:solidFill>
-              <a:latin typeface="微软雅黑" panose="020B0503020204020204" pitchFamily="34" charset="-122"/>
-              <a:ea typeface="微软雅黑" panose="020B0503020204020204" pitchFamily="34" charset="-122"/>
-            </a:endParaRPr>
           </a:p>
           <a:p>
             <a:pPr lvl="0"/>
@@ -6339,7 +6342,6 @@
               <a:rPr lang="zh-CN" altLang="en-US" dirty="0"/>
               <a:t>单击编辑正文内容</a:t>
             </a:r>
-            <a:endParaRPr lang="zh-CN" altLang="en-US" dirty="0"/>
           </a:p>
           <a:p>
             <a:pPr lvl="0"/>
@@ -6347,7 +6349,6 @@
               <a:rPr lang="zh-CN" altLang="en-US" dirty="0"/>
               <a:t>第一级内容</a:t>
             </a:r>
-            <a:endParaRPr lang="zh-CN" altLang="en-US" dirty="0"/>
           </a:p>
           <a:p>
             <a:pPr lvl="0"/>
@@ -6359,7 +6360,6 @@
               <a:rPr lang="zh-CN" altLang="en-US" dirty="0"/>
               <a:t>第二级内容</a:t>
             </a:r>
-            <a:endParaRPr lang="zh-CN" altLang="en-US" dirty="0"/>
           </a:p>
           <a:p>
             <a:pPr lvl="0"/>
@@ -6486,7 +6486,6 @@
               <a:rPr lang="zh-CN" altLang="en-US" dirty="0"/>
               <a:t>黑白（版本不同路径可能不同）</a:t>
             </a:r>
-            <a:endParaRPr lang="zh-CN" altLang="en-US" dirty="0"/>
           </a:p>
         </p:txBody>
       </p:sp>
@@ -6590,7 +6589,6 @@
               <a:rPr lang="zh-CN" altLang="en-US" dirty="0"/>
               <a:t>演讲者</a:t>
             </a:r>
-            <a:endParaRPr lang="zh-CN" altLang="en-US" dirty="0"/>
           </a:p>
         </p:txBody>
       </p:sp>
@@ -6630,6 +6628,7 @@
             </a:pPr>
             <a:fld id="{8FC7DBC8-975C-4207-936C-01FC1A90A004}" type="datetime1">
               <a:rPr lang="zh-CN" altLang="en-US" smtClean="0"/>
+              <a:t>2024/11/20</a:t>
             </a:fld>
             <a:endParaRPr lang="zh-CN" altLang="en-US" dirty="0"/>
           </a:p>
@@ -6777,7 +6776,6 @@
               <a:rPr lang="zh-CN" altLang="en-US" dirty="0"/>
               <a:t>第二级内容</a:t>
             </a:r>
-            <a:endParaRPr lang="zh-CN" altLang="en-US" dirty="0"/>
           </a:p>
         </p:txBody>
       </p:sp>
@@ -6900,7 +6898,6 @@
               <a:rPr lang="zh-CN" altLang="en-US" dirty="0"/>
               <a:t>黑白（版本不同路径可能不同）</a:t>
             </a:r>
-            <a:endParaRPr lang="zh-CN" altLang="en-US" dirty="0"/>
           </a:p>
         </p:txBody>
       </p:sp>
@@ -7061,7 +7058,6 @@
               <a:rPr lang="zh-CN" altLang="en-US" dirty="0"/>
               <a:t>黑白（版本不同路径可能不同）</a:t>
             </a:r>
-            <a:endParaRPr lang="zh-CN" altLang="en-US" dirty="0"/>
           </a:p>
         </p:txBody>
       </p:sp>
@@ -7219,7 +7215,6 @@
               <a:rPr lang="zh-CN" altLang="en-US" dirty="0"/>
               <a:t>黑白（版本不同路径可能不同）</a:t>
             </a:r>
-            <a:endParaRPr lang="zh-CN" altLang="en-US" dirty="0"/>
           </a:p>
         </p:txBody>
       </p:sp>
@@ -7331,23 +7326,6 @@
               </a:rPr>
               <a:t>演讲者</a:t>
             </a:r>
-            <a:endParaRPr kumimoji="0" lang="zh-CN" altLang="en-US" sz="2400" b="1" i="0" u="none" strike="noStrike" kern="1200" cap="all" spc="0" normalizeH="0" baseline="0" noProof="0" dirty="0">
-              <a:ln>
-                <a:noFill/>
-              </a:ln>
-              <a:solidFill>
-                <a:schemeClr val="tx1">
-                  <a:lumMod val="85000"/>
-                  <a:lumOff val="15000"/>
-                </a:schemeClr>
-              </a:solidFill>
-              <a:effectLst/>
-              <a:uLnTx/>
-              <a:uFillTx/>
-              <a:latin typeface="微软雅黑" panose="020B0503020204020204" pitchFamily="34" charset="-122"/>
-              <a:ea typeface="微软雅黑" panose="020B0503020204020204" pitchFamily="34" charset="-122"/>
-              <a:cs typeface="+mj-cs"/>
-            </a:endParaRPr>
           </a:p>
         </p:txBody>
       </p:sp>
@@ -7421,23 +7399,6 @@
               </a:rPr>
               <a:t>演讲者</a:t>
             </a:r>
-            <a:endParaRPr kumimoji="0" lang="zh-CN" altLang="en-US" sz="2400" b="1" i="0" u="none" strike="noStrike" kern="1200" cap="all" spc="0" normalizeH="0" baseline="0" noProof="0" dirty="0">
-              <a:ln>
-                <a:noFill/>
-              </a:ln>
-              <a:solidFill>
-                <a:schemeClr val="tx1">
-                  <a:lumMod val="85000"/>
-                  <a:lumOff val="15000"/>
-                </a:schemeClr>
-              </a:solidFill>
-              <a:effectLst/>
-              <a:uLnTx/>
-              <a:uFillTx/>
-              <a:latin typeface="微软雅黑" panose="020B0503020204020204" pitchFamily="34" charset="-122"/>
-              <a:ea typeface="微软雅黑" panose="020B0503020204020204" pitchFamily="34" charset="-122"/>
-              <a:cs typeface="+mj-cs"/>
-            </a:endParaRPr>
           </a:p>
         </p:txBody>
       </p:sp>
@@ -7562,7 +7523,6 @@
               <a:rPr lang="zh-CN" altLang="en-US" dirty="0"/>
               <a:t>单击编辑正文内容</a:t>
             </a:r>
-            <a:endParaRPr lang="zh-CN" altLang="en-US" dirty="0"/>
           </a:p>
           <a:p>
             <a:pPr lvl="0"/>
@@ -7570,7 +7530,6 @@
               <a:rPr lang="zh-CN" altLang="en-US" dirty="0"/>
               <a:t>第一级内容</a:t>
             </a:r>
-            <a:endParaRPr lang="zh-CN" altLang="en-US" dirty="0"/>
           </a:p>
           <a:p>
             <a:pPr lvl="0"/>
@@ -7582,7 +7541,6 @@
               <a:rPr lang="zh-CN" altLang="en-US" dirty="0"/>
               <a:t>第二级内容</a:t>
             </a:r>
-            <a:endParaRPr lang="zh-CN" altLang="en-US" dirty="0"/>
           </a:p>
           <a:p>
             <a:pPr lvl="0"/>
@@ -7660,23 +7618,6 @@
               </a:rPr>
               <a:t>演讲者</a:t>
             </a:r>
-            <a:endParaRPr kumimoji="0" lang="zh-CN" altLang="en-US" sz="2400" b="1" i="0" u="none" strike="noStrike" kern="1200" cap="all" spc="0" normalizeH="0" baseline="0" noProof="0" dirty="0">
-              <a:ln>
-                <a:noFill/>
-              </a:ln>
-              <a:solidFill>
-                <a:schemeClr val="tx1">
-                  <a:lumMod val="85000"/>
-                  <a:lumOff val="15000"/>
-                </a:schemeClr>
-              </a:solidFill>
-              <a:effectLst/>
-              <a:uLnTx/>
-              <a:uFillTx/>
-              <a:latin typeface="微软雅黑" panose="020B0503020204020204" pitchFamily="34" charset="-122"/>
-              <a:ea typeface="微软雅黑" panose="020B0503020204020204" pitchFamily="34" charset="-122"/>
-              <a:cs typeface="+mj-cs"/>
-            </a:endParaRPr>
           </a:p>
         </p:txBody>
       </p:sp>
@@ -7821,7 +7762,6 @@
               <a:rPr lang="zh-CN" altLang="en-US" dirty="0"/>
               <a:t>第二级内容</a:t>
             </a:r>
-            <a:endParaRPr lang="zh-CN" altLang="en-US" dirty="0"/>
           </a:p>
           <a:p>
             <a:pPr lvl="0"/>
@@ -8100,6 +8040,7 @@
             </a:pPr>
             <a:fld id="{8FC7DBC8-975C-4207-936C-01FC1A90A004}" type="datetime1">
               <a:rPr lang="zh-CN" altLang="en-US" smtClean="0"/>
+              <a:t>2024/11/20</a:t>
             </a:fld>
             <a:endParaRPr lang="zh-CN" altLang="en-US" dirty="0"/>
           </a:p>
@@ -8274,7 +8215,6 @@
               <a:rPr lang="zh-CN" altLang="en-US" dirty="0"/>
               <a:t>第三节  单击编辑章节标题</a:t>
             </a:r>
-            <a:endParaRPr lang="zh-CN" altLang="en-US" dirty="0"/>
           </a:p>
         </p:txBody>
       </p:sp>
@@ -8393,7 +8333,6 @@
               <a:rPr lang="zh-CN" altLang="en-US" dirty="0"/>
               <a:t>单击此处编辑母版标题样式</a:t>
             </a:r>
-            <a:endParaRPr lang="zh-CN" altLang="en-US" dirty="0"/>
           </a:p>
         </p:txBody>
       </p:sp>
@@ -8484,6 +8423,7 @@
             </a:pPr>
             <a:fld id="{8FC7DBC8-975C-4207-936C-01FC1A90A004}" type="datetime1">
               <a:rPr lang="zh-CN" altLang="en-US" smtClean="0"/>
+              <a:t>2024/11/20</a:t>
             </a:fld>
             <a:endParaRPr lang="zh-CN" altLang="en-US" dirty="0"/>
           </a:p>
@@ -8900,6 +8840,7 @@
             </a:pPr>
             <a:fld id="{8FC7DBC8-975C-4207-936C-01FC1A90A004}" type="datetime1">
               <a:rPr lang="zh-CN" altLang="en-US" smtClean="0"/>
+              <a:t>2024/11/20</a:t>
             </a:fld>
             <a:endParaRPr lang="zh-CN" altLang="en-US" dirty="0"/>
           </a:p>
@@ -9250,6 +9191,7 @@
             </a:pPr>
             <a:fld id="{8FC7DBC8-975C-4207-936C-01FC1A90A004}" type="datetime1">
               <a:rPr lang="zh-CN" altLang="en-US" smtClean="0"/>
+              <a:t>2024/11/20</a:t>
             </a:fld>
             <a:endParaRPr lang="zh-CN" altLang="en-US" dirty="0"/>
           </a:p>
@@ -9423,7 +9365,6 @@
               <a:rPr lang="zh-CN" altLang="en-US" dirty="0"/>
               <a:t>单击编辑文本标题</a:t>
             </a:r>
-            <a:endParaRPr lang="zh-CN" altLang="en-US" dirty="0"/>
           </a:p>
         </p:txBody>
       </p:sp>
@@ -9463,6 +9404,7 @@
             </a:pPr>
             <a:fld id="{8FC7DBC8-975C-4207-936C-01FC1A90A004}" type="datetime1">
               <a:rPr lang="zh-CN" altLang="en-US" smtClean="0"/>
+              <a:t>2024/11/20</a:t>
             </a:fld>
             <a:endParaRPr lang="zh-CN" altLang="en-US" dirty="0"/>
           </a:p>
@@ -9874,22 +9816,6 @@
               </a:rPr>
               <a:t>  </a:t>
             </a:r>
-            <a:endParaRPr kumimoji="0" lang="en-US" altLang="zh-CN" sz="1400" b="0" i="0" u="none" strike="noStrike" kern="1200" cap="none" spc="0" normalizeH="0" baseline="0" noProof="0" dirty="0">
-              <a:ln>
-                <a:noFill/>
-              </a:ln>
-              <a:solidFill>
-                <a:srgbClr val="4F81BD">
-                  <a:lumMod val="75000"/>
-                </a:srgbClr>
-              </a:solidFill>
-              <a:effectLst/>
-              <a:uLnTx/>
-              <a:uFillTx/>
-              <a:latin typeface="微软雅黑" panose="020B0503020204020204" pitchFamily="34" charset="-122"/>
-              <a:ea typeface="微软雅黑" panose="020B0503020204020204" pitchFamily="34" charset="-122"/>
-              <a:cs typeface="+mn-cs"/>
-            </a:endParaRPr>
           </a:p>
           <a:p>
             <a:pPr lvl="0"/>
@@ -10017,7 +9943,6 @@
               <a:rPr lang="zh-CN" altLang="en-US" dirty="0"/>
               <a:t>单击编辑文本标题</a:t>
             </a:r>
-            <a:endParaRPr lang="zh-CN" altLang="en-US" dirty="0"/>
           </a:p>
         </p:txBody>
       </p:sp>
@@ -10057,6 +9982,7 @@
             </a:pPr>
             <a:fld id="{8FC7DBC8-975C-4207-936C-01FC1A90A004}" type="datetime1">
               <a:rPr lang="zh-CN" altLang="en-US" smtClean="0"/>
+              <a:t>2024/11/20</a:t>
             </a:fld>
             <a:endParaRPr lang="zh-CN" altLang="en-US" dirty="0"/>
           </a:p>
@@ -10468,22 +10394,6 @@
               </a:rPr>
               <a:t>  </a:t>
             </a:r>
-            <a:endParaRPr kumimoji="0" lang="en-US" altLang="zh-CN" sz="1400" b="0" i="0" u="none" strike="noStrike" kern="1200" cap="none" spc="0" normalizeH="0" baseline="0" noProof="0" dirty="0">
-              <a:ln>
-                <a:noFill/>
-              </a:ln>
-              <a:solidFill>
-                <a:srgbClr val="4F81BD">
-                  <a:lumMod val="75000"/>
-                </a:srgbClr>
-              </a:solidFill>
-              <a:effectLst/>
-              <a:uLnTx/>
-              <a:uFillTx/>
-              <a:latin typeface="微软雅黑" panose="020B0503020204020204" pitchFamily="34" charset="-122"/>
-              <a:ea typeface="微软雅黑" panose="020B0503020204020204" pitchFamily="34" charset="-122"/>
-              <a:cs typeface="+mn-cs"/>
-            </a:endParaRPr>
           </a:p>
           <a:p>
             <a:pPr lvl="0"/>
@@ -10845,7 +10755,6 @@
               <a:rPr lang="zh-CN" altLang="en-US" dirty="0"/>
               <a:t>单击编辑文本标题</a:t>
             </a:r>
-            <a:endParaRPr lang="zh-CN" altLang="en-US" dirty="0"/>
           </a:p>
         </p:txBody>
       </p:sp>
@@ -10885,6 +10794,7 @@
             </a:pPr>
             <a:fld id="{8FC7DBC8-975C-4207-936C-01FC1A90A004}" type="datetime1">
               <a:rPr lang="zh-CN" altLang="en-US" smtClean="0"/>
+              <a:t>2024/11/20</a:t>
             </a:fld>
             <a:endParaRPr lang="zh-CN" altLang="en-US" dirty="0"/>
           </a:p>
@@ -11296,22 +11206,6 @@
               </a:rPr>
               <a:t>  </a:t>
             </a:r>
-            <a:endParaRPr kumimoji="0" lang="en-US" altLang="zh-CN" sz="1400" b="0" i="0" u="none" strike="noStrike" kern="1200" cap="none" spc="0" normalizeH="0" baseline="0" noProof="0" dirty="0">
-              <a:ln>
-                <a:noFill/>
-              </a:ln>
-              <a:solidFill>
-                <a:srgbClr val="4F81BD">
-                  <a:lumMod val="75000"/>
-                </a:srgbClr>
-              </a:solidFill>
-              <a:effectLst/>
-              <a:uLnTx/>
-              <a:uFillTx/>
-              <a:latin typeface="微软雅黑" panose="020B0503020204020204" pitchFamily="34" charset="-122"/>
-              <a:ea typeface="微软雅黑" panose="020B0503020204020204" pitchFamily="34" charset="-122"/>
-              <a:cs typeface="+mn-cs"/>
-            </a:endParaRPr>
           </a:p>
           <a:p>
             <a:pPr lvl="0"/>
@@ -11694,7 +11588,6 @@
               <a:rPr lang="zh-CN" altLang="en-US" dirty="0"/>
               <a:t>右图 介绍信息</a:t>
             </a:r>
-            <a:endParaRPr lang="zh-CN" altLang="en-US" dirty="0"/>
           </a:p>
         </p:txBody>
       </p:sp>
@@ -11818,7 +11711,6 @@
               <a:rPr lang="zh-CN" altLang="en-US" dirty="0"/>
               <a:t>单击编辑文本标题</a:t>
             </a:r>
-            <a:endParaRPr lang="zh-CN" altLang="en-US" dirty="0"/>
           </a:p>
         </p:txBody>
       </p:sp>
@@ -11858,6 +11750,7 @@
             </a:pPr>
             <a:fld id="{8FC7DBC8-975C-4207-936C-01FC1A90A004}" type="datetime1">
               <a:rPr lang="zh-CN" altLang="en-US" smtClean="0"/>
+              <a:t>2024/11/20</a:t>
             </a:fld>
             <a:endParaRPr lang="zh-CN" altLang="en-US" dirty="0"/>
           </a:p>
@@ -12269,22 +12162,6 @@
               </a:rPr>
               <a:t>  </a:t>
             </a:r>
-            <a:endParaRPr kumimoji="0" lang="en-US" altLang="zh-CN" sz="1400" b="0" i="0" u="none" strike="noStrike" kern="1200" cap="none" spc="0" normalizeH="0" baseline="0" noProof="0" dirty="0">
-              <a:ln>
-                <a:noFill/>
-              </a:ln>
-              <a:solidFill>
-                <a:srgbClr val="4F81BD">
-                  <a:lumMod val="75000"/>
-                </a:srgbClr>
-              </a:solidFill>
-              <a:effectLst/>
-              <a:uLnTx/>
-              <a:uFillTx/>
-              <a:latin typeface="微软雅黑" panose="020B0503020204020204" pitchFamily="34" charset="-122"/>
-              <a:ea typeface="微软雅黑" panose="020B0503020204020204" pitchFamily="34" charset="-122"/>
-              <a:cs typeface="+mn-cs"/>
-            </a:endParaRPr>
           </a:p>
           <a:p>
             <a:pPr lvl="0"/>
@@ -12706,6 +12583,7 @@
             </a:pPr>
             <a:fld id="{8FC7DBC8-975C-4207-936C-01FC1A90A004}" type="datetime1">
               <a:rPr lang="zh-CN" altLang="en-US" smtClean="0"/>
+              <a:t>2024/11/20</a:t>
             </a:fld>
             <a:endParaRPr lang="zh-CN" altLang="en-US" dirty="0"/>
           </a:p>
@@ -13117,22 +12995,6 @@
               </a:rPr>
               <a:t>  </a:t>
             </a:r>
-            <a:endParaRPr kumimoji="0" lang="en-US" altLang="zh-CN" sz="1400" b="0" i="0" u="none" strike="noStrike" kern="1200" cap="none" spc="0" normalizeH="0" baseline="0" noProof="0" dirty="0">
-              <a:ln>
-                <a:noFill/>
-              </a:ln>
-              <a:solidFill>
-                <a:srgbClr val="4F81BD">
-                  <a:lumMod val="75000"/>
-                </a:srgbClr>
-              </a:solidFill>
-              <a:effectLst/>
-              <a:uLnTx/>
-              <a:uFillTx/>
-              <a:latin typeface="微软雅黑" panose="020B0503020204020204" pitchFamily="34" charset="-122"/>
-              <a:ea typeface="微软雅黑" panose="020B0503020204020204" pitchFamily="34" charset="-122"/>
-              <a:cs typeface="+mn-cs"/>
-            </a:endParaRPr>
           </a:p>
           <a:p>
             <a:pPr lvl="0"/>
@@ -14050,7 +13912,6 @@
               <a:rPr lang="zh-CN" altLang="en-US" dirty="0"/>
               <a:t>图片信息</a:t>
             </a:r>
-            <a:endParaRPr lang="zh-CN" altLang="en-US" dirty="0"/>
           </a:p>
         </p:txBody>
       </p:sp>
@@ -14170,7 +14031,6 @@
               <a:rPr lang="zh-CN" altLang="en-US" dirty="0"/>
               <a:t>单击编辑文本标题</a:t>
             </a:r>
-            <a:endParaRPr lang="zh-CN" altLang="en-US" dirty="0"/>
           </a:p>
         </p:txBody>
       </p:sp>
@@ -14210,6 +14070,7 @@
             </a:pPr>
             <a:fld id="{8FC7DBC8-975C-4207-936C-01FC1A90A004}" type="datetime1">
               <a:rPr lang="zh-CN" altLang="en-US" smtClean="0"/>
+              <a:t>2024/11/20</a:t>
             </a:fld>
             <a:endParaRPr lang="zh-CN" altLang="en-US" dirty="0"/>
           </a:p>
@@ -14607,7 +14468,6 @@
               <a:rPr lang="zh-CN" altLang="en-US" dirty="0"/>
               <a:t>单击编辑标题</a:t>
             </a:r>
-            <a:endParaRPr lang="zh-CN" altLang="en-US" dirty="0"/>
           </a:p>
         </p:txBody>
       </p:sp>
@@ -14676,7 +14536,6 @@
               <a:rPr lang="zh-CN" altLang="en-US" dirty="0"/>
               <a:t>文本内容或对象</a:t>
             </a:r>
-            <a:endParaRPr lang="zh-CN" altLang="en-US" dirty="0"/>
           </a:p>
         </p:txBody>
       </p:sp>
@@ -14874,7 +14733,6 @@
               <a:rPr lang="zh-CN" altLang="en-US" dirty="0"/>
               <a:t>单击编辑标题</a:t>
             </a:r>
-            <a:endParaRPr lang="zh-CN" altLang="en-US" dirty="0"/>
           </a:p>
         </p:txBody>
       </p:sp>
@@ -14943,7 +14801,6 @@
               <a:rPr lang="zh-CN" altLang="en-US" dirty="0"/>
               <a:t>文本内容或对象</a:t>
             </a:r>
-            <a:endParaRPr lang="zh-CN" altLang="en-US" dirty="0"/>
           </a:p>
         </p:txBody>
       </p:sp>
@@ -15144,7 +15001,6 @@
               <a:rPr lang="zh-CN" altLang="en-US" dirty="0"/>
               <a:t>单击编辑标题</a:t>
             </a:r>
-            <a:endParaRPr lang="zh-CN" altLang="en-US" dirty="0"/>
           </a:p>
         </p:txBody>
       </p:sp>
@@ -15213,7 +15069,6 @@
               <a:rPr lang="zh-CN" altLang="en-US" dirty="0"/>
               <a:t>文本内容或对象</a:t>
             </a:r>
-            <a:endParaRPr lang="zh-CN" altLang="en-US" dirty="0"/>
           </a:p>
         </p:txBody>
       </p:sp>
@@ -15411,7 +15266,6 @@
               <a:rPr lang="zh-CN" altLang="en-US" dirty="0"/>
               <a:t>单击编辑标题</a:t>
             </a:r>
-            <a:endParaRPr lang="zh-CN" altLang="en-US" dirty="0"/>
           </a:p>
         </p:txBody>
       </p:sp>
@@ -15480,7 +15334,6 @@
               <a:rPr lang="zh-CN" altLang="en-US" dirty="0"/>
               <a:t>文本内容或对象</a:t>
             </a:r>
-            <a:endParaRPr lang="zh-CN" altLang="en-US" dirty="0"/>
           </a:p>
         </p:txBody>
       </p:sp>
@@ -15664,6 +15517,7 @@
             </a:pPr>
             <a:fld id="{8FC7DBC8-975C-4207-936C-01FC1A90A004}" type="datetime1">
               <a:rPr lang="zh-CN" altLang="en-US" smtClean="0"/>
+              <a:t>2024/11/20</a:t>
             </a:fld>
             <a:endParaRPr lang="zh-CN" altLang="en-US" dirty="0"/>
           </a:p>
@@ -15945,23 +15799,6 @@
               </a:rPr>
               <a:t>单击编辑文本标题（数据图）</a:t>
             </a:r>
-            <a:endParaRPr kumimoji="0" lang="zh-CN" altLang="en-US" sz="3120" b="1" i="0" u="none" strike="noStrike" kern="1200" cap="all" spc="0" normalizeH="0" baseline="0" noProof="0" dirty="0">
-              <a:ln>
-                <a:noFill/>
-              </a:ln>
-              <a:solidFill>
-                <a:schemeClr val="tx1">
-                  <a:lumMod val="85000"/>
-                  <a:lumOff val="15000"/>
-                </a:schemeClr>
-              </a:solidFill>
-              <a:effectLst/>
-              <a:uLnTx/>
-              <a:uFillTx/>
-              <a:latin typeface="微软雅黑" panose="020B0503020204020204" pitchFamily="34" charset="-122"/>
-              <a:ea typeface="微软雅黑" panose="020B0503020204020204" pitchFamily="34" charset="-122"/>
-              <a:cs typeface="+mj-cs"/>
-            </a:endParaRPr>
           </a:p>
         </p:txBody>
       </p:sp>
@@ -16421,7 +16258,6 @@
               <a:rPr lang="zh-CN" altLang="en-US" dirty="0"/>
               <a:t>单击编辑文本标题（数据图）</a:t>
             </a:r>
-            <a:endParaRPr lang="zh-CN" altLang="en-US" dirty="0"/>
           </a:p>
         </p:txBody>
       </p:sp>
@@ -16461,6 +16297,7 @@
             </a:pPr>
             <a:fld id="{8FC7DBC8-975C-4207-936C-01FC1A90A004}" type="datetime1">
               <a:rPr lang="zh-CN" altLang="en-US" smtClean="0"/>
+              <a:t>2024/11/20</a:t>
             </a:fld>
             <a:endParaRPr lang="zh-CN" altLang="en-US" dirty="0"/>
           </a:p>
@@ -16872,22 +16709,6 @@
               </a:rPr>
               <a:t>  </a:t>
             </a:r>
-            <a:endParaRPr kumimoji="0" lang="en-US" altLang="zh-CN" sz="1400" b="0" i="0" u="none" strike="noStrike" kern="1200" cap="none" spc="0" normalizeH="0" baseline="0" noProof="0" dirty="0">
-              <a:ln>
-                <a:noFill/>
-              </a:ln>
-              <a:solidFill>
-                <a:srgbClr val="4F81BD">
-                  <a:lumMod val="75000"/>
-                </a:srgbClr>
-              </a:solidFill>
-              <a:effectLst/>
-              <a:uLnTx/>
-              <a:uFillTx/>
-              <a:latin typeface="微软雅黑" panose="020B0503020204020204" pitchFamily="34" charset="-122"/>
-              <a:ea typeface="微软雅黑" panose="020B0503020204020204" pitchFamily="34" charset="-122"/>
-              <a:cs typeface="+mn-cs"/>
-            </a:endParaRPr>
           </a:p>
           <a:p>
             <a:pPr lvl="0"/>
@@ -17456,7 +17277,6 @@
               <a:rPr lang="zh-CN" altLang="en-US" dirty="0"/>
               <a:t>单击编辑标题</a:t>
             </a:r>
-            <a:endParaRPr lang="zh-CN" altLang="en-US" dirty="0"/>
           </a:p>
         </p:txBody>
       </p:sp>
@@ -17525,7 +17345,6 @@
               <a:rPr lang="zh-CN" altLang="en-US" dirty="0"/>
               <a:t>文本内容或对象</a:t>
             </a:r>
-            <a:endParaRPr lang="zh-CN" altLang="en-US" dirty="0"/>
           </a:p>
         </p:txBody>
       </p:sp>
@@ -17662,7 +17481,6 @@
               <a:rPr lang="zh-CN" altLang="en-US" dirty="0"/>
               <a:t>单击编辑标题</a:t>
             </a:r>
-            <a:endParaRPr lang="zh-CN" altLang="en-US" dirty="0"/>
           </a:p>
         </p:txBody>
       </p:sp>
@@ -17731,7 +17549,6 @@
               <a:rPr lang="zh-CN" altLang="en-US" dirty="0"/>
               <a:t>文本内容或对象</a:t>
             </a:r>
-            <a:endParaRPr lang="zh-CN" altLang="en-US" dirty="0"/>
           </a:p>
         </p:txBody>
       </p:sp>
@@ -17868,7 +17685,6 @@
               <a:rPr lang="zh-CN" altLang="en-US" dirty="0"/>
               <a:t>单击编辑标题</a:t>
             </a:r>
-            <a:endParaRPr lang="zh-CN" altLang="en-US" dirty="0"/>
           </a:p>
         </p:txBody>
       </p:sp>
@@ -17937,7 +17753,6 @@
               <a:rPr lang="zh-CN" altLang="en-US" dirty="0"/>
               <a:t>文本内容或对象</a:t>
             </a:r>
-            <a:endParaRPr lang="zh-CN" altLang="en-US" dirty="0"/>
           </a:p>
         </p:txBody>
       </p:sp>
@@ -18074,7 +17889,6 @@
               <a:rPr lang="zh-CN" altLang="en-US" dirty="0"/>
               <a:t>单击编辑文本标题</a:t>
             </a:r>
-            <a:endParaRPr lang="zh-CN" altLang="en-US" dirty="0"/>
           </a:p>
         </p:txBody>
       </p:sp>
@@ -18114,6 +17928,7 @@
             </a:pPr>
             <a:fld id="{8FC7DBC8-975C-4207-936C-01FC1A90A004}" type="datetime1">
               <a:rPr lang="zh-CN" altLang="en-US" smtClean="0"/>
+              <a:t>2024/11/20</a:t>
             </a:fld>
             <a:endParaRPr lang="zh-CN" altLang="en-US" dirty="0"/>
           </a:p>
@@ -18575,7 +18390,6 @@
               <a:rPr lang="zh-CN" altLang="en-US" dirty="0"/>
               <a:t>单击编辑标题</a:t>
             </a:r>
-            <a:endParaRPr lang="zh-CN" altLang="en-US" dirty="0"/>
           </a:p>
         </p:txBody>
       </p:sp>
@@ -18644,7 +18458,6 @@
               <a:rPr lang="zh-CN" altLang="en-US" dirty="0"/>
               <a:t>文本内容或对象</a:t>
             </a:r>
-            <a:endParaRPr lang="zh-CN" altLang="en-US" dirty="0"/>
           </a:p>
         </p:txBody>
       </p:sp>
@@ -18781,7 +18594,6 @@
               <a:rPr lang="zh-CN" altLang="en-US" dirty="0"/>
               <a:t>单击编辑标题</a:t>
             </a:r>
-            <a:endParaRPr lang="zh-CN" altLang="en-US" dirty="0"/>
           </a:p>
         </p:txBody>
       </p:sp>
@@ -18850,7 +18662,6 @@
               <a:rPr lang="zh-CN" altLang="en-US" dirty="0"/>
               <a:t>文本内容或对象</a:t>
             </a:r>
-            <a:endParaRPr lang="zh-CN" altLang="en-US" dirty="0"/>
           </a:p>
         </p:txBody>
       </p:sp>
@@ -18987,7 +18798,6 @@
               <a:rPr lang="zh-CN" altLang="en-US" dirty="0"/>
               <a:t>单击编辑文本标题</a:t>
             </a:r>
-            <a:endParaRPr lang="zh-CN" altLang="en-US" dirty="0"/>
           </a:p>
         </p:txBody>
       </p:sp>
@@ -19027,6 +18837,7 @@
             </a:pPr>
             <a:fld id="{8FC7DBC8-975C-4207-936C-01FC1A90A004}" type="datetime1">
               <a:rPr lang="zh-CN" altLang="en-US" smtClean="0"/>
+              <a:t>2024/11/20</a:t>
             </a:fld>
             <a:endParaRPr lang="zh-CN" altLang="en-US" dirty="0"/>
           </a:p>
@@ -19592,7 +19403,6 @@
               <a:rPr lang="zh-CN" altLang="en-US" dirty="0"/>
               <a:t>单击编辑标题</a:t>
             </a:r>
-            <a:endParaRPr lang="zh-CN" altLang="en-US" dirty="0"/>
           </a:p>
         </p:txBody>
       </p:sp>
@@ -19728,7 +19538,6 @@
               <a:rPr lang="zh-CN" altLang="en-US" dirty="0"/>
               <a:t>单击编辑标题</a:t>
             </a:r>
-            <a:endParaRPr lang="zh-CN" altLang="en-US" dirty="0"/>
           </a:p>
         </p:txBody>
       </p:sp>
@@ -19864,7 +19673,6 @@
               <a:rPr lang="zh-CN" altLang="en-US" dirty="0"/>
               <a:t>单击编辑标题</a:t>
             </a:r>
-            <a:endParaRPr lang="zh-CN" altLang="en-US" dirty="0"/>
           </a:p>
         </p:txBody>
       </p:sp>
@@ -20001,7 +19809,6 @@
               <a:rPr lang="zh-CN" altLang="en-US" dirty="0"/>
               <a:t>单击编辑正文内容</a:t>
             </a:r>
-            <a:endParaRPr lang="zh-CN" altLang="en-US" dirty="0"/>
           </a:p>
         </p:txBody>
       </p:sp>
@@ -20138,7 +19945,6 @@
               <a:rPr lang="zh-CN" altLang="en-US" dirty="0"/>
               <a:t>单击编辑正文内容</a:t>
             </a:r>
-            <a:endParaRPr lang="zh-CN" altLang="en-US" dirty="0"/>
           </a:p>
         </p:txBody>
       </p:sp>
@@ -20275,7 +20081,6 @@
               <a:rPr lang="zh-CN" altLang="en-US" dirty="0"/>
               <a:t>单击编辑正文内容</a:t>
             </a:r>
-            <a:endParaRPr lang="zh-CN" altLang="en-US" dirty="0"/>
           </a:p>
         </p:txBody>
       </p:sp>
@@ -20412,7 +20217,6 @@
               <a:rPr lang="zh-CN" altLang="en-US" dirty="0"/>
               <a:t>单击编辑文本标题</a:t>
             </a:r>
-            <a:endParaRPr lang="zh-CN" altLang="en-US" dirty="0"/>
           </a:p>
         </p:txBody>
       </p:sp>
@@ -20452,6 +20256,7 @@
             </a:pPr>
             <a:fld id="{8FC7DBC8-975C-4207-936C-01FC1A90A004}" type="datetime1">
               <a:rPr lang="zh-CN" altLang="en-US" smtClean="0"/>
+              <a:t>2024/11/20</a:t>
             </a:fld>
             <a:endParaRPr lang="zh-CN" altLang="en-US" dirty="0"/>
           </a:p>
@@ -20824,13 +20629,6 @@
               </a:rPr>
               <a:t>单击编辑</a:t>
             </a:r>
-            <a:endParaRPr lang="zh-CN" altLang="en-US" sz="2400" b="1" dirty="0">
-              <a:solidFill>
-                <a:schemeClr val="bg1"/>
-              </a:solidFill>
-              <a:latin typeface="微软雅黑" panose="020B0503020204020204" pitchFamily="34" charset="-122"/>
-              <a:ea typeface="微软雅黑" panose="020B0503020204020204" pitchFamily="34" charset="-122"/>
-            </a:endParaRPr>
           </a:p>
         </p:txBody>
       </p:sp>
@@ -20872,13 +20670,6 @@
               </a:rPr>
               <a:t>单击编辑</a:t>
             </a:r>
-            <a:endParaRPr lang="zh-CN" altLang="en-US" sz="2400" b="1" dirty="0">
-              <a:solidFill>
-                <a:schemeClr val="bg1"/>
-              </a:solidFill>
-              <a:latin typeface="微软雅黑" panose="020B0503020204020204" pitchFamily="34" charset="-122"/>
-              <a:ea typeface="微软雅黑" panose="020B0503020204020204" pitchFamily="34" charset="-122"/>
-            </a:endParaRPr>
           </a:p>
         </p:txBody>
       </p:sp>
@@ -20920,13 +20711,6 @@
               </a:rPr>
               <a:t>单击编辑</a:t>
             </a:r>
-            <a:endParaRPr lang="zh-CN" altLang="en-US" sz="2400" b="1" dirty="0">
-              <a:solidFill>
-                <a:schemeClr val="bg1"/>
-              </a:solidFill>
-              <a:latin typeface="微软雅黑" panose="020B0503020204020204" pitchFamily="34" charset="-122"/>
-              <a:ea typeface="微软雅黑" panose="020B0503020204020204" pitchFamily="34" charset="-122"/>
-            </a:endParaRPr>
           </a:p>
         </p:txBody>
       </p:sp>
@@ -20968,13 +20752,6 @@
               </a:rPr>
               <a:t>单击编辑</a:t>
             </a:r>
-            <a:endParaRPr lang="zh-CN" altLang="en-US" sz="2400" b="1" dirty="0">
-              <a:solidFill>
-                <a:schemeClr val="bg1"/>
-              </a:solidFill>
-              <a:latin typeface="微软雅黑" panose="020B0503020204020204" pitchFamily="34" charset="-122"/>
-              <a:ea typeface="微软雅黑" panose="020B0503020204020204" pitchFamily="34" charset="-122"/>
-            </a:endParaRPr>
           </a:p>
         </p:txBody>
       </p:sp>
@@ -21016,13 +20793,6 @@
               </a:rPr>
               <a:t>单击编辑</a:t>
             </a:r>
-            <a:endParaRPr lang="zh-CN" altLang="en-US" sz="2400" b="1" dirty="0">
-              <a:solidFill>
-                <a:schemeClr val="bg1"/>
-              </a:solidFill>
-              <a:latin typeface="微软雅黑" panose="020B0503020204020204" pitchFamily="34" charset="-122"/>
-              <a:ea typeface="微软雅黑" panose="020B0503020204020204" pitchFamily="34" charset="-122"/>
-            </a:endParaRPr>
           </a:p>
         </p:txBody>
       </p:sp>
@@ -21143,7 +20913,6 @@
               <a:rPr lang="zh-CN" altLang="en-US" dirty="0"/>
               <a:t>结束语</a:t>
             </a:r>
-            <a:endParaRPr lang="zh-CN" altLang="en-US" dirty="0"/>
           </a:p>
         </p:txBody>
       </p:sp>
@@ -21269,7 +21038,6 @@
               <a:rPr lang="zh-CN" altLang="en-US" dirty="0"/>
               <a:t>单击此处编辑副标题文字</a:t>
             </a:r>
-            <a:endParaRPr lang="zh-CN" altLang="en-US" dirty="0"/>
           </a:p>
         </p:txBody>
       </p:sp>
@@ -21422,7 +21190,6 @@
               <a:rPr lang="zh-CN" altLang="en-US" dirty="0"/>
               <a:t>联系方式等</a:t>
             </a:r>
-            <a:endParaRPr lang="zh-CN" altLang="en-US" dirty="0"/>
           </a:p>
         </p:txBody>
       </p:sp>
@@ -21648,7 +21415,6 @@
               <a:rPr lang="zh-CN" altLang="en-US" dirty="0"/>
               <a:t>谢谢</a:t>
             </a:r>
-            <a:endParaRPr lang="zh-CN" altLang="en-US" dirty="0"/>
           </a:p>
         </p:txBody>
       </p:sp>
@@ -21781,7 +21547,6 @@
               <a:rPr lang="zh-CN" altLang="en-US" dirty="0"/>
               <a:t>联系方式</a:t>
             </a:r>
-            <a:endParaRPr lang="zh-CN" altLang="en-US" dirty="0"/>
           </a:p>
         </p:txBody>
       </p:sp>
@@ -21884,6 +21649,7 @@
                   </a:schemeClr>
                 </a:solidFill>
               </a:rPr>
+              <a:t>2024/11/20</a:t>
             </a:fld>
             <a:endParaRPr lang="zh-CN" altLang="en-US" sz="1400" dirty="0">
               <a:solidFill>
@@ -21938,6 +21704,7 @@
           <a:p>
             <a:fld id="{7BEF5A3D-07BE-48FF-8AF4-F046F630E329}" type="datetimeFigureOut">
               <a:rPr lang="zh-CN" altLang="en-US" smtClean="0"/>
+              <a:t>2024/11/20</a:t>
             </a:fld>
             <a:endParaRPr lang="zh-CN" altLang="en-US"/>
           </a:p>
@@ -21979,6 +21746,7 @@
           <a:p>
             <a:fld id="{8BE6E5F0-A76E-4C17-8C81-56BBF4B01B99}" type="slidenum">
               <a:rPr lang="zh-CN" altLang="en-US" smtClean="0"/>
+              <a:t>‹#›</a:t>
             </a:fld>
             <a:endParaRPr lang="zh-CN" altLang="en-US"/>
           </a:p>
@@ -22036,7 +21804,6 @@
               <a:rPr lang="zh-CN" altLang="en-US" dirty="0"/>
               <a:t>单击此处编辑母版标题样式</a:t>
             </a:r>
-            <a:endParaRPr lang="zh-CN" altLang="en-US" dirty="0"/>
           </a:p>
         </p:txBody>
       </p:sp>
@@ -22138,6 +21905,7 @@
           <a:p>
             <a:fld id="{00F41A80-2106-4B14-A8A7-2BC35A9723BE}" type="slidenum">
               <a:rPr lang="zh-SG" altLang="en-US" smtClean="0"/>
+              <a:t>‹#›</a:t>
             </a:fld>
             <a:endParaRPr lang="zh-SG" altLang="en-US"/>
           </a:p>
@@ -22180,7 +21948,6 @@
               <a:rPr lang="en-US" altLang="zh-SG" dirty="0"/>
               <a:t>Edit Master text styles</a:t>
             </a:r>
-            <a:endParaRPr lang="en-US" altLang="zh-SG" dirty="0"/>
           </a:p>
         </p:txBody>
       </p:sp>
@@ -22263,7 +22030,6 @@
               <a:rPr lang="en-US" altLang="zh-SG" dirty="0"/>
               <a:t>Edit Master text styles</a:t>
             </a:r>
-            <a:endParaRPr lang="en-US" altLang="zh-SG" dirty="0"/>
           </a:p>
           <a:p>
             <a:pPr lvl="1"/>
@@ -22271,7 +22037,6 @@
               <a:rPr lang="en-US" altLang="zh-SG" dirty="0"/>
               <a:t>Second level</a:t>
             </a:r>
-            <a:endParaRPr lang="en-US" altLang="zh-SG" dirty="0"/>
           </a:p>
           <a:p>
             <a:pPr lvl="2"/>
@@ -22279,7 +22044,6 @@
               <a:rPr lang="en-US" altLang="zh-SG" dirty="0"/>
               <a:t>Third level</a:t>
             </a:r>
-            <a:endParaRPr lang="en-US" altLang="zh-SG" dirty="0"/>
           </a:p>
         </p:txBody>
       </p:sp>
@@ -22518,22 +22282,6 @@
               </a:rPr>
               <a:t>目录</a:t>
             </a:r>
-            <a:endParaRPr kumimoji="0" lang="zh-CN" altLang="en-US" sz="3600" b="1" i="0" u="none" strike="noStrike" kern="1200" cap="all" spc="0" normalizeH="0" baseline="0" noProof="0" dirty="0">
-              <a:ln>
-                <a:noFill/>
-              </a:ln>
-              <a:solidFill>
-                <a:srgbClr val="92A2BD">
-                  <a:lumMod val="50000"/>
-                </a:srgbClr>
-              </a:solidFill>
-              <a:effectLst/>
-              <a:uLnTx/>
-              <a:uFillTx/>
-              <a:latin typeface="微软雅黑" panose="020B0503020204020204" pitchFamily="34" charset="-122"/>
-              <a:ea typeface="微软雅黑" panose="020B0503020204020204" pitchFamily="34" charset="-122"/>
-              <a:cs typeface="+mn-cs"/>
-            </a:endParaRPr>
           </a:p>
         </p:txBody>
       </p:sp>
@@ -23267,7 +23015,6 @@
               <a:rPr lang="zh-CN" altLang="en-US" dirty="0"/>
               <a:t>单击此处编辑母版标题样式</a:t>
             </a:r>
-            <a:endParaRPr lang="zh-CN" altLang="en-US" dirty="0"/>
           </a:p>
         </p:txBody>
       </p:sp>
@@ -23355,7 +23102,6 @@
               <a:rPr lang="zh-CN" altLang="en-US" dirty="0"/>
               <a:t>编辑母版文本样式</a:t>
             </a:r>
-            <a:endParaRPr lang="zh-CN" altLang="en-US" dirty="0"/>
           </a:p>
           <a:p>
             <a:pPr lvl="1"/>
@@ -23363,7 +23109,6 @@
               <a:rPr lang="zh-CN" altLang="en-US" dirty="0"/>
               <a:t>第二级</a:t>
             </a:r>
-            <a:endParaRPr lang="zh-CN" altLang="en-US" dirty="0"/>
           </a:p>
           <a:p>
             <a:pPr lvl="2"/>
@@ -23371,7 +23116,6 @@
               <a:rPr lang="zh-CN" altLang="en-US" dirty="0"/>
               <a:t>第三级</a:t>
             </a:r>
-            <a:endParaRPr lang="zh-CN" altLang="en-US" dirty="0"/>
           </a:p>
           <a:p>
             <a:pPr lvl="3"/>
@@ -23379,7 +23123,6 @@
               <a:rPr lang="zh-CN" altLang="en-US" dirty="0"/>
               <a:t>第四级</a:t>
             </a:r>
-            <a:endParaRPr lang="zh-CN" altLang="en-US" dirty="0"/>
           </a:p>
           <a:p>
             <a:pPr lvl="4"/>
@@ -23387,7 +23130,6 @@
               <a:rPr lang="zh-CN" altLang="en-US" dirty="0"/>
               <a:t>第五级</a:t>
             </a:r>
-            <a:endParaRPr lang="zh-CN" altLang="en-US" dirty="0"/>
           </a:p>
         </p:txBody>
       </p:sp>
@@ -23428,7 +23170,6 @@
               <a:rPr lang="zh-CN" altLang="en-US" dirty="0"/>
               <a:t>小标题</a:t>
             </a:r>
-            <a:endParaRPr lang="zh-CN" altLang="en-US" dirty="0"/>
           </a:p>
         </p:txBody>
       </p:sp>
@@ -23465,6 +23206,7 @@
           <a:p>
             <a:fld id="{AA807A42-CF27-4B84-8583-18EBE418342E}" type="slidenum">
               <a:rPr lang="de-DE" smtClean="0"/>
+              <a:t>‹#›</a:t>
             </a:fld>
             <a:endParaRPr lang="de-DE" dirty="0"/>
           </a:p>
@@ -23622,7 +23364,6 @@
               <a:rPr lang="zh-CN" altLang="en-US" dirty="0"/>
               <a:t>单击此处编辑母版标题样式</a:t>
             </a:r>
-            <a:endParaRPr lang="zh-CN" altLang="en-US" dirty="0"/>
           </a:p>
         </p:txBody>
       </p:sp>
@@ -23710,7 +23451,6 @@
               <a:rPr lang="zh-CN" altLang="en-US" dirty="0"/>
               <a:t>编辑母版文本样式</a:t>
             </a:r>
-            <a:endParaRPr lang="zh-CN" altLang="en-US" dirty="0"/>
           </a:p>
           <a:p>
             <a:pPr lvl="1"/>
@@ -23718,7 +23458,6 @@
               <a:rPr lang="zh-CN" altLang="en-US" dirty="0"/>
               <a:t>第二级</a:t>
             </a:r>
-            <a:endParaRPr lang="zh-CN" altLang="en-US" dirty="0"/>
           </a:p>
           <a:p>
             <a:pPr lvl="2"/>
@@ -23726,7 +23465,6 @@
               <a:rPr lang="zh-CN" altLang="en-US" dirty="0"/>
               <a:t>第三级</a:t>
             </a:r>
-            <a:endParaRPr lang="zh-CN" altLang="en-US" dirty="0"/>
           </a:p>
           <a:p>
             <a:pPr lvl="3"/>
@@ -23734,7 +23472,6 @@
               <a:rPr lang="zh-CN" altLang="en-US" dirty="0"/>
               <a:t>第四级</a:t>
             </a:r>
-            <a:endParaRPr lang="zh-CN" altLang="en-US" dirty="0"/>
           </a:p>
           <a:p>
             <a:pPr lvl="4"/>
@@ -23742,7 +23479,6 @@
               <a:rPr lang="zh-CN" altLang="en-US" dirty="0"/>
               <a:t>第五级</a:t>
             </a:r>
-            <a:endParaRPr lang="zh-CN" altLang="en-US" dirty="0"/>
           </a:p>
         </p:txBody>
       </p:sp>
@@ -23783,7 +23519,6 @@
               <a:rPr lang="zh-CN" altLang="en-US" dirty="0"/>
               <a:t>小标题</a:t>
             </a:r>
-            <a:endParaRPr lang="zh-CN" altLang="en-US" dirty="0"/>
           </a:p>
         </p:txBody>
       </p:sp>
@@ -23826,7 +23561,6 @@
               <a:rPr lang="zh-CN" altLang="en-US" dirty="0"/>
               <a:t>结论</a:t>
             </a:r>
-            <a:endParaRPr lang="zh-CN" altLang="en-US" dirty="0"/>
           </a:p>
         </p:txBody>
       </p:sp>
@@ -23863,6 +23597,7 @@
           <a:p>
             <a:fld id="{AA807A42-CF27-4B84-8583-18EBE418342E}" type="slidenum">
               <a:rPr lang="de-DE" smtClean="0"/>
+              <a:t>‹#›</a:t>
             </a:fld>
             <a:endParaRPr lang="de-DE" dirty="0"/>
           </a:p>
@@ -23972,12 +23707,12 @@
           <p:nvPr userDrawn="1"/>
         </p:nvPicPr>
         <p:blipFill rotWithShape="1">
-          <a:blip r:embed="rId3">
+          <a:blip r:embed="rId5">
             <a:alphaModFix amt="85000"/>
             <a:extLst>
               <a:ext uri="{BEBA8EAE-BF5A-486C-A8C5-ECC9F3942E4B}">
                 <a14:imgProps xmlns:a14="http://schemas.microsoft.com/office/drawing/2010/main">
-                  <a14:imgLayer r:embed="rId4">
+                  <a14:imgLayer r:embed="rId6">
                     <a14:imgEffect>
                       <a14:brightnessContrast bright="6000"/>
                     </a14:imgEffect>
@@ -24056,7 +23791,7 @@
           <p:cNvSpPr/>
           <p:nvPr userDrawn="1">
             <p:custDataLst>
-              <p:tags r:id="rId5"/>
+              <p:tags r:id="rId4"/>
             </p:custDataLst>
           </p:nvPr>
         </p:nvSpPr>
@@ -24301,12 +24036,12 @@
           <p:nvPr userDrawn="1"/>
         </p:nvPicPr>
         <p:blipFill>
-          <a:blip r:embed="rId6">
+          <a:blip r:embed="rId7">
             <a:alphaModFix amt="47000"/>
             <a:extLst>
               <a:ext uri="{BEBA8EAE-BF5A-486C-A8C5-ECC9F3942E4B}">
                 <a14:imgProps xmlns:a14="http://schemas.microsoft.com/office/drawing/2010/main">
-                  <a14:imgLayer r:embed="rId7">
+                  <a14:imgLayer r:embed="rId8">
                     <a14:imgEffect>
                       <a14:brightnessContrast contrast="1000"/>
                     </a14:imgEffect>
@@ -24347,7 +24082,7 @@
           <p:nvPr userDrawn="1"/>
         </p:nvPicPr>
         <p:blipFill rotWithShape="1">
-          <a:blip r:embed="rId8" cstate="print">
+          <a:blip r:embed="rId9" cstate="print">
             <a:clrChange>
               <a:clrFrom>
                 <a:srgbClr val="FFFFFF"/>
@@ -25017,22 +24752,6 @@
               </a:rPr>
               <a:t>目录</a:t>
             </a:r>
-            <a:endParaRPr kumimoji="0" lang="zh-CN" altLang="en-US" sz="3600" b="1" i="0" u="none" strike="noStrike" kern="1200" cap="all" spc="0" normalizeH="0" baseline="0" noProof="0" dirty="0">
-              <a:ln>
-                <a:noFill/>
-              </a:ln>
-              <a:solidFill>
-                <a:srgbClr val="92A2BD">
-                  <a:lumMod val="50000"/>
-                </a:srgbClr>
-              </a:solidFill>
-              <a:effectLst/>
-              <a:uLnTx/>
-              <a:uFillTx/>
-              <a:latin typeface="微软雅黑" panose="020B0503020204020204" pitchFamily="34" charset="-122"/>
-              <a:ea typeface="微软雅黑" panose="020B0503020204020204" pitchFamily="34" charset="-122"/>
-              <a:cs typeface="+mn-cs"/>
-            </a:endParaRPr>
           </a:p>
         </p:txBody>
       </p:sp>
@@ -26054,12 +25773,12 @@
           <p:nvPr userDrawn="1"/>
         </p:nvPicPr>
         <p:blipFill rotWithShape="1">
-          <a:blip r:embed="rId7">
+          <a:blip r:embed="rId9">
             <a:alphaModFix amt="85000"/>
             <a:extLst>
               <a:ext uri="{BEBA8EAE-BF5A-486C-A8C5-ECC9F3942E4B}">
                 <a14:imgProps xmlns:a14="http://schemas.microsoft.com/office/drawing/2010/main">
-                  <a14:imgLayer r:embed="rId8">
+                  <a14:imgLayer r:embed="rId10">
                     <a14:imgEffect>
                       <a14:brightnessContrast bright="6000"/>
                     </a14:imgEffect>
@@ -26138,7 +25857,7 @@
           <p:cNvSpPr/>
           <p:nvPr userDrawn="1">
             <p:custDataLst>
-              <p:tags r:id="rId9"/>
+              <p:tags r:id="rId8"/>
             </p:custDataLst>
           </p:nvPr>
         </p:nvSpPr>
@@ -26303,6 +26022,7 @@
           <a:p>
             <a:fld id="{CE0EC710-139A-4CA2-AAD7-77B43670B718}" type="slidenum">
               <a:rPr lang="zh-CN" altLang="en-US" smtClean="0"/>
+              <a:t>‹#›</a:t>
             </a:fld>
             <a:endParaRPr lang="zh-CN" altLang="en-US" dirty="0"/>
           </a:p>
@@ -26642,7 +26362,6 @@
               <a:rPr lang="zh-CN" altLang="en-US"/>
               <a:t>单击此处编辑母版标题样式</a:t>
             </a:r>
-            <a:endParaRPr lang="zh-CN" altLang="en-US"/>
           </a:p>
         </p:txBody>
       </p:sp>
@@ -26676,7 +26395,6 @@
               <a:rPr lang="zh-CN" altLang="en-US"/>
               <a:t>单击此处编辑母版文本样式</a:t>
             </a:r>
-            <a:endParaRPr lang="zh-CN" altLang="en-US"/>
           </a:p>
           <a:p>
             <a:pPr lvl="1"/>
@@ -26684,7 +26402,6 @@
               <a:rPr lang="zh-CN" altLang="en-US"/>
               <a:t>第二级</a:t>
             </a:r>
-            <a:endParaRPr lang="zh-CN" altLang="en-US"/>
           </a:p>
           <a:p>
             <a:pPr lvl="2"/>
@@ -26692,7 +26409,6 @@
               <a:rPr lang="zh-CN" altLang="en-US"/>
               <a:t>第三级</a:t>
             </a:r>
-            <a:endParaRPr lang="zh-CN" altLang="en-US"/>
           </a:p>
           <a:p>
             <a:pPr lvl="3"/>
@@ -26700,7 +26416,6 @@
               <a:rPr lang="zh-CN" altLang="en-US"/>
               <a:t>第四级</a:t>
             </a:r>
-            <a:endParaRPr lang="zh-CN" altLang="en-US"/>
           </a:p>
           <a:p>
             <a:pPr lvl="4"/>
@@ -26708,7 +26423,6 @@
               <a:rPr lang="zh-CN" altLang="en-US"/>
               <a:t>第五级</a:t>
             </a:r>
-            <a:endParaRPr lang="zh-CN" altLang="en-US"/>
           </a:p>
         </p:txBody>
       </p:sp>
@@ -26747,6 +26461,7 @@
           <a:p>
             <a:fld id="{7BEF5A3D-07BE-48FF-8AF4-F046F630E329}" type="datetimeFigureOut">
               <a:rPr lang="zh-CN" altLang="en-US" smtClean="0"/>
+              <a:t>2024/11/20</a:t>
             </a:fld>
             <a:endParaRPr lang="zh-CN" altLang="en-US"/>
           </a:p>
@@ -26824,6 +26539,7 @@
           <a:p>
             <a:fld id="{8BE6E5F0-A76E-4C17-8C81-56BBF4B01B99}" type="slidenum">
               <a:rPr lang="zh-CN" altLang="en-US" smtClean="0"/>
+              <a:t>‹#›</a:t>
             </a:fld>
             <a:endParaRPr lang="zh-CN" altLang="en-US"/>
           </a:p>
@@ -27157,7 +26873,6 @@
               <a:rPr lang="en-US" altLang="zh-CN" sz="2665" dirty="0"/>
               <a:t>01</a:t>
             </a:r>
-            <a:endParaRPr lang="en-US" altLang="zh-CN" sz="2665" dirty="0"/>
           </a:p>
         </p:txBody>
       </p:sp>
@@ -27189,7 +26904,6 @@
               <a:rPr lang="zh-CN" altLang="en-US" dirty="0"/>
               <a:t>组会</a:t>
             </a:r>
-            <a:endParaRPr lang="zh-CN" altLang="en-US" dirty="0"/>
           </a:p>
         </p:txBody>
       </p:sp>
@@ -27198,11 +26912,11 @@
   <p:clrMapOvr>
     <a:masterClrMapping/>
   </p:clrMapOvr>
-  <mc:AlternateContent xmlns:mc="http://schemas.openxmlformats.org/markup-compatibility/2006">
-    <mc:Choice xmlns:p14="http://schemas.microsoft.com/office/powerpoint/2010/main" Requires="p14">
+  <mc:AlternateContent xmlns:mc="http://schemas.openxmlformats.org/markup-compatibility/2006" xmlns:p14="http://schemas.microsoft.com/office/powerpoint/2010/main">
+    <mc:Choice Requires="p14">
       <p:transition spd="slow" p14:dur="2000" advTm="8329"/>
     </mc:Choice>
-    <mc:Fallback>
+    <mc:Fallback xmlns="">
       <p:transition spd="slow" advTm="8329"/>
     </mc:Fallback>
   </mc:AlternateContent>
@@ -27253,7 +26967,6 @@
               <a:rPr lang="en-US" altLang="zh-CN" sz="2665" dirty="0"/>
               <a:t>01</a:t>
             </a:r>
-            <a:endParaRPr lang="en-US" altLang="zh-CN" sz="2665" dirty="0"/>
           </a:p>
         </p:txBody>
       </p:sp>
@@ -27285,7 +26998,6 @@
               <a:rPr lang="zh-CN" altLang="en-US" dirty="0"/>
               <a:t>组会</a:t>
             </a:r>
-            <a:endParaRPr lang="zh-CN" altLang="en-US" dirty="0"/>
           </a:p>
         </p:txBody>
       </p:sp>
@@ -27294,11 +27006,11 @@
   <p:clrMapOvr>
     <a:masterClrMapping/>
   </p:clrMapOvr>
-  <mc:AlternateContent xmlns:mc="http://schemas.openxmlformats.org/markup-compatibility/2006">
-    <mc:Choice xmlns:p14="http://schemas.microsoft.com/office/powerpoint/2010/main" Requires="p14">
+  <mc:AlternateContent xmlns:mc="http://schemas.openxmlformats.org/markup-compatibility/2006" xmlns:p14="http://schemas.microsoft.com/office/powerpoint/2010/main">
+    <mc:Choice Requires="p14">
       <p:transition spd="slow" p14:dur="2000" advTm="8329"/>
     </mc:Choice>
-    <mc:Fallback>
+    <mc:Fallback xmlns="">
       <p:transition spd="slow" advTm="8329"/>
     </mc:Fallback>
   </mc:AlternateContent>
@@ -27351,9 +27063,6 @@
               </a:rPr>
               <a:t>）</a:t>
             </a:r>
-            <a:endParaRPr lang="zh-CN" altLang="en-US">
-              <a:ea typeface="宋体" panose="02010600030101010101" pitchFamily="2" charset="-122"/>
-            </a:endParaRPr>
           </a:p>
         </p:txBody>
       </p:sp>
@@ -27443,6 +27152,7 @@
           <a:p>
             <a:fld id="{AA807A42-CF27-4B84-8583-18EBE418342E}" type="slidenum">
               <a:rPr lang="de-DE" smtClean="0"/>
+              <a:t>11</a:t>
             </a:fld>
             <a:endParaRPr lang="de-DE" dirty="0"/>
           </a:p>
@@ -27492,7 +27202,6 @@
               <a:rPr lang="zh-CN" altLang="en-US"/>
               <a:t>二、完成情况</a:t>
             </a:r>
-            <a:endParaRPr lang="zh-CN" altLang="en-US"/>
           </a:p>
         </p:txBody>
       </p:sp>
@@ -27515,7 +27224,6 @@
               <a:rPr lang="zh-CN" altLang="en-US"/>
               <a:t>1、修改奖励函数，包括调整参数、设计更合理的奖励函数等等</a:t>
             </a:r>
-            <a:endParaRPr lang="zh-CN" altLang="en-US"/>
           </a:p>
           <a:p>
             <a:endParaRPr lang="zh-CN" altLang="en-US"/>
@@ -27525,7 +27233,6 @@
               <a:rPr lang="zh-CN" altLang="en-US"/>
               <a:t>2、优化PPO算法本身，例如将MLP替换为Transformer、CNN等等</a:t>
             </a:r>
-            <a:endParaRPr lang="zh-CN" altLang="en-US"/>
           </a:p>
           <a:p>
             <a:endParaRPr lang="zh-CN" altLang="en-US"/>
@@ -27535,7 +27242,6 @@
               <a:rPr lang="zh-CN" altLang="en-US" sz="2400" b="1"/>
               <a:t>3、先将环境固定下来，生成固定的场景进行训练</a:t>
             </a:r>
-            <a:endParaRPr lang="zh-CN" altLang="en-US" sz="2400" b="1"/>
           </a:p>
         </p:txBody>
       </p:sp>
@@ -27558,7 +27264,6 @@
               <a:rPr lang="zh-CN" altLang="en-US"/>
               <a:t>实现思路</a:t>
             </a:r>
-            <a:endParaRPr lang="zh-CN" altLang="en-US"/>
           </a:p>
         </p:txBody>
       </p:sp>
@@ -27598,6 +27303,7 @@
           <a:p>
             <a:fld id="{AA807A42-CF27-4B84-8583-18EBE418342E}" type="slidenum">
               <a:rPr lang="de-DE" smtClean="0"/>
+              <a:t>12</a:t>
             </a:fld>
             <a:endParaRPr lang="de-DE" dirty="0"/>
           </a:p>
@@ -27655,13 +27361,6 @@
               </a:rPr>
               <a:t>比较耗时间，需要探索比较好的参数组合</a:t>
             </a:r>
-            <a:endParaRPr lang="zh-CN" altLang="en-US" sz="1800" b="0" i="0" u="none" baseline="0" dirty="0">
-              <a:solidFill>
-                <a:srgbClr val="000000"/>
-              </a:solidFill>
-              <a:latin typeface="BMW Group Condensed" panose="020B0606020202020204" pitchFamily="34" charset="0"/>
-              <a:ea typeface="宋体" panose="02010600030101010101" pitchFamily="2" charset="-122"/>
-            </a:endParaRPr>
           </a:p>
           <a:p>
             <a:pPr algn="l" rtl="0" eaLnBrk="1" fontAlgn="auto" hangingPunct="1">
@@ -27695,13 +27394,6 @@
               </a:rPr>
               <a:t>对模型改动较大</a:t>
             </a:r>
-            <a:endParaRPr lang="zh-CN" altLang="en-US" sz="1800" b="0" i="0" u="none" baseline="0" dirty="0">
-              <a:solidFill>
-                <a:srgbClr val="000000"/>
-              </a:solidFill>
-              <a:latin typeface="BMW Group Condensed" panose="020B0606020202020204" pitchFamily="34" charset="0"/>
-              <a:ea typeface="宋体" panose="02010600030101010101" pitchFamily="2" charset="-122"/>
-            </a:endParaRPr>
           </a:p>
           <a:p>
             <a:pPr algn="l" rtl="0" eaLnBrk="1" fontAlgn="auto" hangingPunct="1">
@@ -27745,13 +27437,6 @@
               </a:rPr>
               <a:t>，固定一个特定环境，对模型环境进行简化</a:t>
             </a:r>
-            <a:endParaRPr lang="zh-CN" altLang="en-US" sz="1800" b="0" i="0" u="none" baseline="0" dirty="0">
-              <a:solidFill>
-                <a:srgbClr val="000000"/>
-              </a:solidFill>
-              <a:latin typeface="BMW Group Condensed" panose="020B0606020202020204" pitchFamily="34" charset="0"/>
-              <a:ea typeface="宋体" panose="02010600030101010101" pitchFamily="2" charset="-122"/>
-            </a:endParaRPr>
           </a:p>
           <a:p>
             <a:pPr algn="l" rtl="0" eaLnBrk="1" fontAlgn="auto" hangingPunct="1">
@@ -27775,13 +27460,6 @@
               </a:rPr>
               <a:t>包括固定车辆初始速度、初始位置、环境中车辆数以及车辆的运行轨迹</a:t>
             </a:r>
-            <a:endParaRPr lang="zh-CN" altLang="en-US" sz="1800" b="0" i="0" u="none" baseline="0" dirty="0">
-              <a:solidFill>
-                <a:srgbClr val="000000"/>
-              </a:solidFill>
-              <a:latin typeface="BMW Group Condensed" panose="020B0606020202020204" pitchFamily="34" charset="0"/>
-              <a:ea typeface="宋体" panose="02010600030101010101" pitchFamily="2" charset="-122"/>
-            </a:endParaRPr>
           </a:p>
         </p:txBody>
       </p:sp>
@@ -27829,7 +27507,6 @@
               <a:rPr lang="zh-CN" altLang="en-US"/>
               <a:t>二、完成情况</a:t>
             </a:r>
-            <a:endParaRPr lang="zh-CN" altLang="en-US"/>
           </a:p>
         </p:txBody>
       </p:sp>
@@ -27869,6 +27546,7 @@
           <a:p>
             <a:fld id="{CE0EC710-139A-4CA2-AAD7-77B43670B718}" type="slidenum">
               <a:rPr lang="zh-CN" altLang="en-US" smtClean="0"/>
+              <a:t>13</a:t>
             </a:fld>
             <a:endParaRPr lang="zh-CN" altLang="en-US" dirty="0"/>
           </a:p>
@@ -27885,7 +27563,7 @@
           </p:nvPr>
         </p:nvPicPr>
         <p:blipFill>
-          <a:blip r:embed="rId1"/>
+          <a:blip r:embed="rId2"/>
           <a:stretch>
             <a:fillRect/>
           </a:stretch>
@@ -27951,12 +27629,6 @@
               </a:rPr>
               <a:t>0</a:t>
             </a:r>
-            <a:endParaRPr lang="en-US" altLang="zh-CN" sz="1800" b="0" i="0" u="none" baseline="0" dirty="0">
-              <a:solidFill>
-                <a:srgbClr val="000000"/>
-              </a:solidFill>
-              <a:latin typeface="BMW Group Condensed" panose="020B0606020202020204" pitchFamily="34" charset="0"/>
-            </a:endParaRPr>
           </a:p>
           <a:p>
             <a:pPr algn="l" rtl="0" eaLnBrk="1" fontAlgn="auto" hangingPunct="1">
@@ -27980,13 +27652,6 @@
               </a:rPr>
               <a:t>所有生成车辆都会出现在环境中，即固定车数</a:t>
             </a:r>
-            <a:endParaRPr lang="zh-CN" altLang="en-US" sz="1800" b="0" i="0" u="none" baseline="0" dirty="0">
-              <a:solidFill>
-                <a:srgbClr val="000000"/>
-              </a:solidFill>
-              <a:latin typeface="BMW Group Condensed" panose="020B0606020202020204" pitchFamily="34" charset="0"/>
-              <a:ea typeface="宋体" panose="02010600030101010101" pitchFamily="2" charset="-122"/>
-            </a:endParaRPr>
           </a:p>
         </p:txBody>
       </p:sp>
@@ -28032,12 +27697,6 @@
               </a:rPr>
               <a:t>固定路线（环境中所有车辆直行，智能体左转）</a:t>
             </a:r>
-            <a:endParaRPr lang="zh-CN" altLang="en-US" sz="1800" b="0" i="0" u="none" baseline="0" dirty="0">
-              <a:solidFill>
-                <a:srgbClr val="000000"/>
-              </a:solidFill>
-              <a:latin typeface="BMW Group Condensed" panose="020B0606020202020204" pitchFamily="34" charset="0"/>
-            </a:endParaRPr>
           </a:p>
           <a:p>
             <a:pPr algn="l" rtl="0" eaLnBrk="1" fontAlgn="auto" hangingPunct="1">
@@ -28060,12 +27719,6 @@
               </a:rPr>
               <a:t>在交叉口出现路权冲突</a:t>
             </a:r>
-            <a:endParaRPr lang="zh-CN" altLang="en-US" sz="1800" b="0" i="0" u="none" baseline="0" dirty="0">
-              <a:solidFill>
-                <a:srgbClr val="000000"/>
-              </a:solidFill>
-              <a:latin typeface="BMW Group Condensed" panose="020B0606020202020204" pitchFamily="34" charset="0"/>
-            </a:endParaRPr>
           </a:p>
         </p:txBody>
       </p:sp>
@@ -28113,7 +27766,6 @@
               <a:rPr lang="zh-CN" altLang="en-US"/>
               <a:t>三、存在问题</a:t>
             </a:r>
-            <a:endParaRPr lang="zh-CN" altLang="en-US"/>
           </a:p>
         </p:txBody>
       </p:sp>
@@ -28153,6 +27805,7 @@
           <a:p>
             <a:fld id="{AA807A42-CF27-4B84-8583-18EBE418342E}" type="slidenum">
               <a:rPr lang="de-DE" smtClean="0"/>
+              <a:t>14</a:t>
             </a:fld>
             <a:endParaRPr lang="de-DE" dirty="0"/>
           </a:p>
@@ -28169,7 +27822,7 @@
           </p:nvPr>
         </p:nvPicPr>
         <p:blipFill>
-          <a:blip r:embed="rId1"/>
+          <a:blip r:embed="rId2"/>
           <a:stretch>
             <a:fillRect/>
           </a:stretch>
@@ -28227,13 +27880,6 @@
               </a:rPr>
               <a:t>还是模型训练没有效果</a:t>
             </a:r>
-            <a:endParaRPr lang="zh-CN" altLang="en-US" sz="2000" b="0" i="0" u="none" baseline="0" dirty="0">
-              <a:solidFill>
-                <a:srgbClr val="000000"/>
-              </a:solidFill>
-              <a:latin typeface="微软雅黑" panose="020B0503020204020204" pitchFamily="34" charset="-122"/>
-              <a:ea typeface="微软雅黑" panose="020B0503020204020204" pitchFamily="34" charset="-122"/>
-            </a:endParaRPr>
           </a:p>
           <a:p>
             <a:pPr algn="l" rtl="0" eaLnBrk="1" fontAlgn="auto" hangingPunct="1">
@@ -28257,13 +27903,6 @@
               </a:rPr>
               <a:t>发现智能体不会自动加减速来避让</a:t>
             </a:r>
-            <a:endParaRPr lang="zh-CN" altLang="en-US" sz="2000" b="0" i="0" u="none" baseline="0" dirty="0">
-              <a:solidFill>
-                <a:srgbClr val="000000"/>
-              </a:solidFill>
-              <a:latin typeface="微软雅黑" panose="020B0503020204020204" pitchFamily="34" charset="-122"/>
-              <a:ea typeface="微软雅黑" panose="020B0503020204020204" pitchFamily="34" charset="-122"/>
-            </a:endParaRPr>
           </a:p>
           <a:p>
             <a:pPr algn="l" rtl="0" eaLnBrk="1" fontAlgn="auto" hangingPunct="1">
@@ -28307,13 +27946,6 @@
               </a:rPr>
               <a:t>匀速通过</a:t>
             </a:r>
-            <a:endParaRPr lang="zh-CN" altLang="en-US" sz="2000" b="0" i="0" u="none" baseline="0" dirty="0">
-              <a:solidFill>
-                <a:srgbClr val="000000"/>
-              </a:solidFill>
-              <a:latin typeface="微软雅黑" panose="020B0503020204020204" pitchFamily="34" charset="-122"/>
-              <a:ea typeface="微软雅黑" panose="020B0503020204020204" pitchFamily="34" charset="-122"/>
-            </a:endParaRPr>
           </a:p>
           <a:p>
             <a:pPr algn="l" rtl="0" eaLnBrk="1" fontAlgn="auto" hangingPunct="1">
@@ -28389,7 +28021,6 @@
               <a:rPr lang="en-US" altLang="zh-CN" sz="2665" dirty="0"/>
               <a:t>01</a:t>
             </a:r>
-            <a:endParaRPr lang="en-US" altLang="zh-CN" sz="2665" dirty="0"/>
           </a:p>
         </p:txBody>
       </p:sp>
@@ -28421,7 +28052,6 @@
               <a:rPr lang="zh-CN" altLang="en-US" dirty="0"/>
               <a:t>组会</a:t>
             </a:r>
-            <a:endParaRPr lang="zh-CN" altLang="en-US" dirty="0"/>
           </a:p>
         </p:txBody>
       </p:sp>
@@ -28430,11 +28060,11 @@
   <p:clrMapOvr>
     <a:masterClrMapping/>
   </p:clrMapOvr>
-  <mc:AlternateContent xmlns:mc="http://schemas.openxmlformats.org/markup-compatibility/2006">
-    <mc:Choice xmlns:p14="http://schemas.microsoft.com/office/powerpoint/2010/main" Requires="p14">
+  <mc:AlternateContent xmlns:mc="http://schemas.openxmlformats.org/markup-compatibility/2006" xmlns:p14="http://schemas.microsoft.com/office/powerpoint/2010/main">
+    <mc:Choice Requires="p14">
       <p:transition spd="slow" p14:dur="2000" advTm="8329"/>
     </mc:Choice>
-    <mc:Fallback>
+    <mc:Fallback xmlns="">
       <p:transition spd="slow" advTm="8329"/>
     </mc:Fallback>
   </mc:AlternateContent>
@@ -28487,9 +28117,6 @@
               </a:rPr>
               <a:t>）</a:t>
             </a:r>
-            <a:endParaRPr lang="zh-CN" altLang="en-US" dirty="0">
-              <a:ea typeface="宋体" panose="02010600030101010101" pitchFamily="2" charset="-122"/>
-            </a:endParaRPr>
           </a:p>
         </p:txBody>
       </p:sp>
@@ -28526,15 +28153,6 @@
               </a:rPr>
               <a:t>单智能体强化学习代码进一步修改，训练模型。</a:t>
             </a:r>
-            <a:endParaRPr lang="zh-CN" altLang="en-US" sz="2400" dirty="0">
-              <a:solidFill>
-                <a:srgbClr val="000000"/>
-              </a:solidFill>
-              <a:latin typeface="Times New Roman" panose="02020603050405020304" pitchFamily="18" charset="0"/>
-              <a:ea typeface="宋体" panose="02010600030101010101" pitchFamily="2" charset="-122"/>
-              <a:cs typeface="Times New Roman" panose="02020603050405020304" pitchFamily="18" charset="0"/>
-              <a:sym typeface="+mn-ea"/>
-            </a:endParaRPr>
           </a:p>
           <a:p>
             <a:pPr marL="0" indent="0" defTabSz="914400">
@@ -28612,6 +28230,7 @@
           <a:p>
             <a:fld id="{AA807A42-CF27-4B84-8583-18EBE418342E}" type="slidenum">
               <a:rPr lang="de-DE" smtClean="0"/>
+              <a:t>16</a:t>
             </a:fld>
             <a:endParaRPr lang="de-DE" dirty="0"/>
           </a:p>
@@ -28651,7 +28270,7 @@
           <p:nvPr/>
         </p:nvPicPr>
         <p:blipFill>
-          <a:blip r:embed="rId1"/>
+          <a:blip r:embed="rId2"/>
           <a:stretch>
             <a:fillRect/>
           </a:stretch>
@@ -28685,7 +28304,6 @@
               <a:rPr lang="zh-CN" altLang="en-US"/>
               <a:t>二、完成情况</a:t>
             </a:r>
-            <a:endParaRPr lang="zh-CN" altLang="en-US"/>
           </a:p>
         </p:txBody>
       </p:sp>
@@ -28725,6 +28343,7 @@
           <a:p>
             <a:fld id="{AA807A42-CF27-4B84-8583-18EBE418342E}" type="slidenum">
               <a:rPr lang="de-DE" smtClean="0"/>
+              <a:t>17</a:t>
             </a:fld>
             <a:endParaRPr lang="de-DE" dirty="0"/>
           </a:p>
@@ -28930,7 +28549,7 @@
           <p:nvPr/>
         </p:nvPicPr>
         <p:blipFill>
-          <a:blip r:embed="rId2"/>
+          <a:blip r:embed="rId3"/>
           <a:stretch>
             <a:fillRect/>
           </a:stretch>
@@ -29293,14 +28912,6 @@
               </a:rPr>
               <a:t>[0, 1]</a:t>
             </a:r>
-            <a:endParaRPr lang="en-US" altLang="zh-CN" sz="2000" dirty="0">
-              <a:solidFill>
-                <a:srgbClr val="000000"/>
-              </a:solidFill>
-              <a:latin typeface="Times New Roman" panose="02020603050405020304" pitchFamily="18" charset="0"/>
-              <a:ea typeface="宋体" panose="02010600030101010101" pitchFamily="2" charset="-122"/>
-              <a:cs typeface="Times New Roman" panose="02020603050405020304" pitchFamily="18" charset="0"/>
-            </a:endParaRPr>
           </a:p>
           <a:p>
             <a:pPr>
@@ -29341,14 +28952,6 @@
               </a:rPr>
               <a:t>[-1, 1]</a:t>
             </a:r>
-            <a:endParaRPr lang="en-US" altLang="zh-CN" sz="2000" dirty="0">
-              <a:solidFill>
-                <a:srgbClr val="000000"/>
-              </a:solidFill>
-              <a:latin typeface="Times New Roman" panose="02020603050405020304" pitchFamily="18" charset="0"/>
-              <a:ea typeface="宋体" panose="02010600030101010101" pitchFamily="2" charset="-122"/>
-              <a:cs typeface="Times New Roman" panose="02020603050405020304" pitchFamily="18" charset="0"/>
-            </a:endParaRPr>
           </a:p>
           <a:p>
             <a:pPr rtl="0" eaLnBrk="1" fontAlgn="auto" hangingPunct="1">
@@ -29580,14 +29183,6 @@
               </a:rPr>
               <a:t>，停车时会给予惩罚。</a:t>
             </a:r>
-            <a:endParaRPr lang="zh-CN" altLang="en-US" sz="2000" b="0" i="0" u="none" baseline="0" dirty="0">
-              <a:solidFill>
-                <a:srgbClr val="000000"/>
-              </a:solidFill>
-              <a:latin typeface="Times New Roman" panose="02020603050405020304" pitchFamily="18" charset="0"/>
-              <a:ea typeface="宋体" panose="02010600030101010101" pitchFamily="2" charset="-122"/>
-              <a:cs typeface="Times New Roman" panose="02020603050405020304" pitchFamily="18" charset="0"/>
-            </a:endParaRPr>
           </a:p>
         </p:txBody>
       </p:sp>
@@ -29600,7 +29195,7 @@
         <p:spPr>
           <a:xfrm>
             <a:off x="7418705" y="2620645"/>
-            <a:ext cx="4064000" cy="922020"/>
+            <a:ext cx="4064000" cy="400110"/>
           </a:xfrm>
           <a:prstGeom prst="rect">
             <a:avLst/>
@@ -29611,6 +29206,7 @@
           <a:bodyPr vert="horz" wrap="square" rtlCol="0">
             <a:spAutoFit/>
           </a:bodyPr>
+          <a:lstStyle/>
           <a:p>
             <a:pPr algn="l" rtl="0" eaLnBrk="1" fontAlgn="auto" hangingPunct="1">
               <a:lnSpc>
@@ -29624,76 +29220,16 @@
               </a:spcAft>
             </a:pPr>
             <a:r>
-              <a:rPr lang="zh-CN" altLang="en-US" sz="1800" b="0" i="0" u="none" baseline="0" dirty="0" smtClean="0">
+              <a:rPr lang="zh-CN" altLang="en-US" sz="2000" dirty="0">
                 <a:solidFill>
                   <a:srgbClr val="000000"/>
                 </a:solidFill>
-                <a:latin typeface="BMW Group Condensed" panose="020B0606020202020204" pitchFamily="34" charset="0"/>
+                <a:latin typeface="Times New Roman" panose="02020603050405020304" pitchFamily="18" charset="0"/>
+                <a:ea typeface="宋体" panose="02010600030101010101" pitchFamily="2" charset="-122"/>
+                <a:cs typeface="Times New Roman" panose="02020603050405020304" pitchFamily="18" charset="0"/>
               </a:rPr>
-              <a:t>原来低速低奖励，高速高奖励</a:t>
-            </a:r>
-            <a:endParaRPr lang="zh-CN" altLang="en-US" sz="1800" b="0" i="0" u="none" baseline="0" dirty="0" smtClean="0">
-              <a:solidFill>
-                <a:srgbClr val="000000"/>
-              </a:solidFill>
-              <a:latin typeface="BMW Group Condensed" panose="020B0606020202020204" pitchFamily="34" charset="0"/>
-            </a:endParaRPr>
-          </a:p>
-          <a:p>
-            <a:pPr algn="l" rtl="0" eaLnBrk="1" fontAlgn="auto" hangingPunct="1">
-              <a:lnSpc>
-                <a:spcPct val="100000"/>
-              </a:lnSpc>
-              <a:spcBef>
-                <a:spcPts val="0"/>
-              </a:spcBef>
-              <a:spcAft>
-                <a:spcPts val="0"/>
-              </a:spcAft>
-            </a:pPr>
-            <a:r>
-              <a:rPr lang="zh-CN" altLang="en-US" sz="1800" b="0" i="0" u="none" baseline="0" dirty="0" smtClean="0">
-                <a:solidFill>
-                  <a:srgbClr val="000000"/>
-                </a:solidFill>
-                <a:latin typeface="BMW Group Condensed" panose="020B0606020202020204" pitchFamily="34" charset="0"/>
-              </a:rPr>
-              <a:t>现在低速负奖励，高速正奖励</a:t>
-            </a:r>
-            <a:endParaRPr lang="zh-CN" altLang="en-US" sz="1800" b="0" i="0" u="none" baseline="0" dirty="0" smtClean="0">
-              <a:solidFill>
-                <a:srgbClr val="000000"/>
-              </a:solidFill>
-              <a:latin typeface="BMW Group Condensed" panose="020B0606020202020204" pitchFamily="34" charset="0"/>
-            </a:endParaRPr>
-          </a:p>
-          <a:p>
-            <a:pPr algn="l" rtl="0" eaLnBrk="1" fontAlgn="auto" hangingPunct="1">
-              <a:lnSpc>
-                <a:spcPct val="100000"/>
-              </a:lnSpc>
-              <a:spcBef>
-                <a:spcPts val="0"/>
-              </a:spcBef>
-              <a:spcAft>
-                <a:spcPts val="0"/>
-              </a:spcAft>
-            </a:pPr>
-            <a:r>
-              <a:rPr lang="zh-CN" altLang="en-US" sz="1800" b="0" i="0" u="none" baseline="0" dirty="0" smtClean="0">
-                <a:solidFill>
-                  <a:srgbClr val="000000"/>
-                </a:solidFill>
-                <a:latin typeface="BMW Group Condensed" panose="020B0606020202020204" pitchFamily="34" charset="0"/>
-              </a:rPr>
-              <a:t>更有效避免车辆选择低速行驶</a:t>
-            </a:r>
-            <a:endParaRPr lang="zh-CN" altLang="en-US" sz="1800" b="0" i="0" u="none" baseline="0" dirty="0" smtClean="0">
-              <a:solidFill>
-                <a:srgbClr val="000000"/>
-              </a:solidFill>
-              <a:latin typeface="BMW Group Condensed" panose="020B0606020202020204" pitchFamily="34" charset="0"/>
-            </a:endParaRPr>
+              <a:t>效避免车辆选择低速行驶</a:t>
+            </a:r>
           </a:p>
         </p:txBody>
       </p:sp>
@@ -29741,7 +29277,6 @@
               <a:rPr lang="zh-CN" altLang="en-US"/>
               <a:t>二、完成情况</a:t>
             </a:r>
-            <a:endParaRPr lang="zh-CN" altLang="en-US"/>
           </a:p>
         </p:txBody>
       </p:sp>
@@ -29781,6 +29316,7 @@
           <a:p>
             <a:fld id="{AA807A42-CF27-4B84-8583-18EBE418342E}" type="slidenum">
               <a:rPr lang="de-DE" smtClean="0"/>
+              <a:t>18</a:t>
             </a:fld>
             <a:endParaRPr lang="de-DE" dirty="0"/>
           </a:p>
@@ -29986,7 +29522,7 @@
           <p:nvPr/>
         </p:nvPicPr>
         <p:blipFill>
-          <a:blip r:embed="rId1"/>
+          <a:blip r:embed="rId5"/>
           <a:stretch>
             <a:fillRect/>
           </a:stretch>
@@ -30013,13 +29549,13 @@
             <a:videoFile r:link="rId2"/>
             <p:extLst>
               <p:ext uri="{DAA4B4D4-6D71-4841-9C94-3DE7FCFB9230}">
-                <p14:media xmlns:p14="http://schemas.microsoft.com/office/powerpoint/2010/main" r:embed="rId3"/>
+                <p14:media xmlns:p14="http://schemas.microsoft.com/office/powerpoint/2010/main" r:embed="rId1"/>
               </p:ext>
             </p:extLst>
           </p:nvPr>
         </p:nvPicPr>
         <p:blipFill>
-          <a:blip r:embed="rId4"/>
+          <a:blip r:embed="rId6"/>
           <a:stretch>
             <a:fillRect/>
           </a:stretch>
@@ -30078,14 +29614,6 @@
               </a:rPr>
               <a:t>episode reward mean</a:t>
             </a:r>
-            <a:endParaRPr lang="en-US" altLang="zh-CN" sz="2400" b="0" i="0" u="none" baseline="0" dirty="0">
-              <a:solidFill>
-                <a:srgbClr val="000000"/>
-              </a:solidFill>
-              <a:latin typeface="Times New Roman" panose="02020603050405020304" pitchFamily="18" charset="0"/>
-              <a:ea typeface="微软雅黑" panose="020B0503020204020204" pitchFamily="34" charset="-122"/>
-              <a:cs typeface="Times New Roman" panose="02020603050405020304" pitchFamily="18" charset="0"/>
-            </a:endParaRPr>
           </a:p>
           <a:p>
             <a:pPr algn="ctr" rtl="0" eaLnBrk="1" fontAlgn="auto" hangingPunct="1">
@@ -30110,14 +29638,6 @@
               </a:rPr>
               <a:t>每个训练周期内奖励的平均值</a:t>
             </a:r>
-            <a:endParaRPr lang="zh-CN" altLang="en-US" sz="2400" b="0" i="0" u="none" baseline="0" dirty="0">
-              <a:solidFill>
-                <a:srgbClr val="000000"/>
-              </a:solidFill>
-              <a:latin typeface="宋体" panose="02010600030101010101" pitchFamily="2" charset="-122"/>
-              <a:ea typeface="宋体" panose="02010600030101010101" pitchFamily="2" charset="-122"/>
-              <a:cs typeface="Times New Roman" panose="02020603050405020304" pitchFamily="18" charset="0"/>
-            </a:endParaRPr>
           </a:p>
         </p:txBody>
       </p:sp>
@@ -30141,6 +29661,7 @@
           <a:bodyPr vert="horz" wrap="square" rtlCol="0">
             <a:spAutoFit/>
           </a:bodyPr>
+          <a:lstStyle/>
           <a:p>
             <a:pPr algn="l" rtl="0" eaLnBrk="1" fontAlgn="auto" hangingPunct="1">
               <a:lnSpc>
@@ -30154,7 +29675,7 @@
               </a:spcAft>
             </a:pPr>
             <a:r>
-              <a:rPr lang="zh-CN" altLang="en-US" sz="2000" b="0" i="0" u="none" baseline="0" dirty="0" smtClean="0">
+              <a:rPr lang="zh-CN" altLang="en-US" sz="2000" b="0" i="0" u="none" baseline="0" dirty="0">
                 <a:solidFill>
                   <a:srgbClr val="000000"/>
                 </a:solidFill>
@@ -30163,13 +29684,6 @@
               </a:rPr>
               <a:t>收敛较好</a:t>
             </a:r>
-            <a:endParaRPr lang="zh-CN" altLang="en-US" sz="2000" b="0" i="0" u="none" baseline="0" dirty="0" smtClean="0">
-              <a:solidFill>
-                <a:srgbClr val="000000"/>
-              </a:solidFill>
-              <a:latin typeface="宋体" panose="02010600030101010101" pitchFamily="2" charset="-122"/>
-              <a:ea typeface="宋体" panose="02010600030101010101" pitchFamily="2" charset="-122"/>
-            </a:endParaRPr>
           </a:p>
         </p:txBody>
       </p:sp>
@@ -30325,7 +29839,14 @@
         <p:cNvGrpSpPr/>
         <p:nvPr/>
       </p:nvGrpSpPr>
-      <p:grpSpPr/>
+      <p:grpSpPr>
+        <a:xfrm>
+          <a:off x="0" y="0"/>
+          <a:ext cx="0" cy="0"/>
+          <a:chOff x="0" y="0"/>
+          <a:chExt cx="0" cy="0"/>
+        </a:xfrm>
+      </p:grpSpPr>
       <p:sp>
         <p:nvSpPr>
           <p:cNvPr id="3" name="标题 2"/>
@@ -30339,12 +29860,12 @@
         <p:spPr/>
         <p:txBody>
           <a:bodyPr/>
+          <a:lstStyle/>
           <a:p>
             <a:r>
               <a:rPr lang="zh-CN" altLang="en-US"/>
               <a:t>三、下周任务</a:t>
             </a:r>
-            <a:endParaRPr lang="zh-CN" altLang="en-US"/>
           </a:p>
         </p:txBody>
       </p:sp>
@@ -30361,6 +29882,7 @@
         <p:spPr/>
         <p:txBody>
           <a:bodyPr/>
+          <a:lstStyle/>
           <a:p>
             <a:endParaRPr lang="zh-CN" altLang="en-US"/>
           </a:p>
@@ -30379,6 +29901,7 @@
         <p:spPr/>
         <p:txBody>
           <a:bodyPr/>
+          <a:lstStyle/>
           <a:p>
             <a:endParaRPr lang="zh-CN" altLang="en-US"/>
           </a:p>
@@ -30397,9 +29920,11 @@
         <p:spPr/>
         <p:txBody>
           <a:bodyPr/>
+          <a:lstStyle/>
           <a:p>
             <a:fld id="{CE0EC710-139A-4CA2-AAD7-77B43670B718}" type="slidenum">
               <a:rPr lang="zh-CN" altLang="en-US" smtClean="0"/>
+              <a:t>19</a:t>
             </a:fld>
             <a:endParaRPr lang="zh-CN" altLang="en-US" dirty="0"/>
           </a:p>
@@ -30455,9 +29980,6 @@
               </a:rPr>
               <a:t>目录</a:t>
             </a:r>
-            <a:endParaRPr lang="zh-CN" altLang="en-US">
-              <a:ea typeface="宋体" panose="02010600030101010101" pitchFamily="2" charset="-122"/>
-            </a:endParaRPr>
           </a:p>
         </p:txBody>
       </p:sp>
@@ -30589,9 +30111,6 @@
               </a:rPr>
               <a:t>下周任务</a:t>
             </a:r>
-            <a:endParaRPr lang="zh-CN" altLang="en-US" sz="3200" b="1" dirty="0">
-              <a:sym typeface="+mn-ea"/>
-            </a:endParaRPr>
           </a:p>
         </p:txBody>
       </p:sp>
@@ -30650,6 +30169,7 @@
           <a:p>
             <a:fld id="{AA807A42-CF27-4B84-8583-18EBE418342E}" type="slidenum">
               <a:rPr lang="de-DE" smtClean="0"/>
+              <a:t>2</a:t>
             </a:fld>
             <a:endParaRPr lang="de-DE" dirty="0"/>
           </a:p>
@@ -30699,7 +30219,6 @@
               <a:rPr lang="zh-CN" altLang="en-US"/>
               <a:t>一、本周任务</a:t>
             </a:r>
-            <a:endParaRPr lang="zh-CN" altLang="en-US"/>
           </a:p>
         </p:txBody>
       </p:sp>
@@ -30735,7 +30254,6 @@
               <a:rPr lang="zh-CN" altLang="en-US" sz="3200" b="1"/>
               <a:t>单智能体强化学习代码</a:t>
             </a:r>
-            <a:endParaRPr lang="zh-CN" altLang="en-US" sz="3200" b="1"/>
           </a:p>
           <a:p>
             <a:pPr marL="0" indent="0" algn="ctr">
@@ -30749,7 +30267,6 @@
               <a:rPr lang="zh-CN" altLang="en-US" sz="3200" b="1"/>
               <a:t>交叉口环境的代码复现</a:t>
             </a:r>
-            <a:endParaRPr lang="zh-CN" altLang="en-US" sz="3200" b="1"/>
           </a:p>
         </p:txBody>
       </p:sp>
@@ -30808,6 +30325,7 @@
           <a:p>
             <a:fld id="{AA807A42-CF27-4B84-8583-18EBE418342E}" type="slidenum">
               <a:rPr lang="de-DE" smtClean="0"/>
+              <a:t>3</a:t>
             </a:fld>
             <a:endParaRPr lang="de-DE" dirty="0"/>
           </a:p>
@@ -30857,7 +30375,6 @@
               <a:rPr lang="zh-CN" altLang="en-US" dirty="0"/>
               <a:t>二、本周任务完成情况</a:t>
             </a:r>
-            <a:endParaRPr lang="zh-CN" altLang="en-US" dirty="0"/>
           </a:p>
         </p:txBody>
       </p:sp>
@@ -30932,20 +30449,6 @@
               </a:rPr>
               <a:t>3</a:t>
             </a:r>
-            <a:endParaRPr kumimoji="0" lang="de-DE" sz="1600" b="0" i="0" u="none" strike="noStrike" kern="1200" cap="none" spc="0" normalizeH="0" baseline="0" noProof="0" dirty="0">
-              <a:ln>
-                <a:noFill/>
-              </a:ln>
-              <a:solidFill>
-                <a:prstClr val="white"/>
-              </a:solidFill>
-              <a:effectLst/>
-              <a:uLnTx/>
-              <a:uFillTx/>
-              <a:latin typeface="BMW Group Condensed"/>
-              <a:ea typeface="+mn-ea"/>
-              <a:cs typeface="+mn-cs"/>
-            </a:endParaRPr>
           </a:p>
         </p:txBody>
       </p:sp>
@@ -31470,7 +30973,7 @@
           <p:nvPr/>
         </p:nvPicPr>
         <p:blipFill>
-          <a:blip r:embed="rId1"/>
+          <a:blip r:embed="rId3"/>
           <a:stretch>
             <a:fillRect/>
           </a:stretch>
@@ -31494,7 +30997,7 @@
           <p:nvPr/>
         </p:nvPicPr>
         <p:blipFill>
-          <a:blip r:embed="rId2"/>
+          <a:blip r:embed="rId4"/>
           <a:stretch>
             <a:fillRect/>
           </a:stretch>
@@ -31553,7 +31056,6 @@
               <a:rPr lang="zh-CN" altLang="en-US" dirty="0"/>
               <a:t>二、本周任务完成情况</a:t>
             </a:r>
-            <a:endParaRPr lang="zh-CN" altLang="en-US" dirty="0"/>
           </a:p>
         </p:txBody>
       </p:sp>
@@ -31628,20 +31130,6 @@
               </a:rPr>
               <a:t>3</a:t>
             </a:r>
-            <a:endParaRPr kumimoji="0" lang="de-DE" sz="1600" b="0" i="0" u="none" strike="noStrike" kern="1200" cap="none" spc="0" normalizeH="0" baseline="0" noProof="0" dirty="0">
-              <a:ln>
-                <a:noFill/>
-              </a:ln>
-              <a:solidFill>
-                <a:prstClr val="white"/>
-              </a:solidFill>
-              <a:effectLst/>
-              <a:uLnTx/>
-              <a:uFillTx/>
-              <a:latin typeface="BMW Group Condensed"/>
-              <a:ea typeface="+mn-ea"/>
-              <a:cs typeface="+mn-cs"/>
-            </a:endParaRPr>
           </a:p>
         </p:txBody>
       </p:sp>
@@ -31902,7 +31390,7 @@
           <p:nvPr/>
         </p:nvPicPr>
         <p:blipFill>
-          <a:blip r:embed="rId1"/>
+          <a:blip r:embed="rId3"/>
           <a:stretch>
             <a:fillRect/>
           </a:stretch>
@@ -32077,14 +31565,6 @@
               </a:rPr>
               <a:t>路上行驶奖励，鼓励车辆保持在道路上，通常为正值。</a:t>
             </a:r>
-            <a:endParaRPr lang="zh-CN" altLang="en-US" b="1" dirty="0">
-              <a:solidFill>
-                <a:srgbClr val="000000"/>
-              </a:solidFill>
-              <a:latin typeface="微软雅黑" panose="020B0503020204020204" pitchFamily="34" charset="-122"/>
-              <a:ea typeface="微软雅黑" panose="020B0503020204020204" pitchFamily="34" charset="-122"/>
-              <a:cs typeface="微软雅黑" panose="020B0503020204020204" pitchFamily="34" charset="-122"/>
-            </a:endParaRPr>
           </a:p>
         </p:txBody>
       </p:sp>
@@ -32132,7 +31612,6 @@
               <a:rPr lang="zh-CN" altLang="en-US"/>
               <a:t>二、本周任务完成情况</a:t>
             </a:r>
-            <a:endParaRPr lang="zh-CN" altLang="en-US"/>
           </a:p>
         </p:txBody>
       </p:sp>
@@ -32147,7 +31626,7 @@
           </p:nvPr>
         </p:nvPicPr>
         <p:blipFill>
-          <a:blip r:embed="rId1"/>
+          <a:blip r:embed="rId2"/>
           <a:stretch>
             <a:fillRect/>
           </a:stretch>
@@ -32193,19 +31672,6 @@
               </a:rPr>
               <a:t>2.2 Intersection环境代码复现</a:t>
             </a:r>
-            <a:endParaRPr lang="en-US" altLang="zh-CN" sz="2400" noProof="0" dirty="0">
-              <a:ln>
-                <a:noFill/>
-              </a:ln>
-              <a:solidFill>
-                <a:schemeClr val="tx1"/>
-              </a:solidFill>
-              <a:effectLst/>
-              <a:uLnTx/>
-              <a:uFillTx/>
-              <a:latin typeface="微软雅黑" panose="020B0503020204020204" pitchFamily="34" charset="-122"/>
-              <a:ea typeface="微软雅黑" panose="020B0503020204020204" pitchFamily="34" charset="-122"/>
-            </a:endParaRPr>
           </a:p>
         </p:txBody>
       </p:sp>
@@ -32245,6 +31711,7 @@
           <a:p>
             <a:fld id="{AA807A42-CF27-4B84-8583-18EBE418342E}" type="slidenum">
               <a:rPr lang="de-DE" smtClean="0"/>
+              <a:t>6</a:t>
             </a:fld>
             <a:endParaRPr lang="de-DE" dirty="0"/>
           </a:p>
@@ -32293,13 +31760,6 @@
               </a:rPr>
               <a:t>交叉口环境设置</a:t>
             </a:r>
-            <a:endParaRPr lang="zh-CN" altLang="en-US" sz="2000" i="0" u="none" baseline="0" dirty="0">
-              <a:solidFill>
-                <a:srgbClr val="000000"/>
-              </a:solidFill>
-              <a:latin typeface="黑体" panose="02010609060101010101" charset="-122"/>
-              <a:ea typeface="黑体" panose="02010609060101010101" charset="-122"/>
-            </a:endParaRPr>
           </a:p>
         </p:txBody>
       </p:sp>
@@ -32346,13 +31806,6 @@
               </a:rPr>
               <a:t>模型训练</a:t>
             </a:r>
-            <a:endParaRPr lang="zh-CN" altLang="en-US" sz="1800" b="0" i="0" u="none" baseline="0" dirty="0">
-              <a:solidFill>
-                <a:srgbClr val="000000"/>
-              </a:solidFill>
-              <a:latin typeface="微软雅黑" panose="020B0503020204020204" pitchFamily="34" charset="-122"/>
-              <a:ea typeface="微软雅黑" panose="020B0503020204020204" pitchFamily="34" charset="-122"/>
-            </a:endParaRPr>
           </a:p>
         </p:txBody>
       </p:sp>
@@ -32365,7 +31818,7 @@
           <p:nvPr/>
         </p:nvPicPr>
         <p:blipFill>
-          <a:blip r:embed="rId2"/>
+          <a:blip r:embed="rId3"/>
           <a:srcRect b="5514"/>
           <a:stretch>
             <a:fillRect/>
@@ -32424,13 +31877,6 @@
               </a:rPr>
               <a:t>模型评估</a:t>
             </a:r>
-            <a:endParaRPr lang="zh-CN" altLang="en-US" sz="1800" b="0" i="0" u="none" baseline="0" dirty="0">
-              <a:solidFill>
-                <a:srgbClr val="000000"/>
-              </a:solidFill>
-              <a:latin typeface="微软雅黑" panose="020B0503020204020204" pitchFamily="34" charset="-122"/>
-              <a:ea typeface="微软雅黑" panose="020B0503020204020204" pitchFamily="34" charset="-122"/>
-            </a:endParaRPr>
           </a:p>
         </p:txBody>
       </p:sp>
@@ -32443,7 +31889,7 @@
           <p:nvPr/>
         </p:nvPicPr>
         <p:blipFill>
-          <a:blip r:embed="rId3"/>
+          <a:blip r:embed="rId4"/>
           <a:stretch>
             <a:fillRect/>
           </a:stretch>
@@ -32595,6 +32041,7 @@
           <a:p>
             <a:fld id="{AA807A42-CF27-4B84-8583-18EBE418342E}" type="slidenum">
               <a:rPr lang="de-DE" smtClean="0"/>
+              <a:t>7</a:t>
             </a:fld>
             <a:endParaRPr lang="de-DE" dirty="0"/>
           </a:p>
@@ -32611,7 +32058,7 @@
           </p:nvPr>
         </p:nvPicPr>
         <p:blipFill>
-          <a:blip r:embed="rId1"/>
+          <a:blip r:embed="rId3"/>
           <a:srcRect l="4521" t="11899"/>
           <a:stretch>
             <a:fillRect/>
@@ -32670,63 +32117,12 @@
               </a:rPr>
               <a:t>可视化</a:t>
             </a:r>
-            <a:endParaRPr lang="zh-CN" altLang="en-US" sz="2000" b="0" i="0" u="none" baseline="0" dirty="0">
-              <a:solidFill>
-                <a:srgbClr val="000000"/>
-              </a:solidFill>
-              <a:latin typeface="微软雅黑" panose="020B0503020204020204" pitchFamily="34" charset="-122"/>
-              <a:ea typeface="微软雅黑" panose="020B0503020204020204" pitchFamily="34" charset="-122"/>
-            </a:endParaRPr>
           </a:p>
         </p:txBody>
       </p:sp>
       <p:pic>
         <p:nvPicPr>
           <p:cNvPr id="11" name="图片 10"/>
-          <p:cNvPicPr/>
-          <p:nvPr/>
-        </p:nvPicPr>
-        <p:blipFill>
-          <a:blip r:embed="rId2"/>
-          <a:stretch>
-            <a:fillRect/>
-          </a:stretch>
-        </p:blipFill>
-        <p:spPr>
-          <a:xfrm>
-            <a:off x="5563870" y="1166495"/>
-            <a:ext cx="5400000" cy="1440000"/>
-          </a:xfrm>
-          <a:prstGeom prst="rect">
-            <a:avLst/>
-          </a:prstGeom>
-        </p:spPr>
-      </p:pic>
-      <p:pic>
-        <p:nvPicPr>
-          <p:cNvPr id="12" name="图片 11"/>
-          <p:cNvPicPr/>
-          <p:nvPr/>
-        </p:nvPicPr>
-        <p:blipFill>
-          <a:blip r:embed="rId3"/>
-          <a:stretch>
-            <a:fillRect/>
-          </a:stretch>
-        </p:blipFill>
-        <p:spPr>
-          <a:xfrm>
-            <a:off x="5563870" y="2799080"/>
-            <a:ext cx="5400000" cy="1440000"/>
-          </a:xfrm>
-          <a:prstGeom prst="rect">
-            <a:avLst/>
-          </a:prstGeom>
-        </p:spPr>
-      </p:pic>
-      <p:pic>
-        <p:nvPicPr>
-          <p:cNvPr id="13" name="图片 12"/>
           <p:cNvPicPr/>
           <p:nvPr/>
         </p:nvPicPr>
@@ -32738,6 +32134,50 @@
         </p:blipFill>
         <p:spPr>
           <a:xfrm>
+            <a:off x="5563870" y="1166495"/>
+            <a:ext cx="5400000" cy="1440000"/>
+          </a:xfrm>
+          <a:prstGeom prst="rect">
+            <a:avLst/>
+          </a:prstGeom>
+        </p:spPr>
+      </p:pic>
+      <p:pic>
+        <p:nvPicPr>
+          <p:cNvPr id="12" name="图片 11"/>
+          <p:cNvPicPr/>
+          <p:nvPr/>
+        </p:nvPicPr>
+        <p:blipFill>
+          <a:blip r:embed="rId5"/>
+          <a:stretch>
+            <a:fillRect/>
+          </a:stretch>
+        </p:blipFill>
+        <p:spPr>
+          <a:xfrm>
+            <a:off x="5563870" y="2799080"/>
+            <a:ext cx="5400000" cy="1440000"/>
+          </a:xfrm>
+          <a:prstGeom prst="rect">
+            <a:avLst/>
+          </a:prstGeom>
+        </p:spPr>
+      </p:pic>
+      <p:pic>
+        <p:nvPicPr>
+          <p:cNvPr id="13" name="图片 12"/>
+          <p:cNvPicPr/>
+          <p:nvPr/>
+        </p:nvPicPr>
+        <p:blipFill>
+          <a:blip r:embed="rId6"/>
+          <a:stretch>
+            <a:fillRect/>
+          </a:stretch>
+        </p:blipFill>
+        <p:spPr>
+          <a:xfrm>
             <a:off x="5563870" y="4431665"/>
             <a:ext cx="5400000" cy="1440000"/>
           </a:xfrm>
@@ -32789,13 +32229,6 @@
               </a:rPr>
               <a:t>指标</a:t>
             </a:r>
-            <a:endParaRPr lang="zh-CN" altLang="en-US" sz="2000" b="0" i="0" u="none" baseline="0" dirty="0">
-              <a:solidFill>
-                <a:srgbClr val="000000"/>
-              </a:solidFill>
-              <a:latin typeface="微软雅黑" panose="020B0503020204020204" pitchFamily="34" charset="-122"/>
-              <a:ea typeface="微软雅黑" panose="020B0503020204020204" pitchFamily="34" charset="-122"/>
-            </a:endParaRPr>
           </a:p>
         </p:txBody>
       </p:sp>
@@ -32843,7 +32276,6 @@
               <a:rPr lang="zh-CN" altLang="en-US" dirty="0"/>
               <a:t>三、存在问题</a:t>
             </a:r>
-            <a:endParaRPr lang="zh-CN" altLang="en-US" dirty="0"/>
           </a:p>
         </p:txBody>
       </p:sp>
@@ -32918,20 +32350,6 @@
               </a:rPr>
               <a:t>3</a:t>
             </a:r>
-            <a:endParaRPr kumimoji="0" lang="de-DE" sz="1600" b="0" i="0" u="none" strike="noStrike" kern="1200" cap="none" spc="0" normalizeH="0" baseline="0" noProof="0" dirty="0">
-              <a:ln>
-                <a:noFill/>
-              </a:ln>
-              <a:solidFill>
-                <a:prstClr val="white"/>
-              </a:solidFill>
-              <a:effectLst/>
-              <a:uLnTx/>
-              <a:uFillTx/>
-              <a:latin typeface="BMW Group Condensed"/>
-              <a:ea typeface="+mn-ea"/>
-              <a:cs typeface="+mn-cs"/>
-            </a:endParaRPr>
           </a:p>
         </p:txBody>
       </p:sp>
@@ -32984,14 +32402,6 @@
               </a:rPr>
               <a:t>波动不收敛</a:t>
             </a:r>
-            <a:endParaRPr lang="zh-CN" altLang="en-US" sz="2400" b="1" dirty="0">
-              <a:solidFill>
-                <a:srgbClr val="000000"/>
-              </a:solidFill>
-              <a:latin typeface="微软雅黑" panose="020B0503020204020204" pitchFamily="34" charset="-122"/>
-              <a:ea typeface="微软雅黑" panose="020B0503020204020204" pitchFamily="34" charset="-122"/>
-              <a:cs typeface="微软雅黑" panose="020B0503020204020204" pitchFamily="34" charset="-122"/>
-            </a:endParaRPr>
           </a:p>
         </p:txBody>
       </p:sp>
@@ -33004,7 +32414,7 @@
           <p:nvPr/>
         </p:nvPicPr>
         <p:blipFill>
-          <a:blip r:embed="rId1"/>
+          <a:blip r:embed="rId3"/>
           <a:stretch>
             <a:fillRect/>
           </a:stretch>
@@ -33062,13 +32472,6 @@
               </a:rPr>
               <a:t>总体损失</a:t>
             </a:r>
-            <a:endParaRPr lang="zh-CN" altLang="en-US" sz="2000" b="0" i="0" u="none" baseline="0" dirty="0">
-              <a:solidFill>
-                <a:srgbClr val="000000"/>
-              </a:solidFill>
-              <a:latin typeface="黑体" panose="02010609060101010101" charset="-122"/>
-              <a:ea typeface="黑体" panose="02010609060101010101" charset="-122"/>
-            </a:endParaRPr>
           </a:p>
         </p:txBody>
       </p:sp>
@@ -33115,13 +32518,6 @@
               </a:rPr>
               <a:t>策略梯度损失</a:t>
             </a:r>
-            <a:endParaRPr lang="zh-CN" altLang="en-US" sz="2000" b="0" i="0" u="none" baseline="0" dirty="0">
-              <a:solidFill>
-                <a:srgbClr val="000000"/>
-              </a:solidFill>
-              <a:latin typeface="黑体" panose="02010609060101010101" charset="-122"/>
-              <a:ea typeface="黑体" panose="02010609060101010101" charset="-122"/>
-            </a:endParaRPr>
           </a:p>
         </p:txBody>
       </p:sp>
@@ -33168,13 +32564,6 @@
               </a:rPr>
               <a:t>价值损失</a:t>
             </a:r>
-            <a:endParaRPr lang="zh-CN" altLang="en-US" sz="2000" b="0" i="0" u="none" baseline="0" dirty="0">
-              <a:solidFill>
-                <a:srgbClr val="000000"/>
-              </a:solidFill>
-              <a:latin typeface="黑体" panose="02010609060101010101" charset="-122"/>
-              <a:ea typeface="黑体" panose="02010609060101010101" charset="-122"/>
-            </a:endParaRPr>
           </a:p>
         </p:txBody>
       </p:sp>
@@ -33221,13 +32610,6 @@
               </a:rPr>
               <a:t>稳定性差</a:t>
             </a:r>
-            <a:endParaRPr lang="zh-CN" altLang="en-US" sz="2800" b="1" i="0" u="none" baseline="0" dirty="0">
-              <a:solidFill>
-                <a:srgbClr val="000000"/>
-              </a:solidFill>
-              <a:latin typeface="微软雅黑" panose="020B0503020204020204" pitchFamily="34" charset="-122"/>
-              <a:ea typeface="微软雅黑" panose="020B0503020204020204" pitchFamily="34" charset="-122"/>
-            </a:endParaRPr>
           </a:p>
         </p:txBody>
       </p:sp>
@@ -33275,7 +32657,6 @@
               <a:rPr lang="zh-CN" altLang="en-US"/>
               <a:t>三、存在问题</a:t>
             </a:r>
-            <a:endParaRPr lang="zh-CN" altLang="en-US"/>
           </a:p>
         </p:txBody>
       </p:sp>
@@ -33315,14 +32696,6 @@
               </a:rPr>
               <a:t>模型效果不理想</a:t>
             </a:r>
-            <a:endParaRPr lang="zh-CN" altLang="en-US" sz="2400" b="1" dirty="0">
-              <a:solidFill>
-                <a:srgbClr val="000000"/>
-              </a:solidFill>
-              <a:latin typeface="微软雅黑" panose="020B0503020204020204" pitchFamily="34" charset="-122"/>
-              <a:ea typeface="微软雅黑" panose="020B0503020204020204" pitchFamily="34" charset="-122"/>
-              <a:cs typeface="微软雅黑" panose="020B0503020204020204" pitchFamily="34" charset="-122"/>
-            </a:endParaRPr>
           </a:p>
           <a:p>
             <a:endParaRPr lang="zh-CN" altLang="en-US"/>
@@ -33365,6 +32738,7 @@
           <a:p>
             <a:fld id="{AA807A42-CF27-4B84-8583-18EBE418342E}" type="slidenum">
               <a:rPr lang="de-DE" smtClean="0"/>
+              <a:t>9</a:t>
             </a:fld>
             <a:endParaRPr lang="de-DE" dirty="0"/>
           </a:p>
@@ -33413,13 +32787,6 @@
               </a:rPr>
               <a:t>成功率低</a:t>
             </a:r>
-            <a:endParaRPr lang="zh-CN" altLang="en-US" sz="2800" b="1" i="0" u="none" baseline="0" dirty="0">
-              <a:solidFill>
-                <a:srgbClr val="000000"/>
-              </a:solidFill>
-              <a:latin typeface="微软雅黑" panose="020B0503020204020204" pitchFamily="34" charset="-122"/>
-              <a:ea typeface="微软雅黑" panose="020B0503020204020204" pitchFamily="34" charset="-122"/>
-            </a:endParaRPr>
           </a:p>
         </p:txBody>
       </p:sp>
@@ -33466,13 +32833,6 @@
               </a:rPr>
               <a:t>代码结果可视化：撞车严重</a:t>
             </a:r>
-            <a:endParaRPr lang="zh-CN" altLang="en-US" sz="2800" b="0" i="0" u="none" baseline="0" dirty="0">
-              <a:solidFill>
-                <a:srgbClr val="000000"/>
-              </a:solidFill>
-              <a:latin typeface="微软雅黑" panose="020B0503020204020204" pitchFamily="34" charset="-122"/>
-              <a:ea typeface="微软雅黑" panose="020B0503020204020204" pitchFamily="34" charset="-122"/>
-            </a:endParaRPr>
           </a:p>
         </p:txBody>
       </p:sp>
@@ -33519,13 +32879,6 @@
               </a:rPr>
               <a:t>超参数的值怎么修改？</a:t>
             </a:r>
-            <a:endParaRPr lang="zh-CN" altLang="en-US" sz="2800" b="0" i="0" u="none" baseline="0" dirty="0">
-              <a:solidFill>
-                <a:srgbClr val="000000"/>
-              </a:solidFill>
-              <a:latin typeface="微软雅黑" panose="020B0503020204020204" pitchFamily="34" charset="-122"/>
-              <a:ea typeface="微软雅黑" panose="020B0503020204020204" pitchFamily="34" charset="-122"/>
-            </a:endParaRPr>
           </a:p>
         </p:txBody>
       </p:sp>
@@ -33538,39 +32891,13 @@
 </file>
 
 <file path=ppt/tags/tag1.xml><?xml version="1.0" encoding="utf-8"?>
-<p:tagLst xmlns:p="http://schemas.openxmlformats.org/presentationml/2006/main">
-  <p:tag name="MIO_PRESI_FIRST_SLIDENUMBER" val="1"/>
-  <p:tag name="MIO_FALLBACK_LAYOUT" val="14"/>
-  <p:tag name="MIO_SHOW_DATE" val="False"/>
-  <p:tag name="MIO_SHOW_FOOTER" val="True"/>
-  <p:tag name="MIO_SHOW_PAGENUMBER" val="True"/>
-  <p:tag name="MIO_AVOID_BLANK_LAYOUT" val="True"/>
-  <p:tag name="MIO_NUMBER_OF_VALID_LAYOUTS" val="15"/>
-  <p:tag name="MIO_MST_COLOR_1" val="0,0,0,Dunkel 1"/>
-  <p:tag name="MIO_MST_COLOR_2" val="255,255,255,Hell 1"/>
-  <p:tag name="MIO_MST_COLOR_3" val="64,64,64,Dunkel 2"/>
-  <p:tag name="MIO_MST_COLOR_4" val="146,162,189,Hell 2"/>
-  <p:tag name="MIO_MST_COLOR_5" val="102,113,132,Akzent 1"/>
-  <p:tag name="MIO_MST_COLOR_6" val="146,162,189,Akzent 2"/>
-  <p:tag name="MIO_MST_COLOR_7" val="173,185,206,Akzent 3"/>
-  <p:tag name="MIO_MST_COLOR_8" val="201,209,222,Akzent 4"/>
-  <p:tag name="MIO_MST_COLOR_9" val="228,232,238,Akzent 5"/>
-  <p:tag name="MIO_MST_COLOR_10" val="221,218,210,Akzent 6"/>
-  <p:tag name="MIO_MST_COLOR_11" val="0,0,0,"/>
-  <p:tag name="MIO_MST_COLOR_12" val="0,0,0,"/>
-  <p:tag name="MIO_HDS" val="True"/>
-  <p:tag name="MIO_EK" val="1989"/>
-  <p:tag name="MIO_UPDATE" val="True"/>
-  <p:tag name="MIO_VERSION" val="23.10.2015 16:52:00"/>
-  <p:tag name="MIO_DBID" val="917DD09C-76C3-4640-8E0D-382111CB3B69"/>
-  <p:tag name="MIO_LASTDOWNLOADED" val="30.10.2015 14:18:05"/>
-  <p:tag name="MIO_OBJECTNAME" val="BMW Group 4:3"/>
-  <p:tag name="MIO_LASTEDITORNAME" val="empower enterprise"/>
+<p:tagLst xmlns:a="http://schemas.openxmlformats.org/drawingml/2006/main" xmlns:r="http://schemas.openxmlformats.org/officeDocument/2006/relationships" xmlns:p="http://schemas.openxmlformats.org/presentationml/2006/main">
+  <p:tag name="COMMONDATA" val="eyJoZGlkIjoiMzcyODMxYTE0ZTc0ZGU3Y2QwODc3MzYzN2Q1YmNiM2EifQ=="/>
 </p:tagLst>
 </file>
 
 <file path=ppt/tags/tag2.xml><?xml version="1.0" encoding="utf-8"?>
-<p:tagLst xmlns:p="http://schemas.openxmlformats.org/presentationml/2006/main">
+<p:tagLst xmlns:a="http://schemas.openxmlformats.org/drawingml/2006/main" xmlns:r="http://schemas.openxmlformats.org/officeDocument/2006/relationships" xmlns:p="http://schemas.openxmlformats.org/presentationml/2006/main">
   <p:tag name="MIO_PRESI_FIRST_SLIDENUMBER" val="1"/>
   <p:tag name="MIO_FALLBACK_LAYOUT" val="14"/>
   <p:tag name="MIO_SHOW_DATE" val="False"/>
@@ -33602,8 +32929,34 @@
 </file>
 
 <file path=ppt/tags/tag3.xml><?xml version="1.0" encoding="utf-8"?>
-<p:tagLst xmlns:p="http://schemas.openxmlformats.org/presentationml/2006/main">
-  <p:tag name="COMMONDATA" val="eyJoZGlkIjoiMzcyODMxYTE0ZTc0ZGU3Y2QwODc3MzYzN2Q1YmNiM2EifQ=="/>
+<p:tagLst xmlns:a="http://schemas.openxmlformats.org/drawingml/2006/main" xmlns:r="http://schemas.openxmlformats.org/officeDocument/2006/relationships" xmlns:p="http://schemas.openxmlformats.org/presentationml/2006/main">
+  <p:tag name="MIO_PRESI_FIRST_SLIDENUMBER" val="1"/>
+  <p:tag name="MIO_FALLBACK_LAYOUT" val="14"/>
+  <p:tag name="MIO_SHOW_DATE" val="False"/>
+  <p:tag name="MIO_SHOW_FOOTER" val="True"/>
+  <p:tag name="MIO_SHOW_PAGENUMBER" val="True"/>
+  <p:tag name="MIO_AVOID_BLANK_LAYOUT" val="True"/>
+  <p:tag name="MIO_NUMBER_OF_VALID_LAYOUTS" val="15"/>
+  <p:tag name="MIO_MST_COLOR_1" val="0,0,0,Dunkel 1"/>
+  <p:tag name="MIO_MST_COLOR_2" val="255,255,255,Hell 1"/>
+  <p:tag name="MIO_MST_COLOR_3" val="64,64,64,Dunkel 2"/>
+  <p:tag name="MIO_MST_COLOR_4" val="146,162,189,Hell 2"/>
+  <p:tag name="MIO_MST_COLOR_5" val="102,113,132,Akzent 1"/>
+  <p:tag name="MIO_MST_COLOR_6" val="146,162,189,Akzent 2"/>
+  <p:tag name="MIO_MST_COLOR_7" val="173,185,206,Akzent 3"/>
+  <p:tag name="MIO_MST_COLOR_8" val="201,209,222,Akzent 4"/>
+  <p:tag name="MIO_MST_COLOR_9" val="228,232,238,Akzent 5"/>
+  <p:tag name="MIO_MST_COLOR_10" val="221,218,210,Akzent 6"/>
+  <p:tag name="MIO_MST_COLOR_11" val="0,0,0,"/>
+  <p:tag name="MIO_MST_COLOR_12" val="0,0,0,"/>
+  <p:tag name="MIO_HDS" val="True"/>
+  <p:tag name="MIO_EK" val="1989"/>
+  <p:tag name="MIO_UPDATE" val="True"/>
+  <p:tag name="MIO_VERSION" val="23.10.2015 16:52:00"/>
+  <p:tag name="MIO_DBID" val="917DD09C-76C3-4640-8E0D-382111CB3B69"/>
+  <p:tag name="MIO_LASTDOWNLOADED" val="30.10.2015 14:18:05"/>
+  <p:tag name="MIO_OBJECTNAME" val="BMW Group 4:3"/>
+  <p:tag name="MIO_LASTEDITORNAME" val="empower enterprise"/>
 </p:tagLst>
 </file>
 
@@ -33930,6 +33283,7 @@
       </a:lstStyle>
     </a:txDef>
   </a:objectDefaults>
+  <a:extraClrSchemeLst/>
   <a:custClrLst>
     <a:custClr name="Grundfarbe Schwarz">
       <a:srgbClr val="000000"/>
@@ -34341,6 +33695,8 @@
       </a:bgFillStyleLst>
     </a:fmtScheme>
   </a:themeElements>
+  <a:objectDefaults/>
+  <a:extraClrSchemeLst/>
   <a:extLst>
     <a:ext uri="{05A4C25C-085E-4340-85A3-A5531E510DB2}">
       <thm15:themeFamily xmlns:thm15="http://schemas.microsoft.com/office/thememl/2012/main" name="Office Theme" id="{62F939B6-93AF-4DB8-9C6B-D6C7DFDC589F}" vid="{4A3C46E8-61CC-4603-A589-7422A47A8E4A}"/>
@@ -34672,6 +34028,7 @@
       </a:lstStyle>
     </a:txDef>
   </a:objectDefaults>
+  <a:extraClrSchemeLst/>
   <a:custClrLst>
     <a:custClr name="Grundfarbe Schwarz">
       <a:srgbClr val="000000"/>
@@ -35110,6 +34467,8 @@
       </a:bgFillStyleLst>
     </a:fmtScheme>
   </a:themeElements>
+  <a:objectDefaults/>
+  <a:extraClrSchemeLst/>
   <a:extLst>
     <a:ext uri="{05A4C25C-085E-4340-85A3-A5531E510DB2}">
       <thm15:themeFamily xmlns:thm15="http://schemas.microsoft.com/office/thememl/2012/main" name="Office Theme" id="{62F939B6-93AF-4DB8-9C6B-D6C7DFDC589F}" vid="{4A3C46E8-61CC-4603-A589-7422A47A8E4A}"/>
@@ -35369,6 +34728,8 @@
       </a:bgFillStyleLst>
     </a:fmtScheme>
   </a:themeElements>
+  <a:objectDefaults/>
+  <a:extraClrSchemeLst/>
   <a:extLst>
     <a:ext uri="{05A4C25C-085E-4340-85A3-A5531E510DB2}">
       <thm15:themeFamily xmlns:thm15="http://schemas.microsoft.com/office/thememl/2012/main" name="Office Theme" id="{62F939B6-93AF-4DB8-9C6B-D6C7DFDC589F}" vid="{4A3C46E8-61CC-4603-A589-7422A47A8E4A}"/>

--- a/组会汇报.pptx
+++ b/组会汇报.pptx
@@ -3,38 +3,38 @@
 <p:presentation xmlns:a="http://schemas.openxmlformats.org/drawingml/2006/main" xmlns:r="http://schemas.openxmlformats.org/officeDocument/2006/relationships" xmlns:p="http://schemas.openxmlformats.org/presentationml/2006/main">
   <p:sldMasterIdLst>
     <p:sldMasterId id="2147483648" r:id="rId1"/>
-    <p:sldMasterId id="2147483651" r:id="rId2"/>
-    <p:sldMasterId id="2147483655" r:id="rId3"/>
-    <p:sldMasterId id="2147483662" r:id="rId4"/>
+    <p:sldMasterId id="2147483651" r:id="rId3"/>
+    <p:sldMasterId id="2147483655" r:id="rId4"/>
+    <p:sldMasterId id="2147483662" r:id="rId5"/>
   </p:sldMasterIdLst>
   <p:notesMasterIdLst>
-    <p:notesMasterId r:id="rId24"/>
+    <p:notesMasterId r:id="rId7"/>
   </p:notesMasterIdLst>
   <p:sldIdLst>
-    <p:sldId id="393" r:id="rId5"/>
-    <p:sldId id="394" r:id="rId6"/>
-    <p:sldId id="396" r:id="rId7"/>
-    <p:sldId id="384" r:id="rId8"/>
-    <p:sldId id="390" r:id="rId9"/>
-    <p:sldId id="397" r:id="rId10"/>
-    <p:sldId id="399" r:id="rId11"/>
-    <p:sldId id="389" r:id="rId12"/>
-    <p:sldId id="403" r:id="rId13"/>
-    <p:sldId id="411" r:id="rId14"/>
-    <p:sldId id="405" r:id="rId15"/>
-    <p:sldId id="406" r:id="rId16"/>
-    <p:sldId id="408" r:id="rId17"/>
-    <p:sldId id="409" r:id="rId18"/>
-    <p:sldId id="412" r:id="rId19"/>
-    <p:sldId id="415" r:id="rId20"/>
-    <p:sldId id="413" r:id="rId21"/>
-    <p:sldId id="414" r:id="rId22"/>
-    <p:sldId id="420" r:id="rId23"/>
+    <p:sldId id="393" r:id="rId6"/>
+    <p:sldId id="394" r:id="rId8"/>
+    <p:sldId id="396" r:id="rId9"/>
+    <p:sldId id="384" r:id="rId10"/>
+    <p:sldId id="390" r:id="rId11"/>
+    <p:sldId id="397" r:id="rId12"/>
+    <p:sldId id="399" r:id="rId13"/>
+    <p:sldId id="389" r:id="rId14"/>
+    <p:sldId id="403" r:id="rId15"/>
+    <p:sldId id="411" r:id="rId16"/>
+    <p:sldId id="405" r:id="rId17"/>
+    <p:sldId id="406" r:id="rId18"/>
+    <p:sldId id="408" r:id="rId19"/>
+    <p:sldId id="409" r:id="rId20"/>
+    <p:sldId id="412" r:id="rId21"/>
+    <p:sldId id="415" r:id="rId22"/>
+    <p:sldId id="413" r:id="rId23"/>
+    <p:sldId id="414" r:id="rId24"/>
+    <p:sldId id="420" r:id="rId25"/>
   </p:sldIdLst>
   <p:sldSz cx="12192000" cy="6858000"/>
   <p:notesSz cx="6858000" cy="9144000"/>
   <p:custDataLst>
-    <p:tags r:id="rId25"/>
+    <p:tags r:id="rId30"/>
   </p:custDataLst>
   <p:defaultTextStyle>
     <a:defPPr>
@@ -131,11 +131,6 @@
       </a:defRPr>
     </a:lvl9pPr>
   </p:defaultTextStyle>
-  <p:extLst>
-    <p:ext uri="{EFAFB233-063F-42B5-8137-9DF3F51BA10A}">
-      <p15:sldGuideLst xmlns:p15="http://schemas.microsoft.com/office/powerpoint/2012/main"/>
-    </p:ext>
-  </p:extLst>
 </p:presentation>
 </file>
 
@@ -229,7 +224,6 @@
           <a:p>
             <a:fld id="{A007E71C-5B10-4544-81CA-B2E7B1A2FCCD}" type="datetimeFigureOut">
               <a:rPr lang="zh-CN" altLang="en-US" smtClean="0"/>
-              <a:t>2024/11/20</a:t>
             </a:fld>
             <a:endParaRPr lang="zh-CN" altLang="en-US"/>
           </a:p>
@@ -296,6 +290,7 @@
               <a:rPr lang="zh-CN" altLang="en-US"/>
               <a:t>单击此处编辑母版文本样式</a:t>
             </a:r>
+            <a:endParaRPr lang="zh-CN" altLang="en-US"/>
           </a:p>
           <a:p>
             <a:pPr lvl="1"/>
@@ -303,6 +298,7 @@
               <a:rPr lang="zh-CN" altLang="en-US"/>
               <a:t>二级</a:t>
             </a:r>
+            <a:endParaRPr lang="zh-CN" altLang="en-US"/>
           </a:p>
           <a:p>
             <a:pPr lvl="2"/>
@@ -310,6 +306,7 @@
               <a:rPr lang="zh-CN" altLang="en-US"/>
               <a:t>三级</a:t>
             </a:r>
+            <a:endParaRPr lang="zh-CN" altLang="en-US"/>
           </a:p>
           <a:p>
             <a:pPr lvl="3"/>
@@ -317,6 +314,7 @@
               <a:rPr lang="zh-CN" altLang="en-US"/>
               <a:t>四级</a:t>
             </a:r>
+            <a:endParaRPr lang="zh-CN" altLang="en-US"/>
           </a:p>
           <a:p>
             <a:pPr lvl="4"/>
@@ -324,6 +322,7 @@
               <a:rPr lang="zh-CN" altLang="en-US"/>
               <a:t>五级</a:t>
             </a:r>
+            <a:endParaRPr lang="zh-CN" altLang="en-US"/>
           </a:p>
         </p:txBody>
       </p:sp>
@@ -387,7 +386,6 @@
           <a:p>
             <a:fld id="{D5270CF7-D3A8-4DC3-8782-22D6DC24CC25}" type="slidenum">
               <a:rPr lang="zh-CN" altLang="en-US" smtClean="0"/>
-              <a:t>‹#›</a:t>
             </a:fld>
             <a:endParaRPr lang="zh-CN" altLang="en-US"/>
           </a:p>
@@ -561,7 +559,6 @@
           <a:p>
             <a:fld id="{DDB02DA9-F637-CB4D-BC72-92066AEB9C9A}" type="slidenum">
               <a:rPr lang="en-US" smtClean="0"/>
-              <a:t>1</a:t>
             </a:fld>
             <a:endParaRPr lang="en-US" dirty="0"/>
           </a:p>
@@ -717,7 +714,6 @@
                 <a:ea typeface="+mn-ea"/>
                 <a:cs typeface="+mn-cs"/>
               </a:rPr>
-              <a:t>4</a:t>
             </a:fld>
             <a:endParaRPr kumimoji="0" lang="de-DE" sz="1200" b="0" i="0" u="none" strike="noStrike" kern="1200" cap="none" spc="0" normalizeH="0" baseline="0" noProof="0">
               <a:ln>
@@ -886,7 +882,6 @@
                 <a:ea typeface="+mn-ea"/>
                 <a:cs typeface="+mn-cs"/>
               </a:rPr>
-              <a:t>5</a:t>
             </a:fld>
             <a:endParaRPr kumimoji="0" lang="de-DE" sz="1200" b="0" i="0" u="none" strike="noStrike" kern="1200" cap="none" spc="0" normalizeH="0" baseline="0" noProof="0">
               <a:ln>
@@ -961,24 +956,28 @@
               <a:rPr lang="zh-CN" altLang="en-US"/>
               <a:t>approx_kl ：近似的 KL 散度，用于衡量新旧策略分布的差异，防止策略更新太快不稳定。</a:t>
             </a:r>
+            <a:endParaRPr lang="zh-CN" altLang="en-US"/>
           </a:p>
           <a:p>
             <a:r>
               <a:rPr lang="zh-CN" altLang="en-US"/>
               <a:t>clip_fraction ：被截断的梯度比例，限制策略变化变化。</a:t>
             </a:r>
+            <a:endParaRPr lang="zh-CN" altLang="en-US"/>
           </a:p>
           <a:p>
             <a:r>
               <a:rPr lang="zh-CN" altLang="en-US"/>
               <a:t>clip_range ：允许的策略更新范围，超参数</a:t>
             </a:r>
+            <a:endParaRPr lang="zh-CN" altLang="en-US"/>
           </a:p>
           <a:p>
             <a:r>
               <a:rPr lang="zh-CN" altLang="en-US"/>
               <a:t>entropy_loss ：熵损失，熵越高策略随机性越大，逐渐确定最佳策略，理应逐渐下降。</a:t>
             </a:r>
+            <a:endParaRPr lang="zh-CN" altLang="en-US"/>
           </a:p>
           <a:p>
             <a:r>
@@ -993,30 +992,35 @@
               <a:rPr lang="zh-CN" altLang="en-US"/>
               <a:t>越优，说明价值函数对实际奖励的拟合越好。</a:t>
             </a:r>
+            <a:endParaRPr lang="zh-CN" altLang="en-US"/>
           </a:p>
           <a:p>
             <a:r>
               <a:rPr lang="zh-CN" altLang="en-US"/>
               <a:t>learning_rate：学习率，用于控制梯度更新的步长，超参数。</a:t>
             </a:r>
+            <a:endParaRPr lang="zh-CN" altLang="en-US"/>
           </a:p>
           <a:p>
             <a:r>
               <a:rPr lang="zh-CN" altLang="en-US"/>
               <a:t>总体损失函数值</a:t>
             </a:r>
+            <a:endParaRPr lang="zh-CN" altLang="en-US"/>
           </a:p>
           <a:p>
             <a:r>
               <a:rPr lang="zh-CN" altLang="en-US"/>
               <a:t>策略梯度损失</a:t>
             </a:r>
+            <a:endParaRPr lang="zh-CN" altLang="en-US"/>
           </a:p>
           <a:p>
             <a:r>
               <a:rPr lang="zh-CN" altLang="en-US"/>
               <a:t>价值损失</a:t>
             </a:r>
+            <a:endParaRPr lang="zh-CN" altLang="en-US"/>
           </a:p>
           <a:p>
             <a:endParaRPr lang="zh-CN" altLang="en-US"/>
@@ -1204,6 +1208,12 @@
               </a:rPr>
               <a:t>是车停在原地不动。</a:t>
             </a:r>
+            <a:endParaRPr lang="zh-CN" altLang="en-US" b="1" dirty="0">
+              <a:solidFill>
+                <a:srgbClr val="000000"/>
+              </a:solidFill>
+              <a:latin typeface="BMW Group Condensed"/>
+            </a:endParaRPr>
           </a:p>
           <a:p>
             <a:endParaRPr lang="zh-CN" altLang="en-US" dirty="0"/>
@@ -1304,7 +1314,6 @@
                 <a:ea typeface="+mn-ea"/>
                 <a:cs typeface="+mn-cs"/>
               </a:rPr>
-              <a:t>8</a:t>
             </a:fld>
             <a:endParaRPr kumimoji="0" lang="de-DE" sz="1200" b="0" i="0" u="none" strike="noStrike" kern="1200" cap="none" spc="0" normalizeH="0" baseline="0" noProof="0">
               <a:ln>
@@ -1401,7 +1410,6 @@
           <a:p>
             <a:fld id="{DDB02DA9-F637-CB4D-BC72-92066AEB9C9A}" type="slidenum">
               <a:rPr lang="en-US" smtClean="0"/>
-              <a:t>10</a:t>
             </a:fld>
             <a:endParaRPr lang="en-US" dirty="0"/>
           </a:p>
@@ -1485,7 +1493,6 @@
           <a:p>
             <a:fld id="{DDB02DA9-F637-CB4D-BC72-92066AEB9C9A}" type="slidenum">
               <a:rPr lang="en-US" smtClean="0"/>
-              <a:t>15</a:t>
             </a:fld>
             <a:endParaRPr lang="en-US" dirty="0"/>
           </a:p>
@@ -1564,7 +1571,6 @@
           <a:p>
             <a:fld id="{D5270CF7-D3A8-4DC3-8782-22D6DC24CC25}" type="slidenum">
               <a:rPr lang="zh-CN" altLang="en-US" smtClean="0"/>
-              <a:t>16</a:t>
             </a:fld>
             <a:endParaRPr lang="zh-CN" altLang="en-US"/>
           </a:p>
@@ -1643,18 +1649,12 @@
           <a:p>
             <a:fld id="{D5270CF7-D3A8-4DC3-8782-22D6DC24CC25}" type="slidenum">
               <a:rPr lang="zh-CN" altLang="en-US" smtClean="0"/>
-              <a:t>18</a:t>
             </a:fld>
             <a:endParaRPr lang="zh-CN" altLang="en-US"/>
           </a:p>
         </p:txBody>
       </p:sp>
     </p:spTree>
-    <p:extLst>
-      <p:ext uri="{BB962C8B-B14F-4D97-AF65-F5344CB8AC3E}">
-        <p14:creationId xmlns:p14="http://schemas.microsoft.com/office/powerpoint/2010/main" val="1506964148"/>
-      </p:ext>
-    </p:extLst>
   </p:cSld>
   <p:clrMapOvr>
     <a:masterClrMapping/>
@@ -1896,6 +1896,18 @@
               </a:rPr>
               <a:t>XX</a:t>
             </a:r>
+            <a:endParaRPr lang="en-US" altLang="zh-CN" sz="4800" dirty="0">
+              <a:solidFill>
+                <a:schemeClr val="bg1"/>
+              </a:solidFill>
+              <a:effectLst>
+                <a:outerShdw blurRad="38100" dist="38100" dir="2700000" algn="tl">
+                  <a:srgbClr val="000000">
+                    <a:alpha val="43137"/>
+                  </a:srgbClr>
+                </a:outerShdw>
+              </a:effectLst>
+            </a:endParaRPr>
           </a:p>
         </p:txBody>
       </p:sp>
@@ -2176,6 +2188,15 @@
               </a:rPr>
               <a:t>汇报时间：</a:t>
             </a:r>
+            <a:endParaRPr lang="zh-CN" altLang="en-US" sz="2400" dirty="0">
+              <a:solidFill>
+                <a:schemeClr val="tx2">
+                  <a:lumMod val="75000"/>
+                </a:schemeClr>
+              </a:solidFill>
+              <a:latin typeface="Times New Roman" panose="02020603050405020304" pitchFamily="18" charset="0"/>
+              <a:cs typeface="Times New Roman" panose="02020603050405020304" pitchFamily="18" charset="0"/>
+            </a:endParaRPr>
           </a:p>
         </p:txBody>
       </p:sp>
@@ -2254,6 +2275,7 @@
               <a:rPr lang="de-DE" dirty="0"/>
               <a:t>Textmasterformat bearbeiten</a:t>
             </a:r>
+            <a:endParaRPr lang="de-DE" dirty="0"/>
           </a:p>
           <a:p>
             <a:pPr lvl="1"/>
@@ -2261,6 +2283,7 @@
               <a:rPr lang="de-DE" dirty="0"/>
               <a:t>Zweite Ebene</a:t>
             </a:r>
+            <a:endParaRPr lang="de-DE" dirty="0"/>
           </a:p>
           <a:p>
             <a:pPr lvl="2"/>
@@ -2268,6 +2291,7 @@
               <a:rPr lang="de-DE" dirty="0"/>
               <a:t>Dritte Ebene</a:t>
             </a:r>
+            <a:endParaRPr lang="de-DE" dirty="0"/>
           </a:p>
           <a:p>
             <a:pPr lvl="3"/>
@@ -2275,6 +2299,7 @@
               <a:rPr lang="de-DE" dirty="0"/>
               <a:t>Vierte Ebene</a:t>
             </a:r>
+            <a:endParaRPr lang="de-DE" dirty="0"/>
           </a:p>
           <a:p>
             <a:pPr lvl="4"/>
@@ -2282,6 +2307,7 @@
               <a:rPr lang="de-DE" dirty="0"/>
               <a:t>Fünfte Ebene</a:t>
             </a:r>
+            <a:endParaRPr lang="de-DE" dirty="0"/>
           </a:p>
         </p:txBody>
       </p:sp>
@@ -2369,7 +2395,6 @@
           <a:p>
             <a:fld id="{82F288E0-7875-42C4-84C8-98DBBD3BF4D2}" type="datetimeFigureOut">
               <a:rPr lang="zh-CN" altLang="en-US" smtClean="0"/>
-              <a:t>2024/11/20</a:t>
             </a:fld>
             <a:endParaRPr lang="zh-CN" altLang="en-US"/>
           </a:p>
@@ -2416,7 +2441,6 @@
           <a:p>
             <a:fld id="{CE0EC710-139A-4CA2-AAD7-77B43670B718}" type="slidenum">
               <a:rPr lang="zh-CN" altLang="en-US" smtClean="0"/>
-              <a:t>‹#›</a:t>
             </a:fld>
             <a:endParaRPr lang="zh-CN" altLang="en-US" dirty="0"/>
           </a:p>
@@ -2776,6 +2800,7 @@
               <a:rPr lang="zh-CN" altLang="en-US" dirty="0"/>
               <a:t>单击此处编辑主标题文字</a:t>
             </a:r>
+            <a:endParaRPr lang="zh-CN" altLang="en-US" dirty="0"/>
           </a:p>
         </p:txBody>
       </p:sp>
@@ -2811,7 +2836,6 @@
                   </a:schemeClr>
                 </a:solidFill>
               </a:rPr>
-              <a:t>2024/11/20</a:t>
             </a:fld>
             <a:endParaRPr lang="zh-CN" altLang="en-US" sz="1400" dirty="0">
               <a:solidFill>
@@ -2957,6 +2981,7 @@
               <a:rPr lang="zh-CN" altLang="en-US" dirty="0"/>
               <a:t>演讲者名字</a:t>
             </a:r>
+            <a:endParaRPr lang="zh-CN" altLang="en-US" dirty="0"/>
           </a:p>
         </p:txBody>
       </p:sp>
@@ -3159,7 +3184,6 @@
             </a:pPr>
             <a:fld id="{8FC7DBC8-975C-4207-936C-01FC1A90A004}" type="datetime1">
               <a:rPr lang="zh-CN" altLang="en-US" sz="1400" smtClean="0"/>
-              <a:t>2024/11/20</a:t>
             </a:fld>
             <a:endParaRPr lang="zh-CN" altLang="en-US" sz="1400" dirty="0"/>
           </a:p>
@@ -3208,6 +3232,7 @@
               <a:rPr lang="zh-CN" altLang="en-US" dirty="0"/>
               <a:t>编辑主标题文字</a:t>
             </a:r>
+            <a:endParaRPr lang="zh-CN" altLang="en-US" dirty="0"/>
           </a:p>
         </p:txBody>
       </p:sp>
@@ -3341,6 +3366,7 @@
               <a:rPr lang="zh-CN" altLang="en-US" dirty="0"/>
               <a:t>演讲者</a:t>
             </a:r>
+            <a:endParaRPr lang="zh-CN" altLang="en-US" dirty="0"/>
           </a:p>
         </p:txBody>
       </p:sp>
@@ -3549,6 +3575,7 @@
               <a:rPr lang="zh-CN" altLang="en-US" dirty="0"/>
               <a:t>单击此处编辑主标题文字</a:t>
             </a:r>
+            <a:endParaRPr lang="zh-CN" altLang="en-US" dirty="0"/>
           </a:p>
         </p:txBody>
       </p:sp>
@@ -3588,7 +3615,6 @@
                   </a:schemeClr>
                 </a:solidFill>
               </a:rPr>
-              <a:t>2024/11/20</a:t>
             </a:fld>
             <a:endParaRPr lang="zh-CN" altLang="en-US" dirty="0">
               <a:solidFill>
@@ -3734,6 +3760,7 @@
               <a:rPr lang="zh-CN" altLang="en-US" dirty="0"/>
               <a:t>演讲者名字</a:t>
             </a:r>
+            <a:endParaRPr lang="zh-CN" altLang="en-US" dirty="0"/>
           </a:p>
         </p:txBody>
       </p:sp>
@@ -3854,6 +3881,7 @@
               <a:rPr lang="zh-CN" altLang="en-US" dirty="0"/>
               <a:t>单击此处编辑主标题</a:t>
             </a:r>
+            <a:endParaRPr lang="zh-CN" altLang="en-US" dirty="0"/>
           </a:p>
         </p:txBody>
       </p:sp>
@@ -3987,6 +4015,7 @@
               <a:rPr lang="zh-CN" altLang="en-US" dirty="0"/>
               <a:t>演讲者名字</a:t>
             </a:r>
+            <a:endParaRPr lang="zh-CN" altLang="en-US" dirty="0"/>
           </a:p>
         </p:txBody>
       </p:sp>
@@ -4026,7 +4055,6 @@
                   </a:schemeClr>
                 </a:solidFill>
               </a:rPr>
-              <a:t>2024/11/20</a:t>
             </a:fld>
             <a:endParaRPr lang="zh-CN" altLang="en-US" dirty="0">
               <a:solidFill>
@@ -4168,6 +4196,7 @@
               <a:rPr lang="zh-CN" altLang="en-US" dirty="0"/>
               <a:t>课程名称</a:t>
             </a:r>
+            <a:endParaRPr lang="zh-CN" altLang="en-US" dirty="0"/>
           </a:p>
         </p:txBody>
       </p:sp>
@@ -4443,6 +4472,7 @@
               <a:rPr lang="zh-CN" altLang="en-US" dirty="0"/>
               <a:t>演讲者名字</a:t>
             </a:r>
+            <a:endParaRPr lang="zh-CN" altLang="en-US" dirty="0"/>
           </a:p>
         </p:txBody>
       </p:sp>
@@ -4482,7 +4512,6 @@
             </a:pPr>
             <a:fld id="{8FC7DBC8-975C-4207-936C-01FC1A90A004}" type="datetime1">
               <a:rPr lang="zh-CN" altLang="en-US" smtClean="0"/>
-              <a:t>2024/11/20</a:t>
             </a:fld>
             <a:endParaRPr lang="zh-CN" altLang="en-US" dirty="0"/>
           </a:p>
@@ -4835,6 +4864,15 @@
               </a:rPr>
               <a:t>  </a:t>
             </a:r>
+            <a:endParaRPr lang="en-US" altLang="zh-CN" sz="1400" dirty="0">
+              <a:solidFill>
+                <a:schemeClr val="accent1">
+                  <a:lumMod val="75000"/>
+                </a:schemeClr>
+              </a:solidFill>
+              <a:latin typeface="微软雅黑" panose="020B0503020204020204" pitchFamily="34" charset="-122"/>
+              <a:ea typeface="微软雅黑" panose="020B0503020204020204" pitchFamily="34" charset="-122"/>
+            </a:endParaRPr>
           </a:p>
           <a:p>
             <a:pPr lvl="0"/>
@@ -5016,6 +5054,7 @@
               <a:rPr lang="zh-CN" altLang="en-US" dirty="0"/>
               <a:t>黑白（版本不同路径可能不同）</a:t>
             </a:r>
+            <a:endParaRPr lang="zh-CN" altLang="en-US" dirty="0"/>
           </a:p>
         </p:txBody>
       </p:sp>
@@ -5151,6 +5190,7 @@
               <a:rPr lang="zh-CN" altLang="en-US" dirty="0"/>
               <a:t>演讲者名字</a:t>
             </a:r>
+            <a:endParaRPr lang="zh-CN" altLang="en-US" dirty="0"/>
           </a:p>
         </p:txBody>
       </p:sp>
@@ -5190,7 +5230,6 @@
             </a:pPr>
             <a:fld id="{8FC7DBC8-975C-4207-936C-01FC1A90A004}" type="datetime1">
               <a:rPr lang="zh-CN" altLang="en-US" smtClean="0"/>
-              <a:t>2024/11/20</a:t>
             </a:fld>
             <a:endParaRPr lang="zh-CN" altLang="en-US" dirty="0"/>
           </a:p>
@@ -5543,6 +5582,15 @@
               </a:rPr>
               <a:t>  </a:t>
             </a:r>
+            <a:endParaRPr lang="en-US" altLang="zh-CN" sz="1400" dirty="0">
+              <a:solidFill>
+                <a:schemeClr val="accent1">
+                  <a:lumMod val="75000"/>
+                </a:schemeClr>
+              </a:solidFill>
+              <a:latin typeface="微软雅黑" panose="020B0503020204020204" pitchFamily="34" charset="-122"/>
+              <a:ea typeface="微软雅黑" panose="020B0503020204020204" pitchFamily="34" charset="-122"/>
+            </a:endParaRPr>
           </a:p>
           <a:p>
             <a:pPr lvl="0"/>
@@ -5669,6 +5717,7 @@
               <a:rPr lang="zh-CN" altLang="en-US" dirty="0"/>
               <a:t>黑白（版本不同路径可能不同）</a:t>
             </a:r>
+            <a:endParaRPr lang="zh-CN" altLang="en-US" dirty="0"/>
           </a:p>
         </p:txBody>
       </p:sp>
@@ -5809,6 +5858,23 @@
               </a:rPr>
               <a:t>演讲者名字</a:t>
             </a:r>
+            <a:endParaRPr kumimoji="0" lang="zh-CN" altLang="en-US" sz="2640" b="1" i="0" u="none" strike="noStrike" kern="1200" cap="all" spc="0" normalizeH="0" baseline="0" noProof="0" dirty="0">
+              <a:ln>
+                <a:noFill/>
+              </a:ln>
+              <a:solidFill>
+                <a:schemeClr val="tx1">
+                  <a:lumMod val="85000"/>
+                  <a:lumOff val="15000"/>
+                </a:schemeClr>
+              </a:solidFill>
+              <a:effectLst/>
+              <a:uLnTx/>
+              <a:uFillTx/>
+              <a:latin typeface="微软雅黑" panose="020B0503020204020204" pitchFamily="34" charset="-122"/>
+              <a:ea typeface="微软雅黑" panose="020B0503020204020204" pitchFamily="34" charset="-122"/>
+              <a:cs typeface="+mj-cs"/>
+            </a:endParaRPr>
           </a:p>
         </p:txBody>
       </p:sp>
@@ -6159,6 +6225,15 @@
               </a:rPr>
               <a:t>  </a:t>
             </a:r>
+            <a:endParaRPr lang="en-US" altLang="zh-CN" sz="1400" dirty="0">
+              <a:solidFill>
+                <a:schemeClr val="accent1">
+                  <a:lumMod val="75000"/>
+                </a:schemeClr>
+              </a:solidFill>
+              <a:latin typeface="微软雅黑" panose="020B0503020204020204" pitchFamily="34" charset="-122"/>
+              <a:ea typeface="微软雅黑" panose="020B0503020204020204" pitchFamily="34" charset="-122"/>
+            </a:endParaRPr>
           </a:p>
           <a:p>
             <a:pPr lvl="0"/>
@@ -6342,6 +6417,7 @@
               <a:rPr lang="zh-CN" altLang="en-US" dirty="0"/>
               <a:t>单击编辑正文内容</a:t>
             </a:r>
+            <a:endParaRPr lang="zh-CN" altLang="en-US" dirty="0"/>
           </a:p>
           <a:p>
             <a:pPr lvl="0"/>
@@ -6349,6 +6425,7 @@
               <a:rPr lang="zh-CN" altLang="en-US" dirty="0"/>
               <a:t>第一级内容</a:t>
             </a:r>
+            <a:endParaRPr lang="zh-CN" altLang="en-US" dirty="0"/>
           </a:p>
           <a:p>
             <a:pPr lvl="0"/>
@@ -6360,6 +6437,7 @@
               <a:rPr lang="zh-CN" altLang="en-US" dirty="0"/>
               <a:t>第二级内容</a:t>
             </a:r>
+            <a:endParaRPr lang="zh-CN" altLang="en-US" dirty="0"/>
           </a:p>
           <a:p>
             <a:pPr lvl="0"/>
@@ -6486,6 +6564,7 @@
               <a:rPr lang="zh-CN" altLang="en-US" dirty="0"/>
               <a:t>黑白（版本不同路径可能不同）</a:t>
             </a:r>
+            <a:endParaRPr lang="zh-CN" altLang="en-US" dirty="0"/>
           </a:p>
         </p:txBody>
       </p:sp>
@@ -6589,6 +6668,7 @@
               <a:rPr lang="zh-CN" altLang="en-US" dirty="0"/>
               <a:t>演讲者</a:t>
             </a:r>
+            <a:endParaRPr lang="zh-CN" altLang="en-US" dirty="0"/>
           </a:p>
         </p:txBody>
       </p:sp>
@@ -6628,7 +6708,6 @@
             </a:pPr>
             <a:fld id="{8FC7DBC8-975C-4207-936C-01FC1A90A004}" type="datetime1">
               <a:rPr lang="zh-CN" altLang="en-US" smtClean="0"/>
-              <a:t>2024/11/20</a:t>
             </a:fld>
             <a:endParaRPr lang="zh-CN" altLang="en-US" dirty="0"/>
           </a:p>
@@ -6776,6 +6855,7 @@
               <a:rPr lang="zh-CN" altLang="en-US" dirty="0"/>
               <a:t>第二级内容</a:t>
             </a:r>
+            <a:endParaRPr lang="zh-CN" altLang="en-US" dirty="0"/>
           </a:p>
         </p:txBody>
       </p:sp>
@@ -6898,6 +6978,7 @@
               <a:rPr lang="zh-CN" altLang="en-US" dirty="0"/>
               <a:t>黑白（版本不同路径可能不同）</a:t>
             </a:r>
+            <a:endParaRPr lang="zh-CN" altLang="en-US" dirty="0"/>
           </a:p>
         </p:txBody>
       </p:sp>
@@ -7058,6 +7139,7 @@
               <a:rPr lang="zh-CN" altLang="en-US" dirty="0"/>
               <a:t>黑白（版本不同路径可能不同）</a:t>
             </a:r>
+            <a:endParaRPr lang="zh-CN" altLang="en-US" dirty="0"/>
           </a:p>
         </p:txBody>
       </p:sp>
@@ -7215,6 +7297,7 @@
               <a:rPr lang="zh-CN" altLang="en-US" dirty="0"/>
               <a:t>黑白（版本不同路径可能不同）</a:t>
             </a:r>
+            <a:endParaRPr lang="zh-CN" altLang="en-US" dirty="0"/>
           </a:p>
         </p:txBody>
       </p:sp>
@@ -7326,6 +7409,23 @@
               </a:rPr>
               <a:t>演讲者</a:t>
             </a:r>
+            <a:endParaRPr kumimoji="0" lang="zh-CN" altLang="en-US" sz="2400" b="1" i="0" u="none" strike="noStrike" kern="1200" cap="all" spc="0" normalizeH="0" baseline="0" noProof="0" dirty="0">
+              <a:ln>
+                <a:noFill/>
+              </a:ln>
+              <a:solidFill>
+                <a:schemeClr val="tx1">
+                  <a:lumMod val="85000"/>
+                  <a:lumOff val="15000"/>
+                </a:schemeClr>
+              </a:solidFill>
+              <a:effectLst/>
+              <a:uLnTx/>
+              <a:uFillTx/>
+              <a:latin typeface="微软雅黑" panose="020B0503020204020204" pitchFamily="34" charset="-122"/>
+              <a:ea typeface="微软雅黑" panose="020B0503020204020204" pitchFamily="34" charset="-122"/>
+              <a:cs typeface="+mj-cs"/>
+            </a:endParaRPr>
           </a:p>
         </p:txBody>
       </p:sp>
@@ -7399,6 +7499,23 @@
               </a:rPr>
               <a:t>演讲者</a:t>
             </a:r>
+            <a:endParaRPr kumimoji="0" lang="zh-CN" altLang="en-US" sz="2400" b="1" i="0" u="none" strike="noStrike" kern="1200" cap="all" spc="0" normalizeH="0" baseline="0" noProof="0" dirty="0">
+              <a:ln>
+                <a:noFill/>
+              </a:ln>
+              <a:solidFill>
+                <a:schemeClr val="tx1">
+                  <a:lumMod val="85000"/>
+                  <a:lumOff val="15000"/>
+                </a:schemeClr>
+              </a:solidFill>
+              <a:effectLst/>
+              <a:uLnTx/>
+              <a:uFillTx/>
+              <a:latin typeface="微软雅黑" panose="020B0503020204020204" pitchFamily="34" charset="-122"/>
+              <a:ea typeface="微软雅黑" panose="020B0503020204020204" pitchFamily="34" charset="-122"/>
+              <a:cs typeface="+mj-cs"/>
+            </a:endParaRPr>
           </a:p>
         </p:txBody>
       </p:sp>
@@ -7523,6 +7640,7 @@
               <a:rPr lang="zh-CN" altLang="en-US" dirty="0"/>
               <a:t>单击编辑正文内容</a:t>
             </a:r>
+            <a:endParaRPr lang="zh-CN" altLang="en-US" dirty="0"/>
           </a:p>
           <a:p>
             <a:pPr lvl="0"/>
@@ -7530,6 +7648,7 @@
               <a:rPr lang="zh-CN" altLang="en-US" dirty="0"/>
               <a:t>第一级内容</a:t>
             </a:r>
+            <a:endParaRPr lang="zh-CN" altLang="en-US" dirty="0"/>
           </a:p>
           <a:p>
             <a:pPr lvl="0"/>
@@ -7541,6 +7660,7 @@
               <a:rPr lang="zh-CN" altLang="en-US" dirty="0"/>
               <a:t>第二级内容</a:t>
             </a:r>
+            <a:endParaRPr lang="zh-CN" altLang="en-US" dirty="0"/>
           </a:p>
           <a:p>
             <a:pPr lvl="0"/>
@@ -7618,6 +7738,23 @@
               </a:rPr>
               <a:t>演讲者</a:t>
             </a:r>
+            <a:endParaRPr kumimoji="0" lang="zh-CN" altLang="en-US" sz="2400" b="1" i="0" u="none" strike="noStrike" kern="1200" cap="all" spc="0" normalizeH="0" baseline="0" noProof="0" dirty="0">
+              <a:ln>
+                <a:noFill/>
+              </a:ln>
+              <a:solidFill>
+                <a:schemeClr val="tx1">
+                  <a:lumMod val="85000"/>
+                  <a:lumOff val="15000"/>
+                </a:schemeClr>
+              </a:solidFill>
+              <a:effectLst/>
+              <a:uLnTx/>
+              <a:uFillTx/>
+              <a:latin typeface="微软雅黑" panose="020B0503020204020204" pitchFamily="34" charset="-122"/>
+              <a:ea typeface="微软雅黑" panose="020B0503020204020204" pitchFamily="34" charset="-122"/>
+              <a:cs typeface="+mj-cs"/>
+            </a:endParaRPr>
           </a:p>
         </p:txBody>
       </p:sp>
@@ -7762,6 +7899,7 @@
               <a:rPr lang="zh-CN" altLang="en-US" dirty="0"/>
               <a:t>第二级内容</a:t>
             </a:r>
+            <a:endParaRPr lang="zh-CN" altLang="en-US" dirty="0"/>
           </a:p>
           <a:p>
             <a:pPr lvl="0"/>
@@ -8040,7 +8178,6 @@
             </a:pPr>
             <a:fld id="{8FC7DBC8-975C-4207-936C-01FC1A90A004}" type="datetime1">
               <a:rPr lang="zh-CN" altLang="en-US" smtClean="0"/>
-              <a:t>2024/11/20</a:t>
             </a:fld>
             <a:endParaRPr lang="zh-CN" altLang="en-US" dirty="0"/>
           </a:p>
@@ -8215,6 +8352,7 @@
               <a:rPr lang="zh-CN" altLang="en-US" dirty="0"/>
               <a:t>第三节  单击编辑章节标题</a:t>
             </a:r>
+            <a:endParaRPr lang="zh-CN" altLang="en-US" dirty="0"/>
           </a:p>
         </p:txBody>
       </p:sp>
@@ -8333,6 +8471,7 @@
               <a:rPr lang="zh-CN" altLang="en-US" dirty="0"/>
               <a:t>单击此处编辑母版标题样式</a:t>
             </a:r>
+            <a:endParaRPr lang="zh-CN" altLang="en-US" dirty="0"/>
           </a:p>
         </p:txBody>
       </p:sp>
@@ -8423,7 +8562,6 @@
             </a:pPr>
             <a:fld id="{8FC7DBC8-975C-4207-936C-01FC1A90A004}" type="datetime1">
               <a:rPr lang="zh-CN" altLang="en-US" smtClean="0"/>
-              <a:t>2024/11/20</a:t>
             </a:fld>
             <a:endParaRPr lang="zh-CN" altLang="en-US" dirty="0"/>
           </a:p>
@@ -8840,7 +8978,6 @@
             </a:pPr>
             <a:fld id="{8FC7DBC8-975C-4207-936C-01FC1A90A004}" type="datetime1">
               <a:rPr lang="zh-CN" altLang="en-US" smtClean="0"/>
-              <a:t>2024/11/20</a:t>
             </a:fld>
             <a:endParaRPr lang="zh-CN" altLang="en-US" dirty="0"/>
           </a:p>
@@ -9191,7 +9328,6 @@
             </a:pPr>
             <a:fld id="{8FC7DBC8-975C-4207-936C-01FC1A90A004}" type="datetime1">
               <a:rPr lang="zh-CN" altLang="en-US" smtClean="0"/>
-              <a:t>2024/11/20</a:t>
             </a:fld>
             <a:endParaRPr lang="zh-CN" altLang="en-US" dirty="0"/>
           </a:p>
@@ -9365,6 +9501,7 @@
               <a:rPr lang="zh-CN" altLang="en-US" dirty="0"/>
               <a:t>单击编辑文本标题</a:t>
             </a:r>
+            <a:endParaRPr lang="zh-CN" altLang="en-US" dirty="0"/>
           </a:p>
         </p:txBody>
       </p:sp>
@@ -9404,7 +9541,6 @@
             </a:pPr>
             <a:fld id="{8FC7DBC8-975C-4207-936C-01FC1A90A004}" type="datetime1">
               <a:rPr lang="zh-CN" altLang="en-US" smtClean="0"/>
-              <a:t>2024/11/20</a:t>
             </a:fld>
             <a:endParaRPr lang="zh-CN" altLang="en-US" dirty="0"/>
           </a:p>
@@ -9816,6 +9952,22 @@
               </a:rPr>
               <a:t>  </a:t>
             </a:r>
+            <a:endParaRPr kumimoji="0" lang="en-US" altLang="zh-CN" sz="1400" b="0" i="0" u="none" strike="noStrike" kern="1200" cap="none" spc="0" normalizeH="0" baseline="0" noProof="0" dirty="0">
+              <a:ln>
+                <a:noFill/>
+              </a:ln>
+              <a:solidFill>
+                <a:srgbClr val="4F81BD">
+                  <a:lumMod val="75000"/>
+                </a:srgbClr>
+              </a:solidFill>
+              <a:effectLst/>
+              <a:uLnTx/>
+              <a:uFillTx/>
+              <a:latin typeface="微软雅黑" panose="020B0503020204020204" pitchFamily="34" charset="-122"/>
+              <a:ea typeface="微软雅黑" panose="020B0503020204020204" pitchFamily="34" charset="-122"/>
+              <a:cs typeface="+mn-cs"/>
+            </a:endParaRPr>
           </a:p>
           <a:p>
             <a:pPr lvl="0"/>
@@ -9943,6 +10095,7 @@
               <a:rPr lang="zh-CN" altLang="en-US" dirty="0"/>
               <a:t>单击编辑文本标题</a:t>
             </a:r>
+            <a:endParaRPr lang="zh-CN" altLang="en-US" dirty="0"/>
           </a:p>
         </p:txBody>
       </p:sp>
@@ -9982,7 +10135,6 @@
             </a:pPr>
             <a:fld id="{8FC7DBC8-975C-4207-936C-01FC1A90A004}" type="datetime1">
               <a:rPr lang="zh-CN" altLang="en-US" smtClean="0"/>
-              <a:t>2024/11/20</a:t>
             </a:fld>
             <a:endParaRPr lang="zh-CN" altLang="en-US" dirty="0"/>
           </a:p>
@@ -10394,6 +10546,22 @@
               </a:rPr>
               <a:t>  </a:t>
             </a:r>
+            <a:endParaRPr kumimoji="0" lang="en-US" altLang="zh-CN" sz="1400" b="0" i="0" u="none" strike="noStrike" kern="1200" cap="none" spc="0" normalizeH="0" baseline="0" noProof="0" dirty="0">
+              <a:ln>
+                <a:noFill/>
+              </a:ln>
+              <a:solidFill>
+                <a:srgbClr val="4F81BD">
+                  <a:lumMod val="75000"/>
+                </a:srgbClr>
+              </a:solidFill>
+              <a:effectLst/>
+              <a:uLnTx/>
+              <a:uFillTx/>
+              <a:latin typeface="微软雅黑" panose="020B0503020204020204" pitchFamily="34" charset="-122"/>
+              <a:ea typeface="微软雅黑" panose="020B0503020204020204" pitchFamily="34" charset="-122"/>
+              <a:cs typeface="+mn-cs"/>
+            </a:endParaRPr>
           </a:p>
           <a:p>
             <a:pPr lvl="0"/>
@@ -10755,6 +10923,7 @@
               <a:rPr lang="zh-CN" altLang="en-US" dirty="0"/>
               <a:t>单击编辑文本标题</a:t>
             </a:r>
+            <a:endParaRPr lang="zh-CN" altLang="en-US" dirty="0"/>
           </a:p>
         </p:txBody>
       </p:sp>
@@ -10794,7 +10963,6 @@
             </a:pPr>
             <a:fld id="{8FC7DBC8-975C-4207-936C-01FC1A90A004}" type="datetime1">
               <a:rPr lang="zh-CN" altLang="en-US" smtClean="0"/>
-              <a:t>2024/11/20</a:t>
             </a:fld>
             <a:endParaRPr lang="zh-CN" altLang="en-US" dirty="0"/>
           </a:p>
@@ -11206,6 +11374,22 @@
               </a:rPr>
               <a:t>  </a:t>
             </a:r>
+            <a:endParaRPr kumimoji="0" lang="en-US" altLang="zh-CN" sz="1400" b="0" i="0" u="none" strike="noStrike" kern="1200" cap="none" spc="0" normalizeH="0" baseline="0" noProof="0" dirty="0">
+              <a:ln>
+                <a:noFill/>
+              </a:ln>
+              <a:solidFill>
+                <a:srgbClr val="4F81BD">
+                  <a:lumMod val="75000"/>
+                </a:srgbClr>
+              </a:solidFill>
+              <a:effectLst/>
+              <a:uLnTx/>
+              <a:uFillTx/>
+              <a:latin typeface="微软雅黑" panose="020B0503020204020204" pitchFamily="34" charset="-122"/>
+              <a:ea typeface="微软雅黑" panose="020B0503020204020204" pitchFamily="34" charset="-122"/>
+              <a:cs typeface="+mn-cs"/>
+            </a:endParaRPr>
           </a:p>
           <a:p>
             <a:pPr lvl="0"/>
@@ -11588,6 +11772,7 @@
               <a:rPr lang="zh-CN" altLang="en-US" dirty="0"/>
               <a:t>右图 介绍信息</a:t>
             </a:r>
+            <a:endParaRPr lang="zh-CN" altLang="en-US" dirty="0"/>
           </a:p>
         </p:txBody>
       </p:sp>
@@ -11711,6 +11896,7 @@
               <a:rPr lang="zh-CN" altLang="en-US" dirty="0"/>
               <a:t>单击编辑文本标题</a:t>
             </a:r>
+            <a:endParaRPr lang="zh-CN" altLang="en-US" dirty="0"/>
           </a:p>
         </p:txBody>
       </p:sp>
@@ -11750,7 +11936,6 @@
             </a:pPr>
             <a:fld id="{8FC7DBC8-975C-4207-936C-01FC1A90A004}" type="datetime1">
               <a:rPr lang="zh-CN" altLang="en-US" smtClean="0"/>
-              <a:t>2024/11/20</a:t>
             </a:fld>
             <a:endParaRPr lang="zh-CN" altLang="en-US" dirty="0"/>
           </a:p>
@@ -12162,6 +12347,22 @@
               </a:rPr>
               <a:t>  </a:t>
             </a:r>
+            <a:endParaRPr kumimoji="0" lang="en-US" altLang="zh-CN" sz="1400" b="0" i="0" u="none" strike="noStrike" kern="1200" cap="none" spc="0" normalizeH="0" baseline="0" noProof="0" dirty="0">
+              <a:ln>
+                <a:noFill/>
+              </a:ln>
+              <a:solidFill>
+                <a:srgbClr val="4F81BD">
+                  <a:lumMod val="75000"/>
+                </a:srgbClr>
+              </a:solidFill>
+              <a:effectLst/>
+              <a:uLnTx/>
+              <a:uFillTx/>
+              <a:latin typeface="微软雅黑" panose="020B0503020204020204" pitchFamily="34" charset="-122"/>
+              <a:ea typeface="微软雅黑" panose="020B0503020204020204" pitchFamily="34" charset="-122"/>
+              <a:cs typeface="+mn-cs"/>
+            </a:endParaRPr>
           </a:p>
           <a:p>
             <a:pPr lvl="0"/>
@@ -12583,7 +12784,6 @@
             </a:pPr>
             <a:fld id="{8FC7DBC8-975C-4207-936C-01FC1A90A004}" type="datetime1">
               <a:rPr lang="zh-CN" altLang="en-US" smtClean="0"/>
-              <a:t>2024/11/20</a:t>
             </a:fld>
             <a:endParaRPr lang="zh-CN" altLang="en-US" dirty="0"/>
           </a:p>
@@ -12995,6 +13195,22 @@
               </a:rPr>
               <a:t>  </a:t>
             </a:r>
+            <a:endParaRPr kumimoji="0" lang="en-US" altLang="zh-CN" sz="1400" b="0" i="0" u="none" strike="noStrike" kern="1200" cap="none" spc="0" normalizeH="0" baseline="0" noProof="0" dirty="0">
+              <a:ln>
+                <a:noFill/>
+              </a:ln>
+              <a:solidFill>
+                <a:srgbClr val="4F81BD">
+                  <a:lumMod val="75000"/>
+                </a:srgbClr>
+              </a:solidFill>
+              <a:effectLst/>
+              <a:uLnTx/>
+              <a:uFillTx/>
+              <a:latin typeface="微软雅黑" panose="020B0503020204020204" pitchFamily="34" charset="-122"/>
+              <a:ea typeface="微软雅黑" panose="020B0503020204020204" pitchFamily="34" charset="-122"/>
+              <a:cs typeface="+mn-cs"/>
+            </a:endParaRPr>
           </a:p>
           <a:p>
             <a:pPr lvl="0"/>
@@ -13912,6 +14128,7 @@
               <a:rPr lang="zh-CN" altLang="en-US" dirty="0"/>
               <a:t>图片信息</a:t>
             </a:r>
+            <a:endParaRPr lang="zh-CN" altLang="en-US" dirty="0"/>
           </a:p>
         </p:txBody>
       </p:sp>
@@ -14031,6 +14248,7 @@
               <a:rPr lang="zh-CN" altLang="en-US" dirty="0"/>
               <a:t>单击编辑文本标题</a:t>
             </a:r>
+            <a:endParaRPr lang="zh-CN" altLang="en-US" dirty="0"/>
           </a:p>
         </p:txBody>
       </p:sp>
@@ -14070,7 +14288,6 @@
             </a:pPr>
             <a:fld id="{8FC7DBC8-975C-4207-936C-01FC1A90A004}" type="datetime1">
               <a:rPr lang="zh-CN" altLang="en-US" smtClean="0"/>
-              <a:t>2024/11/20</a:t>
             </a:fld>
             <a:endParaRPr lang="zh-CN" altLang="en-US" dirty="0"/>
           </a:p>
@@ -14468,6 +14685,7 @@
               <a:rPr lang="zh-CN" altLang="en-US" dirty="0"/>
               <a:t>单击编辑标题</a:t>
             </a:r>
+            <a:endParaRPr lang="zh-CN" altLang="en-US" dirty="0"/>
           </a:p>
         </p:txBody>
       </p:sp>
@@ -14536,6 +14754,7 @@
               <a:rPr lang="zh-CN" altLang="en-US" dirty="0"/>
               <a:t>文本内容或对象</a:t>
             </a:r>
+            <a:endParaRPr lang="zh-CN" altLang="en-US" dirty="0"/>
           </a:p>
         </p:txBody>
       </p:sp>
@@ -14733,6 +14952,7 @@
               <a:rPr lang="zh-CN" altLang="en-US" dirty="0"/>
               <a:t>单击编辑标题</a:t>
             </a:r>
+            <a:endParaRPr lang="zh-CN" altLang="en-US" dirty="0"/>
           </a:p>
         </p:txBody>
       </p:sp>
@@ -14801,6 +15021,7 @@
               <a:rPr lang="zh-CN" altLang="en-US" dirty="0"/>
               <a:t>文本内容或对象</a:t>
             </a:r>
+            <a:endParaRPr lang="zh-CN" altLang="en-US" dirty="0"/>
           </a:p>
         </p:txBody>
       </p:sp>
@@ -15001,6 +15222,7 @@
               <a:rPr lang="zh-CN" altLang="en-US" dirty="0"/>
               <a:t>单击编辑标题</a:t>
             </a:r>
+            <a:endParaRPr lang="zh-CN" altLang="en-US" dirty="0"/>
           </a:p>
         </p:txBody>
       </p:sp>
@@ -15069,6 +15291,7 @@
               <a:rPr lang="zh-CN" altLang="en-US" dirty="0"/>
               <a:t>文本内容或对象</a:t>
             </a:r>
+            <a:endParaRPr lang="zh-CN" altLang="en-US" dirty="0"/>
           </a:p>
         </p:txBody>
       </p:sp>
@@ -15266,6 +15489,7 @@
               <a:rPr lang="zh-CN" altLang="en-US" dirty="0"/>
               <a:t>单击编辑标题</a:t>
             </a:r>
+            <a:endParaRPr lang="zh-CN" altLang="en-US" dirty="0"/>
           </a:p>
         </p:txBody>
       </p:sp>
@@ -15334,6 +15558,7 @@
               <a:rPr lang="zh-CN" altLang="en-US" dirty="0"/>
               <a:t>文本内容或对象</a:t>
             </a:r>
+            <a:endParaRPr lang="zh-CN" altLang="en-US" dirty="0"/>
           </a:p>
         </p:txBody>
       </p:sp>
@@ -15517,7 +15742,6 @@
             </a:pPr>
             <a:fld id="{8FC7DBC8-975C-4207-936C-01FC1A90A004}" type="datetime1">
               <a:rPr lang="zh-CN" altLang="en-US" smtClean="0"/>
-              <a:t>2024/11/20</a:t>
             </a:fld>
             <a:endParaRPr lang="zh-CN" altLang="en-US" dirty="0"/>
           </a:p>
@@ -15799,6 +16023,23 @@
               </a:rPr>
               <a:t>单击编辑文本标题（数据图）</a:t>
             </a:r>
+            <a:endParaRPr kumimoji="0" lang="zh-CN" altLang="en-US" sz="3120" b="1" i="0" u="none" strike="noStrike" kern="1200" cap="all" spc="0" normalizeH="0" baseline="0" noProof="0" dirty="0">
+              <a:ln>
+                <a:noFill/>
+              </a:ln>
+              <a:solidFill>
+                <a:schemeClr val="tx1">
+                  <a:lumMod val="85000"/>
+                  <a:lumOff val="15000"/>
+                </a:schemeClr>
+              </a:solidFill>
+              <a:effectLst/>
+              <a:uLnTx/>
+              <a:uFillTx/>
+              <a:latin typeface="微软雅黑" panose="020B0503020204020204" pitchFamily="34" charset="-122"/>
+              <a:ea typeface="微软雅黑" panose="020B0503020204020204" pitchFamily="34" charset="-122"/>
+              <a:cs typeface="+mj-cs"/>
+            </a:endParaRPr>
           </a:p>
         </p:txBody>
       </p:sp>
@@ -16258,6 +16499,7 @@
               <a:rPr lang="zh-CN" altLang="en-US" dirty="0"/>
               <a:t>单击编辑文本标题（数据图）</a:t>
             </a:r>
+            <a:endParaRPr lang="zh-CN" altLang="en-US" dirty="0"/>
           </a:p>
         </p:txBody>
       </p:sp>
@@ -16297,7 +16539,6 @@
             </a:pPr>
             <a:fld id="{8FC7DBC8-975C-4207-936C-01FC1A90A004}" type="datetime1">
               <a:rPr lang="zh-CN" altLang="en-US" smtClean="0"/>
-              <a:t>2024/11/20</a:t>
             </a:fld>
             <a:endParaRPr lang="zh-CN" altLang="en-US" dirty="0"/>
           </a:p>
@@ -16709,6 +16950,22 @@
               </a:rPr>
               <a:t>  </a:t>
             </a:r>
+            <a:endParaRPr kumimoji="0" lang="en-US" altLang="zh-CN" sz="1400" b="0" i="0" u="none" strike="noStrike" kern="1200" cap="none" spc="0" normalizeH="0" baseline="0" noProof="0" dirty="0">
+              <a:ln>
+                <a:noFill/>
+              </a:ln>
+              <a:solidFill>
+                <a:srgbClr val="4F81BD">
+                  <a:lumMod val="75000"/>
+                </a:srgbClr>
+              </a:solidFill>
+              <a:effectLst/>
+              <a:uLnTx/>
+              <a:uFillTx/>
+              <a:latin typeface="微软雅黑" panose="020B0503020204020204" pitchFamily="34" charset="-122"/>
+              <a:ea typeface="微软雅黑" panose="020B0503020204020204" pitchFamily="34" charset="-122"/>
+              <a:cs typeface="+mn-cs"/>
+            </a:endParaRPr>
           </a:p>
           <a:p>
             <a:pPr lvl="0"/>
@@ -17277,6 +17534,7 @@
               <a:rPr lang="zh-CN" altLang="en-US" dirty="0"/>
               <a:t>单击编辑标题</a:t>
             </a:r>
+            <a:endParaRPr lang="zh-CN" altLang="en-US" dirty="0"/>
           </a:p>
         </p:txBody>
       </p:sp>
@@ -17345,6 +17603,7 @@
               <a:rPr lang="zh-CN" altLang="en-US" dirty="0"/>
               <a:t>文本内容或对象</a:t>
             </a:r>
+            <a:endParaRPr lang="zh-CN" altLang="en-US" dirty="0"/>
           </a:p>
         </p:txBody>
       </p:sp>
@@ -17481,6 +17740,7 @@
               <a:rPr lang="zh-CN" altLang="en-US" dirty="0"/>
               <a:t>单击编辑标题</a:t>
             </a:r>
+            <a:endParaRPr lang="zh-CN" altLang="en-US" dirty="0"/>
           </a:p>
         </p:txBody>
       </p:sp>
@@ -17549,6 +17809,7 @@
               <a:rPr lang="zh-CN" altLang="en-US" dirty="0"/>
               <a:t>文本内容或对象</a:t>
             </a:r>
+            <a:endParaRPr lang="zh-CN" altLang="en-US" dirty="0"/>
           </a:p>
         </p:txBody>
       </p:sp>
@@ -17685,6 +17946,7 @@
               <a:rPr lang="zh-CN" altLang="en-US" dirty="0"/>
               <a:t>单击编辑标题</a:t>
             </a:r>
+            <a:endParaRPr lang="zh-CN" altLang="en-US" dirty="0"/>
           </a:p>
         </p:txBody>
       </p:sp>
@@ -17753,6 +18015,7 @@
               <a:rPr lang="zh-CN" altLang="en-US" dirty="0"/>
               <a:t>文本内容或对象</a:t>
             </a:r>
+            <a:endParaRPr lang="zh-CN" altLang="en-US" dirty="0"/>
           </a:p>
         </p:txBody>
       </p:sp>
@@ -17889,6 +18152,7 @@
               <a:rPr lang="zh-CN" altLang="en-US" dirty="0"/>
               <a:t>单击编辑文本标题</a:t>
             </a:r>
+            <a:endParaRPr lang="zh-CN" altLang="en-US" dirty="0"/>
           </a:p>
         </p:txBody>
       </p:sp>
@@ -17928,7 +18192,6 @@
             </a:pPr>
             <a:fld id="{8FC7DBC8-975C-4207-936C-01FC1A90A004}" type="datetime1">
               <a:rPr lang="zh-CN" altLang="en-US" smtClean="0"/>
-              <a:t>2024/11/20</a:t>
             </a:fld>
             <a:endParaRPr lang="zh-CN" altLang="en-US" dirty="0"/>
           </a:p>
@@ -18390,6 +18653,7 @@
               <a:rPr lang="zh-CN" altLang="en-US" dirty="0"/>
               <a:t>单击编辑标题</a:t>
             </a:r>
+            <a:endParaRPr lang="zh-CN" altLang="en-US" dirty="0"/>
           </a:p>
         </p:txBody>
       </p:sp>
@@ -18458,6 +18722,7 @@
               <a:rPr lang="zh-CN" altLang="en-US" dirty="0"/>
               <a:t>文本内容或对象</a:t>
             </a:r>
+            <a:endParaRPr lang="zh-CN" altLang="en-US" dirty="0"/>
           </a:p>
         </p:txBody>
       </p:sp>
@@ -18594,6 +18859,7 @@
               <a:rPr lang="zh-CN" altLang="en-US" dirty="0"/>
               <a:t>单击编辑标题</a:t>
             </a:r>
+            <a:endParaRPr lang="zh-CN" altLang="en-US" dirty="0"/>
           </a:p>
         </p:txBody>
       </p:sp>
@@ -18662,6 +18928,7 @@
               <a:rPr lang="zh-CN" altLang="en-US" dirty="0"/>
               <a:t>文本内容或对象</a:t>
             </a:r>
+            <a:endParaRPr lang="zh-CN" altLang="en-US" dirty="0"/>
           </a:p>
         </p:txBody>
       </p:sp>
@@ -18798,6 +19065,7 @@
               <a:rPr lang="zh-CN" altLang="en-US" dirty="0"/>
               <a:t>单击编辑文本标题</a:t>
             </a:r>
+            <a:endParaRPr lang="zh-CN" altLang="en-US" dirty="0"/>
           </a:p>
         </p:txBody>
       </p:sp>
@@ -18837,7 +19105,6 @@
             </a:pPr>
             <a:fld id="{8FC7DBC8-975C-4207-936C-01FC1A90A004}" type="datetime1">
               <a:rPr lang="zh-CN" altLang="en-US" smtClean="0"/>
-              <a:t>2024/11/20</a:t>
             </a:fld>
             <a:endParaRPr lang="zh-CN" altLang="en-US" dirty="0"/>
           </a:p>
@@ -19403,6 +19670,7 @@
               <a:rPr lang="zh-CN" altLang="en-US" dirty="0"/>
               <a:t>单击编辑标题</a:t>
             </a:r>
+            <a:endParaRPr lang="zh-CN" altLang="en-US" dirty="0"/>
           </a:p>
         </p:txBody>
       </p:sp>
@@ -19538,6 +19806,7 @@
               <a:rPr lang="zh-CN" altLang="en-US" dirty="0"/>
               <a:t>单击编辑标题</a:t>
             </a:r>
+            <a:endParaRPr lang="zh-CN" altLang="en-US" dirty="0"/>
           </a:p>
         </p:txBody>
       </p:sp>
@@ -19673,6 +19942,7 @@
               <a:rPr lang="zh-CN" altLang="en-US" dirty="0"/>
               <a:t>单击编辑标题</a:t>
             </a:r>
+            <a:endParaRPr lang="zh-CN" altLang="en-US" dirty="0"/>
           </a:p>
         </p:txBody>
       </p:sp>
@@ -19809,6 +20079,7 @@
               <a:rPr lang="zh-CN" altLang="en-US" dirty="0"/>
               <a:t>单击编辑正文内容</a:t>
             </a:r>
+            <a:endParaRPr lang="zh-CN" altLang="en-US" dirty="0"/>
           </a:p>
         </p:txBody>
       </p:sp>
@@ -19945,6 +20216,7 @@
               <a:rPr lang="zh-CN" altLang="en-US" dirty="0"/>
               <a:t>单击编辑正文内容</a:t>
             </a:r>
+            <a:endParaRPr lang="zh-CN" altLang="en-US" dirty="0"/>
           </a:p>
         </p:txBody>
       </p:sp>
@@ -20081,6 +20353,7 @@
               <a:rPr lang="zh-CN" altLang="en-US" dirty="0"/>
               <a:t>单击编辑正文内容</a:t>
             </a:r>
+            <a:endParaRPr lang="zh-CN" altLang="en-US" dirty="0"/>
           </a:p>
         </p:txBody>
       </p:sp>
@@ -20217,6 +20490,7 @@
               <a:rPr lang="zh-CN" altLang="en-US" dirty="0"/>
               <a:t>单击编辑文本标题</a:t>
             </a:r>
+            <a:endParaRPr lang="zh-CN" altLang="en-US" dirty="0"/>
           </a:p>
         </p:txBody>
       </p:sp>
@@ -20256,7 +20530,6 @@
             </a:pPr>
             <a:fld id="{8FC7DBC8-975C-4207-936C-01FC1A90A004}" type="datetime1">
               <a:rPr lang="zh-CN" altLang="en-US" smtClean="0"/>
-              <a:t>2024/11/20</a:t>
             </a:fld>
             <a:endParaRPr lang="zh-CN" altLang="en-US" dirty="0"/>
           </a:p>
@@ -20629,6 +20902,13 @@
               </a:rPr>
               <a:t>单击编辑</a:t>
             </a:r>
+            <a:endParaRPr lang="zh-CN" altLang="en-US" sz="2400" b="1" dirty="0">
+              <a:solidFill>
+                <a:schemeClr val="bg1"/>
+              </a:solidFill>
+              <a:latin typeface="微软雅黑" panose="020B0503020204020204" pitchFamily="34" charset="-122"/>
+              <a:ea typeface="微软雅黑" panose="020B0503020204020204" pitchFamily="34" charset="-122"/>
+            </a:endParaRPr>
           </a:p>
         </p:txBody>
       </p:sp>
@@ -20670,6 +20950,13 @@
               </a:rPr>
               <a:t>单击编辑</a:t>
             </a:r>
+            <a:endParaRPr lang="zh-CN" altLang="en-US" sz="2400" b="1" dirty="0">
+              <a:solidFill>
+                <a:schemeClr val="bg1"/>
+              </a:solidFill>
+              <a:latin typeface="微软雅黑" panose="020B0503020204020204" pitchFamily="34" charset="-122"/>
+              <a:ea typeface="微软雅黑" panose="020B0503020204020204" pitchFamily="34" charset="-122"/>
+            </a:endParaRPr>
           </a:p>
         </p:txBody>
       </p:sp>
@@ -20711,6 +20998,13 @@
               </a:rPr>
               <a:t>单击编辑</a:t>
             </a:r>
+            <a:endParaRPr lang="zh-CN" altLang="en-US" sz="2400" b="1" dirty="0">
+              <a:solidFill>
+                <a:schemeClr val="bg1"/>
+              </a:solidFill>
+              <a:latin typeface="微软雅黑" panose="020B0503020204020204" pitchFamily="34" charset="-122"/>
+              <a:ea typeface="微软雅黑" panose="020B0503020204020204" pitchFamily="34" charset="-122"/>
+            </a:endParaRPr>
           </a:p>
         </p:txBody>
       </p:sp>
@@ -20752,6 +21046,13 @@
               </a:rPr>
               <a:t>单击编辑</a:t>
             </a:r>
+            <a:endParaRPr lang="zh-CN" altLang="en-US" sz="2400" b="1" dirty="0">
+              <a:solidFill>
+                <a:schemeClr val="bg1"/>
+              </a:solidFill>
+              <a:latin typeface="微软雅黑" panose="020B0503020204020204" pitchFamily="34" charset="-122"/>
+              <a:ea typeface="微软雅黑" panose="020B0503020204020204" pitchFamily="34" charset="-122"/>
+            </a:endParaRPr>
           </a:p>
         </p:txBody>
       </p:sp>
@@ -20793,6 +21094,13 @@
               </a:rPr>
               <a:t>单击编辑</a:t>
             </a:r>
+            <a:endParaRPr lang="zh-CN" altLang="en-US" sz="2400" b="1" dirty="0">
+              <a:solidFill>
+                <a:schemeClr val="bg1"/>
+              </a:solidFill>
+              <a:latin typeface="微软雅黑" panose="020B0503020204020204" pitchFamily="34" charset="-122"/>
+              <a:ea typeface="微软雅黑" panose="020B0503020204020204" pitchFamily="34" charset="-122"/>
+            </a:endParaRPr>
           </a:p>
         </p:txBody>
       </p:sp>
@@ -20913,6 +21221,7 @@
               <a:rPr lang="zh-CN" altLang="en-US" dirty="0"/>
               <a:t>结束语</a:t>
             </a:r>
+            <a:endParaRPr lang="zh-CN" altLang="en-US" dirty="0"/>
           </a:p>
         </p:txBody>
       </p:sp>
@@ -21038,6 +21347,7 @@
               <a:rPr lang="zh-CN" altLang="en-US" dirty="0"/>
               <a:t>单击此处编辑副标题文字</a:t>
             </a:r>
+            <a:endParaRPr lang="zh-CN" altLang="en-US" dirty="0"/>
           </a:p>
         </p:txBody>
       </p:sp>
@@ -21190,6 +21500,7 @@
               <a:rPr lang="zh-CN" altLang="en-US" dirty="0"/>
               <a:t>联系方式等</a:t>
             </a:r>
+            <a:endParaRPr lang="zh-CN" altLang="en-US" dirty="0"/>
           </a:p>
         </p:txBody>
       </p:sp>
@@ -21415,6 +21726,7 @@
               <a:rPr lang="zh-CN" altLang="en-US" dirty="0"/>
               <a:t>谢谢</a:t>
             </a:r>
+            <a:endParaRPr lang="zh-CN" altLang="en-US" dirty="0"/>
           </a:p>
         </p:txBody>
       </p:sp>
@@ -21547,6 +21859,7 @@
               <a:rPr lang="zh-CN" altLang="en-US" dirty="0"/>
               <a:t>联系方式</a:t>
             </a:r>
+            <a:endParaRPr lang="zh-CN" altLang="en-US" dirty="0"/>
           </a:p>
         </p:txBody>
       </p:sp>
@@ -21649,7 +21962,6 @@
                   </a:schemeClr>
                 </a:solidFill>
               </a:rPr>
-              <a:t>2024/11/20</a:t>
             </a:fld>
             <a:endParaRPr lang="zh-CN" altLang="en-US" sz="1400" dirty="0">
               <a:solidFill>
@@ -21704,7 +22016,6 @@
           <a:p>
             <a:fld id="{7BEF5A3D-07BE-48FF-8AF4-F046F630E329}" type="datetimeFigureOut">
               <a:rPr lang="zh-CN" altLang="en-US" smtClean="0"/>
-              <a:t>2024/11/20</a:t>
             </a:fld>
             <a:endParaRPr lang="zh-CN" altLang="en-US"/>
           </a:p>
@@ -21746,7 +22057,6 @@
           <a:p>
             <a:fld id="{8BE6E5F0-A76E-4C17-8C81-56BBF4B01B99}" type="slidenum">
               <a:rPr lang="zh-CN" altLang="en-US" smtClean="0"/>
-              <a:t>‹#›</a:t>
             </a:fld>
             <a:endParaRPr lang="zh-CN" altLang="en-US"/>
           </a:p>
@@ -21804,6 +22114,7 @@
               <a:rPr lang="zh-CN" altLang="en-US" dirty="0"/>
               <a:t>单击此处编辑母版标题样式</a:t>
             </a:r>
+            <a:endParaRPr lang="zh-CN" altLang="en-US" dirty="0"/>
           </a:p>
         </p:txBody>
       </p:sp>
@@ -21905,7 +22216,6 @@
           <a:p>
             <a:fld id="{00F41A80-2106-4B14-A8A7-2BC35A9723BE}" type="slidenum">
               <a:rPr lang="zh-SG" altLang="en-US" smtClean="0"/>
-              <a:t>‹#›</a:t>
             </a:fld>
             <a:endParaRPr lang="zh-SG" altLang="en-US"/>
           </a:p>
@@ -21948,6 +22258,7 @@
               <a:rPr lang="en-US" altLang="zh-SG" dirty="0"/>
               <a:t>Edit Master text styles</a:t>
             </a:r>
+            <a:endParaRPr lang="en-US" altLang="zh-SG" dirty="0"/>
           </a:p>
         </p:txBody>
       </p:sp>
@@ -22030,6 +22341,7 @@
               <a:rPr lang="en-US" altLang="zh-SG" dirty="0"/>
               <a:t>Edit Master text styles</a:t>
             </a:r>
+            <a:endParaRPr lang="en-US" altLang="zh-SG" dirty="0"/>
           </a:p>
           <a:p>
             <a:pPr lvl="1"/>
@@ -22037,6 +22349,7 @@
               <a:rPr lang="en-US" altLang="zh-SG" dirty="0"/>
               <a:t>Second level</a:t>
             </a:r>
+            <a:endParaRPr lang="en-US" altLang="zh-SG" dirty="0"/>
           </a:p>
           <a:p>
             <a:pPr lvl="2"/>
@@ -22044,6 +22357,7 @@
               <a:rPr lang="en-US" altLang="zh-SG" dirty="0"/>
               <a:t>Third level</a:t>
             </a:r>
+            <a:endParaRPr lang="en-US" altLang="zh-SG" dirty="0"/>
           </a:p>
         </p:txBody>
       </p:sp>
@@ -22282,6 +22596,22 @@
               </a:rPr>
               <a:t>目录</a:t>
             </a:r>
+            <a:endParaRPr kumimoji="0" lang="zh-CN" altLang="en-US" sz="3600" b="1" i="0" u="none" strike="noStrike" kern="1200" cap="all" spc="0" normalizeH="0" baseline="0" noProof="0" dirty="0">
+              <a:ln>
+                <a:noFill/>
+              </a:ln>
+              <a:solidFill>
+                <a:srgbClr val="92A2BD">
+                  <a:lumMod val="50000"/>
+                </a:srgbClr>
+              </a:solidFill>
+              <a:effectLst/>
+              <a:uLnTx/>
+              <a:uFillTx/>
+              <a:latin typeface="微软雅黑" panose="020B0503020204020204" pitchFamily="34" charset="-122"/>
+              <a:ea typeface="微软雅黑" panose="020B0503020204020204" pitchFamily="34" charset="-122"/>
+              <a:cs typeface="+mn-cs"/>
+            </a:endParaRPr>
           </a:p>
         </p:txBody>
       </p:sp>
@@ -23015,6 +23345,7 @@
               <a:rPr lang="zh-CN" altLang="en-US" dirty="0"/>
               <a:t>单击此处编辑母版标题样式</a:t>
             </a:r>
+            <a:endParaRPr lang="zh-CN" altLang="en-US" dirty="0"/>
           </a:p>
         </p:txBody>
       </p:sp>
@@ -23102,6 +23433,7 @@
               <a:rPr lang="zh-CN" altLang="en-US" dirty="0"/>
               <a:t>编辑母版文本样式</a:t>
             </a:r>
+            <a:endParaRPr lang="zh-CN" altLang="en-US" dirty="0"/>
           </a:p>
           <a:p>
             <a:pPr lvl="1"/>
@@ -23109,6 +23441,7 @@
               <a:rPr lang="zh-CN" altLang="en-US" dirty="0"/>
               <a:t>第二级</a:t>
             </a:r>
+            <a:endParaRPr lang="zh-CN" altLang="en-US" dirty="0"/>
           </a:p>
           <a:p>
             <a:pPr lvl="2"/>
@@ -23116,6 +23449,7 @@
               <a:rPr lang="zh-CN" altLang="en-US" dirty="0"/>
               <a:t>第三级</a:t>
             </a:r>
+            <a:endParaRPr lang="zh-CN" altLang="en-US" dirty="0"/>
           </a:p>
           <a:p>
             <a:pPr lvl="3"/>
@@ -23123,6 +23457,7 @@
               <a:rPr lang="zh-CN" altLang="en-US" dirty="0"/>
               <a:t>第四级</a:t>
             </a:r>
+            <a:endParaRPr lang="zh-CN" altLang="en-US" dirty="0"/>
           </a:p>
           <a:p>
             <a:pPr lvl="4"/>
@@ -23130,6 +23465,7 @@
               <a:rPr lang="zh-CN" altLang="en-US" dirty="0"/>
               <a:t>第五级</a:t>
             </a:r>
+            <a:endParaRPr lang="zh-CN" altLang="en-US" dirty="0"/>
           </a:p>
         </p:txBody>
       </p:sp>
@@ -23170,6 +23506,7 @@
               <a:rPr lang="zh-CN" altLang="en-US" dirty="0"/>
               <a:t>小标题</a:t>
             </a:r>
+            <a:endParaRPr lang="zh-CN" altLang="en-US" dirty="0"/>
           </a:p>
         </p:txBody>
       </p:sp>
@@ -23206,7 +23543,6 @@
           <a:p>
             <a:fld id="{AA807A42-CF27-4B84-8583-18EBE418342E}" type="slidenum">
               <a:rPr lang="de-DE" smtClean="0"/>
-              <a:t>‹#›</a:t>
             </a:fld>
             <a:endParaRPr lang="de-DE" dirty="0"/>
           </a:p>
@@ -23364,6 +23700,7 @@
               <a:rPr lang="zh-CN" altLang="en-US" dirty="0"/>
               <a:t>单击此处编辑母版标题样式</a:t>
             </a:r>
+            <a:endParaRPr lang="zh-CN" altLang="en-US" dirty="0"/>
           </a:p>
         </p:txBody>
       </p:sp>
@@ -23451,6 +23788,7 @@
               <a:rPr lang="zh-CN" altLang="en-US" dirty="0"/>
               <a:t>编辑母版文本样式</a:t>
             </a:r>
+            <a:endParaRPr lang="zh-CN" altLang="en-US" dirty="0"/>
           </a:p>
           <a:p>
             <a:pPr lvl="1"/>
@@ -23458,6 +23796,7 @@
               <a:rPr lang="zh-CN" altLang="en-US" dirty="0"/>
               <a:t>第二级</a:t>
             </a:r>
+            <a:endParaRPr lang="zh-CN" altLang="en-US" dirty="0"/>
           </a:p>
           <a:p>
             <a:pPr lvl="2"/>
@@ -23465,6 +23804,7 @@
               <a:rPr lang="zh-CN" altLang="en-US" dirty="0"/>
               <a:t>第三级</a:t>
             </a:r>
+            <a:endParaRPr lang="zh-CN" altLang="en-US" dirty="0"/>
           </a:p>
           <a:p>
             <a:pPr lvl="3"/>
@@ -23472,6 +23812,7 @@
               <a:rPr lang="zh-CN" altLang="en-US" dirty="0"/>
               <a:t>第四级</a:t>
             </a:r>
+            <a:endParaRPr lang="zh-CN" altLang="en-US" dirty="0"/>
           </a:p>
           <a:p>
             <a:pPr lvl="4"/>
@@ -23479,6 +23820,7 @@
               <a:rPr lang="zh-CN" altLang="en-US" dirty="0"/>
               <a:t>第五级</a:t>
             </a:r>
+            <a:endParaRPr lang="zh-CN" altLang="en-US" dirty="0"/>
           </a:p>
         </p:txBody>
       </p:sp>
@@ -23519,6 +23861,7 @@
               <a:rPr lang="zh-CN" altLang="en-US" dirty="0"/>
               <a:t>小标题</a:t>
             </a:r>
+            <a:endParaRPr lang="zh-CN" altLang="en-US" dirty="0"/>
           </a:p>
         </p:txBody>
       </p:sp>
@@ -23561,6 +23904,7 @@
               <a:rPr lang="zh-CN" altLang="en-US" dirty="0"/>
               <a:t>结论</a:t>
             </a:r>
+            <a:endParaRPr lang="zh-CN" altLang="en-US" dirty="0"/>
           </a:p>
         </p:txBody>
       </p:sp>
@@ -23597,7 +23941,6 @@
           <a:p>
             <a:fld id="{AA807A42-CF27-4B84-8583-18EBE418342E}" type="slidenum">
               <a:rPr lang="de-DE" smtClean="0"/>
-              <a:t>‹#›</a:t>
             </a:fld>
             <a:endParaRPr lang="de-DE" dirty="0"/>
           </a:p>
@@ -23707,12 +24050,12 @@
           <p:nvPr userDrawn="1"/>
         </p:nvPicPr>
         <p:blipFill rotWithShape="1">
-          <a:blip r:embed="rId5">
+          <a:blip r:embed="rId3">
             <a:alphaModFix amt="85000"/>
             <a:extLst>
               <a:ext uri="{BEBA8EAE-BF5A-486C-A8C5-ECC9F3942E4B}">
                 <a14:imgProps xmlns:a14="http://schemas.microsoft.com/office/drawing/2010/main">
-                  <a14:imgLayer r:embed="rId6">
+                  <a14:imgLayer r:embed="rId4">
                     <a14:imgEffect>
                       <a14:brightnessContrast bright="6000"/>
                     </a14:imgEffect>
@@ -23791,7 +24134,7 @@
           <p:cNvSpPr/>
           <p:nvPr userDrawn="1">
             <p:custDataLst>
-              <p:tags r:id="rId4"/>
+              <p:tags r:id="rId5"/>
             </p:custDataLst>
           </p:nvPr>
         </p:nvSpPr>
@@ -24036,12 +24379,12 @@
           <p:nvPr userDrawn="1"/>
         </p:nvPicPr>
         <p:blipFill>
-          <a:blip r:embed="rId7">
+          <a:blip r:embed="rId6">
             <a:alphaModFix amt="47000"/>
             <a:extLst>
               <a:ext uri="{BEBA8EAE-BF5A-486C-A8C5-ECC9F3942E4B}">
                 <a14:imgProps xmlns:a14="http://schemas.microsoft.com/office/drawing/2010/main">
-                  <a14:imgLayer r:embed="rId8">
+                  <a14:imgLayer r:embed="rId7">
                     <a14:imgEffect>
                       <a14:brightnessContrast contrast="1000"/>
                     </a14:imgEffect>
@@ -24082,7 +24425,7 @@
           <p:nvPr userDrawn="1"/>
         </p:nvPicPr>
         <p:blipFill rotWithShape="1">
-          <a:blip r:embed="rId9" cstate="print">
+          <a:blip r:embed="rId8" cstate="print">
             <a:clrChange>
               <a:clrFrom>
                 <a:srgbClr val="FFFFFF"/>
@@ -24752,6 +25095,22 @@
               </a:rPr>
               <a:t>目录</a:t>
             </a:r>
+            <a:endParaRPr kumimoji="0" lang="zh-CN" altLang="en-US" sz="3600" b="1" i="0" u="none" strike="noStrike" kern="1200" cap="all" spc="0" normalizeH="0" baseline="0" noProof="0" dirty="0">
+              <a:ln>
+                <a:noFill/>
+              </a:ln>
+              <a:solidFill>
+                <a:srgbClr val="92A2BD">
+                  <a:lumMod val="50000"/>
+                </a:srgbClr>
+              </a:solidFill>
+              <a:effectLst/>
+              <a:uLnTx/>
+              <a:uFillTx/>
+              <a:latin typeface="微软雅黑" panose="020B0503020204020204" pitchFamily="34" charset="-122"/>
+              <a:ea typeface="微软雅黑" panose="020B0503020204020204" pitchFamily="34" charset="-122"/>
+              <a:cs typeface="+mn-cs"/>
+            </a:endParaRPr>
           </a:p>
         </p:txBody>
       </p:sp>
@@ -25773,12 +26132,12 @@
           <p:nvPr userDrawn="1"/>
         </p:nvPicPr>
         <p:blipFill rotWithShape="1">
-          <a:blip r:embed="rId9">
+          <a:blip r:embed="rId7">
             <a:alphaModFix amt="85000"/>
             <a:extLst>
               <a:ext uri="{BEBA8EAE-BF5A-486C-A8C5-ECC9F3942E4B}">
                 <a14:imgProps xmlns:a14="http://schemas.microsoft.com/office/drawing/2010/main">
-                  <a14:imgLayer r:embed="rId10">
+                  <a14:imgLayer r:embed="rId8">
                     <a14:imgEffect>
                       <a14:brightnessContrast bright="6000"/>
                     </a14:imgEffect>
@@ -25857,7 +26216,7 @@
           <p:cNvSpPr/>
           <p:nvPr userDrawn="1">
             <p:custDataLst>
-              <p:tags r:id="rId8"/>
+              <p:tags r:id="rId9"/>
             </p:custDataLst>
           </p:nvPr>
         </p:nvSpPr>
@@ -26022,7 +26381,6 @@
           <a:p>
             <a:fld id="{CE0EC710-139A-4CA2-AAD7-77B43670B718}" type="slidenum">
               <a:rPr lang="zh-CN" altLang="en-US" smtClean="0"/>
-              <a:t>‹#›</a:t>
             </a:fld>
             <a:endParaRPr lang="zh-CN" altLang="en-US" dirty="0"/>
           </a:p>
@@ -26362,6 +26720,7 @@
               <a:rPr lang="zh-CN" altLang="en-US"/>
               <a:t>单击此处编辑母版标题样式</a:t>
             </a:r>
+            <a:endParaRPr lang="zh-CN" altLang="en-US"/>
           </a:p>
         </p:txBody>
       </p:sp>
@@ -26395,6 +26754,7 @@
               <a:rPr lang="zh-CN" altLang="en-US"/>
               <a:t>单击此处编辑母版文本样式</a:t>
             </a:r>
+            <a:endParaRPr lang="zh-CN" altLang="en-US"/>
           </a:p>
           <a:p>
             <a:pPr lvl="1"/>
@@ -26402,6 +26762,7 @@
               <a:rPr lang="zh-CN" altLang="en-US"/>
               <a:t>第二级</a:t>
             </a:r>
+            <a:endParaRPr lang="zh-CN" altLang="en-US"/>
           </a:p>
           <a:p>
             <a:pPr lvl="2"/>
@@ -26409,6 +26770,7 @@
               <a:rPr lang="zh-CN" altLang="en-US"/>
               <a:t>第三级</a:t>
             </a:r>
+            <a:endParaRPr lang="zh-CN" altLang="en-US"/>
           </a:p>
           <a:p>
             <a:pPr lvl="3"/>
@@ -26416,6 +26778,7 @@
               <a:rPr lang="zh-CN" altLang="en-US"/>
               <a:t>第四级</a:t>
             </a:r>
+            <a:endParaRPr lang="zh-CN" altLang="en-US"/>
           </a:p>
           <a:p>
             <a:pPr lvl="4"/>
@@ -26423,6 +26786,7 @@
               <a:rPr lang="zh-CN" altLang="en-US"/>
               <a:t>第五级</a:t>
             </a:r>
+            <a:endParaRPr lang="zh-CN" altLang="en-US"/>
           </a:p>
         </p:txBody>
       </p:sp>
@@ -26461,7 +26825,6 @@
           <a:p>
             <a:fld id="{7BEF5A3D-07BE-48FF-8AF4-F046F630E329}" type="datetimeFigureOut">
               <a:rPr lang="zh-CN" altLang="en-US" smtClean="0"/>
-              <a:t>2024/11/20</a:t>
             </a:fld>
             <a:endParaRPr lang="zh-CN" altLang="en-US"/>
           </a:p>
@@ -26539,7 +26902,6 @@
           <a:p>
             <a:fld id="{8BE6E5F0-A76E-4C17-8C81-56BBF4B01B99}" type="slidenum">
               <a:rPr lang="zh-CN" altLang="en-US" smtClean="0"/>
-              <a:t>‹#›</a:t>
             </a:fld>
             <a:endParaRPr lang="zh-CN" altLang="en-US"/>
           </a:p>
@@ -26873,6 +27235,7 @@
               <a:rPr lang="en-US" altLang="zh-CN" sz="2665" dirty="0"/>
               <a:t>01</a:t>
             </a:r>
+            <a:endParaRPr lang="en-US" altLang="zh-CN" sz="2665" dirty="0"/>
           </a:p>
         </p:txBody>
       </p:sp>
@@ -26904,6 +27267,7 @@
               <a:rPr lang="zh-CN" altLang="en-US" dirty="0"/>
               <a:t>组会</a:t>
             </a:r>
+            <a:endParaRPr lang="zh-CN" altLang="en-US" dirty="0"/>
           </a:p>
         </p:txBody>
       </p:sp>
@@ -26912,11 +27276,11 @@
   <p:clrMapOvr>
     <a:masterClrMapping/>
   </p:clrMapOvr>
-  <mc:AlternateContent xmlns:mc="http://schemas.openxmlformats.org/markup-compatibility/2006" xmlns:p14="http://schemas.microsoft.com/office/powerpoint/2010/main">
-    <mc:Choice Requires="p14">
+  <mc:AlternateContent xmlns:mc="http://schemas.openxmlformats.org/markup-compatibility/2006">
+    <mc:Choice xmlns:p14="http://schemas.microsoft.com/office/powerpoint/2010/main" Requires="p14">
       <p:transition spd="slow" p14:dur="2000" advTm="8329"/>
     </mc:Choice>
-    <mc:Fallback xmlns="">
+    <mc:Fallback>
       <p:transition spd="slow" advTm="8329"/>
     </mc:Fallback>
   </mc:AlternateContent>
@@ -26967,6 +27331,7 @@
               <a:rPr lang="en-US" altLang="zh-CN" sz="2665" dirty="0"/>
               <a:t>01</a:t>
             </a:r>
+            <a:endParaRPr lang="en-US" altLang="zh-CN" sz="2665" dirty="0"/>
           </a:p>
         </p:txBody>
       </p:sp>
@@ -26998,6 +27363,7 @@
               <a:rPr lang="zh-CN" altLang="en-US" dirty="0"/>
               <a:t>组会</a:t>
             </a:r>
+            <a:endParaRPr lang="zh-CN" altLang="en-US" dirty="0"/>
           </a:p>
         </p:txBody>
       </p:sp>
@@ -27006,11 +27372,11 @@
   <p:clrMapOvr>
     <a:masterClrMapping/>
   </p:clrMapOvr>
-  <mc:AlternateContent xmlns:mc="http://schemas.openxmlformats.org/markup-compatibility/2006" xmlns:p14="http://schemas.microsoft.com/office/powerpoint/2010/main">
-    <mc:Choice Requires="p14">
+  <mc:AlternateContent xmlns:mc="http://schemas.openxmlformats.org/markup-compatibility/2006">
+    <mc:Choice xmlns:p14="http://schemas.microsoft.com/office/powerpoint/2010/main" Requires="p14">
       <p:transition spd="slow" p14:dur="2000" advTm="8329"/>
     </mc:Choice>
-    <mc:Fallback xmlns="">
+    <mc:Fallback>
       <p:transition spd="slow" advTm="8329"/>
     </mc:Fallback>
   </mc:AlternateContent>
@@ -27063,6 +27429,9 @@
               </a:rPr>
               <a:t>）</a:t>
             </a:r>
+            <a:endParaRPr lang="zh-CN" altLang="en-US">
+              <a:ea typeface="宋体" panose="02010600030101010101" pitchFamily="2" charset="-122"/>
+            </a:endParaRPr>
           </a:p>
         </p:txBody>
       </p:sp>
@@ -27152,7 +27521,6 @@
           <a:p>
             <a:fld id="{AA807A42-CF27-4B84-8583-18EBE418342E}" type="slidenum">
               <a:rPr lang="de-DE" smtClean="0"/>
-              <a:t>11</a:t>
             </a:fld>
             <a:endParaRPr lang="de-DE" dirty="0"/>
           </a:p>
@@ -27202,6 +27570,7 @@
               <a:rPr lang="zh-CN" altLang="en-US"/>
               <a:t>二、完成情况</a:t>
             </a:r>
+            <a:endParaRPr lang="zh-CN" altLang="en-US"/>
           </a:p>
         </p:txBody>
       </p:sp>
@@ -27224,6 +27593,7 @@
               <a:rPr lang="zh-CN" altLang="en-US"/>
               <a:t>1、修改奖励函数，包括调整参数、设计更合理的奖励函数等等</a:t>
             </a:r>
+            <a:endParaRPr lang="zh-CN" altLang="en-US"/>
           </a:p>
           <a:p>
             <a:endParaRPr lang="zh-CN" altLang="en-US"/>
@@ -27233,6 +27603,7 @@
               <a:rPr lang="zh-CN" altLang="en-US"/>
               <a:t>2、优化PPO算法本身，例如将MLP替换为Transformer、CNN等等</a:t>
             </a:r>
+            <a:endParaRPr lang="zh-CN" altLang="en-US"/>
           </a:p>
           <a:p>
             <a:endParaRPr lang="zh-CN" altLang="en-US"/>
@@ -27242,6 +27613,7 @@
               <a:rPr lang="zh-CN" altLang="en-US" sz="2400" b="1"/>
               <a:t>3、先将环境固定下来，生成固定的场景进行训练</a:t>
             </a:r>
+            <a:endParaRPr lang="zh-CN" altLang="en-US" sz="2400" b="1"/>
           </a:p>
         </p:txBody>
       </p:sp>
@@ -27264,6 +27636,7 @@
               <a:rPr lang="zh-CN" altLang="en-US"/>
               <a:t>实现思路</a:t>
             </a:r>
+            <a:endParaRPr lang="zh-CN" altLang="en-US"/>
           </a:p>
         </p:txBody>
       </p:sp>
@@ -27303,7 +27676,6 @@
           <a:p>
             <a:fld id="{AA807A42-CF27-4B84-8583-18EBE418342E}" type="slidenum">
               <a:rPr lang="de-DE" smtClean="0"/>
-              <a:t>12</a:t>
             </a:fld>
             <a:endParaRPr lang="de-DE" dirty="0"/>
           </a:p>
@@ -27361,6 +27733,13 @@
               </a:rPr>
               <a:t>比较耗时间，需要探索比较好的参数组合</a:t>
             </a:r>
+            <a:endParaRPr lang="zh-CN" altLang="en-US" sz="1800" b="0" i="0" u="none" baseline="0" dirty="0">
+              <a:solidFill>
+                <a:srgbClr val="000000"/>
+              </a:solidFill>
+              <a:latin typeface="BMW Group Condensed" panose="020B0606020202020204" pitchFamily="34" charset="0"/>
+              <a:ea typeface="宋体" panose="02010600030101010101" pitchFamily="2" charset="-122"/>
+            </a:endParaRPr>
           </a:p>
           <a:p>
             <a:pPr algn="l" rtl="0" eaLnBrk="1" fontAlgn="auto" hangingPunct="1">
@@ -27394,6 +27773,13 @@
               </a:rPr>
               <a:t>对模型改动较大</a:t>
             </a:r>
+            <a:endParaRPr lang="zh-CN" altLang="en-US" sz="1800" b="0" i="0" u="none" baseline="0" dirty="0">
+              <a:solidFill>
+                <a:srgbClr val="000000"/>
+              </a:solidFill>
+              <a:latin typeface="BMW Group Condensed" panose="020B0606020202020204" pitchFamily="34" charset="0"/>
+              <a:ea typeface="宋体" panose="02010600030101010101" pitchFamily="2" charset="-122"/>
+            </a:endParaRPr>
           </a:p>
           <a:p>
             <a:pPr algn="l" rtl="0" eaLnBrk="1" fontAlgn="auto" hangingPunct="1">
@@ -27437,6 +27823,13 @@
               </a:rPr>
               <a:t>，固定一个特定环境，对模型环境进行简化</a:t>
             </a:r>
+            <a:endParaRPr lang="zh-CN" altLang="en-US" sz="1800" b="0" i="0" u="none" baseline="0" dirty="0">
+              <a:solidFill>
+                <a:srgbClr val="000000"/>
+              </a:solidFill>
+              <a:latin typeface="BMW Group Condensed" panose="020B0606020202020204" pitchFamily="34" charset="0"/>
+              <a:ea typeface="宋体" panose="02010600030101010101" pitchFamily="2" charset="-122"/>
+            </a:endParaRPr>
           </a:p>
           <a:p>
             <a:pPr algn="l" rtl="0" eaLnBrk="1" fontAlgn="auto" hangingPunct="1">
@@ -27460,6 +27853,13 @@
               </a:rPr>
               <a:t>包括固定车辆初始速度、初始位置、环境中车辆数以及车辆的运行轨迹</a:t>
             </a:r>
+            <a:endParaRPr lang="zh-CN" altLang="en-US" sz="1800" b="0" i="0" u="none" baseline="0" dirty="0">
+              <a:solidFill>
+                <a:srgbClr val="000000"/>
+              </a:solidFill>
+              <a:latin typeface="BMW Group Condensed" panose="020B0606020202020204" pitchFamily="34" charset="0"/>
+              <a:ea typeface="宋体" panose="02010600030101010101" pitchFamily="2" charset="-122"/>
+            </a:endParaRPr>
           </a:p>
         </p:txBody>
       </p:sp>
@@ -27507,6 +27907,7 @@
               <a:rPr lang="zh-CN" altLang="en-US"/>
               <a:t>二、完成情况</a:t>
             </a:r>
+            <a:endParaRPr lang="zh-CN" altLang="en-US"/>
           </a:p>
         </p:txBody>
       </p:sp>
@@ -27546,7 +27947,6 @@
           <a:p>
             <a:fld id="{CE0EC710-139A-4CA2-AAD7-77B43670B718}" type="slidenum">
               <a:rPr lang="zh-CN" altLang="en-US" smtClean="0"/>
-              <a:t>13</a:t>
             </a:fld>
             <a:endParaRPr lang="zh-CN" altLang="en-US" dirty="0"/>
           </a:p>
@@ -27563,7 +27963,7 @@
           </p:nvPr>
         </p:nvPicPr>
         <p:blipFill>
-          <a:blip r:embed="rId2"/>
+          <a:blip r:embed="rId1"/>
           <a:stretch>
             <a:fillRect/>
           </a:stretch>
@@ -27629,6 +28029,12 @@
               </a:rPr>
               <a:t>0</a:t>
             </a:r>
+            <a:endParaRPr lang="en-US" altLang="zh-CN" sz="1800" b="0" i="0" u="none" baseline="0" dirty="0">
+              <a:solidFill>
+                <a:srgbClr val="000000"/>
+              </a:solidFill>
+              <a:latin typeface="BMW Group Condensed" panose="020B0606020202020204" pitchFamily="34" charset="0"/>
+            </a:endParaRPr>
           </a:p>
           <a:p>
             <a:pPr algn="l" rtl="0" eaLnBrk="1" fontAlgn="auto" hangingPunct="1">
@@ -27652,6 +28058,13 @@
               </a:rPr>
               <a:t>所有生成车辆都会出现在环境中，即固定车数</a:t>
             </a:r>
+            <a:endParaRPr lang="zh-CN" altLang="en-US" sz="1800" b="0" i="0" u="none" baseline="0" dirty="0">
+              <a:solidFill>
+                <a:srgbClr val="000000"/>
+              </a:solidFill>
+              <a:latin typeface="BMW Group Condensed" panose="020B0606020202020204" pitchFamily="34" charset="0"/>
+              <a:ea typeface="宋体" panose="02010600030101010101" pitchFamily="2" charset="-122"/>
+            </a:endParaRPr>
           </a:p>
         </p:txBody>
       </p:sp>
@@ -27697,6 +28110,12 @@
               </a:rPr>
               <a:t>固定路线（环境中所有车辆直行，智能体左转）</a:t>
             </a:r>
+            <a:endParaRPr lang="zh-CN" altLang="en-US" sz="1800" b="0" i="0" u="none" baseline="0" dirty="0">
+              <a:solidFill>
+                <a:srgbClr val="000000"/>
+              </a:solidFill>
+              <a:latin typeface="BMW Group Condensed" panose="020B0606020202020204" pitchFamily="34" charset="0"/>
+            </a:endParaRPr>
           </a:p>
           <a:p>
             <a:pPr algn="l" rtl="0" eaLnBrk="1" fontAlgn="auto" hangingPunct="1">
@@ -27719,6 +28138,12 @@
               </a:rPr>
               <a:t>在交叉口出现路权冲突</a:t>
             </a:r>
+            <a:endParaRPr lang="zh-CN" altLang="en-US" sz="1800" b="0" i="0" u="none" baseline="0" dirty="0">
+              <a:solidFill>
+                <a:srgbClr val="000000"/>
+              </a:solidFill>
+              <a:latin typeface="BMW Group Condensed" panose="020B0606020202020204" pitchFamily="34" charset="0"/>
+            </a:endParaRPr>
           </a:p>
         </p:txBody>
       </p:sp>
@@ -27766,6 +28191,7 @@
               <a:rPr lang="zh-CN" altLang="en-US"/>
               <a:t>三、存在问题</a:t>
             </a:r>
+            <a:endParaRPr lang="zh-CN" altLang="en-US"/>
           </a:p>
         </p:txBody>
       </p:sp>
@@ -27805,7 +28231,6 @@
           <a:p>
             <a:fld id="{AA807A42-CF27-4B84-8583-18EBE418342E}" type="slidenum">
               <a:rPr lang="de-DE" smtClean="0"/>
-              <a:t>14</a:t>
             </a:fld>
             <a:endParaRPr lang="de-DE" dirty="0"/>
           </a:p>
@@ -27822,7 +28247,7 @@
           </p:nvPr>
         </p:nvPicPr>
         <p:blipFill>
-          <a:blip r:embed="rId2"/>
+          <a:blip r:embed="rId1"/>
           <a:stretch>
             <a:fillRect/>
           </a:stretch>
@@ -27880,6 +28305,13 @@
               </a:rPr>
               <a:t>还是模型训练没有效果</a:t>
             </a:r>
+            <a:endParaRPr lang="zh-CN" altLang="en-US" sz="2000" b="0" i="0" u="none" baseline="0" dirty="0">
+              <a:solidFill>
+                <a:srgbClr val="000000"/>
+              </a:solidFill>
+              <a:latin typeface="微软雅黑" panose="020B0503020204020204" pitchFamily="34" charset="-122"/>
+              <a:ea typeface="微软雅黑" panose="020B0503020204020204" pitchFamily="34" charset="-122"/>
+            </a:endParaRPr>
           </a:p>
           <a:p>
             <a:pPr algn="l" rtl="0" eaLnBrk="1" fontAlgn="auto" hangingPunct="1">
@@ -27903,6 +28335,13 @@
               </a:rPr>
               <a:t>发现智能体不会自动加减速来避让</a:t>
             </a:r>
+            <a:endParaRPr lang="zh-CN" altLang="en-US" sz="2000" b="0" i="0" u="none" baseline="0" dirty="0">
+              <a:solidFill>
+                <a:srgbClr val="000000"/>
+              </a:solidFill>
+              <a:latin typeface="微软雅黑" panose="020B0503020204020204" pitchFamily="34" charset="-122"/>
+              <a:ea typeface="微软雅黑" panose="020B0503020204020204" pitchFamily="34" charset="-122"/>
+            </a:endParaRPr>
           </a:p>
           <a:p>
             <a:pPr algn="l" rtl="0" eaLnBrk="1" fontAlgn="auto" hangingPunct="1">
@@ -27946,6 +28385,13 @@
               </a:rPr>
               <a:t>匀速通过</a:t>
             </a:r>
+            <a:endParaRPr lang="zh-CN" altLang="en-US" sz="2000" b="0" i="0" u="none" baseline="0" dirty="0">
+              <a:solidFill>
+                <a:srgbClr val="000000"/>
+              </a:solidFill>
+              <a:latin typeface="微软雅黑" panose="020B0503020204020204" pitchFamily="34" charset="-122"/>
+              <a:ea typeface="微软雅黑" panose="020B0503020204020204" pitchFamily="34" charset="-122"/>
+            </a:endParaRPr>
           </a:p>
           <a:p>
             <a:pPr algn="l" rtl="0" eaLnBrk="1" fontAlgn="auto" hangingPunct="1">
@@ -28021,6 +28467,7 @@
               <a:rPr lang="en-US" altLang="zh-CN" sz="2665" dirty="0"/>
               <a:t>01</a:t>
             </a:r>
+            <a:endParaRPr lang="en-US" altLang="zh-CN" sz="2665" dirty="0"/>
           </a:p>
         </p:txBody>
       </p:sp>
@@ -28052,6 +28499,7 @@
               <a:rPr lang="zh-CN" altLang="en-US" dirty="0"/>
               <a:t>组会</a:t>
             </a:r>
+            <a:endParaRPr lang="zh-CN" altLang="en-US" dirty="0"/>
           </a:p>
         </p:txBody>
       </p:sp>
@@ -28060,11 +28508,11 @@
   <p:clrMapOvr>
     <a:masterClrMapping/>
   </p:clrMapOvr>
-  <mc:AlternateContent xmlns:mc="http://schemas.openxmlformats.org/markup-compatibility/2006" xmlns:p14="http://schemas.microsoft.com/office/powerpoint/2010/main">
-    <mc:Choice Requires="p14">
+  <mc:AlternateContent xmlns:mc="http://schemas.openxmlformats.org/markup-compatibility/2006">
+    <mc:Choice xmlns:p14="http://schemas.microsoft.com/office/powerpoint/2010/main" Requires="p14">
       <p:transition spd="slow" p14:dur="2000" advTm="8329"/>
     </mc:Choice>
-    <mc:Fallback xmlns="">
+    <mc:Fallback>
       <p:transition spd="slow" advTm="8329"/>
     </mc:Fallback>
   </mc:AlternateContent>
@@ -28117,6 +28565,9 @@
               </a:rPr>
               <a:t>）</a:t>
             </a:r>
+            <a:endParaRPr lang="zh-CN" altLang="en-US" dirty="0">
+              <a:ea typeface="宋体" panose="02010600030101010101" pitchFamily="2" charset="-122"/>
+            </a:endParaRPr>
           </a:p>
         </p:txBody>
       </p:sp>
@@ -28153,6 +28604,15 @@
               </a:rPr>
               <a:t>单智能体强化学习代码进一步修改，训练模型。</a:t>
             </a:r>
+            <a:endParaRPr lang="zh-CN" altLang="en-US" sz="2400" dirty="0">
+              <a:solidFill>
+                <a:srgbClr val="000000"/>
+              </a:solidFill>
+              <a:latin typeface="Times New Roman" panose="02020603050405020304" pitchFamily="18" charset="0"/>
+              <a:ea typeface="宋体" panose="02010600030101010101" pitchFamily="2" charset="-122"/>
+              <a:cs typeface="Times New Roman" panose="02020603050405020304" pitchFamily="18" charset="0"/>
+              <a:sym typeface="+mn-ea"/>
+            </a:endParaRPr>
           </a:p>
           <a:p>
             <a:pPr marL="0" indent="0" defTabSz="914400">
@@ -28230,7 +28690,6 @@
           <a:p>
             <a:fld id="{AA807A42-CF27-4B84-8583-18EBE418342E}" type="slidenum">
               <a:rPr lang="de-DE" smtClean="0"/>
-              <a:t>16</a:t>
             </a:fld>
             <a:endParaRPr lang="de-DE" dirty="0"/>
           </a:p>
@@ -28270,7 +28729,7 @@
           <p:nvPr/>
         </p:nvPicPr>
         <p:blipFill>
-          <a:blip r:embed="rId2"/>
+          <a:blip r:embed="rId1"/>
           <a:stretch>
             <a:fillRect/>
           </a:stretch>
@@ -28304,6 +28763,7 @@
               <a:rPr lang="zh-CN" altLang="en-US"/>
               <a:t>二、完成情况</a:t>
             </a:r>
+            <a:endParaRPr lang="zh-CN" altLang="en-US"/>
           </a:p>
         </p:txBody>
       </p:sp>
@@ -28343,7 +28803,6 @@
           <a:p>
             <a:fld id="{AA807A42-CF27-4B84-8583-18EBE418342E}" type="slidenum">
               <a:rPr lang="de-DE" smtClean="0"/>
-              <a:t>17</a:t>
             </a:fld>
             <a:endParaRPr lang="de-DE" dirty="0"/>
           </a:p>
@@ -28549,7 +29008,7 @@
           <p:nvPr/>
         </p:nvPicPr>
         <p:blipFill>
-          <a:blip r:embed="rId3"/>
+          <a:blip r:embed="rId2"/>
           <a:stretch>
             <a:fillRect/>
           </a:stretch>
@@ -28912,6 +29371,14 @@
               </a:rPr>
               <a:t>[0, 1]</a:t>
             </a:r>
+            <a:endParaRPr lang="en-US" altLang="zh-CN" sz="2000" dirty="0">
+              <a:solidFill>
+                <a:srgbClr val="000000"/>
+              </a:solidFill>
+              <a:latin typeface="Times New Roman" panose="02020603050405020304" pitchFamily="18" charset="0"/>
+              <a:ea typeface="宋体" panose="02010600030101010101" pitchFamily="2" charset="-122"/>
+              <a:cs typeface="Times New Roman" panose="02020603050405020304" pitchFamily="18" charset="0"/>
+            </a:endParaRPr>
           </a:p>
           <a:p>
             <a:pPr>
@@ -28952,6 +29419,14 @@
               </a:rPr>
               <a:t>[-1, 1]</a:t>
             </a:r>
+            <a:endParaRPr lang="en-US" altLang="zh-CN" sz="2000" dirty="0">
+              <a:solidFill>
+                <a:srgbClr val="000000"/>
+              </a:solidFill>
+              <a:latin typeface="Times New Roman" panose="02020603050405020304" pitchFamily="18" charset="0"/>
+              <a:ea typeface="宋体" panose="02010600030101010101" pitchFamily="2" charset="-122"/>
+              <a:cs typeface="Times New Roman" panose="02020603050405020304" pitchFamily="18" charset="0"/>
+            </a:endParaRPr>
           </a:p>
           <a:p>
             <a:pPr rtl="0" eaLnBrk="1" fontAlgn="auto" hangingPunct="1">
@@ -29183,6 +29658,14 @@
               </a:rPr>
               <a:t>，停车时会给予惩罚。</a:t>
             </a:r>
+            <a:endParaRPr lang="zh-CN" altLang="en-US" sz="2000" b="0" i="0" u="none" baseline="0" dirty="0">
+              <a:solidFill>
+                <a:srgbClr val="000000"/>
+              </a:solidFill>
+              <a:latin typeface="Times New Roman" panose="02020603050405020304" pitchFamily="18" charset="0"/>
+              <a:ea typeface="宋体" panose="02010600030101010101" pitchFamily="2" charset="-122"/>
+              <a:cs typeface="Times New Roman" panose="02020603050405020304" pitchFamily="18" charset="0"/>
+            </a:endParaRPr>
           </a:p>
         </p:txBody>
       </p:sp>
@@ -29230,6 +29713,14 @@
               </a:rPr>
               <a:t>效避免车辆选择低速行驶</a:t>
             </a:r>
+            <a:endParaRPr lang="zh-CN" altLang="en-US" sz="2000" dirty="0">
+              <a:solidFill>
+                <a:srgbClr val="000000"/>
+              </a:solidFill>
+              <a:latin typeface="Times New Roman" panose="02020603050405020304" pitchFamily="18" charset="0"/>
+              <a:ea typeface="宋体" panose="02010600030101010101" pitchFamily="2" charset="-122"/>
+              <a:cs typeface="Times New Roman" panose="02020603050405020304" pitchFamily="18" charset="0"/>
+            </a:endParaRPr>
           </a:p>
         </p:txBody>
       </p:sp>
@@ -29277,6 +29768,7 @@
               <a:rPr lang="zh-CN" altLang="en-US"/>
               <a:t>二、完成情况</a:t>
             </a:r>
+            <a:endParaRPr lang="zh-CN" altLang="en-US"/>
           </a:p>
         </p:txBody>
       </p:sp>
@@ -29316,7 +29808,6 @@
           <a:p>
             <a:fld id="{AA807A42-CF27-4B84-8583-18EBE418342E}" type="slidenum">
               <a:rPr lang="de-DE" smtClean="0"/>
-              <a:t>18</a:t>
             </a:fld>
             <a:endParaRPr lang="de-DE" dirty="0"/>
           </a:p>
@@ -29522,7 +30013,7 @@
           <p:nvPr/>
         </p:nvPicPr>
         <p:blipFill>
-          <a:blip r:embed="rId5"/>
+          <a:blip r:embed="rId1"/>
           <a:stretch>
             <a:fillRect/>
           </a:stretch>
@@ -29549,13 +30040,13 @@
             <a:videoFile r:link="rId2"/>
             <p:extLst>
               <p:ext uri="{DAA4B4D4-6D71-4841-9C94-3DE7FCFB9230}">
-                <p14:media xmlns:p14="http://schemas.microsoft.com/office/powerpoint/2010/main" r:embed="rId1"/>
+                <p14:media xmlns:p14="http://schemas.microsoft.com/office/powerpoint/2010/main" r:embed="rId3"/>
               </p:ext>
             </p:extLst>
           </p:nvPr>
         </p:nvPicPr>
         <p:blipFill>
-          <a:blip r:embed="rId6"/>
+          <a:blip r:embed="rId4"/>
           <a:stretch>
             <a:fillRect/>
           </a:stretch>
@@ -29614,6 +30105,14 @@
               </a:rPr>
               <a:t>episode reward mean</a:t>
             </a:r>
+            <a:endParaRPr lang="en-US" altLang="zh-CN" sz="2400" b="0" i="0" u="none" baseline="0" dirty="0">
+              <a:solidFill>
+                <a:srgbClr val="000000"/>
+              </a:solidFill>
+              <a:latin typeface="Times New Roman" panose="02020603050405020304" pitchFamily="18" charset="0"/>
+              <a:ea typeface="微软雅黑" panose="020B0503020204020204" pitchFamily="34" charset="-122"/>
+              <a:cs typeface="Times New Roman" panose="02020603050405020304" pitchFamily="18" charset="0"/>
+            </a:endParaRPr>
           </a:p>
           <a:p>
             <a:pPr algn="ctr" rtl="0" eaLnBrk="1" fontAlgn="auto" hangingPunct="1">
@@ -29638,6 +30137,14 @@
               </a:rPr>
               <a:t>每个训练周期内奖励的平均值</a:t>
             </a:r>
+            <a:endParaRPr lang="zh-CN" altLang="en-US" sz="2400" b="0" i="0" u="none" baseline="0" dirty="0">
+              <a:solidFill>
+                <a:srgbClr val="000000"/>
+              </a:solidFill>
+              <a:latin typeface="宋体" panose="02010600030101010101" pitchFamily="2" charset="-122"/>
+              <a:ea typeface="宋体" panose="02010600030101010101" pitchFamily="2" charset="-122"/>
+              <a:cs typeface="Times New Roman" panose="02020603050405020304" pitchFamily="18" charset="0"/>
+            </a:endParaRPr>
           </a:p>
         </p:txBody>
       </p:sp>
@@ -29684,6 +30191,13 @@
               </a:rPr>
               <a:t>收敛较好</a:t>
             </a:r>
+            <a:endParaRPr lang="zh-CN" altLang="en-US" sz="2000" b="0" i="0" u="none" baseline="0" dirty="0">
+              <a:solidFill>
+                <a:srgbClr val="000000"/>
+              </a:solidFill>
+              <a:latin typeface="宋体" panose="02010600030101010101" pitchFamily="2" charset="-122"/>
+              <a:ea typeface="宋体" panose="02010600030101010101" pitchFamily="2" charset="-122"/>
+            </a:endParaRPr>
           </a:p>
         </p:txBody>
       </p:sp>
@@ -29866,6 +30380,7 @@
               <a:rPr lang="zh-CN" altLang="en-US"/>
               <a:t>三、下周任务</a:t>
             </a:r>
+            <a:endParaRPr lang="zh-CN" altLang="en-US"/>
           </a:p>
         </p:txBody>
       </p:sp>
@@ -29884,7 +30399,11 @@
           <a:bodyPr/>
           <a:lstStyle/>
           <a:p>
-            <a:endParaRPr lang="zh-CN" altLang="en-US"/>
+            <a:r>
+              <a:rPr lang="zh-CN" altLang="en-US" sz="2400"/>
+              <a:t>不固定代码环境，车辆数减少，初始速度、轨迹等不固定</a:t>
+            </a:r>
+            <a:endParaRPr lang="zh-CN" altLang="en-US" sz="2400"/>
           </a:p>
         </p:txBody>
       </p:sp>
@@ -29924,7 +30443,6 @@
           <a:p>
             <a:fld id="{CE0EC710-139A-4CA2-AAD7-77B43670B718}" type="slidenum">
               <a:rPr lang="zh-CN" altLang="en-US" smtClean="0"/>
-              <a:t>19</a:t>
             </a:fld>
             <a:endParaRPr lang="zh-CN" altLang="en-US" dirty="0"/>
           </a:p>
@@ -29980,6 +30498,9 @@
               </a:rPr>
               <a:t>目录</a:t>
             </a:r>
+            <a:endParaRPr lang="zh-CN" altLang="en-US">
+              <a:ea typeface="宋体" panose="02010600030101010101" pitchFamily="2" charset="-122"/>
+            </a:endParaRPr>
           </a:p>
         </p:txBody>
       </p:sp>
@@ -30111,6 +30632,9 @@
               </a:rPr>
               <a:t>下周任务</a:t>
             </a:r>
+            <a:endParaRPr lang="zh-CN" altLang="en-US" sz="3200" b="1" dirty="0">
+              <a:sym typeface="+mn-ea"/>
+            </a:endParaRPr>
           </a:p>
         </p:txBody>
       </p:sp>
@@ -30169,7 +30693,6 @@
           <a:p>
             <a:fld id="{AA807A42-CF27-4B84-8583-18EBE418342E}" type="slidenum">
               <a:rPr lang="de-DE" smtClean="0"/>
-              <a:t>2</a:t>
             </a:fld>
             <a:endParaRPr lang="de-DE" dirty="0"/>
           </a:p>
@@ -30219,6 +30742,7 @@
               <a:rPr lang="zh-CN" altLang="en-US"/>
               <a:t>一、本周任务</a:t>
             </a:r>
+            <a:endParaRPr lang="zh-CN" altLang="en-US"/>
           </a:p>
         </p:txBody>
       </p:sp>
@@ -30254,6 +30778,7 @@
               <a:rPr lang="zh-CN" altLang="en-US" sz="3200" b="1"/>
               <a:t>单智能体强化学习代码</a:t>
             </a:r>
+            <a:endParaRPr lang="zh-CN" altLang="en-US" sz="3200" b="1"/>
           </a:p>
           <a:p>
             <a:pPr marL="0" indent="0" algn="ctr">
@@ -30267,6 +30792,7 @@
               <a:rPr lang="zh-CN" altLang="en-US" sz="3200" b="1"/>
               <a:t>交叉口环境的代码复现</a:t>
             </a:r>
+            <a:endParaRPr lang="zh-CN" altLang="en-US" sz="3200" b="1"/>
           </a:p>
         </p:txBody>
       </p:sp>
@@ -30325,7 +30851,6 @@
           <a:p>
             <a:fld id="{AA807A42-CF27-4B84-8583-18EBE418342E}" type="slidenum">
               <a:rPr lang="de-DE" smtClean="0"/>
-              <a:t>3</a:t>
             </a:fld>
             <a:endParaRPr lang="de-DE" dirty="0"/>
           </a:p>
@@ -30375,6 +30900,7 @@
               <a:rPr lang="zh-CN" altLang="en-US" dirty="0"/>
               <a:t>二、本周任务完成情况</a:t>
             </a:r>
+            <a:endParaRPr lang="zh-CN" altLang="en-US" dirty="0"/>
           </a:p>
         </p:txBody>
       </p:sp>
@@ -30449,6 +30975,20 @@
               </a:rPr>
               <a:t>3</a:t>
             </a:r>
+            <a:endParaRPr kumimoji="0" lang="de-DE" sz="1600" b="0" i="0" u="none" strike="noStrike" kern="1200" cap="none" spc="0" normalizeH="0" baseline="0" noProof="0" dirty="0">
+              <a:ln>
+                <a:noFill/>
+              </a:ln>
+              <a:solidFill>
+                <a:prstClr val="white"/>
+              </a:solidFill>
+              <a:effectLst/>
+              <a:uLnTx/>
+              <a:uFillTx/>
+              <a:latin typeface="BMW Group Condensed"/>
+              <a:ea typeface="+mn-ea"/>
+              <a:cs typeface="+mn-cs"/>
+            </a:endParaRPr>
           </a:p>
         </p:txBody>
       </p:sp>
@@ -30973,7 +31513,7 @@
           <p:nvPr/>
         </p:nvPicPr>
         <p:blipFill>
-          <a:blip r:embed="rId3"/>
+          <a:blip r:embed="rId1"/>
           <a:stretch>
             <a:fillRect/>
           </a:stretch>
@@ -30997,7 +31537,7 @@
           <p:nvPr/>
         </p:nvPicPr>
         <p:blipFill>
-          <a:blip r:embed="rId4"/>
+          <a:blip r:embed="rId2"/>
           <a:stretch>
             <a:fillRect/>
           </a:stretch>
@@ -31056,6 +31596,7 @@
               <a:rPr lang="zh-CN" altLang="en-US" dirty="0"/>
               <a:t>二、本周任务完成情况</a:t>
             </a:r>
+            <a:endParaRPr lang="zh-CN" altLang="en-US" dirty="0"/>
           </a:p>
         </p:txBody>
       </p:sp>
@@ -31130,6 +31671,20 @@
               </a:rPr>
               <a:t>3</a:t>
             </a:r>
+            <a:endParaRPr kumimoji="0" lang="de-DE" sz="1600" b="0" i="0" u="none" strike="noStrike" kern="1200" cap="none" spc="0" normalizeH="0" baseline="0" noProof="0" dirty="0">
+              <a:ln>
+                <a:noFill/>
+              </a:ln>
+              <a:solidFill>
+                <a:prstClr val="white"/>
+              </a:solidFill>
+              <a:effectLst/>
+              <a:uLnTx/>
+              <a:uFillTx/>
+              <a:latin typeface="BMW Group Condensed"/>
+              <a:ea typeface="+mn-ea"/>
+              <a:cs typeface="+mn-cs"/>
+            </a:endParaRPr>
           </a:p>
         </p:txBody>
       </p:sp>
@@ -31390,7 +31945,7 @@
           <p:nvPr/>
         </p:nvPicPr>
         <p:blipFill>
-          <a:blip r:embed="rId3"/>
+          <a:blip r:embed="rId1"/>
           <a:stretch>
             <a:fillRect/>
           </a:stretch>
@@ -31565,6 +32120,14 @@
               </a:rPr>
               <a:t>路上行驶奖励，鼓励车辆保持在道路上，通常为正值。</a:t>
             </a:r>
+            <a:endParaRPr lang="zh-CN" altLang="en-US" b="1" dirty="0">
+              <a:solidFill>
+                <a:srgbClr val="000000"/>
+              </a:solidFill>
+              <a:latin typeface="微软雅黑" panose="020B0503020204020204" pitchFamily="34" charset="-122"/>
+              <a:ea typeface="微软雅黑" panose="020B0503020204020204" pitchFamily="34" charset="-122"/>
+              <a:cs typeface="微软雅黑" panose="020B0503020204020204" pitchFamily="34" charset="-122"/>
+            </a:endParaRPr>
           </a:p>
         </p:txBody>
       </p:sp>
@@ -31612,6 +32175,7 @@
               <a:rPr lang="zh-CN" altLang="en-US"/>
               <a:t>二、本周任务完成情况</a:t>
             </a:r>
+            <a:endParaRPr lang="zh-CN" altLang="en-US"/>
           </a:p>
         </p:txBody>
       </p:sp>
@@ -31626,7 +32190,7 @@
           </p:nvPr>
         </p:nvPicPr>
         <p:blipFill>
-          <a:blip r:embed="rId2"/>
+          <a:blip r:embed="rId1"/>
           <a:stretch>
             <a:fillRect/>
           </a:stretch>
@@ -31672,6 +32236,19 @@
               </a:rPr>
               <a:t>2.2 Intersection环境代码复现</a:t>
             </a:r>
+            <a:endParaRPr lang="en-US" altLang="zh-CN" sz="2400" noProof="0" dirty="0">
+              <a:ln>
+                <a:noFill/>
+              </a:ln>
+              <a:solidFill>
+                <a:schemeClr val="tx1"/>
+              </a:solidFill>
+              <a:effectLst/>
+              <a:uLnTx/>
+              <a:uFillTx/>
+              <a:latin typeface="微软雅黑" panose="020B0503020204020204" pitchFamily="34" charset="-122"/>
+              <a:ea typeface="微软雅黑" panose="020B0503020204020204" pitchFamily="34" charset="-122"/>
+            </a:endParaRPr>
           </a:p>
         </p:txBody>
       </p:sp>
@@ -31711,7 +32288,6 @@
           <a:p>
             <a:fld id="{AA807A42-CF27-4B84-8583-18EBE418342E}" type="slidenum">
               <a:rPr lang="de-DE" smtClean="0"/>
-              <a:t>6</a:t>
             </a:fld>
             <a:endParaRPr lang="de-DE" dirty="0"/>
           </a:p>
@@ -31760,6 +32336,13 @@
               </a:rPr>
               <a:t>交叉口环境设置</a:t>
             </a:r>
+            <a:endParaRPr lang="zh-CN" altLang="en-US" sz="2000" i="0" u="none" baseline="0" dirty="0">
+              <a:solidFill>
+                <a:srgbClr val="000000"/>
+              </a:solidFill>
+              <a:latin typeface="黑体" panose="02010609060101010101" charset="-122"/>
+              <a:ea typeface="黑体" panose="02010609060101010101" charset="-122"/>
+            </a:endParaRPr>
           </a:p>
         </p:txBody>
       </p:sp>
@@ -31806,6 +32389,13 @@
               </a:rPr>
               <a:t>模型训练</a:t>
             </a:r>
+            <a:endParaRPr lang="zh-CN" altLang="en-US" sz="1800" b="0" i="0" u="none" baseline="0" dirty="0">
+              <a:solidFill>
+                <a:srgbClr val="000000"/>
+              </a:solidFill>
+              <a:latin typeface="微软雅黑" panose="020B0503020204020204" pitchFamily="34" charset="-122"/>
+              <a:ea typeface="微软雅黑" panose="020B0503020204020204" pitchFamily="34" charset="-122"/>
+            </a:endParaRPr>
           </a:p>
         </p:txBody>
       </p:sp>
@@ -31818,7 +32408,7 @@
           <p:nvPr/>
         </p:nvPicPr>
         <p:blipFill>
-          <a:blip r:embed="rId3"/>
+          <a:blip r:embed="rId2"/>
           <a:srcRect b="5514"/>
           <a:stretch>
             <a:fillRect/>
@@ -31877,6 +32467,13 @@
               </a:rPr>
               <a:t>模型评估</a:t>
             </a:r>
+            <a:endParaRPr lang="zh-CN" altLang="en-US" sz="1800" b="0" i="0" u="none" baseline="0" dirty="0">
+              <a:solidFill>
+                <a:srgbClr val="000000"/>
+              </a:solidFill>
+              <a:latin typeface="微软雅黑" panose="020B0503020204020204" pitchFamily="34" charset="-122"/>
+              <a:ea typeface="微软雅黑" panose="020B0503020204020204" pitchFamily="34" charset="-122"/>
+            </a:endParaRPr>
           </a:p>
         </p:txBody>
       </p:sp>
@@ -31889,7 +32486,7 @@
           <p:nvPr/>
         </p:nvPicPr>
         <p:blipFill>
-          <a:blip r:embed="rId4"/>
+          <a:blip r:embed="rId3"/>
           <a:stretch>
             <a:fillRect/>
           </a:stretch>
@@ -32041,7 +32638,6 @@
           <a:p>
             <a:fld id="{AA807A42-CF27-4B84-8583-18EBE418342E}" type="slidenum">
               <a:rPr lang="de-DE" smtClean="0"/>
-              <a:t>7</a:t>
             </a:fld>
             <a:endParaRPr lang="de-DE" dirty="0"/>
           </a:p>
@@ -32058,7 +32654,7 @@
           </p:nvPr>
         </p:nvPicPr>
         <p:blipFill>
-          <a:blip r:embed="rId3"/>
+          <a:blip r:embed="rId1"/>
           <a:srcRect l="4521" t="11899"/>
           <a:stretch>
             <a:fillRect/>
@@ -32117,12 +32713,63 @@
               </a:rPr>
               <a:t>可视化</a:t>
             </a:r>
+            <a:endParaRPr lang="zh-CN" altLang="en-US" sz="2000" b="0" i="0" u="none" baseline="0" dirty="0">
+              <a:solidFill>
+                <a:srgbClr val="000000"/>
+              </a:solidFill>
+              <a:latin typeface="微软雅黑" panose="020B0503020204020204" pitchFamily="34" charset="-122"/>
+              <a:ea typeface="微软雅黑" panose="020B0503020204020204" pitchFamily="34" charset="-122"/>
+            </a:endParaRPr>
           </a:p>
         </p:txBody>
       </p:sp>
       <p:pic>
         <p:nvPicPr>
           <p:cNvPr id="11" name="图片 10"/>
+          <p:cNvPicPr/>
+          <p:nvPr/>
+        </p:nvPicPr>
+        <p:blipFill>
+          <a:blip r:embed="rId2"/>
+          <a:stretch>
+            <a:fillRect/>
+          </a:stretch>
+        </p:blipFill>
+        <p:spPr>
+          <a:xfrm>
+            <a:off x="5563870" y="1166495"/>
+            <a:ext cx="5400000" cy="1440000"/>
+          </a:xfrm>
+          <a:prstGeom prst="rect">
+            <a:avLst/>
+          </a:prstGeom>
+        </p:spPr>
+      </p:pic>
+      <p:pic>
+        <p:nvPicPr>
+          <p:cNvPr id="12" name="图片 11"/>
+          <p:cNvPicPr/>
+          <p:nvPr/>
+        </p:nvPicPr>
+        <p:blipFill>
+          <a:blip r:embed="rId3"/>
+          <a:stretch>
+            <a:fillRect/>
+          </a:stretch>
+        </p:blipFill>
+        <p:spPr>
+          <a:xfrm>
+            <a:off x="5563870" y="2799080"/>
+            <a:ext cx="5400000" cy="1440000"/>
+          </a:xfrm>
+          <a:prstGeom prst="rect">
+            <a:avLst/>
+          </a:prstGeom>
+        </p:spPr>
+      </p:pic>
+      <p:pic>
+        <p:nvPicPr>
+          <p:cNvPr id="13" name="图片 12"/>
           <p:cNvPicPr/>
           <p:nvPr/>
         </p:nvPicPr>
@@ -32134,50 +32781,6 @@
         </p:blipFill>
         <p:spPr>
           <a:xfrm>
-            <a:off x="5563870" y="1166495"/>
-            <a:ext cx="5400000" cy="1440000"/>
-          </a:xfrm>
-          <a:prstGeom prst="rect">
-            <a:avLst/>
-          </a:prstGeom>
-        </p:spPr>
-      </p:pic>
-      <p:pic>
-        <p:nvPicPr>
-          <p:cNvPr id="12" name="图片 11"/>
-          <p:cNvPicPr/>
-          <p:nvPr/>
-        </p:nvPicPr>
-        <p:blipFill>
-          <a:blip r:embed="rId5"/>
-          <a:stretch>
-            <a:fillRect/>
-          </a:stretch>
-        </p:blipFill>
-        <p:spPr>
-          <a:xfrm>
-            <a:off x="5563870" y="2799080"/>
-            <a:ext cx="5400000" cy="1440000"/>
-          </a:xfrm>
-          <a:prstGeom prst="rect">
-            <a:avLst/>
-          </a:prstGeom>
-        </p:spPr>
-      </p:pic>
-      <p:pic>
-        <p:nvPicPr>
-          <p:cNvPr id="13" name="图片 12"/>
-          <p:cNvPicPr/>
-          <p:nvPr/>
-        </p:nvPicPr>
-        <p:blipFill>
-          <a:blip r:embed="rId6"/>
-          <a:stretch>
-            <a:fillRect/>
-          </a:stretch>
-        </p:blipFill>
-        <p:spPr>
-          <a:xfrm>
             <a:off x="5563870" y="4431665"/>
             <a:ext cx="5400000" cy="1440000"/>
           </a:xfrm>
@@ -32229,6 +32832,13 @@
               </a:rPr>
               <a:t>指标</a:t>
             </a:r>
+            <a:endParaRPr lang="zh-CN" altLang="en-US" sz="2000" b="0" i="0" u="none" baseline="0" dirty="0">
+              <a:solidFill>
+                <a:srgbClr val="000000"/>
+              </a:solidFill>
+              <a:latin typeface="微软雅黑" panose="020B0503020204020204" pitchFamily="34" charset="-122"/>
+              <a:ea typeface="微软雅黑" panose="020B0503020204020204" pitchFamily="34" charset="-122"/>
+            </a:endParaRPr>
           </a:p>
         </p:txBody>
       </p:sp>
@@ -32276,6 +32886,7 @@
               <a:rPr lang="zh-CN" altLang="en-US" dirty="0"/>
               <a:t>三、存在问题</a:t>
             </a:r>
+            <a:endParaRPr lang="zh-CN" altLang="en-US" dirty="0"/>
           </a:p>
         </p:txBody>
       </p:sp>
@@ -32350,6 +32961,20 @@
               </a:rPr>
               <a:t>3</a:t>
             </a:r>
+            <a:endParaRPr kumimoji="0" lang="de-DE" sz="1600" b="0" i="0" u="none" strike="noStrike" kern="1200" cap="none" spc="0" normalizeH="0" baseline="0" noProof="0" dirty="0">
+              <a:ln>
+                <a:noFill/>
+              </a:ln>
+              <a:solidFill>
+                <a:prstClr val="white"/>
+              </a:solidFill>
+              <a:effectLst/>
+              <a:uLnTx/>
+              <a:uFillTx/>
+              <a:latin typeface="BMW Group Condensed"/>
+              <a:ea typeface="+mn-ea"/>
+              <a:cs typeface="+mn-cs"/>
+            </a:endParaRPr>
           </a:p>
         </p:txBody>
       </p:sp>
@@ -32402,6 +33027,14 @@
               </a:rPr>
               <a:t>波动不收敛</a:t>
             </a:r>
+            <a:endParaRPr lang="zh-CN" altLang="en-US" sz="2400" b="1" dirty="0">
+              <a:solidFill>
+                <a:srgbClr val="000000"/>
+              </a:solidFill>
+              <a:latin typeface="微软雅黑" panose="020B0503020204020204" pitchFamily="34" charset="-122"/>
+              <a:ea typeface="微软雅黑" panose="020B0503020204020204" pitchFamily="34" charset="-122"/>
+              <a:cs typeface="微软雅黑" panose="020B0503020204020204" pitchFamily="34" charset="-122"/>
+            </a:endParaRPr>
           </a:p>
         </p:txBody>
       </p:sp>
@@ -32414,7 +33047,7 @@
           <p:nvPr/>
         </p:nvPicPr>
         <p:blipFill>
-          <a:blip r:embed="rId3"/>
+          <a:blip r:embed="rId1"/>
           <a:stretch>
             <a:fillRect/>
           </a:stretch>
@@ -32472,6 +33105,13 @@
               </a:rPr>
               <a:t>总体损失</a:t>
             </a:r>
+            <a:endParaRPr lang="zh-CN" altLang="en-US" sz="2000" b="0" i="0" u="none" baseline="0" dirty="0">
+              <a:solidFill>
+                <a:srgbClr val="000000"/>
+              </a:solidFill>
+              <a:latin typeface="黑体" panose="02010609060101010101" charset="-122"/>
+              <a:ea typeface="黑体" panose="02010609060101010101" charset="-122"/>
+            </a:endParaRPr>
           </a:p>
         </p:txBody>
       </p:sp>
@@ -32518,6 +33158,13 @@
               </a:rPr>
               <a:t>策略梯度损失</a:t>
             </a:r>
+            <a:endParaRPr lang="zh-CN" altLang="en-US" sz="2000" b="0" i="0" u="none" baseline="0" dirty="0">
+              <a:solidFill>
+                <a:srgbClr val="000000"/>
+              </a:solidFill>
+              <a:latin typeface="黑体" panose="02010609060101010101" charset="-122"/>
+              <a:ea typeface="黑体" panose="02010609060101010101" charset="-122"/>
+            </a:endParaRPr>
           </a:p>
         </p:txBody>
       </p:sp>
@@ -32564,6 +33211,13 @@
               </a:rPr>
               <a:t>价值损失</a:t>
             </a:r>
+            <a:endParaRPr lang="zh-CN" altLang="en-US" sz="2000" b="0" i="0" u="none" baseline="0" dirty="0">
+              <a:solidFill>
+                <a:srgbClr val="000000"/>
+              </a:solidFill>
+              <a:latin typeface="黑体" panose="02010609060101010101" charset="-122"/>
+              <a:ea typeface="黑体" panose="02010609060101010101" charset="-122"/>
+            </a:endParaRPr>
           </a:p>
         </p:txBody>
       </p:sp>
@@ -32610,6 +33264,13 @@
               </a:rPr>
               <a:t>稳定性差</a:t>
             </a:r>
+            <a:endParaRPr lang="zh-CN" altLang="en-US" sz="2800" b="1" i="0" u="none" baseline="0" dirty="0">
+              <a:solidFill>
+                <a:srgbClr val="000000"/>
+              </a:solidFill>
+              <a:latin typeface="微软雅黑" panose="020B0503020204020204" pitchFamily="34" charset="-122"/>
+              <a:ea typeface="微软雅黑" panose="020B0503020204020204" pitchFamily="34" charset="-122"/>
+            </a:endParaRPr>
           </a:p>
         </p:txBody>
       </p:sp>
@@ -32657,6 +33318,7 @@
               <a:rPr lang="zh-CN" altLang="en-US"/>
               <a:t>三、存在问题</a:t>
             </a:r>
+            <a:endParaRPr lang="zh-CN" altLang="en-US"/>
           </a:p>
         </p:txBody>
       </p:sp>
@@ -32696,6 +33358,14 @@
               </a:rPr>
               <a:t>模型效果不理想</a:t>
             </a:r>
+            <a:endParaRPr lang="zh-CN" altLang="en-US" sz="2400" b="1" dirty="0">
+              <a:solidFill>
+                <a:srgbClr val="000000"/>
+              </a:solidFill>
+              <a:latin typeface="微软雅黑" panose="020B0503020204020204" pitchFamily="34" charset="-122"/>
+              <a:ea typeface="微软雅黑" panose="020B0503020204020204" pitchFamily="34" charset="-122"/>
+              <a:cs typeface="微软雅黑" panose="020B0503020204020204" pitchFamily="34" charset="-122"/>
+            </a:endParaRPr>
           </a:p>
           <a:p>
             <a:endParaRPr lang="zh-CN" altLang="en-US"/>
@@ -32738,7 +33408,6 @@
           <a:p>
             <a:fld id="{AA807A42-CF27-4B84-8583-18EBE418342E}" type="slidenum">
               <a:rPr lang="de-DE" smtClean="0"/>
-              <a:t>9</a:t>
             </a:fld>
             <a:endParaRPr lang="de-DE" dirty="0"/>
           </a:p>
@@ -32787,6 +33456,13 @@
               </a:rPr>
               <a:t>成功率低</a:t>
             </a:r>
+            <a:endParaRPr lang="zh-CN" altLang="en-US" sz="2800" b="1" i="0" u="none" baseline="0" dirty="0">
+              <a:solidFill>
+                <a:srgbClr val="000000"/>
+              </a:solidFill>
+              <a:latin typeface="微软雅黑" panose="020B0503020204020204" pitchFamily="34" charset="-122"/>
+              <a:ea typeface="微软雅黑" panose="020B0503020204020204" pitchFamily="34" charset="-122"/>
+            </a:endParaRPr>
           </a:p>
         </p:txBody>
       </p:sp>
@@ -32833,6 +33509,13 @@
               </a:rPr>
               <a:t>代码结果可视化：撞车严重</a:t>
             </a:r>
+            <a:endParaRPr lang="zh-CN" altLang="en-US" sz="2800" b="0" i="0" u="none" baseline="0" dirty="0">
+              <a:solidFill>
+                <a:srgbClr val="000000"/>
+              </a:solidFill>
+              <a:latin typeface="微软雅黑" panose="020B0503020204020204" pitchFamily="34" charset="-122"/>
+              <a:ea typeface="微软雅黑" panose="020B0503020204020204" pitchFamily="34" charset="-122"/>
+            </a:endParaRPr>
           </a:p>
         </p:txBody>
       </p:sp>
@@ -32879,6 +33562,13 @@
               </a:rPr>
               <a:t>超参数的值怎么修改？</a:t>
             </a:r>
+            <a:endParaRPr lang="zh-CN" altLang="en-US" sz="2800" b="0" i="0" u="none" baseline="0" dirty="0">
+              <a:solidFill>
+                <a:srgbClr val="000000"/>
+              </a:solidFill>
+              <a:latin typeface="微软雅黑" panose="020B0503020204020204" pitchFamily="34" charset="-122"/>
+              <a:ea typeface="微软雅黑" panose="020B0503020204020204" pitchFamily="34" charset="-122"/>
+            </a:endParaRPr>
           </a:p>
         </p:txBody>
       </p:sp>
@@ -32891,13 +33581,39 @@
 </file>
 
 <file path=ppt/tags/tag1.xml><?xml version="1.0" encoding="utf-8"?>
-<p:tagLst xmlns:a="http://schemas.openxmlformats.org/drawingml/2006/main" xmlns:r="http://schemas.openxmlformats.org/officeDocument/2006/relationships" xmlns:p="http://schemas.openxmlformats.org/presentationml/2006/main">
-  <p:tag name="COMMONDATA" val="eyJoZGlkIjoiMzcyODMxYTE0ZTc0ZGU3Y2QwODc3MzYzN2Q1YmNiM2EifQ=="/>
+<p:tagLst xmlns:p="http://schemas.openxmlformats.org/presentationml/2006/main">
+  <p:tag name="MIO_PRESI_FIRST_SLIDENUMBER" val="1"/>
+  <p:tag name="MIO_FALLBACK_LAYOUT" val="14"/>
+  <p:tag name="MIO_SHOW_DATE" val="False"/>
+  <p:tag name="MIO_SHOW_FOOTER" val="True"/>
+  <p:tag name="MIO_SHOW_PAGENUMBER" val="True"/>
+  <p:tag name="MIO_AVOID_BLANK_LAYOUT" val="True"/>
+  <p:tag name="MIO_NUMBER_OF_VALID_LAYOUTS" val="15"/>
+  <p:tag name="MIO_MST_COLOR_1" val="0,0,0,Dunkel 1"/>
+  <p:tag name="MIO_MST_COLOR_2" val="255,255,255,Hell 1"/>
+  <p:tag name="MIO_MST_COLOR_3" val="64,64,64,Dunkel 2"/>
+  <p:tag name="MIO_MST_COLOR_4" val="146,162,189,Hell 2"/>
+  <p:tag name="MIO_MST_COLOR_5" val="102,113,132,Akzent 1"/>
+  <p:tag name="MIO_MST_COLOR_6" val="146,162,189,Akzent 2"/>
+  <p:tag name="MIO_MST_COLOR_7" val="173,185,206,Akzent 3"/>
+  <p:tag name="MIO_MST_COLOR_8" val="201,209,222,Akzent 4"/>
+  <p:tag name="MIO_MST_COLOR_9" val="228,232,238,Akzent 5"/>
+  <p:tag name="MIO_MST_COLOR_10" val="221,218,210,Akzent 6"/>
+  <p:tag name="MIO_MST_COLOR_11" val="0,0,0,"/>
+  <p:tag name="MIO_MST_COLOR_12" val="0,0,0,"/>
+  <p:tag name="MIO_HDS" val="True"/>
+  <p:tag name="MIO_EK" val="1989"/>
+  <p:tag name="MIO_UPDATE" val="True"/>
+  <p:tag name="MIO_VERSION" val="23.10.2015 16:52:00"/>
+  <p:tag name="MIO_DBID" val="917DD09C-76C3-4640-8E0D-382111CB3B69"/>
+  <p:tag name="MIO_LASTDOWNLOADED" val="30.10.2015 14:18:05"/>
+  <p:tag name="MIO_OBJECTNAME" val="BMW Group 4:3"/>
+  <p:tag name="MIO_LASTEDITORNAME" val="empower enterprise"/>
 </p:tagLst>
 </file>
 
 <file path=ppt/tags/tag2.xml><?xml version="1.0" encoding="utf-8"?>
-<p:tagLst xmlns:a="http://schemas.openxmlformats.org/drawingml/2006/main" xmlns:r="http://schemas.openxmlformats.org/officeDocument/2006/relationships" xmlns:p="http://schemas.openxmlformats.org/presentationml/2006/main">
+<p:tagLst xmlns:p="http://schemas.openxmlformats.org/presentationml/2006/main">
   <p:tag name="MIO_PRESI_FIRST_SLIDENUMBER" val="1"/>
   <p:tag name="MIO_FALLBACK_LAYOUT" val="14"/>
   <p:tag name="MIO_SHOW_DATE" val="False"/>
@@ -32929,34 +33645,8 @@
 </file>
 
 <file path=ppt/tags/tag3.xml><?xml version="1.0" encoding="utf-8"?>
-<p:tagLst xmlns:a="http://schemas.openxmlformats.org/drawingml/2006/main" xmlns:r="http://schemas.openxmlformats.org/officeDocument/2006/relationships" xmlns:p="http://schemas.openxmlformats.org/presentationml/2006/main">
-  <p:tag name="MIO_PRESI_FIRST_SLIDENUMBER" val="1"/>
-  <p:tag name="MIO_FALLBACK_LAYOUT" val="14"/>
-  <p:tag name="MIO_SHOW_DATE" val="False"/>
-  <p:tag name="MIO_SHOW_FOOTER" val="True"/>
-  <p:tag name="MIO_SHOW_PAGENUMBER" val="True"/>
-  <p:tag name="MIO_AVOID_BLANK_LAYOUT" val="True"/>
-  <p:tag name="MIO_NUMBER_OF_VALID_LAYOUTS" val="15"/>
-  <p:tag name="MIO_MST_COLOR_1" val="0,0,0,Dunkel 1"/>
-  <p:tag name="MIO_MST_COLOR_2" val="255,255,255,Hell 1"/>
-  <p:tag name="MIO_MST_COLOR_3" val="64,64,64,Dunkel 2"/>
-  <p:tag name="MIO_MST_COLOR_4" val="146,162,189,Hell 2"/>
-  <p:tag name="MIO_MST_COLOR_5" val="102,113,132,Akzent 1"/>
-  <p:tag name="MIO_MST_COLOR_6" val="146,162,189,Akzent 2"/>
-  <p:tag name="MIO_MST_COLOR_7" val="173,185,206,Akzent 3"/>
-  <p:tag name="MIO_MST_COLOR_8" val="201,209,222,Akzent 4"/>
-  <p:tag name="MIO_MST_COLOR_9" val="228,232,238,Akzent 5"/>
-  <p:tag name="MIO_MST_COLOR_10" val="221,218,210,Akzent 6"/>
-  <p:tag name="MIO_MST_COLOR_11" val="0,0,0,"/>
-  <p:tag name="MIO_MST_COLOR_12" val="0,0,0,"/>
-  <p:tag name="MIO_HDS" val="True"/>
-  <p:tag name="MIO_EK" val="1989"/>
-  <p:tag name="MIO_UPDATE" val="True"/>
-  <p:tag name="MIO_VERSION" val="23.10.2015 16:52:00"/>
-  <p:tag name="MIO_DBID" val="917DD09C-76C3-4640-8E0D-382111CB3B69"/>
-  <p:tag name="MIO_LASTDOWNLOADED" val="30.10.2015 14:18:05"/>
-  <p:tag name="MIO_OBJECTNAME" val="BMW Group 4:3"/>
-  <p:tag name="MIO_LASTEDITORNAME" val="empower enterprise"/>
+<p:tagLst xmlns:p="http://schemas.openxmlformats.org/presentationml/2006/main">
+  <p:tag name="COMMONDATA" val="eyJoZGlkIjoiMzcyODMxYTE0ZTc0ZGU3Y2QwODc3MzYzN2Q1YmNiM2EifQ=="/>
 </p:tagLst>
 </file>
 
@@ -33283,7 +33973,6 @@
       </a:lstStyle>
     </a:txDef>
   </a:objectDefaults>
-  <a:extraClrSchemeLst/>
   <a:custClrLst>
     <a:custClr name="Grundfarbe Schwarz">
       <a:srgbClr val="000000"/>
@@ -33695,8 +34384,6 @@
       </a:bgFillStyleLst>
     </a:fmtScheme>
   </a:themeElements>
-  <a:objectDefaults/>
-  <a:extraClrSchemeLst/>
   <a:extLst>
     <a:ext uri="{05A4C25C-085E-4340-85A3-A5531E510DB2}">
       <thm15:themeFamily xmlns:thm15="http://schemas.microsoft.com/office/thememl/2012/main" name="Office Theme" id="{62F939B6-93AF-4DB8-9C6B-D6C7DFDC589F}" vid="{4A3C46E8-61CC-4603-A589-7422A47A8E4A}"/>
@@ -34028,7 +34715,6 @@
       </a:lstStyle>
     </a:txDef>
   </a:objectDefaults>
-  <a:extraClrSchemeLst/>
   <a:custClrLst>
     <a:custClr name="Grundfarbe Schwarz">
       <a:srgbClr val="000000"/>
@@ -34467,8 +35153,6 @@
       </a:bgFillStyleLst>
     </a:fmtScheme>
   </a:themeElements>
-  <a:objectDefaults/>
-  <a:extraClrSchemeLst/>
   <a:extLst>
     <a:ext uri="{05A4C25C-085E-4340-85A3-A5531E510DB2}">
       <thm15:themeFamily xmlns:thm15="http://schemas.microsoft.com/office/thememl/2012/main" name="Office Theme" id="{62F939B6-93AF-4DB8-9C6B-D6C7DFDC589F}" vid="{4A3C46E8-61CC-4603-A589-7422A47A8E4A}"/>
@@ -34728,8 +35412,6 @@
       </a:bgFillStyleLst>
     </a:fmtScheme>
   </a:themeElements>
-  <a:objectDefaults/>
-  <a:extraClrSchemeLst/>
   <a:extLst>
     <a:ext uri="{05A4C25C-085E-4340-85A3-A5531E510DB2}">
       <thm15:themeFamily xmlns:thm15="http://schemas.microsoft.com/office/thememl/2012/main" name="Office Theme" id="{62F939B6-93AF-4DB8-9C6B-D6C7DFDC589F}" vid="{4A3C46E8-61CC-4603-A589-7422A47A8E4A}"/>
